--- a/Radiation and Atmosphere Interaction/Report 0/ΕργασίαΜηδέν.pptx
+++ b/Radiation and Atmosphere Interaction/Report 0/ΕργασίαΜηδέν.pptx
@@ -4,15 +4,26 @@
   <p:sldMasterIdLst>
     <p:sldMasterId id="2147483757" r:id="rId1"/>
   </p:sldMasterIdLst>
+  <p:notesMasterIdLst>
+    <p:notesMasterId r:id="rId18"/>
+  </p:notesMasterIdLst>
   <p:sldIdLst>
     <p:sldId id="256" r:id="rId2"/>
     <p:sldId id="262" r:id="rId3"/>
     <p:sldId id="263" r:id="rId4"/>
-    <p:sldId id="257" r:id="rId5"/>
-    <p:sldId id="258" r:id="rId6"/>
-    <p:sldId id="259" r:id="rId7"/>
-    <p:sldId id="260" r:id="rId8"/>
-    <p:sldId id="261" r:id="rId9"/>
+    <p:sldId id="264" r:id="rId5"/>
+    <p:sldId id="265" r:id="rId6"/>
+    <p:sldId id="266" r:id="rId7"/>
+    <p:sldId id="267" r:id="rId8"/>
+    <p:sldId id="268" r:id="rId9"/>
+    <p:sldId id="269" r:id="rId10"/>
+    <p:sldId id="270" r:id="rId11"/>
+    <p:sldId id="257" r:id="rId12"/>
+    <p:sldId id="258" r:id="rId13"/>
+    <p:sldId id="259" r:id="rId14"/>
+    <p:sldId id="260" r:id="rId15"/>
+    <p:sldId id="261" r:id="rId16"/>
+    <p:sldId id="271" r:id="rId17"/>
   </p:sldIdLst>
   <p:sldSz cx="12192000" cy="6858000"/>
   <p:notesSz cx="6858000" cy="9144000"/>
@@ -119,6 +130,356 @@
 </p:presentation>
 </file>
 
+<file path=ppt/notesMasters/notesMaster1.xml><?xml version="1.0" encoding="utf-8"?>
+<p:notesMaster xmlns:a="http://schemas.openxmlformats.org/drawingml/2006/main" xmlns:r="http://schemas.openxmlformats.org/officeDocument/2006/relationships" xmlns:p="http://schemas.openxmlformats.org/presentationml/2006/main">
+  <p:cSld>
+    <p:bg>
+      <p:bgRef idx="1001">
+        <a:schemeClr val="bg1"/>
+      </p:bgRef>
+    </p:bg>
+    <p:spTree>
+      <p:nvGrpSpPr>
+        <p:cNvPr id="1" name=""/>
+        <p:cNvGrpSpPr/>
+        <p:nvPr/>
+      </p:nvGrpSpPr>
+      <p:grpSpPr>
+        <a:xfrm>
+          <a:off x="0" y="0"/>
+          <a:ext cx="0" cy="0"/>
+          <a:chOff x="0" y="0"/>
+          <a:chExt cx="0" cy="0"/>
+        </a:xfrm>
+      </p:grpSpPr>
+      <p:sp>
+        <p:nvSpPr>
+          <p:cNvPr id="2" name="Θέση κεφαλίδας 1"/>
+          <p:cNvSpPr>
+            <a:spLocks noGrp="1"/>
+          </p:cNvSpPr>
+          <p:nvPr>
+            <p:ph type="hdr" sz="quarter"/>
+          </p:nvPr>
+        </p:nvSpPr>
+        <p:spPr>
+          <a:xfrm>
+            <a:off x="0" y="0"/>
+            <a:ext cx="2971800" cy="458788"/>
+          </a:xfrm>
+          <a:prstGeom prst="rect">
+            <a:avLst/>
+          </a:prstGeom>
+        </p:spPr>
+        <p:txBody>
+          <a:bodyPr vert="horz" lIns="91440" tIns="45720" rIns="91440" bIns="45720" rtlCol="0"/>
+          <a:lstStyle>
+            <a:lvl1pPr algn="l">
+              <a:defRPr sz="1200"/>
+            </a:lvl1pPr>
+          </a:lstStyle>
+          <a:p>
+            <a:endParaRPr lang="en-GB"/>
+          </a:p>
+        </p:txBody>
+      </p:sp>
+      <p:sp>
+        <p:nvSpPr>
+          <p:cNvPr id="3" name="Θέση ημερομηνίας 2"/>
+          <p:cNvSpPr>
+            <a:spLocks noGrp="1"/>
+          </p:cNvSpPr>
+          <p:nvPr>
+            <p:ph type="dt" idx="1"/>
+          </p:nvPr>
+        </p:nvSpPr>
+        <p:spPr>
+          <a:xfrm>
+            <a:off x="3884613" y="0"/>
+            <a:ext cx="2971800" cy="458788"/>
+          </a:xfrm>
+          <a:prstGeom prst="rect">
+            <a:avLst/>
+          </a:prstGeom>
+        </p:spPr>
+        <p:txBody>
+          <a:bodyPr vert="horz" lIns="91440" tIns="45720" rIns="91440" bIns="45720" rtlCol="0"/>
+          <a:lstStyle>
+            <a:lvl1pPr algn="r">
+              <a:defRPr sz="1200"/>
+            </a:lvl1pPr>
+          </a:lstStyle>
+          <a:p>
+            <a:fld id="{5059C885-F74F-4F26-9D14-847F9B1FFD54}" type="datetimeFigureOut">
+              <a:rPr lang="en-GB" smtClean="0"/>
+              <a:t>26/10/2024</a:t>
+            </a:fld>
+            <a:endParaRPr lang="en-GB"/>
+          </a:p>
+        </p:txBody>
+      </p:sp>
+      <p:sp>
+        <p:nvSpPr>
+          <p:cNvPr id="4" name="Θέση εικόνας διαφάνειας 3"/>
+          <p:cNvSpPr>
+            <a:spLocks noGrp="1" noRot="1" noChangeAspect="1"/>
+          </p:cNvSpPr>
+          <p:nvPr>
+            <p:ph type="sldImg" idx="2"/>
+          </p:nvPr>
+        </p:nvSpPr>
+        <p:spPr>
+          <a:xfrm>
+            <a:off x="685800" y="1143000"/>
+            <a:ext cx="5486400" cy="3086100"/>
+          </a:xfrm>
+          <a:prstGeom prst="rect">
+            <a:avLst/>
+          </a:prstGeom>
+          <a:noFill/>
+          <a:ln w="12700">
+            <a:solidFill>
+              <a:prstClr val="black"/>
+            </a:solidFill>
+          </a:ln>
+        </p:spPr>
+        <p:txBody>
+          <a:bodyPr vert="horz" lIns="91440" tIns="45720" rIns="91440" bIns="45720" rtlCol="0" anchor="ctr"/>
+          <a:lstStyle/>
+          <a:p>
+            <a:endParaRPr lang="en-GB"/>
+          </a:p>
+        </p:txBody>
+      </p:sp>
+      <p:sp>
+        <p:nvSpPr>
+          <p:cNvPr id="5" name="Θέση σημειώσεων 4"/>
+          <p:cNvSpPr>
+            <a:spLocks noGrp="1"/>
+          </p:cNvSpPr>
+          <p:nvPr>
+            <p:ph type="body" sz="quarter" idx="3"/>
+          </p:nvPr>
+        </p:nvSpPr>
+        <p:spPr>
+          <a:xfrm>
+            <a:off x="685800" y="4400550"/>
+            <a:ext cx="5486400" cy="3600450"/>
+          </a:xfrm>
+          <a:prstGeom prst="rect">
+            <a:avLst/>
+          </a:prstGeom>
+        </p:spPr>
+        <p:txBody>
+          <a:bodyPr vert="horz" lIns="91440" tIns="45720" rIns="91440" bIns="45720" rtlCol="0"/>
+          <a:lstStyle/>
+          <a:p>
+            <a:pPr lvl="0"/>
+            <a:r>
+              <a:rPr lang="el-GR"/>
+              <a:t>Στυλ κειμένου υποδείγματος</a:t>
+            </a:r>
+          </a:p>
+          <a:p>
+            <a:pPr lvl="1"/>
+            <a:r>
+              <a:rPr lang="el-GR"/>
+              <a:t>Δεύτερο επίπεδο</a:t>
+            </a:r>
+          </a:p>
+          <a:p>
+            <a:pPr lvl="2"/>
+            <a:r>
+              <a:rPr lang="el-GR"/>
+              <a:t>Τρίτο επίπεδο</a:t>
+            </a:r>
+          </a:p>
+          <a:p>
+            <a:pPr lvl="3"/>
+            <a:r>
+              <a:rPr lang="el-GR"/>
+              <a:t>Τέταρτο επίπεδο</a:t>
+            </a:r>
+          </a:p>
+          <a:p>
+            <a:pPr lvl="4"/>
+            <a:r>
+              <a:rPr lang="el-GR"/>
+              <a:t>Πέμπτο επίπεδο</a:t>
+            </a:r>
+            <a:endParaRPr lang="en-GB"/>
+          </a:p>
+        </p:txBody>
+      </p:sp>
+      <p:sp>
+        <p:nvSpPr>
+          <p:cNvPr id="6" name="Θέση υποσέλιδου 5"/>
+          <p:cNvSpPr>
+            <a:spLocks noGrp="1"/>
+          </p:cNvSpPr>
+          <p:nvPr>
+            <p:ph type="ftr" sz="quarter" idx="4"/>
+          </p:nvPr>
+        </p:nvSpPr>
+        <p:spPr>
+          <a:xfrm>
+            <a:off x="0" y="8685213"/>
+            <a:ext cx="2971800" cy="458787"/>
+          </a:xfrm>
+          <a:prstGeom prst="rect">
+            <a:avLst/>
+          </a:prstGeom>
+        </p:spPr>
+        <p:txBody>
+          <a:bodyPr vert="horz" lIns="91440" tIns="45720" rIns="91440" bIns="45720" rtlCol="0" anchor="b"/>
+          <a:lstStyle>
+            <a:lvl1pPr algn="l">
+              <a:defRPr sz="1200"/>
+            </a:lvl1pPr>
+          </a:lstStyle>
+          <a:p>
+            <a:endParaRPr lang="en-GB"/>
+          </a:p>
+        </p:txBody>
+      </p:sp>
+      <p:sp>
+        <p:nvSpPr>
+          <p:cNvPr id="7" name="Θέση αριθμού διαφάνειας 6"/>
+          <p:cNvSpPr>
+            <a:spLocks noGrp="1"/>
+          </p:cNvSpPr>
+          <p:nvPr>
+            <p:ph type="sldNum" sz="quarter" idx="5"/>
+          </p:nvPr>
+        </p:nvSpPr>
+        <p:spPr>
+          <a:xfrm>
+            <a:off x="3884613" y="8685213"/>
+            <a:ext cx="2971800" cy="458787"/>
+          </a:xfrm>
+          <a:prstGeom prst="rect">
+            <a:avLst/>
+          </a:prstGeom>
+        </p:spPr>
+        <p:txBody>
+          <a:bodyPr vert="horz" lIns="91440" tIns="45720" rIns="91440" bIns="45720" rtlCol="0" anchor="b"/>
+          <a:lstStyle>
+            <a:lvl1pPr algn="r">
+              <a:defRPr sz="1200"/>
+            </a:lvl1pPr>
+          </a:lstStyle>
+          <a:p>
+            <a:fld id="{A4247564-F8D7-4AA4-B045-824B2DE886E7}" type="slidenum">
+              <a:rPr lang="en-GB" smtClean="0"/>
+              <a:t>‹#›</a:t>
+            </a:fld>
+            <a:endParaRPr lang="en-GB"/>
+          </a:p>
+        </p:txBody>
+      </p:sp>
+    </p:spTree>
+    <p:extLst>
+      <p:ext uri="{BB962C8B-B14F-4D97-AF65-F5344CB8AC3E}">
+        <p14:creationId xmlns:p14="http://schemas.microsoft.com/office/powerpoint/2010/main" val="3329708797"/>
+      </p:ext>
+    </p:extLst>
+  </p:cSld>
+  <p:clrMap bg1="lt1" tx1="dk1" bg2="lt2" tx2="dk2" accent1="accent1" accent2="accent2" accent3="accent3" accent4="accent4" accent5="accent5" accent6="accent6" hlink="hlink" folHlink="folHlink"/>
+  <p:notesStyle>
+    <a:lvl1pPr marL="0" algn="l" defTabSz="914400" rtl="0" eaLnBrk="1" latinLnBrk="0" hangingPunct="1">
+      <a:defRPr sz="1200" kern="1200">
+        <a:solidFill>
+          <a:schemeClr val="tx1"/>
+        </a:solidFill>
+        <a:latin typeface="+mn-lt"/>
+        <a:ea typeface="+mn-ea"/>
+        <a:cs typeface="+mn-cs"/>
+      </a:defRPr>
+    </a:lvl1pPr>
+    <a:lvl2pPr marL="457200" algn="l" defTabSz="914400" rtl="0" eaLnBrk="1" latinLnBrk="0" hangingPunct="1">
+      <a:defRPr sz="1200" kern="1200">
+        <a:solidFill>
+          <a:schemeClr val="tx1"/>
+        </a:solidFill>
+        <a:latin typeface="+mn-lt"/>
+        <a:ea typeface="+mn-ea"/>
+        <a:cs typeface="+mn-cs"/>
+      </a:defRPr>
+    </a:lvl2pPr>
+    <a:lvl3pPr marL="914400" algn="l" defTabSz="914400" rtl="0" eaLnBrk="1" latinLnBrk="0" hangingPunct="1">
+      <a:defRPr sz="1200" kern="1200">
+        <a:solidFill>
+          <a:schemeClr val="tx1"/>
+        </a:solidFill>
+        <a:latin typeface="+mn-lt"/>
+        <a:ea typeface="+mn-ea"/>
+        <a:cs typeface="+mn-cs"/>
+      </a:defRPr>
+    </a:lvl3pPr>
+    <a:lvl4pPr marL="1371600" algn="l" defTabSz="914400" rtl="0" eaLnBrk="1" latinLnBrk="0" hangingPunct="1">
+      <a:defRPr sz="1200" kern="1200">
+        <a:solidFill>
+          <a:schemeClr val="tx1"/>
+        </a:solidFill>
+        <a:latin typeface="+mn-lt"/>
+        <a:ea typeface="+mn-ea"/>
+        <a:cs typeface="+mn-cs"/>
+      </a:defRPr>
+    </a:lvl4pPr>
+    <a:lvl5pPr marL="1828800" algn="l" defTabSz="914400" rtl="0" eaLnBrk="1" latinLnBrk="0" hangingPunct="1">
+      <a:defRPr sz="1200" kern="1200">
+        <a:solidFill>
+          <a:schemeClr val="tx1"/>
+        </a:solidFill>
+        <a:latin typeface="+mn-lt"/>
+        <a:ea typeface="+mn-ea"/>
+        <a:cs typeface="+mn-cs"/>
+      </a:defRPr>
+    </a:lvl5pPr>
+    <a:lvl6pPr marL="2286000" algn="l" defTabSz="914400" rtl="0" eaLnBrk="1" latinLnBrk="0" hangingPunct="1">
+      <a:defRPr sz="1200" kern="1200">
+        <a:solidFill>
+          <a:schemeClr val="tx1"/>
+        </a:solidFill>
+        <a:latin typeface="+mn-lt"/>
+        <a:ea typeface="+mn-ea"/>
+        <a:cs typeface="+mn-cs"/>
+      </a:defRPr>
+    </a:lvl6pPr>
+    <a:lvl7pPr marL="2743200" algn="l" defTabSz="914400" rtl="0" eaLnBrk="1" latinLnBrk="0" hangingPunct="1">
+      <a:defRPr sz="1200" kern="1200">
+        <a:solidFill>
+          <a:schemeClr val="tx1"/>
+        </a:solidFill>
+        <a:latin typeface="+mn-lt"/>
+        <a:ea typeface="+mn-ea"/>
+        <a:cs typeface="+mn-cs"/>
+      </a:defRPr>
+    </a:lvl7pPr>
+    <a:lvl8pPr marL="3200400" algn="l" defTabSz="914400" rtl="0" eaLnBrk="1" latinLnBrk="0" hangingPunct="1">
+      <a:defRPr sz="1200" kern="1200">
+        <a:solidFill>
+          <a:schemeClr val="tx1"/>
+        </a:solidFill>
+        <a:latin typeface="+mn-lt"/>
+        <a:ea typeface="+mn-ea"/>
+        <a:cs typeface="+mn-cs"/>
+      </a:defRPr>
+    </a:lvl8pPr>
+    <a:lvl9pPr marL="3657600" algn="l" defTabSz="914400" rtl="0" eaLnBrk="1" latinLnBrk="0" hangingPunct="1">
+      <a:defRPr sz="1200" kern="1200">
+        <a:solidFill>
+          <a:schemeClr val="tx1"/>
+        </a:solidFill>
+        <a:latin typeface="+mn-lt"/>
+        <a:ea typeface="+mn-ea"/>
+        <a:cs typeface="+mn-cs"/>
+      </a:defRPr>
+    </a:lvl9pPr>
+  </p:notesStyle>
+</p:notesMaster>
+</file>
+
 <file path=ppt/slideLayouts/slideLayout1.xml><?xml version="1.0" encoding="utf-8"?>
 <p:sldLayout xmlns:a="http://schemas.openxmlformats.org/drawingml/2006/main" xmlns:r="http://schemas.openxmlformats.org/officeDocument/2006/relationships" xmlns:p="http://schemas.openxmlformats.org/presentationml/2006/main" type="title" preserve="1">
   <p:cSld name="Title Slide">
@@ -272,7 +633,7 @@
           <a:p>
             <a:fld id="{79C5A860-F335-4252-AA00-24FB67ED2982}" type="datetime1">
               <a:rPr lang="en-US" smtClean="0"/>
-              <a:t>10/25/2024</a:t>
+              <a:t>10/26/2024</a:t>
             </a:fld>
             <a:endParaRPr lang="en-US"/>
           </a:p>
@@ -471,7 +832,7 @@
           <a:p>
             <a:fld id="{46AB1048-0047-48CA-88BA-D69B470942CF}" type="datetime1">
               <a:rPr lang="en-US" smtClean="0"/>
-              <a:t>10/25/2024</a:t>
+              <a:t>10/26/2024</a:t>
             </a:fld>
             <a:endParaRPr lang="en-US"/>
           </a:p>
@@ -681,7 +1042,7 @@
           <a:p>
             <a:fld id="{5BD83879-648C-49A9-81A2-0EF5946532D0}" type="datetime1">
               <a:rPr lang="en-US" smtClean="0"/>
-              <a:t>10/25/2024</a:t>
+              <a:t>10/26/2024</a:t>
             </a:fld>
             <a:endParaRPr lang="en-US"/>
           </a:p>
@@ -879,7 +1240,7 @@
           <a:p>
             <a:fld id="{D04BC802-30E3-4658-9CCA-F873646FEC67}" type="datetime1">
               <a:rPr lang="en-US" smtClean="0"/>
-              <a:t>10/25/2024</a:t>
+              <a:t>10/26/2024</a:t>
             </a:fld>
             <a:endParaRPr lang="en-US"/>
           </a:p>
@@ -1157,7 +1518,7 @@
           <a:p>
             <a:fld id="{0AB227A3-19CE-4153-81CE-64EB7AB094B3}" type="datetime1">
               <a:rPr lang="en-US" smtClean="0"/>
-              <a:t>10/25/2024</a:t>
+              <a:t>10/26/2024</a:t>
             </a:fld>
             <a:endParaRPr lang="en-US"/>
           </a:p>
@@ -1424,7 +1785,7 @@
           <a:p>
             <a:fld id="{B819A100-10F6-477E-8847-29D479EF1C92}" type="datetime1">
               <a:rPr lang="en-US" smtClean="0"/>
-              <a:t>10/25/2024</a:t>
+              <a:t>10/26/2024</a:t>
             </a:fld>
             <a:endParaRPr lang="en-US"/>
           </a:p>
@@ -1838,7 +2199,7 @@
           <a:p>
             <a:fld id="{5DF128AB-198A-495F-8475-FDB360C9873F}" type="datetime1">
               <a:rPr lang="en-US" smtClean="0"/>
-              <a:t>10/25/2024</a:t>
+              <a:t>10/26/2024</a:t>
             </a:fld>
             <a:endParaRPr lang="en-US"/>
           </a:p>
@@ -1979,7 +2340,7 @@
           <a:p>
             <a:fld id="{021A235E-F8FD-479F-9FC7-18BE84110877}" type="datetime1">
               <a:rPr lang="en-US" smtClean="0"/>
-              <a:t>10/25/2024</a:t>
+              <a:t>10/26/2024</a:t>
             </a:fld>
             <a:endParaRPr lang="en-US"/>
           </a:p>
@@ -2092,7 +2453,7 @@
           <a:p>
             <a:fld id="{E890F09B-68DA-462E-9DB4-4C9ADAB8CBCC}" type="datetime1">
               <a:rPr lang="en-US" smtClean="0"/>
-              <a:t>10/25/2024</a:t>
+              <a:t>10/26/2024</a:t>
             </a:fld>
             <a:endParaRPr lang="en-US"/>
           </a:p>
@@ -2411,7 +2772,7 @@
           <a:p>
             <a:fld id="{17AC4E36-FABE-47EB-AA7F-C19A93824617}" type="datetime1">
               <a:rPr lang="en-US" smtClean="0"/>
-              <a:t>10/25/2024</a:t>
+              <a:t>10/26/2024</a:t>
             </a:fld>
             <a:endParaRPr lang="en-US"/>
           </a:p>
@@ -2708,7 +3069,7 @@
           <a:p>
             <a:fld id="{F199CE6B-5DE6-4A2D-B72E-5E8969F9F56F}" type="datetime1">
               <a:rPr lang="en-US" smtClean="0"/>
-              <a:t>10/25/2024</a:t>
+              <a:t>10/26/2024</a:t>
             </a:fld>
             <a:endParaRPr lang="en-US"/>
           </a:p>
@@ -2785,9 +3146,12 @@
 <p:sldMaster xmlns:a="http://schemas.openxmlformats.org/drawingml/2006/main" xmlns:r="http://schemas.openxmlformats.org/officeDocument/2006/relationships" xmlns:p="http://schemas.openxmlformats.org/presentationml/2006/main">
   <p:cSld>
     <p:bg>
-      <p:bgRef idx="1001">
-        <a:schemeClr val="bg2"/>
-      </p:bgRef>
+      <p:bgPr>
+        <a:solidFill>
+          <a:schemeClr val="bg2"/>
+        </a:solidFill>
+        <a:effectLst/>
+      </p:bgPr>
     </p:bg>
     <p:spTree>
       <p:nvGrpSpPr>
@@ -3566,7 +3930,7 @@
           <a:p>
             <a:fld id="{F481A142-DA77-4A5F-AD1F-14E6C18F0F5F}" type="datetime1">
               <a:rPr lang="en-US" smtClean="0"/>
-              <a:t>10/25/2024</a:t>
+              <a:t>10/26/2024</a:t>
             </a:fld>
             <a:endParaRPr lang="en-US" dirty="0"/>
           </a:p>
@@ -3988,14 +4352,6 @@
 <file path=ppt/slides/slide1.xml><?xml version="1.0" encoding="utf-8"?>
 <p:sld xmlns:a="http://schemas.openxmlformats.org/drawingml/2006/main" xmlns:r="http://schemas.openxmlformats.org/officeDocument/2006/relationships" xmlns:p="http://schemas.openxmlformats.org/presentationml/2006/main">
   <p:cSld>
-    <p:bg>
-      <p:bgPr>
-        <a:solidFill>
-          <a:schemeClr val="bg2"/>
-        </a:solidFill>
-        <a:effectLst/>
-      </p:bgPr>
-    </p:bg>
     <p:spTree>
       <p:nvGrpSpPr>
         <p:cNvPr id="1" name=""/>
@@ -4166,6 +4522,9 @@
           <a:prstGeom prst="rect">
             <a:avLst/>
           </a:prstGeom>
+          <a:solidFill>
+            <a:srgbClr val="FFFF00"/>
+          </a:solidFill>
         </p:spPr>
       </p:pic>
       <p:sp useBgFill="1">
@@ -4579,17 +4938,274 @@
 </p:sld>
 </file>
 
-<file path=ppt/slides/slide2.xml><?xml version="1.0" encoding="utf-8"?>
+<file path=ppt/slides/slide10.xml><?xml version="1.0" encoding="utf-8"?>
 <p:sld xmlns:a="http://schemas.openxmlformats.org/drawingml/2006/main" xmlns:r="http://schemas.openxmlformats.org/officeDocument/2006/relationships" xmlns:p="http://schemas.openxmlformats.org/presentationml/2006/main">
   <p:cSld>
-    <p:bg>
-      <p:bgPr>
-        <a:solidFill>
-          <a:schemeClr val="bg2"/>
-        </a:solidFill>
-        <a:effectLst/>
-      </p:bgPr>
-    </p:bg>
+    <p:spTree>
+      <p:nvGrpSpPr>
+        <p:cNvPr id="1" name=""/>
+        <p:cNvGrpSpPr/>
+        <p:nvPr/>
+      </p:nvGrpSpPr>
+      <p:grpSpPr>
+        <a:xfrm>
+          <a:off x="0" y="0"/>
+          <a:ext cx="0" cy="0"/>
+          <a:chOff x="0" y="0"/>
+          <a:chExt cx="0" cy="0"/>
+        </a:xfrm>
+      </p:grpSpPr>
+      <p:pic>
+        <p:nvPicPr>
+          <p:cNvPr id="8194" name="Picture 2">
+            <a:extLst>
+              <a:ext uri="{FF2B5EF4-FFF2-40B4-BE49-F238E27FC236}">
+                <a16:creationId xmlns:a16="http://schemas.microsoft.com/office/drawing/2014/main" id="{E158A521-F4FB-DAE2-BF48-487EF5EFADB4}"/>
+              </a:ext>
+            </a:extLst>
+          </p:cNvPr>
+          <p:cNvPicPr>
+            <a:picLocks noChangeAspect="1" noChangeArrowheads="1"/>
+          </p:cNvPicPr>
+          <p:nvPr/>
+        </p:nvPicPr>
+        <p:blipFill>
+          <a:blip r:embed="rId2">
+            <a:extLst>
+              <a:ext uri="{28A0092B-C50C-407E-A947-70E740481C1C}">
+                <a14:useLocalDpi xmlns:a14="http://schemas.microsoft.com/office/drawing/2010/main" val="0"/>
+              </a:ext>
+            </a:extLst>
+          </a:blip>
+          <a:srcRect/>
+          <a:stretch>
+            <a:fillRect/>
+          </a:stretch>
+        </p:blipFill>
+        <p:spPr bwMode="auto">
+          <a:xfrm>
+            <a:off x="7682346" y="3429000"/>
+            <a:ext cx="3305108" cy="3333600"/>
+          </a:xfrm>
+          <a:prstGeom prst="rect">
+            <a:avLst/>
+          </a:prstGeom>
+          <a:noFill/>
+          <a:extLst>
+            <a:ext uri="{909E8E84-426E-40DD-AFC4-6F175D3DCCD1}">
+              <a14:hiddenFill xmlns:a14="http://schemas.microsoft.com/office/drawing/2010/main">
+                <a:solidFill>
+                  <a:srgbClr val="FFFFFF"/>
+                </a:solidFill>
+              </a14:hiddenFill>
+            </a:ext>
+          </a:extLst>
+        </p:spPr>
+      </p:pic>
+      <p:pic>
+        <p:nvPicPr>
+          <p:cNvPr id="8196" name="Picture 4">
+            <a:extLst>
+              <a:ext uri="{FF2B5EF4-FFF2-40B4-BE49-F238E27FC236}">
+                <a16:creationId xmlns:a16="http://schemas.microsoft.com/office/drawing/2014/main" id="{F5F28299-692D-5C70-8AE1-9040ADD42CA6}"/>
+              </a:ext>
+            </a:extLst>
+          </p:cNvPr>
+          <p:cNvPicPr>
+            <a:picLocks noChangeAspect="1" noChangeArrowheads="1"/>
+          </p:cNvPicPr>
+          <p:nvPr/>
+        </p:nvPicPr>
+        <p:blipFill>
+          <a:blip r:embed="rId3">
+            <a:extLst>
+              <a:ext uri="{28A0092B-C50C-407E-A947-70E740481C1C}">
+                <a14:useLocalDpi xmlns:a14="http://schemas.microsoft.com/office/drawing/2010/main" val="0"/>
+              </a:ext>
+            </a:extLst>
+          </a:blip>
+          <a:srcRect/>
+          <a:stretch>
+            <a:fillRect/>
+          </a:stretch>
+        </p:blipFill>
+        <p:spPr bwMode="auto">
+          <a:xfrm>
+            <a:off x="104053" y="95400"/>
+            <a:ext cx="3297985" cy="3333600"/>
+          </a:xfrm>
+          <a:prstGeom prst="rect">
+            <a:avLst/>
+          </a:prstGeom>
+          <a:noFill/>
+          <a:extLst>
+            <a:ext uri="{909E8E84-426E-40DD-AFC4-6F175D3DCCD1}">
+              <a14:hiddenFill xmlns:a14="http://schemas.microsoft.com/office/drawing/2010/main">
+                <a:solidFill>
+                  <a:srgbClr val="FFFFFF"/>
+                </a:solidFill>
+              </a14:hiddenFill>
+            </a:ext>
+          </a:extLst>
+        </p:spPr>
+      </p:pic>
+      <p:pic>
+        <p:nvPicPr>
+          <p:cNvPr id="8198" name="Picture 6">
+            <a:extLst>
+              <a:ext uri="{FF2B5EF4-FFF2-40B4-BE49-F238E27FC236}">
+                <a16:creationId xmlns:a16="http://schemas.microsoft.com/office/drawing/2014/main" id="{D8CAA04A-3A6A-CAC6-DC29-8FF396578700}"/>
+              </a:ext>
+            </a:extLst>
+          </p:cNvPr>
+          <p:cNvPicPr>
+            <a:picLocks noChangeAspect="1" noChangeArrowheads="1"/>
+          </p:cNvPicPr>
+          <p:nvPr/>
+        </p:nvPicPr>
+        <p:blipFill>
+          <a:blip r:embed="rId4">
+            <a:extLst>
+              <a:ext uri="{28A0092B-C50C-407E-A947-70E740481C1C}">
+                <a14:useLocalDpi xmlns:a14="http://schemas.microsoft.com/office/drawing/2010/main" val="0"/>
+              </a:ext>
+            </a:extLst>
+          </a:blip>
+          <a:srcRect/>
+          <a:stretch>
+            <a:fillRect/>
+          </a:stretch>
+        </p:blipFill>
+        <p:spPr bwMode="auto">
+          <a:xfrm>
+            <a:off x="3402038" y="95400"/>
+            <a:ext cx="3297985" cy="3333600"/>
+          </a:xfrm>
+          <a:prstGeom prst="rect">
+            <a:avLst/>
+          </a:prstGeom>
+          <a:noFill/>
+          <a:extLst>
+            <a:ext uri="{909E8E84-426E-40DD-AFC4-6F175D3DCCD1}">
+              <a14:hiddenFill xmlns:a14="http://schemas.microsoft.com/office/drawing/2010/main">
+                <a:solidFill>
+                  <a:srgbClr val="FFFFFF"/>
+                </a:solidFill>
+              </a14:hiddenFill>
+            </a:ext>
+          </a:extLst>
+        </p:spPr>
+      </p:pic>
+      <p:pic>
+        <p:nvPicPr>
+          <p:cNvPr id="8200" name="Picture 8">
+            <a:extLst>
+              <a:ext uri="{FF2B5EF4-FFF2-40B4-BE49-F238E27FC236}">
+                <a16:creationId xmlns:a16="http://schemas.microsoft.com/office/drawing/2014/main" id="{5C1B6DC5-A018-FD81-C854-493620EA085E}"/>
+              </a:ext>
+            </a:extLst>
+          </p:cNvPr>
+          <p:cNvPicPr>
+            <a:picLocks noChangeAspect="1" noChangeArrowheads="1"/>
+          </p:cNvPicPr>
+          <p:nvPr/>
+        </p:nvPicPr>
+        <p:blipFill>
+          <a:blip r:embed="rId5">
+            <a:extLst>
+              <a:ext uri="{28A0092B-C50C-407E-A947-70E740481C1C}">
+                <a14:useLocalDpi xmlns:a14="http://schemas.microsoft.com/office/drawing/2010/main" val="0"/>
+              </a:ext>
+            </a:extLst>
+          </a:blip>
+          <a:srcRect/>
+          <a:stretch>
+            <a:fillRect/>
+          </a:stretch>
+        </p:blipFill>
+        <p:spPr bwMode="auto">
+          <a:xfrm>
+            <a:off x="104052" y="3429000"/>
+            <a:ext cx="3297985" cy="3333600"/>
+          </a:xfrm>
+          <a:prstGeom prst="rect">
+            <a:avLst/>
+          </a:prstGeom>
+          <a:noFill/>
+          <a:extLst>
+            <a:ext uri="{909E8E84-426E-40DD-AFC4-6F175D3DCCD1}">
+              <a14:hiddenFill xmlns:a14="http://schemas.microsoft.com/office/drawing/2010/main">
+                <a:solidFill>
+                  <a:srgbClr val="FFFFFF"/>
+                </a:solidFill>
+              </a14:hiddenFill>
+            </a:ext>
+          </a:extLst>
+        </p:spPr>
+      </p:pic>
+      <p:pic>
+        <p:nvPicPr>
+          <p:cNvPr id="8202" name="Picture 10">
+            <a:extLst>
+              <a:ext uri="{FF2B5EF4-FFF2-40B4-BE49-F238E27FC236}">
+                <a16:creationId xmlns:a16="http://schemas.microsoft.com/office/drawing/2014/main" id="{B57EC1F0-0455-1502-599F-357D08FD2F65}"/>
+              </a:ext>
+            </a:extLst>
+          </p:cNvPr>
+          <p:cNvPicPr>
+            <a:picLocks noChangeAspect="1" noChangeArrowheads="1"/>
+          </p:cNvPicPr>
+          <p:nvPr/>
+        </p:nvPicPr>
+        <p:blipFill>
+          <a:blip r:embed="rId6">
+            <a:extLst>
+              <a:ext uri="{28A0092B-C50C-407E-A947-70E740481C1C}">
+                <a14:useLocalDpi xmlns:a14="http://schemas.microsoft.com/office/drawing/2010/main" val="0"/>
+              </a:ext>
+            </a:extLst>
+          </a:blip>
+          <a:srcRect/>
+          <a:stretch>
+            <a:fillRect/>
+          </a:stretch>
+        </p:blipFill>
+        <p:spPr bwMode="auto">
+          <a:xfrm>
+            <a:off x="3402037" y="3429000"/>
+            <a:ext cx="3297985" cy="3333600"/>
+          </a:xfrm>
+          <a:prstGeom prst="rect">
+            <a:avLst/>
+          </a:prstGeom>
+          <a:noFill/>
+          <a:extLst>
+            <a:ext uri="{909E8E84-426E-40DD-AFC4-6F175D3DCCD1}">
+              <a14:hiddenFill xmlns:a14="http://schemas.microsoft.com/office/drawing/2010/main">
+                <a:solidFill>
+                  <a:srgbClr val="FFFFFF"/>
+                </a:solidFill>
+              </a14:hiddenFill>
+            </a:ext>
+          </a:extLst>
+        </p:spPr>
+      </p:pic>
+    </p:spTree>
+    <p:extLst>
+      <p:ext uri="{BB962C8B-B14F-4D97-AF65-F5344CB8AC3E}">
+        <p14:creationId xmlns:p14="http://schemas.microsoft.com/office/powerpoint/2010/main" val="372113343"/>
+      </p:ext>
+    </p:extLst>
+  </p:cSld>
+  <p:clrMapOvr>
+    <a:masterClrMapping/>
+  </p:clrMapOvr>
+</p:sld>
+</file>
+
+<file path=ppt/slides/slide11.xml><?xml version="1.0" encoding="utf-8"?>
+<p:sld xmlns:a="http://schemas.openxmlformats.org/drawingml/2006/main" xmlns:r="http://schemas.openxmlformats.org/officeDocument/2006/relationships" xmlns:p="http://schemas.openxmlformats.org/presentationml/2006/main">
+  <p:cSld>
     <p:spTree>
       <p:nvGrpSpPr>
         <p:cNvPr id="1" name=""/>
@@ -4606,7 +5222,773 @@
       </p:grpSpPr>
       <p:sp>
         <p:nvSpPr>
-          <p:cNvPr id="35" name="Rectangle 24">
+          <p:cNvPr id="2" name="Τίτλος 1">
+            <a:extLst>
+              <a:ext uri="{FF2B5EF4-FFF2-40B4-BE49-F238E27FC236}">
+                <a16:creationId xmlns:a16="http://schemas.microsoft.com/office/drawing/2014/main" id="{F15DE645-1279-C54C-D4D5-5157A24214B4}"/>
+              </a:ext>
+            </a:extLst>
+          </p:cNvPr>
+          <p:cNvSpPr>
+            <a:spLocks noGrp="1"/>
+          </p:cNvSpPr>
+          <p:nvPr>
+            <p:ph type="title"/>
+          </p:nvPr>
+        </p:nvSpPr>
+        <p:spPr>
+          <a:xfrm>
+            <a:off x="609600" y="270802"/>
+            <a:ext cx="10972800" cy="752495"/>
+          </a:xfrm>
+        </p:spPr>
+        <p:txBody>
+          <a:bodyPr>
+            <a:normAutofit fontScale="90000"/>
+          </a:bodyPr>
+          <a:lstStyle/>
+          <a:p>
+            <a:r>
+              <a:rPr lang="el-GR" dirty="0">
+                <a:cs typeface="Posterama"/>
+              </a:rPr>
+              <a:t>Μέρος 2ο</a:t>
+            </a:r>
+            <a:endParaRPr lang="el-GR" dirty="0"/>
+          </a:p>
+        </p:txBody>
+      </p:sp>
+      <p:sp>
+        <p:nvSpPr>
+          <p:cNvPr id="3" name="Θέση περιεχομένου 2">
+            <a:extLst>
+              <a:ext uri="{FF2B5EF4-FFF2-40B4-BE49-F238E27FC236}">
+                <a16:creationId xmlns:a16="http://schemas.microsoft.com/office/drawing/2014/main" id="{2B967DD2-94EE-2762-99F8-C473DB1D6FFC}"/>
+              </a:ext>
+            </a:extLst>
+          </p:cNvPr>
+          <p:cNvSpPr>
+            <a:spLocks noGrp="1"/>
+          </p:cNvSpPr>
+          <p:nvPr>
+            <p:ph idx="1"/>
+          </p:nvPr>
+        </p:nvSpPr>
+        <p:spPr>
+          <a:xfrm>
+            <a:off x="609600" y="1103673"/>
+            <a:ext cx="10972800" cy="1860953"/>
+          </a:xfrm>
+        </p:spPr>
+        <p:txBody>
+          <a:bodyPr vert="horz" lIns="91440" tIns="45720" rIns="91440" bIns="45720" rtlCol="0" anchor="t">
+            <a:normAutofit/>
+          </a:bodyPr>
+          <a:lstStyle/>
+          <a:p>
+            <a:r>
+              <a:rPr lang="el-GR" dirty="0"/>
+              <a:t>Το δεύτερο μέρος της εργασίας περιλαμβάνει δύο διαφορετικά </a:t>
+            </a:r>
+            <a:r>
+              <a:rPr lang="el-GR" dirty="0" err="1"/>
+              <a:t>datasets</a:t>
+            </a:r>
+            <a:r>
+              <a:rPr lang="el-GR" dirty="0"/>
+              <a:t> όπου περιέχουν φάσματα της ηλιακής ακτινοβολίας δηλαδή μετρήσεις της ροής ακτινοβολίας (</a:t>
+            </a:r>
+            <a:r>
+              <a:rPr lang="en-US" dirty="0"/>
+              <a:t>spectral </a:t>
+            </a:r>
+            <a:r>
+              <a:rPr lang="el-GR" dirty="0" err="1"/>
+              <a:t>irradiance</a:t>
+            </a:r>
+            <a:r>
+              <a:rPr lang="el-GR" dirty="0"/>
+              <a:t>) για διαφορετικά μήκη κύματος. Η διαφορά μεταξύ των δύο μετρήσεων έγκειται στην ακρίβεια καθώς το 1ο σετ που από εδώ και πέρα θα ονομάζεται </a:t>
+            </a:r>
+            <a:r>
+              <a:rPr lang="el-GR" dirty="0" err="1"/>
+              <a:t>kurudz</a:t>
+            </a:r>
+            <a:r>
+              <a:rPr lang="el-GR" dirty="0"/>
+              <a:t> έχει ακρίβεια 1nm και το 2ο σετ που ονομάζεται </a:t>
+            </a:r>
+            <a:r>
+              <a:rPr lang="el-GR" dirty="0" err="1"/>
+              <a:t>atlas_plus</a:t>
+            </a:r>
+            <a:r>
+              <a:rPr lang="el-GR" dirty="0"/>
+              <a:t> έχει ακρίβεια 0.05 nm. Παρακάτω εμφανίζονται τα δύο σετ σε αντιπαράθεση μεταξύ τους.</a:t>
+            </a:r>
+          </a:p>
+        </p:txBody>
+      </p:sp>
+      <p:pic>
+        <p:nvPicPr>
+          <p:cNvPr id="4" name="Εικόνα 3" descr="Εικόνα που περιέχει κείμενο, στιγμιότυπο οθόνης, γραμματοσειρά, αριθμός&#10;&#10;Περιγραφή που δημιουργήθηκε αυτόματα">
+            <a:extLst>
+              <a:ext uri="{FF2B5EF4-FFF2-40B4-BE49-F238E27FC236}">
+                <a16:creationId xmlns:a16="http://schemas.microsoft.com/office/drawing/2014/main" id="{D9BD9A25-FF1D-8D41-F8DE-74077A87C51F}"/>
+              </a:ext>
+            </a:extLst>
+          </p:cNvPr>
+          <p:cNvPicPr>
+            <a:picLocks noChangeAspect="1"/>
+          </p:cNvPicPr>
+          <p:nvPr/>
+        </p:nvPicPr>
+        <p:blipFill>
+          <a:blip r:embed="rId2"/>
+          <a:stretch>
+            <a:fillRect/>
+          </a:stretch>
+        </p:blipFill>
+        <p:spPr>
+          <a:xfrm>
+            <a:off x="2739512" y="3062214"/>
+            <a:ext cx="3353924" cy="3522883"/>
+          </a:xfrm>
+          <a:prstGeom prst="rect">
+            <a:avLst/>
+          </a:prstGeom>
+        </p:spPr>
+      </p:pic>
+      <p:pic>
+        <p:nvPicPr>
+          <p:cNvPr id="5" name="Εικόνα 4" descr="Εικόνα που περιέχει κείμενο, στιγμιότυπο οθόνης, γραμματοσειρά, αριθμός&#10;&#10;Περιγραφή που δημιουργήθηκε αυτόματα">
+            <a:extLst>
+              <a:ext uri="{FF2B5EF4-FFF2-40B4-BE49-F238E27FC236}">
+                <a16:creationId xmlns:a16="http://schemas.microsoft.com/office/drawing/2014/main" id="{E020A2B0-B1F6-CD4E-247D-A75AD2225156}"/>
+              </a:ext>
+            </a:extLst>
+          </p:cNvPr>
+          <p:cNvPicPr>
+            <a:picLocks noChangeAspect="1"/>
+          </p:cNvPicPr>
+          <p:nvPr/>
+        </p:nvPicPr>
+        <p:blipFill>
+          <a:blip r:embed="rId3"/>
+          <a:stretch>
+            <a:fillRect/>
+          </a:stretch>
+        </p:blipFill>
+        <p:spPr>
+          <a:xfrm>
+            <a:off x="6093534" y="3058551"/>
+            <a:ext cx="3355389" cy="3528647"/>
+          </a:xfrm>
+          <a:prstGeom prst="rect">
+            <a:avLst/>
+          </a:prstGeom>
+        </p:spPr>
+      </p:pic>
+      <p:sp>
+        <p:nvSpPr>
+          <p:cNvPr id="6" name="TextBox 5">
+            <a:extLst>
+              <a:ext uri="{FF2B5EF4-FFF2-40B4-BE49-F238E27FC236}">
+                <a16:creationId xmlns:a16="http://schemas.microsoft.com/office/drawing/2014/main" id="{941BEBAF-EE0F-7D82-94AF-AD4A10CE22FA}"/>
+              </a:ext>
+            </a:extLst>
+          </p:cNvPr>
+          <p:cNvSpPr txBox="1"/>
+          <p:nvPr/>
+        </p:nvSpPr>
+        <p:spPr>
+          <a:xfrm>
+            <a:off x="1660183" y="4820138"/>
+            <a:ext cx="926123" cy="369332"/>
+          </a:xfrm>
+          <a:prstGeom prst="rect">
+            <a:avLst/>
+          </a:prstGeom>
+          <a:noFill/>
+        </p:spPr>
+        <p:txBody>
+          <a:bodyPr rot="0" spcFirstLastPara="0" vertOverflow="overflow" horzOverflow="overflow" vert="horz" wrap="square" lIns="91440" tIns="45720" rIns="91440" bIns="45720" numCol="1" spcCol="0" rtlCol="0" fromWordArt="0" anchor="t" anchorCtr="0" forceAA="0" compatLnSpc="1">
+            <a:prstTxWarp prst="textNoShape">
+              <a:avLst/>
+            </a:prstTxWarp>
+            <a:spAutoFit/>
+          </a:bodyPr>
+          <a:lstStyle/>
+          <a:p>
+            <a:pPr algn="l"/>
+            <a:r>
+              <a:rPr lang="el-GR" dirty="0" err="1"/>
+              <a:t>kurudz</a:t>
+            </a:r>
+          </a:p>
+        </p:txBody>
+      </p:sp>
+      <p:sp>
+        <p:nvSpPr>
+          <p:cNvPr id="7" name="TextBox 6">
+            <a:extLst>
+              <a:ext uri="{FF2B5EF4-FFF2-40B4-BE49-F238E27FC236}">
+                <a16:creationId xmlns:a16="http://schemas.microsoft.com/office/drawing/2014/main" id="{4F46A0B3-610B-75AF-25F4-971F14592E22}"/>
+              </a:ext>
+            </a:extLst>
+          </p:cNvPr>
+          <p:cNvSpPr txBox="1"/>
+          <p:nvPr/>
+        </p:nvSpPr>
+        <p:spPr>
+          <a:xfrm>
+            <a:off x="9694007" y="4823850"/>
+            <a:ext cx="1266093" cy="369332"/>
+          </a:xfrm>
+          <a:prstGeom prst="rect">
+            <a:avLst/>
+          </a:prstGeom>
+          <a:noFill/>
+        </p:spPr>
+        <p:txBody>
+          <a:bodyPr rot="0" spcFirstLastPara="0" vertOverflow="overflow" horzOverflow="overflow" vert="horz" wrap="square" lIns="91440" tIns="45720" rIns="91440" bIns="45720" numCol="1" spcCol="0" rtlCol="0" fromWordArt="0" anchor="t" anchorCtr="0" forceAA="0" compatLnSpc="1">
+            <a:prstTxWarp prst="textNoShape">
+              <a:avLst/>
+            </a:prstTxWarp>
+            <a:spAutoFit/>
+          </a:bodyPr>
+          <a:lstStyle/>
+          <a:p>
+            <a:pPr algn="l"/>
+            <a:r>
+              <a:rPr lang="el-GR" dirty="0" err="1"/>
+              <a:t>atlas_plus</a:t>
+            </a:r>
+          </a:p>
+        </p:txBody>
+      </p:sp>
+    </p:spTree>
+    <p:extLst>
+      <p:ext uri="{BB962C8B-B14F-4D97-AF65-F5344CB8AC3E}">
+        <p14:creationId xmlns:p14="http://schemas.microsoft.com/office/powerpoint/2010/main" val="4020534852"/>
+      </p:ext>
+    </p:extLst>
+  </p:cSld>
+  <p:clrMapOvr>
+    <a:masterClrMapping/>
+  </p:clrMapOvr>
+</p:sld>
+</file>
+
+<file path=ppt/slides/slide12.xml><?xml version="1.0" encoding="utf-8"?>
+<p:sld xmlns:a="http://schemas.openxmlformats.org/drawingml/2006/main" xmlns:r="http://schemas.openxmlformats.org/officeDocument/2006/relationships" xmlns:p="http://schemas.openxmlformats.org/presentationml/2006/main">
+  <p:cSld>
+    <p:spTree>
+      <p:nvGrpSpPr>
+        <p:cNvPr id="1" name=""/>
+        <p:cNvGrpSpPr/>
+        <p:nvPr/>
+      </p:nvGrpSpPr>
+      <p:grpSpPr>
+        <a:xfrm>
+          <a:off x="0" y="0"/>
+          <a:ext cx="0" cy="0"/>
+          <a:chOff x="0" y="0"/>
+          <a:chExt cx="0" cy="0"/>
+        </a:xfrm>
+      </p:grpSpPr>
+      <p:pic>
+        <p:nvPicPr>
+          <p:cNvPr id="7" name="Θέση περιεχομένου 6" descr="Εικόνα που περιέχει κείμενο, διάγραμμα, στιγμιότυπο οθόνης, γράφημα&#10;&#10;Περιγραφή που δημιουργήθηκε αυτόματα">
+            <a:extLst>
+              <a:ext uri="{FF2B5EF4-FFF2-40B4-BE49-F238E27FC236}">
+                <a16:creationId xmlns:a16="http://schemas.microsoft.com/office/drawing/2014/main" id="{BADD0168-9FDC-79DF-AACE-B02B4DD2B211}"/>
+              </a:ext>
+            </a:extLst>
+          </p:cNvPr>
+          <p:cNvPicPr>
+            <a:picLocks noGrp="1" noChangeAspect="1"/>
+          </p:cNvPicPr>
+          <p:nvPr>
+            <p:ph sz="half" idx="2"/>
+          </p:nvPr>
+        </p:nvPicPr>
+        <p:blipFill>
+          <a:blip r:embed="rId2"/>
+          <a:stretch>
+            <a:fillRect/>
+          </a:stretch>
+        </p:blipFill>
+        <p:spPr>
+          <a:xfrm>
+            <a:off x="6345201" y="1773383"/>
+            <a:ext cx="5199928" cy="4972383"/>
+          </a:xfrm>
+        </p:spPr>
+      </p:pic>
+      <p:sp>
+        <p:nvSpPr>
+          <p:cNvPr id="5" name="TextBox 4">
+            <a:extLst>
+              <a:ext uri="{FF2B5EF4-FFF2-40B4-BE49-F238E27FC236}">
+                <a16:creationId xmlns:a16="http://schemas.microsoft.com/office/drawing/2014/main" id="{416A63A7-5335-6D49-1E5F-9C1C142222B7}"/>
+              </a:ext>
+            </a:extLst>
+          </p:cNvPr>
+          <p:cNvSpPr txBox="1"/>
+          <p:nvPr/>
+        </p:nvSpPr>
+        <p:spPr>
+          <a:xfrm>
+            <a:off x="781050" y="212436"/>
+            <a:ext cx="10629900" cy="1477328"/>
+          </a:xfrm>
+          <a:prstGeom prst="rect">
+            <a:avLst/>
+          </a:prstGeom>
+          <a:noFill/>
+        </p:spPr>
+        <p:txBody>
+          <a:bodyPr rot="0" spcFirstLastPara="0" vertOverflow="overflow" horzOverflow="overflow" vert="horz" wrap="square" lIns="91440" tIns="45720" rIns="91440" bIns="45720" numCol="1" spcCol="0" rtlCol="0" fromWordArt="0" anchor="t" anchorCtr="0" forceAA="0" compatLnSpc="1">
+            <a:prstTxWarp prst="textNoShape">
+              <a:avLst/>
+            </a:prstTxWarp>
+            <a:spAutoFit/>
+          </a:bodyPr>
+          <a:lstStyle/>
+          <a:p>
+            <a:r>
+              <a:rPr lang="el-GR" dirty="0"/>
+              <a:t>Αρχικά, κόψαμε τις τιμές του μήκους κύματος που ξεπερνούσαν τα 2.500nm στο 1</a:t>
+            </a:r>
+            <a:r>
+              <a:rPr lang="el-GR" baseline="30000" dirty="0"/>
+              <a:t>ο</a:t>
+            </a:r>
+            <a:r>
+              <a:rPr lang="el-GR" dirty="0"/>
+              <a:t> σετ μετρήσεων και κάναμε μία πρώτη γραφική παράσταση έτσι ώστε να έχουμε μία καλύτερη εικόνα των δεδομένων. Με μωβ χρώμα απεικονίζεται το σετ </a:t>
+            </a:r>
+            <a:r>
+              <a:rPr lang="el-GR" dirty="0" err="1"/>
+              <a:t>kurudz</a:t>
+            </a:r>
+            <a:r>
+              <a:rPr lang="el-GR" dirty="0"/>
+              <a:t> και με πράσινο το </a:t>
+            </a:r>
+            <a:r>
+              <a:rPr lang="el-GR" dirty="0" err="1"/>
+              <a:t>atlas_plus</a:t>
+            </a:r>
+            <a:r>
+              <a:rPr lang="el-GR" dirty="0"/>
+              <a:t>. Είναι εμφανές ότι το ένα σετ περιέχει τιμές σε μεγαλύτερο εύρος όσων αφορά το μήκος κύματος ενώ το δεύτερο έχει περισσότερες τιμές της ακτινοβολίας σε μικρότερο εύρος. </a:t>
+            </a:r>
+          </a:p>
+        </p:txBody>
+      </p:sp>
+      <p:pic>
+        <p:nvPicPr>
+          <p:cNvPr id="12" name="Θέση περιεχομένου 11">
+            <a:extLst>
+              <a:ext uri="{FF2B5EF4-FFF2-40B4-BE49-F238E27FC236}">
+                <a16:creationId xmlns:a16="http://schemas.microsoft.com/office/drawing/2014/main" id="{DBB41800-D14A-4DF9-DFD3-57D50D6010DE}"/>
+              </a:ext>
+            </a:extLst>
+          </p:cNvPr>
+          <p:cNvPicPr>
+            <a:picLocks noGrp="1" noChangeAspect="1"/>
+          </p:cNvPicPr>
+          <p:nvPr>
+            <p:ph sz="half" idx="1"/>
+          </p:nvPr>
+        </p:nvPicPr>
+        <p:blipFill>
+          <a:blip r:embed="rId3"/>
+          <a:stretch>
+            <a:fillRect/>
+          </a:stretch>
+        </p:blipFill>
+        <p:spPr>
+          <a:xfrm>
+            <a:off x="320042" y="1773383"/>
+            <a:ext cx="5526759" cy="5084618"/>
+          </a:xfrm>
+        </p:spPr>
+      </p:pic>
+    </p:spTree>
+    <p:extLst>
+      <p:ext uri="{BB962C8B-B14F-4D97-AF65-F5344CB8AC3E}">
+        <p14:creationId xmlns:p14="http://schemas.microsoft.com/office/powerpoint/2010/main" val="1761082859"/>
+      </p:ext>
+    </p:extLst>
+  </p:cSld>
+  <p:clrMapOvr>
+    <a:masterClrMapping/>
+  </p:clrMapOvr>
+</p:sld>
+</file>
+
+<file path=ppt/slides/slide13.xml><?xml version="1.0" encoding="utf-8"?>
+<p:sld xmlns:a="http://schemas.openxmlformats.org/drawingml/2006/main" xmlns:r="http://schemas.openxmlformats.org/officeDocument/2006/relationships" xmlns:p="http://schemas.openxmlformats.org/presentationml/2006/main">
+  <p:cSld>
+    <p:spTree>
+      <p:nvGrpSpPr>
+        <p:cNvPr id="1" name=""/>
+        <p:cNvGrpSpPr/>
+        <p:nvPr/>
+      </p:nvGrpSpPr>
+      <p:grpSpPr>
+        <a:xfrm>
+          <a:off x="0" y="0"/>
+          <a:ext cx="0" cy="0"/>
+          <a:chOff x="0" y="0"/>
+          <a:chExt cx="0" cy="0"/>
+        </a:xfrm>
+      </p:grpSpPr>
+      <p:pic>
+        <p:nvPicPr>
+          <p:cNvPr id="9" name="Θέση περιεχομένου 8" descr="Εικόνα που περιέχει κείμενο, στιγμιότυπο οθόνης, γράφημα, διάγραμμα&#10;&#10;Περιγραφή που δημιουργήθηκε αυτόματα">
+            <a:extLst>
+              <a:ext uri="{FF2B5EF4-FFF2-40B4-BE49-F238E27FC236}">
+                <a16:creationId xmlns:a16="http://schemas.microsoft.com/office/drawing/2014/main" id="{BB47D059-5FF1-2F68-1921-95631DE2D8BF}"/>
+              </a:ext>
+            </a:extLst>
+          </p:cNvPr>
+          <p:cNvPicPr>
+            <a:picLocks noGrp="1" noChangeAspect="1"/>
+          </p:cNvPicPr>
+          <p:nvPr>
+            <p:ph sz="half" idx="1"/>
+          </p:nvPr>
+        </p:nvPicPr>
+        <p:blipFill>
+          <a:blip r:embed="rId2"/>
+          <a:stretch>
+            <a:fillRect/>
+          </a:stretch>
+        </p:blipFill>
+        <p:spPr>
+          <a:xfrm>
+            <a:off x="773823" y="2081369"/>
+            <a:ext cx="4867469" cy="4552793"/>
+          </a:xfrm>
+        </p:spPr>
+      </p:pic>
+      <p:pic>
+        <p:nvPicPr>
+          <p:cNvPr id="7" name="Θέση περιεχομένου 6" descr="Εικόνα που περιέχει κείμενο, διάγραμμα, στιγμιότυπο οθόνης, γράφημα&#10;&#10;Περιγραφή που δημιουργήθηκε αυτόματα">
+            <a:extLst>
+              <a:ext uri="{FF2B5EF4-FFF2-40B4-BE49-F238E27FC236}">
+                <a16:creationId xmlns:a16="http://schemas.microsoft.com/office/drawing/2014/main" id="{06A60417-32E9-38CF-B281-EB1D88F4AB8E}"/>
+              </a:ext>
+            </a:extLst>
+          </p:cNvPr>
+          <p:cNvPicPr>
+            <a:picLocks noGrp="1" noChangeAspect="1"/>
+          </p:cNvPicPr>
+          <p:nvPr>
+            <p:ph sz="half" idx="2"/>
+          </p:nvPr>
+        </p:nvPicPr>
+        <p:blipFill>
+          <a:blip r:embed="rId3"/>
+          <a:stretch>
+            <a:fillRect/>
+          </a:stretch>
+        </p:blipFill>
+        <p:spPr>
+          <a:xfrm>
+            <a:off x="6550710" y="2081368"/>
+            <a:ext cx="4867851" cy="4552793"/>
+          </a:xfrm>
+        </p:spPr>
+      </p:pic>
+      <p:sp>
+        <p:nvSpPr>
+          <p:cNvPr id="8" name="TextBox 7">
+            <a:extLst>
+              <a:ext uri="{FF2B5EF4-FFF2-40B4-BE49-F238E27FC236}">
+                <a16:creationId xmlns:a16="http://schemas.microsoft.com/office/drawing/2014/main" id="{7C1FFD2D-2B2E-D3C9-E439-97A0577194FC}"/>
+              </a:ext>
+            </a:extLst>
+          </p:cNvPr>
+          <p:cNvSpPr txBox="1"/>
+          <p:nvPr/>
+        </p:nvSpPr>
+        <p:spPr>
+          <a:xfrm>
+            <a:off x="915767" y="360484"/>
+            <a:ext cx="10360269" cy="1477328"/>
+          </a:xfrm>
+          <a:prstGeom prst="rect">
+            <a:avLst/>
+          </a:prstGeom>
+          <a:noFill/>
+        </p:spPr>
+        <p:txBody>
+          <a:bodyPr rot="0" spcFirstLastPara="0" vertOverflow="overflow" horzOverflow="overflow" vert="horz" wrap="square" lIns="91440" tIns="45720" rIns="91440" bIns="45720" numCol="1" spcCol="0" rtlCol="0" fromWordArt="0" anchor="t" anchorCtr="0" forceAA="0" compatLnSpc="1">
+            <a:prstTxWarp prst="textNoShape">
+              <a:avLst/>
+            </a:prstTxWarp>
+            <a:spAutoFit/>
+          </a:bodyPr>
+          <a:lstStyle/>
+          <a:p>
+            <a:r>
+              <a:rPr lang="el-GR" dirty="0"/>
+              <a:t>Για καλύτερη σύγκριση των δύο σετ, ζουμάρουμε στην 1η γραφική έτσι ώστε να μελετάμε το ίδιο κομμάτι του φάσματος και στις 2 περιπτώσεις. Με μία πρώτη ματιά παρατηρούμε σαφώς ότι η 2η γραφική είναι πιο πυκνή, κάτι που είναι αναμενόμενο καθώς είναι "φορτωμένη" με περισσότερα δεδομένα. Το σημαντικό που πρέπει να σχολιαστεί είναι το γεγονός ότι και οι δύο καμπύλες έχουν την ίδια μορφολογία και παρατηρούμε τα ίδια </a:t>
+            </a:r>
+            <a:r>
+              <a:rPr lang="el-GR" dirty="0" err="1"/>
+              <a:t>peaks</a:t>
+            </a:r>
+            <a:r>
+              <a:rPr lang="el-GR" dirty="0"/>
+              <a:t> (τόσο για τις ελάχιστες όσο και για τις μέγιστες τιμές)</a:t>
+            </a:r>
+            <a:r>
+              <a:rPr lang="en-US" dirty="0"/>
+              <a:t>.</a:t>
+            </a:r>
+            <a:endParaRPr lang="el-GR" dirty="0"/>
+          </a:p>
+        </p:txBody>
+      </p:sp>
+    </p:spTree>
+    <p:extLst>
+      <p:ext uri="{BB962C8B-B14F-4D97-AF65-F5344CB8AC3E}">
+        <p14:creationId xmlns:p14="http://schemas.microsoft.com/office/powerpoint/2010/main" val="4261702434"/>
+      </p:ext>
+    </p:extLst>
+  </p:cSld>
+  <p:clrMapOvr>
+    <a:masterClrMapping/>
+  </p:clrMapOvr>
+</p:sld>
+</file>
+
+<file path=ppt/slides/slide14.xml><?xml version="1.0" encoding="utf-8"?>
+<p:sld xmlns:a="http://schemas.openxmlformats.org/drawingml/2006/main" xmlns:r="http://schemas.openxmlformats.org/officeDocument/2006/relationships" xmlns:p="http://schemas.openxmlformats.org/presentationml/2006/main">
+  <p:cSld>
+    <p:spTree>
+      <p:nvGrpSpPr>
+        <p:cNvPr id="1" name=""/>
+        <p:cNvGrpSpPr/>
+        <p:nvPr/>
+      </p:nvGrpSpPr>
+      <p:grpSpPr>
+        <a:xfrm>
+          <a:off x="0" y="0"/>
+          <a:ext cx="0" cy="0"/>
+          <a:chOff x="0" y="0"/>
+          <a:chExt cx="0" cy="0"/>
+        </a:xfrm>
+      </p:grpSpPr>
+      <p:sp>
+        <p:nvSpPr>
+          <p:cNvPr id="12" name="TextBox 11">
+            <a:extLst>
+              <a:ext uri="{FF2B5EF4-FFF2-40B4-BE49-F238E27FC236}">
+                <a16:creationId xmlns:a16="http://schemas.microsoft.com/office/drawing/2014/main" id="{9D5A7CEC-D0D6-92C0-BEBA-6FAD982F56BA}"/>
+              </a:ext>
+            </a:extLst>
+          </p:cNvPr>
+          <p:cNvSpPr txBox="1"/>
+          <p:nvPr/>
+        </p:nvSpPr>
+        <p:spPr>
+          <a:xfrm>
+            <a:off x="720436" y="240147"/>
+            <a:ext cx="11083636" cy="1477328"/>
+          </a:xfrm>
+          <a:prstGeom prst="rect">
+            <a:avLst/>
+          </a:prstGeom>
+          <a:noFill/>
+        </p:spPr>
+        <p:txBody>
+          <a:bodyPr wrap="square" rtlCol="0">
+            <a:spAutoFit/>
+          </a:bodyPr>
+          <a:lstStyle/>
+          <a:p>
+            <a:r>
+              <a:rPr lang="el-GR" dirty="0"/>
+              <a:t>Στην συνέχεια, κάνουμε μέσες τιμές για την ακτινοβολία για το </a:t>
+            </a:r>
+            <a:r>
+              <a:rPr lang="en-US" dirty="0"/>
+              <a:t>dataset </a:t>
+            </a:r>
+            <a:r>
+              <a:rPr lang="el-GR" dirty="0"/>
+              <a:t>με τις περισσότερες μετρήσεις έτσι ώστε να έχουμε μία μέτρηση ανά </a:t>
+            </a:r>
+            <a:r>
+              <a:rPr lang="en-US" dirty="0"/>
+              <a:t>1nm </a:t>
+            </a:r>
+            <a:r>
+              <a:rPr lang="el-GR" dirty="0"/>
+              <a:t>όπως ακριβώς συμβαίνει με το 1</a:t>
+            </a:r>
+            <a:r>
+              <a:rPr lang="el-GR" baseline="30000" dirty="0"/>
+              <a:t>ο</a:t>
+            </a:r>
+            <a:r>
+              <a:rPr lang="el-GR" dirty="0"/>
+              <a:t> </a:t>
+            </a:r>
+            <a:r>
+              <a:rPr lang="en-US" dirty="0"/>
+              <a:t>dataset.</a:t>
+            </a:r>
+            <a:r>
+              <a:rPr lang="el-GR" dirty="0"/>
+              <a:t> </a:t>
+            </a:r>
+            <a:r>
+              <a:rPr lang="en-US" dirty="0"/>
+              <a:t> </a:t>
+            </a:r>
+            <a:r>
+              <a:rPr lang="el-GR" dirty="0"/>
+              <a:t>Κάνοντας τις αντίστοιχες γραφικές παρατηρούμε ότι σε γενικές γραμμές οι δύο γραφικές είναι σχεδόν πανομοιότυπες με πολύ μικρές τοπικές αποκλίσεις. Συγκεκριμένα, παρατηρούμε μία απόκλιση στα χαμηλά μήκη κύματος (&lt;300</a:t>
+            </a:r>
+            <a:r>
+              <a:rPr lang="en-US" dirty="0"/>
+              <a:t>nm</a:t>
+            </a:r>
+            <a:r>
+              <a:rPr lang="en-GB" dirty="0"/>
+              <a:t>) </a:t>
+            </a:r>
+            <a:r>
+              <a:rPr lang="el-GR" dirty="0"/>
+              <a:t>καθώς και μία μικρότερη στα 500 </a:t>
+            </a:r>
+            <a:r>
+              <a:rPr lang="en-US" dirty="0"/>
+              <a:t>nm </a:t>
+            </a:r>
+            <a:r>
+              <a:rPr lang="el-GR" dirty="0"/>
+              <a:t>στο 2</a:t>
+            </a:r>
+            <a:r>
+              <a:rPr lang="el-GR" baseline="30000" dirty="0"/>
+              <a:t>ο</a:t>
+            </a:r>
+            <a:r>
+              <a:rPr lang="el-GR" dirty="0"/>
+              <a:t> </a:t>
+            </a:r>
+            <a:r>
+              <a:rPr lang="en-US" dirty="0"/>
+              <a:t>peak. </a:t>
+            </a:r>
+            <a:r>
+              <a:rPr lang="el-GR" dirty="0"/>
+              <a:t> </a:t>
+            </a:r>
+            <a:endParaRPr lang="en-GB" dirty="0"/>
+          </a:p>
+        </p:txBody>
+      </p:sp>
+      <p:pic>
+        <p:nvPicPr>
+          <p:cNvPr id="8" name="Θέση περιεχομένου 7">
+            <a:extLst>
+              <a:ext uri="{FF2B5EF4-FFF2-40B4-BE49-F238E27FC236}">
+                <a16:creationId xmlns:a16="http://schemas.microsoft.com/office/drawing/2014/main" id="{4F75940E-0ABF-4897-52D3-D77EDCF83AF1}"/>
+              </a:ext>
+            </a:extLst>
+          </p:cNvPr>
+          <p:cNvPicPr>
+            <a:picLocks noGrp="1" noChangeAspect="1"/>
+          </p:cNvPicPr>
+          <p:nvPr>
+            <p:ph sz="half" idx="1"/>
+          </p:nvPr>
+        </p:nvPicPr>
+        <p:blipFill>
+          <a:blip r:embed="rId2"/>
+          <a:stretch>
+            <a:fillRect/>
+          </a:stretch>
+        </p:blipFill>
+        <p:spPr>
+          <a:xfrm>
+            <a:off x="421746" y="1865745"/>
+            <a:ext cx="5255570" cy="4905755"/>
+          </a:xfrm>
+        </p:spPr>
+      </p:pic>
+      <p:pic>
+        <p:nvPicPr>
+          <p:cNvPr id="11" name="Θέση περιεχομένου 10">
+            <a:extLst>
+              <a:ext uri="{FF2B5EF4-FFF2-40B4-BE49-F238E27FC236}">
+                <a16:creationId xmlns:a16="http://schemas.microsoft.com/office/drawing/2014/main" id="{0ECCCFE6-9FA7-D04F-5A16-AA48D10DF304}"/>
+              </a:ext>
+            </a:extLst>
+          </p:cNvPr>
+          <p:cNvPicPr>
+            <a:picLocks noGrp="1" noChangeAspect="1"/>
+          </p:cNvPicPr>
+          <p:nvPr>
+            <p:ph sz="half" idx="2"/>
+          </p:nvPr>
+        </p:nvPicPr>
+        <p:blipFill>
+          <a:blip r:embed="rId3"/>
+          <a:stretch>
+            <a:fillRect/>
+          </a:stretch>
+        </p:blipFill>
+        <p:spPr>
+          <a:xfrm>
+            <a:off x="6514686" y="1862890"/>
+            <a:ext cx="5189369" cy="4905755"/>
+          </a:xfrm>
+        </p:spPr>
+      </p:pic>
+    </p:spTree>
+    <p:extLst>
+      <p:ext uri="{BB962C8B-B14F-4D97-AF65-F5344CB8AC3E}">
+        <p14:creationId xmlns:p14="http://schemas.microsoft.com/office/powerpoint/2010/main" val="1739241115"/>
+      </p:ext>
+    </p:extLst>
+  </p:cSld>
+  <p:clrMapOvr>
+    <a:masterClrMapping/>
+  </p:clrMapOvr>
+</p:sld>
+</file>
+
+<file path=ppt/slides/slide15.xml><?xml version="1.0" encoding="utf-8"?>
+<p:sld xmlns:a="http://schemas.openxmlformats.org/drawingml/2006/main" xmlns:r="http://schemas.openxmlformats.org/officeDocument/2006/relationships" xmlns:p="http://schemas.openxmlformats.org/presentationml/2006/main">
+  <p:cSld>
+    <p:spTree>
+      <p:nvGrpSpPr>
+        <p:cNvPr id="1" name=""/>
+        <p:cNvGrpSpPr/>
+        <p:nvPr/>
+      </p:nvGrpSpPr>
+      <p:grpSpPr>
+        <a:xfrm>
+          <a:off x="0" y="0"/>
+          <a:ext cx="0" cy="0"/>
+          <a:chOff x="0" y="0"/>
+          <a:chExt cx="0" cy="0"/>
+        </a:xfrm>
+      </p:grpSpPr>
+      <p:sp>
+        <p:nvSpPr>
+          <p:cNvPr id="100" name="Rectangle 10">
             <a:extLst>
               <a:ext uri="{FF2B5EF4-FFF2-40B4-BE49-F238E27FC236}">
                 <a16:creationId xmlns:a16="http://schemas.microsoft.com/office/drawing/2014/main" id="{042E603F-28B7-4831-BF23-65FBAB13D5FB}"/>
@@ -4671,7 +6053,7 @@
       </p:sp>
       <p:sp>
         <p:nvSpPr>
-          <p:cNvPr id="36" name="Freeform: Shape 26">
+          <p:cNvPr id="101" name="Freeform: Shape 12">
             <a:extLst>
               <a:ext uri="{FF2B5EF4-FFF2-40B4-BE49-F238E27FC236}">
                 <a16:creationId xmlns:a16="http://schemas.microsoft.com/office/drawing/2014/main" id="{4D39700F-2B10-4402-A7DD-06EE2245880D}"/>
@@ -5239,7 +6621,7 @@
       </p:sp>
       <p:sp useBgFill="1">
         <p:nvSpPr>
-          <p:cNvPr id="37" name="Background Fill">
+          <p:cNvPr id="102" name="Background Fill">
             <a:extLst>
               <a:ext uri="{FF2B5EF4-FFF2-40B4-BE49-F238E27FC236}">
                 <a16:creationId xmlns:a16="http://schemas.microsoft.com/office/drawing/2014/main" id="{6DA65B90-7B06-4499-91BA-CDDD36132481}"/>
@@ -5299,10 +6681,10 @@
       </p:sp>
       <p:sp>
         <p:nvSpPr>
-          <p:cNvPr id="38" name="Rectangle 30">
-            <a:extLst>
-              <a:ext uri="{FF2B5EF4-FFF2-40B4-BE49-F238E27FC236}">
-                <a16:creationId xmlns:a16="http://schemas.microsoft.com/office/drawing/2014/main" id="{D1FFE435-0754-492D-B815-BD114217D379}"/>
+          <p:cNvPr id="103" name="Rectangle 16">
+            <a:extLst>
+              <a:ext uri="{FF2B5EF4-FFF2-40B4-BE49-F238E27FC236}">
+                <a16:creationId xmlns:a16="http://schemas.microsoft.com/office/drawing/2014/main" id="{5C7BC1E0-1C8D-47CB-B48A-D3D0D2EF0E3A}"/>
               </a:ext>
               <a:ext uri="{C183D7F6-B498-43B3-948B-1728B52AA6E4}">
                 <adec:decorative xmlns:adec="http://schemas.microsoft.com/office/drawing/2017/decorative" val="1"/>
@@ -5364,10 +6746,10 @@
       </p:sp>
       <p:sp>
         <p:nvSpPr>
-          <p:cNvPr id="39" name="Freeform: Shape 32">
-            <a:extLst>
-              <a:ext uri="{FF2B5EF4-FFF2-40B4-BE49-F238E27FC236}">
-                <a16:creationId xmlns:a16="http://schemas.microsoft.com/office/drawing/2014/main" id="{7EF79062-B5BB-45DF-810C-95A324A9D60F}"/>
+          <p:cNvPr id="19" name="Freeform: Shape 18">
+            <a:extLst>
+              <a:ext uri="{FF2B5EF4-FFF2-40B4-BE49-F238E27FC236}">
+                <a16:creationId xmlns:a16="http://schemas.microsoft.com/office/drawing/2014/main" id="{3AD1C04B-04EF-43BA-B2AB-6F52AF8B943A}"/>
               </a:ext>
               <a:ext uri="{C183D7F6-B498-43B3-948B-1728B52AA6E4}">
                 <adec:decorative xmlns:adec="http://schemas.microsoft.com/office/drawing/2017/decorative" val="1"/>
@@ -5386,63 +6768,55 @@
           </p:nvPr>
         </p:nvSpPr>
         <p:spPr>
-          <a:xfrm flipH="1" flipV="1">
-            <a:off x="0" y="2140699"/>
-            <a:ext cx="12192000" cy="4717301"/>
+          <a:xfrm>
+            <a:off x="3049" y="1"/>
+            <a:ext cx="6939937" cy="6453893"/>
           </a:xfrm>
           <a:custGeom>
             <a:avLst/>
             <a:gdLst>
-              <a:gd name="connsiteX0" fmla="*/ 8930642 w 12192000"/>
-              <a:gd name="connsiteY0" fmla="*/ 4273734 h 4717301"/>
-              <a:gd name="connsiteX1" fmla="*/ 9143134 w 12192000"/>
-              <a:gd name="connsiteY1" fmla="*/ 4396362 h 4717301"/>
-              <a:gd name="connsiteX2" fmla="*/ 9043549 w 12192000"/>
-              <a:gd name="connsiteY2" fmla="*/ 4693978 h 4717301"/>
-              <a:gd name="connsiteX3" fmla="*/ 8745984 w 12192000"/>
-              <a:gd name="connsiteY3" fmla="*/ 4594249 h 4717301"/>
-              <a:gd name="connsiteX4" fmla="*/ 8845568 w 12192000"/>
-              <a:gd name="connsiteY4" fmla="*/ 4296634 h 4717301"/>
-              <a:gd name="connsiteX5" fmla="*/ 8930642 w 12192000"/>
-              <a:gd name="connsiteY5" fmla="*/ 4273734 h 4717301"/>
-              <a:gd name="connsiteX6" fmla="*/ 9842642 w 12192000"/>
-              <a:gd name="connsiteY6" fmla="*/ 3718743 h 4717301"/>
-              <a:gd name="connsiteX7" fmla="*/ 10272210 w 12192000"/>
-              <a:gd name="connsiteY7" fmla="*/ 3966645 h 4717301"/>
-              <a:gd name="connsiteX8" fmla="*/ 10070896 w 12192000"/>
-              <a:gd name="connsiteY8" fmla="*/ 4568292 h 4717301"/>
-              <a:gd name="connsiteX9" fmla="*/ 9469346 w 12192000"/>
-              <a:gd name="connsiteY9" fmla="*/ 4366686 h 4717301"/>
-              <a:gd name="connsiteX10" fmla="*/ 9670660 w 12192000"/>
-              <a:gd name="connsiteY10" fmla="*/ 3765038 h 4717301"/>
-              <a:gd name="connsiteX11" fmla="*/ 9842642 w 12192000"/>
-              <a:gd name="connsiteY11" fmla="*/ 3718743 h 4717301"/>
-              <a:gd name="connsiteX12" fmla="*/ 0 w 12192000"/>
-              <a:gd name="connsiteY12" fmla="*/ 0 h 4717301"/>
-              <a:gd name="connsiteX13" fmla="*/ 12192000 w 12192000"/>
-              <a:gd name="connsiteY13" fmla="*/ 0 h 4717301"/>
-              <a:gd name="connsiteX14" fmla="*/ 12192000 w 12192000"/>
-              <a:gd name="connsiteY14" fmla="*/ 3369891 h 4717301"/>
-              <a:gd name="connsiteX15" fmla="*/ 12124015 w 12192000"/>
-              <a:gd name="connsiteY15" fmla="*/ 3410713 h 4717301"/>
-              <a:gd name="connsiteX16" fmla="*/ 11077457 w 12192000"/>
-              <a:gd name="connsiteY16" fmla="*/ 3501725 h 4717301"/>
-              <a:gd name="connsiteX17" fmla="*/ 9867246 w 12192000"/>
-              <a:gd name="connsiteY17" fmla="*/ 3351592 h 4717301"/>
-              <a:gd name="connsiteX18" fmla="*/ 8994802 w 12192000"/>
-              <a:gd name="connsiteY18" fmla="*/ 3878378 h 4717301"/>
-              <a:gd name="connsiteX19" fmla="*/ 6994655 w 12192000"/>
-              <a:gd name="connsiteY19" fmla="*/ 4335637 h 4717301"/>
-              <a:gd name="connsiteX20" fmla="*/ 6287534 w 12192000"/>
-              <a:gd name="connsiteY20" fmla="*/ 3714199 h 4717301"/>
-              <a:gd name="connsiteX21" fmla="*/ 4392596 w 12192000"/>
-              <a:gd name="connsiteY21" fmla="*/ 3392344 h 4717301"/>
-              <a:gd name="connsiteX22" fmla="*/ 3014500 w 12192000"/>
-              <a:gd name="connsiteY22" fmla="*/ 4100222 h 4717301"/>
-              <a:gd name="connsiteX23" fmla="*/ 86414 w 12192000"/>
-              <a:gd name="connsiteY23" fmla="*/ 3903305 h 4717301"/>
-              <a:gd name="connsiteX24" fmla="*/ 0 w 12192000"/>
-              <a:gd name="connsiteY24" fmla="*/ 3840566 h 4717301"/>
+              <a:gd name="connsiteX0" fmla="*/ 111814 w 4695433"/>
+              <a:gd name="connsiteY0" fmla="*/ 3049004 h 4582435"/>
+              <a:gd name="connsiteX1" fmla="*/ 297409 w 4695433"/>
+              <a:gd name="connsiteY1" fmla="*/ 3091902 h 4582435"/>
+              <a:gd name="connsiteX2" fmla="*/ 416673 w 4695433"/>
+              <a:gd name="connsiteY2" fmla="*/ 3537003 h 4582435"/>
+              <a:gd name="connsiteX3" fmla="*/ 31751 w 4695433"/>
+              <a:gd name="connsiteY3" fmla="*/ 3683368 h 4582435"/>
+              <a:gd name="connsiteX4" fmla="*/ 0 w 4695433"/>
+              <a:gd name="connsiteY4" fmla="*/ 3669070 h 4582435"/>
+              <a:gd name="connsiteX5" fmla="*/ 0 w 4695433"/>
+              <a:gd name="connsiteY5" fmla="*/ 3079852 h 4582435"/>
+              <a:gd name="connsiteX6" fmla="*/ 35156 w 4695433"/>
+              <a:gd name="connsiteY6" fmla="*/ 3063756 h 4582435"/>
+              <a:gd name="connsiteX7" fmla="*/ 111814 w 4695433"/>
+              <a:gd name="connsiteY7" fmla="*/ 3049004 h 4582435"/>
+              <a:gd name="connsiteX8" fmla="*/ 0 w 4695433"/>
+              <a:gd name="connsiteY8" fmla="*/ 0 h 4582435"/>
+              <a:gd name="connsiteX9" fmla="*/ 4695433 w 4695433"/>
+              <a:gd name="connsiteY9" fmla="*/ 0 h 4582435"/>
+              <a:gd name="connsiteX10" fmla="*/ 4663044 w 4695433"/>
+              <a:gd name="connsiteY10" fmla="*/ 68762 h 4582435"/>
+              <a:gd name="connsiteX11" fmla="*/ 4571319 w 4695433"/>
+              <a:gd name="connsiteY11" fmla="*/ 201411 h 4582435"/>
+              <a:gd name="connsiteX12" fmla="*/ 4099777 w 4695433"/>
+              <a:gd name="connsiteY12" fmla="*/ 504347 h 4582435"/>
+              <a:gd name="connsiteX13" fmla="*/ 3811860 w 4695433"/>
+              <a:gd name="connsiteY13" fmla="*/ 1682068 h 4582435"/>
+              <a:gd name="connsiteX14" fmla="*/ 3167043 w 4695433"/>
+              <a:gd name="connsiteY14" fmla="*/ 4278500 h 4582435"/>
+              <a:gd name="connsiteX15" fmla="*/ 2640955 w 4695433"/>
+              <a:gd name="connsiteY15" fmla="*/ 4485587 h 4582435"/>
+              <a:gd name="connsiteX16" fmla="*/ 1495663 w 4695433"/>
+              <a:gd name="connsiteY16" fmla="*/ 4435228 h 4582435"/>
+              <a:gd name="connsiteX17" fmla="*/ 1020813 w 4695433"/>
+              <a:gd name="connsiteY17" fmla="*/ 3838149 h 4582435"/>
+              <a:gd name="connsiteX18" fmla="*/ 626404 w 4695433"/>
+              <a:gd name="connsiteY18" fmla="*/ 3045292 h 4582435"/>
+              <a:gd name="connsiteX19" fmla="*/ 147061 w 4695433"/>
+              <a:gd name="connsiteY19" fmla="*/ 2765401 h 4582435"/>
+              <a:gd name="connsiteX20" fmla="*/ 0 w 4695433"/>
+              <a:gd name="connsiteY20" fmla="*/ 2736690 h 4582435"/>
             </a:gdLst>
             <a:ahLst/>
             <a:cxnLst>
@@ -5509,134 +6883,99 @@
               <a:cxn ang="0">
                 <a:pos x="connsiteX20" y="connsiteY20"/>
               </a:cxn>
-              <a:cxn ang="0">
-                <a:pos x="connsiteX21" y="connsiteY21"/>
-              </a:cxn>
-              <a:cxn ang="0">
-                <a:pos x="connsiteX22" y="connsiteY22"/>
-              </a:cxn>
-              <a:cxn ang="0">
-                <a:pos x="connsiteX23" y="connsiteY23"/>
-              </a:cxn>
-              <a:cxn ang="0">
-                <a:pos x="connsiteX24" y="connsiteY24"/>
-              </a:cxn>
             </a:cxnLst>
             <a:rect l="l" t="t" r="r" b="b"/>
             <a:pathLst>
-              <a:path w="12192000" h="4717301">
+              <a:path w="4695433" h="4582435">
                 <a:moveTo>
-                  <a:pt x="8930642" y="4273734"/>
+                  <a:pt x="111814" y="3049004"/>
                 </a:moveTo>
                 <a:cubicBezTo>
-                  <a:pt x="9016941" y="4268381"/>
-                  <a:pt x="9102130" y="4314070"/>
-                  <a:pt x="9143134" y="4396362"/>
-                </a:cubicBezTo>
-                <a:cubicBezTo>
-                  <a:pt x="9197806" y="4506087"/>
-                  <a:pt x="9153221" y="4639333"/>
-                  <a:pt x="9043549" y="4693978"/>
-                </a:cubicBezTo>
-                <a:cubicBezTo>
-                  <a:pt x="8933879" y="4748622"/>
-                  <a:pt x="8800655" y="4703973"/>
-                  <a:pt x="8745984" y="4594249"/>
-                </a:cubicBezTo>
-                <a:cubicBezTo>
-                  <a:pt x="8691311" y="4484525"/>
-                  <a:pt x="8735897" y="4351279"/>
-                  <a:pt x="8845568" y="4296634"/>
-                </a:cubicBezTo>
-                <a:cubicBezTo>
-                  <a:pt x="8872986" y="4282973"/>
-                  <a:pt x="8901875" y="4275517"/>
-                  <a:pt x="8930642" y="4273734"/>
-                </a:cubicBezTo>
-                <a:close/>
-                <a:moveTo>
-                  <a:pt x="9842642" y="3718743"/>
-                </a:moveTo>
-                <a:cubicBezTo>
-                  <a:pt x="10017101" y="3707923"/>
-                  <a:pt x="10189318" y="3800286"/>
-                  <a:pt x="10272210" y="3966645"/>
-                </a:cubicBezTo>
-                <a:cubicBezTo>
-                  <a:pt x="10382732" y="4188458"/>
-                  <a:pt x="10292600" y="4457825"/>
-                  <a:pt x="10070896" y="4568292"/>
-                </a:cubicBezTo>
-                <a:cubicBezTo>
-                  <a:pt x="9849191" y="4678760"/>
-                  <a:pt x="9579867" y="4588498"/>
-                  <a:pt x="9469346" y="4366686"/>
-                </a:cubicBezTo>
-                <a:cubicBezTo>
-                  <a:pt x="9358824" y="4144873"/>
-                  <a:pt x="9448956" y="3875506"/>
-                  <a:pt x="9670660" y="3765038"/>
-                </a:cubicBezTo>
-                <a:cubicBezTo>
-                  <a:pt x="9726087" y="3737421"/>
-                  <a:pt x="9784490" y="3722349"/>
-                  <a:pt x="9842642" y="3718743"/>
+                  <a:pt x="174417" y="3044581"/>
+                  <a:pt x="238967" y="3058160"/>
+                  <a:pt x="297409" y="3091902"/>
+                </a:cubicBezTo>
+                <a:cubicBezTo>
+                  <a:pt x="453255" y="3181878"/>
+                  <a:pt x="506651" y="3381158"/>
+                  <a:pt x="416673" y="3537003"/>
+                </a:cubicBezTo>
+                <a:cubicBezTo>
+                  <a:pt x="337943" y="3673368"/>
+                  <a:pt x="175529" y="3731295"/>
+                  <a:pt x="31751" y="3683368"/>
+                </a:cubicBezTo>
+                <a:lnTo>
+                  <a:pt x="0" y="3669070"/>
+                </a:lnTo>
+                <a:lnTo>
+                  <a:pt x="0" y="3079852"/>
+                </a:lnTo>
+                <a:lnTo>
+                  <a:pt x="35156" y="3063756"/>
+                </a:lnTo>
+                <a:cubicBezTo>
+                  <a:pt x="59982" y="3055817"/>
+                  <a:pt x="85729" y="3050848"/>
+                  <a:pt x="111814" y="3049004"/>
                 </a:cubicBezTo>
                 <a:close/>
                 <a:moveTo>
                   <a:pt x="0" y="0"/>
                 </a:moveTo>
                 <a:lnTo>
-                  <a:pt x="12192000" y="0"/>
+                  <a:pt x="4695433" y="0"/>
                 </a:lnTo>
                 <a:lnTo>
-                  <a:pt x="12192000" y="3369891"/>
+                  <a:pt x="4663044" y="68762"/>
                 </a:lnTo>
+                <a:cubicBezTo>
+                  <a:pt x="4636274" y="118744"/>
+                  <a:pt x="4605467" y="163546"/>
+                  <a:pt x="4571319" y="201411"/>
+                </a:cubicBezTo>
+                <a:cubicBezTo>
+                  <a:pt x="4449886" y="335755"/>
+                  <a:pt x="4268949" y="426743"/>
+                  <a:pt x="4099777" y="504347"/>
+                </a:cubicBezTo>
+                <a:cubicBezTo>
+                  <a:pt x="3604896" y="731933"/>
+                  <a:pt x="3591784" y="1317548"/>
+                  <a:pt x="3811860" y="1682068"/>
+                </a:cubicBezTo>
+                <a:cubicBezTo>
+                  <a:pt x="4454413" y="2741008"/>
+                  <a:pt x="4084752" y="3706193"/>
+                  <a:pt x="3167043" y="4278500"/>
+                </a:cubicBezTo>
+                <a:cubicBezTo>
+                  <a:pt x="3009772" y="4376529"/>
+                  <a:pt x="2817700" y="4417630"/>
+                  <a:pt x="2640955" y="4485587"/>
+                </a:cubicBezTo>
+                <a:cubicBezTo>
+                  <a:pt x="2250950" y="4603206"/>
+                  <a:pt x="1866703" y="4642930"/>
+                  <a:pt x="1495663" y="4435228"/>
+                </a:cubicBezTo>
+                <a:cubicBezTo>
+                  <a:pt x="1259049" y="4302759"/>
+                  <a:pt x="1121911" y="4090107"/>
+                  <a:pt x="1020813" y="3838149"/>
+                </a:cubicBezTo>
+                <a:cubicBezTo>
+                  <a:pt x="910679" y="3564211"/>
+                  <a:pt x="784571" y="3292847"/>
+                  <a:pt x="626404" y="3045292"/>
+                </a:cubicBezTo>
+                <a:cubicBezTo>
+                  <a:pt x="516355" y="2873268"/>
+                  <a:pt x="336073" y="2807363"/>
+                  <a:pt x="147061" y="2765401"/>
+                </a:cubicBezTo>
                 <a:lnTo>
-                  <a:pt x="12124015" y="3410713"/>
-                </a:lnTo>
-                <a:cubicBezTo>
-                  <a:pt x="11792041" y="3581538"/>
-                  <a:pt x="11443617" y="3577252"/>
-                  <a:pt x="11077457" y="3501725"/>
-                </a:cubicBezTo>
-                <a:cubicBezTo>
-                  <a:pt x="10679189" y="3419860"/>
-                  <a:pt x="10271734" y="3358281"/>
-                  <a:pt x="9867246" y="3351592"/>
-                </a:cubicBezTo>
-                <a:cubicBezTo>
-                  <a:pt x="9492336" y="3345611"/>
-                  <a:pt x="9239136" y="3626329"/>
-                  <a:pt x="8994802" y="3878378"/>
-                </a:cubicBezTo>
-                <a:cubicBezTo>
-                  <a:pt x="8385954" y="4506678"/>
-                  <a:pt x="7695268" y="4690742"/>
-                  <a:pt x="6994655" y="4335637"/>
-                </a:cubicBezTo>
-                <a:cubicBezTo>
-                  <a:pt x="6722938" y="4197922"/>
-                  <a:pt x="6494843" y="3948626"/>
-                  <a:pt x="6287534" y="3714199"/>
-                </a:cubicBezTo>
-                <a:cubicBezTo>
-                  <a:pt x="5731733" y="3085491"/>
-                  <a:pt x="5043559" y="3067499"/>
-                  <a:pt x="4392596" y="3392344"/>
-                </a:cubicBezTo>
-                <a:cubicBezTo>
-                  <a:pt x="3930423" y="3623867"/>
-                  <a:pt x="3492022" y="3908604"/>
-                  <a:pt x="3014500" y="4100222"/>
-                </a:cubicBezTo>
-                <a:cubicBezTo>
-                  <a:pt x="1977820" y="4518409"/>
-                  <a:pt x="973242" y="4499486"/>
-                  <a:pt x="86414" y="3903305"/>
-                </a:cubicBezTo>
-                <a:lnTo>
-                  <a:pt x="0" y="3840566"/>
+                  <a:pt x="0" y="2736690"/>
                 </a:lnTo>
                 <a:close/>
               </a:path>
@@ -5644,6 +6983,322 @@
           </a:custGeom>
           <a:solidFill>
             <a:schemeClr val="bg1"/>
+          </a:solidFill>
+          <a:ln>
+            <a:noFill/>
+          </a:ln>
+        </p:spPr>
+        <p:style>
+          <a:lnRef idx="2">
+            <a:schemeClr val="accent1">
+              <a:shade val="50000"/>
+            </a:schemeClr>
+          </a:lnRef>
+          <a:fillRef idx="1">
+            <a:schemeClr val="accent1"/>
+          </a:fillRef>
+          <a:effectRef idx="0">
+            <a:schemeClr val="accent1"/>
+          </a:effectRef>
+          <a:fontRef idx="minor">
+            <a:schemeClr val="lt1"/>
+          </a:fontRef>
+        </p:style>
+        <p:txBody>
+          <a:bodyPr wrap="square" rtlCol="0" anchor="ctr">
+            <a:noAutofit/>
+          </a:bodyPr>
+          <a:lstStyle/>
+          <a:p>
+            <a:pPr algn="ctr"/>
+            <a:endParaRPr lang="en-US"/>
+          </a:p>
+        </p:txBody>
+      </p:sp>
+      <p:pic>
+        <p:nvPicPr>
+          <p:cNvPr id="6" name="Θέση εικόνας 5" descr="Εικόνα που περιέχει γράφημα, στιγμιότυπο οθόνης, διάγραμμα, γραμμή&#10;&#10;Περιγραφή που δημιουργήθηκε αυτόματα">
+            <a:extLst>
+              <a:ext uri="{FF2B5EF4-FFF2-40B4-BE49-F238E27FC236}">
+                <a16:creationId xmlns:a16="http://schemas.microsoft.com/office/drawing/2014/main" id="{CDCE1CB7-FF82-3699-AA34-EABC515B027B}"/>
+              </a:ext>
+            </a:extLst>
+          </p:cNvPr>
+          <p:cNvPicPr>
+            <a:picLocks noGrp="1" noChangeAspect="1"/>
+          </p:cNvPicPr>
+          <p:nvPr>
+            <p:ph type="pic" idx="1"/>
+          </p:nvPr>
+        </p:nvPicPr>
+        <p:blipFill>
+          <a:blip r:embed="rId2"/>
+          <a:srcRect l="2735" r="2735"/>
+          <a:stretch/>
+        </p:blipFill>
+        <p:spPr>
+          <a:xfrm>
+            <a:off x="5546878" y="404106"/>
+            <a:ext cx="6176705" cy="6093069"/>
+          </a:xfrm>
+          <a:prstGeom prst="rect">
+            <a:avLst/>
+          </a:prstGeom>
+        </p:spPr>
+      </p:pic>
+      <p:sp>
+        <p:nvSpPr>
+          <p:cNvPr id="104" name="Θέση κειμένου 3">
+            <a:extLst>
+              <a:ext uri="{FF2B5EF4-FFF2-40B4-BE49-F238E27FC236}">
+                <a16:creationId xmlns:a16="http://schemas.microsoft.com/office/drawing/2014/main" id="{96F299D3-E75E-5D0C-EB46-DEC54EDE0797}"/>
+              </a:ext>
+            </a:extLst>
+          </p:cNvPr>
+          <p:cNvSpPr>
+            <a:spLocks noGrp="1"/>
+          </p:cNvSpPr>
+          <p:nvPr>
+            <p:ph type="body" sz="half" idx="2"/>
+          </p:nvPr>
+        </p:nvSpPr>
+        <p:spPr>
+          <a:xfrm>
+            <a:off x="612649" y="544945"/>
+            <a:ext cx="4670551" cy="5908949"/>
+          </a:xfrm>
+        </p:spPr>
+        <p:txBody>
+          <a:bodyPr>
+            <a:normAutofit/>
+          </a:bodyPr>
+          <a:lstStyle/>
+          <a:p>
+            <a:r>
+              <a:rPr lang="el-GR" dirty="0"/>
+              <a:t>Για να αντιληφθούμε καλύτερα την απόκλιση των δύο καμπυλών, τις αναπαριστούμε στο ίδιο διάγραμμα έτσι ώστε να πέσει η μία πάνω στην άλλη. Η καλύτερη εικόνα εμφανίζεται για τα μεγαλύτερα μήκη κύματος (&gt;600</a:t>
+            </a:r>
+            <a:r>
+              <a:rPr lang="en-US" dirty="0"/>
+              <a:t>nm</a:t>
+            </a:r>
+            <a:r>
+              <a:rPr lang="en-GB" dirty="0"/>
+              <a:t>)</a:t>
+            </a:r>
+            <a:r>
+              <a:rPr lang="el-GR" dirty="0"/>
+              <a:t> ενώ στα μεσαία και χαμηλότερα μήκη κύματος παρατηρούνται αποκλίσεις, οι οποίες όμως δεν είναι εξαιρετικά μεγάλες. Συμπερασματικά μπορούμε να πούμε ότι, στην συγκεκριμένη περίπτωση, το όργανο με την μικρότερη ακρίβεια πλησιάζει ικανοποιητικά το όργανο με την μεγαλύτερη ακρίβεια, το οποίο όμως μετρά σε μικρότερο εύρος του φάσματος της ηλιακής ακτινοβολίας. Σε κάθε περίπτωση, πριν από κάποια μελέτη, πρέπει να αναλογιστούμε ποιο από τα δύο θα καλύψει τις εκάστοτε ανάγκες της έρευνας, δηλαδή αν επιθυμούμε μεγαλύτερη ακρίβεια ή εύρος στο φάσμα των μετρήσεών μας.</a:t>
+            </a:r>
+            <a:endParaRPr lang="en-GB" dirty="0"/>
+          </a:p>
+        </p:txBody>
+      </p:sp>
+    </p:spTree>
+    <p:extLst>
+      <p:ext uri="{BB962C8B-B14F-4D97-AF65-F5344CB8AC3E}">
+        <p14:creationId xmlns:p14="http://schemas.microsoft.com/office/powerpoint/2010/main" val="3639020863"/>
+      </p:ext>
+    </p:extLst>
+  </p:cSld>
+  <p:clrMapOvr>
+    <a:masterClrMapping/>
+  </p:clrMapOvr>
+</p:sld>
+</file>
+
+<file path=ppt/slides/slide16.xml><?xml version="1.0" encoding="utf-8"?>
+<p:sld xmlns:a="http://schemas.openxmlformats.org/drawingml/2006/main" xmlns:r="http://schemas.openxmlformats.org/officeDocument/2006/relationships" xmlns:p="http://schemas.openxmlformats.org/presentationml/2006/main">
+  <p:cSld>
+    <p:spTree>
+      <p:nvGrpSpPr>
+        <p:cNvPr id="1" name=""/>
+        <p:cNvGrpSpPr/>
+        <p:nvPr/>
+      </p:nvGrpSpPr>
+      <p:grpSpPr>
+        <a:xfrm>
+          <a:off x="0" y="0"/>
+          <a:ext cx="0" cy="0"/>
+          <a:chOff x="0" y="0"/>
+          <a:chExt cx="0" cy="0"/>
+        </a:xfrm>
+      </p:grpSpPr>
+      <p:sp>
+        <p:nvSpPr>
+          <p:cNvPr id="3" name="TextBox 2">
+            <a:extLst>
+              <a:ext uri="{FF2B5EF4-FFF2-40B4-BE49-F238E27FC236}">
+                <a16:creationId xmlns:a16="http://schemas.microsoft.com/office/drawing/2014/main" id="{90F6385D-B3FB-451B-B424-C9F0E1C42B9C}"/>
+              </a:ext>
+            </a:extLst>
+          </p:cNvPr>
+          <p:cNvSpPr txBox="1"/>
+          <p:nvPr/>
+        </p:nvSpPr>
+        <p:spPr>
+          <a:xfrm>
+            <a:off x="1288473" y="2228671"/>
+            <a:ext cx="9615054" cy="1200329"/>
+          </a:xfrm>
+          <a:prstGeom prst="rect">
+            <a:avLst/>
+          </a:prstGeom>
+          <a:noFill/>
+        </p:spPr>
+        <p:txBody>
+          <a:bodyPr wrap="square" rtlCol="0">
+            <a:spAutoFit/>
+          </a:bodyPr>
+          <a:lstStyle/>
+          <a:p>
+            <a:pPr algn="ctr"/>
+            <a:r>
+              <a:rPr lang="el-GR" dirty="0"/>
+              <a:t>Η επεξεργασία των δεδομένων καθώς και η εξαγωγή των γραφικών παραστάσεων έγινε αποκλειστικά με την χρήση </a:t>
+            </a:r>
+            <a:r>
+              <a:rPr lang="en-US" dirty="0"/>
+              <a:t>P</a:t>
+            </a:r>
+            <a:r>
+              <a:rPr lang="en-GB" dirty="0" err="1"/>
+              <a:t>ython</a:t>
+            </a:r>
+            <a:r>
+              <a:rPr lang="en-GB" dirty="0"/>
+              <a:t> </a:t>
+            </a:r>
+            <a:r>
+              <a:rPr lang="el-GR" dirty="0"/>
+              <a:t>στο προγραμματιστικό περιβάλλον </a:t>
+            </a:r>
+            <a:r>
+              <a:rPr lang="en-US" dirty="0" err="1"/>
+              <a:t>Jupyter</a:t>
+            </a:r>
+            <a:r>
+              <a:rPr lang="en-US" dirty="0"/>
+              <a:t>. </a:t>
+            </a:r>
+            <a:r>
+              <a:rPr lang="el-GR" dirty="0"/>
+              <a:t>Ο κώδικας, καθώς και τα υπόλοιπα αρχεία που τον συνοδεύουν μπορούν να βρεθούν στον προσωπικό μου λογαριασμό στο </a:t>
+            </a:r>
+            <a:r>
+              <a:rPr lang="en-US" dirty="0" err="1"/>
+              <a:t>Github</a:t>
+            </a:r>
+            <a:r>
+              <a:rPr lang="en-US" dirty="0"/>
+              <a:t>.</a:t>
+            </a:r>
+            <a:endParaRPr lang="en-GB" dirty="0"/>
+          </a:p>
+        </p:txBody>
+      </p:sp>
+      <p:sp>
+        <p:nvSpPr>
+          <p:cNvPr id="4" name="TextBox 3">
+            <a:extLst>
+              <a:ext uri="{FF2B5EF4-FFF2-40B4-BE49-F238E27FC236}">
+                <a16:creationId xmlns:a16="http://schemas.microsoft.com/office/drawing/2014/main" id="{8C0FDA16-0369-3B5A-E76F-67F51113772E}"/>
+              </a:ext>
+            </a:extLst>
+          </p:cNvPr>
+          <p:cNvSpPr txBox="1"/>
+          <p:nvPr/>
+        </p:nvSpPr>
+        <p:spPr>
+          <a:xfrm>
+            <a:off x="1750291" y="4387213"/>
+            <a:ext cx="8243455" cy="523220"/>
+          </a:xfrm>
+          <a:prstGeom prst="rect">
+            <a:avLst/>
+          </a:prstGeom>
+          <a:noFill/>
+        </p:spPr>
+        <p:txBody>
+          <a:bodyPr wrap="square" rtlCol="0">
+            <a:spAutoFit/>
+          </a:bodyPr>
+          <a:lstStyle/>
+          <a:p>
+            <a:pPr algn="ctr"/>
+            <a:r>
+              <a:rPr lang="el-GR" sz="2800" i="1" dirty="0"/>
+              <a:t>Ευχαριστώ για την προσοχή σας.</a:t>
+            </a:r>
+            <a:endParaRPr lang="en-GB" sz="2800" i="1" dirty="0"/>
+          </a:p>
+        </p:txBody>
+      </p:sp>
+    </p:spTree>
+    <p:extLst>
+      <p:ext uri="{BB962C8B-B14F-4D97-AF65-F5344CB8AC3E}">
+        <p14:creationId xmlns:p14="http://schemas.microsoft.com/office/powerpoint/2010/main" val="1193738633"/>
+      </p:ext>
+    </p:extLst>
+  </p:cSld>
+  <p:clrMapOvr>
+    <a:masterClrMapping/>
+  </p:clrMapOvr>
+</p:sld>
+</file>
+
+<file path=ppt/slides/slide2.xml><?xml version="1.0" encoding="utf-8"?>
+<p:sld xmlns:a="http://schemas.openxmlformats.org/drawingml/2006/main" xmlns:r="http://schemas.openxmlformats.org/officeDocument/2006/relationships" xmlns:p="http://schemas.openxmlformats.org/presentationml/2006/main">
+  <p:cSld>
+    <p:spTree>
+      <p:nvGrpSpPr>
+        <p:cNvPr id="1" name=""/>
+        <p:cNvGrpSpPr/>
+        <p:nvPr/>
+      </p:nvGrpSpPr>
+      <p:grpSpPr>
+        <a:xfrm>
+          <a:off x="0" y="0"/>
+          <a:ext cx="0" cy="0"/>
+          <a:chOff x="0" y="0"/>
+          <a:chExt cx="0" cy="0"/>
+        </a:xfrm>
+      </p:grpSpPr>
+      <p:sp>
+        <p:nvSpPr>
+          <p:cNvPr id="35" name="Rectangle 24">
+            <a:extLst>
+              <a:ext uri="{FF2B5EF4-FFF2-40B4-BE49-F238E27FC236}">
+                <a16:creationId xmlns:a16="http://schemas.microsoft.com/office/drawing/2014/main" id="{042E603F-28B7-4831-BF23-65FBAB13D5FB}"/>
+              </a:ext>
+              <a:ext uri="{C183D7F6-B498-43B3-948B-1728B52AA6E4}">
+                <adec:decorative xmlns:adec="http://schemas.microsoft.com/office/drawing/2017/decorative" val="1"/>
+              </a:ext>
+            </a:extLst>
+          </p:cNvPr>
+          <p:cNvSpPr>
+            <a:spLocks noGrp="1" noRot="1" noChangeAspect="1" noMove="1" noResize="1" noEditPoints="1" noAdjustHandles="1" noChangeArrowheads="1" noChangeShapeType="1" noTextEdit="1"/>
+          </p:cNvSpPr>
+          <p:nvPr>
+            <p:extLst>
+              <p:ext uri="{386F3935-93C4-4BCD-93E2-E3B085C9AB24}">
+                <p16:designElem xmlns:p16="http://schemas.microsoft.com/office/powerpoint/2015/main" val="1"/>
+              </p:ext>
+            </p:extLst>
+          </p:nvPr>
+        </p:nvSpPr>
+        <p:spPr>
+          <a:xfrm>
+            <a:off x="0" y="0"/>
+            <a:ext cx="12192001" cy="6858000"/>
+          </a:xfrm>
+          <a:prstGeom prst="rect">
+            <a:avLst/>
+          </a:prstGeom>
+          <a:solidFill>
+            <a:srgbClr val="AEAEAE">
+              <a:alpha val="10000"/>
+            </a:srgbClr>
           </a:solidFill>
           <a:ln>
             <a:noFill/>
@@ -5670,1143 +7325,13 @@
           <a:lstStyle/>
           <a:p>
             <a:pPr algn="ctr"/>
-            <a:endParaRPr lang="en-US"/>
+            <a:endParaRPr lang="en-US" dirty="0"/>
           </a:p>
         </p:txBody>
       </p:sp>
       <p:sp>
         <p:nvSpPr>
-          <p:cNvPr id="2" name="Τίτλος 1">
-            <a:extLst>
-              <a:ext uri="{FF2B5EF4-FFF2-40B4-BE49-F238E27FC236}">
-                <a16:creationId xmlns:a16="http://schemas.microsoft.com/office/drawing/2014/main" id="{F1C5BCC6-C6B3-20E3-A381-01646A09BCC8}"/>
-              </a:ext>
-            </a:extLst>
-          </p:cNvPr>
-          <p:cNvSpPr>
-            <a:spLocks noGrp="1"/>
-          </p:cNvSpPr>
-          <p:nvPr>
-            <p:ph type="title"/>
-          </p:nvPr>
-        </p:nvSpPr>
-        <p:spPr>
-          <a:xfrm>
-            <a:off x="605202" y="14208"/>
-            <a:ext cx="6658405" cy="1451174"/>
-          </a:xfrm>
-        </p:spPr>
-        <p:txBody>
-          <a:bodyPr vert="horz" lIns="91440" tIns="45720" rIns="91440" bIns="45720" rtlCol="0" anchor="ctr">
-            <a:normAutofit/>
-          </a:bodyPr>
-          <a:lstStyle/>
-          <a:p>
-            <a:r>
-              <a:rPr lang="en-US" sz="5400" dirty="0"/>
-              <a:t>Μέρος 1</a:t>
-            </a:r>
-            <a:r>
-              <a:rPr lang="en-US" sz="5400" baseline="30000" dirty="0"/>
-              <a:t>ο</a:t>
-            </a:r>
-            <a:r>
-              <a:rPr lang="en-US" sz="5400" dirty="0"/>
-              <a:t> </a:t>
-            </a:r>
-          </a:p>
-        </p:txBody>
-      </p:sp>
-      <p:sp>
-        <p:nvSpPr>
-          <p:cNvPr id="5" name="TextBox 4">
-            <a:extLst>
-              <a:ext uri="{FF2B5EF4-FFF2-40B4-BE49-F238E27FC236}">
-                <a16:creationId xmlns:a16="http://schemas.microsoft.com/office/drawing/2014/main" id="{90305336-EB42-61B7-0499-E801EB8BC7DE}"/>
-              </a:ext>
-            </a:extLst>
-          </p:cNvPr>
-          <p:cNvSpPr txBox="1"/>
-          <p:nvPr/>
-        </p:nvSpPr>
-        <p:spPr>
-          <a:xfrm>
-            <a:off x="608251" y="1064783"/>
-            <a:ext cx="10975498" cy="2685182"/>
-          </a:xfrm>
-          <a:prstGeom prst="rect">
-            <a:avLst/>
-          </a:prstGeom>
-        </p:spPr>
-        <p:txBody>
-          <a:bodyPr vert="horz" lIns="91440" tIns="45720" rIns="91440" bIns="45720" rtlCol="0" anchor="ctr">
-            <a:normAutofit/>
-          </a:bodyPr>
-          <a:lstStyle/>
-          <a:p>
-            <a:pPr>
-              <a:lnSpc>
-                <a:spcPct val="110000"/>
-              </a:lnSpc>
-              <a:spcBef>
-                <a:spcPts val="1000"/>
-              </a:spcBef>
-              <a:buClr>
-                <a:schemeClr val="accent5"/>
-              </a:buClr>
-            </a:pPr>
-            <a:r>
-              <a:rPr lang="el-GR" sz="2000" dirty="0"/>
-              <a:t>Στο 1</a:t>
-            </a:r>
-            <a:r>
-              <a:rPr lang="el-GR" sz="2000" baseline="30000" dirty="0"/>
-              <a:t>ο</a:t>
-            </a:r>
-            <a:r>
-              <a:rPr lang="el-GR" sz="2000" dirty="0"/>
-              <a:t> μέρος της εργασίας αυτής, επεξεργαζόμαστε δεδομένα από 3 διαφορετικές ως προς το γεωγραφικό πλάτος περιοχές. Οι περιοχές αυτές είναι ο Ισημερινός, τα μέσα πλάτη και τα </a:t>
-            </a:r>
-            <a:r>
-              <a:rPr lang="el-GR" sz="2000" dirty="0" err="1"/>
-              <a:t>υποαρκτικά</a:t>
-            </a:r>
-            <a:r>
-              <a:rPr lang="el-GR" sz="2000" dirty="0"/>
-              <a:t> πλάτη. Ο Ισημερινός, ως γνωστόν, δεν παρουσιάζει μεγάλες μεταβολές κατά την διάρκεια του χρόνου, σε αντίθεση με όλες τις υπόλοιπες περιοχές του πλανήτη. Για τον λόγο αυτό, για τον Ισημερινό μελετάμε ένα σετ δεδομένων ενώ για τις άλλες δύο περιοχές διαθέτουμε από 2 σετ δεδομένων, ένα για το καλοκαίρι και ένα για τον χειμώνα. Τα δεδομένα που διαθέτουμε είναι συναρτήσεις του ύψους και φαίνονται, ενδεικτικά, στον παρακάτω πίνακα. </a:t>
-            </a:r>
-            <a:endParaRPr lang="en-US" sz="2000" dirty="0"/>
-          </a:p>
-        </p:txBody>
-      </p:sp>
-      <p:pic>
-        <p:nvPicPr>
-          <p:cNvPr id="7" name="Θέση περιεχομένου 6">
-            <a:extLst>
-              <a:ext uri="{FF2B5EF4-FFF2-40B4-BE49-F238E27FC236}">
-                <a16:creationId xmlns:a16="http://schemas.microsoft.com/office/drawing/2014/main" id="{352B3EDC-AD9A-7B02-CAE3-825146698993}"/>
-              </a:ext>
-            </a:extLst>
-          </p:cNvPr>
-          <p:cNvPicPr>
-            <a:picLocks noGrp="1" noChangeAspect="1"/>
-          </p:cNvPicPr>
-          <p:nvPr>
-            <p:ph idx="1"/>
-          </p:nvPr>
-        </p:nvPicPr>
-        <p:blipFill>
-          <a:blip r:embed="rId2"/>
-          <a:stretch>
-            <a:fillRect/>
-          </a:stretch>
-        </p:blipFill>
-        <p:spPr>
-          <a:xfrm>
-            <a:off x="1971399" y="4100947"/>
-            <a:ext cx="8249201" cy="1978124"/>
-          </a:xfrm>
-          <a:prstGeom prst="rect">
-            <a:avLst/>
-          </a:prstGeom>
-        </p:spPr>
-      </p:pic>
-    </p:spTree>
-    <p:extLst>
-      <p:ext uri="{BB962C8B-B14F-4D97-AF65-F5344CB8AC3E}">
-        <p14:creationId xmlns:p14="http://schemas.microsoft.com/office/powerpoint/2010/main" val="3587230318"/>
-      </p:ext>
-    </p:extLst>
-  </p:cSld>
-  <p:clrMapOvr>
-    <a:masterClrMapping/>
-  </p:clrMapOvr>
-</p:sld>
-</file>
-
-<file path=ppt/slides/slide3.xml><?xml version="1.0" encoding="utf-8"?>
-<p:sld xmlns:a="http://schemas.openxmlformats.org/drawingml/2006/main" xmlns:r="http://schemas.openxmlformats.org/officeDocument/2006/relationships" xmlns:p="http://schemas.openxmlformats.org/presentationml/2006/main">
-  <p:cSld>
-    <p:spTree>
-      <p:nvGrpSpPr>
-        <p:cNvPr id="1" name=""/>
-        <p:cNvGrpSpPr/>
-        <p:nvPr/>
-      </p:nvGrpSpPr>
-      <p:grpSpPr>
-        <a:xfrm>
-          <a:off x="0" y="0"/>
-          <a:ext cx="0" cy="0"/>
-          <a:chOff x="0" y="0"/>
-          <a:chExt cx="0" cy="0"/>
-        </a:xfrm>
-      </p:grpSpPr>
-      <p:pic>
-        <p:nvPicPr>
-          <p:cNvPr id="1026" name="Picture 2">
-            <a:extLst>
-              <a:ext uri="{FF2B5EF4-FFF2-40B4-BE49-F238E27FC236}">
-                <a16:creationId xmlns:a16="http://schemas.microsoft.com/office/drawing/2014/main" id="{7CA0CB7F-5531-78E3-3572-7C6C4AE66FD8}"/>
-              </a:ext>
-            </a:extLst>
-          </p:cNvPr>
-          <p:cNvPicPr>
-            <a:picLocks noChangeAspect="1" noChangeArrowheads="1"/>
-          </p:cNvPicPr>
-          <p:nvPr/>
-        </p:nvPicPr>
-        <p:blipFill>
-          <a:blip r:embed="rId2">
-            <a:extLst>
-              <a:ext uri="{28A0092B-C50C-407E-A947-70E740481C1C}">
-                <a14:useLocalDpi xmlns:a14="http://schemas.microsoft.com/office/drawing/2010/main" val="0"/>
-              </a:ext>
-            </a:extLst>
-          </a:blip>
-          <a:srcRect/>
-          <a:stretch>
-            <a:fillRect/>
-          </a:stretch>
-        </p:blipFill>
-        <p:spPr bwMode="auto">
-          <a:xfrm>
-            <a:off x="4262438" y="1566863"/>
-            <a:ext cx="3667125" cy="3724275"/>
-          </a:xfrm>
-          <a:prstGeom prst="rect">
-            <a:avLst/>
-          </a:prstGeom>
-          <a:noFill/>
-          <a:extLst>
-            <a:ext uri="{909E8E84-426E-40DD-AFC4-6F175D3DCCD1}">
-              <a14:hiddenFill xmlns:a14="http://schemas.microsoft.com/office/drawing/2010/main">
-                <a:solidFill>
-                  <a:srgbClr val="FFFFFF"/>
-                </a:solidFill>
-              </a14:hiddenFill>
-            </a:ext>
-          </a:extLst>
-        </p:spPr>
-      </p:pic>
-      <p:pic>
-        <p:nvPicPr>
-          <p:cNvPr id="1028" name="Picture 4">
-            <a:extLst>
-              <a:ext uri="{FF2B5EF4-FFF2-40B4-BE49-F238E27FC236}">
-                <a16:creationId xmlns:a16="http://schemas.microsoft.com/office/drawing/2014/main" id="{1C2CE269-FC2A-6278-8DE0-8861EEA1FEF6}"/>
-              </a:ext>
-            </a:extLst>
-          </p:cNvPr>
-          <p:cNvPicPr>
-            <a:picLocks noChangeAspect="1" noChangeArrowheads="1"/>
-          </p:cNvPicPr>
-          <p:nvPr/>
-        </p:nvPicPr>
-        <p:blipFill>
-          <a:blip r:embed="rId3">
-            <a:extLst>
-              <a:ext uri="{28A0092B-C50C-407E-A947-70E740481C1C}">
-                <a14:useLocalDpi xmlns:a14="http://schemas.microsoft.com/office/drawing/2010/main" val="0"/>
-              </a:ext>
-            </a:extLst>
-          </a:blip>
-          <a:srcRect/>
-          <a:stretch>
-            <a:fillRect/>
-          </a:stretch>
-        </p:blipFill>
-        <p:spPr bwMode="auto">
-          <a:xfrm>
-            <a:off x="4414838" y="1719263"/>
-            <a:ext cx="3667125" cy="3724275"/>
-          </a:xfrm>
-          <a:prstGeom prst="rect">
-            <a:avLst/>
-          </a:prstGeom>
-          <a:noFill/>
-          <a:extLst>
-            <a:ext uri="{909E8E84-426E-40DD-AFC4-6F175D3DCCD1}">
-              <a14:hiddenFill xmlns:a14="http://schemas.microsoft.com/office/drawing/2010/main">
-                <a:solidFill>
-                  <a:srgbClr val="FFFFFF"/>
-                </a:solidFill>
-              </a14:hiddenFill>
-            </a:ext>
-          </a:extLst>
-        </p:spPr>
-      </p:pic>
-    </p:spTree>
-    <p:extLst>
-      <p:ext uri="{BB962C8B-B14F-4D97-AF65-F5344CB8AC3E}">
-        <p14:creationId xmlns:p14="http://schemas.microsoft.com/office/powerpoint/2010/main" val="3897811144"/>
-      </p:ext>
-    </p:extLst>
-  </p:cSld>
-  <p:clrMapOvr>
-    <a:masterClrMapping/>
-  </p:clrMapOvr>
-</p:sld>
-</file>
-
-<file path=ppt/slides/slide4.xml><?xml version="1.0" encoding="utf-8"?>
-<p:sld xmlns:a="http://schemas.openxmlformats.org/drawingml/2006/main" xmlns:r="http://schemas.openxmlformats.org/officeDocument/2006/relationships" xmlns:p="http://schemas.openxmlformats.org/presentationml/2006/main">
-  <p:cSld>
-    <p:spTree>
-      <p:nvGrpSpPr>
-        <p:cNvPr id="1" name=""/>
-        <p:cNvGrpSpPr/>
-        <p:nvPr/>
-      </p:nvGrpSpPr>
-      <p:grpSpPr>
-        <a:xfrm>
-          <a:off x="0" y="0"/>
-          <a:ext cx="0" cy="0"/>
-          <a:chOff x="0" y="0"/>
-          <a:chExt cx="0" cy="0"/>
-        </a:xfrm>
-      </p:grpSpPr>
-      <p:sp>
-        <p:nvSpPr>
-          <p:cNvPr id="2" name="Τίτλος 1">
-            <a:extLst>
-              <a:ext uri="{FF2B5EF4-FFF2-40B4-BE49-F238E27FC236}">
-                <a16:creationId xmlns:a16="http://schemas.microsoft.com/office/drawing/2014/main" id="{F15DE645-1279-C54C-D4D5-5157A24214B4}"/>
-              </a:ext>
-            </a:extLst>
-          </p:cNvPr>
-          <p:cNvSpPr>
-            <a:spLocks noGrp="1"/>
-          </p:cNvSpPr>
-          <p:nvPr>
-            <p:ph type="title"/>
-          </p:nvPr>
-        </p:nvSpPr>
-        <p:spPr>
-          <a:xfrm>
-            <a:off x="609600" y="270802"/>
-            <a:ext cx="10972800" cy="752495"/>
-          </a:xfrm>
-        </p:spPr>
-        <p:txBody>
-          <a:bodyPr>
-            <a:normAutofit fontScale="90000"/>
-          </a:bodyPr>
-          <a:lstStyle/>
-          <a:p>
-            <a:r>
-              <a:rPr lang="el-GR" dirty="0">
-                <a:cs typeface="Posterama"/>
-              </a:rPr>
-              <a:t>Μέρος 2ο</a:t>
-            </a:r>
-            <a:endParaRPr lang="el-GR" dirty="0"/>
-          </a:p>
-        </p:txBody>
-      </p:sp>
-      <p:sp>
-        <p:nvSpPr>
-          <p:cNvPr id="3" name="Θέση περιεχομένου 2">
-            <a:extLst>
-              <a:ext uri="{FF2B5EF4-FFF2-40B4-BE49-F238E27FC236}">
-                <a16:creationId xmlns:a16="http://schemas.microsoft.com/office/drawing/2014/main" id="{2B967DD2-94EE-2762-99F8-C473DB1D6FFC}"/>
-              </a:ext>
-            </a:extLst>
-          </p:cNvPr>
-          <p:cNvSpPr>
-            <a:spLocks noGrp="1"/>
-          </p:cNvSpPr>
-          <p:nvPr>
-            <p:ph idx="1"/>
-          </p:nvPr>
-        </p:nvSpPr>
-        <p:spPr>
-          <a:xfrm>
-            <a:off x="609600" y="974611"/>
-            <a:ext cx="10972800" cy="2081839"/>
-          </a:xfrm>
-        </p:spPr>
-        <p:txBody>
-          <a:bodyPr vert="horz" lIns="91440" tIns="45720" rIns="91440" bIns="45720" rtlCol="0" anchor="t">
-            <a:normAutofit lnSpcReduction="10000"/>
-          </a:bodyPr>
-          <a:lstStyle/>
-          <a:p>
-            <a:r>
-              <a:rPr lang="el-GR" dirty="0"/>
-              <a:t>Το δεύτερο μέρος της εργασίας περιλαμβάνει δύο διαφορετικά </a:t>
-            </a:r>
-            <a:r>
-              <a:rPr lang="el-GR" dirty="0" err="1"/>
-              <a:t>datasets</a:t>
-            </a:r>
-            <a:r>
-              <a:rPr lang="el-GR" dirty="0"/>
-              <a:t> όπου περιέχουν φάσματα της ηλιακής ακτινοβολίας δηλαδή μετρήσεις της ροής ακτινοβολίας (</a:t>
-            </a:r>
-            <a:r>
-              <a:rPr lang="en-US" dirty="0"/>
-              <a:t>spectral </a:t>
-            </a:r>
-            <a:r>
-              <a:rPr lang="el-GR" dirty="0" err="1"/>
-              <a:t>irradiance</a:t>
-            </a:r>
-            <a:r>
-              <a:rPr lang="el-GR" dirty="0"/>
-              <a:t>) για διαφορετικά μήκη κύματος. Η διαφορά μεταξύ των δύο μετρήσεων έγκειται στην ακρίβεια καθώς το 1ο σετ που από εδώ και πέρα θα ονομάζεται </a:t>
-            </a:r>
-            <a:r>
-              <a:rPr lang="el-GR" dirty="0" err="1"/>
-              <a:t>kurudz</a:t>
-            </a:r>
-            <a:r>
-              <a:rPr lang="el-GR" dirty="0"/>
-              <a:t> έχει ακρίβεια 1nm και το 2ο σετ που ονομάζεται </a:t>
-            </a:r>
-            <a:r>
-              <a:rPr lang="el-GR" dirty="0" err="1"/>
-              <a:t>atlas_plus</a:t>
-            </a:r>
-            <a:r>
-              <a:rPr lang="el-GR" dirty="0"/>
-              <a:t> έχει ακρίβεια 0.05 nm. Παρακάτω εμφανίζονται τα δύο σετ σε αντιπαράθεση μεταξύ τους στο προγραμματιστικό περιβάλλον Jupyter.</a:t>
-            </a:r>
-          </a:p>
-        </p:txBody>
-      </p:sp>
-      <p:pic>
-        <p:nvPicPr>
-          <p:cNvPr id="4" name="Εικόνα 3" descr="Εικόνα που περιέχει κείμενο, στιγμιότυπο οθόνης, γραμματοσειρά, αριθμός&#10;&#10;Περιγραφή που δημιουργήθηκε αυτόματα">
-            <a:extLst>
-              <a:ext uri="{FF2B5EF4-FFF2-40B4-BE49-F238E27FC236}">
-                <a16:creationId xmlns:a16="http://schemas.microsoft.com/office/drawing/2014/main" id="{D9BD9A25-FF1D-8D41-F8DE-74077A87C51F}"/>
-              </a:ext>
-            </a:extLst>
-          </p:cNvPr>
-          <p:cNvPicPr>
-            <a:picLocks noChangeAspect="1"/>
-          </p:cNvPicPr>
-          <p:nvPr/>
-        </p:nvPicPr>
-        <p:blipFill>
-          <a:blip r:embed="rId2"/>
-          <a:stretch>
-            <a:fillRect/>
-          </a:stretch>
-        </p:blipFill>
-        <p:spPr>
-          <a:xfrm>
-            <a:off x="2739512" y="3062214"/>
-            <a:ext cx="3353924" cy="3522883"/>
-          </a:xfrm>
-          <a:prstGeom prst="rect">
-            <a:avLst/>
-          </a:prstGeom>
-        </p:spPr>
-      </p:pic>
-      <p:pic>
-        <p:nvPicPr>
-          <p:cNvPr id="5" name="Εικόνα 4" descr="Εικόνα που περιέχει κείμενο, στιγμιότυπο οθόνης, γραμματοσειρά, αριθμός&#10;&#10;Περιγραφή που δημιουργήθηκε αυτόματα">
-            <a:extLst>
-              <a:ext uri="{FF2B5EF4-FFF2-40B4-BE49-F238E27FC236}">
-                <a16:creationId xmlns:a16="http://schemas.microsoft.com/office/drawing/2014/main" id="{E020A2B0-B1F6-CD4E-247D-A75AD2225156}"/>
-              </a:ext>
-            </a:extLst>
-          </p:cNvPr>
-          <p:cNvPicPr>
-            <a:picLocks noChangeAspect="1"/>
-          </p:cNvPicPr>
-          <p:nvPr/>
-        </p:nvPicPr>
-        <p:blipFill>
-          <a:blip r:embed="rId3"/>
-          <a:stretch>
-            <a:fillRect/>
-          </a:stretch>
-        </p:blipFill>
-        <p:spPr>
-          <a:xfrm>
-            <a:off x="6093534" y="3058551"/>
-            <a:ext cx="3355389" cy="3528647"/>
-          </a:xfrm>
-          <a:prstGeom prst="rect">
-            <a:avLst/>
-          </a:prstGeom>
-        </p:spPr>
-      </p:pic>
-      <p:sp>
-        <p:nvSpPr>
-          <p:cNvPr id="6" name="TextBox 5">
-            <a:extLst>
-              <a:ext uri="{FF2B5EF4-FFF2-40B4-BE49-F238E27FC236}">
-                <a16:creationId xmlns:a16="http://schemas.microsoft.com/office/drawing/2014/main" id="{941BEBAF-EE0F-7D82-94AF-AD4A10CE22FA}"/>
-              </a:ext>
-            </a:extLst>
-          </p:cNvPr>
-          <p:cNvSpPr txBox="1"/>
-          <p:nvPr/>
-        </p:nvSpPr>
-        <p:spPr>
-          <a:xfrm>
-            <a:off x="1660183" y="4820138"/>
-            <a:ext cx="926123" cy="369332"/>
-          </a:xfrm>
-          <a:prstGeom prst="rect">
-            <a:avLst/>
-          </a:prstGeom>
-          <a:noFill/>
-        </p:spPr>
-        <p:txBody>
-          <a:bodyPr rot="0" spcFirstLastPara="0" vertOverflow="overflow" horzOverflow="overflow" vert="horz" wrap="square" lIns="91440" tIns="45720" rIns="91440" bIns="45720" numCol="1" spcCol="0" rtlCol="0" fromWordArt="0" anchor="t" anchorCtr="0" forceAA="0" compatLnSpc="1">
-            <a:prstTxWarp prst="textNoShape">
-              <a:avLst/>
-            </a:prstTxWarp>
-            <a:spAutoFit/>
-          </a:bodyPr>
-          <a:lstStyle/>
-          <a:p>
-            <a:pPr algn="l"/>
-            <a:r>
-              <a:rPr lang="el-GR" dirty="0" err="1"/>
-              <a:t>kurudz</a:t>
-            </a:r>
-          </a:p>
-        </p:txBody>
-      </p:sp>
-      <p:sp>
-        <p:nvSpPr>
-          <p:cNvPr id="7" name="TextBox 6">
-            <a:extLst>
-              <a:ext uri="{FF2B5EF4-FFF2-40B4-BE49-F238E27FC236}">
-                <a16:creationId xmlns:a16="http://schemas.microsoft.com/office/drawing/2014/main" id="{4F46A0B3-610B-75AF-25F4-971F14592E22}"/>
-              </a:ext>
-            </a:extLst>
-          </p:cNvPr>
-          <p:cNvSpPr txBox="1"/>
-          <p:nvPr/>
-        </p:nvSpPr>
-        <p:spPr>
-          <a:xfrm>
-            <a:off x="9694007" y="4823850"/>
-            <a:ext cx="1266093" cy="369332"/>
-          </a:xfrm>
-          <a:prstGeom prst="rect">
-            <a:avLst/>
-          </a:prstGeom>
-          <a:noFill/>
-        </p:spPr>
-        <p:txBody>
-          <a:bodyPr rot="0" spcFirstLastPara="0" vertOverflow="overflow" horzOverflow="overflow" vert="horz" wrap="square" lIns="91440" tIns="45720" rIns="91440" bIns="45720" numCol="1" spcCol="0" rtlCol="0" fromWordArt="0" anchor="t" anchorCtr="0" forceAA="0" compatLnSpc="1">
-            <a:prstTxWarp prst="textNoShape">
-              <a:avLst/>
-            </a:prstTxWarp>
-            <a:spAutoFit/>
-          </a:bodyPr>
-          <a:lstStyle/>
-          <a:p>
-            <a:pPr algn="l"/>
-            <a:r>
-              <a:rPr lang="el-GR" dirty="0" err="1"/>
-              <a:t>atlas_plus</a:t>
-            </a:r>
-          </a:p>
-        </p:txBody>
-      </p:sp>
-    </p:spTree>
-    <p:extLst>
-      <p:ext uri="{BB962C8B-B14F-4D97-AF65-F5344CB8AC3E}">
-        <p14:creationId xmlns:p14="http://schemas.microsoft.com/office/powerpoint/2010/main" val="4020534852"/>
-      </p:ext>
-    </p:extLst>
-  </p:cSld>
-  <p:clrMapOvr>
-    <a:masterClrMapping/>
-  </p:clrMapOvr>
-</p:sld>
-</file>
-
-<file path=ppt/slides/slide5.xml><?xml version="1.0" encoding="utf-8"?>
-<p:sld xmlns:a="http://schemas.openxmlformats.org/drawingml/2006/main" xmlns:r="http://schemas.openxmlformats.org/officeDocument/2006/relationships" xmlns:p="http://schemas.openxmlformats.org/presentationml/2006/main">
-  <p:cSld>
-    <p:spTree>
-      <p:nvGrpSpPr>
-        <p:cNvPr id="1" name=""/>
-        <p:cNvGrpSpPr/>
-        <p:nvPr/>
-      </p:nvGrpSpPr>
-      <p:grpSpPr>
-        <a:xfrm>
-          <a:off x="0" y="0"/>
-          <a:ext cx="0" cy="0"/>
-          <a:chOff x="0" y="0"/>
-          <a:chExt cx="0" cy="0"/>
-        </a:xfrm>
-      </p:grpSpPr>
-      <p:pic>
-        <p:nvPicPr>
-          <p:cNvPr id="7" name="Θέση περιεχομένου 6" descr="Εικόνα που περιέχει κείμενο, διάγραμμα, στιγμιότυπο οθόνης, γράφημα&#10;&#10;Περιγραφή που δημιουργήθηκε αυτόματα">
-            <a:extLst>
-              <a:ext uri="{FF2B5EF4-FFF2-40B4-BE49-F238E27FC236}">
-                <a16:creationId xmlns:a16="http://schemas.microsoft.com/office/drawing/2014/main" id="{BADD0168-9FDC-79DF-AACE-B02B4DD2B211}"/>
-              </a:ext>
-            </a:extLst>
-          </p:cNvPr>
-          <p:cNvPicPr>
-            <a:picLocks noGrp="1" noChangeAspect="1"/>
-          </p:cNvPicPr>
-          <p:nvPr>
-            <p:ph sz="half" idx="2"/>
-          </p:nvPr>
-        </p:nvPicPr>
-        <p:blipFill>
-          <a:blip r:embed="rId2"/>
-          <a:stretch>
-            <a:fillRect/>
-          </a:stretch>
-        </p:blipFill>
-        <p:spPr>
-          <a:xfrm>
-            <a:off x="6345201" y="1773383"/>
-            <a:ext cx="5199928" cy="4972383"/>
-          </a:xfrm>
-        </p:spPr>
-      </p:pic>
-      <p:sp>
-        <p:nvSpPr>
-          <p:cNvPr id="5" name="TextBox 4">
-            <a:extLst>
-              <a:ext uri="{FF2B5EF4-FFF2-40B4-BE49-F238E27FC236}">
-                <a16:creationId xmlns:a16="http://schemas.microsoft.com/office/drawing/2014/main" id="{416A63A7-5335-6D49-1E5F-9C1C142222B7}"/>
-              </a:ext>
-            </a:extLst>
-          </p:cNvPr>
-          <p:cNvSpPr txBox="1"/>
-          <p:nvPr/>
-        </p:nvSpPr>
-        <p:spPr>
-          <a:xfrm>
-            <a:off x="781050" y="212436"/>
-            <a:ext cx="10629900" cy="1477328"/>
-          </a:xfrm>
-          <a:prstGeom prst="rect">
-            <a:avLst/>
-          </a:prstGeom>
-          <a:noFill/>
-        </p:spPr>
-        <p:txBody>
-          <a:bodyPr rot="0" spcFirstLastPara="0" vertOverflow="overflow" horzOverflow="overflow" vert="horz" wrap="square" lIns="91440" tIns="45720" rIns="91440" bIns="45720" numCol="1" spcCol="0" rtlCol="0" fromWordArt="0" anchor="t" anchorCtr="0" forceAA="0" compatLnSpc="1">
-            <a:prstTxWarp prst="textNoShape">
-              <a:avLst/>
-            </a:prstTxWarp>
-            <a:spAutoFit/>
-          </a:bodyPr>
-          <a:lstStyle/>
-          <a:p>
-            <a:r>
-              <a:rPr lang="el-GR" dirty="0"/>
-              <a:t>Αρχικά, κόψαμε τις τιμές του μήκους κύματος που ξεπερνούσαν τα 2.500nm στο 1</a:t>
-            </a:r>
-            <a:r>
-              <a:rPr lang="el-GR" baseline="30000" dirty="0"/>
-              <a:t>ο</a:t>
-            </a:r>
-            <a:r>
-              <a:rPr lang="el-GR" dirty="0"/>
-              <a:t> σετ μετρήσεων και κάναμε μία πρώτη γραφική παράσταση έτσι ώστε να έχουμε μία καλύτερη εικόνα των δεδομένων. Με μωβ χρώμα απεικονίζεται το σετ </a:t>
-            </a:r>
-            <a:r>
-              <a:rPr lang="el-GR" dirty="0" err="1"/>
-              <a:t>kurudz</a:t>
-            </a:r>
-            <a:r>
-              <a:rPr lang="el-GR" dirty="0"/>
-              <a:t> και με πράσινο το </a:t>
-            </a:r>
-            <a:r>
-              <a:rPr lang="el-GR" dirty="0" err="1"/>
-              <a:t>atlas_plus</a:t>
-            </a:r>
-            <a:r>
-              <a:rPr lang="el-GR" dirty="0"/>
-              <a:t>. Είναι εμφανές ότι το ένα σετ περιέχει τιμές σε μεγαλύτερο εύρος όσων αφορά το μήκος κύματος ενώ το δεύτερο έχει περισσότερες τιμές της ακτινοβολίας σε μικρότερο εύρος. </a:t>
-            </a:r>
-          </a:p>
-        </p:txBody>
-      </p:sp>
-      <p:pic>
-        <p:nvPicPr>
-          <p:cNvPr id="12" name="Θέση περιεχομένου 11">
-            <a:extLst>
-              <a:ext uri="{FF2B5EF4-FFF2-40B4-BE49-F238E27FC236}">
-                <a16:creationId xmlns:a16="http://schemas.microsoft.com/office/drawing/2014/main" id="{DBB41800-D14A-4DF9-DFD3-57D50D6010DE}"/>
-              </a:ext>
-            </a:extLst>
-          </p:cNvPr>
-          <p:cNvPicPr>
-            <a:picLocks noGrp="1" noChangeAspect="1"/>
-          </p:cNvPicPr>
-          <p:nvPr>
-            <p:ph sz="half" idx="1"/>
-          </p:nvPr>
-        </p:nvPicPr>
-        <p:blipFill>
-          <a:blip r:embed="rId3"/>
-          <a:stretch>
-            <a:fillRect/>
-          </a:stretch>
-        </p:blipFill>
-        <p:spPr>
-          <a:xfrm>
-            <a:off x="320042" y="1773383"/>
-            <a:ext cx="5526759" cy="5084618"/>
-          </a:xfrm>
-        </p:spPr>
-      </p:pic>
-    </p:spTree>
-    <p:extLst>
-      <p:ext uri="{BB962C8B-B14F-4D97-AF65-F5344CB8AC3E}">
-        <p14:creationId xmlns:p14="http://schemas.microsoft.com/office/powerpoint/2010/main" val="1761082859"/>
-      </p:ext>
-    </p:extLst>
-  </p:cSld>
-  <p:clrMapOvr>
-    <a:masterClrMapping/>
-  </p:clrMapOvr>
-</p:sld>
-</file>
-
-<file path=ppt/slides/slide6.xml><?xml version="1.0" encoding="utf-8"?>
-<p:sld xmlns:a="http://schemas.openxmlformats.org/drawingml/2006/main" xmlns:r="http://schemas.openxmlformats.org/officeDocument/2006/relationships" xmlns:p="http://schemas.openxmlformats.org/presentationml/2006/main">
-  <p:cSld>
-    <p:spTree>
-      <p:nvGrpSpPr>
-        <p:cNvPr id="1" name=""/>
-        <p:cNvGrpSpPr/>
-        <p:nvPr/>
-      </p:nvGrpSpPr>
-      <p:grpSpPr>
-        <a:xfrm>
-          <a:off x="0" y="0"/>
-          <a:ext cx="0" cy="0"/>
-          <a:chOff x="0" y="0"/>
-          <a:chExt cx="0" cy="0"/>
-        </a:xfrm>
-      </p:grpSpPr>
-      <p:pic>
-        <p:nvPicPr>
-          <p:cNvPr id="9" name="Θέση περιεχομένου 8" descr="Εικόνα που περιέχει κείμενο, στιγμιότυπο οθόνης, γράφημα, διάγραμμα&#10;&#10;Περιγραφή που δημιουργήθηκε αυτόματα">
-            <a:extLst>
-              <a:ext uri="{FF2B5EF4-FFF2-40B4-BE49-F238E27FC236}">
-                <a16:creationId xmlns:a16="http://schemas.microsoft.com/office/drawing/2014/main" id="{BB47D059-5FF1-2F68-1921-95631DE2D8BF}"/>
-              </a:ext>
-            </a:extLst>
-          </p:cNvPr>
-          <p:cNvPicPr>
-            <a:picLocks noGrp="1" noChangeAspect="1"/>
-          </p:cNvPicPr>
-          <p:nvPr>
-            <p:ph sz="half" idx="1"/>
-          </p:nvPr>
-        </p:nvPicPr>
-        <p:blipFill>
-          <a:blip r:embed="rId2"/>
-          <a:stretch>
-            <a:fillRect/>
-          </a:stretch>
-        </p:blipFill>
-        <p:spPr>
-          <a:xfrm>
-            <a:off x="773823" y="2081369"/>
-            <a:ext cx="4867469" cy="4552793"/>
-          </a:xfrm>
-        </p:spPr>
-      </p:pic>
-      <p:pic>
-        <p:nvPicPr>
-          <p:cNvPr id="7" name="Θέση περιεχομένου 6" descr="Εικόνα που περιέχει κείμενο, διάγραμμα, στιγμιότυπο οθόνης, γράφημα&#10;&#10;Περιγραφή που δημιουργήθηκε αυτόματα">
-            <a:extLst>
-              <a:ext uri="{FF2B5EF4-FFF2-40B4-BE49-F238E27FC236}">
-                <a16:creationId xmlns:a16="http://schemas.microsoft.com/office/drawing/2014/main" id="{06A60417-32E9-38CF-B281-EB1D88F4AB8E}"/>
-              </a:ext>
-            </a:extLst>
-          </p:cNvPr>
-          <p:cNvPicPr>
-            <a:picLocks noGrp="1" noChangeAspect="1"/>
-          </p:cNvPicPr>
-          <p:nvPr>
-            <p:ph sz="half" idx="2"/>
-          </p:nvPr>
-        </p:nvPicPr>
-        <p:blipFill>
-          <a:blip r:embed="rId3"/>
-          <a:stretch>
-            <a:fillRect/>
-          </a:stretch>
-        </p:blipFill>
-        <p:spPr>
-          <a:xfrm>
-            <a:off x="6550710" y="2081368"/>
-            <a:ext cx="4867851" cy="4552793"/>
-          </a:xfrm>
-        </p:spPr>
-      </p:pic>
-      <p:sp>
-        <p:nvSpPr>
-          <p:cNvPr id="8" name="TextBox 7">
-            <a:extLst>
-              <a:ext uri="{FF2B5EF4-FFF2-40B4-BE49-F238E27FC236}">
-                <a16:creationId xmlns:a16="http://schemas.microsoft.com/office/drawing/2014/main" id="{7C1FFD2D-2B2E-D3C9-E439-97A0577194FC}"/>
-              </a:ext>
-            </a:extLst>
-          </p:cNvPr>
-          <p:cNvSpPr txBox="1"/>
-          <p:nvPr/>
-        </p:nvSpPr>
-        <p:spPr>
-          <a:xfrm>
-            <a:off x="915767" y="360484"/>
-            <a:ext cx="10360269" cy="1477328"/>
-          </a:xfrm>
-          <a:prstGeom prst="rect">
-            <a:avLst/>
-          </a:prstGeom>
-          <a:noFill/>
-        </p:spPr>
-        <p:txBody>
-          <a:bodyPr rot="0" spcFirstLastPara="0" vertOverflow="overflow" horzOverflow="overflow" vert="horz" wrap="square" lIns="91440" tIns="45720" rIns="91440" bIns="45720" numCol="1" spcCol="0" rtlCol="0" fromWordArt="0" anchor="t" anchorCtr="0" forceAA="0" compatLnSpc="1">
-            <a:prstTxWarp prst="textNoShape">
-              <a:avLst/>
-            </a:prstTxWarp>
-            <a:spAutoFit/>
-          </a:bodyPr>
-          <a:lstStyle/>
-          <a:p>
-            <a:r>
-              <a:rPr lang="el-GR" dirty="0"/>
-              <a:t>Για καλύτερη σύγκριση των δύο σετ, ζουμάρουμε στην 1η γραφική έτσι ώστε να μελετάμε το ίδιο κομμάτι του φάσματος και στις 2 περιπτώσεις. Με μία πρώτη ματιά παρατηρούμε σαφώς ότι η 2η γραφική είναι πιο πυκνή, κάτι που είναι αναμενόμενο καθώς είναι "φορτωμένη" με περισσότερα δεδομένα. Το σημαντικό που πρέπει να σχολιαστεί είναι το γεγονός ότι και οι δύο καμπύλες έχουν την ίδια μορφολογία και παρατηρούμε τα ίδια </a:t>
-            </a:r>
-            <a:r>
-              <a:rPr lang="el-GR" dirty="0" err="1"/>
-              <a:t>peaks</a:t>
-            </a:r>
-            <a:r>
-              <a:rPr lang="el-GR" dirty="0"/>
-              <a:t> (τόσο για τις ελάχιστες όσο και για τις μέγιστες τιμές)</a:t>
-            </a:r>
-            <a:r>
-              <a:rPr lang="en-US" dirty="0"/>
-              <a:t>.</a:t>
-            </a:r>
-            <a:endParaRPr lang="el-GR" dirty="0"/>
-          </a:p>
-        </p:txBody>
-      </p:sp>
-    </p:spTree>
-    <p:extLst>
-      <p:ext uri="{BB962C8B-B14F-4D97-AF65-F5344CB8AC3E}">
-        <p14:creationId xmlns:p14="http://schemas.microsoft.com/office/powerpoint/2010/main" val="4261702434"/>
-      </p:ext>
-    </p:extLst>
-  </p:cSld>
-  <p:clrMapOvr>
-    <a:masterClrMapping/>
-  </p:clrMapOvr>
-</p:sld>
-</file>
-
-<file path=ppt/slides/slide7.xml><?xml version="1.0" encoding="utf-8"?>
-<p:sld xmlns:a="http://schemas.openxmlformats.org/drawingml/2006/main" xmlns:r="http://schemas.openxmlformats.org/officeDocument/2006/relationships" xmlns:p="http://schemas.openxmlformats.org/presentationml/2006/main">
-  <p:cSld>
-    <p:spTree>
-      <p:nvGrpSpPr>
-        <p:cNvPr id="1" name=""/>
-        <p:cNvGrpSpPr/>
-        <p:nvPr/>
-      </p:nvGrpSpPr>
-      <p:grpSpPr>
-        <a:xfrm>
-          <a:off x="0" y="0"/>
-          <a:ext cx="0" cy="0"/>
-          <a:chOff x="0" y="0"/>
-          <a:chExt cx="0" cy="0"/>
-        </a:xfrm>
-      </p:grpSpPr>
-      <p:sp>
-        <p:nvSpPr>
-          <p:cNvPr id="12" name="TextBox 11">
-            <a:extLst>
-              <a:ext uri="{FF2B5EF4-FFF2-40B4-BE49-F238E27FC236}">
-                <a16:creationId xmlns:a16="http://schemas.microsoft.com/office/drawing/2014/main" id="{9D5A7CEC-D0D6-92C0-BEBA-6FAD982F56BA}"/>
-              </a:ext>
-            </a:extLst>
-          </p:cNvPr>
-          <p:cNvSpPr txBox="1"/>
-          <p:nvPr/>
-        </p:nvSpPr>
-        <p:spPr>
-          <a:xfrm>
-            <a:off x="720436" y="240147"/>
-            <a:ext cx="11083636" cy="1477328"/>
-          </a:xfrm>
-          <a:prstGeom prst="rect">
-            <a:avLst/>
-          </a:prstGeom>
-          <a:noFill/>
-        </p:spPr>
-        <p:txBody>
-          <a:bodyPr wrap="square" rtlCol="0">
-            <a:spAutoFit/>
-          </a:bodyPr>
-          <a:lstStyle/>
-          <a:p>
-            <a:r>
-              <a:rPr lang="el-GR" dirty="0"/>
-              <a:t>Στην συνέχεια, κάνουμε μέσες τιμές για την ακτινοβολία για το </a:t>
-            </a:r>
-            <a:r>
-              <a:rPr lang="en-US" dirty="0"/>
-              <a:t>dataset </a:t>
-            </a:r>
-            <a:r>
-              <a:rPr lang="el-GR" dirty="0"/>
-              <a:t>με τις περισσότερες μετρήσεις έτσι ώστε να έχουμε μία μέτρηση ανά </a:t>
-            </a:r>
-            <a:r>
-              <a:rPr lang="en-US" dirty="0"/>
-              <a:t>1nm </a:t>
-            </a:r>
-            <a:r>
-              <a:rPr lang="el-GR" dirty="0"/>
-              <a:t>όπως ακριβώς συμβαίνει με το 1</a:t>
-            </a:r>
-            <a:r>
-              <a:rPr lang="el-GR" baseline="30000" dirty="0"/>
-              <a:t>ο</a:t>
-            </a:r>
-            <a:r>
-              <a:rPr lang="el-GR" dirty="0"/>
-              <a:t> </a:t>
-            </a:r>
-            <a:r>
-              <a:rPr lang="en-US" dirty="0"/>
-              <a:t>dataset.</a:t>
-            </a:r>
-            <a:r>
-              <a:rPr lang="el-GR" dirty="0"/>
-              <a:t> </a:t>
-            </a:r>
-            <a:r>
-              <a:rPr lang="en-US" dirty="0"/>
-              <a:t> </a:t>
-            </a:r>
-            <a:r>
-              <a:rPr lang="el-GR" dirty="0"/>
-              <a:t>Κάνοντας τις αντίστοιχες γραφικές παρατηρούμε ότι σε γενικές γραμμές οι δύο γραφικές είναι σχεδόν πανομοιότυπες με πολύ μικρές τοπικές αποκλίσεις. Συγκεκριμένα, παρατηρούμε μία απόκλιση στα χαμηλά μήκη κύματος (&lt;300</a:t>
-            </a:r>
-            <a:r>
-              <a:rPr lang="en-US" dirty="0"/>
-              <a:t>nm</a:t>
-            </a:r>
-            <a:r>
-              <a:rPr lang="en-GB" dirty="0"/>
-              <a:t>) </a:t>
-            </a:r>
-            <a:r>
-              <a:rPr lang="el-GR" dirty="0"/>
-              <a:t>καθώς και μία μικρότερη στα 500 </a:t>
-            </a:r>
-            <a:r>
-              <a:rPr lang="en-US" dirty="0"/>
-              <a:t>nm </a:t>
-            </a:r>
-            <a:r>
-              <a:rPr lang="el-GR" dirty="0"/>
-              <a:t>στο 2</a:t>
-            </a:r>
-            <a:r>
-              <a:rPr lang="el-GR" baseline="30000" dirty="0"/>
-              <a:t>ο</a:t>
-            </a:r>
-            <a:r>
-              <a:rPr lang="el-GR" dirty="0"/>
-              <a:t> </a:t>
-            </a:r>
-            <a:r>
-              <a:rPr lang="en-US" dirty="0"/>
-              <a:t>peak. </a:t>
-            </a:r>
-            <a:r>
-              <a:rPr lang="el-GR" dirty="0"/>
-              <a:t> </a:t>
-            </a:r>
-            <a:endParaRPr lang="en-GB" dirty="0"/>
-          </a:p>
-        </p:txBody>
-      </p:sp>
-      <p:pic>
-        <p:nvPicPr>
-          <p:cNvPr id="8" name="Θέση περιεχομένου 7">
-            <a:extLst>
-              <a:ext uri="{FF2B5EF4-FFF2-40B4-BE49-F238E27FC236}">
-                <a16:creationId xmlns:a16="http://schemas.microsoft.com/office/drawing/2014/main" id="{4F75940E-0ABF-4897-52D3-D77EDCF83AF1}"/>
-              </a:ext>
-            </a:extLst>
-          </p:cNvPr>
-          <p:cNvPicPr>
-            <a:picLocks noGrp="1" noChangeAspect="1"/>
-          </p:cNvPicPr>
-          <p:nvPr>
-            <p:ph sz="half" idx="1"/>
-          </p:nvPr>
-        </p:nvPicPr>
-        <p:blipFill>
-          <a:blip r:embed="rId2"/>
-          <a:stretch>
-            <a:fillRect/>
-          </a:stretch>
-        </p:blipFill>
-        <p:spPr>
-          <a:xfrm>
-            <a:off x="421746" y="1865745"/>
-            <a:ext cx="5255570" cy="4905755"/>
-          </a:xfrm>
-        </p:spPr>
-      </p:pic>
-      <p:pic>
-        <p:nvPicPr>
-          <p:cNvPr id="11" name="Θέση περιεχομένου 10">
-            <a:extLst>
-              <a:ext uri="{FF2B5EF4-FFF2-40B4-BE49-F238E27FC236}">
-                <a16:creationId xmlns:a16="http://schemas.microsoft.com/office/drawing/2014/main" id="{0ECCCFE6-9FA7-D04F-5A16-AA48D10DF304}"/>
-              </a:ext>
-            </a:extLst>
-          </p:cNvPr>
-          <p:cNvPicPr>
-            <a:picLocks noGrp="1" noChangeAspect="1"/>
-          </p:cNvPicPr>
-          <p:nvPr>
-            <p:ph sz="half" idx="2"/>
-          </p:nvPr>
-        </p:nvPicPr>
-        <p:blipFill>
-          <a:blip r:embed="rId3"/>
-          <a:stretch>
-            <a:fillRect/>
-          </a:stretch>
-        </p:blipFill>
-        <p:spPr>
-          <a:xfrm>
-            <a:off x="6514686" y="1862890"/>
-            <a:ext cx="5189369" cy="4905755"/>
-          </a:xfrm>
-        </p:spPr>
-      </p:pic>
-    </p:spTree>
-    <p:extLst>
-      <p:ext uri="{BB962C8B-B14F-4D97-AF65-F5344CB8AC3E}">
-        <p14:creationId xmlns:p14="http://schemas.microsoft.com/office/powerpoint/2010/main" val="1739241115"/>
-      </p:ext>
-    </p:extLst>
-  </p:cSld>
-  <p:clrMapOvr>
-    <a:masterClrMapping/>
-  </p:clrMapOvr>
-</p:sld>
-</file>
-
-<file path=ppt/slides/slide8.xml><?xml version="1.0" encoding="utf-8"?>
-<p:sld xmlns:a="http://schemas.openxmlformats.org/drawingml/2006/main" xmlns:r="http://schemas.openxmlformats.org/officeDocument/2006/relationships" xmlns:p="http://schemas.openxmlformats.org/presentationml/2006/main">
-  <p:cSld>
-    <p:bg>
-      <p:bgPr>
-        <a:solidFill>
-          <a:schemeClr val="bg2"/>
-        </a:solidFill>
-        <a:effectLst/>
-      </p:bgPr>
-    </p:bg>
-    <p:spTree>
-      <p:nvGrpSpPr>
-        <p:cNvPr id="1" name=""/>
-        <p:cNvGrpSpPr/>
-        <p:nvPr/>
-      </p:nvGrpSpPr>
-      <p:grpSpPr>
-        <a:xfrm>
-          <a:off x="0" y="0"/>
-          <a:ext cx="0" cy="0"/>
-          <a:chOff x="0" y="0"/>
-          <a:chExt cx="0" cy="0"/>
-        </a:xfrm>
-      </p:grpSpPr>
-      <p:sp>
-        <p:nvSpPr>
-          <p:cNvPr id="100" name="Rectangle 10">
-            <a:extLst>
-              <a:ext uri="{FF2B5EF4-FFF2-40B4-BE49-F238E27FC236}">
-                <a16:creationId xmlns:a16="http://schemas.microsoft.com/office/drawing/2014/main" id="{042E603F-28B7-4831-BF23-65FBAB13D5FB}"/>
-              </a:ext>
-              <a:ext uri="{C183D7F6-B498-43B3-948B-1728B52AA6E4}">
-                <adec:decorative xmlns:adec="http://schemas.microsoft.com/office/drawing/2017/decorative" val="1"/>
-              </a:ext>
-            </a:extLst>
-          </p:cNvPr>
-          <p:cNvSpPr>
-            <a:spLocks noGrp="1" noRot="1" noChangeAspect="1" noMove="1" noResize="1" noEditPoints="1" noAdjustHandles="1" noChangeArrowheads="1" noChangeShapeType="1" noTextEdit="1"/>
-          </p:cNvSpPr>
-          <p:nvPr>
-            <p:extLst>
-              <p:ext uri="{386F3935-93C4-4BCD-93E2-E3B085C9AB24}">
-                <p16:designElem xmlns:p16="http://schemas.microsoft.com/office/powerpoint/2015/main" val="1"/>
-              </p:ext>
-            </p:extLst>
-          </p:nvPr>
-        </p:nvSpPr>
-        <p:spPr>
-          <a:xfrm>
-            <a:off x="0" y="0"/>
-            <a:ext cx="12192001" cy="6858000"/>
-          </a:xfrm>
-          <a:prstGeom prst="rect">
-            <a:avLst/>
-          </a:prstGeom>
-          <a:solidFill>
-            <a:srgbClr val="AEAEAE">
-              <a:alpha val="10000"/>
-            </a:srgbClr>
-          </a:solidFill>
-          <a:ln>
-            <a:noFill/>
-          </a:ln>
-        </p:spPr>
-        <p:style>
-          <a:lnRef idx="2">
-            <a:schemeClr val="accent1">
-              <a:shade val="50000"/>
-            </a:schemeClr>
-          </a:lnRef>
-          <a:fillRef idx="1">
-            <a:schemeClr val="accent1"/>
-          </a:fillRef>
-          <a:effectRef idx="0">
-            <a:schemeClr val="accent1"/>
-          </a:effectRef>
-          <a:fontRef idx="minor">
-            <a:schemeClr val="lt1"/>
-          </a:fontRef>
-        </p:style>
-        <p:txBody>
-          <a:bodyPr rtlCol="0" anchor="ctr"/>
-          <a:lstStyle/>
-          <a:p>
-            <a:pPr algn="ctr"/>
-            <a:endParaRPr lang="en-US" dirty="0"/>
-          </a:p>
-        </p:txBody>
-      </p:sp>
-      <p:sp>
-        <p:nvSpPr>
-          <p:cNvPr id="101" name="Freeform: Shape 12">
+          <p:cNvPr id="36" name="Freeform: Shape 26">
             <a:extLst>
               <a:ext uri="{FF2B5EF4-FFF2-40B4-BE49-F238E27FC236}">
                 <a16:creationId xmlns:a16="http://schemas.microsoft.com/office/drawing/2014/main" id="{4D39700F-2B10-4402-A7DD-06EE2245880D}"/>
@@ -7374,7 +7899,7 @@
       </p:sp>
       <p:sp useBgFill="1">
         <p:nvSpPr>
-          <p:cNvPr id="102" name="Background Fill">
+          <p:cNvPr id="37" name="Background Fill">
             <a:extLst>
               <a:ext uri="{FF2B5EF4-FFF2-40B4-BE49-F238E27FC236}">
                 <a16:creationId xmlns:a16="http://schemas.microsoft.com/office/drawing/2014/main" id="{6DA65B90-7B06-4499-91BA-CDDD36132481}"/>
@@ -7434,10 +7959,10 @@
       </p:sp>
       <p:sp>
         <p:nvSpPr>
-          <p:cNvPr id="103" name="Rectangle 16">
-            <a:extLst>
-              <a:ext uri="{FF2B5EF4-FFF2-40B4-BE49-F238E27FC236}">
-                <a16:creationId xmlns:a16="http://schemas.microsoft.com/office/drawing/2014/main" id="{5C7BC1E0-1C8D-47CB-B48A-D3D0D2EF0E3A}"/>
+          <p:cNvPr id="38" name="Rectangle 30">
+            <a:extLst>
+              <a:ext uri="{FF2B5EF4-FFF2-40B4-BE49-F238E27FC236}">
+                <a16:creationId xmlns:a16="http://schemas.microsoft.com/office/drawing/2014/main" id="{D1FFE435-0754-492D-B815-BD114217D379}"/>
               </a:ext>
               <a:ext uri="{C183D7F6-B498-43B3-948B-1728B52AA6E4}">
                 <adec:decorative xmlns:adec="http://schemas.microsoft.com/office/drawing/2017/decorative" val="1"/>
@@ -7499,10 +8024,10 @@
       </p:sp>
       <p:sp>
         <p:nvSpPr>
-          <p:cNvPr id="19" name="Freeform: Shape 18">
-            <a:extLst>
-              <a:ext uri="{FF2B5EF4-FFF2-40B4-BE49-F238E27FC236}">
-                <a16:creationId xmlns:a16="http://schemas.microsoft.com/office/drawing/2014/main" id="{3AD1C04B-04EF-43BA-B2AB-6F52AF8B943A}"/>
+          <p:cNvPr id="39" name="Freeform: Shape 32">
+            <a:extLst>
+              <a:ext uri="{FF2B5EF4-FFF2-40B4-BE49-F238E27FC236}">
+                <a16:creationId xmlns:a16="http://schemas.microsoft.com/office/drawing/2014/main" id="{7EF79062-B5BB-45DF-810C-95A324A9D60F}"/>
               </a:ext>
               <a:ext uri="{C183D7F6-B498-43B3-948B-1728B52AA6E4}">
                 <adec:decorative xmlns:adec="http://schemas.microsoft.com/office/drawing/2017/decorative" val="1"/>
@@ -7521,55 +8046,63 @@
           </p:nvPr>
         </p:nvSpPr>
         <p:spPr>
-          <a:xfrm>
-            <a:off x="3049" y="1"/>
-            <a:ext cx="6939937" cy="6453893"/>
+          <a:xfrm flipH="1" flipV="1">
+            <a:off x="0" y="2140699"/>
+            <a:ext cx="12192000" cy="4717301"/>
           </a:xfrm>
           <a:custGeom>
             <a:avLst/>
             <a:gdLst>
-              <a:gd name="connsiteX0" fmla="*/ 111814 w 4695433"/>
-              <a:gd name="connsiteY0" fmla="*/ 3049004 h 4582435"/>
-              <a:gd name="connsiteX1" fmla="*/ 297409 w 4695433"/>
-              <a:gd name="connsiteY1" fmla="*/ 3091902 h 4582435"/>
-              <a:gd name="connsiteX2" fmla="*/ 416673 w 4695433"/>
-              <a:gd name="connsiteY2" fmla="*/ 3537003 h 4582435"/>
-              <a:gd name="connsiteX3" fmla="*/ 31751 w 4695433"/>
-              <a:gd name="connsiteY3" fmla="*/ 3683368 h 4582435"/>
-              <a:gd name="connsiteX4" fmla="*/ 0 w 4695433"/>
-              <a:gd name="connsiteY4" fmla="*/ 3669070 h 4582435"/>
-              <a:gd name="connsiteX5" fmla="*/ 0 w 4695433"/>
-              <a:gd name="connsiteY5" fmla="*/ 3079852 h 4582435"/>
-              <a:gd name="connsiteX6" fmla="*/ 35156 w 4695433"/>
-              <a:gd name="connsiteY6" fmla="*/ 3063756 h 4582435"/>
-              <a:gd name="connsiteX7" fmla="*/ 111814 w 4695433"/>
-              <a:gd name="connsiteY7" fmla="*/ 3049004 h 4582435"/>
-              <a:gd name="connsiteX8" fmla="*/ 0 w 4695433"/>
-              <a:gd name="connsiteY8" fmla="*/ 0 h 4582435"/>
-              <a:gd name="connsiteX9" fmla="*/ 4695433 w 4695433"/>
-              <a:gd name="connsiteY9" fmla="*/ 0 h 4582435"/>
-              <a:gd name="connsiteX10" fmla="*/ 4663044 w 4695433"/>
-              <a:gd name="connsiteY10" fmla="*/ 68762 h 4582435"/>
-              <a:gd name="connsiteX11" fmla="*/ 4571319 w 4695433"/>
-              <a:gd name="connsiteY11" fmla="*/ 201411 h 4582435"/>
-              <a:gd name="connsiteX12" fmla="*/ 4099777 w 4695433"/>
-              <a:gd name="connsiteY12" fmla="*/ 504347 h 4582435"/>
-              <a:gd name="connsiteX13" fmla="*/ 3811860 w 4695433"/>
-              <a:gd name="connsiteY13" fmla="*/ 1682068 h 4582435"/>
-              <a:gd name="connsiteX14" fmla="*/ 3167043 w 4695433"/>
-              <a:gd name="connsiteY14" fmla="*/ 4278500 h 4582435"/>
-              <a:gd name="connsiteX15" fmla="*/ 2640955 w 4695433"/>
-              <a:gd name="connsiteY15" fmla="*/ 4485587 h 4582435"/>
-              <a:gd name="connsiteX16" fmla="*/ 1495663 w 4695433"/>
-              <a:gd name="connsiteY16" fmla="*/ 4435228 h 4582435"/>
-              <a:gd name="connsiteX17" fmla="*/ 1020813 w 4695433"/>
-              <a:gd name="connsiteY17" fmla="*/ 3838149 h 4582435"/>
-              <a:gd name="connsiteX18" fmla="*/ 626404 w 4695433"/>
-              <a:gd name="connsiteY18" fmla="*/ 3045292 h 4582435"/>
-              <a:gd name="connsiteX19" fmla="*/ 147061 w 4695433"/>
-              <a:gd name="connsiteY19" fmla="*/ 2765401 h 4582435"/>
-              <a:gd name="connsiteX20" fmla="*/ 0 w 4695433"/>
-              <a:gd name="connsiteY20" fmla="*/ 2736690 h 4582435"/>
+              <a:gd name="connsiteX0" fmla="*/ 8930642 w 12192000"/>
+              <a:gd name="connsiteY0" fmla="*/ 4273734 h 4717301"/>
+              <a:gd name="connsiteX1" fmla="*/ 9143134 w 12192000"/>
+              <a:gd name="connsiteY1" fmla="*/ 4396362 h 4717301"/>
+              <a:gd name="connsiteX2" fmla="*/ 9043549 w 12192000"/>
+              <a:gd name="connsiteY2" fmla="*/ 4693978 h 4717301"/>
+              <a:gd name="connsiteX3" fmla="*/ 8745984 w 12192000"/>
+              <a:gd name="connsiteY3" fmla="*/ 4594249 h 4717301"/>
+              <a:gd name="connsiteX4" fmla="*/ 8845568 w 12192000"/>
+              <a:gd name="connsiteY4" fmla="*/ 4296634 h 4717301"/>
+              <a:gd name="connsiteX5" fmla="*/ 8930642 w 12192000"/>
+              <a:gd name="connsiteY5" fmla="*/ 4273734 h 4717301"/>
+              <a:gd name="connsiteX6" fmla="*/ 9842642 w 12192000"/>
+              <a:gd name="connsiteY6" fmla="*/ 3718743 h 4717301"/>
+              <a:gd name="connsiteX7" fmla="*/ 10272210 w 12192000"/>
+              <a:gd name="connsiteY7" fmla="*/ 3966645 h 4717301"/>
+              <a:gd name="connsiteX8" fmla="*/ 10070896 w 12192000"/>
+              <a:gd name="connsiteY8" fmla="*/ 4568292 h 4717301"/>
+              <a:gd name="connsiteX9" fmla="*/ 9469346 w 12192000"/>
+              <a:gd name="connsiteY9" fmla="*/ 4366686 h 4717301"/>
+              <a:gd name="connsiteX10" fmla="*/ 9670660 w 12192000"/>
+              <a:gd name="connsiteY10" fmla="*/ 3765038 h 4717301"/>
+              <a:gd name="connsiteX11" fmla="*/ 9842642 w 12192000"/>
+              <a:gd name="connsiteY11" fmla="*/ 3718743 h 4717301"/>
+              <a:gd name="connsiteX12" fmla="*/ 0 w 12192000"/>
+              <a:gd name="connsiteY12" fmla="*/ 0 h 4717301"/>
+              <a:gd name="connsiteX13" fmla="*/ 12192000 w 12192000"/>
+              <a:gd name="connsiteY13" fmla="*/ 0 h 4717301"/>
+              <a:gd name="connsiteX14" fmla="*/ 12192000 w 12192000"/>
+              <a:gd name="connsiteY14" fmla="*/ 3369891 h 4717301"/>
+              <a:gd name="connsiteX15" fmla="*/ 12124015 w 12192000"/>
+              <a:gd name="connsiteY15" fmla="*/ 3410713 h 4717301"/>
+              <a:gd name="connsiteX16" fmla="*/ 11077457 w 12192000"/>
+              <a:gd name="connsiteY16" fmla="*/ 3501725 h 4717301"/>
+              <a:gd name="connsiteX17" fmla="*/ 9867246 w 12192000"/>
+              <a:gd name="connsiteY17" fmla="*/ 3351592 h 4717301"/>
+              <a:gd name="connsiteX18" fmla="*/ 8994802 w 12192000"/>
+              <a:gd name="connsiteY18" fmla="*/ 3878378 h 4717301"/>
+              <a:gd name="connsiteX19" fmla="*/ 6994655 w 12192000"/>
+              <a:gd name="connsiteY19" fmla="*/ 4335637 h 4717301"/>
+              <a:gd name="connsiteX20" fmla="*/ 6287534 w 12192000"/>
+              <a:gd name="connsiteY20" fmla="*/ 3714199 h 4717301"/>
+              <a:gd name="connsiteX21" fmla="*/ 4392596 w 12192000"/>
+              <a:gd name="connsiteY21" fmla="*/ 3392344 h 4717301"/>
+              <a:gd name="connsiteX22" fmla="*/ 3014500 w 12192000"/>
+              <a:gd name="connsiteY22" fmla="*/ 4100222 h 4717301"/>
+              <a:gd name="connsiteX23" fmla="*/ 86414 w 12192000"/>
+              <a:gd name="connsiteY23" fmla="*/ 3903305 h 4717301"/>
+              <a:gd name="connsiteX24" fmla="*/ 0 w 12192000"/>
+              <a:gd name="connsiteY24" fmla="*/ 3840566 h 4717301"/>
             </a:gdLst>
             <a:ahLst/>
             <a:cxnLst>
@@ -7636,99 +8169,134 @@
               <a:cxn ang="0">
                 <a:pos x="connsiteX20" y="connsiteY20"/>
               </a:cxn>
+              <a:cxn ang="0">
+                <a:pos x="connsiteX21" y="connsiteY21"/>
+              </a:cxn>
+              <a:cxn ang="0">
+                <a:pos x="connsiteX22" y="connsiteY22"/>
+              </a:cxn>
+              <a:cxn ang="0">
+                <a:pos x="connsiteX23" y="connsiteY23"/>
+              </a:cxn>
+              <a:cxn ang="0">
+                <a:pos x="connsiteX24" y="connsiteY24"/>
+              </a:cxn>
             </a:cxnLst>
             <a:rect l="l" t="t" r="r" b="b"/>
             <a:pathLst>
-              <a:path w="4695433" h="4582435">
+              <a:path w="12192000" h="4717301">
                 <a:moveTo>
-                  <a:pt x="111814" y="3049004"/>
+                  <a:pt x="8930642" y="4273734"/>
                 </a:moveTo>
                 <a:cubicBezTo>
-                  <a:pt x="174417" y="3044581"/>
-                  <a:pt x="238967" y="3058160"/>
-                  <a:pt x="297409" y="3091902"/>
-                </a:cubicBezTo>
-                <a:cubicBezTo>
-                  <a:pt x="453255" y="3181878"/>
-                  <a:pt x="506651" y="3381158"/>
-                  <a:pt x="416673" y="3537003"/>
-                </a:cubicBezTo>
-                <a:cubicBezTo>
-                  <a:pt x="337943" y="3673368"/>
-                  <a:pt x="175529" y="3731295"/>
-                  <a:pt x="31751" y="3683368"/>
-                </a:cubicBezTo>
-                <a:lnTo>
-                  <a:pt x="0" y="3669070"/>
-                </a:lnTo>
-                <a:lnTo>
-                  <a:pt x="0" y="3079852"/>
-                </a:lnTo>
-                <a:lnTo>
-                  <a:pt x="35156" y="3063756"/>
-                </a:lnTo>
-                <a:cubicBezTo>
-                  <a:pt x="59982" y="3055817"/>
-                  <a:pt x="85729" y="3050848"/>
-                  <a:pt x="111814" y="3049004"/>
+                  <a:pt x="9016941" y="4268381"/>
+                  <a:pt x="9102130" y="4314070"/>
+                  <a:pt x="9143134" y="4396362"/>
+                </a:cubicBezTo>
+                <a:cubicBezTo>
+                  <a:pt x="9197806" y="4506087"/>
+                  <a:pt x="9153221" y="4639333"/>
+                  <a:pt x="9043549" y="4693978"/>
+                </a:cubicBezTo>
+                <a:cubicBezTo>
+                  <a:pt x="8933879" y="4748622"/>
+                  <a:pt x="8800655" y="4703973"/>
+                  <a:pt x="8745984" y="4594249"/>
+                </a:cubicBezTo>
+                <a:cubicBezTo>
+                  <a:pt x="8691311" y="4484525"/>
+                  <a:pt x="8735897" y="4351279"/>
+                  <a:pt x="8845568" y="4296634"/>
+                </a:cubicBezTo>
+                <a:cubicBezTo>
+                  <a:pt x="8872986" y="4282973"/>
+                  <a:pt x="8901875" y="4275517"/>
+                  <a:pt x="8930642" y="4273734"/>
+                </a:cubicBezTo>
+                <a:close/>
+                <a:moveTo>
+                  <a:pt x="9842642" y="3718743"/>
+                </a:moveTo>
+                <a:cubicBezTo>
+                  <a:pt x="10017101" y="3707923"/>
+                  <a:pt x="10189318" y="3800286"/>
+                  <a:pt x="10272210" y="3966645"/>
+                </a:cubicBezTo>
+                <a:cubicBezTo>
+                  <a:pt x="10382732" y="4188458"/>
+                  <a:pt x="10292600" y="4457825"/>
+                  <a:pt x="10070896" y="4568292"/>
+                </a:cubicBezTo>
+                <a:cubicBezTo>
+                  <a:pt x="9849191" y="4678760"/>
+                  <a:pt x="9579867" y="4588498"/>
+                  <a:pt x="9469346" y="4366686"/>
+                </a:cubicBezTo>
+                <a:cubicBezTo>
+                  <a:pt x="9358824" y="4144873"/>
+                  <a:pt x="9448956" y="3875506"/>
+                  <a:pt x="9670660" y="3765038"/>
+                </a:cubicBezTo>
+                <a:cubicBezTo>
+                  <a:pt x="9726087" y="3737421"/>
+                  <a:pt x="9784490" y="3722349"/>
+                  <a:pt x="9842642" y="3718743"/>
                 </a:cubicBezTo>
                 <a:close/>
                 <a:moveTo>
                   <a:pt x="0" y="0"/>
                 </a:moveTo>
                 <a:lnTo>
-                  <a:pt x="4695433" y="0"/>
+                  <a:pt x="12192000" y="0"/>
                 </a:lnTo>
                 <a:lnTo>
-                  <a:pt x="4663044" y="68762"/>
+                  <a:pt x="12192000" y="3369891"/>
                 </a:lnTo>
-                <a:cubicBezTo>
-                  <a:pt x="4636274" y="118744"/>
-                  <a:pt x="4605467" y="163546"/>
-                  <a:pt x="4571319" y="201411"/>
-                </a:cubicBezTo>
-                <a:cubicBezTo>
-                  <a:pt x="4449886" y="335755"/>
-                  <a:pt x="4268949" y="426743"/>
-                  <a:pt x="4099777" y="504347"/>
-                </a:cubicBezTo>
-                <a:cubicBezTo>
-                  <a:pt x="3604896" y="731933"/>
-                  <a:pt x="3591784" y="1317548"/>
-                  <a:pt x="3811860" y="1682068"/>
-                </a:cubicBezTo>
-                <a:cubicBezTo>
-                  <a:pt x="4454413" y="2741008"/>
-                  <a:pt x="4084752" y="3706193"/>
-                  <a:pt x="3167043" y="4278500"/>
-                </a:cubicBezTo>
-                <a:cubicBezTo>
-                  <a:pt x="3009772" y="4376529"/>
-                  <a:pt x="2817700" y="4417630"/>
-                  <a:pt x="2640955" y="4485587"/>
-                </a:cubicBezTo>
-                <a:cubicBezTo>
-                  <a:pt x="2250950" y="4603206"/>
-                  <a:pt x="1866703" y="4642930"/>
-                  <a:pt x="1495663" y="4435228"/>
-                </a:cubicBezTo>
-                <a:cubicBezTo>
-                  <a:pt x="1259049" y="4302759"/>
-                  <a:pt x="1121911" y="4090107"/>
-                  <a:pt x="1020813" y="3838149"/>
-                </a:cubicBezTo>
-                <a:cubicBezTo>
-                  <a:pt x="910679" y="3564211"/>
-                  <a:pt x="784571" y="3292847"/>
-                  <a:pt x="626404" y="3045292"/>
-                </a:cubicBezTo>
-                <a:cubicBezTo>
-                  <a:pt x="516355" y="2873268"/>
-                  <a:pt x="336073" y="2807363"/>
-                  <a:pt x="147061" y="2765401"/>
-                </a:cubicBezTo>
                 <a:lnTo>
-                  <a:pt x="0" y="2736690"/>
+                  <a:pt x="12124015" y="3410713"/>
+                </a:lnTo>
+                <a:cubicBezTo>
+                  <a:pt x="11792041" y="3581538"/>
+                  <a:pt x="11443617" y="3577252"/>
+                  <a:pt x="11077457" y="3501725"/>
+                </a:cubicBezTo>
+                <a:cubicBezTo>
+                  <a:pt x="10679189" y="3419860"/>
+                  <a:pt x="10271734" y="3358281"/>
+                  <a:pt x="9867246" y="3351592"/>
+                </a:cubicBezTo>
+                <a:cubicBezTo>
+                  <a:pt x="9492336" y="3345611"/>
+                  <a:pt x="9239136" y="3626329"/>
+                  <a:pt x="8994802" y="3878378"/>
+                </a:cubicBezTo>
+                <a:cubicBezTo>
+                  <a:pt x="8385954" y="4506678"/>
+                  <a:pt x="7695268" y="4690742"/>
+                  <a:pt x="6994655" y="4335637"/>
+                </a:cubicBezTo>
+                <a:cubicBezTo>
+                  <a:pt x="6722938" y="4197922"/>
+                  <a:pt x="6494843" y="3948626"/>
+                  <a:pt x="6287534" y="3714199"/>
+                </a:cubicBezTo>
+                <a:cubicBezTo>
+                  <a:pt x="5731733" y="3085491"/>
+                  <a:pt x="5043559" y="3067499"/>
+                  <a:pt x="4392596" y="3392344"/>
+                </a:cubicBezTo>
+                <a:cubicBezTo>
+                  <a:pt x="3930423" y="3623867"/>
+                  <a:pt x="3492022" y="3908604"/>
+                  <a:pt x="3014500" y="4100222"/>
+                </a:cubicBezTo>
+                <a:cubicBezTo>
+                  <a:pt x="1977820" y="4518409"/>
+                  <a:pt x="973242" y="4499486"/>
+                  <a:pt x="86414" y="3903305"/>
+                </a:cubicBezTo>
+                <a:lnTo>
+                  <a:pt x="0" y="3840566"/>
                 </a:lnTo>
                 <a:close/>
               </a:path>
@@ -7758,22 +8326,125 @@
           </a:fontRef>
         </p:style>
         <p:txBody>
-          <a:bodyPr wrap="square" rtlCol="0" anchor="ctr">
-            <a:noAutofit/>
+          <a:bodyPr rtlCol="0" anchor="ctr"/>
+          <a:lstStyle/>
+          <a:p>
+            <a:pPr algn="ctr"/>
+            <a:endParaRPr lang="en-US"/>
+          </a:p>
+        </p:txBody>
+      </p:sp>
+      <p:sp>
+        <p:nvSpPr>
+          <p:cNvPr id="2" name="Τίτλος 1">
+            <a:extLst>
+              <a:ext uri="{FF2B5EF4-FFF2-40B4-BE49-F238E27FC236}">
+                <a16:creationId xmlns:a16="http://schemas.microsoft.com/office/drawing/2014/main" id="{F1C5BCC6-C6B3-20E3-A381-01646A09BCC8}"/>
+              </a:ext>
+            </a:extLst>
+          </p:cNvPr>
+          <p:cNvSpPr>
+            <a:spLocks noGrp="1"/>
+          </p:cNvSpPr>
+          <p:nvPr>
+            <p:ph type="title"/>
+          </p:nvPr>
+        </p:nvSpPr>
+        <p:spPr>
+          <a:xfrm>
+            <a:off x="605202" y="14208"/>
+            <a:ext cx="6658405" cy="1451174"/>
+          </a:xfrm>
+        </p:spPr>
+        <p:txBody>
+          <a:bodyPr vert="horz" lIns="91440" tIns="45720" rIns="91440" bIns="45720" rtlCol="0" anchor="ctr">
+            <a:normAutofit/>
           </a:bodyPr>
           <a:lstStyle/>
           <a:p>
-            <a:pPr algn="ctr"/>
-            <a:endParaRPr lang="en-US"/>
+            <a:r>
+              <a:rPr lang="en-US" sz="5400" dirty="0"/>
+              <a:t>Μέρος 1</a:t>
+            </a:r>
+            <a:r>
+              <a:rPr lang="en-US" sz="5400" baseline="30000" dirty="0"/>
+              <a:t>ο</a:t>
+            </a:r>
+            <a:r>
+              <a:rPr lang="en-US" sz="5400" dirty="0"/>
+              <a:t> </a:t>
+            </a:r>
+          </a:p>
+        </p:txBody>
+      </p:sp>
+      <p:sp>
+        <p:nvSpPr>
+          <p:cNvPr id="5" name="TextBox 4">
+            <a:extLst>
+              <a:ext uri="{FF2B5EF4-FFF2-40B4-BE49-F238E27FC236}">
+                <a16:creationId xmlns:a16="http://schemas.microsoft.com/office/drawing/2014/main" id="{90305336-EB42-61B7-0499-E801EB8BC7DE}"/>
+              </a:ext>
+            </a:extLst>
+          </p:cNvPr>
+          <p:cNvSpPr txBox="1"/>
+          <p:nvPr/>
+        </p:nvSpPr>
+        <p:spPr>
+          <a:xfrm>
+            <a:off x="608251" y="1064783"/>
+            <a:ext cx="10975498" cy="2685182"/>
+          </a:xfrm>
+          <a:prstGeom prst="rect">
+            <a:avLst/>
+          </a:prstGeom>
+        </p:spPr>
+        <p:txBody>
+          <a:bodyPr vert="horz" lIns="91440" tIns="45720" rIns="91440" bIns="45720" rtlCol="0" anchor="ctr">
+            <a:normAutofit/>
+          </a:bodyPr>
+          <a:lstStyle/>
+          <a:p>
+            <a:pPr>
+              <a:lnSpc>
+                <a:spcPct val="110000"/>
+              </a:lnSpc>
+              <a:spcBef>
+                <a:spcPts val="1000"/>
+              </a:spcBef>
+              <a:buClr>
+                <a:schemeClr val="accent5"/>
+              </a:buClr>
+            </a:pPr>
+            <a:r>
+              <a:rPr lang="el-GR" sz="2000" dirty="0"/>
+              <a:t>Στο 1</a:t>
+            </a:r>
+            <a:r>
+              <a:rPr lang="el-GR" sz="2000" baseline="30000" dirty="0"/>
+              <a:t>ο</a:t>
+            </a:r>
+            <a:r>
+              <a:rPr lang="el-GR" sz="2000" dirty="0"/>
+              <a:t> μέρος της εργασίας αυτής, επεξεργαζόμαστε δεδομένα από 3 διαφορετικές ως προς το γεωγραφικό πλάτος περιοχές. Οι περιοχές αυτές είναι ο Ισημερινός, τα μέσα πλάτη και τα </a:t>
+            </a:r>
+            <a:r>
+              <a:rPr lang="el-GR" sz="2000" dirty="0" err="1"/>
+              <a:t>υποαρκτικά</a:t>
+            </a:r>
+            <a:r>
+              <a:rPr lang="el-GR" sz="2000" dirty="0"/>
+              <a:t> πλάτη. Ο Ισημερινός, ως γνωστόν, δεν παρουσιάζει μεγάλες μεταβολές κατά την διάρκεια του χρόνου, σε αντίθεση με όλες τις υπόλοιπες περιοχές του πλανήτη. Για τον λόγο αυτό, για τον Ισημερινό μελετάμε ένα σετ δεδομένων ενώ για τις άλλες δύο περιοχές διαθέτουμε από 2 σετ δεδομένων, ένα για το καλοκαίρι και ένα για τον χειμώνα. Τα δεδομένα που διαθέτουμε είναι συναρτήσεις του ύψους και φαίνονται, ενδεικτικά, στον παρακάτω πίνακα. </a:t>
+            </a:r>
+            <a:endParaRPr lang="en-US" sz="2000" dirty="0"/>
           </a:p>
         </p:txBody>
       </p:sp>
       <p:pic>
         <p:nvPicPr>
-          <p:cNvPr id="6" name="Θέση εικόνας 5" descr="Εικόνα που περιέχει γράφημα, στιγμιότυπο οθόνης, διάγραμμα, γραμμή&#10;&#10;Περιγραφή που δημιουργήθηκε αυτόματα">
-            <a:extLst>
-              <a:ext uri="{FF2B5EF4-FFF2-40B4-BE49-F238E27FC236}">
-                <a16:creationId xmlns:a16="http://schemas.microsoft.com/office/drawing/2014/main" id="{CDCE1CB7-FF82-3699-AA34-EABC515B027B}"/>
+          <p:cNvPr id="7" name="Θέση περιεχομένου 6">
+            <a:extLst>
+              <a:ext uri="{FF2B5EF4-FFF2-40B4-BE49-F238E27FC236}">
+                <a16:creationId xmlns:a16="http://schemas.microsoft.com/office/drawing/2014/main" id="{352B3EDC-AD9A-7B02-CAE3-825146698993}"/>
               </a:ext>
             </a:extLst>
           </p:cNvPr>
@@ -7781,67 +8452,321 @@
             <a:picLocks noGrp="1" noChangeAspect="1"/>
           </p:cNvPicPr>
           <p:nvPr>
-            <p:ph type="pic" idx="1"/>
+            <p:ph idx="1"/>
           </p:nvPr>
         </p:nvPicPr>
         <p:blipFill>
           <a:blip r:embed="rId2"/>
-          <a:srcRect l="2735" r="2735"/>
-          <a:stretch/>
+          <a:stretch>
+            <a:fillRect/>
+          </a:stretch>
         </p:blipFill>
         <p:spPr>
           <a:xfrm>
-            <a:off x="5546878" y="404106"/>
-            <a:ext cx="6176705" cy="6093069"/>
+            <a:off x="1971399" y="4110183"/>
+            <a:ext cx="8249201" cy="1978124"/>
           </a:xfrm>
           <a:prstGeom prst="rect">
             <a:avLst/>
           </a:prstGeom>
         </p:spPr>
       </p:pic>
+    </p:spTree>
+    <p:extLst>
+      <p:ext uri="{BB962C8B-B14F-4D97-AF65-F5344CB8AC3E}">
+        <p14:creationId xmlns:p14="http://schemas.microsoft.com/office/powerpoint/2010/main" val="3587230318"/>
+      </p:ext>
+    </p:extLst>
+  </p:cSld>
+  <p:clrMapOvr>
+    <a:masterClrMapping/>
+  </p:clrMapOvr>
+</p:sld>
+</file>
+
+<file path=ppt/slides/slide3.xml><?xml version="1.0" encoding="utf-8"?>
+<p:sld xmlns:a="http://schemas.openxmlformats.org/drawingml/2006/main" xmlns:r="http://schemas.openxmlformats.org/officeDocument/2006/relationships" xmlns:p="http://schemas.openxmlformats.org/presentationml/2006/main">
+  <p:cSld>
+    <p:spTree>
+      <p:nvGrpSpPr>
+        <p:cNvPr id="1" name=""/>
+        <p:cNvGrpSpPr/>
+        <p:nvPr/>
+      </p:nvGrpSpPr>
+      <p:grpSpPr>
+        <a:xfrm>
+          <a:off x="0" y="0"/>
+          <a:ext cx="0" cy="0"/>
+          <a:chOff x="0" y="0"/>
+          <a:chExt cx="0" cy="0"/>
+        </a:xfrm>
+      </p:grpSpPr>
+      <p:pic>
+        <p:nvPicPr>
+          <p:cNvPr id="2" name="Picture 2">
+            <a:extLst>
+              <a:ext uri="{FF2B5EF4-FFF2-40B4-BE49-F238E27FC236}">
+                <a16:creationId xmlns:a16="http://schemas.microsoft.com/office/drawing/2014/main" id="{17E44B67-E115-3C98-B09A-649C2FBF1AF3}"/>
+              </a:ext>
+            </a:extLst>
+          </p:cNvPr>
+          <p:cNvPicPr>
+            <a:picLocks noChangeAspect="1" noChangeArrowheads="1"/>
+          </p:cNvPicPr>
+          <p:nvPr/>
+        </p:nvPicPr>
+        <p:blipFill>
+          <a:blip r:embed="rId2">
+            <a:extLst>
+              <a:ext uri="{28A0092B-C50C-407E-A947-70E740481C1C}">
+                <a14:useLocalDpi xmlns:a14="http://schemas.microsoft.com/office/drawing/2010/main" val="0"/>
+              </a:ext>
+            </a:extLst>
+          </a:blip>
+          <a:srcRect/>
+          <a:stretch>
+            <a:fillRect/>
+          </a:stretch>
+        </p:blipFill>
+        <p:spPr bwMode="auto">
+          <a:xfrm>
+            <a:off x="8049813" y="3624696"/>
+            <a:ext cx="3297985" cy="3333600"/>
+          </a:xfrm>
+          <a:prstGeom prst="rect">
+            <a:avLst/>
+          </a:prstGeom>
+          <a:noFill/>
+          <a:extLst>
+            <a:ext uri="{909E8E84-426E-40DD-AFC4-6F175D3DCCD1}">
+              <a14:hiddenFill xmlns:a14="http://schemas.microsoft.com/office/drawing/2010/main">
+                <a:solidFill>
+                  <a:srgbClr val="FFFFFF"/>
+                </a:solidFill>
+              </a14:hiddenFill>
+            </a:ext>
+          </a:extLst>
+        </p:spPr>
+      </p:pic>
+      <p:pic>
+        <p:nvPicPr>
+          <p:cNvPr id="3" name="Picture 4">
+            <a:extLst>
+              <a:ext uri="{FF2B5EF4-FFF2-40B4-BE49-F238E27FC236}">
+                <a16:creationId xmlns:a16="http://schemas.microsoft.com/office/drawing/2014/main" id="{15A88BF9-8D5C-5101-16ED-9B705114694F}"/>
+              </a:ext>
+            </a:extLst>
+          </p:cNvPr>
+          <p:cNvPicPr>
+            <a:picLocks noChangeAspect="1" noChangeArrowheads="1"/>
+          </p:cNvPicPr>
+          <p:nvPr/>
+        </p:nvPicPr>
+        <p:blipFill>
+          <a:blip r:embed="rId3">
+            <a:extLst>
+              <a:ext uri="{28A0092B-C50C-407E-A947-70E740481C1C}">
+                <a14:useLocalDpi xmlns:a14="http://schemas.microsoft.com/office/drawing/2010/main" val="0"/>
+              </a:ext>
+            </a:extLst>
+          </a:blip>
+          <a:srcRect/>
+          <a:stretch>
+            <a:fillRect/>
+          </a:stretch>
+        </p:blipFill>
+        <p:spPr bwMode="auto">
+          <a:xfrm>
+            <a:off x="-15525" y="3382673"/>
+            <a:ext cx="3297984" cy="3333600"/>
+          </a:xfrm>
+          <a:prstGeom prst="rect">
+            <a:avLst/>
+          </a:prstGeom>
+          <a:noFill/>
+          <a:extLst>
+            <a:ext uri="{909E8E84-426E-40DD-AFC4-6F175D3DCCD1}">
+              <a14:hiddenFill xmlns:a14="http://schemas.microsoft.com/office/drawing/2010/main">
+                <a:solidFill>
+                  <a:srgbClr val="FFFFFF"/>
+                </a:solidFill>
+              </a14:hiddenFill>
+            </a:ext>
+          </a:extLst>
+        </p:spPr>
+      </p:pic>
+      <p:pic>
+        <p:nvPicPr>
+          <p:cNvPr id="1030" name="Picture 6">
+            <a:extLst>
+              <a:ext uri="{FF2B5EF4-FFF2-40B4-BE49-F238E27FC236}">
+                <a16:creationId xmlns:a16="http://schemas.microsoft.com/office/drawing/2014/main" id="{18EF911D-706C-C0E3-B6B6-86C4011FC415}"/>
+              </a:ext>
+            </a:extLst>
+          </p:cNvPr>
+          <p:cNvPicPr>
+            <a:picLocks noChangeAspect="1" noChangeArrowheads="1"/>
+          </p:cNvPicPr>
+          <p:nvPr/>
+        </p:nvPicPr>
+        <p:blipFill>
+          <a:blip r:embed="rId4">
+            <a:extLst>
+              <a:ext uri="{28A0092B-C50C-407E-A947-70E740481C1C}">
+                <a14:useLocalDpi xmlns:a14="http://schemas.microsoft.com/office/drawing/2010/main" val="0"/>
+              </a:ext>
+            </a:extLst>
+          </a:blip>
+          <a:srcRect/>
+          <a:stretch>
+            <a:fillRect/>
+          </a:stretch>
+        </p:blipFill>
+        <p:spPr bwMode="auto">
+          <a:xfrm>
+            <a:off x="3418406" y="3382673"/>
+            <a:ext cx="3298702" cy="3334325"/>
+          </a:xfrm>
+          <a:prstGeom prst="rect">
+            <a:avLst/>
+          </a:prstGeom>
+          <a:noFill/>
+          <a:extLst>
+            <a:ext uri="{909E8E84-426E-40DD-AFC4-6F175D3DCCD1}">
+              <a14:hiddenFill xmlns:a14="http://schemas.microsoft.com/office/drawing/2010/main">
+                <a:solidFill>
+                  <a:srgbClr val="FFFFFF"/>
+                </a:solidFill>
+              </a14:hiddenFill>
+            </a:ext>
+          </a:extLst>
+        </p:spPr>
+      </p:pic>
+      <p:pic>
+        <p:nvPicPr>
+          <p:cNvPr id="1032" name="Picture 8">
+            <a:extLst>
+              <a:ext uri="{FF2B5EF4-FFF2-40B4-BE49-F238E27FC236}">
+                <a16:creationId xmlns:a16="http://schemas.microsoft.com/office/drawing/2014/main" id="{940C1648-994B-2E6A-8F20-D7750C455923}"/>
+              </a:ext>
+            </a:extLst>
+          </p:cNvPr>
+          <p:cNvPicPr>
+            <a:picLocks noChangeAspect="1" noChangeArrowheads="1"/>
+          </p:cNvPicPr>
+          <p:nvPr/>
+        </p:nvPicPr>
+        <p:blipFill>
+          <a:blip r:embed="rId5">
+            <a:extLst>
+              <a:ext uri="{28A0092B-C50C-407E-A947-70E740481C1C}">
+                <a14:useLocalDpi xmlns:a14="http://schemas.microsoft.com/office/drawing/2010/main" val="0"/>
+              </a:ext>
+            </a:extLst>
+          </a:blip>
+          <a:srcRect/>
+          <a:stretch>
+            <a:fillRect/>
+          </a:stretch>
+        </p:blipFill>
+        <p:spPr bwMode="auto">
+          <a:xfrm>
+            <a:off x="36574" y="94675"/>
+            <a:ext cx="3298702" cy="3334325"/>
+          </a:xfrm>
+          <a:prstGeom prst="rect">
+            <a:avLst/>
+          </a:prstGeom>
+          <a:noFill/>
+          <a:extLst>
+            <a:ext uri="{909E8E84-426E-40DD-AFC4-6F175D3DCCD1}">
+              <a14:hiddenFill xmlns:a14="http://schemas.microsoft.com/office/drawing/2010/main">
+                <a:solidFill>
+                  <a:srgbClr val="FFFFFF"/>
+                </a:solidFill>
+              </a14:hiddenFill>
+            </a:ext>
+          </a:extLst>
+        </p:spPr>
+      </p:pic>
+      <p:pic>
+        <p:nvPicPr>
+          <p:cNvPr id="1034" name="Picture 10">
+            <a:extLst>
+              <a:ext uri="{FF2B5EF4-FFF2-40B4-BE49-F238E27FC236}">
+                <a16:creationId xmlns:a16="http://schemas.microsoft.com/office/drawing/2014/main" id="{F730E4B3-49BE-D42E-6F7F-D3A0CAD5A0BC}"/>
+              </a:ext>
+            </a:extLst>
+          </p:cNvPr>
+          <p:cNvPicPr>
+            <a:picLocks noChangeAspect="1" noChangeArrowheads="1"/>
+          </p:cNvPicPr>
+          <p:nvPr/>
+        </p:nvPicPr>
+        <p:blipFill>
+          <a:blip r:embed="rId6">
+            <a:extLst>
+              <a:ext uri="{28A0092B-C50C-407E-A947-70E740481C1C}">
+                <a14:useLocalDpi xmlns:a14="http://schemas.microsoft.com/office/drawing/2010/main" val="0"/>
+              </a:ext>
+            </a:extLst>
+          </a:blip>
+          <a:srcRect/>
+          <a:stretch>
+            <a:fillRect/>
+          </a:stretch>
+        </p:blipFill>
+        <p:spPr bwMode="auto">
+          <a:xfrm>
+            <a:off x="3418405" y="94675"/>
+            <a:ext cx="3298702" cy="3334325"/>
+          </a:xfrm>
+          <a:prstGeom prst="rect">
+            <a:avLst/>
+          </a:prstGeom>
+          <a:noFill/>
+          <a:extLst>
+            <a:ext uri="{909E8E84-426E-40DD-AFC4-6F175D3DCCD1}">
+              <a14:hiddenFill xmlns:a14="http://schemas.microsoft.com/office/drawing/2010/main">
+                <a:solidFill>
+                  <a:srgbClr val="FFFFFF"/>
+                </a:solidFill>
+              </a14:hiddenFill>
+            </a:ext>
+          </a:extLst>
+        </p:spPr>
+      </p:pic>
       <p:sp>
         <p:nvSpPr>
-          <p:cNvPr id="104" name="Θέση κειμένου 3">
-            <a:extLst>
-              <a:ext uri="{FF2B5EF4-FFF2-40B4-BE49-F238E27FC236}">
-                <a16:creationId xmlns:a16="http://schemas.microsoft.com/office/drawing/2014/main" id="{96F299D3-E75E-5D0C-EB46-DEC54EDE0797}"/>
-              </a:ext>
-            </a:extLst>
-          </p:cNvPr>
-          <p:cNvSpPr>
-            <a:spLocks noGrp="1"/>
-          </p:cNvSpPr>
-          <p:nvPr>
-            <p:ph type="body" sz="half" idx="2"/>
-          </p:nvPr>
+          <p:cNvPr id="4" name="TextBox 3">
+            <a:extLst>
+              <a:ext uri="{FF2B5EF4-FFF2-40B4-BE49-F238E27FC236}">
+                <a16:creationId xmlns:a16="http://schemas.microsoft.com/office/drawing/2014/main" id="{E01AFD62-E206-76B8-D6FC-F395A2479B87}"/>
+              </a:ext>
+            </a:extLst>
+          </p:cNvPr>
+          <p:cNvSpPr txBox="1"/>
+          <p:nvPr/>
         </p:nvSpPr>
         <p:spPr>
           <a:xfrm>
-            <a:off x="612649" y="544945"/>
-            <a:ext cx="4670551" cy="5908949"/>
-          </a:xfrm>
+            <a:off x="7148945" y="277091"/>
+            <a:ext cx="4479637" cy="369332"/>
+          </a:xfrm>
+          <a:prstGeom prst="rect">
+            <a:avLst/>
+          </a:prstGeom>
+          <a:noFill/>
         </p:spPr>
         <p:txBody>
-          <a:bodyPr>
-            <a:normAutofit/>
+          <a:bodyPr wrap="square" rtlCol="0">
+            <a:spAutoFit/>
           </a:bodyPr>
           <a:lstStyle/>
           <a:p>
             <a:r>
-              <a:rPr lang="el-GR" dirty="0"/>
-              <a:t>Για να αντιληφθούμε καλύτερα την απόκλιση των δύο καμπυλών, τις αναπαριστούμε στο ίδιο διάγραμμα έτσι ώστε να πέσει η μία πάνω στην άλλη. Η καλύτερη εικόνα εμφανίζεται για τα μεγαλύτερα μήκη κύματος (&gt;600</a:t>
-            </a:r>
-            <a:r>
               <a:rPr lang="en-US" dirty="0"/>
-              <a:t>nm</a:t>
-            </a:r>
-            <a:r>
-              <a:rPr lang="en-GB" dirty="0"/>
-              <a:t>)</a:t>
-            </a:r>
-            <a:r>
-              <a:rPr lang="el-GR" dirty="0"/>
-              <a:t> ενώ στα μεσαία και χαμηλότερα μήκη κύματος παρατηρούνται αποκλίσεις, οι οποίες όμως δεν είναι εξαιρετικά μεγάλες. Συμπερασματικά μπορούμε να πούμε ότι, στην συγκεκριμένη περίπτωση, το όργανο με την μικρότερη ακρίβεια πλησιάζει ικανοποιητικά το όργανο με την μεγαλύτερη ακρίβεια, το οποίο όμως μετρά σε μικρότερο εύρος του φάσματος της ηλιακής ακτινοβολίας. Σε κάθε περίπτωση, πριν από κάποια μελέτη, πρέπει να αναλογιστούμε ποιο από τα δύο θα καλύψει τις εκάστοτε ανάγκες της έρευνας, δηλαδή αν επιθυμούμε μεγαλύτερη ακρίβεια ή εύρος στο φάσμα των μετρήσεών μας.</a:t>
+              <a:t>pressure</a:t>
             </a:r>
             <a:endParaRPr lang="en-GB" dirty="0"/>
           </a:p>
@@ -7850,7 +8775,1597 @@
     </p:spTree>
     <p:extLst>
       <p:ext uri="{BB962C8B-B14F-4D97-AF65-F5344CB8AC3E}">
-        <p14:creationId xmlns:p14="http://schemas.microsoft.com/office/powerpoint/2010/main" val="3639020863"/>
+        <p14:creationId xmlns:p14="http://schemas.microsoft.com/office/powerpoint/2010/main" val="3897811144"/>
+      </p:ext>
+    </p:extLst>
+  </p:cSld>
+  <p:clrMapOvr>
+    <a:masterClrMapping/>
+  </p:clrMapOvr>
+</p:sld>
+</file>
+
+<file path=ppt/slides/slide4.xml><?xml version="1.0" encoding="utf-8"?>
+<p:sld xmlns:a="http://schemas.openxmlformats.org/drawingml/2006/main" xmlns:r="http://schemas.openxmlformats.org/officeDocument/2006/relationships" xmlns:p="http://schemas.openxmlformats.org/presentationml/2006/main">
+  <p:cSld>
+    <p:spTree>
+      <p:nvGrpSpPr>
+        <p:cNvPr id="1" name=""/>
+        <p:cNvGrpSpPr/>
+        <p:nvPr/>
+      </p:nvGrpSpPr>
+      <p:grpSpPr>
+        <a:xfrm>
+          <a:off x="0" y="0"/>
+          <a:ext cx="0" cy="0"/>
+          <a:chOff x="0" y="0"/>
+          <a:chExt cx="0" cy="0"/>
+        </a:xfrm>
+      </p:grpSpPr>
+      <p:pic>
+        <p:nvPicPr>
+          <p:cNvPr id="2050" name="Picture 2">
+            <a:extLst>
+              <a:ext uri="{FF2B5EF4-FFF2-40B4-BE49-F238E27FC236}">
+                <a16:creationId xmlns:a16="http://schemas.microsoft.com/office/drawing/2014/main" id="{49478C29-5474-09E8-17E0-0C039A55B819}"/>
+              </a:ext>
+            </a:extLst>
+          </p:cNvPr>
+          <p:cNvPicPr>
+            <a:picLocks noChangeAspect="1" noChangeArrowheads="1"/>
+          </p:cNvPicPr>
+          <p:nvPr/>
+        </p:nvPicPr>
+        <p:blipFill>
+          <a:blip r:embed="rId2">
+            <a:extLst>
+              <a:ext uri="{28A0092B-C50C-407E-A947-70E740481C1C}">
+                <a14:useLocalDpi xmlns:a14="http://schemas.microsoft.com/office/drawing/2010/main" val="0"/>
+              </a:ext>
+            </a:extLst>
+          </a:blip>
+          <a:srcRect/>
+          <a:stretch>
+            <a:fillRect/>
+          </a:stretch>
+        </p:blipFill>
+        <p:spPr bwMode="auto">
+          <a:xfrm>
+            <a:off x="7927256" y="3429000"/>
+            <a:ext cx="3297985" cy="3333600"/>
+          </a:xfrm>
+          <a:prstGeom prst="rect">
+            <a:avLst/>
+          </a:prstGeom>
+          <a:noFill/>
+          <a:extLst>
+            <a:ext uri="{909E8E84-426E-40DD-AFC4-6F175D3DCCD1}">
+              <a14:hiddenFill xmlns:a14="http://schemas.microsoft.com/office/drawing/2010/main">
+                <a:solidFill>
+                  <a:srgbClr val="FFFFFF"/>
+                </a:solidFill>
+              </a14:hiddenFill>
+            </a:ext>
+          </a:extLst>
+        </p:spPr>
+      </p:pic>
+      <p:pic>
+        <p:nvPicPr>
+          <p:cNvPr id="2052" name="Picture 4">
+            <a:extLst>
+              <a:ext uri="{FF2B5EF4-FFF2-40B4-BE49-F238E27FC236}">
+                <a16:creationId xmlns:a16="http://schemas.microsoft.com/office/drawing/2014/main" id="{5FEC10A5-476D-B4D0-52CB-CA70A0C7D0D2}"/>
+              </a:ext>
+            </a:extLst>
+          </p:cNvPr>
+          <p:cNvPicPr>
+            <a:picLocks noChangeAspect="1" noChangeArrowheads="1"/>
+          </p:cNvPicPr>
+          <p:nvPr/>
+        </p:nvPicPr>
+        <p:blipFill>
+          <a:blip r:embed="rId3">
+            <a:extLst>
+              <a:ext uri="{28A0092B-C50C-407E-A947-70E740481C1C}">
+                <a14:useLocalDpi xmlns:a14="http://schemas.microsoft.com/office/drawing/2010/main" val="0"/>
+              </a:ext>
+            </a:extLst>
+          </a:blip>
+          <a:srcRect/>
+          <a:stretch>
+            <a:fillRect/>
+          </a:stretch>
+        </p:blipFill>
+        <p:spPr bwMode="auto">
+          <a:xfrm>
+            <a:off x="140999" y="95400"/>
+            <a:ext cx="3297985" cy="3333600"/>
+          </a:xfrm>
+          <a:prstGeom prst="rect">
+            <a:avLst/>
+          </a:prstGeom>
+          <a:noFill/>
+          <a:extLst>
+            <a:ext uri="{909E8E84-426E-40DD-AFC4-6F175D3DCCD1}">
+              <a14:hiddenFill xmlns:a14="http://schemas.microsoft.com/office/drawing/2010/main">
+                <a:solidFill>
+                  <a:srgbClr val="FFFFFF"/>
+                </a:solidFill>
+              </a14:hiddenFill>
+            </a:ext>
+          </a:extLst>
+        </p:spPr>
+      </p:pic>
+      <p:pic>
+        <p:nvPicPr>
+          <p:cNvPr id="2054" name="Picture 6">
+            <a:extLst>
+              <a:ext uri="{FF2B5EF4-FFF2-40B4-BE49-F238E27FC236}">
+                <a16:creationId xmlns:a16="http://schemas.microsoft.com/office/drawing/2014/main" id="{56D54D7A-BF5D-EF8A-AD13-B9DCDDBC2287}"/>
+              </a:ext>
+            </a:extLst>
+          </p:cNvPr>
+          <p:cNvPicPr>
+            <a:picLocks noChangeAspect="1" noChangeArrowheads="1"/>
+          </p:cNvPicPr>
+          <p:nvPr/>
+        </p:nvPicPr>
+        <p:blipFill>
+          <a:blip r:embed="rId4">
+            <a:extLst>
+              <a:ext uri="{28A0092B-C50C-407E-A947-70E740481C1C}">
+                <a14:useLocalDpi xmlns:a14="http://schemas.microsoft.com/office/drawing/2010/main" val="0"/>
+              </a:ext>
+            </a:extLst>
+          </a:blip>
+          <a:srcRect/>
+          <a:stretch>
+            <a:fillRect/>
+          </a:stretch>
+        </p:blipFill>
+        <p:spPr bwMode="auto">
+          <a:xfrm>
+            <a:off x="3438984" y="95400"/>
+            <a:ext cx="3297985" cy="3333600"/>
+          </a:xfrm>
+          <a:prstGeom prst="rect">
+            <a:avLst/>
+          </a:prstGeom>
+          <a:noFill/>
+          <a:extLst>
+            <a:ext uri="{909E8E84-426E-40DD-AFC4-6F175D3DCCD1}">
+              <a14:hiddenFill xmlns:a14="http://schemas.microsoft.com/office/drawing/2010/main">
+                <a:solidFill>
+                  <a:srgbClr val="FFFFFF"/>
+                </a:solidFill>
+              </a14:hiddenFill>
+            </a:ext>
+          </a:extLst>
+        </p:spPr>
+      </p:pic>
+      <p:pic>
+        <p:nvPicPr>
+          <p:cNvPr id="2056" name="Picture 8">
+            <a:extLst>
+              <a:ext uri="{FF2B5EF4-FFF2-40B4-BE49-F238E27FC236}">
+                <a16:creationId xmlns:a16="http://schemas.microsoft.com/office/drawing/2014/main" id="{D4ECA96C-F0CC-B8D6-C5D6-9AEFBD8A358F}"/>
+              </a:ext>
+            </a:extLst>
+          </p:cNvPr>
+          <p:cNvPicPr>
+            <a:picLocks noChangeAspect="1" noChangeArrowheads="1"/>
+          </p:cNvPicPr>
+          <p:nvPr/>
+        </p:nvPicPr>
+        <p:blipFill>
+          <a:blip r:embed="rId5">
+            <a:extLst>
+              <a:ext uri="{28A0092B-C50C-407E-A947-70E740481C1C}">
+                <a14:useLocalDpi xmlns:a14="http://schemas.microsoft.com/office/drawing/2010/main" val="0"/>
+              </a:ext>
+            </a:extLst>
+          </a:blip>
+          <a:srcRect/>
+          <a:stretch>
+            <a:fillRect/>
+          </a:stretch>
+        </p:blipFill>
+        <p:spPr bwMode="auto">
+          <a:xfrm>
+            <a:off x="140999" y="3429000"/>
+            <a:ext cx="3297985" cy="3333600"/>
+          </a:xfrm>
+          <a:prstGeom prst="rect">
+            <a:avLst/>
+          </a:prstGeom>
+          <a:noFill/>
+          <a:extLst>
+            <a:ext uri="{909E8E84-426E-40DD-AFC4-6F175D3DCCD1}">
+              <a14:hiddenFill xmlns:a14="http://schemas.microsoft.com/office/drawing/2010/main">
+                <a:solidFill>
+                  <a:srgbClr val="FFFFFF"/>
+                </a:solidFill>
+              </a14:hiddenFill>
+            </a:ext>
+          </a:extLst>
+        </p:spPr>
+      </p:pic>
+      <p:pic>
+        <p:nvPicPr>
+          <p:cNvPr id="2058" name="Picture 10">
+            <a:extLst>
+              <a:ext uri="{FF2B5EF4-FFF2-40B4-BE49-F238E27FC236}">
+                <a16:creationId xmlns:a16="http://schemas.microsoft.com/office/drawing/2014/main" id="{214BD14B-41CD-D9C1-790B-484E8D69D5A4}"/>
+              </a:ext>
+            </a:extLst>
+          </p:cNvPr>
+          <p:cNvPicPr>
+            <a:picLocks noChangeAspect="1" noChangeArrowheads="1"/>
+          </p:cNvPicPr>
+          <p:nvPr/>
+        </p:nvPicPr>
+        <p:blipFill>
+          <a:blip r:embed="rId6">
+            <a:extLst>
+              <a:ext uri="{28A0092B-C50C-407E-A947-70E740481C1C}">
+                <a14:useLocalDpi xmlns:a14="http://schemas.microsoft.com/office/drawing/2010/main" val="0"/>
+              </a:ext>
+            </a:extLst>
+          </a:blip>
+          <a:srcRect/>
+          <a:stretch>
+            <a:fillRect/>
+          </a:stretch>
+        </p:blipFill>
+        <p:spPr bwMode="auto">
+          <a:xfrm>
+            <a:off x="3438983" y="3429000"/>
+            <a:ext cx="3297985" cy="3333600"/>
+          </a:xfrm>
+          <a:prstGeom prst="rect">
+            <a:avLst/>
+          </a:prstGeom>
+          <a:noFill/>
+          <a:extLst>
+            <a:ext uri="{909E8E84-426E-40DD-AFC4-6F175D3DCCD1}">
+              <a14:hiddenFill xmlns:a14="http://schemas.microsoft.com/office/drawing/2010/main">
+                <a:solidFill>
+                  <a:srgbClr val="FFFFFF"/>
+                </a:solidFill>
+              </a14:hiddenFill>
+            </a:ext>
+          </a:extLst>
+        </p:spPr>
+      </p:pic>
+    </p:spTree>
+    <p:extLst>
+      <p:ext uri="{BB962C8B-B14F-4D97-AF65-F5344CB8AC3E}">
+        <p14:creationId xmlns:p14="http://schemas.microsoft.com/office/powerpoint/2010/main" val="4253989659"/>
+      </p:ext>
+    </p:extLst>
+  </p:cSld>
+  <p:clrMapOvr>
+    <a:masterClrMapping/>
+  </p:clrMapOvr>
+</p:sld>
+</file>
+
+<file path=ppt/slides/slide5.xml><?xml version="1.0" encoding="utf-8"?>
+<p:sld xmlns:a="http://schemas.openxmlformats.org/drawingml/2006/main" xmlns:r="http://schemas.openxmlformats.org/officeDocument/2006/relationships" xmlns:p="http://schemas.openxmlformats.org/presentationml/2006/main">
+  <p:cSld>
+    <p:spTree>
+      <p:nvGrpSpPr>
+        <p:cNvPr id="1" name=""/>
+        <p:cNvGrpSpPr/>
+        <p:nvPr/>
+      </p:nvGrpSpPr>
+      <p:grpSpPr>
+        <a:xfrm>
+          <a:off x="0" y="0"/>
+          <a:ext cx="0" cy="0"/>
+          <a:chOff x="0" y="0"/>
+          <a:chExt cx="0" cy="0"/>
+        </a:xfrm>
+      </p:grpSpPr>
+      <p:pic>
+        <p:nvPicPr>
+          <p:cNvPr id="3074" name="Picture 2">
+            <a:extLst>
+              <a:ext uri="{FF2B5EF4-FFF2-40B4-BE49-F238E27FC236}">
+                <a16:creationId xmlns:a16="http://schemas.microsoft.com/office/drawing/2014/main" id="{A1BF6825-9095-88E2-07C1-15124C2AE3DD}"/>
+              </a:ext>
+            </a:extLst>
+          </p:cNvPr>
+          <p:cNvPicPr>
+            <a:picLocks noChangeAspect="1" noChangeArrowheads="1"/>
+          </p:cNvPicPr>
+          <p:nvPr/>
+        </p:nvPicPr>
+        <p:blipFill>
+          <a:blip r:embed="rId2">
+            <a:extLst>
+              <a:ext uri="{28A0092B-C50C-407E-A947-70E740481C1C}">
+                <a14:useLocalDpi xmlns:a14="http://schemas.microsoft.com/office/drawing/2010/main" val="0"/>
+              </a:ext>
+            </a:extLst>
+          </a:blip>
+          <a:srcRect/>
+          <a:stretch>
+            <a:fillRect/>
+          </a:stretch>
+        </p:blipFill>
+        <p:spPr bwMode="auto">
+          <a:xfrm>
+            <a:off x="7825943" y="3429000"/>
+            <a:ext cx="3297985" cy="3333600"/>
+          </a:xfrm>
+          <a:prstGeom prst="rect">
+            <a:avLst/>
+          </a:prstGeom>
+          <a:noFill/>
+          <a:extLst>
+            <a:ext uri="{909E8E84-426E-40DD-AFC4-6F175D3DCCD1}">
+              <a14:hiddenFill xmlns:a14="http://schemas.microsoft.com/office/drawing/2010/main">
+                <a:solidFill>
+                  <a:srgbClr val="FFFFFF"/>
+                </a:solidFill>
+              </a14:hiddenFill>
+            </a:ext>
+          </a:extLst>
+        </p:spPr>
+      </p:pic>
+      <p:pic>
+        <p:nvPicPr>
+          <p:cNvPr id="3076" name="Picture 4">
+            <a:extLst>
+              <a:ext uri="{FF2B5EF4-FFF2-40B4-BE49-F238E27FC236}">
+                <a16:creationId xmlns:a16="http://schemas.microsoft.com/office/drawing/2014/main" id="{DEEBDD54-C508-991F-114C-E538F6F72509}"/>
+              </a:ext>
+            </a:extLst>
+          </p:cNvPr>
+          <p:cNvPicPr>
+            <a:picLocks noChangeAspect="1" noChangeArrowheads="1"/>
+          </p:cNvPicPr>
+          <p:nvPr/>
+        </p:nvPicPr>
+        <p:blipFill>
+          <a:blip r:embed="rId3">
+            <a:extLst>
+              <a:ext uri="{28A0092B-C50C-407E-A947-70E740481C1C}">
+                <a14:useLocalDpi xmlns:a14="http://schemas.microsoft.com/office/drawing/2010/main" val="0"/>
+              </a:ext>
+            </a:extLst>
+          </a:blip>
+          <a:srcRect/>
+          <a:stretch>
+            <a:fillRect/>
+          </a:stretch>
+        </p:blipFill>
+        <p:spPr bwMode="auto">
+          <a:xfrm>
+            <a:off x="113290" y="95400"/>
+            <a:ext cx="3297985" cy="3333600"/>
+          </a:xfrm>
+          <a:prstGeom prst="rect">
+            <a:avLst/>
+          </a:prstGeom>
+          <a:noFill/>
+          <a:extLst>
+            <a:ext uri="{909E8E84-426E-40DD-AFC4-6F175D3DCCD1}">
+              <a14:hiddenFill xmlns:a14="http://schemas.microsoft.com/office/drawing/2010/main">
+                <a:solidFill>
+                  <a:srgbClr val="FFFFFF"/>
+                </a:solidFill>
+              </a14:hiddenFill>
+            </a:ext>
+          </a:extLst>
+        </p:spPr>
+      </p:pic>
+      <p:pic>
+        <p:nvPicPr>
+          <p:cNvPr id="3078" name="Picture 6">
+            <a:extLst>
+              <a:ext uri="{FF2B5EF4-FFF2-40B4-BE49-F238E27FC236}">
+                <a16:creationId xmlns:a16="http://schemas.microsoft.com/office/drawing/2014/main" id="{AF1224EC-5081-9D49-0E47-1C2C7DD66FEC}"/>
+              </a:ext>
+            </a:extLst>
+          </p:cNvPr>
+          <p:cNvPicPr>
+            <a:picLocks noChangeAspect="1" noChangeArrowheads="1"/>
+          </p:cNvPicPr>
+          <p:nvPr/>
+        </p:nvPicPr>
+        <p:blipFill>
+          <a:blip r:embed="rId4">
+            <a:extLst>
+              <a:ext uri="{28A0092B-C50C-407E-A947-70E740481C1C}">
+                <a14:useLocalDpi xmlns:a14="http://schemas.microsoft.com/office/drawing/2010/main" val="0"/>
+              </a:ext>
+            </a:extLst>
+          </a:blip>
+          <a:srcRect/>
+          <a:stretch>
+            <a:fillRect/>
+          </a:stretch>
+        </p:blipFill>
+        <p:spPr bwMode="auto">
+          <a:xfrm>
+            <a:off x="3411275" y="95400"/>
+            <a:ext cx="3297985" cy="3333600"/>
+          </a:xfrm>
+          <a:prstGeom prst="rect">
+            <a:avLst/>
+          </a:prstGeom>
+          <a:noFill/>
+          <a:extLst>
+            <a:ext uri="{909E8E84-426E-40DD-AFC4-6F175D3DCCD1}">
+              <a14:hiddenFill xmlns:a14="http://schemas.microsoft.com/office/drawing/2010/main">
+                <a:solidFill>
+                  <a:srgbClr val="FFFFFF"/>
+                </a:solidFill>
+              </a14:hiddenFill>
+            </a:ext>
+          </a:extLst>
+        </p:spPr>
+      </p:pic>
+      <p:pic>
+        <p:nvPicPr>
+          <p:cNvPr id="3080" name="Picture 8">
+            <a:extLst>
+              <a:ext uri="{FF2B5EF4-FFF2-40B4-BE49-F238E27FC236}">
+                <a16:creationId xmlns:a16="http://schemas.microsoft.com/office/drawing/2014/main" id="{3E95BB1D-0D39-B8DD-3781-014F3E84FE4A}"/>
+              </a:ext>
+            </a:extLst>
+          </p:cNvPr>
+          <p:cNvPicPr>
+            <a:picLocks noChangeAspect="1" noChangeArrowheads="1"/>
+          </p:cNvPicPr>
+          <p:nvPr/>
+        </p:nvPicPr>
+        <p:blipFill>
+          <a:blip r:embed="rId5">
+            <a:extLst>
+              <a:ext uri="{28A0092B-C50C-407E-A947-70E740481C1C}">
+                <a14:useLocalDpi xmlns:a14="http://schemas.microsoft.com/office/drawing/2010/main" val="0"/>
+              </a:ext>
+            </a:extLst>
+          </a:blip>
+          <a:srcRect/>
+          <a:stretch>
+            <a:fillRect/>
+          </a:stretch>
+        </p:blipFill>
+        <p:spPr bwMode="auto">
+          <a:xfrm>
+            <a:off x="113290" y="3429000"/>
+            <a:ext cx="3297985" cy="3333600"/>
+          </a:xfrm>
+          <a:prstGeom prst="rect">
+            <a:avLst/>
+          </a:prstGeom>
+          <a:noFill/>
+          <a:extLst>
+            <a:ext uri="{909E8E84-426E-40DD-AFC4-6F175D3DCCD1}">
+              <a14:hiddenFill xmlns:a14="http://schemas.microsoft.com/office/drawing/2010/main">
+                <a:solidFill>
+                  <a:srgbClr val="FFFFFF"/>
+                </a:solidFill>
+              </a14:hiddenFill>
+            </a:ext>
+          </a:extLst>
+        </p:spPr>
+      </p:pic>
+      <p:pic>
+        <p:nvPicPr>
+          <p:cNvPr id="3082" name="Picture 10">
+            <a:extLst>
+              <a:ext uri="{FF2B5EF4-FFF2-40B4-BE49-F238E27FC236}">
+                <a16:creationId xmlns:a16="http://schemas.microsoft.com/office/drawing/2014/main" id="{62418567-D430-3BD1-5464-E405C133CE5B}"/>
+              </a:ext>
+            </a:extLst>
+          </p:cNvPr>
+          <p:cNvPicPr>
+            <a:picLocks noChangeAspect="1" noChangeArrowheads="1"/>
+          </p:cNvPicPr>
+          <p:nvPr/>
+        </p:nvPicPr>
+        <p:blipFill>
+          <a:blip r:embed="rId6">
+            <a:extLst>
+              <a:ext uri="{28A0092B-C50C-407E-A947-70E740481C1C}">
+                <a14:useLocalDpi xmlns:a14="http://schemas.microsoft.com/office/drawing/2010/main" val="0"/>
+              </a:ext>
+            </a:extLst>
+          </a:blip>
+          <a:srcRect/>
+          <a:stretch>
+            <a:fillRect/>
+          </a:stretch>
+        </p:blipFill>
+        <p:spPr bwMode="auto">
+          <a:xfrm>
+            <a:off x="3411274" y="3429000"/>
+            <a:ext cx="3297985" cy="3333600"/>
+          </a:xfrm>
+          <a:prstGeom prst="rect">
+            <a:avLst/>
+          </a:prstGeom>
+          <a:noFill/>
+          <a:extLst>
+            <a:ext uri="{909E8E84-426E-40DD-AFC4-6F175D3DCCD1}">
+              <a14:hiddenFill xmlns:a14="http://schemas.microsoft.com/office/drawing/2010/main">
+                <a:solidFill>
+                  <a:srgbClr val="FFFFFF"/>
+                </a:solidFill>
+              </a14:hiddenFill>
+            </a:ext>
+          </a:extLst>
+        </p:spPr>
+      </p:pic>
+    </p:spTree>
+    <p:extLst>
+      <p:ext uri="{BB962C8B-B14F-4D97-AF65-F5344CB8AC3E}">
+        <p14:creationId xmlns:p14="http://schemas.microsoft.com/office/powerpoint/2010/main" val="3494796993"/>
+      </p:ext>
+    </p:extLst>
+  </p:cSld>
+  <p:clrMapOvr>
+    <a:masterClrMapping/>
+  </p:clrMapOvr>
+</p:sld>
+</file>
+
+<file path=ppt/slides/slide6.xml><?xml version="1.0" encoding="utf-8"?>
+<p:sld xmlns:a="http://schemas.openxmlformats.org/drawingml/2006/main" xmlns:r="http://schemas.openxmlformats.org/officeDocument/2006/relationships" xmlns:p="http://schemas.openxmlformats.org/presentationml/2006/main">
+  <p:cSld>
+    <p:spTree>
+      <p:nvGrpSpPr>
+        <p:cNvPr id="1" name=""/>
+        <p:cNvGrpSpPr/>
+        <p:nvPr/>
+      </p:nvGrpSpPr>
+      <p:grpSpPr>
+        <a:xfrm>
+          <a:off x="0" y="0"/>
+          <a:ext cx="0" cy="0"/>
+          <a:chOff x="0" y="0"/>
+          <a:chExt cx="0" cy="0"/>
+        </a:xfrm>
+      </p:grpSpPr>
+      <p:pic>
+        <p:nvPicPr>
+          <p:cNvPr id="4098" name="Picture 2">
+            <a:extLst>
+              <a:ext uri="{FF2B5EF4-FFF2-40B4-BE49-F238E27FC236}">
+                <a16:creationId xmlns:a16="http://schemas.microsoft.com/office/drawing/2014/main" id="{676DAA38-1AF0-7CC8-C263-AA7F97851122}"/>
+              </a:ext>
+            </a:extLst>
+          </p:cNvPr>
+          <p:cNvPicPr>
+            <a:picLocks noChangeAspect="1" noChangeArrowheads="1"/>
+          </p:cNvPicPr>
+          <p:nvPr/>
+        </p:nvPicPr>
+        <p:blipFill>
+          <a:blip r:embed="rId2">
+            <a:extLst>
+              <a:ext uri="{28A0092B-C50C-407E-A947-70E740481C1C}">
+                <a14:useLocalDpi xmlns:a14="http://schemas.microsoft.com/office/drawing/2010/main" val="0"/>
+              </a:ext>
+            </a:extLst>
+          </a:blip>
+          <a:srcRect/>
+          <a:stretch>
+            <a:fillRect/>
+          </a:stretch>
+        </p:blipFill>
+        <p:spPr bwMode="auto">
+          <a:xfrm>
+            <a:off x="7742526" y="3429000"/>
+            <a:ext cx="3297985" cy="3333600"/>
+          </a:xfrm>
+          <a:prstGeom prst="rect">
+            <a:avLst/>
+          </a:prstGeom>
+          <a:noFill/>
+          <a:extLst>
+            <a:ext uri="{909E8E84-426E-40DD-AFC4-6F175D3DCCD1}">
+              <a14:hiddenFill xmlns:a14="http://schemas.microsoft.com/office/drawing/2010/main">
+                <a:solidFill>
+                  <a:srgbClr val="FFFFFF"/>
+                </a:solidFill>
+              </a14:hiddenFill>
+            </a:ext>
+          </a:extLst>
+        </p:spPr>
+      </p:pic>
+      <p:pic>
+        <p:nvPicPr>
+          <p:cNvPr id="4100" name="Picture 4">
+            <a:extLst>
+              <a:ext uri="{FF2B5EF4-FFF2-40B4-BE49-F238E27FC236}">
+                <a16:creationId xmlns:a16="http://schemas.microsoft.com/office/drawing/2014/main" id="{2B02908F-1FF1-BE30-02A5-DD88938DCE8D}"/>
+              </a:ext>
+            </a:extLst>
+          </p:cNvPr>
+          <p:cNvPicPr>
+            <a:picLocks noChangeAspect="1" noChangeArrowheads="1"/>
+          </p:cNvPicPr>
+          <p:nvPr/>
+        </p:nvPicPr>
+        <p:blipFill>
+          <a:blip r:embed="rId3">
+            <a:extLst>
+              <a:ext uri="{28A0092B-C50C-407E-A947-70E740481C1C}">
+                <a14:useLocalDpi xmlns:a14="http://schemas.microsoft.com/office/drawing/2010/main" val="0"/>
+              </a:ext>
+            </a:extLst>
+          </a:blip>
+          <a:srcRect/>
+          <a:stretch>
+            <a:fillRect/>
+          </a:stretch>
+        </p:blipFill>
+        <p:spPr bwMode="auto">
+          <a:xfrm>
+            <a:off x="113290" y="95400"/>
+            <a:ext cx="3297985" cy="3333600"/>
+          </a:xfrm>
+          <a:prstGeom prst="rect">
+            <a:avLst/>
+          </a:prstGeom>
+          <a:noFill/>
+          <a:extLst>
+            <a:ext uri="{909E8E84-426E-40DD-AFC4-6F175D3DCCD1}">
+              <a14:hiddenFill xmlns:a14="http://schemas.microsoft.com/office/drawing/2010/main">
+                <a:solidFill>
+                  <a:srgbClr val="FFFFFF"/>
+                </a:solidFill>
+              </a14:hiddenFill>
+            </a:ext>
+          </a:extLst>
+        </p:spPr>
+      </p:pic>
+      <p:pic>
+        <p:nvPicPr>
+          <p:cNvPr id="4102" name="Picture 6">
+            <a:extLst>
+              <a:ext uri="{FF2B5EF4-FFF2-40B4-BE49-F238E27FC236}">
+                <a16:creationId xmlns:a16="http://schemas.microsoft.com/office/drawing/2014/main" id="{14E52C0F-8A37-48C6-48E6-9CB2A11BACD4}"/>
+              </a:ext>
+            </a:extLst>
+          </p:cNvPr>
+          <p:cNvPicPr>
+            <a:picLocks noChangeAspect="1" noChangeArrowheads="1"/>
+          </p:cNvPicPr>
+          <p:nvPr/>
+        </p:nvPicPr>
+        <p:blipFill>
+          <a:blip r:embed="rId4">
+            <a:extLst>
+              <a:ext uri="{28A0092B-C50C-407E-A947-70E740481C1C}">
+                <a14:useLocalDpi xmlns:a14="http://schemas.microsoft.com/office/drawing/2010/main" val="0"/>
+              </a:ext>
+            </a:extLst>
+          </a:blip>
+          <a:srcRect/>
+          <a:stretch>
+            <a:fillRect/>
+          </a:stretch>
+        </p:blipFill>
+        <p:spPr bwMode="auto">
+          <a:xfrm>
+            <a:off x="3411275" y="95400"/>
+            <a:ext cx="3297985" cy="3333600"/>
+          </a:xfrm>
+          <a:prstGeom prst="rect">
+            <a:avLst/>
+          </a:prstGeom>
+          <a:noFill/>
+          <a:extLst>
+            <a:ext uri="{909E8E84-426E-40DD-AFC4-6F175D3DCCD1}">
+              <a14:hiddenFill xmlns:a14="http://schemas.microsoft.com/office/drawing/2010/main">
+                <a:solidFill>
+                  <a:srgbClr val="FFFFFF"/>
+                </a:solidFill>
+              </a14:hiddenFill>
+            </a:ext>
+          </a:extLst>
+        </p:spPr>
+      </p:pic>
+      <p:pic>
+        <p:nvPicPr>
+          <p:cNvPr id="4104" name="Picture 8">
+            <a:extLst>
+              <a:ext uri="{FF2B5EF4-FFF2-40B4-BE49-F238E27FC236}">
+                <a16:creationId xmlns:a16="http://schemas.microsoft.com/office/drawing/2014/main" id="{E1B35C15-416A-6483-F2C6-A55A558B6136}"/>
+              </a:ext>
+            </a:extLst>
+          </p:cNvPr>
+          <p:cNvPicPr>
+            <a:picLocks noChangeAspect="1" noChangeArrowheads="1"/>
+          </p:cNvPicPr>
+          <p:nvPr/>
+        </p:nvPicPr>
+        <p:blipFill>
+          <a:blip r:embed="rId5">
+            <a:extLst>
+              <a:ext uri="{28A0092B-C50C-407E-A947-70E740481C1C}">
+                <a14:useLocalDpi xmlns:a14="http://schemas.microsoft.com/office/drawing/2010/main" val="0"/>
+              </a:ext>
+            </a:extLst>
+          </a:blip>
+          <a:srcRect/>
+          <a:stretch>
+            <a:fillRect/>
+          </a:stretch>
+        </p:blipFill>
+        <p:spPr bwMode="auto">
+          <a:xfrm>
+            <a:off x="113289" y="3429000"/>
+            <a:ext cx="3297985" cy="3333600"/>
+          </a:xfrm>
+          <a:prstGeom prst="rect">
+            <a:avLst/>
+          </a:prstGeom>
+          <a:noFill/>
+          <a:extLst>
+            <a:ext uri="{909E8E84-426E-40DD-AFC4-6F175D3DCCD1}">
+              <a14:hiddenFill xmlns:a14="http://schemas.microsoft.com/office/drawing/2010/main">
+                <a:solidFill>
+                  <a:srgbClr val="FFFFFF"/>
+                </a:solidFill>
+              </a14:hiddenFill>
+            </a:ext>
+          </a:extLst>
+        </p:spPr>
+      </p:pic>
+      <p:pic>
+        <p:nvPicPr>
+          <p:cNvPr id="4106" name="Picture 10">
+            <a:extLst>
+              <a:ext uri="{FF2B5EF4-FFF2-40B4-BE49-F238E27FC236}">
+                <a16:creationId xmlns:a16="http://schemas.microsoft.com/office/drawing/2014/main" id="{92730E20-6103-B81E-3801-1C37D06B0C75}"/>
+              </a:ext>
+            </a:extLst>
+          </p:cNvPr>
+          <p:cNvPicPr>
+            <a:picLocks noChangeAspect="1" noChangeArrowheads="1"/>
+          </p:cNvPicPr>
+          <p:nvPr/>
+        </p:nvPicPr>
+        <p:blipFill>
+          <a:blip r:embed="rId6">
+            <a:extLst>
+              <a:ext uri="{28A0092B-C50C-407E-A947-70E740481C1C}">
+                <a14:useLocalDpi xmlns:a14="http://schemas.microsoft.com/office/drawing/2010/main" val="0"/>
+              </a:ext>
+            </a:extLst>
+          </a:blip>
+          <a:srcRect/>
+          <a:stretch>
+            <a:fillRect/>
+          </a:stretch>
+        </p:blipFill>
+        <p:spPr bwMode="auto">
+          <a:xfrm>
+            <a:off x="3411274" y="3429000"/>
+            <a:ext cx="3297985" cy="3333600"/>
+          </a:xfrm>
+          <a:prstGeom prst="rect">
+            <a:avLst/>
+          </a:prstGeom>
+          <a:noFill/>
+          <a:extLst>
+            <a:ext uri="{909E8E84-426E-40DD-AFC4-6F175D3DCCD1}">
+              <a14:hiddenFill xmlns:a14="http://schemas.microsoft.com/office/drawing/2010/main">
+                <a:solidFill>
+                  <a:srgbClr val="FFFFFF"/>
+                </a:solidFill>
+              </a14:hiddenFill>
+            </a:ext>
+          </a:extLst>
+        </p:spPr>
+      </p:pic>
+    </p:spTree>
+    <p:extLst>
+      <p:ext uri="{BB962C8B-B14F-4D97-AF65-F5344CB8AC3E}">
+        <p14:creationId xmlns:p14="http://schemas.microsoft.com/office/powerpoint/2010/main" val="2912900375"/>
+      </p:ext>
+    </p:extLst>
+  </p:cSld>
+  <p:clrMapOvr>
+    <a:masterClrMapping/>
+  </p:clrMapOvr>
+</p:sld>
+</file>
+
+<file path=ppt/slides/slide7.xml><?xml version="1.0" encoding="utf-8"?>
+<p:sld xmlns:a="http://schemas.openxmlformats.org/drawingml/2006/main" xmlns:r="http://schemas.openxmlformats.org/officeDocument/2006/relationships" xmlns:p="http://schemas.openxmlformats.org/presentationml/2006/main">
+  <p:cSld>
+    <p:spTree>
+      <p:nvGrpSpPr>
+        <p:cNvPr id="1" name=""/>
+        <p:cNvGrpSpPr/>
+        <p:nvPr/>
+      </p:nvGrpSpPr>
+      <p:grpSpPr>
+        <a:xfrm>
+          <a:off x="0" y="0"/>
+          <a:ext cx="0" cy="0"/>
+          <a:chOff x="0" y="0"/>
+          <a:chExt cx="0" cy="0"/>
+        </a:xfrm>
+      </p:grpSpPr>
+      <p:pic>
+        <p:nvPicPr>
+          <p:cNvPr id="5122" name="Picture 2">
+            <a:extLst>
+              <a:ext uri="{FF2B5EF4-FFF2-40B4-BE49-F238E27FC236}">
+                <a16:creationId xmlns:a16="http://schemas.microsoft.com/office/drawing/2014/main" id="{6A9A4C80-7AD2-D8D1-CE71-25E8DA59322F}"/>
+              </a:ext>
+            </a:extLst>
+          </p:cNvPr>
+          <p:cNvPicPr>
+            <a:picLocks noChangeAspect="1" noChangeArrowheads="1"/>
+          </p:cNvPicPr>
+          <p:nvPr/>
+        </p:nvPicPr>
+        <p:blipFill>
+          <a:blip r:embed="rId2">
+            <a:extLst>
+              <a:ext uri="{28A0092B-C50C-407E-A947-70E740481C1C}">
+                <a14:useLocalDpi xmlns:a14="http://schemas.microsoft.com/office/drawing/2010/main" val="0"/>
+              </a:ext>
+            </a:extLst>
+          </a:blip>
+          <a:srcRect/>
+          <a:stretch>
+            <a:fillRect/>
+          </a:stretch>
+        </p:blipFill>
+        <p:spPr bwMode="auto">
+          <a:xfrm>
+            <a:off x="8305945" y="3429000"/>
+            <a:ext cx="3297985" cy="3333600"/>
+          </a:xfrm>
+          <a:prstGeom prst="rect">
+            <a:avLst/>
+          </a:prstGeom>
+          <a:noFill/>
+          <a:extLst>
+            <a:ext uri="{909E8E84-426E-40DD-AFC4-6F175D3DCCD1}">
+              <a14:hiddenFill xmlns:a14="http://schemas.microsoft.com/office/drawing/2010/main">
+                <a:solidFill>
+                  <a:srgbClr val="FFFFFF"/>
+                </a:solidFill>
+              </a14:hiddenFill>
+            </a:ext>
+          </a:extLst>
+        </p:spPr>
+      </p:pic>
+      <p:pic>
+        <p:nvPicPr>
+          <p:cNvPr id="5124" name="Picture 4">
+            <a:extLst>
+              <a:ext uri="{FF2B5EF4-FFF2-40B4-BE49-F238E27FC236}">
+                <a16:creationId xmlns:a16="http://schemas.microsoft.com/office/drawing/2014/main" id="{05E95809-1C69-2F62-6593-86C301BF062A}"/>
+              </a:ext>
+            </a:extLst>
+          </p:cNvPr>
+          <p:cNvPicPr>
+            <a:picLocks noChangeAspect="1" noChangeArrowheads="1"/>
+          </p:cNvPicPr>
+          <p:nvPr/>
+        </p:nvPicPr>
+        <p:blipFill>
+          <a:blip r:embed="rId3">
+            <a:extLst>
+              <a:ext uri="{28A0092B-C50C-407E-A947-70E740481C1C}">
+                <a14:useLocalDpi xmlns:a14="http://schemas.microsoft.com/office/drawing/2010/main" val="0"/>
+              </a:ext>
+            </a:extLst>
+          </a:blip>
+          <a:srcRect/>
+          <a:stretch>
+            <a:fillRect/>
+          </a:stretch>
+        </p:blipFill>
+        <p:spPr bwMode="auto">
+          <a:xfrm>
+            <a:off x="113291" y="95400"/>
+            <a:ext cx="3297985" cy="3333600"/>
+          </a:xfrm>
+          <a:prstGeom prst="rect">
+            <a:avLst/>
+          </a:prstGeom>
+          <a:noFill/>
+          <a:extLst>
+            <a:ext uri="{909E8E84-426E-40DD-AFC4-6F175D3DCCD1}">
+              <a14:hiddenFill xmlns:a14="http://schemas.microsoft.com/office/drawing/2010/main">
+                <a:solidFill>
+                  <a:srgbClr val="FFFFFF"/>
+                </a:solidFill>
+              </a14:hiddenFill>
+            </a:ext>
+          </a:extLst>
+        </p:spPr>
+      </p:pic>
+      <p:pic>
+        <p:nvPicPr>
+          <p:cNvPr id="5126" name="Picture 6">
+            <a:extLst>
+              <a:ext uri="{FF2B5EF4-FFF2-40B4-BE49-F238E27FC236}">
+                <a16:creationId xmlns:a16="http://schemas.microsoft.com/office/drawing/2014/main" id="{AD2F1908-81F1-1F9C-6EAC-C25F01F1BBC3}"/>
+              </a:ext>
+            </a:extLst>
+          </p:cNvPr>
+          <p:cNvPicPr>
+            <a:picLocks noChangeAspect="1" noChangeArrowheads="1"/>
+          </p:cNvPicPr>
+          <p:nvPr/>
+        </p:nvPicPr>
+        <p:blipFill>
+          <a:blip r:embed="rId4">
+            <a:extLst>
+              <a:ext uri="{28A0092B-C50C-407E-A947-70E740481C1C}">
+                <a14:useLocalDpi xmlns:a14="http://schemas.microsoft.com/office/drawing/2010/main" val="0"/>
+              </a:ext>
+            </a:extLst>
+          </a:blip>
+          <a:srcRect/>
+          <a:stretch>
+            <a:fillRect/>
+          </a:stretch>
+        </p:blipFill>
+        <p:spPr bwMode="auto">
+          <a:xfrm>
+            <a:off x="3411276" y="95400"/>
+            <a:ext cx="3297985" cy="3333600"/>
+          </a:xfrm>
+          <a:prstGeom prst="rect">
+            <a:avLst/>
+          </a:prstGeom>
+          <a:noFill/>
+          <a:extLst>
+            <a:ext uri="{909E8E84-426E-40DD-AFC4-6F175D3DCCD1}">
+              <a14:hiddenFill xmlns:a14="http://schemas.microsoft.com/office/drawing/2010/main">
+                <a:solidFill>
+                  <a:srgbClr val="FFFFFF"/>
+                </a:solidFill>
+              </a14:hiddenFill>
+            </a:ext>
+          </a:extLst>
+        </p:spPr>
+      </p:pic>
+      <p:pic>
+        <p:nvPicPr>
+          <p:cNvPr id="5128" name="Picture 8">
+            <a:extLst>
+              <a:ext uri="{FF2B5EF4-FFF2-40B4-BE49-F238E27FC236}">
+                <a16:creationId xmlns:a16="http://schemas.microsoft.com/office/drawing/2014/main" id="{750D0298-829F-C352-2D3E-85830467E8FD}"/>
+              </a:ext>
+            </a:extLst>
+          </p:cNvPr>
+          <p:cNvPicPr>
+            <a:picLocks noChangeAspect="1" noChangeArrowheads="1"/>
+          </p:cNvPicPr>
+          <p:nvPr/>
+        </p:nvPicPr>
+        <p:blipFill>
+          <a:blip r:embed="rId5">
+            <a:extLst>
+              <a:ext uri="{28A0092B-C50C-407E-A947-70E740481C1C}">
+                <a14:useLocalDpi xmlns:a14="http://schemas.microsoft.com/office/drawing/2010/main" val="0"/>
+              </a:ext>
+            </a:extLst>
+          </a:blip>
+          <a:srcRect/>
+          <a:stretch>
+            <a:fillRect/>
+          </a:stretch>
+        </p:blipFill>
+        <p:spPr bwMode="auto">
+          <a:xfrm>
+            <a:off x="113291" y="3429000"/>
+            <a:ext cx="3297985" cy="3333600"/>
+          </a:xfrm>
+          <a:prstGeom prst="rect">
+            <a:avLst/>
+          </a:prstGeom>
+          <a:noFill/>
+          <a:extLst>
+            <a:ext uri="{909E8E84-426E-40DD-AFC4-6F175D3DCCD1}">
+              <a14:hiddenFill xmlns:a14="http://schemas.microsoft.com/office/drawing/2010/main">
+                <a:solidFill>
+                  <a:srgbClr val="FFFFFF"/>
+                </a:solidFill>
+              </a14:hiddenFill>
+            </a:ext>
+          </a:extLst>
+        </p:spPr>
+      </p:pic>
+      <p:pic>
+        <p:nvPicPr>
+          <p:cNvPr id="5130" name="Picture 10">
+            <a:extLst>
+              <a:ext uri="{FF2B5EF4-FFF2-40B4-BE49-F238E27FC236}">
+                <a16:creationId xmlns:a16="http://schemas.microsoft.com/office/drawing/2014/main" id="{131F4450-217C-6A96-3E83-EB4B0C1750EB}"/>
+              </a:ext>
+            </a:extLst>
+          </p:cNvPr>
+          <p:cNvPicPr>
+            <a:picLocks noChangeAspect="1" noChangeArrowheads="1"/>
+          </p:cNvPicPr>
+          <p:nvPr/>
+        </p:nvPicPr>
+        <p:blipFill>
+          <a:blip r:embed="rId6">
+            <a:extLst>
+              <a:ext uri="{28A0092B-C50C-407E-A947-70E740481C1C}">
+                <a14:useLocalDpi xmlns:a14="http://schemas.microsoft.com/office/drawing/2010/main" val="0"/>
+              </a:ext>
+            </a:extLst>
+          </a:blip>
+          <a:srcRect/>
+          <a:stretch>
+            <a:fillRect/>
+          </a:stretch>
+        </p:blipFill>
+        <p:spPr bwMode="auto">
+          <a:xfrm>
+            <a:off x="3411275" y="3429000"/>
+            <a:ext cx="3297985" cy="3333600"/>
+          </a:xfrm>
+          <a:prstGeom prst="rect">
+            <a:avLst/>
+          </a:prstGeom>
+          <a:noFill/>
+          <a:extLst>
+            <a:ext uri="{909E8E84-426E-40DD-AFC4-6F175D3DCCD1}">
+              <a14:hiddenFill xmlns:a14="http://schemas.microsoft.com/office/drawing/2010/main">
+                <a:solidFill>
+                  <a:srgbClr val="FFFFFF"/>
+                </a:solidFill>
+              </a14:hiddenFill>
+            </a:ext>
+          </a:extLst>
+        </p:spPr>
+      </p:pic>
+    </p:spTree>
+    <p:extLst>
+      <p:ext uri="{BB962C8B-B14F-4D97-AF65-F5344CB8AC3E}">
+        <p14:creationId xmlns:p14="http://schemas.microsoft.com/office/powerpoint/2010/main" val="3072515677"/>
+      </p:ext>
+    </p:extLst>
+  </p:cSld>
+  <p:clrMapOvr>
+    <a:masterClrMapping/>
+  </p:clrMapOvr>
+</p:sld>
+</file>
+
+<file path=ppt/slides/slide8.xml><?xml version="1.0" encoding="utf-8"?>
+<p:sld xmlns:a="http://schemas.openxmlformats.org/drawingml/2006/main" xmlns:r="http://schemas.openxmlformats.org/officeDocument/2006/relationships" xmlns:p="http://schemas.openxmlformats.org/presentationml/2006/main">
+  <p:cSld>
+    <p:spTree>
+      <p:nvGrpSpPr>
+        <p:cNvPr id="1" name=""/>
+        <p:cNvGrpSpPr/>
+        <p:nvPr/>
+      </p:nvGrpSpPr>
+      <p:grpSpPr>
+        <a:xfrm>
+          <a:off x="0" y="0"/>
+          <a:ext cx="0" cy="0"/>
+          <a:chOff x="0" y="0"/>
+          <a:chExt cx="0" cy="0"/>
+        </a:xfrm>
+      </p:grpSpPr>
+      <p:pic>
+        <p:nvPicPr>
+          <p:cNvPr id="6146" name="Picture 2">
+            <a:extLst>
+              <a:ext uri="{FF2B5EF4-FFF2-40B4-BE49-F238E27FC236}">
+                <a16:creationId xmlns:a16="http://schemas.microsoft.com/office/drawing/2014/main" id="{82C2731E-6BB1-DBD3-E8E9-C891EB318191}"/>
+              </a:ext>
+            </a:extLst>
+          </p:cNvPr>
+          <p:cNvPicPr>
+            <a:picLocks noChangeAspect="1" noChangeArrowheads="1"/>
+          </p:cNvPicPr>
+          <p:nvPr/>
+        </p:nvPicPr>
+        <p:blipFill>
+          <a:blip r:embed="rId2">
+            <a:extLst>
+              <a:ext uri="{28A0092B-C50C-407E-A947-70E740481C1C}">
+                <a14:useLocalDpi xmlns:a14="http://schemas.microsoft.com/office/drawing/2010/main" val="0"/>
+              </a:ext>
+            </a:extLst>
+          </a:blip>
+          <a:srcRect/>
+          <a:stretch>
+            <a:fillRect/>
+          </a:stretch>
+        </p:blipFill>
+        <p:spPr bwMode="auto">
+          <a:xfrm>
+            <a:off x="8032029" y="3429000"/>
+            <a:ext cx="3297985" cy="3333600"/>
+          </a:xfrm>
+          <a:prstGeom prst="rect">
+            <a:avLst/>
+          </a:prstGeom>
+          <a:noFill/>
+          <a:extLst>
+            <a:ext uri="{909E8E84-426E-40DD-AFC4-6F175D3DCCD1}">
+              <a14:hiddenFill xmlns:a14="http://schemas.microsoft.com/office/drawing/2010/main">
+                <a:solidFill>
+                  <a:srgbClr val="FFFFFF"/>
+                </a:solidFill>
+              </a14:hiddenFill>
+            </a:ext>
+          </a:extLst>
+        </p:spPr>
+      </p:pic>
+      <p:pic>
+        <p:nvPicPr>
+          <p:cNvPr id="6148" name="Picture 4">
+            <a:extLst>
+              <a:ext uri="{FF2B5EF4-FFF2-40B4-BE49-F238E27FC236}">
+                <a16:creationId xmlns:a16="http://schemas.microsoft.com/office/drawing/2014/main" id="{2E66AE95-9BDD-EB0F-05F8-0CA1BEC61708}"/>
+              </a:ext>
+            </a:extLst>
+          </p:cNvPr>
+          <p:cNvPicPr>
+            <a:picLocks noChangeAspect="1" noChangeArrowheads="1"/>
+          </p:cNvPicPr>
+          <p:nvPr/>
+        </p:nvPicPr>
+        <p:blipFill>
+          <a:blip r:embed="rId3">
+            <a:extLst>
+              <a:ext uri="{28A0092B-C50C-407E-A947-70E740481C1C}">
+                <a14:useLocalDpi xmlns:a14="http://schemas.microsoft.com/office/drawing/2010/main" val="0"/>
+              </a:ext>
+            </a:extLst>
+          </a:blip>
+          <a:srcRect/>
+          <a:stretch>
+            <a:fillRect/>
+          </a:stretch>
+        </p:blipFill>
+        <p:spPr bwMode="auto">
+          <a:xfrm>
+            <a:off x="107084" y="95400"/>
+            <a:ext cx="3376338" cy="3333600"/>
+          </a:xfrm>
+          <a:prstGeom prst="rect">
+            <a:avLst/>
+          </a:prstGeom>
+          <a:noFill/>
+          <a:extLst>
+            <a:ext uri="{909E8E84-426E-40DD-AFC4-6F175D3DCCD1}">
+              <a14:hiddenFill xmlns:a14="http://schemas.microsoft.com/office/drawing/2010/main">
+                <a:solidFill>
+                  <a:srgbClr val="FFFFFF"/>
+                </a:solidFill>
+              </a14:hiddenFill>
+            </a:ext>
+          </a:extLst>
+        </p:spPr>
+      </p:pic>
+      <p:pic>
+        <p:nvPicPr>
+          <p:cNvPr id="6150" name="Picture 6">
+            <a:extLst>
+              <a:ext uri="{FF2B5EF4-FFF2-40B4-BE49-F238E27FC236}">
+                <a16:creationId xmlns:a16="http://schemas.microsoft.com/office/drawing/2014/main" id="{C502E058-CAE7-E2DA-0E7C-294C2BFC0A09}"/>
+              </a:ext>
+            </a:extLst>
+          </p:cNvPr>
+          <p:cNvPicPr>
+            <a:picLocks noChangeAspect="1" noChangeArrowheads="1"/>
+          </p:cNvPicPr>
+          <p:nvPr/>
+        </p:nvPicPr>
+        <p:blipFill>
+          <a:blip r:embed="rId4">
+            <a:extLst>
+              <a:ext uri="{28A0092B-C50C-407E-A947-70E740481C1C}">
+                <a14:useLocalDpi xmlns:a14="http://schemas.microsoft.com/office/drawing/2010/main" val="0"/>
+              </a:ext>
+            </a:extLst>
+          </a:blip>
+          <a:srcRect/>
+          <a:stretch>
+            <a:fillRect/>
+          </a:stretch>
+        </p:blipFill>
+        <p:spPr bwMode="auto">
+          <a:xfrm>
+            <a:off x="3483422" y="95400"/>
+            <a:ext cx="3297985" cy="3333600"/>
+          </a:xfrm>
+          <a:prstGeom prst="rect">
+            <a:avLst/>
+          </a:prstGeom>
+          <a:noFill/>
+          <a:extLst>
+            <a:ext uri="{909E8E84-426E-40DD-AFC4-6F175D3DCCD1}">
+              <a14:hiddenFill xmlns:a14="http://schemas.microsoft.com/office/drawing/2010/main">
+                <a:solidFill>
+                  <a:srgbClr val="FFFFFF"/>
+                </a:solidFill>
+              </a14:hiddenFill>
+            </a:ext>
+          </a:extLst>
+        </p:spPr>
+      </p:pic>
+      <p:pic>
+        <p:nvPicPr>
+          <p:cNvPr id="6152" name="Picture 8">
+            <a:extLst>
+              <a:ext uri="{FF2B5EF4-FFF2-40B4-BE49-F238E27FC236}">
+                <a16:creationId xmlns:a16="http://schemas.microsoft.com/office/drawing/2014/main" id="{DFBAA83E-A1D0-9E89-36C7-9E55F8338DAD}"/>
+              </a:ext>
+            </a:extLst>
+          </p:cNvPr>
+          <p:cNvPicPr>
+            <a:picLocks noChangeAspect="1" noChangeArrowheads="1"/>
+          </p:cNvPicPr>
+          <p:nvPr/>
+        </p:nvPicPr>
+        <p:blipFill>
+          <a:blip r:embed="rId5">
+            <a:extLst>
+              <a:ext uri="{28A0092B-C50C-407E-A947-70E740481C1C}">
+                <a14:useLocalDpi xmlns:a14="http://schemas.microsoft.com/office/drawing/2010/main" val="0"/>
+              </a:ext>
+            </a:extLst>
+          </a:blip>
+          <a:srcRect/>
+          <a:stretch>
+            <a:fillRect/>
+          </a:stretch>
+        </p:blipFill>
+        <p:spPr bwMode="auto">
+          <a:xfrm>
+            <a:off x="107084" y="3429000"/>
+            <a:ext cx="3297985" cy="3333600"/>
+          </a:xfrm>
+          <a:prstGeom prst="rect">
+            <a:avLst/>
+          </a:prstGeom>
+          <a:noFill/>
+          <a:extLst>
+            <a:ext uri="{909E8E84-426E-40DD-AFC4-6F175D3DCCD1}">
+              <a14:hiddenFill xmlns:a14="http://schemas.microsoft.com/office/drawing/2010/main">
+                <a:solidFill>
+                  <a:srgbClr val="FFFFFF"/>
+                </a:solidFill>
+              </a14:hiddenFill>
+            </a:ext>
+          </a:extLst>
+        </p:spPr>
+      </p:pic>
+      <p:pic>
+        <p:nvPicPr>
+          <p:cNvPr id="6154" name="Picture 10">
+            <a:extLst>
+              <a:ext uri="{FF2B5EF4-FFF2-40B4-BE49-F238E27FC236}">
+                <a16:creationId xmlns:a16="http://schemas.microsoft.com/office/drawing/2014/main" id="{C5870422-5714-D5B2-4349-4EC73D3BAD4B}"/>
+              </a:ext>
+            </a:extLst>
+          </p:cNvPr>
+          <p:cNvPicPr>
+            <a:picLocks noChangeAspect="1" noChangeArrowheads="1"/>
+          </p:cNvPicPr>
+          <p:nvPr/>
+        </p:nvPicPr>
+        <p:blipFill>
+          <a:blip r:embed="rId6">
+            <a:extLst>
+              <a:ext uri="{28A0092B-C50C-407E-A947-70E740481C1C}">
+                <a14:useLocalDpi xmlns:a14="http://schemas.microsoft.com/office/drawing/2010/main" val="0"/>
+              </a:ext>
+            </a:extLst>
+          </a:blip>
+          <a:srcRect/>
+          <a:stretch>
+            <a:fillRect/>
+          </a:stretch>
+        </p:blipFill>
+        <p:spPr bwMode="auto">
+          <a:xfrm>
+            <a:off x="3483422" y="3429000"/>
+            <a:ext cx="3340723" cy="3333600"/>
+          </a:xfrm>
+          <a:prstGeom prst="rect">
+            <a:avLst/>
+          </a:prstGeom>
+          <a:noFill/>
+          <a:extLst>
+            <a:ext uri="{909E8E84-426E-40DD-AFC4-6F175D3DCCD1}">
+              <a14:hiddenFill xmlns:a14="http://schemas.microsoft.com/office/drawing/2010/main">
+                <a:solidFill>
+                  <a:srgbClr val="FFFFFF"/>
+                </a:solidFill>
+              </a14:hiddenFill>
+            </a:ext>
+          </a:extLst>
+        </p:spPr>
+      </p:pic>
+    </p:spTree>
+    <p:extLst>
+      <p:ext uri="{BB962C8B-B14F-4D97-AF65-F5344CB8AC3E}">
+        <p14:creationId xmlns:p14="http://schemas.microsoft.com/office/powerpoint/2010/main" val="740289710"/>
+      </p:ext>
+    </p:extLst>
+  </p:cSld>
+  <p:clrMapOvr>
+    <a:masterClrMapping/>
+  </p:clrMapOvr>
+</p:sld>
+</file>
+
+<file path=ppt/slides/slide9.xml><?xml version="1.0" encoding="utf-8"?>
+<p:sld xmlns:a="http://schemas.openxmlformats.org/drawingml/2006/main" xmlns:r="http://schemas.openxmlformats.org/officeDocument/2006/relationships" xmlns:p="http://schemas.openxmlformats.org/presentationml/2006/main">
+  <p:cSld>
+    <p:spTree>
+      <p:nvGrpSpPr>
+        <p:cNvPr id="1" name=""/>
+        <p:cNvGrpSpPr/>
+        <p:nvPr/>
+      </p:nvGrpSpPr>
+      <p:grpSpPr>
+        <a:xfrm>
+          <a:off x="0" y="0"/>
+          <a:ext cx="0" cy="0"/>
+          <a:chOff x="0" y="0"/>
+          <a:chExt cx="0" cy="0"/>
+        </a:xfrm>
+      </p:grpSpPr>
+      <p:pic>
+        <p:nvPicPr>
+          <p:cNvPr id="7170" name="Picture 2">
+            <a:extLst>
+              <a:ext uri="{FF2B5EF4-FFF2-40B4-BE49-F238E27FC236}">
+                <a16:creationId xmlns:a16="http://schemas.microsoft.com/office/drawing/2014/main" id="{2A05E2E7-18DF-E73D-31B6-910F8BF92CF4}"/>
+              </a:ext>
+            </a:extLst>
+          </p:cNvPr>
+          <p:cNvPicPr>
+            <a:picLocks noChangeAspect="1" noChangeArrowheads="1"/>
+          </p:cNvPicPr>
+          <p:nvPr/>
+        </p:nvPicPr>
+        <p:blipFill>
+          <a:blip r:embed="rId2">
+            <a:extLst>
+              <a:ext uri="{28A0092B-C50C-407E-A947-70E740481C1C}">
+                <a14:useLocalDpi xmlns:a14="http://schemas.microsoft.com/office/drawing/2010/main" val="0"/>
+              </a:ext>
+            </a:extLst>
+          </a:blip>
+          <a:srcRect/>
+          <a:stretch>
+            <a:fillRect/>
+          </a:stretch>
+        </p:blipFill>
+        <p:spPr bwMode="auto">
+          <a:xfrm>
+            <a:off x="7918018" y="3429000"/>
+            <a:ext cx="3297985" cy="3333600"/>
+          </a:xfrm>
+          <a:prstGeom prst="rect">
+            <a:avLst/>
+          </a:prstGeom>
+          <a:noFill/>
+          <a:extLst>
+            <a:ext uri="{909E8E84-426E-40DD-AFC4-6F175D3DCCD1}">
+              <a14:hiddenFill xmlns:a14="http://schemas.microsoft.com/office/drawing/2010/main">
+                <a:solidFill>
+                  <a:srgbClr val="FFFFFF"/>
+                </a:solidFill>
+              </a14:hiddenFill>
+            </a:ext>
+          </a:extLst>
+        </p:spPr>
+      </p:pic>
+      <p:pic>
+        <p:nvPicPr>
+          <p:cNvPr id="7172" name="Picture 4">
+            <a:extLst>
+              <a:ext uri="{FF2B5EF4-FFF2-40B4-BE49-F238E27FC236}">
+                <a16:creationId xmlns:a16="http://schemas.microsoft.com/office/drawing/2014/main" id="{6B8A92FF-80CF-4340-049F-33D430D9E45B}"/>
+              </a:ext>
+            </a:extLst>
+          </p:cNvPr>
+          <p:cNvPicPr>
+            <a:picLocks noChangeAspect="1" noChangeArrowheads="1"/>
+          </p:cNvPicPr>
+          <p:nvPr/>
+        </p:nvPicPr>
+        <p:blipFill>
+          <a:blip r:embed="rId3">
+            <a:extLst>
+              <a:ext uri="{28A0092B-C50C-407E-A947-70E740481C1C}">
+                <a14:useLocalDpi xmlns:a14="http://schemas.microsoft.com/office/drawing/2010/main" val="0"/>
+              </a:ext>
+            </a:extLst>
+          </a:blip>
+          <a:srcRect/>
+          <a:stretch>
+            <a:fillRect/>
+          </a:stretch>
+        </p:blipFill>
+        <p:spPr bwMode="auto">
+          <a:xfrm>
+            <a:off x="113291" y="95400"/>
+            <a:ext cx="3297985" cy="3333600"/>
+          </a:xfrm>
+          <a:prstGeom prst="rect">
+            <a:avLst/>
+          </a:prstGeom>
+          <a:noFill/>
+          <a:extLst>
+            <a:ext uri="{909E8E84-426E-40DD-AFC4-6F175D3DCCD1}">
+              <a14:hiddenFill xmlns:a14="http://schemas.microsoft.com/office/drawing/2010/main">
+                <a:solidFill>
+                  <a:srgbClr val="FFFFFF"/>
+                </a:solidFill>
+              </a14:hiddenFill>
+            </a:ext>
+          </a:extLst>
+        </p:spPr>
+      </p:pic>
+      <p:pic>
+        <p:nvPicPr>
+          <p:cNvPr id="7174" name="Picture 6">
+            <a:extLst>
+              <a:ext uri="{FF2B5EF4-FFF2-40B4-BE49-F238E27FC236}">
+                <a16:creationId xmlns:a16="http://schemas.microsoft.com/office/drawing/2014/main" id="{0EC505DD-7EFE-A732-554C-51F04B41FAD6}"/>
+              </a:ext>
+            </a:extLst>
+          </p:cNvPr>
+          <p:cNvPicPr>
+            <a:picLocks noChangeAspect="1" noChangeArrowheads="1"/>
+          </p:cNvPicPr>
+          <p:nvPr/>
+        </p:nvPicPr>
+        <p:blipFill>
+          <a:blip r:embed="rId4">
+            <a:extLst>
+              <a:ext uri="{28A0092B-C50C-407E-A947-70E740481C1C}">
+                <a14:useLocalDpi xmlns:a14="http://schemas.microsoft.com/office/drawing/2010/main" val="0"/>
+              </a:ext>
+            </a:extLst>
+          </a:blip>
+          <a:srcRect/>
+          <a:stretch>
+            <a:fillRect/>
+          </a:stretch>
+        </p:blipFill>
+        <p:spPr bwMode="auto">
+          <a:xfrm>
+            <a:off x="3411276" y="95400"/>
+            <a:ext cx="3297985" cy="3333600"/>
+          </a:xfrm>
+          <a:prstGeom prst="rect">
+            <a:avLst/>
+          </a:prstGeom>
+          <a:noFill/>
+          <a:extLst>
+            <a:ext uri="{909E8E84-426E-40DD-AFC4-6F175D3DCCD1}">
+              <a14:hiddenFill xmlns:a14="http://schemas.microsoft.com/office/drawing/2010/main">
+                <a:solidFill>
+                  <a:srgbClr val="FFFFFF"/>
+                </a:solidFill>
+              </a14:hiddenFill>
+            </a:ext>
+          </a:extLst>
+        </p:spPr>
+      </p:pic>
+      <p:pic>
+        <p:nvPicPr>
+          <p:cNvPr id="7176" name="Picture 8">
+            <a:extLst>
+              <a:ext uri="{FF2B5EF4-FFF2-40B4-BE49-F238E27FC236}">
+                <a16:creationId xmlns:a16="http://schemas.microsoft.com/office/drawing/2014/main" id="{C7729E31-DB05-C21C-67AA-36FCB747912A}"/>
+              </a:ext>
+            </a:extLst>
+          </p:cNvPr>
+          <p:cNvPicPr>
+            <a:picLocks noChangeAspect="1" noChangeArrowheads="1"/>
+          </p:cNvPicPr>
+          <p:nvPr/>
+        </p:nvPicPr>
+        <p:blipFill>
+          <a:blip r:embed="rId5">
+            <a:extLst>
+              <a:ext uri="{28A0092B-C50C-407E-A947-70E740481C1C}">
+                <a14:useLocalDpi xmlns:a14="http://schemas.microsoft.com/office/drawing/2010/main" val="0"/>
+              </a:ext>
+            </a:extLst>
+          </a:blip>
+          <a:srcRect/>
+          <a:stretch>
+            <a:fillRect/>
+          </a:stretch>
+        </p:blipFill>
+        <p:spPr bwMode="auto">
+          <a:xfrm>
+            <a:off x="113291" y="3429000"/>
+            <a:ext cx="3297985" cy="3333600"/>
+          </a:xfrm>
+          <a:prstGeom prst="rect">
+            <a:avLst/>
+          </a:prstGeom>
+          <a:noFill/>
+          <a:extLst>
+            <a:ext uri="{909E8E84-426E-40DD-AFC4-6F175D3DCCD1}">
+              <a14:hiddenFill xmlns:a14="http://schemas.microsoft.com/office/drawing/2010/main">
+                <a:solidFill>
+                  <a:srgbClr val="FFFFFF"/>
+                </a:solidFill>
+              </a14:hiddenFill>
+            </a:ext>
+          </a:extLst>
+        </p:spPr>
+      </p:pic>
+      <p:pic>
+        <p:nvPicPr>
+          <p:cNvPr id="7178" name="Picture 10">
+            <a:extLst>
+              <a:ext uri="{FF2B5EF4-FFF2-40B4-BE49-F238E27FC236}">
+                <a16:creationId xmlns:a16="http://schemas.microsoft.com/office/drawing/2014/main" id="{3DB0F3DE-F4CD-F759-0367-1BC5CD3644BA}"/>
+              </a:ext>
+            </a:extLst>
+          </p:cNvPr>
+          <p:cNvPicPr>
+            <a:picLocks noChangeAspect="1" noChangeArrowheads="1"/>
+          </p:cNvPicPr>
+          <p:nvPr/>
+        </p:nvPicPr>
+        <p:blipFill>
+          <a:blip r:embed="rId6">
+            <a:extLst>
+              <a:ext uri="{28A0092B-C50C-407E-A947-70E740481C1C}">
+                <a14:useLocalDpi xmlns:a14="http://schemas.microsoft.com/office/drawing/2010/main" val="0"/>
+              </a:ext>
+            </a:extLst>
+          </a:blip>
+          <a:srcRect/>
+          <a:stretch>
+            <a:fillRect/>
+          </a:stretch>
+        </p:blipFill>
+        <p:spPr bwMode="auto">
+          <a:xfrm>
+            <a:off x="3411275" y="3429000"/>
+            <a:ext cx="3297985" cy="3333600"/>
+          </a:xfrm>
+          <a:prstGeom prst="rect">
+            <a:avLst/>
+          </a:prstGeom>
+          <a:noFill/>
+          <a:extLst>
+            <a:ext uri="{909E8E84-426E-40DD-AFC4-6F175D3DCCD1}">
+              <a14:hiddenFill xmlns:a14="http://schemas.microsoft.com/office/drawing/2010/main">
+                <a:solidFill>
+                  <a:srgbClr val="FFFFFF"/>
+                </a:solidFill>
+              </a14:hiddenFill>
+            </a:ext>
+          </a:extLst>
+        </p:spPr>
+      </p:pic>
+    </p:spTree>
+    <p:extLst>
+      <p:ext uri="{BB962C8B-B14F-4D97-AF65-F5344CB8AC3E}">
+        <p14:creationId xmlns:p14="http://schemas.microsoft.com/office/powerpoint/2010/main" val="862075431"/>
       </p:ext>
     </p:extLst>
   </p:cSld>
@@ -8059,4 +10574,319 @@
     </a:ext>
   </a:extLst>
 </a:theme>
+</file>
+
+<file path=ppt/theme/theme2.xml><?xml version="1.0" encoding="utf-8"?>
+<a:theme xmlns:a="http://schemas.openxmlformats.org/drawingml/2006/main" name="Θέμα του Office">
+  <a:themeElements>
+    <a:clrScheme name="Office">
+      <a:dk1>
+        <a:sysClr val="windowText" lastClr="000000"/>
+      </a:dk1>
+      <a:lt1>
+        <a:sysClr val="window" lastClr="FFFFFF"/>
+      </a:lt1>
+      <a:dk2>
+        <a:srgbClr val="0E2841"/>
+      </a:dk2>
+      <a:lt2>
+        <a:srgbClr val="E8E8E8"/>
+      </a:lt2>
+      <a:accent1>
+        <a:srgbClr val="156082"/>
+      </a:accent1>
+      <a:accent2>
+        <a:srgbClr val="E97132"/>
+      </a:accent2>
+      <a:accent3>
+        <a:srgbClr val="196B24"/>
+      </a:accent3>
+      <a:accent4>
+        <a:srgbClr val="0F9ED5"/>
+      </a:accent4>
+      <a:accent5>
+        <a:srgbClr val="A02B93"/>
+      </a:accent5>
+      <a:accent6>
+        <a:srgbClr val="4EA72E"/>
+      </a:accent6>
+      <a:hlink>
+        <a:srgbClr val="467886"/>
+      </a:hlink>
+      <a:folHlink>
+        <a:srgbClr val="96607D"/>
+      </a:folHlink>
+    </a:clrScheme>
+    <a:fontScheme name="Office">
+      <a:majorFont>
+        <a:latin typeface="Aptos Display" panose="02110004020202020204"/>
+        <a:ea typeface=""/>
+        <a:cs typeface=""/>
+        <a:font script="Jpan" typeface="游ゴシック Light"/>
+        <a:font script="Hang" typeface="맑은 고딕"/>
+        <a:font script="Hans" typeface="等线 Light"/>
+        <a:font script="Hant" typeface="新細明體"/>
+        <a:font script="Arab" typeface="Times New Roman"/>
+        <a:font script="Hebr" typeface="Times New Roman"/>
+        <a:font script="Thai" typeface="Angsana New"/>
+        <a:font script="Ethi" typeface="Nyala"/>
+        <a:font script="Beng" typeface="Vrinda"/>
+        <a:font script="Gujr" typeface="Shruti"/>
+        <a:font script="Khmr" typeface="MoolBoran"/>
+        <a:font script="Knda" typeface="Tunga"/>
+        <a:font script="Guru" typeface="Raavi"/>
+        <a:font script="Cans" typeface="Euphemia"/>
+        <a:font script="Cher" typeface="Plantagenet Cherokee"/>
+        <a:font script="Yiii" typeface="Microsoft Yi Baiti"/>
+        <a:font script="Tibt" typeface="Microsoft Himalaya"/>
+        <a:font script="Thaa" typeface="MV Boli"/>
+        <a:font script="Deva" typeface="Mangal"/>
+        <a:font script="Telu" typeface="Gautami"/>
+        <a:font script="Taml" typeface="Latha"/>
+        <a:font script="Syrc" typeface="Estrangelo Edessa"/>
+        <a:font script="Orya" typeface="Kalinga"/>
+        <a:font script="Mlym" typeface="Kartika"/>
+        <a:font script="Laoo" typeface="DokChampa"/>
+        <a:font script="Sinh" typeface="Iskoola Pota"/>
+        <a:font script="Mong" typeface="Mongolian Baiti"/>
+        <a:font script="Viet" typeface="Times New Roman"/>
+        <a:font script="Uigh" typeface="Microsoft Uighur"/>
+        <a:font script="Geor" typeface="Sylfaen"/>
+        <a:font script="Armn" typeface="Arial"/>
+        <a:font script="Bugi" typeface="Leelawadee UI"/>
+        <a:font script="Bopo" typeface="Microsoft JhengHei"/>
+        <a:font script="Java" typeface="Javanese Text"/>
+        <a:font script="Lisu" typeface="Segoe UI"/>
+        <a:font script="Mymr" typeface="Myanmar Text"/>
+        <a:font script="Nkoo" typeface="Ebrima"/>
+        <a:font script="Olck" typeface="Nirmala UI"/>
+        <a:font script="Osma" typeface="Ebrima"/>
+        <a:font script="Phag" typeface="Phagspa"/>
+        <a:font script="Syrn" typeface="Estrangelo Edessa"/>
+        <a:font script="Syrj" typeface="Estrangelo Edessa"/>
+        <a:font script="Syre" typeface="Estrangelo Edessa"/>
+        <a:font script="Sora" typeface="Nirmala UI"/>
+        <a:font script="Tale" typeface="Microsoft Tai Le"/>
+        <a:font script="Talu" typeface="Microsoft New Tai Lue"/>
+        <a:font script="Tfng" typeface="Ebrima"/>
+      </a:majorFont>
+      <a:minorFont>
+        <a:latin typeface="Aptos" panose="02110004020202020204"/>
+        <a:ea typeface=""/>
+        <a:cs typeface=""/>
+        <a:font script="Jpan" typeface="游ゴシック"/>
+        <a:font script="Hang" typeface="맑은 고딕"/>
+        <a:font script="Hans" typeface="等线"/>
+        <a:font script="Hant" typeface="新細明體"/>
+        <a:font script="Arab" typeface="Arial"/>
+        <a:font script="Hebr" typeface="Arial"/>
+        <a:font script="Thai" typeface="Cordia New"/>
+        <a:font script="Ethi" typeface="Nyala"/>
+        <a:font script="Beng" typeface="Vrinda"/>
+        <a:font script="Gujr" typeface="Shruti"/>
+        <a:font script="Khmr" typeface="DaunPenh"/>
+        <a:font script="Knda" typeface="Tunga"/>
+        <a:font script="Guru" typeface="Raavi"/>
+        <a:font script="Cans" typeface="Euphemia"/>
+        <a:font script="Cher" typeface="Plantagenet Cherokee"/>
+        <a:font script="Yiii" typeface="Microsoft Yi Baiti"/>
+        <a:font script="Tibt" typeface="Microsoft Himalaya"/>
+        <a:font script="Thaa" typeface="MV Boli"/>
+        <a:font script="Deva" typeface="Mangal"/>
+        <a:font script="Telu" typeface="Gautami"/>
+        <a:font script="Taml" typeface="Latha"/>
+        <a:font script="Syrc" typeface="Estrangelo Edessa"/>
+        <a:font script="Orya" typeface="Kalinga"/>
+        <a:font script="Mlym" typeface="Kartika"/>
+        <a:font script="Laoo" typeface="DokChampa"/>
+        <a:font script="Sinh" typeface="Iskoola Pota"/>
+        <a:font script="Mong" typeface="Mongolian Baiti"/>
+        <a:font script="Viet" typeface="Arial"/>
+        <a:font script="Uigh" typeface="Microsoft Uighur"/>
+        <a:font script="Geor" typeface="Sylfaen"/>
+        <a:font script="Armn" typeface="Arial"/>
+        <a:font script="Bugi" typeface="Leelawadee UI"/>
+        <a:font script="Bopo" typeface="Microsoft JhengHei"/>
+        <a:font script="Java" typeface="Javanese Text"/>
+        <a:font script="Lisu" typeface="Segoe UI"/>
+        <a:font script="Mymr" typeface="Myanmar Text"/>
+        <a:font script="Nkoo" typeface="Ebrima"/>
+        <a:font script="Olck" typeface="Nirmala UI"/>
+        <a:font script="Osma" typeface="Ebrima"/>
+        <a:font script="Phag" typeface="Phagspa"/>
+        <a:font script="Syrn" typeface="Estrangelo Edessa"/>
+        <a:font script="Syrj" typeface="Estrangelo Edessa"/>
+        <a:font script="Syre" typeface="Estrangelo Edessa"/>
+        <a:font script="Sora" typeface="Nirmala UI"/>
+        <a:font script="Tale" typeface="Microsoft Tai Le"/>
+        <a:font script="Talu" typeface="Microsoft New Tai Lue"/>
+        <a:font script="Tfng" typeface="Ebrima"/>
+      </a:minorFont>
+    </a:fontScheme>
+    <a:fmtScheme name="Office">
+      <a:fillStyleLst>
+        <a:solidFill>
+          <a:schemeClr val="phClr"/>
+        </a:solidFill>
+        <a:gradFill rotWithShape="1">
+          <a:gsLst>
+            <a:gs pos="0">
+              <a:schemeClr val="phClr">
+                <a:lumMod val="110000"/>
+                <a:satMod val="105000"/>
+                <a:tint val="67000"/>
+              </a:schemeClr>
+            </a:gs>
+            <a:gs pos="50000">
+              <a:schemeClr val="phClr">
+                <a:lumMod val="105000"/>
+                <a:satMod val="103000"/>
+                <a:tint val="73000"/>
+              </a:schemeClr>
+            </a:gs>
+            <a:gs pos="100000">
+              <a:schemeClr val="phClr">
+                <a:lumMod val="105000"/>
+                <a:satMod val="109000"/>
+                <a:tint val="81000"/>
+              </a:schemeClr>
+            </a:gs>
+          </a:gsLst>
+          <a:lin ang="5400000" scaled="0"/>
+        </a:gradFill>
+        <a:gradFill rotWithShape="1">
+          <a:gsLst>
+            <a:gs pos="0">
+              <a:schemeClr val="phClr">
+                <a:satMod val="103000"/>
+                <a:lumMod val="102000"/>
+                <a:tint val="94000"/>
+              </a:schemeClr>
+            </a:gs>
+            <a:gs pos="50000">
+              <a:schemeClr val="phClr">
+                <a:satMod val="110000"/>
+                <a:lumMod val="100000"/>
+                <a:shade val="100000"/>
+              </a:schemeClr>
+            </a:gs>
+            <a:gs pos="100000">
+              <a:schemeClr val="phClr">
+                <a:lumMod val="99000"/>
+                <a:satMod val="120000"/>
+                <a:shade val="78000"/>
+              </a:schemeClr>
+            </a:gs>
+          </a:gsLst>
+          <a:lin ang="5400000" scaled="0"/>
+        </a:gradFill>
+      </a:fillStyleLst>
+      <a:lnStyleLst>
+        <a:ln w="12700" cap="flat" cmpd="sng" algn="ctr">
+          <a:solidFill>
+            <a:schemeClr val="phClr"/>
+          </a:solidFill>
+          <a:prstDash val="solid"/>
+          <a:miter lim="800000"/>
+        </a:ln>
+        <a:ln w="19050" cap="flat" cmpd="sng" algn="ctr">
+          <a:solidFill>
+            <a:schemeClr val="phClr"/>
+          </a:solidFill>
+          <a:prstDash val="solid"/>
+          <a:miter lim="800000"/>
+        </a:ln>
+        <a:ln w="25400" cap="flat" cmpd="sng" algn="ctr">
+          <a:solidFill>
+            <a:schemeClr val="phClr"/>
+          </a:solidFill>
+          <a:prstDash val="solid"/>
+          <a:miter lim="800000"/>
+        </a:ln>
+      </a:lnStyleLst>
+      <a:effectStyleLst>
+        <a:effectStyle>
+          <a:effectLst/>
+        </a:effectStyle>
+        <a:effectStyle>
+          <a:effectLst/>
+        </a:effectStyle>
+        <a:effectStyle>
+          <a:effectLst>
+            <a:outerShdw blurRad="57150" dist="19050" dir="5400000" algn="ctr" rotWithShape="0">
+              <a:srgbClr val="000000">
+                <a:alpha val="63000"/>
+              </a:srgbClr>
+            </a:outerShdw>
+          </a:effectLst>
+        </a:effectStyle>
+      </a:effectStyleLst>
+      <a:bgFillStyleLst>
+        <a:solidFill>
+          <a:schemeClr val="phClr"/>
+        </a:solidFill>
+        <a:solidFill>
+          <a:schemeClr val="phClr">
+            <a:tint val="95000"/>
+            <a:satMod val="170000"/>
+          </a:schemeClr>
+        </a:solidFill>
+        <a:gradFill rotWithShape="1">
+          <a:gsLst>
+            <a:gs pos="0">
+              <a:schemeClr val="phClr">
+                <a:tint val="93000"/>
+                <a:satMod val="150000"/>
+                <a:shade val="98000"/>
+                <a:lumMod val="102000"/>
+              </a:schemeClr>
+            </a:gs>
+            <a:gs pos="50000">
+              <a:schemeClr val="phClr">
+                <a:tint val="98000"/>
+                <a:satMod val="130000"/>
+                <a:shade val="90000"/>
+                <a:lumMod val="103000"/>
+              </a:schemeClr>
+            </a:gs>
+            <a:gs pos="100000">
+              <a:schemeClr val="phClr">
+                <a:shade val="63000"/>
+                <a:satMod val="120000"/>
+              </a:schemeClr>
+            </a:gs>
+          </a:gsLst>
+          <a:lin ang="5400000" scaled="0"/>
+        </a:gradFill>
+      </a:bgFillStyleLst>
+    </a:fmtScheme>
+  </a:themeElements>
+  <a:objectDefaults>
+    <a:lnDef>
+      <a:spPr/>
+      <a:bodyPr/>
+      <a:lstStyle/>
+      <a:style>
+        <a:lnRef idx="2">
+          <a:schemeClr val="accent1"/>
+        </a:lnRef>
+        <a:fillRef idx="0">
+          <a:schemeClr val="accent1"/>
+        </a:fillRef>
+        <a:effectRef idx="1">
+          <a:schemeClr val="accent1"/>
+        </a:effectRef>
+        <a:fontRef idx="minor">
+          <a:schemeClr val="tx1"/>
+        </a:fontRef>
+      </a:style>
+    </a:lnDef>
+  </a:objectDefaults>
+  <a:extraClrSchemeLst/>
+  <a:extLst>
+    <a:ext uri="{05A4C25C-085E-4340-85A3-A5531E510DB2}">
+      <thm15:themeFamily xmlns:thm15="http://schemas.microsoft.com/office/thememl/2012/main" name="Office Theme" id="{2E142A2C-CD16-42D6-873A-C26D2A0506FA}" vid="{1BDDFF52-6CD6-40A5-AB3C-68EB2F1E4D0A}"/>
+    </a:ext>
+  </a:extLst>
+</a:theme>
 </file>
--- a/Radiation and Atmosphere Interaction/Report 0/ΕργασίαΜηδέν.pptx
+++ b/Radiation and Atmosphere Interaction/Report 0/ΕργασίαΜηδέν.pptx
@@ -10,9 +10,9 @@
   <p:sldIdLst>
     <p:sldId id="256" r:id="rId2"/>
     <p:sldId id="262" r:id="rId3"/>
-    <p:sldId id="263" r:id="rId4"/>
-    <p:sldId id="264" r:id="rId5"/>
-    <p:sldId id="265" r:id="rId6"/>
+    <p:sldId id="264" r:id="rId4"/>
+    <p:sldId id="265" r:id="rId5"/>
+    <p:sldId id="263" r:id="rId6"/>
     <p:sldId id="266" r:id="rId7"/>
     <p:sldId id="267" r:id="rId8"/>
     <p:sldId id="268" r:id="rId9"/>
@@ -8503,10 +8503,10 @@
       </p:grpSpPr>
       <p:pic>
         <p:nvPicPr>
-          <p:cNvPr id="2" name="Picture 2">
-            <a:extLst>
-              <a:ext uri="{FF2B5EF4-FFF2-40B4-BE49-F238E27FC236}">
-                <a16:creationId xmlns:a16="http://schemas.microsoft.com/office/drawing/2014/main" id="{17E44B67-E115-3C98-B09A-649C2FBF1AF3}"/>
+          <p:cNvPr id="2050" name="Picture 2">
+            <a:extLst>
+              <a:ext uri="{FF2B5EF4-FFF2-40B4-BE49-F238E27FC236}">
+                <a16:creationId xmlns:a16="http://schemas.microsoft.com/office/drawing/2014/main" id="{49478C29-5474-09E8-17E0-0C039A55B819}"/>
               </a:ext>
             </a:extLst>
           </p:cNvPr>
@@ -8530,7 +8530,7 @@
         </p:blipFill>
         <p:spPr bwMode="auto">
           <a:xfrm>
-            <a:off x="8049813" y="3624696"/>
+            <a:off x="7927256" y="3511720"/>
             <a:ext cx="3297985" cy="3333600"/>
           </a:xfrm>
           <a:prstGeom prst="rect">
@@ -8550,10 +8550,10 @@
       </p:pic>
       <p:pic>
         <p:nvPicPr>
-          <p:cNvPr id="3" name="Picture 4">
-            <a:extLst>
-              <a:ext uri="{FF2B5EF4-FFF2-40B4-BE49-F238E27FC236}">
-                <a16:creationId xmlns:a16="http://schemas.microsoft.com/office/drawing/2014/main" id="{15A88BF9-8D5C-5101-16ED-9B705114694F}"/>
+          <p:cNvPr id="2052" name="Picture 4">
+            <a:extLst>
+              <a:ext uri="{FF2B5EF4-FFF2-40B4-BE49-F238E27FC236}">
+                <a16:creationId xmlns:a16="http://schemas.microsoft.com/office/drawing/2014/main" id="{5FEC10A5-476D-B4D0-52CB-CA70A0C7D0D2}"/>
               </a:ext>
             </a:extLst>
           </p:cNvPr>
@@ -8577,8 +8577,8 @@
         </p:blipFill>
         <p:spPr bwMode="auto">
           <a:xfrm>
-            <a:off x="-15525" y="3382673"/>
-            <a:ext cx="3297984" cy="3333600"/>
+            <a:off x="140999" y="95400"/>
+            <a:ext cx="3297985" cy="3333600"/>
           </a:xfrm>
           <a:prstGeom prst="rect">
             <a:avLst/>
@@ -8597,10 +8597,10 @@
       </p:pic>
       <p:pic>
         <p:nvPicPr>
-          <p:cNvPr id="1030" name="Picture 6">
-            <a:extLst>
-              <a:ext uri="{FF2B5EF4-FFF2-40B4-BE49-F238E27FC236}">
-                <a16:creationId xmlns:a16="http://schemas.microsoft.com/office/drawing/2014/main" id="{18EF911D-706C-C0E3-B6B6-86C4011FC415}"/>
+          <p:cNvPr id="2054" name="Picture 6">
+            <a:extLst>
+              <a:ext uri="{FF2B5EF4-FFF2-40B4-BE49-F238E27FC236}">
+                <a16:creationId xmlns:a16="http://schemas.microsoft.com/office/drawing/2014/main" id="{56D54D7A-BF5D-EF8A-AD13-B9DCDDBC2287}"/>
               </a:ext>
             </a:extLst>
           </p:cNvPr>
@@ -8624,8 +8624,8 @@
         </p:blipFill>
         <p:spPr bwMode="auto">
           <a:xfrm>
-            <a:off x="3418406" y="3382673"/>
-            <a:ext cx="3298702" cy="3334325"/>
+            <a:off x="3438984" y="95400"/>
+            <a:ext cx="3297985" cy="3333600"/>
           </a:xfrm>
           <a:prstGeom prst="rect">
             <a:avLst/>
@@ -8644,10 +8644,10 @@
       </p:pic>
       <p:pic>
         <p:nvPicPr>
-          <p:cNvPr id="1032" name="Picture 8">
-            <a:extLst>
-              <a:ext uri="{FF2B5EF4-FFF2-40B4-BE49-F238E27FC236}">
-                <a16:creationId xmlns:a16="http://schemas.microsoft.com/office/drawing/2014/main" id="{940C1648-994B-2E6A-8F20-D7750C455923}"/>
+          <p:cNvPr id="2056" name="Picture 8">
+            <a:extLst>
+              <a:ext uri="{FF2B5EF4-FFF2-40B4-BE49-F238E27FC236}">
+                <a16:creationId xmlns:a16="http://schemas.microsoft.com/office/drawing/2014/main" id="{D4ECA96C-F0CC-B8D6-C5D6-9AEFBD8A358F}"/>
               </a:ext>
             </a:extLst>
           </p:cNvPr>
@@ -8671,8 +8671,8 @@
         </p:blipFill>
         <p:spPr bwMode="auto">
           <a:xfrm>
-            <a:off x="36574" y="94675"/>
-            <a:ext cx="3298702" cy="3334325"/>
+            <a:off x="140999" y="3429000"/>
+            <a:ext cx="3297985" cy="3333600"/>
           </a:xfrm>
           <a:prstGeom prst="rect">
             <a:avLst/>
@@ -8691,10 +8691,10 @@
       </p:pic>
       <p:pic>
         <p:nvPicPr>
-          <p:cNvPr id="1034" name="Picture 10">
-            <a:extLst>
-              <a:ext uri="{FF2B5EF4-FFF2-40B4-BE49-F238E27FC236}">
-                <a16:creationId xmlns:a16="http://schemas.microsoft.com/office/drawing/2014/main" id="{F730E4B3-49BE-D42E-6F7F-D3A0CAD5A0BC}"/>
+          <p:cNvPr id="2058" name="Picture 10">
+            <a:extLst>
+              <a:ext uri="{FF2B5EF4-FFF2-40B4-BE49-F238E27FC236}">
+                <a16:creationId xmlns:a16="http://schemas.microsoft.com/office/drawing/2014/main" id="{214BD14B-41CD-D9C1-790B-484E8D69D5A4}"/>
               </a:ext>
             </a:extLst>
           </p:cNvPr>
@@ -8718,8 +8718,8 @@
         </p:blipFill>
         <p:spPr bwMode="auto">
           <a:xfrm>
-            <a:off x="3418405" y="94675"/>
-            <a:ext cx="3298702" cy="3334325"/>
+            <a:off x="3438983" y="3429000"/>
+            <a:ext cx="3297985" cy="3333600"/>
           </a:xfrm>
           <a:prstGeom prst="rect">
             <a:avLst/>
@@ -8741,7 +8741,7 @@
           <p:cNvPr id="4" name="TextBox 3">
             <a:extLst>
               <a:ext uri="{FF2B5EF4-FFF2-40B4-BE49-F238E27FC236}">
-                <a16:creationId xmlns:a16="http://schemas.microsoft.com/office/drawing/2014/main" id="{E01AFD62-E206-76B8-D6FC-F395A2479B87}"/>
+                <a16:creationId xmlns:a16="http://schemas.microsoft.com/office/drawing/2014/main" id="{98B3A79E-D54D-B085-9881-8D2B5182837E}"/>
               </a:ext>
             </a:extLst>
           </p:cNvPr>
@@ -8750,8 +8750,8 @@
         </p:nvSpPr>
         <p:spPr>
           <a:xfrm>
-            <a:off x="7148945" y="277091"/>
-            <a:ext cx="4479637" cy="369332"/>
+            <a:off x="6890327" y="95400"/>
+            <a:ext cx="5160674" cy="3416320"/>
           </a:xfrm>
           <a:prstGeom prst="rect">
             <a:avLst/>
@@ -8765,8 +8765,24 @@
           <a:lstStyle/>
           <a:p>
             <a:r>
+              <a:rPr lang="el-GR" dirty="0"/>
+              <a:t>Τα διαγράμματα θερμοκρασίας – ύψους μας φανερώνουν τα όρια της τροπόσφαιρας καθώς εκεί είναι που παρατηρείται θερμοκρασιακή αναστροφή. Από την θεωρία γνωρίζουμε ότι η τροπόσφαιρα εκτείνεται υψηλότερα στους τροπικούς και οι παρακάτω γραφικές μας το επιβεβαιώνουν καθώς παρατηρούμε ότι στους τροπικούς η τροπόσφαιρα εντοπίζεται λίγο χαμηλότερα από τα 20 </a:t>
+            </a:r>
+            <a:r>
               <a:rPr lang="en-US" dirty="0"/>
-              <a:t>pressure</a:t>
+              <a:t>km </a:t>
+            </a:r>
+            <a:r>
+              <a:rPr lang="el-GR" dirty="0"/>
+              <a:t>ενώ στα μέσα και </a:t>
+            </a:r>
+            <a:r>
+              <a:rPr lang="el-GR" dirty="0" err="1"/>
+              <a:t>υποαρκτικά</a:t>
+            </a:r>
+            <a:r>
+              <a:rPr lang="el-GR" dirty="0"/>
+              <a:t> πλάτη η τροπόπαυση παρατηρείται σε χαμηλότερο υψόμετρο. Από τις γραφικές είναι πολύ εύκολος και ο προσδιορισμός των υπολοίπων στρωμάτων της ατμόσφαιρας.</a:t>
             </a:r>
             <a:endParaRPr lang="en-GB" dirty="0"/>
           </a:p>
@@ -8775,7 +8791,7 @@
     </p:spTree>
     <p:extLst>
       <p:ext uri="{BB962C8B-B14F-4D97-AF65-F5344CB8AC3E}">
-        <p14:creationId xmlns:p14="http://schemas.microsoft.com/office/powerpoint/2010/main" val="3897811144"/>
+        <p14:creationId xmlns:p14="http://schemas.microsoft.com/office/powerpoint/2010/main" val="4253989659"/>
       </p:ext>
     </p:extLst>
   </p:cSld>
@@ -8804,10 +8820,10 @@
       </p:grpSpPr>
       <p:pic>
         <p:nvPicPr>
-          <p:cNvPr id="2050" name="Picture 2">
-            <a:extLst>
-              <a:ext uri="{FF2B5EF4-FFF2-40B4-BE49-F238E27FC236}">
-                <a16:creationId xmlns:a16="http://schemas.microsoft.com/office/drawing/2014/main" id="{49478C29-5474-09E8-17E0-0C039A55B819}"/>
+          <p:cNvPr id="3074" name="Picture 2">
+            <a:extLst>
+              <a:ext uri="{FF2B5EF4-FFF2-40B4-BE49-F238E27FC236}">
+                <a16:creationId xmlns:a16="http://schemas.microsoft.com/office/drawing/2014/main" id="{A1BF6825-9095-88E2-07C1-15124C2AE3DD}"/>
               </a:ext>
             </a:extLst>
           </p:cNvPr>
@@ -8831,7 +8847,7 @@
         </p:blipFill>
         <p:spPr bwMode="auto">
           <a:xfrm>
-            <a:off x="7927256" y="3429000"/>
+            <a:off x="7825943" y="3429000"/>
             <a:ext cx="3297985" cy="3333600"/>
           </a:xfrm>
           <a:prstGeom prst="rect">
@@ -8851,10 +8867,10 @@
       </p:pic>
       <p:pic>
         <p:nvPicPr>
-          <p:cNvPr id="2052" name="Picture 4">
-            <a:extLst>
-              <a:ext uri="{FF2B5EF4-FFF2-40B4-BE49-F238E27FC236}">
-                <a16:creationId xmlns:a16="http://schemas.microsoft.com/office/drawing/2014/main" id="{5FEC10A5-476D-B4D0-52CB-CA70A0C7D0D2}"/>
+          <p:cNvPr id="3076" name="Picture 4">
+            <a:extLst>
+              <a:ext uri="{FF2B5EF4-FFF2-40B4-BE49-F238E27FC236}">
+                <a16:creationId xmlns:a16="http://schemas.microsoft.com/office/drawing/2014/main" id="{DEEBDD54-C508-991F-114C-E538F6F72509}"/>
               </a:ext>
             </a:extLst>
           </p:cNvPr>
@@ -8878,7 +8894,7 @@
         </p:blipFill>
         <p:spPr bwMode="auto">
           <a:xfrm>
-            <a:off x="140999" y="95400"/>
+            <a:off x="113290" y="95400"/>
             <a:ext cx="3297985" cy="3333600"/>
           </a:xfrm>
           <a:prstGeom prst="rect">
@@ -8898,10 +8914,10 @@
       </p:pic>
       <p:pic>
         <p:nvPicPr>
-          <p:cNvPr id="2054" name="Picture 6">
-            <a:extLst>
-              <a:ext uri="{FF2B5EF4-FFF2-40B4-BE49-F238E27FC236}">
-                <a16:creationId xmlns:a16="http://schemas.microsoft.com/office/drawing/2014/main" id="{56D54D7A-BF5D-EF8A-AD13-B9DCDDBC2287}"/>
+          <p:cNvPr id="3078" name="Picture 6">
+            <a:extLst>
+              <a:ext uri="{FF2B5EF4-FFF2-40B4-BE49-F238E27FC236}">
+                <a16:creationId xmlns:a16="http://schemas.microsoft.com/office/drawing/2014/main" id="{AF1224EC-5081-9D49-0E47-1C2C7DD66FEC}"/>
               </a:ext>
             </a:extLst>
           </p:cNvPr>
@@ -8925,7 +8941,7 @@
         </p:blipFill>
         <p:spPr bwMode="auto">
           <a:xfrm>
-            <a:off x="3438984" y="95400"/>
+            <a:off x="3411275" y="95400"/>
             <a:ext cx="3297985" cy="3333600"/>
           </a:xfrm>
           <a:prstGeom prst="rect">
@@ -8945,10 +8961,10 @@
       </p:pic>
       <p:pic>
         <p:nvPicPr>
-          <p:cNvPr id="2056" name="Picture 8">
-            <a:extLst>
-              <a:ext uri="{FF2B5EF4-FFF2-40B4-BE49-F238E27FC236}">
-                <a16:creationId xmlns:a16="http://schemas.microsoft.com/office/drawing/2014/main" id="{D4ECA96C-F0CC-B8D6-C5D6-9AEFBD8A358F}"/>
+          <p:cNvPr id="3080" name="Picture 8">
+            <a:extLst>
+              <a:ext uri="{FF2B5EF4-FFF2-40B4-BE49-F238E27FC236}">
+                <a16:creationId xmlns:a16="http://schemas.microsoft.com/office/drawing/2014/main" id="{3E95BB1D-0D39-B8DD-3781-014F3E84FE4A}"/>
               </a:ext>
             </a:extLst>
           </p:cNvPr>
@@ -8972,7 +8988,7 @@
         </p:blipFill>
         <p:spPr bwMode="auto">
           <a:xfrm>
-            <a:off x="140999" y="3429000"/>
+            <a:off x="113290" y="3429000"/>
             <a:ext cx="3297985" cy="3333600"/>
           </a:xfrm>
           <a:prstGeom prst="rect">
@@ -8992,10 +9008,10 @@
       </p:pic>
       <p:pic>
         <p:nvPicPr>
-          <p:cNvPr id="2058" name="Picture 10">
-            <a:extLst>
-              <a:ext uri="{FF2B5EF4-FFF2-40B4-BE49-F238E27FC236}">
-                <a16:creationId xmlns:a16="http://schemas.microsoft.com/office/drawing/2014/main" id="{214BD14B-41CD-D9C1-790B-484E8D69D5A4}"/>
+          <p:cNvPr id="3082" name="Picture 10">
+            <a:extLst>
+              <a:ext uri="{FF2B5EF4-FFF2-40B4-BE49-F238E27FC236}">
+                <a16:creationId xmlns:a16="http://schemas.microsoft.com/office/drawing/2014/main" id="{62418567-D430-3BD1-5464-E405C133CE5B}"/>
               </a:ext>
             </a:extLst>
           </p:cNvPr>
@@ -9019,7 +9035,7 @@
         </p:blipFill>
         <p:spPr bwMode="auto">
           <a:xfrm>
-            <a:off x="3438983" y="3429000"/>
+            <a:off x="3411274" y="3429000"/>
             <a:ext cx="3297985" cy="3333600"/>
           </a:xfrm>
           <a:prstGeom prst="rect">
@@ -9037,10 +9053,62 @@
           </a:extLst>
         </p:spPr>
       </p:pic>
+      <p:sp>
+        <p:nvSpPr>
+          <p:cNvPr id="2" name="TextBox 1">
+            <a:extLst>
+              <a:ext uri="{FF2B5EF4-FFF2-40B4-BE49-F238E27FC236}">
+                <a16:creationId xmlns:a16="http://schemas.microsoft.com/office/drawing/2014/main" id="{4E61B2C6-11F1-DB6A-874D-15606D3DFAC4}"/>
+              </a:ext>
+            </a:extLst>
+          </p:cNvPr>
+          <p:cNvSpPr txBox="1"/>
+          <p:nvPr/>
+        </p:nvSpPr>
+        <p:spPr>
+          <a:xfrm>
+            <a:off x="6886991" y="192539"/>
+            <a:ext cx="5175887" cy="3139321"/>
+          </a:xfrm>
+          <a:prstGeom prst="rect">
+            <a:avLst/>
+          </a:prstGeom>
+          <a:noFill/>
+        </p:spPr>
+        <p:txBody>
+          <a:bodyPr wrap="square" rtlCol="0">
+            <a:spAutoFit/>
+          </a:bodyPr>
+          <a:lstStyle/>
+          <a:p>
+            <a:r>
+              <a:rPr lang="el-GR" dirty="0"/>
+              <a:t>Γνωρίζουμε ότι το μεγαλύτερο ποσοστό του όζοντος βρίσκεται στην στρατόσφαιρα (15-50</a:t>
+            </a:r>
+            <a:r>
+              <a:rPr lang="en-US" dirty="0"/>
+              <a:t>km</a:t>
+            </a:r>
+            <a:r>
+              <a:rPr lang="el-GR" dirty="0"/>
+              <a:t>) κάτι που επιβεβαιώνεται σε όλες τις γραφικές. Πάνω από τον Ισημερινό, αναμένουμε μικρότερες τιμές λόγω της μεταφοράς αερίων μαζών προς τους πόλους. Επίσης, λόγω της χρονικής μεταβολής της ηλιακής δραστηριότητας μέσα στον χρόνο, αναμένουμε μεγαλύτερες τιμές συγκέντρωσης κατά το χειμώνα κάτι που επίσης βλέπουμε στις γραφικές αν συγκρίνουμε για το ίδιο πλάτος τις τιμές στον άξονα </a:t>
+            </a:r>
+            <a:r>
+              <a:rPr lang="en-US" dirty="0"/>
+              <a:t>x </a:t>
+            </a:r>
+            <a:r>
+              <a:rPr lang="el-GR" dirty="0"/>
+              <a:t>για κάθε εποχή.</a:t>
+            </a:r>
+            <a:endParaRPr lang="en-GB" dirty="0"/>
+          </a:p>
+        </p:txBody>
+      </p:sp>
     </p:spTree>
     <p:extLst>
       <p:ext uri="{BB962C8B-B14F-4D97-AF65-F5344CB8AC3E}">
-        <p14:creationId xmlns:p14="http://schemas.microsoft.com/office/powerpoint/2010/main" val="4253989659"/>
+        <p14:creationId xmlns:p14="http://schemas.microsoft.com/office/powerpoint/2010/main" val="3494796993"/>
       </p:ext>
     </p:extLst>
   </p:cSld>
@@ -9069,10 +9137,10 @@
       </p:grpSpPr>
       <p:pic>
         <p:nvPicPr>
-          <p:cNvPr id="3074" name="Picture 2">
-            <a:extLst>
-              <a:ext uri="{FF2B5EF4-FFF2-40B4-BE49-F238E27FC236}">
-                <a16:creationId xmlns:a16="http://schemas.microsoft.com/office/drawing/2014/main" id="{A1BF6825-9095-88E2-07C1-15124C2AE3DD}"/>
+          <p:cNvPr id="2" name="Picture 2">
+            <a:extLst>
+              <a:ext uri="{FF2B5EF4-FFF2-40B4-BE49-F238E27FC236}">
+                <a16:creationId xmlns:a16="http://schemas.microsoft.com/office/drawing/2014/main" id="{17E44B67-E115-3C98-B09A-649C2FBF1AF3}"/>
               </a:ext>
             </a:extLst>
           </p:cNvPr>
@@ -9096,7 +9164,7 @@
         </p:blipFill>
         <p:spPr bwMode="auto">
           <a:xfrm>
-            <a:off x="7825943" y="3429000"/>
+            <a:off x="8049813" y="3624696"/>
             <a:ext cx="3297985" cy="3333600"/>
           </a:xfrm>
           <a:prstGeom prst="rect">
@@ -9116,10 +9184,10 @@
       </p:pic>
       <p:pic>
         <p:nvPicPr>
-          <p:cNvPr id="3076" name="Picture 4">
-            <a:extLst>
-              <a:ext uri="{FF2B5EF4-FFF2-40B4-BE49-F238E27FC236}">
-                <a16:creationId xmlns:a16="http://schemas.microsoft.com/office/drawing/2014/main" id="{DEEBDD54-C508-991F-114C-E538F6F72509}"/>
+          <p:cNvPr id="3" name="Picture 4">
+            <a:extLst>
+              <a:ext uri="{FF2B5EF4-FFF2-40B4-BE49-F238E27FC236}">
+                <a16:creationId xmlns:a16="http://schemas.microsoft.com/office/drawing/2014/main" id="{15A88BF9-8D5C-5101-16ED-9B705114694F}"/>
               </a:ext>
             </a:extLst>
           </p:cNvPr>
@@ -9143,8 +9211,8 @@
         </p:blipFill>
         <p:spPr bwMode="auto">
           <a:xfrm>
-            <a:off x="113290" y="95400"/>
-            <a:ext cx="3297985" cy="3333600"/>
+            <a:off x="-15525" y="3382673"/>
+            <a:ext cx="3297984" cy="3333600"/>
           </a:xfrm>
           <a:prstGeom prst="rect">
             <a:avLst/>
@@ -9163,10 +9231,10 @@
       </p:pic>
       <p:pic>
         <p:nvPicPr>
-          <p:cNvPr id="3078" name="Picture 6">
-            <a:extLst>
-              <a:ext uri="{FF2B5EF4-FFF2-40B4-BE49-F238E27FC236}">
-                <a16:creationId xmlns:a16="http://schemas.microsoft.com/office/drawing/2014/main" id="{AF1224EC-5081-9D49-0E47-1C2C7DD66FEC}"/>
+          <p:cNvPr id="1030" name="Picture 6">
+            <a:extLst>
+              <a:ext uri="{FF2B5EF4-FFF2-40B4-BE49-F238E27FC236}">
+                <a16:creationId xmlns:a16="http://schemas.microsoft.com/office/drawing/2014/main" id="{18EF911D-706C-C0E3-B6B6-86C4011FC415}"/>
               </a:ext>
             </a:extLst>
           </p:cNvPr>
@@ -9190,8 +9258,8 @@
         </p:blipFill>
         <p:spPr bwMode="auto">
           <a:xfrm>
-            <a:off x="3411275" y="95400"/>
-            <a:ext cx="3297985" cy="3333600"/>
+            <a:off x="3418406" y="3382673"/>
+            <a:ext cx="3298702" cy="3334325"/>
           </a:xfrm>
           <a:prstGeom prst="rect">
             <a:avLst/>
@@ -9210,10 +9278,10 @@
       </p:pic>
       <p:pic>
         <p:nvPicPr>
-          <p:cNvPr id="3080" name="Picture 8">
-            <a:extLst>
-              <a:ext uri="{FF2B5EF4-FFF2-40B4-BE49-F238E27FC236}">
-                <a16:creationId xmlns:a16="http://schemas.microsoft.com/office/drawing/2014/main" id="{3E95BB1D-0D39-B8DD-3781-014F3E84FE4A}"/>
+          <p:cNvPr id="1032" name="Picture 8">
+            <a:extLst>
+              <a:ext uri="{FF2B5EF4-FFF2-40B4-BE49-F238E27FC236}">
+                <a16:creationId xmlns:a16="http://schemas.microsoft.com/office/drawing/2014/main" id="{940C1648-994B-2E6A-8F20-D7750C455923}"/>
               </a:ext>
             </a:extLst>
           </p:cNvPr>
@@ -9237,8 +9305,8 @@
         </p:blipFill>
         <p:spPr bwMode="auto">
           <a:xfrm>
-            <a:off x="113290" y="3429000"/>
-            <a:ext cx="3297985" cy="3333600"/>
+            <a:off x="36574" y="94675"/>
+            <a:ext cx="3298702" cy="3334325"/>
           </a:xfrm>
           <a:prstGeom prst="rect">
             <a:avLst/>
@@ -9257,10 +9325,10 @@
       </p:pic>
       <p:pic>
         <p:nvPicPr>
-          <p:cNvPr id="3082" name="Picture 10">
-            <a:extLst>
-              <a:ext uri="{FF2B5EF4-FFF2-40B4-BE49-F238E27FC236}">
-                <a16:creationId xmlns:a16="http://schemas.microsoft.com/office/drawing/2014/main" id="{62418567-D430-3BD1-5464-E405C133CE5B}"/>
+          <p:cNvPr id="1034" name="Picture 10">
+            <a:extLst>
+              <a:ext uri="{FF2B5EF4-FFF2-40B4-BE49-F238E27FC236}">
+                <a16:creationId xmlns:a16="http://schemas.microsoft.com/office/drawing/2014/main" id="{F730E4B3-49BE-D42E-6F7F-D3A0CAD5A0BC}"/>
               </a:ext>
             </a:extLst>
           </p:cNvPr>
@@ -9284,8 +9352,8 @@
         </p:blipFill>
         <p:spPr bwMode="auto">
           <a:xfrm>
-            <a:off x="3411274" y="3429000"/>
-            <a:ext cx="3297985" cy="3333600"/>
+            <a:off x="3418405" y="94675"/>
+            <a:ext cx="3298702" cy="3334325"/>
           </a:xfrm>
           <a:prstGeom prst="rect">
             <a:avLst/>
@@ -9302,10 +9370,46 @@
           </a:extLst>
         </p:spPr>
       </p:pic>
+      <p:sp>
+        <p:nvSpPr>
+          <p:cNvPr id="4" name="TextBox 3">
+            <a:extLst>
+              <a:ext uri="{FF2B5EF4-FFF2-40B4-BE49-F238E27FC236}">
+                <a16:creationId xmlns:a16="http://schemas.microsoft.com/office/drawing/2014/main" id="{E01AFD62-E206-76B8-D6FC-F395A2479B87}"/>
+              </a:ext>
+            </a:extLst>
+          </p:cNvPr>
+          <p:cNvSpPr txBox="1"/>
+          <p:nvPr/>
+        </p:nvSpPr>
+        <p:spPr>
+          <a:xfrm>
+            <a:off x="7148945" y="277091"/>
+            <a:ext cx="4479637" cy="369332"/>
+          </a:xfrm>
+          <a:prstGeom prst="rect">
+            <a:avLst/>
+          </a:prstGeom>
+          <a:noFill/>
+        </p:spPr>
+        <p:txBody>
+          <a:bodyPr wrap="square" rtlCol="0">
+            <a:spAutoFit/>
+          </a:bodyPr>
+          <a:lstStyle/>
+          <a:p>
+            <a:r>
+              <a:rPr lang="en-US" dirty="0"/>
+              <a:t>pressure</a:t>
+            </a:r>
+            <a:endParaRPr lang="en-GB" dirty="0"/>
+          </a:p>
+        </p:txBody>
+      </p:sp>
     </p:spTree>
     <p:extLst>
       <p:ext uri="{BB962C8B-B14F-4D97-AF65-F5344CB8AC3E}">
-        <p14:creationId xmlns:p14="http://schemas.microsoft.com/office/powerpoint/2010/main" val="3494796993"/>
+        <p14:creationId xmlns:p14="http://schemas.microsoft.com/office/powerpoint/2010/main" val="3897811144"/>
       </p:ext>
     </p:extLst>
   </p:cSld>
@@ -9832,6 +9936,42 @@
           </a:extLst>
         </p:spPr>
       </p:pic>
+      <p:sp>
+        <p:nvSpPr>
+          <p:cNvPr id="2" name="TextBox 1">
+            <a:extLst>
+              <a:ext uri="{FF2B5EF4-FFF2-40B4-BE49-F238E27FC236}">
+                <a16:creationId xmlns:a16="http://schemas.microsoft.com/office/drawing/2014/main" id="{2ADF8E23-AF74-2FF9-C499-3687EDDAE83E}"/>
+              </a:ext>
+            </a:extLst>
+          </p:cNvPr>
+          <p:cNvSpPr txBox="1"/>
+          <p:nvPr/>
+        </p:nvSpPr>
+        <p:spPr>
+          <a:xfrm>
+            <a:off x="6965576" y="349624"/>
+            <a:ext cx="5011271" cy="369332"/>
+          </a:xfrm>
+          <a:prstGeom prst="rect">
+            <a:avLst/>
+          </a:prstGeom>
+          <a:noFill/>
+        </p:spPr>
+        <p:txBody>
+          <a:bodyPr wrap="square" rtlCol="0">
+            <a:spAutoFit/>
+          </a:bodyPr>
+          <a:lstStyle/>
+          <a:p>
+            <a:r>
+              <a:rPr lang="el-GR" dirty="0"/>
+              <a:t>Για το </a:t>
+            </a:r>
+            <a:endParaRPr lang="en-GB" dirty="0"/>
+          </a:p>
+        </p:txBody>
+      </p:sp>
     </p:spTree>
     <p:extLst>
       <p:ext uri="{BB962C8B-B14F-4D97-AF65-F5344CB8AC3E}">
@@ -10032,7 +10172,7 @@
         </p:blipFill>
         <p:spPr bwMode="auto">
           <a:xfrm>
-            <a:off x="107084" y="3429000"/>
+            <a:off x="0" y="3524400"/>
             <a:ext cx="3297985" cy="3333600"/>
           </a:xfrm>
           <a:prstGeom prst="rect">

--- a/Radiation and Atmosphere Interaction/Report 0/ΕργασίαΜηδέν.pptx
+++ b/Radiation and Atmosphere Interaction/Report 0/ΕργασίαΜηδέν.pptx
@@ -5,25 +5,24 @@
     <p:sldMasterId id="2147483757" r:id="rId1"/>
   </p:sldMasterIdLst>
   <p:notesMasterIdLst>
-    <p:notesMasterId r:id="rId18"/>
+    <p:notesMasterId r:id="rId17"/>
   </p:notesMasterIdLst>
   <p:sldIdLst>
     <p:sldId id="256" r:id="rId2"/>
     <p:sldId id="262" r:id="rId3"/>
-    <p:sldId id="264" r:id="rId4"/>
+    <p:sldId id="272" r:id="rId4"/>
     <p:sldId id="265" r:id="rId5"/>
     <p:sldId id="263" r:id="rId6"/>
-    <p:sldId id="266" r:id="rId7"/>
-    <p:sldId id="267" r:id="rId8"/>
-    <p:sldId id="268" r:id="rId9"/>
-    <p:sldId id="269" r:id="rId10"/>
-    <p:sldId id="270" r:id="rId11"/>
-    <p:sldId id="257" r:id="rId12"/>
-    <p:sldId id="258" r:id="rId13"/>
-    <p:sldId id="259" r:id="rId14"/>
-    <p:sldId id="260" r:id="rId15"/>
-    <p:sldId id="261" r:id="rId16"/>
-    <p:sldId id="271" r:id="rId17"/>
+    <p:sldId id="270" r:id="rId7"/>
+    <p:sldId id="268" r:id="rId8"/>
+    <p:sldId id="266" r:id="rId9"/>
+    <p:sldId id="267" r:id="rId10"/>
+    <p:sldId id="257" r:id="rId11"/>
+    <p:sldId id="258" r:id="rId12"/>
+    <p:sldId id="259" r:id="rId13"/>
+    <p:sldId id="260" r:id="rId14"/>
+    <p:sldId id="261" r:id="rId15"/>
+    <p:sldId id="271" r:id="rId16"/>
   </p:sldIdLst>
   <p:sldSz cx="12192000" cy="6858000"/>
   <p:notesSz cx="6858000" cy="9144000"/>
@@ -212,7 +211,7 @@
           <a:p>
             <a:fld id="{5059C885-F74F-4F26-9D14-847F9B1FFD54}" type="datetimeFigureOut">
               <a:rPr lang="en-GB" smtClean="0"/>
-              <a:t>26/10/2024</a:t>
+              <a:t>28/10/2024</a:t>
             </a:fld>
             <a:endParaRPr lang="en-GB"/>
           </a:p>
@@ -633,7 +632,7 @@
           <a:p>
             <a:fld id="{79C5A860-F335-4252-AA00-24FB67ED2982}" type="datetime1">
               <a:rPr lang="en-US" smtClean="0"/>
-              <a:t>10/26/2024</a:t>
+              <a:t>10/28/2024</a:t>
             </a:fld>
             <a:endParaRPr lang="en-US"/>
           </a:p>
@@ -832,7 +831,7 @@
           <a:p>
             <a:fld id="{46AB1048-0047-48CA-88BA-D69B470942CF}" type="datetime1">
               <a:rPr lang="en-US" smtClean="0"/>
-              <a:t>10/26/2024</a:t>
+              <a:t>10/28/2024</a:t>
             </a:fld>
             <a:endParaRPr lang="en-US"/>
           </a:p>
@@ -1042,7 +1041,7 @@
           <a:p>
             <a:fld id="{5BD83879-648C-49A9-81A2-0EF5946532D0}" type="datetime1">
               <a:rPr lang="en-US" smtClean="0"/>
-              <a:t>10/26/2024</a:t>
+              <a:t>10/28/2024</a:t>
             </a:fld>
             <a:endParaRPr lang="en-US"/>
           </a:p>
@@ -1240,7 +1239,7 @@
           <a:p>
             <a:fld id="{D04BC802-30E3-4658-9CCA-F873646FEC67}" type="datetime1">
               <a:rPr lang="en-US" smtClean="0"/>
-              <a:t>10/26/2024</a:t>
+              <a:t>10/28/2024</a:t>
             </a:fld>
             <a:endParaRPr lang="en-US"/>
           </a:p>
@@ -1518,7 +1517,7 @@
           <a:p>
             <a:fld id="{0AB227A3-19CE-4153-81CE-64EB7AB094B3}" type="datetime1">
               <a:rPr lang="en-US" smtClean="0"/>
-              <a:t>10/26/2024</a:t>
+              <a:t>10/28/2024</a:t>
             </a:fld>
             <a:endParaRPr lang="en-US"/>
           </a:p>
@@ -1785,7 +1784,7 @@
           <a:p>
             <a:fld id="{B819A100-10F6-477E-8847-29D479EF1C92}" type="datetime1">
               <a:rPr lang="en-US" smtClean="0"/>
-              <a:t>10/26/2024</a:t>
+              <a:t>10/28/2024</a:t>
             </a:fld>
             <a:endParaRPr lang="en-US"/>
           </a:p>
@@ -2199,7 +2198,7 @@
           <a:p>
             <a:fld id="{5DF128AB-198A-495F-8475-FDB360C9873F}" type="datetime1">
               <a:rPr lang="en-US" smtClean="0"/>
-              <a:t>10/26/2024</a:t>
+              <a:t>10/28/2024</a:t>
             </a:fld>
             <a:endParaRPr lang="en-US"/>
           </a:p>
@@ -2340,7 +2339,7 @@
           <a:p>
             <a:fld id="{021A235E-F8FD-479F-9FC7-18BE84110877}" type="datetime1">
               <a:rPr lang="en-US" smtClean="0"/>
-              <a:t>10/26/2024</a:t>
+              <a:t>10/28/2024</a:t>
             </a:fld>
             <a:endParaRPr lang="en-US"/>
           </a:p>
@@ -2453,7 +2452,7 @@
           <a:p>
             <a:fld id="{E890F09B-68DA-462E-9DB4-4C9ADAB8CBCC}" type="datetime1">
               <a:rPr lang="en-US" smtClean="0"/>
-              <a:t>10/26/2024</a:t>
+              <a:t>10/28/2024</a:t>
             </a:fld>
             <a:endParaRPr lang="en-US"/>
           </a:p>
@@ -2772,7 +2771,7 @@
           <a:p>
             <a:fld id="{17AC4E36-FABE-47EB-AA7F-C19A93824617}" type="datetime1">
               <a:rPr lang="en-US" smtClean="0"/>
-              <a:t>10/26/2024</a:t>
+              <a:t>10/28/2024</a:t>
             </a:fld>
             <a:endParaRPr lang="en-US"/>
           </a:p>
@@ -3069,7 +3068,7 @@
           <a:p>
             <a:fld id="{F199CE6B-5DE6-4A2D-B72E-5E8969F9F56F}" type="datetime1">
               <a:rPr lang="en-US" smtClean="0"/>
-              <a:t>10/26/2024</a:t>
+              <a:t>10/28/2024</a:t>
             </a:fld>
             <a:endParaRPr lang="en-US"/>
           </a:p>
@@ -3930,7 +3929,7 @@
           <a:p>
             <a:fld id="{F481A142-DA77-4A5F-AD1F-14E6C18F0F5F}" type="datetime1">
               <a:rPr lang="en-US" smtClean="0"/>
-              <a:t>10/26/2024</a:t>
+              <a:t>10/28/2024</a:t>
             </a:fld>
             <a:endParaRPr lang="en-US" dirty="0"/>
           </a:p>
@@ -4955,245 +4954,257 @@
           <a:chExt cx="0" cy="0"/>
         </a:xfrm>
       </p:grpSpPr>
+      <p:sp>
+        <p:nvSpPr>
+          <p:cNvPr id="2" name="Τίτλος 1">
+            <a:extLst>
+              <a:ext uri="{FF2B5EF4-FFF2-40B4-BE49-F238E27FC236}">
+                <a16:creationId xmlns:a16="http://schemas.microsoft.com/office/drawing/2014/main" id="{F15DE645-1279-C54C-D4D5-5157A24214B4}"/>
+              </a:ext>
+            </a:extLst>
+          </p:cNvPr>
+          <p:cNvSpPr>
+            <a:spLocks noGrp="1"/>
+          </p:cNvSpPr>
+          <p:nvPr>
+            <p:ph type="title"/>
+          </p:nvPr>
+        </p:nvSpPr>
+        <p:spPr>
+          <a:xfrm>
+            <a:off x="609600" y="270802"/>
+            <a:ext cx="10972800" cy="752495"/>
+          </a:xfrm>
+        </p:spPr>
+        <p:txBody>
+          <a:bodyPr>
+            <a:normAutofit fontScale="90000"/>
+          </a:bodyPr>
+          <a:lstStyle/>
+          <a:p>
+            <a:r>
+              <a:rPr lang="el-GR" dirty="0">
+                <a:cs typeface="Posterama"/>
+              </a:rPr>
+              <a:t>Μέρος 2ο</a:t>
+            </a:r>
+            <a:endParaRPr lang="el-GR" dirty="0"/>
+          </a:p>
+        </p:txBody>
+      </p:sp>
+      <p:sp>
+        <p:nvSpPr>
+          <p:cNvPr id="3" name="Θέση περιεχομένου 2">
+            <a:extLst>
+              <a:ext uri="{FF2B5EF4-FFF2-40B4-BE49-F238E27FC236}">
+                <a16:creationId xmlns:a16="http://schemas.microsoft.com/office/drawing/2014/main" id="{2B967DD2-94EE-2762-99F8-C473DB1D6FFC}"/>
+              </a:ext>
+            </a:extLst>
+          </p:cNvPr>
+          <p:cNvSpPr>
+            <a:spLocks noGrp="1"/>
+          </p:cNvSpPr>
+          <p:nvPr>
+            <p:ph idx="1"/>
+          </p:nvPr>
+        </p:nvSpPr>
+        <p:spPr>
+          <a:xfrm>
+            <a:off x="609600" y="1103673"/>
+            <a:ext cx="10972800" cy="1860953"/>
+          </a:xfrm>
+        </p:spPr>
+        <p:txBody>
+          <a:bodyPr vert="horz" lIns="91440" tIns="45720" rIns="91440" bIns="45720" rtlCol="0" anchor="t">
+            <a:normAutofit/>
+          </a:bodyPr>
+          <a:lstStyle/>
+          <a:p>
+            <a:r>
+              <a:rPr lang="el-GR" dirty="0"/>
+              <a:t>Το δεύτερο μέρος της εργασίας περιλαμβάνει δύο διαφορετικά </a:t>
+            </a:r>
+            <a:r>
+              <a:rPr lang="el-GR" dirty="0" err="1"/>
+              <a:t>datasets</a:t>
+            </a:r>
+            <a:r>
+              <a:rPr lang="el-GR" dirty="0"/>
+              <a:t> όπου περιέχουν φάσματα της ηλιακής ακτινοβολίας δηλαδή μετρήσεις της ροής ακτινοβολίας (</a:t>
+            </a:r>
+            <a:r>
+              <a:rPr lang="en-US" dirty="0"/>
+              <a:t>spectral </a:t>
+            </a:r>
+            <a:r>
+              <a:rPr lang="el-GR" dirty="0" err="1"/>
+              <a:t>irradiance</a:t>
+            </a:r>
+            <a:r>
+              <a:rPr lang="el-GR" dirty="0"/>
+              <a:t>) για διαφορετικά μήκη κύματος. Η διαφορά μεταξύ των δύο μετρήσεων έγκειται στην ακρίβεια καθώς το 1ο σετ που από εδώ και πέρα θα ονομάζεται </a:t>
+            </a:r>
+            <a:r>
+              <a:rPr lang="el-GR" dirty="0" err="1"/>
+              <a:t>kurudz</a:t>
+            </a:r>
+            <a:r>
+              <a:rPr lang="el-GR" dirty="0"/>
+              <a:t> έχει ακρίβεια 1nm και το 2ο σετ που ονομάζεται </a:t>
+            </a:r>
+            <a:r>
+              <a:rPr lang="el-GR" dirty="0" err="1"/>
+              <a:t>atlas_plus</a:t>
+            </a:r>
+            <a:r>
+              <a:rPr lang="el-GR" dirty="0"/>
+              <a:t> έχει ακρίβεια 0.05 nm. Παρακάτω εμφανίζονται τα δύο σετ σε αντιπαράθεση μεταξύ τους.</a:t>
+            </a:r>
+          </a:p>
+        </p:txBody>
+      </p:sp>
       <p:pic>
         <p:nvPicPr>
-          <p:cNvPr id="8194" name="Picture 2">
-            <a:extLst>
-              <a:ext uri="{FF2B5EF4-FFF2-40B4-BE49-F238E27FC236}">
-                <a16:creationId xmlns:a16="http://schemas.microsoft.com/office/drawing/2014/main" id="{E158A521-F4FB-DAE2-BF48-487EF5EFADB4}"/>
+          <p:cNvPr id="4" name="Εικόνα 3" descr="Εικόνα που περιέχει κείμενο, στιγμιότυπο οθόνης, γραμματοσειρά, αριθμός&#10;&#10;Περιγραφή που δημιουργήθηκε αυτόματα">
+            <a:extLst>
+              <a:ext uri="{FF2B5EF4-FFF2-40B4-BE49-F238E27FC236}">
+                <a16:creationId xmlns:a16="http://schemas.microsoft.com/office/drawing/2014/main" id="{D9BD9A25-FF1D-8D41-F8DE-74077A87C51F}"/>
               </a:ext>
             </a:extLst>
           </p:cNvPr>
           <p:cNvPicPr>
-            <a:picLocks noChangeAspect="1" noChangeArrowheads="1"/>
+            <a:picLocks noChangeAspect="1"/>
           </p:cNvPicPr>
           <p:nvPr/>
         </p:nvPicPr>
         <p:blipFill>
-          <a:blip r:embed="rId2">
-            <a:extLst>
-              <a:ext uri="{28A0092B-C50C-407E-A947-70E740481C1C}">
-                <a14:useLocalDpi xmlns:a14="http://schemas.microsoft.com/office/drawing/2010/main" val="0"/>
-              </a:ext>
-            </a:extLst>
-          </a:blip>
-          <a:srcRect/>
+          <a:blip r:embed="rId2"/>
           <a:stretch>
             <a:fillRect/>
           </a:stretch>
         </p:blipFill>
-        <p:spPr bwMode="auto">
-          <a:xfrm>
-            <a:off x="7682346" y="3429000"/>
-            <a:ext cx="3305108" cy="3333600"/>
+        <p:spPr>
+          <a:xfrm>
+            <a:off x="2739512" y="3062214"/>
+            <a:ext cx="3353924" cy="3522883"/>
+          </a:xfrm>
+          <a:prstGeom prst="rect">
+            <a:avLst/>
+          </a:prstGeom>
+        </p:spPr>
+      </p:pic>
+      <p:pic>
+        <p:nvPicPr>
+          <p:cNvPr id="5" name="Εικόνα 4" descr="Εικόνα που περιέχει κείμενο, στιγμιότυπο οθόνης, γραμματοσειρά, αριθμός&#10;&#10;Περιγραφή που δημιουργήθηκε αυτόματα">
+            <a:extLst>
+              <a:ext uri="{FF2B5EF4-FFF2-40B4-BE49-F238E27FC236}">
+                <a16:creationId xmlns:a16="http://schemas.microsoft.com/office/drawing/2014/main" id="{E020A2B0-B1F6-CD4E-247D-A75AD2225156}"/>
+              </a:ext>
+            </a:extLst>
+          </p:cNvPr>
+          <p:cNvPicPr>
+            <a:picLocks noChangeAspect="1"/>
+          </p:cNvPicPr>
+          <p:nvPr/>
+        </p:nvPicPr>
+        <p:blipFill>
+          <a:blip r:embed="rId3"/>
+          <a:stretch>
+            <a:fillRect/>
+          </a:stretch>
+        </p:blipFill>
+        <p:spPr>
+          <a:xfrm>
+            <a:off x="6093534" y="3058551"/>
+            <a:ext cx="3355389" cy="3528647"/>
+          </a:xfrm>
+          <a:prstGeom prst="rect">
+            <a:avLst/>
+          </a:prstGeom>
+        </p:spPr>
+      </p:pic>
+      <p:sp>
+        <p:nvSpPr>
+          <p:cNvPr id="6" name="TextBox 5">
+            <a:extLst>
+              <a:ext uri="{FF2B5EF4-FFF2-40B4-BE49-F238E27FC236}">
+                <a16:creationId xmlns:a16="http://schemas.microsoft.com/office/drawing/2014/main" id="{941BEBAF-EE0F-7D82-94AF-AD4A10CE22FA}"/>
+              </a:ext>
+            </a:extLst>
+          </p:cNvPr>
+          <p:cNvSpPr txBox="1"/>
+          <p:nvPr/>
+        </p:nvSpPr>
+        <p:spPr>
+          <a:xfrm>
+            <a:off x="1660183" y="4820138"/>
+            <a:ext cx="926123" cy="369332"/>
           </a:xfrm>
           <a:prstGeom prst="rect">
             <a:avLst/>
           </a:prstGeom>
           <a:noFill/>
-          <a:extLst>
-            <a:ext uri="{909E8E84-426E-40DD-AFC4-6F175D3DCCD1}">
-              <a14:hiddenFill xmlns:a14="http://schemas.microsoft.com/office/drawing/2010/main">
-                <a:solidFill>
-                  <a:srgbClr val="FFFFFF"/>
-                </a:solidFill>
-              </a14:hiddenFill>
-            </a:ext>
-          </a:extLst>
-        </p:spPr>
-      </p:pic>
-      <p:pic>
-        <p:nvPicPr>
-          <p:cNvPr id="8196" name="Picture 4">
-            <a:extLst>
-              <a:ext uri="{FF2B5EF4-FFF2-40B4-BE49-F238E27FC236}">
-                <a16:creationId xmlns:a16="http://schemas.microsoft.com/office/drawing/2014/main" id="{F5F28299-692D-5C70-8AE1-9040ADD42CA6}"/>
-              </a:ext>
-            </a:extLst>
-          </p:cNvPr>
-          <p:cNvPicPr>
-            <a:picLocks noChangeAspect="1" noChangeArrowheads="1"/>
-          </p:cNvPicPr>
+        </p:spPr>
+        <p:txBody>
+          <a:bodyPr rot="0" spcFirstLastPara="0" vertOverflow="overflow" horzOverflow="overflow" vert="horz" wrap="square" lIns="91440" tIns="45720" rIns="91440" bIns="45720" numCol="1" spcCol="0" rtlCol="0" fromWordArt="0" anchor="t" anchorCtr="0" forceAA="0" compatLnSpc="1">
+            <a:prstTxWarp prst="textNoShape">
+              <a:avLst/>
+            </a:prstTxWarp>
+            <a:spAutoFit/>
+          </a:bodyPr>
+          <a:lstStyle/>
+          <a:p>
+            <a:pPr algn="l"/>
+            <a:r>
+              <a:rPr lang="el-GR" dirty="0" err="1"/>
+              <a:t>kurudz</a:t>
+            </a:r>
+          </a:p>
+        </p:txBody>
+      </p:sp>
+      <p:sp>
+        <p:nvSpPr>
+          <p:cNvPr id="7" name="TextBox 6">
+            <a:extLst>
+              <a:ext uri="{FF2B5EF4-FFF2-40B4-BE49-F238E27FC236}">
+                <a16:creationId xmlns:a16="http://schemas.microsoft.com/office/drawing/2014/main" id="{4F46A0B3-610B-75AF-25F4-971F14592E22}"/>
+              </a:ext>
+            </a:extLst>
+          </p:cNvPr>
+          <p:cNvSpPr txBox="1"/>
           <p:nvPr/>
-        </p:nvPicPr>
-        <p:blipFill>
-          <a:blip r:embed="rId3">
-            <a:extLst>
-              <a:ext uri="{28A0092B-C50C-407E-A947-70E740481C1C}">
-                <a14:useLocalDpi xmlns:a14="http://schemas.microsoft.com/office/drawing/2010/main" val="0"/>
-              </a:ext>
-            </a:extLst>
-          </a:blip>
-          <a:srcRect/>
-          <a:stretch>
-            <a:fillRect/>
-          </a:stretch>
-        </p:blipFill>
-        <p:spPr bwMode="auto">
-          <a:xfrm>
-            <a:off x="104053" y="95400"/>
-            <a:ext cx="3297985" cy="3333600"/>
+        </p:nvSpPr>
+        <p:spPr>
+          <a:xfrm>
+            <a:off x="9694007" y="4823850"/>
+            <a:ext cx="1266093" cy="369332"/>
           </a:xfrm>
           <a:prstGeom prst="rect">
             <a:avLst/>
           </a:prstGeom>
           <a:noFill/>
-          <a:extLst>
-            <a:ext uri="{909E8E84-426E-40DD-AFC4-6F175D3DCCD1}">
-              <a14:hiddenFill xmlns:a14="http://schemas.microsoft.com/office/drawing/2010/main">
-                <a:solidFill>
-                  <a:srgbClr val="FFFFFF"/>
-                </a:solidFill>
-              </a14:hiddenFill>
-            </a:ext>
-          </a:extLst>
-        </p:spPr>
-      </p:pic>
-      <p:pic>
-        <p:nvPicPr>
-          <p:cNvPr id="8198" name="Picture 6">
-            <a:extLst>
-              <a:ext uri="{FF2B5EF4-FFF2-40B4-BE49-F238E27FC236}">
-                <a16:creationId xmlns:a16="http://schemas.microsoft.com/office/drawing/2014/main" id="{D8CAA04A-3A6A-CAC6-DC29-8FF396578700}"/>
-              </a:ext>
-            </a:extLst>
-          </p:cNvPr>
-          <p:cNvPicPr>
-            <a:picLocks noChangeAspect="1" noChangeArrowheads="1"/>
-          </p:cNvPicPr>
-          <p:nvPr/>
-        </p:nvPicPr>
-        <p:blipFill>
-          <a:blip r:embed="rId4">
-            <a:extLst>
-              <a:ext uri="{28A0092B-C50C-407E-A947-70E740481C1C}">
-                <a14:useLocalDpi xmlns:a14="http://schemas.microsoft.com/office/drawing/2010/main" val="0"/>
-              </a:ext>
-            </a:extLst>
-          </a:blip>
-          <a:srcRect/>
-          <a:stretch>
-            <a:fillRect/>
-          </a:stretch>
-        </p:blipFill>
-        <p:spPr bwMode="auto">
-          <a:xfrm>
-            <a:off x="3402038" y="95400"/>
-            <a:ext cx="3297985" cy="3333600"/>
-          </a:xfrm>
-          <a:prstGeom prst="rect">
-            <a:avLst/>
-          </a:prstGeom>
-          <a:noFill/>
-          <a:extLst>
-            <a:ext uri="{909E8E84-426E-40DD-AFC4-6F175D3DCCD1}">
-              <a14:hiddenFill xmlns:a14="http://schemas.microsoft.com/office/drawing/2010/main">
-                <a:solidFill>
-                  <a:srgbClr val="FFFFFF"/>
-                </a:solidFill>
-              </a14:hiddenFill>
-            </a:ext>
-          </a:extLst>
-        </p:spPr>
-      </p:pic>
-      <p:pic>
-        <p:nvPicPr>
-          <p:cNvPr id="8200" name="Picture 8">
-            <a:extLst>
-              <a:ext uri="{FF2B5EF4-FFF2-40B4-BE49-F238E27FC236}">
-                <a16:creationId xmlns:a16="http://schemas.microsoft.com/office/drawing/2014/main" id="{5C1B6DC5-A018-FD81-C854-493620EA085E}"/>
-              </a:ext>
-            </a:extLst>
-          </p:cNvPr>
-          <p:cNvPicPr>
-            <a:picLocks noChangeAspect="1" noChangeArrowheads="1"/>
-          </p:cNvPicPr>
-          <p:nvPr/>
-        </p:nvPicPr>
-        <p:blipFill>
-          <a:blip r:embed="rId5">
-            <a:extLst>
-              <a:ext uri="{28A0092B-C50C-407E-A947-70E740481C1C}">
-                <a14:useLocalDpi xmlns:a14="http://schemas.microsoft.com/office/drawing/2010/main" val="0"/>
-              </a:ext>
-            </a:extLst>
-          </a:blip>
-          <a:srcRect/>
-          <a:stretch>
-            <a:fillRect/>
-          </a:stretch>
-        </p:blipFill>
-        <p:spPr bwMode="auto">
-          <a:xfrm>
-            <a:off x="104052" y="3429000"/>
-            <a:ext cx="3297985" cy="3333600"/>
-          </a:xfrm>
-          <a:prstGeom prst="rect">
-            <a:avLst/>
-          </a:prstGeom>
-          <a:noFill/>
-          <a:extLst>
-            <a:ext uri="{909E8E84-426E-40DD-AFC4-6F175D3DCCD1}">
-              <a14:hiddenFill xmlns:a14="http://schemas.microsoft.com/office/drawing/2010/main">
-                <a:solidFill>
-                  <a:srgbClr val="FFFFFF"/>
-                </a:solidFill>
-              </a14:hiddenFill>
-            </a:ext>
-          </a:extLst>
-        </p:spPr>
-      </p:pic>
-      <p:pic>
-        <p:nvPicPr>
-          <p:cNvPr id="8202" name="Picture 10">
-            <a:extLst>
-              <a:ext uri="{FF2B5EF4-FFF2-40B4-BE49-F238E27FC236}">
-                <a16:creationId xmlns:a16="http://schemas.microsoft.com/office/drawing/2014/main" id="{B57EC1F0-0455-1502-599F-357D08FD2F65}"/>
-              </a:ext>
-            </a:extLst>
-          </p:cNvPr>
-          <p:cNvPicPr>
-            <a:picLocks noChangeAspect="1" noChangeArrowheads="1"/>
-          </p:cNvPicPr>
-          <p:nvPr/>
-        </p:nvPicPr>
-        <p:blipFill>
-          <a:blip r:embed="rId6">
-            <a:extLst>
-              <a:ext uri="{28A0092B-C50C-407E-A947-70E740481C1C}">
-                <a14:useLocalDpi xmlns:a14="http://schemas.microsoft.com/office/drawing/2010/main" val="0"/>
-              </a:ext>
-            </a:extLst>
-          </a:blip>
-          <a:srcRect/>
-          <a:stretch>
-            <a:fillRect/>
-          </a:stretch>
-        </p:blipFill>
-        <p:spPr bwMode="auto">
-          <a:xfrm>
-            <a:off x="3402037" y="3429000"/>
-            <a:ext cx="3297985" cy="3333600"/>
-          </a:xfrm>
-          <a:prstGeom prst="rect">
-            <a:avLst/>
-          </a:prstGeom>
-          <a:noFill/>
-          <a:extLst>
-            <a:ext uri="{909E8E84-426E-40DD-AFC4-6F175D3DCCD1}">
-              <a14:hiddenFill xmlns:a14="http://schemas.microsoft.com/office/drawing/2010/main">
-                <a:solidFill>
-                  <a:srgbClr val="FFFFFF"/>
-                </a:solidFill>
-              </a14:hiddenFill>
-            </a:ext>
-          </a:extLst>
-        </p:spPr>
-      </p:pic>
+        </p:spPr>
+        <p:txBody>
+          <a:bodyPr rot="0" spcFirstLastPara="0" vertOverflow="overflow" horzOverflow="overflow" vert="horz" wrap="square" lIns="91440" tIns="45720" rIns="91440" bIns="45720" numCol="1" spcCol="0" rtlCol="0" fromWordArt="0" anchor="t" anchorCtr="0" forceAA="0" compatLnSpc="1">
+            <a:prstTxWarp prst="textNoShape">
+              <a:avLst/>
+            </a:prstTxWarp>
+            <a:spAutoFit/>
+          </a:bodyPr>
+          <a:lstStyle/>
+          <a:p>
+            <a:pPr algn="l"/>
+            <a:r>
+              <a:rPr lang="el-GR" dirty="0" err="1"/>
+              <a:t>atlas_plus</a:t>
+            </a:r>
+          </a:p>
+        </p:txBody>
+      </p:sp>
     </p:spTree>
     <p:extLst>
       <p:ext uri="{BB962C8B-B14F-4D97-AF65-F5344CB8AC3E}">
-        <p14:creationId xmlns:p14="http://schemas.microsoft.com/office/powerpoint/2010/main" val="372113343"/>
+        <p14:creationId xmlns:p14="http://schemas.microsoft.com/office/powerpoint/2010/main" val="4020534852"/>
       </p:ext>
     </p:extLst>
   </p:cSld>
@@ -5220,128 +5231,21 @@
           <a:chExt cx="0" cy="0"/>
         </a:xfrm>
       </p:grpSpPr>
-      <p:sp>
-        <p:nvSpPr>
-          <p:cNvPr id="2" name="Τίτλος 1">
-            <a:extLst>
-              <a:ext uri="{FF2B5EF4-FFF2-40B4-BE49-F238E27FC236}">
-                <a16:creationId xmlns:a16="http://schemas.microsoft.com/office/drawing/2014/main" id="{F15DE645-1279-C54C-D4D5-5157A24214B4}"/>
-              </a:ext>
-            </a:extLst>
-          </p:cNvPr>
-          <p:cNvSpPr>
-            <a:spLocks noGrp="1"/>
-          </p:cNvSpPr>
-          <p:nvPr>
-            <p:ph type="title"/>
-          </p:nvPr>
-        </p:nvSpPr>
-        <p:spPr>
-          <a:xfrm>
-            <a:off x="609600" y="270802"/>
-            <a:ext cx="10972800" cy="752495"/>
-          </a:xfrm>
-        </p:spPr>
-        <p:txBody>
-          <a:bodyPr>
-            <a:normAutofit fontScale="90000"/>
-          </a:bodyPr>
-          <a:lstStyle/>
-          <a:p>
-            <a:r>
-              <a:rPr lang="el-GR" dirty="0">
-                <a:cs typeface="Posterama"/>
-              </a:rPr>
-              <a:t>Μέρος 2ο</a:t>
-            </a:r>
-            <a:endParaRPr lang="el-GR" dirty="0"/>
-          </a:p>
-        </p:txBody>
-      </p:sp>
-      <p:sp>
-        <p:nvSpPr>
-          <p:cNvPr id="3" name="Θέση περιεχομένου 2">
-            <a:extLst>
-              <a:ext uri="{FF2B5EF4-FFF2-40B4-BE49-F238E27FC236}">
-                <a16:creationId xmlns:a16="http://schemas.microsoft.com/office/drawing/2014/main" id="{2B967DD2-94EE-2762-99F8-C473DB1D6FFC}"/>
-              </a:ext>
-            </a:extLst>
-          </p:cNvPr>
-          <p:cNvSpPr>
-            <a:spLocks noGrp="1"/>
-          </p:cNvSpPr>
-          <p:nvPr>
-            <p:ph idx="1"/>
-          </p:nvPr>
-        </p:nvSpPr>
-        <p:spPr>
-          <a:xfrm>
-            <a:off x="609600" y="1103673"/>
-            <a:ext cx="10972800" cy="1860953"/>
-          </a:xfrm>
-        </p:spPr>
-        <p:txBody>
-          <a:bodyPr vert="horz" lIns="91440" tIns="45720" rIns="91440" bIns="45720" rtlCol="0" anchor="t">
-            <a:normAutofit/>
-          </a:bodyPr>
-          <a:lstStyle/>
-          <a:p>
-            <a:r>
-              <a:rPr lang="el-GR" dirty="0"/>
-              <a:t>Το δεύτερο μέρος της εργασίας περιλαμβάνει δύο διαφορετικά </a:t>
-            </a:r>
-            <a:r>
-              <a:rPr lang="el-GR" dirty="0" err="1"/>
-              <a:t>datasets</a:t>
-            </a:r>
-            <a:r>
-              <a:rPr lang="el-GR" dirty="0"/>
-              <a:t> όπου περιέχουν φάσματα της ηλιακής ακτινοβολίας δηλαδή μετρήσεις της ροής ακτινοβολίας (</a:t>
-            </a:r>
-            <a:r>
-              <a:rPr lang="en-US" dirty="0"/>
-              <a:t>spectral </a:t>
-            </a:r>
-            <a:r>
-              <a:rPr lang="el-GR" dirty="0" err="1"/>
-              <a:t>irradiance</a:t>
-            </a:r>
-            <a:r>
-              <a:rPr lang="el-GR" dirty="0"/>
-              <a:t>) για διαφορετικά μήκη κύματος. Η διαφορά μεταξύ των δύο μετρήσεων έγκειται στην ακρίβεια καθώς το 1ο σετ που από εδώ και πέρα θα ονομάζεται </a:t>
-            </a:r>
-            <a:r>
-              <a:rPr lang="el-GR" dirty="0" err="1"/>
-              <a:t>kurudz</a:t>
-            </a:r>
-            <a:r>
-              <a:rPr lang="el-GR" dirty="0"/>
-              <a:t> έχει ακρίβεια 1nm και το 2ο σετ που ονομάζεται </a:t>
-            </a:r>
-            <a:r>
-              <a:rPr lang="el-GR" dirty="0" err="1"/>
-              <a:t>atlas_plus</a:t>
-            </a:r>
-            <a:r>
-              <a:rPr lang="el-GR" dirty="0"/>
-              <a:t> έχει ακρίβεια 0.05 nm. Παρακάτω εμφανίζονται τα δύο σετ σε αντιπαράθεση μεταξύ τους.</a:t>
-            </a:r>
-          </a:p>
-        </p:txBody>
-      </p:sp>
       <p:pic>
         <p:nvPicPr>
-          <p:cNvPr id="4" name="Εικόνα 3" descr="Εικόνα που περιέχει κείμενο, στιγμιότυπο οθόνης, γραμματοσειρά, αριθμός&#10;&#10;Περιγραφή που δημιουργήθηκε αυτόματα">
-            <a:extLst>
-              <a:ext uri="{FF2B5EF4-FFF2-40B4-BE49-F238E27FC236}">
-                <a16:creationId xmlns:a16="http://schemas.microsoft.com/office/drawing/2014/main" id="{D9BD9A25-FF1D-8D41-F8DE-74077A87C51F}"/>
+          <p:cNvPr id="7" name="Θέση περιεχομένου 6" descr="Εικόνα που περιέχει κείμενο, διάγραμμα, στιγμιότυπο οθόνης, γράφημα&#10;&#10;Περιγραφή που δημιουργήθηκε αυτόματα">
+            <a:extLst>
+              <a:ext uri="{FF2B5EF4-FFF2-40B4-BE49-F238E27FC236}">
+                <a16:creationId xmlns:a16="http://schemas.microsoft.com/office/drawing/2014/main" id="{BADD0168-9FDC-79DF-AACE-B02B4DD2B211}"/>
               </a:ext>
             </a:extLst>
           </p:cNvPr>
           <p:cNvPicPr>
-            <a:picLocks noChangeAspect="1"/>
+            <a:picLocks noGrp="1" noChangeAspect="1"/>
           </p:cNvPicPr>
-          <p:nvPr/>
+          <p:nvPr>
+            <p:ph sz="half" idx="2"/>
+          </p:nvPr>
         </p:nvPicPr>
         <p:blipFill>
           <a:blip r:embed="rId2"/>
@@ -5351,27 +5255,88 @@
         </p:blipFill>
         <p:spPr>
           <a:xfrm>
-            <a:off x="2739512" y="3062214"/>
-            <a:ext cx="3353924" cy="3522883"/>
+            <a:off x="6345201" y="1773383"/>
+            <a:ext cx="5199928" cy="4972383"/>
+          </a:xfrm>
+        </p:spPr>
+      </p:pic>
+      <p:sp>
+        <p:nvSpPr>
+          <p:cNvPr id="5" name="TextBox 4">
+            <a:extLst>
+              <a:ext uri="{FF2B5EF4-FFF2-40B4-BE49-F238E27FC236}">
+                <a16:creationId xmlns:a16="http://schemas.microsoft.com/office/drawing/2014/main" id="{416A63A7-5335-6D49-1E5F-9C1C142222B7}"/>
+              </a:ext>
+            </a:extLst>
+          </p:cNvPr>
+          <p:cNvSpPr txBox="1"/>
+          <p:nvPr/>
+        </p:nvSpPr>
+        <p:spPr>
+          <a:xfrm>
+            <a:off x="781050" y="212436"/>
+            <a:ext cx="10629900" cy="1477328"/>
           </a:xfrm>
           <a:prstGeom prst="rect">
             <a:avLst/>
           </a:prstGeom>
-        </p:spPr>
-      </p:pic>
+          <a:noFill/>
+        </p:spPr>
+        <p:txBody>
+          <a:bodyPr rot="0" spcFirstLastPara="0" vertOverflow="overflow" horzOverflow="overflow" vert="horz" wrap="square" lIns="91440" tIns="45720" rIns="91440" bIns="45720" numCol="1" spcCol="0" rtlCol="0" fromWordArt="0" anchor="t" anchorCtr="0" forceAA="0" compatLnSpc="1">
+            <a:prstTxWarp prst="textNoShape">
+              <a:avLst/>
+            </a:prstTxWarp>
+            <a:spAutoFit/>
+          </a:bodyPr>
+          <a:lstStyle/>
+          <a:p>
+            <a:r>
+              <a:rPr lang="el-GR" dirty="0"/>
+              <a:t>Αρχικά, κόψαμε τις τιμές του μήκους κύματος που ξεπερνούσαν τα 2.500nm στο 1</a:t>
+            </a:r>
+            <a:r>
+              <a:rPr lang="el-GR" baseline="30000" dirty="0"/>
+              <a:t>ο</a:t>
+            </a:r>
+            <a:r>
+              <a:rPr lang="el-GR" dirty="0"/>
+              <a:t> σετ μετρήσεων και κάναμε μία πρώτη γραφική παράσταση έτσι ώστε να έχουμε μία καλύτερη εικόνα των δεδομένων. Με μωβ χρώμα απεικονίζεται το σετ </a:t>
+            </a:r>
+            <a:r>
+              <a:rPr lang="el-GR" dirty="0" err="1"/>
+              <a:t>kurudz</a:t>
+            </a:r>
+            <a:r>
+              <a:rPr lang="el-GR" dirty="0"/>
+              <a:t> και με πράσινο το </a:t>
+            </a:r>
+            <a:r>
+              <a:rPr lang="el-GR" dirty="0" err="1"/>
+              <a:t>atlas_plus</a:t>
+            </a:r>
+            <a:r>
+              <a:rPr lang="el-GR" dirty="0"/>
+              <a:t>. Είναι εμφανές ότι το ένα σετ περιέχει τιμές σε μεγαλύτερο εύρος όσων αφορά το μήκος κύματος ενώ το δεύτερο έχει περισσότερες τιμές της ακτινοβολίας σε μικρότερο εύρος. </a:t>
+            </a:r>
+          </a:p>
+        </p:txBody>
+      </p:sp>
       <p:pic>
         <p:nvPicPr>
-          <p:cNvPr id="5" name="Εικόνα 4" descr="Εικόνα που περιέχει κείμενο, στιγμιότυπο οθόνης, γραμματοσειρά, αριθμός&#10;&#10;Περιγραφή που δημιουργήθηκε αυτόματα">
-            <a:extLst>
-              <a:ext uri="{FF2B5EF4-FFF2-40B4-BE49-F238E27FC236}">
-                <a16:creationId xmlns:a16="http://schemas.microsoft.com/office/drawing/2014/main" id="{E020A2B0-B1F6-CD4E-247D-A75AD2225156}"/>
+          <p:cNvPr id="12" name="Θέση περιεχομένου 11">
+            <a:extLst>
+              <a:ext uri="{FF2B5EF4-FFF2-40B4-BE49-F238E27FC236}">
+                <a16:creationId xmlns:a16="http://schemas.microsoft.com/office/drawing/2014/main" id="{DBB41800-D14A-4DF9-DFD3-57D50D6010DE}"/>
               </a:ext>
             </a:extLst>
           </p:cNvPr>
           <p:cNvPicPr>
-            <a:picLocks noChangeAspect="1"/>
+            <a:picLocks noGrp="1" noChangeAspect="1"/>
           </p:cNvPicPr>
-          <p:nvPr/>
+          <p:nvPr>
+            <p:ph sz="half" idx="1"/>
+          </p:nvPr>
         </p:nvPicPr>
         <p:blipFill>
           <a:blip r:embed="rId3"/>
@@ -5381,96 +5346,15 @@
         </p:blipFill>
         <p:spPr>
           <a:xfrm>
-            <a:off x="6093534" y="3058551"/>
-            <a:ext cx="3355389" cy="3528647"/>
-          </a:xfrm>
-          <a:prstGeom prst="rect">
-            <a:avLst/>
-          </a:prstGeom>
+            <a:off x="320042" y="1773383"/>
+            <a:ext cx="5526759" cy="5084618"/>
+          </a:xfrm>
         </p:spPr>
       </p:pic>
-      <p:sp>
-        <p:nvSpPr>
-          <p:cNvPr id="6" name="TextBox 5">
-            <a:extLst>
-              <a:ext uri="{FF2B5EF4-FFF2-40B4-BE49-F238E27FC236}">
-                <a16:creationId xmlns:a16="http://schemas.microsoft.com/office/drawing/2014/main" id="{941BEBAF-EE0F-7D82-94AF-AD4A10CE22FA}"/>
-              </a:ext>
-            </a:extLst>
-          </p:cNvPr>
-          <p:cNvSpPr txBox="1"/>
-          <p:nvPr/>
-        </p:nvSpPr>
-        <p:spPr>
-          <a:xfrm>
-            <a:off x="1660183" y="4820138"/>
-            <a:ext cx="926123" cy="369332"/>
-          </a:xfrm>
-          <a:prstGeom prst="rect">
-            <a:avLst/>
-          </a:prstGeom>
-          <a:noFill/>
-        </p:spPr>
-        <p:txBody>
-          <a:bodyPr rot="0" spcFirstLastPara="0" vertOverflow="overflow" horzOverflow="overflow" vert="horz" wrap="square" lIns="91440" tIns="45720" rIns="91440" bIns="45720" numCol="1" spcCol="0" rtlCol="0" fromWordArt="0" anchor="t" anchorCtr="0" forceAA="0" compatLnSpc="1">
-            <a:prstTxWarp prst="textNoShape">
-              <a:avLst/>
-            </a:prstTxWarp>
-            <a:spAutoFit/>
-          </a:bodyPr>
-          <a:lstStyle/>
-          <a:p>
-            <a:pPr algn="l"/>
-            <a:r>
-              <a:rPr lang="el-GR" dirty="0" err="1"/>
-              <a:t>kurudz</a:t>
-            </a:r>
-          </a:p>
-        </p:txBody>
-      </p:sp>
-      <p:sp>
-        <p:nvSpPr>
-          <p:cNvPr id="7" name="TextBox 6">
-            <a:extLst>
-              <a:ext uri="{FF2B5EF4-FFF2-40B4-BE49-F238E27FC236}">
-                <a16:creationId xmlns:a16="http://schemas.microsoft.com/office/drawing/2014/main" id="{4F46A0B3-610B-75AF-25F4-971F14592E22}"/>
-              </a:ext>
-            </a:extLst>
-          </p:cNvPr>
-          <p:cNvSpPr txBox="1"/>
-          <p:nvPr/>
-        </p:nvSpPr>
-        <p:spPr>
-          <a:xfrm>
-            <a:off x="9694007" y="4823850"/>
-            <a:ext cx="1266093" cy="369332"/>
-          </a:xfrm>
-          <a:prstGeom prst="rect">
-            <a:avLst/>
-          </a:prstGeom>
-          <a:noFill/>
-        </p:spPr>
-        <p:txBody>
-          <a:bodyPr rot="0" spcFirstLastPara="0" vertOverflow="overflow" horzOverflow="overflow" vert="horz" wrap="square" lIns="91440" tIns="45720" rIns="91440" bIns="45720" numCol="1" spcCol="0" rtlCol="0" fromWordArt="0" anchor="t" anchorCtr="0" forceAA="0" compatLnSpc="1">
-            <a:prstTxWarp prst="textNoShape">
-              <a:avLst/>
-            </a:prstTxWarp>
-            <a:spAutoFit/>
-          </a:bodyPr>
-          <a:lstStyle/>
-          <a:p>
-            <a:pPr algn="l"/>
-            <a:r>
-              <a:rPr lang="el-GR" dirty="0" err="1"/>
-              <a:t>atlas_plus</a:t>
-            </a:r>
-          </a:p>
-        </p:txBody>
-      </p:sp>
     </p:spTree>
     <p:extLst>
       <p:ext uri="{BB962C8B-B14F-4D97-AF65-F5344CB8AC3E}">
-        <p14:creationId xmlns:p14="http://schemas.microsoft.com/office/powerpoint/2010/main" val="4020534852"/>
+        <p14:creationId xmlns:p14="http://schemas.microsoft.com/office/powerpoint/2010/main" val="1761082859"/>
       </p:ext>
     </p:extLst>
   </p:cSld>
@@ -5499,10 +5383,10 @@
       </p:grpSpPr>
       <p:pic>
         <p:nvPicPr>
-          <p:cNvPr id="7" name="Θέση περιεχομένου 6" descr="Εικόνα που περιέχει κείμενο, διάγραμμα, στιγμιότυπο οθόνης, γράφημα&#10;&#10;Περιγραφή που δημιουργήθηκε αυτόματα">
-            <a:extLst>
-              <a:ext uri="{FF2B5EF4-FFF2-40B4-BE49-F238E27FC236}">
-                <a16:creationId xmlns:a16="http://schemas.microsoft.com/office/drawing/2014/main" id="{BADD0168-9FDC-79DF-AACE-B02B4DD2B211}"/>
+          <p:cNvPr id="9" name="Θέση περιεχομένου 8" descr="Εικόνα που περιέχει κείμενο, στιγμιότυπο οθόνης, γράφημα, διάγραμμα&#10;&#10;Περιγραφή που δημιουργήθηκε αυτόματα">
+            <a:extLst>
+              <a:ext uri="{FF2B5EF4-FFF2-40B4-BE49-F238E27FC236}">
+                <a16:creationId xmlns:a16="http://schemas.microsoft.com/office/drawing/2014/main" id="{BB47D059-5FF1-2F68-1921-95631DE2D8BF}"/>
               </a:ext>
             </a:extLst>
           </p:cNvPr>
@@ -5510,7 +5394,7 @@
             <a:picLocks noGrp="1" noChangeAspect="1"/>
           </p:cNvPicPr>
           <p:nvPr>
-            <p:ph sz="half" idx="2"/>
+            <p:ph sz="half" idx="1"/>
           </p:nvPr>
         </p:nvPicPr>
         <p:blipFill>
@@ -5521,79 +5405,17 @@
         </p:blipFill>
         <p:spPr>
           <a:xfrm>
-            <a:off x="6345201" y="1773383"/>
-            <a:ext cx="5199928" cy="4972383"/>
+            <a:off x="773823" y="2081369"/>
+            <a:ext cx="4867469" cy="4552793"/>
           </a:xfrm>
         </p:spPr>
       </p:pic>
-      <p:sp>
-        <p:nvSpPr>
-          <p:cNvPr id="5" name="TextBox 4">
-            <a:extLst>
-              <a:ext uri="{FF2B5EF4-FFF2-40B4-BE49-F238E27FC236}">
-                <a16:creationId xmlns:a16="http://schemas.microsoft.com/office/drawing/2014/main" id="{416A63A7-5335-6D49-1E5F-9C1C142222B7}"/>
-              </a:ext>
-            </a:extLst>
-          </p:cNvPr>
-          <p:cNvSpPr txBox="1"/>
-          <p:nvPr/>
-        </p:nvSpPr>
-        <p:spPr>
-          <a:xfrm>
-            <a:off x="781050" y="212436"/>
-            <a:ext cx="10629900" cy="1477328"/>
-          </a:xfrm>
-          <a:prstGeom prst="rect">
-            <a:avLst/>
-          </a:prstGeom>
-          <a:noFill/>
-        </p:spPr>
-        <p:txBody>
-          <a:bodyPr rot="0" spcFirstLastPara="0" vertOverflow="overflow" horzOverflow="overflow" vert="horz" wrap="square" lIns="91440" tIns="45720" rIns="91440" bIns="45720" numCol="1" spcCol="0" rtlCol="0" fromWordArt="0" anchor="t" anchorCtr="0" forceAA="0" compatLnSpc="1">
-            <a:prstTxWarp prst="textNoShape">
-              <a:avLst/>
-            </a:prstTxWarp>
-            <a:spAutoFit/>
-          </a:bodyPr>
-          <a:lstStyle/>
-          <a:p>
-            <a:r>
-              <a:rPr lang="el-GR" dirty="0"/>
-              <a:t>Αρχικά, κόψαμε τις τιμές του μήκους κύματος που ξεπερνούσαν τα 2.500nm στο 1</a:t>
-            </a:r>
-            <a:r>
-              <a:rPr lang="el-GR" baseline="30000" dirty="0"/>
-              <a:t>ο</a:t>
-            </a:r>
-            <a:r>
-              <a:rPr lang="el-GR" dirty="0"/>
-              <a:t> σετ μετρήσεων και κάναμε μία πρώτη γραφική παράσταση έτσι ώστε να έχουμε μία καλύτερη εικόνα των δεδομένων. Με μωβ χρώμα απεικονίζεται το σετ </a:t>
-            </a:r>
-            <a:r>
-              <a:rPr lang="el-GR" dirty="0" err="1"/>
-              <a:t>kurudz</a:t>
-            </a:r>
-            <a:r>
-              <a:rPr lang="el-GR" dirty="0"/>
-              <a:t> και με πράσινο το </a:t>
-            </a:r>
-            <a:r>
-              <a:rPr lang="el-GR" dirty="0" err="1"/>
-              <a:t>atlas_plus</a:t>
-            </a:r>
-            <a:r>
-              <a:rPr lang="el-GR" dirty="0"/>
-              <a:t>. Είναι εμφανές ότι το ένα σετ περιέχει τιμές σε μεγαλύτερο εύρος όσων αφορά το μήκος κύματος ενώ το δεύτερο έχει περισσότερες τιμές της ακτινοβολίας σε μικρότερο εύρος. </a:t>
-            </a:r>
-          </a:p>
-        </p:txBody>
-      </p:sp>
       <p:pic>
         <p:nvPicPr>
-          <p:cNvPr id="12" name="Θέση περιεχομένου 11">
-            <a:extLst>
-              <a:ext uri="{FF2B5EF4-FFF2-40B4-BE49-F238E27FC236}">
-                <a16:creationId xmlns:a16="http://schemas.microsoft.com/office/drawing/2014/main" id="{DBB41800-D14A-4DF9-DFD3-57D50D6010DE}"/>
+          <p:cNvPr id="7" name="Θέση περιεχομένου 6" descr="Εικόνα που περιέχει κείμενο, διάγραμμα, στιγμιότυπο οθόνης, γράφημα&#10;&#10;Περιγραφή που δημιουργήθηκε αυτόματα">
+            <a:extLst>
+              <a:ext uri="{FF2B5EF4-FFF2-40B4-BE49-F238E27FC236}">
+                <a16:creationId xmlns:a16="http://schemas.microsoft.com/office/drawing/2014/main" id="{06A60417-32E9-38CF-B281-EB1D88F4AB8E}"/>
               </a:ext>
             </a:extLst>
           </p:cNvPr>
@@ -5601,7 +5423,7 @@
             <a:picLocks noGrp="1" noChangeAspect="1"/>
           </p:cNvPicPr>
           <p:nvPr>
-            <p:ph sz="half" idx="1"/>
+            <p:ph sz="half" idx="2"/>
           </p:nvPr>
         </p:nvPicPr>
         <p:blipFill>
@@ -5612,15 +5434,66 @@
         </p:blipFill>
         <p:spPr>
           <a:xfrm>
-            <a:off x="320042" y="1773383"/>
-            <a:ext cx="5526759" cy="5084618"/>
+            <a:off x="6550710" y="2081368"/>
+            <a:ext cx="4867851" cy="4552793"/>
           </a:xfrm>
         </p:spPr>
       </p:pic>
+      <p:sp>
+        <p:nvSpPr>
+          <p:cNvPr id="8" name="TextBox 7">
+            <a:extLst>
+              <a:ext uri="{FF2B5EF4-FFF2-40B4-BE49-F238E27FC236}">
+                <a16:creationId xmlns:a16="http://schemas.microsoft.com/office/drawing/2014/main" id="{7C1FFD2D-2B2E-D3C9-E439-97A0577194FC}"/>
+              </a:ext>
+            </a:extLst>
+          </p:cNvPr>
+          <p:cNvSpPr txBox="1"/>
+          <p:nvPr/>
+        </p:nvSpPr>
+        <p:spPr>
+          <a:xfrm>
+            <a:off x="915767" y="360484"/>
+            <a:ext cx="10360269" cy="1477328"/>
+          </a:xfrm>
+          <a:prstGeom prst="rect">
+            <a:avLst/>
+          </a:prstGeom>
+          <a:noFill/>
+        </p:spPr>
+        <p:txBody>
+          <a:bodyPr rot="0" spcFirstLastPara="0" vertOverflow="overflow" horzOverflow="overflow" vert="horz" wrap="square" lIns="91440" tIns="45720" rIns="91440" bIns="45720" numCol="1" spcCol="0" rtlCol="0" fromWordArt="0" anchor="t" anchorCtr="0" forceAA="0" compatLnSpc="1">
+            <a:prstTxWarp prst="textNoShape">
+              <a:avLst/>
+            </a:prstTxWarp>
+            <a:spAutoFit/>
+          </a:bodyPr>
+          <a:lstStyle/>
+          <a:p>
+            <a:r>
+              <a:rPr lang="el-GR" dirty="0"/>
+              <a:t>Για καλύτερη σύγκριση των δύο σετ, ζουμάρουμε στην 1η γραφική έτσι ώστε να μελετάμε το ίδιο κομμάτι του φάσματος και στις 2 περιπτώσεις. Με μία πρώτη ματιά παρατηρούμε σαφώς ότι η 2η γραφική είναι πιο πυκνή, κάτι που είναι αναμενόμενο καθώς είναι "φορτωμένη" με περισσότερα δεδομένα. Το σημαντικό που πρέπει να σχολιαστεί είναι το γεγονός ότι και οι δύο καμπύλες έχουν την ίδια μορφολογία και παρατηρούμε τα ίδια </a:t>
+            </a:r>
+            <a:r>
+              <a:rPr lang="el-GR" dirty="0" err="1"/>
+              <a:t>peaks</a:t>
+            </a:r>
+            <a:r>
+              <a:rPr lang="el-GR" dirty="0"/>
+              <a:t> (τόσο για τις ελάχιστες όσο και για τις μέγιστες τιμές)</a:t>
+            </a:r>
+            <a:r>
+              <a:rPr lang="en-US" dirty="0"/>
+              <a:t>.</a:t>
+            </a:r>
+            <a:endParaRPr lang="el-GR" dirty="0"/>
+          </a:p>
+        </p:txBody>
+      </p:sp>
     </p:spTree>
     <p:extLst>
       <p:ext uri="{BB962C8B-B14F-4D97-AF65-F5344CB8AC3E}">
-        <p14:creationId xmlns:p14="http://schemas.microsoft.com/office/powerpoint/2010/main" val="1761082859"/>
+        <p14:creationId xmlns:p14="http://schemas.microsoft.com/office/powerpoint/2010/main" val="4261702434"/>
       </p:ext>
     </p:extLst>
   </p:cSld>
@@ -5647,12 +5520,124 @@
           <a:chExt cx="0" cy="0"/>
         </a:xfrm>
       </p:grpSpPr>
+      <p:sp>
+        <p:nvSpPr>
+          <p:cNvPr id="12" name="TextBox 11">
+            <a:extLst>
+              <a:ext uri="{FF2B5EF4-FFF2-40B4-BE49-F238E27FC236}">
+                <a16:creationId xmlns:a16="http://schemas.microsoft.com/office/drawing/2014/main" id="{9D5A7CEC-D0D6-92C0-BEBA-6FAD982F56BA}"/>
+              </a:ext>
+            </a:extLst>
+          </p:cNvPr>
+          <p:cNvSpPr txBox="1"/>
+          <p:nvPr/>
+        </p:nvSpPr>
+        <p:spPr>
+          <a:xfrm>
+            <a:off x="720436" y="240147"/>
+            <a:ext cx="11083636" cy="1477328"/>
+          </a:xfrm>
+          <a:prstGeom prst="rect">
+            <a:avLst/>
+          </a:prstGeom>
+          <a:noFill/>
+        </p:spPr>
+        <p:txBody>
+          <a:bodyPr wrap="square" rtlCol="0">
+            <a:spAutoFit/>
+          </a:bodyPr>
+          <a:lstStyle/>
+          <a:p>
+            <a:r>
+              <a:rPr lang="el-GR" dirty="0"/>
+              <a:t>Στην συνέχεια, κάνουμε μέσες τιμές για την ακτινοβολία για το </a:t>
+            </a:r>
+            <a:r>
+              <a:rPr lang="en-US" dirty="0"/>
+              <a:t>dataset </a:t>
+            </a:r>
+            <a:r>
+              <a:rPr lang="el-GR" dirty="0"/>
+              <a:t>με τις περισσότερες μετρήσεις έτσι ώστε να έχουμε μία μέτρηση ανά </a:t>
+            </a:r>
+            <a:r>
+              <a:rPr lang="en-US" dirty="0"/>
+              <a:t>1nm </a:t>
+            </a:r>
+            <a:r>
+              <a:rPr lang="el-GR" dirty="0"/>
+              <a:t>όπως ακριβώς συμβαίνει με το 1</a:t>
+            </a:r>
+            <a:r>
+              <a:rPr lang="el-GR" baseline="30000" dirty="0"/>
+              <a:t>ο</a:t>
+            </a:r>
+            <a:r>
+              <a:rPr lang="el-GR" dirty="0"/>
+              <a:t> </a:t>
+            </a:r>
+            <a:r>
+              <a:rPr lang="en-US" dirty="0"/>
+              <a:t>dataset.</a:t>
+            </a:r>
+            <a:r>
+              <a:rPr lang="el-GR" dirty="0"/>
+              <a:t> </a:t>
+            </a:r>
+            <a:r>
+              <a:rPr lang="en-US" dirty="0"/>
+              <a:t> </a:t>
+            </a:r>
+            <a:r>
+              <a:rPr lang="el-GR" dirty="0"/>
+              <a:t>Κάνοντας τις αντίστοιχες γραφικές παρατηρούμε ότι σε γενικές γραμμές οι δύο γραφικές είναι σχεδόν πανομοιότυπες με πολύ μικρές τοπικές αποκλίσεις. Συγκεκριμένα, παρατηρούμε μία απόκλιση στα χαμηλά μήκη κύματος (&lt;300</a:t>
+            </a:r>
+            <a:r>
+              <a:rPr lang="en-US" dirty="0"/>
+              <a:t>nm</a:t>
+            </a:r>
+            <a:r>
+              <a:rPr lang="en-GB" dirty="0"/>
+              <a:t>) </a:t>
+            </a:r>
+            <a:r>
+              <a:rPr lang="el-GR" dirty="0"/>
+              <a:t>καθώς και μία μικρότερη στα 500 </a:t>
+            </a:r>
+            <a:r>
+              <a:rPr lang="en-US" dirty="0"/>
+              <a:t>nm </a:t>
+            </a:r>
+            <a:r>
+              <a:rPr lang="el-GR" dirty="0"/>
+              <a:t>στο 2</a:t>
+            </a:r>
+            <a:r>
+              <a:rPr lang="el-GR" baseline="30000" dirty="0"/>
+              <a:t>ο</a:t>
+            </a:r>
+            <a:r>
+              <a:rPr lang="el-GR" dirty="0"/>
+              <a:t> </a:t>
+            </a:r>
+            <a:r>
+              <a:rPr lang="en-US" dirty="0"/>
+              <a:t>peak. </a:t>
+            </a:r>
+            <a:r>
+              <a:rPr lang="el-GR" dirty="0"/>
+              <a:t> </a:t>
+            </a:r>
+            <a:endParaRPr lang="en-GB" dirty="0"/>
+          </a:p>
+        </p:txBody>
+      </p:sp>
       <p:pic>
         <p:nvPicPr>
-          <p:cNvPr id="9" name="Θέση περιεχομένου 8" descr="Εικόνα που περιέχει κείμενο, στιγμιότυπο οθόνης, γράφημα, διάγραμμα&#10;&#10;Περιγραφή που δημιουργήθηκε αυτόματα">
-            <a:extLst>
-              <a:ext uri="{FF2B5EF4-FFF2-40B4-BE49-F238E27FC236}">
-                <a16:creationId xmlns:a16="http://schemas.microsoft.com/office/drawing/2014/main" id="{BB47D059-5FF1-2F68-1921-95631DE2D8BF}"/>
+          <p:cNvPr id="8" name="Θέση περιεχομένου 7">
+            <a:extLst>
+              <a:ext uri="{FF2B5EF4-FFF2-40B4-BE49-F238E27FC236}">
+                <a16:creationId xmlns:a16="http://schemas.microsoft.com/office/drawing/2014/main" id="{4F75940E-0ABF-4897-52D3-D77EDCF83AF1}"/>
               </a:ext>
             </a:extLst>
           </p:cNvPr>
@@ -5671,17 +5656,17 @@
         </p:blipFill>
         <p:spPr>
           <a:xfrm>
-            <a:off x="773823" y="2081369"/>
-            <a:ext cx="4867469" cy="4552793"/>
+            <a:off x="421746" y="1865745"/>
+            <a:ext cx="5255570" cy="4905755"/>
           </a:xfrm>
         </p:spPr>
       </p:pic>
       <p:pic>
         <p:nvPicPr>
-          <p:cNvPr id="7" name="Θέση περιεχομένου 6" descr="Εικόνα που περιέχει κείμενο, διάγραμμα, στιγμιότυπο οθόνης, γράφημα&#10;&#10;Περιγραφή που δημιουργήθηκε αυτόματα">
-            <a:extLst>
-              <a:ext uri="{FF2B5EF4-FFF2-40B4-BE49-F238E27FC236}">
-                <a16:creationId xmlns:a16="http://schemas.microsoft.com/office/drawing/2014/main" id="{06A60417-32E9-38CF-B281-EB1D88F4AB8E}"/>
+          <p:cNvPr id="11" name="Θέση περιεχομένου 10">
+            <a:extLst>
+              <a:ext uri="{FF2B5EF4-FFF2-40B4-BE49-F238E27FC236}">
+                <a16:creationId xmlns:a16="http://schemas.microsoft.com/office/drawing/2014/main" id="{0ECCCFE6-9FA7-D04F-5A16-AA48D10DF304}"/>
               </a:ext>
             </a:extLst>
           </p:cNvPr>
@@ -5700,257 +5685,6 @@
         </p:blipFill>
         <p:spPr>
           <a:xfrm>
-            <a:off x="6550710" y="2081368"/>
-            <a:ext cx="4867851" cy="4552793"/>
-          </a:xfrm>
-        </p:spPr>
-      </p:pic>
-      <p:sp>
-        <p:nvSpPr>
-          <p:cNvPr id="8" name="TextBox 7">
-            <a:extLst>
-              <a:ext uri="{FF2B5EF4-FFF2-40B4-BE49-F238E27FC236}">
-                <a16:creationId xmlns:a16="http://schemas.microsoft.com/office/drawing/2014/main" id="{7C1FFD2D-2B2E-D3C9-E439-97A0577194FC}"/>
-              </a:ext>
-            </a:extLst>
-          </p:cNvPr>
-          <p:cNvSpPr txBox="1"/>
-          <p:nvPr/>
-        </p:nvSpPr>
-        <p:spPr>
-          <a:xfrm>
-            <a:off x="915767" y="360484"/>
-            <a:ext cx="10360269" cy="1477328"/>
-          </a:xfrm>
-          <a:prstGeom prst="rect">
-            <a:avLst/>
-          </a:prstGeom>
-          <a:noFill/>
-        </p:spPr>
-        <p:txBody>
-          <a:bodyPr rot="0" spcFirstLastPara="0" vertOverflow="overflow" horzOverflow="overflow" vert="horz" wrap="square" lIns="91440" tIns="45720" rIns="91440" bIns="45720" numCol="1" spcCol="0" rtlCol="0" fromWordArt="0" anchor="t" anchorCtr="0" forceAA="0" compatLnSpc="1">
-            <a:prstTxWarp prst="textNoShape">
-              <a:avLst/>
-            </a:prstTxWarp>
-            <a:spAutoFit/>
-          </a:bodyPr>
-          <a:lstStyle/>
-          <a:p>
-            <a:r>
-              <a:rPr lang="el-GR" dirty="0"/>
-              <a:t>Για καλύτερη σύγκριση των δύο σετ, ζουμάρουμε στην 1η γραφική έτσι ώστε να μελετάμε το ίδιο κομμάτι του φάσματος και στις 2 περιπτώσεις. Με μία πρώτη ματιά παρατηρούμε σαφώς ότι η 2η γραφική είναι πιο πυκνή, κάτι που είναι αναμενόμενο καθώς είναι "φορτωμένη" με περισσότερα δεδομένα. Το σημαντικό που πρέπει να σχολιαστεί είναι το γεγονός ότι και οι δύο καμπύλες έχουν την ίδια μορφολογία και παρατηρούμε τα ίδια </a:t>
-            </a:r>
-            <a:r>
-              <a:rPr lang="el-GR" dirty="0" err="1"/>
-              <a:t>peaks</a:t>
-            </a:r>
-            <a:r>
-              <a:rPr lang="el-GR" dirty="0"/>
-              <a:t> (τόσο για τις ελάχιστες όσο και για τις μέγιστες τιμές)</a:t>
-            </a:r>
-            <a:r>
-              <a:rPr lang="en-US" dirty="0"/>
-              <a:t>.</a:t>
-            </a:r>
-            <a:endParaRPr lang="el-GR" dirty="0"/>
-          </a:p>
-        </p:txBody>
-      </p:sp>
-    </p:spTree>
-    <p:extLst>
-      <p:ext uri="{BB962C8B-B14F-4D97-AF65-F5344CB8AC3E}">
-        <p14:creationId xmlns:p14="http://schemas.microsoft.com/office/powerpoint/2010/main" val="4261702434"/>
-      </p:ext>
-    </p:extLst>
-  </p:cSld>
-  <p:clrMapOvr>
-    <a:masterClrMapping/>
-  </p:clrMapOvr>
-</p:sld>
-</file>
-
-<file path=ppt/slides/slide14.xml><?xml version="1.0" encoding="utf-8"?>
-<p:sld xmlns:a="http://schemas.openxmlformats.org/drawingml/2006/main" xmlns:r="http://schemas.openxmlformats.org/officeDocument/2006/relationships" xmlns:p="http://schemas.openxmlformats.org/presentationml/2006/main">
-  <p:cSld>
-    <p:spTree>
-      <p:nvGrpSpPr>
-        <p:cNvPr id="1" name=""/>
-        <p:cNvGrpSpPr/>
-        <p:nvPr/>
-      </p:nvGrpSpPr>
-      <p:grpSpPr>
-        <a:xfrm>
-          <a:off x="0" y="0"/>
-          <a:ext cx="0" cy="0"/>
-          <a:chOff x="0" y="0"/>
-          <a:chExt cx="0" cy="0"/>
-        </a:xfrm>
-      </p:grpSpPr>
-      <p:sp>
-        <p:nvSpPr>
-          <p:cNvPr id="12" name="TextBox 11">
-            <a:extLst>
-              <a:ext uri="{FF2B5EF4-FFF2-40B4-BE49-F238E27FC236}">
-                <a16:creationId xmlns:a16="http://schemas.microsoft.com/office/drawing/2014/main" id="{9D5A7CEC-D0D6-92C0-BEBA-6FAD982F56BA}"/>
-              </a:ext>
-            </a:extLst>
-          </p:cNvPr>
-          <p:cNvSpPr txBox="1"/>
-          <p:nvPr/>
-        </p:nvSpPr>
-        <p:spPr>
-          <a:xfrm>
-            <a:off x="720436" y="240147"/>
-            <a:ext cx="11083636" cy="1477328"/>
-          </a:xfrm>
-          <a:prstGeom prst="rect">
-            <a:avLst/>
-          </a:prstGeom>
-          <a:noFill/>
-        </p:spPr>
-        <p:txBody>
-          <a:bodyPr wrap="square" rtlCol="0">
-            <a:spAutoFit/>
-          </a:bodyPr>
-          <a:lstStyle/>
-          <a:p>
-            <a:r>
-              <a:rPr lang="el-GR" dirty="0"/>
-              <a:t>Στην συνέχεια, κάνουμε μέσες τιμές για την ακτινοβολία για το </a:t>
-            </a:r>
-            <a:r>
-              <a:rPr lang="en-US" dirty="0"/>
-              <a:t>dataset </a:t>
-            </a:r>
-            <a:r>
-              <a:rPr lang="el-GR" dirty="0"/>
-              <a:t>με τις περισσότερες μετρήσεις έτσι ώστε να έχουμε μία μέτρηση ανά </a:t>
-            </a:r>
-            <a:r>
-              <a:rPr lang="en-US" dirty="0"/>
-              <a:t>1nm </a:t>
-            </a:r>
-            <a:r>
-              <a:rPr lang="el-GR" dirty="0"/>
-              <a:t>όπως ακριβώς συμβαίνει με το 1</a:t>
-            </a:r>
-            <a:r>
-              <a:rPr lang="el-GR" baseline="30000" dirty="0"/>
-              <a:t>ο</a:t>
-            </a:r>
-            <a:r>
-              <a:rPr lang="el-GR" dirty="0"/>
-              <a:t> </a:t>
-            </a:r>
-            <a:r>
-              <a:rPr lang="en-US" dirty="0"/>
-              <a:t>dataset.</a:t>
-            </a:r>
-            <a:r>
-              <a:rPr lang="el-GR" dirty="0"/>
-              <a:t> </a:t>
-            </a:r>
-            <a:r>
-              <a:rPr lang="en-US" dirty="0"/>
-              <a:t> </a:t>
-            </a:r>
-            <a:r>
-              <a:rPr lang="el-GR" dirty="0"/>
-              <a:t>Κάνοντας τις αντίστοιχες γραφικές παρατηρούμε ότι σε γενικές γραμμές οι δύο γραφικές είναι σχεδόν πανομοιότυπες με πολύ μικρές τοπικές αποκλίσεις. Συγκεκριμένα, παρατηρούμε μία απόκλιση στα χαμηλά μήκη κύματος (&lt;300</a:t>
-            </a:r>
-            <a:r>
-              <a:rPr lang="en-US" dirty="0"/>
-              <a:t>nm</a:t>
-            </a:r>
-            <a:r>
-              <a:rPr lang="en-GB" dirty="0"/>
-              <a:t>) </a:t>
-            </a:r>
-            <a:r>
-              <a:rPr lang="el-GR" dirty="0"/>
-              <a:t>καθώς και μία μικρότερη στα 500 </a:t>
-            </a:r>
-            <a:r>
-              <a:rPr lang="en-US" dirty="0"/>
-              <a:t>nm </a:t>
-            </a:r>
-            <a:r>
-              <a:rPr lang="el-GR" dirty="0"/>
-              <a:t>στο 2</a:t>
-            </a:r>
-            <a:r>
-              <a:rPr lang="el-GR" baseline="30000" dirty="0"/>
-              <a:t>ο</a:t>
-            </a:r>
-            <a:r>
-              <a:rPr lang="el-GR" dirty="0"/>
-              <a:t> </a:t>
-            </a:r>
-            <a:r>
-              <a:rPr lang="en-US" dirty="0"/>
-              <a:t>peak. </a:t>
-            </a:r>
-            <a:r>
-              <a:rPr lang="el-GR" dirty="0"/>
-              <a:t> </a:t>
-            </a:r>
-            <a:endParaRPr lang="en-GB" dirty="0"/>
-          </a:p>
-        </p:txBody>
-      </p:sp>
-      <p:pic>
-        <p:nvPicPr>
-          <p:cNvPr id="8" name="Θέση περιεχομένου 7">
-            <a:extLst>
-              <a:ext uri="{FF2B5EF4-FFF2-40B4-BE49-F238E27FC236}">
-                <a16:creationId xmlns:a16="http://schemas.microsoft.com/office/drawing/2014/main" id="{4F75940E-0ABF-4897-52D3-D77EDCF83AF1}"/>
-              </a:ext>
-            </a:extLst>
-          </p:cNvPr>
-          <p:cNvPicPr>
-            <a:picLocks noGrp="1" noChangeAspect="1"/>
-          </p:cNvPicPr>
-          <p:nvPr>
-            <p:ph sz="half" idx="1"/>
-          </p:nvPr>
-        </p:nvPicPr>
-        <p:blipFill>
-          <a:blip r:embed="rId2"/>
-          <a:stretch>
-            <a:fillRect/>
-          </a:stretch>
-        </p:blipFill>
-        <p:spPr>
-          <a:xfrm>
-            <a:off x="421746" y="1865745"/>
-            <a:ext cx="5255570" cy="4905755"/>
-          </a:xfrm>
-        </p:spPr>
-      </p:pic>
-      <p:pic>
-        <p:nvPicPr>
-          <p:cNvPr id="11" name="Θέση περιεχομένου 10">
-            <a:extLst>
-              <a:ext uri="{FF2B5EF4-FFF2-40B4-BE49-F238E27FC236}">
-                <a16:creationId xmlns:a16="http://schemas.microsoft.com/office/drawing/2014/main" id="{0ECCCFE6-9FA7-D04F-5A16-AA48D10DF304}"/>
-              </a:ext>
-            </a:extLst>
-          </p:cNvPr>
-          <p:cNvPicPr>
-            <a:picLocks noGrp="1" noChangeAspect="1"/>
-          </p:cNvPicPr>
-          <p:nvPr>
-            <p:ph sz="half" idx="2"/>
-          </p:nvPr>
-        </p:nvPicPr>
-        <p:blipFill>
-          <a:blip r:embed="rId3"/>
-          <a:stretch>
-            <a:fillRect/>
-          </a:stretch>
-        </p:blipFill>
-        <p:spPr>
-          <a:xfrm>
             <a:off x="6514686" y="1862890"/>
             <a:ext cx="5189369" cy="4905755"/>
           </a:xfrm>
@@ -5969,7 +5703,7 @@
 </p:sld>
 </file>
 
-<file path=ppt/slides/slide15.xml><?xml version="1.0" encoding="utf-8"?>
+<file path=ppt/slides/slide14.xml><?xml version="1.0" encoding="utf-8"?>
 <p:sld xmlns:a="http://schemas.openxmlformats.org/drawingml/2006/main" xmlns:r="http://schemas.openxmlformats.org/officeDocument/2006/relationships" xmlns:p="http://schemas.openxmlformats.org/presentationml/2006/main">
   <p:cSld>
     <p:spTree>
@@ -7107,7 +6841,7 @@
 </p:sld>
 </file>
 
-<file path=ppt/slides/slide16.xml><?xml version="1.0" encoding="utf-8"?>
+<file path=ppt/slides/slide15.xml><?xml version="1.0" encoding="utf-8"?>
 <p:sld xmlns:a="http://schemas.openxmlformats.org/drawingml/2006/main" xmlns:r="http://schemas.openxmlformats.org/officeDocument/2006/relationships" xmlns:p="http://schemas.openxmlformats.org/presentationml/2006/main">
   <p:cSld>
     <p:spTree>
@@ -8400,7 +8134,7 @@
         </p:spPr>
         <p:txBody>
           <a:bodyPr vert="horz" lIns="91440" tIns="45720" rIns="91440" bIns="45720" rtlCol="0" anchor="ctr">
-            <a:normAutofit/>
+            <a:normAutofit lnSpcReduction="10000"/>
           </a:bodyPr>
           <a:lstStyle/>
           <a:p>
@@ -8425,15 +8159,7 @@
             </a:r>
             <a:r>
               <a:rPr lang="el-GR" sz="2000" dirty="0"/>
-              <a:t> μέρος της εργασίας αυτής, επεξεργαζόμαστε δεδομένα από 3 διαφορετικές ως προς το γεωγραφικό πλάτος περιοχές. Οι περιοχές αυτές είναι ο Ισημερινός, τα μέσα πλάτη και τα </a:t>
-            </a:r>
-            <a:r>
-              <a:rPr lang="el-GR" sz="2000" dirty="0" err="1"/>
-              <a:t>υποαρκτικά</a:t>
-            </a:r>
-            <a:r>
-              <a:rPr lang="el-GR" sz="2000" dirty="0"/>
-              <a:t> πλάτη. Ο Ισημερινός, ως γνωστόν, δεν παρουσιάζει μεγάλες μεταβολές κατά την διάρκεια του χρόνου, σε αντίθεση με όλες τις υπόλοιπες περιοχές του πλανήτη. Για τον λόγο αυτό, για τον Ισημερινό μελετάμε ένα σετ δεδομένων ενώ για τις άλλες δύο περιοχές διαθέτουμε από 2 σετ δεδομένων, ένα για το καλοκαίρι και ένα για τον χειμώνα. Τα δεδομένα που διαθέτουμε είναι συναρτήσεις του ύψους και φαίνονται, ενδεικτικά, στον παρακάτω πίνακα. </a:t>
+              <a:t> μέρος της εργασίας αυτής, επεξεργαζόμαστε δεδομένα από 3 διαφορετικές ως προς το γεωγραφικό πλάτος περιοχές. Οι περιοχές αυτές είναι ο Ισημερινός, τα μέσα πλάτη και τα υποαρκτικά πλάτη. Ο Ισημερινός, ως γνωστόν, δεν παρουσιάζει μεγάλες μεταβολές κατά την διάρκεια του χρόνου, σε αντίθεση με όλες τις υπόλοιπες περιοχές του πλανήτη. Για τον λόγο αυτό, για τον Ισημερινό μελετάμε ένα σετ δεδομένων ενώ για τις άλλες δύο περιοχές διαθέτουμε από 2 σετ δεδομένων, ένα για το καλοκαίρι και ένα για τον χειμώνα, έτσι ώστε να μπορούμε να μελετήσουμε τυχόν εποχικές μεταβολές. Τα δεδομένα που διαθέτουμε είναι συναρτήσεις του ύψους και φαίνονται, ενδεικτικά, στον παρακάτω πίνακα. </a:t>
             </a:r>
             <a:endParaRPr lang="en-US" sz="2000" dirty="0"/>
           </a:p>
@@ -8503,10 +8229,10 @@
       </p:grpSpPr>
       <p:pic>
         <p:nvPicPr>
-          <p:cNvPr id="2050" name="Picture 2">
-            <a:extLst>
-              <a:ext uri="{FF2B5EF4-FFF2-40B4-BE49-F238E27FC236}">
-                <a16:creationId xmlns:a16="http://schemas.microsoft.com/office/drawing/2014/main" id="{49478C29-5474-09E8-17E0-0C039A55B819}"/>
+          <p:cNvPr id="2" name="Picture 4">
+            <a:extLst>
+              <a:ext uri="{FF2B5EF4-FFF2-40B4-BE49-F238E27FC236}">
+                <a16:creationId xmlns:a16="http://schemas.microsoft.com/office/drawing/2014/main" id="{5FEC10A5-476D-B4D0-52CB-CA70A0C7D0D2}"/>
               </a:ext>
             </a:extLst>
           </p:cNvPr>
@@ -8530,7 +8256,7 @@
         </p:blipFill>
         <p:spPr bwMode="auto">
           <a:xfrm>
-            <a:off x="7927256" y="3511720"/>
+            <a:off x="140999" y="95400"/>
             <a:ext cx="3297985" cy="3333600"/>
           </a:xfrm>
           <a:prstGeom prst="rect">
@@ -8550,10 +8276,10 @@
       </p:pic>
       <p:pic>
         <p:nvPicPr>
-          <p:cNvPr id="2052" name="Picture 4">
-            <a:extLst>
-              <a:ext uri="{FF2B5EF4-FFF2-40B4-BE49-F238E27FC236}">
-                <a16:creationId xmlns:a16="http://schemas.microsoft.com/office/drawing/2014/main" id="{5FEC10A5-476D-B4D0-52CB-CA70A0C7D0D2}"/>
+          <p:cNvPr id="3" name="Picture 6">
+            <a:extLst>
+              <a:ext uri="{FF2B5EF4-FFF2-40B4-BE49-F238E27FC236}">
+                <a16:creationId xmlns:a16="http://schemas.microsoft.com/office/drawing/2014/main" id="{56D54D7A-BF5D-EF8A-AD13-B9DCDDBC2287}"/>
               </a:ext>
             </a:extLst>
           </p:cNvPr>
@@ -8577,7 +8303,7 @@
         </p:blipFill>
         <p:spPr bwMode="auto">
           <a:xfrm>
-            <a:off x="140999" y="95400"/>
+            <a:off x="3438984" y="95400"/>
             <a:ext cx="3297985" cy="3333600"/>
           </a:xfrm>
           <a:prstGeom prst="rect">
@@ -8597,10 +8323,10 @@
       </p:pic>
       <p:pic>
         <p:nvPicPr>
-          <p:cNvPr id="2054" name="Picture 6">
-            <a:extLst>
-              <a:ext uri="{FF2B5EF4-FFF2-40B4-BE49-F238E27FC236}">
-                <a16:creationId xmlns:a16="http://schemas.microsoft.com/office/drawing/2014/main" id="{56D54D7A-BF5D-EF8A-AD13-B9DCDDBC2287}"/>
+          <p:cNvPr id="4" name="Picture 8">
+            <a:extLst>
+              <a:ext uri="{FF2B5EF4-FFF2-40B4-BE49-F238E27FC236}">
+                <a16:creationId xmlns:a16="http://schemas.microsoft.com/office/drawing/2014/main" id="{D4ECA96C-F0CC-B8D6-C5D6-9AEFBD8A358F}"/>
               </a:ext>
             </a:extLst>
           </p:cNvPr>
@@ -8624,7 +8350,7 @@
         </p:blipFill>
         <p:spPr bwMode="auto">
           <a:xfrm>
-            <a:off x="3438984" y="95400"/>
+            <a:off x="140999" y="3429000"/>
             <a:ext cx="3297985" cy="3333600"/>
           </a:xfrm>
           <a:prstGeom prst="rect">
@@ -8644,10 +8370,10 @@
       </p:pic>
       <p:pic>
         <p:nvPicPr>
-          <p:cNvPr id="2056" name="Picture 8">
-            <a:extLst>
-              <a:ext uri="{FF2B5EF4-FFF2-40B4-BE49-F238E27FC236}">
-                <a16:creationId xmlns:a16="http://schemas.microsoft.com/office/drawing/2014/main" id="{D4ECA96C-F0CC-B8D6-C5D6-9AEFBD8A358F}"/>
+          <p:cNvPr id="5" name="Picture 10">
+            <a:extLst>
+              <a:ext uri="{FF2B5EF4-FFF2-40B4-BE49-F238E27FC236}">
+                <a16:creationId xmlns:a16="http://schemas.microsoft.com/office/drawing/2014/main" id="{214BD14B-41CD-D9C1-790B-484E8D69D5A4}"/>
               </a:ext>
             </a:extLst>
           </p:cNvPr>
@@ -8671,7 +8397,7 @@
         </p:blipFill>
         <p:spPr bwMode="auto">
           <a:xfrm>
-            <a:off x="140999" y="3429000"/>
+            <a:off x="3438983" y="3429000"/>
             <a:ext cx="3297985" cy="3333600"/>
           </a:xfrm>
           <a:prstGeom prst="rect">
@@ -8689,12 +8415,150 @@
           </a:extLst>
         </p:spPr>
       </p:pic>
+      <p:sp>
+        <p:nvSpPr>
+          <p:cNvPr id="6" name="TextBox 3">
+            <a:extLst>
+              <a:ext uri="{FF2B5EF4-FFF2-40B4-BE49-F238E27FC236}">
+                <a16:creationId xmlns:a16="http://schemas.microsoft.com/office/drawing/2014/main" id="{98B3A79E-D54D-B085-9881-8D2B5182837E}"/>
+              </a:ext>
+            </a:extLst>
+          </p:cNvPr>
+          <p:cNvSpPr txBox="1"/>
+          <p:nvPr/>
+        </p:nvSpPr>
+        <p:spPr>
+          <a:xfrm>
+            <a:off x="6890327" y="95400"/>
+            <a:ext cx="5160674" cy="3416320"/>
+          </a:xfrm>
+          <a:prstGeom prst="rect">
+            <a:avLst/>
+          </a:prstGeom>
+          <a:noFill/>
+        </p:spPr>
+        <p:txBody>
+          <a:bodyPr wrap="square" rtlCol="0">
+            <a:spAutoFit/>
+          </a:bodyPr>
+          <a:lstStyle>
+            <a:defPPr>
+              <a:defRPr lang="el-GR"/>
+            </a:defPPr>
+            <a:lvl1pPr marL="0" algn="l" defTabSz="914400" rtl="0" eaLnBrk="1" latinLnBrk="0" hangingPunct="1">
+              <a:defRPr sz="1800" kern="1200">
+                <a:solidFill>
+                  <a:schemeClr val="tx1"/>
+                </a:solidFill>
+                <a:latin typeface="+mn-lt"/>
+                <a:ea typeface="+mn-ea"/>
+                <a:cs typeface="+mn-cs"/>
+              </a:defRPr>
+            </a:lvl1pPr>
+            <a:lvl2pPr marL="457200" algn="l" defTabSz="914400" rtl="0" eaLnBrk="1" latinLnBrk="0" hangingPunct="1">
+              <a:defRPr sz="1800" kern="1200">
+                <a:solidFill>
+                  <a:schemeClr val="tx1"/>
+                </a:solidFill>
+                <a:latin typeface="+mn-lt"/>
+                <a:ea typeface="+mn-ea"/>
+                <a:cs typeface="+mn-cs"/>
+              </a:defRPr>
+            </a:lvl2pPr>
+            <a:lvl3pPr marL="914400" algn="l" defTabSz="914400" rtl="0" eaLnBrk="1" latinLnBrk="0" hangingPunct="1">
+              <a:defRPr sz="1800" kern="1200">
+                <a:solidFill>
+                  <a:schemeClr val="tx1"/>
+                </a:solidFill>
+                <a:latin typeface="+mn-lt"/>
+                <a:ea typeface="+mn-ea"/>
+                <a:cs typeface="+mn-cs"/>
+              </a:defRPr>
+            </a:lvl3pPr>
+            <a:lvl4pPr marL="1371600" algn="l" defTabSz="914400" rtl="0" eaLnBrk="1" latinLnBrk="0" hangingPunct="1">
+              <a:defRPr sz="1800" kern="1200">
+                <a:solidFill>
+                  <a:schemeClr val="tx1"/>
+                </a:solidFill>
+                <a:latin typeface="+mn-lt"/>
+                <a:ea typeface="+mn-ea"/>
+                <a:cs typeface="+mn-cs"/>
+              </a:defRPr>
+            </a:lvl4pPr>
+            <a:lvl5pPr marL="1828800" algn="l" defTabSz="914400" rtl="0" eaLnBrk="1" latinLnBrk="0" hangingPunct="1">
+              <a:defRPr sz="1800" kern="1200">
+                <a:solidFill>
+                  <a:schemeClr val="tx1"/>
+                </a:solidFill>
+                <a:latin typeface="+mn-lt"/>
+                <a:ea typeface="+mn-ea"/>
+                <a:cs typeface="+mn-cs"/>
+              </a:defRPr>
+            </a:lvl5pPr>
+            <a:lvl6pPr marL="2286000" algn="l" defTabSz="914400" rtl="0" eaLnBrk="1" latinLnBrk="0" hangingPunct="1">
+              <a:defRPr sz="1800" kern="1200">
+                <a:solidFill>
+                  <a:schemeClr val="tx1"/>
+                </a:solidFill>
+                <a:latin typeface="+mn-lt"/>
+                <a:ea typeface="+mn-ea"/>
+                <a:cs typeface="+mn-cs"/>
+              </a:defRPr>
+            </a:lvl6pPr>
+            <a:lvl7pPr marL="2743200" algn="l" defTabSz="914400" rtl="0" eaLnBrk="1" latinLnBrk="0" hangingPunct="1">
+              <a:defRPr sz="1800" kern="1200">
+                <a:solidFill>
+                  <a:schemeClr val="tx1"/>
+                </a:solidFill>
+                <a:latin typeface="+mn-lt"/>
+                <a:ea typeface="+mn-ea"/>
+                <a:cs typeface="+mn-cs"/>
+              </a:defRPr>
+            </a:lvl7pPr>
+            <a:lvl8pPr marL="3200400" algn="l" defTabSz="914400" rtl="0" eaLnBrk="1" latinLnBrk="0" hangingPunct="1">
+              <a:defRPr sz="1800" kern="1200">
+                <a:solidFill>
+                  <a:schemeClr val="tx1"/>
+                </a:solidFill>
+                <a:latin typeface="+mn-lt"/>
+                <a:ea typeface="+mn-ea"/>
+                <a:cs typeface="+mn-cs"/>
+              </a:defRPr>
+            </a:lvl8pPr>
+            <a:lvl9pPr marL="3657600" algn="l" defTabSz="914400" rtl="0" eaLnBrk="1" latinLnBrk="0" hangingPunct="1">
+              <a:defRPr sz="1800" kern="1200">
+                <a:solidFill>
+                  <a:schemeClr val="tx1"/>
+                </a:solidFill>
+                <a:latin typeface="+mn-lt"/>
+                <a:ea typeface="+mn-ea"/>
+                <a:cs typeface="+mn-cs"/>
+              </a:defRPr>
+            </a:lvl9pPr>
+          </a:lstStyle>
+          <a:p>
+            <a:r>
+              <a:rPr lang="el-GR" dirty="0"/>
+              <a:t>Τα διαγράμματα θερμοκρασίας – ύψους μας φανερώνουν τα όρια της τροπόσφαιρας καθώς εκεί είναι που παρατηρείται θερμοκρασιακή αναστροφή. Από την θεωρία γνωρίζουμε ότι η τροπόσφαιρα εκτείνεται υψηλότερα στους τροπικούς και οι παρακάτω γραφικές μας το επιβεβαιώνουν καθώς παρατηρούμε ότι στους τροπικούς η τροπόσφαιρα εντοπίζεται λίγο χαμηλότερα από τα 20 </a:t>
+            </a:r>
+            <a:r>
+              <a:rPr lang="en-US" dirty="0"/>
+              <a:t>km </a:t>
+            </a:r>
+            <a:r>
+              <a:rPr lang="el-GR" dirty="0"/>
+              <a:t>ενώ στα μέσα και υποαρκτικά πλάτη η τροπόπαυση παρατηρείται σε χαμηλότερο υψόμετρο. Από τις γραφικές είναι πολύ εύκολος και ο προσδιορισμός των υπολοίπων στρωμάτων της ατμόσφαιρας.</a:t>
+            </a:r>
+            <a:endParaRPr lang="en-GB" dirty="0"/>
+          </a:p>
+        </p:txBody>
+      </p:sp>
       <p:pic>
         <p:nvPicPr>
-          <p:cNvPr id="2058" name="Picture 10">
-            <a:extLst>
-              <a:ext uri="{FF2B5EF4-FFF2-40B4-BE49-F238E27FC236}">
-                <a16:creationId xmlns:a16="http://schemas.microsoft.com/office/drawing/2014/main" id="{214BD14B-41CD-D9C1-790B-484E8D69D5A4}"/>
+          <p:cNvPr id="7" name="Picture 2">
+            <a:extLst>
+              <a:ext uri="{FF2B5EF4-FFF2-40B4-BE49-F238E27FC236}">
+                <a16:creationId xmlns:a16="http://schemas.microsoft.com/office/drawing/2014/main" id="{49478C29-5474-09E8-17E0-0C039A55B819}"/>
               </a:ext>
             </a:extLst>
           </p:cNvPr>
@@ -8718,7 +8582,7 @@
         </p:blipFill>
         <p:spPr bwMode="auto">
           <a:xfrm>
-            <a:off x="3438983" y="3429000"/>
+            <a:off x="7701196" y="3511720"/>
             <a:ext cx="3297985" cy="3333600"/>
           </a:xfrm>
           <a:prstGeom prst="rect">
@@ -8736,62 +8600,10 @@
           </a:extLst>
         </p:spPr>
       </p:pic>
-      <p:sp>
-        <p:nvSpPr>
-          <p:cNvPr id="4" name="TextBox 3">
-            <a:extLst>
-              <a:ext uri="{FF2B5EF4-FFF2-40B4-BE49-F238E27FC236}">
-                <a16:creationId xmlns:a16="http://schemas.microsoft.com/office/drawing/2014/main" id="{98B3A79E-D54D-B085-9881-8D2B5182837E}"/>
-              </a:ext>
-            </a:extLst>
-          </p:cNvPr>
-          <p:cNvSpPr txBox="1"/>
-          <p:nvPr/>
-        </p:nvSpPr>
-        <p:spPr>
-          <a:xfrm>
-            <a:off x="6890327" y="95400"/>
-            <a:ext cx="5160674" cy="3416320"/>
-          </a:xfrm>
-          <a:prstGeom prst="rect">
-            <a:avLst/>
-          </a:prstGeom>
-          <a:noFill/>
-        </p:spPr>
-        <p:txBody>
-          <a:bodyPr wrap="square" rtlCol="0">
-            <a:spAutoFit/>
-          </a:bodyPr>
-          <a:lstStyle/>
-          <a:p>
-            <a:r>
-              <a:rPr lang="el-GR" dirty="0"/>
-              <a:t>Τα διαγράμματα θερμοκρασίας – ύψους μας φανερώνουν τα όρια της τροπόσφαιρας καθώς εκεί είναι που παρατηρείται θερμοκρασιακή αναστροφή. Από την θεωρία γνωρίζουμε ότι η τροπόσφαιρα εκτείνεται υψηλότερα στους τροπικούς και οι παρακάτω γραφικές μας το επιβεβαιώνουν καθώς παρατηρούμε ότι στους τροπικούς η τροπόσφαιρα εντοπίζεται λίγο χαμηλότερα από τα 20 </a:t>
-            </a:r>
-            <a:r>
-              <a:rPr lang="en-US" dirty="0"/>
-              <a:t>km </a:t>
-            </a:r>
-            <a:r>
-              <a:rPr lang="el-GR" dirty="0"/>
-              <a:t>ενώ στα μέσα και </a:t>
-            </a:r>
-            <a:r>
-              <a:rPr lang="el-GR" dirty="0" err="1"/>
-              <a:t>υποαρκτικά</a:t>
-            </a:r>
-            <a:r>
-              <a:rPr lang="el-GR" dirty="0"/>
-              <a:t> πλάτη η τροπόπαυση παρατηρείται σε χαμηλότερο υψόμετρο. Από τις γραφικές είναι πολύ εύκολος και ο προσδιορισμός των υπολοίπων στρωμάτων της ατμόσφαιρας.</a:t>
-            </a:r>
-            <a:endParaRPr lang="en-GB" dirty="0"/>
-          </a:p>
-        </p:txBody>
-      </p:sp>
     </p:spTree>
     <p:extLst>
       <p:ext uri="{BB962C8B-B14F-4D97-AF65-F5344CB8AC3E}">
-        <p14:creationId xmlns:p14="http://schemas.microsoft.com/office/powerpoint/2010/main" val="4253989659"/>
+        <p14:creationId xmlns:p14="http://schemas.microsoft.com/office/powerpoint/2010/main" val="2970927362"/>
       </p:ext>
     </p:extLst>
   </p:cSld>
@@ -8847,8 +8659,8 @@
         </p:blipFill>
         <p:spPr bwMode="auto">
           <a:xfrm>
-            <a:off x="7825943" y="3429000"/>
-            <a:ext cx="3297985" cy="3333600"/>
+            <a:off x="7825944" y="3668097"/>
+            <a:ext cx="3155822" cy="3189902"/>
           </a:xfrm>
           <a:prstGeom prst="rect">
             <a:avLst/>
@@ -8894,7 +8706,7 @@
         </p:blipFill>
         <p:spPr bwMode="auto">
           <a:xfrm>
-            <a:off x="113290" y="95400"/>
+            <a:off x="0" y="54040"/>
             <a:ext cx="3297985" cy="3333600"/>
           </a:xfrm>
           <a:prstGeom prst="rect">
@@ -8941,7 +8753,7 @@
         </p:blipFill>
         <p:spPr bwMode="auto">
           <a:xfrm>
-            <a:off x="3411275" y="95400"/>
+            <a:off x="3297984" y="54040"/>
             <a:ext cx="3297985" cy="3333600"/>
           </a:xfrm>
           <a:prstGeom prst="rect">
@@ -8988,7 +8800,7 @@
         </p:blipFill>
         <p:spPr bwMode="auto">
           <a:xfrm>
-            <a:off x="113290" y="3429000"/>
+            <a:off x="0" y="3429000"/>
             <a:ext cx="3297985" cy="3333600"/>
           </a:xfrm>
           <a:prstGeom prst="rect">
@@ -9035,7 +8847,7 @@
         </p:blipFill>
         <p:spPr bwMode="auto">
           <a:xfrm>
-            <a:off x="3411274" y="3429000"/>
+            <a:off x="3297983" y="3429000"/>
             <a:ext cx="3297985" cy="3333600"/>
           </a:xfrm>
           <a:prstGeom prst="rect">
@@ -9067,8 +8879,8 @@
         </p:nvSpPr>
         <p:spPr>
           <a:xfrm>
-            <a:off x="6886991" y="192539"/>
-            <a:ext cx="5175887" cy="3139321"/>
+            <a:off x="6595968" y="17929"/>
+            <a:ext cx="5596032" cy="3693319"/>
           </a:xfrm>
           <a:prstGeom prst="rect">
             <a:avLst/>
@@ -9083,7 +8895,7 @@
           <a:p>
             <a:r>
               <a:rPr lang="el-GR" dirty="0"/>
-              <a:t>Γνωρίζουμε ότι το μεγαλύτερο ποσοστό του όζοντος βρίσκεται στην στρατόσφαιρα (15-50</a:t>
+              <a:t>Γνωρίζουμε ότι το μεγαλύτερο ποσοστό του όζοντος βρίσκεται στην στρατόσφαιρα (~15-50</a:t>
             </a:r>
             <a:r>
               <a:rPr lang="en-US" dirty="0"/>
@@ -9091,7 +8903,7 @@
             </a:r>
             <a:r>
               <a:rPr lang="el-GR" dirty="0"/>
-              <a:t>) κάτι που επιβεβαιώνεται σε όλες τις γραφικές. Πάνω από τον Ισημερινό, αναμένουμε μικρότερες τιμές λόγω της μεταφοράς αερίων μαζών προς τους πόλους. Επίσης, λόγω της χρονικής μεταβολής της ηλιακής δραστηριότητας μέσα στον χρόνο, αναμένουμε μεγαλύτερες τιμές συγκέντρωσης κατά το χειμώνα κάτι που επίσης βλέπουμε στις γραφικές αν συγκρίνουμε για το ίδιο πλάτος τις τιμές στον άξονα </a:t>
+              <a:t>) όπου κυριαρχεί ο ρυθμός παραγωγής του, κάτι που επιβεβαιώνεται σε όλες τις γραφικές. Πάνω από τον Ισημερινό, αναμένουμε μικρότερες τιμές λόγω της μεταφοράς αερίων μαζών προς τους πόλους. Επίσης, λόγω της μεταβολής της ηλιακής δραστηριότητας μέσα στον χρόνο, αναμένουμε μεγαλύτερες τιμές συγκέντρωσης κατά το χειμώνα, καθώς το καλοκαίρι κυριαρχεί ο ρυθμός διάσπασής του λόγω της απορρόφησης μεγαλύτερου μέρους της ακτινοβολίας κάτι που επίσης βλέπουμε στις γραφικές αν συγκρίνουμε για το ίδιο πλάτος τις τιμές στον άξονα </a:t>
             </a:r>
             <a:r>
               <a:rPr lang="en-US" dirty="0"/>
@@ -9211,7 +9023,7 @@
         </p:blipFill>
         <p:spPr bwMode="auto">
           <a:xfrm>
-            <a:off x="-15525" y="3382673"/>
+            <a:off x="36574" y="94675"/>
             <a:ext cx="3297984" cy="3333600"/>
           </a:xfrm>
           <a:prstGeom prst="rect">
@@ -9258,7 +9070,7 @@
         </p:blipFill>
         <p:spPr bwMode="auto">
           <a:xfrm>
-            <a:off x="3418406" y="3382673"/>
+            <a:off x="3334558" y="94675"/>
             <a:ext cx="3298702" cy="3334325"/>
           </a:xfrm>
           <a:prstGeom prst="rect">
@@ -9305,7 +9117,7 @@
         </p:blipFill>
         <p:spPr bwMode="auto">
           <a:xfrm>
-            <a:off x="36574" y="94675"/>
+            <a:off x="36573" y="3429000"/>
             <a:ext cx="3298702" cy="3334325"/>
           </a:xfrm>
           <a:prstGeom prst="rect">
@@ -9352,7 +9164,7 @@
         </p:blipFill>
         <p:spPr bwMode="auto">
           <a:xfrm>
-            <a:off x="3418405" y="94675"/>
+            <a:off x="3334558" y="3428275"/>
             <a:ext cx="3298702" cy="3334325"/>
           </a:xfrm>
           <a:prstGeom prst="rect">
@@ -9384,8 +9196,8 @@
         </p:nvSpPr>
         <p:spPr>
           <a:xfrm>
-            <a:off x="7148945" y="277091"/>
-            <a:ext cx="4479637" cy="369332"/>
+            <a:off x="6717107" y="94675"/>
+            <a:ext cx="5438319" cy="3541059"/>
           </a:xfrm>
           <a:prstGeom prst="rect">
             <a:avLst/>
@@ -9399,8 +9211,8 @@
           <a:lstStyle/>
           <a:p>
             <a:r>
-              <a:rPr lang="en-US" dirty="0"/>
-              <a:t>pressure</a:t>
+              <a:rPr lang="el-GR" dirty="0"/>
+              <a:t>Για την ατμοσφαιρική πίεση, γνωρίζουμε ότι μειώνεται εκθετικά με την αύξηση του ύψους. Οι παρακάτω γραφικές παραστάσεις επιβεβαιώνουν την θεωρία αυτή. Η ατμοσφαιρική πίεση εξαρτάται από την πυκνότητα του αέρα και η πυκνότητα του αέρα εξαρτάται από την θερμοκρασία. Ο θερμός αέρας είναι λιγότερο πυκνός καθώς τα μόρια στον αέρα αποκτούν μεγαλύτερη ταχύτητα λόγω των θερμικών κινήσεων. Συνεπώς, σε θερμότερες περιοχές όπως ο Ισημερινός, αναμένουμε μία συγκεκριμένη τιμή πίεσης να εντοπίζεται σε μεγαλύτερο υψόμετρο σε σχέση με μία ψυχρότερη περιοχή. </a:t>
             </a:r>
             <a:endParaRPr lang="en-GB" dirty="0"/>
           </a:p>
@@ -9438,10 +9250,10 @@
       </p:grpSpPr>
       <p:pic>
         <p:nvPicPr>
-          <p:cNvPr id="4098" name="Picture 2">
-            <a:extLst>
-              <a:ext uri="{FF2B5EF4-FFF2-40B4-BE49-F238E27FC236}">
-                <a16:creationId xmlns:a16="http://schemas.microsoft.com/office/drawing/2014/main" id="{676DAA38-1AF0-7CC8-C263-AA7F97851122}"/>
+          <p:cNvPr id="8194" name="Picture 2">
+            <a:extLst>
+              <a:ext uri="{FF2B5EF4-FFF2-40B4-BE49-F238E27FC236}">
+                <a16:creationId xmlns:a16="http://schemas.microsoft.com/office/drawing/2014/main" id="{E158A521-F4FB-DAE2-BF48-487EF5EFADB4}"/>
               </a:ext>
             </a:extLst>
           </p:cNvPr>
@@ -9465,8 +9277,8 @@
         </p:blipFill>
         <p:spPr bwMode="auto">
           <a:xfrm>
-            <a:off x="7742526" y="3429000"/>
-            <a:ext cx="3297985" cy="3333600"/>
+            <a:off x="7682346" y="3429000"/>
+            <a:ext cx="3305108" cy="3333600"/>
           </a:xfrm>
           <a:prstGeom prst="rect">
             <a:avLst/>
@@ -9485,10 +9297,10 @@
       </p:pic>
       <p:pic>
         <p:nvPicPr>
-          <p:cNvPr id="4100" name="Picture 4">
-            <a:extLst>
-              <a:ext uri="{FF2B5EF4-FFF2-40B4-BE49-F238E27FC236}">
-                <a16:creationId xmlns:a16="http://schemas.microsoft.com/office/drawing/2014/main" id="{2B02908F-1FF1-BE30-02A5-DD88938DCE8D}"/>
+          <p:cNvPr id="8196" name="Picture 4">
+            <a:extLst>
+              <a:ext uri="{FF2B5EF4-FFF2-40B4-BE49-F238E27FC236}">
+                <a16:creationId xmlns:a16="http://schemas.microsoft.com/office/drawing/2014/main" id="{F5F28299-692D-5C70-8AE1-9040ADD42CA6}"/>
               </a:ext>
             </a:extLst>
           </p:cNvPr>
@@ -9512,7 +9324,7 @@
         </p:blipFill>
         <p:spPr bwMode="auto">
           <a:xfrm>
-            <a:off x="113290" y="95400"/>
+            <a:off x="104053" y="95400"/>
             <a:ext cx="3297985" cy="3333600"/>
           </a:xfrm>
           <a:prstGeom prst="rect">
@@ -9532,10 +9344,10 @@
       </p:pic>
       <p:pic>
         <p:nvPicPr>
-          <p:cNvPr id="4102" name="Picture 6">
-            <a:extLst>
-              <a:ext uri="{FF2B5EF4-FFF2-40B4-BE49-F238E27FC236}">
-                <a16:creationId xmlns:a16="http://schemas.microsoft.com/office/drawing/2014/main" id="{14E52C0F-8A37-48C6-48E6-9CB2A11BACD4}"/>
+          <p:cNvPr id="8198" name="Picture 6">
+            <a:extLst>
+              <a:ext uri="{FF2B5EF4-FFF2-40B4-BE49-F238E27FC236}">
+                <a16:creationId xmlns:a16="http://schemas.microsoft.com/office/drawing/2014/main" id="{D8CAA04A-3A6A-CAC6-DC29-8FF396578700}"/>
               </a:ext>
             </a:extLst>
           </p:cNvPr>
@@ -9559,7 +9371,7 @@
         </p:blipFill>
         <p:spPr bwMode="auto">
           <a:xfrm>
-            <a:off x="3411275" y="95400"/>
+            <a:off x="3402038" y="95400"/>
             <a:ext cx="3297985" cy="3333600"/>
           </a:xfrm>
           <a:prstGeom prst="rect">
@@ -9579,10 +9391,10 @@
       </p:pic>
       <p:pic>
         <p:nvPicPr>
-          <p:cNvPr id="4104" name="Picture 8">
-            <a:extLst>
-              <a:ext uri="{FF2B5EF4-FFF2-40B4-BE49-F238E27FC236}">
-                <a16:creationId xmlns:a16="http://schemas.microsoft.com/office/drawing/2014/main" id="{E1B35C15-416A-6483-F2C6-A55A558B6136}"/>
+          <p:cNvPr id="8200" name="Picture 8">
+            <a:extLst>
+              <a:ext uri="{FF2B5EF4-FFF2-40B4-BE49-F238E27FC236}">
+                <a16:creationId xmlns:a16="http://schemas.microsoft.com/office/drawing/2014/main" id="{5C1B6DC5-A018-FD81-C854-493620EA085E}"/>
               </a:ext>
             </a:extLst>
           </p:cNvPr>
@@ -9606,7 +9418,7 @@
         </p:blipFill>
         <p:spPr bwMode="auto">
           <a:xfrm>
-            <a:off x="113289" y="3429000"/>
+            <a:off x="104052" y="3429000"/>
             <a:ext cx="3297985" cy="3333600"/>
           </a:xfrm>
           <a:prstGeom prst="rect">
@@ -9626,10 +9438,10 @@
       </p:pic>
       <p:pic>
         <p:nvPicPr>
-          <p:cNvPr id="4106" name="Picture 10">
-            <a:extLst>
-              <a:ext uri="{FF2B5EF4-FFF2-40B4-BE49-F238E27FC236}">
-                <a16:creationId xmlns:a16="http://schemas.microsoft.com/office/drawing/2014/main" id="{92730E20-6103-B81E-3801-1C37D06B0C75}"/>
+          <p:cNvPr id="8202" name="Picture 10">
+            <a:extLst>
+              <a:ext uri="{FF2B5EF4-FFF2-40B4-BE49-F238E27FC236}">
+                <a16:creationId xmlns:a16="http://schemas.microsoft.com/office/drawing/2014/main" id="{B57EC1F0-0455-1502-599F-357D08FD2F65}"/>
               </a:ext>
             </a:extLst>
           </p:cNvPr>
@@ -9653,7 +9465,7 @@
         </p:blipFill>
         <p:spPr bwMode="auto">
           <a:xfrm>
-            <a:off x="3411274" y="3429000"/>
+            <a:off x="3402037" y="3429000"/>
             <a:ext cx="3297985" cy="3333600"/>
           </a:xfrm>
           <a:prstGeom prst="rect">
@@ -9671,10 +9483,46 @@
           </a:extLst>
         </p:spPr>
       </p:pic>
+      <p:sp>
+        <p:nvSpPr>
+          <p:cNvPr id="2" name="TextBox 1">
+            <a:extLst>
+              <a:ext uri="{FF2B5EF4-FFF2-40B4-BE49-F238E27FC236}">
+                <a16:creationId xmlns:a16="http://schemas.microsoft.com/office/drawing/2014/main" id="{5964BCE8-14F0-D017-E11B-C64B9DFA7FDE}"/>
+              </a:ext>
+            </a:extLst>
+          </p:cNvPr>
+          <p:cNvSpPr txBox="1"/>
+          <p:nvPr/>
+        </p:nvSpPr>
+        <p:spPr>
+          <a:xfrm>
+            <a:off x="6700022" y="12680"/>
+            <a:ext cx="5387925" cy="3416320"/>
+          </a:xfrm>
+          <a:prstGeom prst="rect">
+            <a:avLst/>
+          </a:prstGeom>
+          <a:noFill/>
+        </p:spPr>
+        <p:txBody>
+          <a:bodyPr wrap="square" rtlCol="0">
+            <a:spAutoFit/>
+          </a:bodyPr>
+          <a:lstStyle/>
+          <a:p>
+            <a:r>
+              <a:rPr lang="el-GR" dirty="0"/>
+              <a:t>Με βάση τα παραπάνω, είναι αναμενόμενο το ότι η μεταβολή της πυκνότητας του αέρα ακολουθεί την ίδια καμπύλη με εκείνη της πίεσης. Καθώς η πυκνότητα του αέρα εξαρτάται από τις κινήσεις των μορίων, αναμένουμε ότι το καλοκαίρι που η θερμοκρασία είναι υψηλότερη, ότι η πυκνότητα του αέρα θα είναι μικρότερη καθώς τα μόρια ταξιδεύουν σε μεγαλύτερα ύψη. Αντίστοιχα, τον χειμώνα, ή σε περιοχές όπως τα υποαρκτικά πλάτη όπου η θερμοκρασία είναι χαμηλότερη, αναμένουμε μεγαλύτερη της συγκέντρωσης του αέρα καθώς τα μόρια έχουν μικρότερη κινητική ενέργεια.</a:t>
+            </a:r>
+            <a:endParaRPr lang="en-GB" dirty="0"/>
+          </a:p>
+        </p:txBody>
+      </p:sp>
     </p:spTree>
     <p:extLst>
       <p:ext uri="{BB962C8B-B14F-4D97-AF65-F5344CB8AC3E}">
-        <p14:creationId xmlns:p14="http://schemas.microsoft.com/office/powerpoint/2010/main" val="2912900375"/>
+        <p14:creationId xmlns:p14="http://schemas.microsoft.com/office/powerpoint/2010/main" val="372113343"/>
       </p:ext>
     </p:extLst>
   </p:cSld>
@@ -9703,10 +9551,10 @@
       </p:grpSpPr>
       <p:pic>
         <p:nvPicPr>
-          <p:cNvPr id="5122" name="Picture 2">
-            <a:extLst>
-              <a:ext uri="{FF2B5EF4-FFF2-40B4-BE49-F238E27FC236}">
-                <a16:creationId xmlns:a16="http://schemas.microsoft.com/office/drawing/2014/main" id="{6A9A4C80-7AD2-D8D1-CE71-25E8DA59322F}"/>
+          <p:cNvPr id="6146" name="Picture 2">
+            <a:extLst>
+              <a:ext uri="{FF2B5EF4-FFF2-40B4-BE49-F238E27FC236}">
+                <a16:creationId xmlns:a16="http://schemas.microsoft.com/office/drawing/2014/main" id="{82C2731E-6BB1-DBD3-E8E9-C891EB318191}"/>
               </a:ext>
             </a:extLst>
           </p:cNvPr>
@@ -9730,8 +9578,8 @@
         </p:blipFill>
         <p:spPr bwMode="auto">
           <a:xfrm>
-            <a:off x="8305945" y="3429000"/>
-            <a:ext cx="3297985" cy="3333600"/>
+            <a:off x="8032030" y="3626964"/>
+            <a:ext cx="3102136" cy="3135636"/>
           </a:xfrm>
           <a:prstGeom prst="rect">
             <a:avLst/>
@@ -9750,10 +9598,10 @@
       </p:pic>
       <p:pic>
         <p:nvPicPr>
-          <p:cNvPr id="5124" name="Picture 4">
-            <a:extLst>
-              <a:ext uri="{FF2B5EF4-FFF2-40B4-BE49-F238E27FC236}">
-                <a16:creationId xmlns:a16="http://schemas.microsoft.com/office/drawing/2014/main" id="{05E95809-1C69-2F62-6593-86C301BF062A}"/>
+          <p:cNvPr id="6148" name="Picture 4">
+            <a:extLst>
+              <a:ext uri="{FF2B5EF4-FFF2-40B4-BE49-F238E27FC236}">
+                <a16:creationId xmlns:a16="http://schemas.microsoft.com/office/drawing/2014/main" id="{2E66AE95-9BDD-EB0F-05F8-0CA1BEC61708}"/>
               </a:ext>
             </a:extLst>
           </p:cNvPr>
@@ -9777,8 +9625,8 @@
         </p:blipFill>
         <p:spPr bwMode="auto">
           <a:xfrm>
-            <a:off x="113291" y="95400"/>
-            <a:ext cx="3297985" cy="3333600"/>
+            <a:off x="107084" y="95400"/>
+            <a:ext cx="3376338" cy="3333600"/>
           </a:xfrm>
           <a:prstGeom prst="rect">
             <a:avLst/>
@@ -9797,10 +9645,10 @@
       </p:pic>
       <p:pic>
         <p:nvPicPr>
-          <p:cNvPr id="5126" name="Picture 6">
-            <a:extLst>
-              <a:ext uri="{FF2B5EF4-FFF2-40B4-BE49-F238E27FC236}">
-                <a16:creationId xmlns:a16="http://schemas.microsoft.com/office/drawing/2014/main" id="{AD2F1908-81F1-1F9C-6EAC-C25F01F1BBC3}"/>
+          <p:cNvPr id="6150" name="Picture 6">
+            <a:extLst>
+              <a:ext uri="{FF2B5EF4-FFF2-40B4-BE49-F238E27FC236}">
+                <a16:creationId xmlns:a16="http://schemas.microsoft.com/office/drawing/2014/main" id="{C502E058-CAE7-E2DA-0E7C-294C2BFC0A09}"/>
               </a:ext>
             </a:extLst>
           </p:cNvPr>
@@ -9824,7 +9672,7 @@
         </p:blipFill>
         <p:spPr bwMode="auto">
           <a:xfrm>
-            <a:off x="3411276" y="95400"/>
+            <a:off x="3483422" y="95400"/>
             <a:ext cx="3297985" cy="3333600"/>
           </a:xfrm>
           <a:prstGeom prst="rect">
@@ -9844,10 +9692,10 @@
       </p:pic>
       <p:pic>
         <p:nvPicPr>
-          <p:cNvPr id="5128" name="Picture 8">
-            <a:extLst>
-              <a:ext uri="{FF2B5EF4-FFF2-40B4-BE49-F238E27FC236}">
-                <a16:creationId xmlns:a16="http://schemas.microsoft.com/office/drawing/2014/main" id="{750D0298-829F-C352-2D3E-85830467E8FD}"/>
+          <p:cNvPr id="6152" name="Picture 8">
+            <a:extLst>
+              <a:ext uri="{FF2B5EF4-FFF2-40B4-BE49-F238E27FC236}">
+                <a16:creationId xmlns:a16="http://schemas.microsoft.com/office/drawing/2014/main" id="{DFBAA83E-A1D0-9E89-36C7-9E55F8338DAD}"/>
               </a:ext>
             </a:extLst>
           </p:cNvPr>
@@ -9871,7 +9719,7 @@
         </p:blipFill>
         <p:spPr bwMode="auto">
           <a:xfrm>
-            <a:off x="113291" y="3429000"/>
+            <a:off x="0" y="3524400"/>
             <a:ext cx="3297985" cy="3333600"/>
           </a:xfrm>
           <a:prstGeom prst="rect">
@@ -9891,10 +9739,10 @@
       </p:pic>
       <p:pic>
         <p:nvPicPr>
-          <p:cNvPr id="5130" name="Picture 10">
-            <a:extLst>
-              <a:ext uri="{FF2B5EF4-FFF2-40B4-BE49-F238E27FC236}">
-                <a16:creationId xmlns:a16="http://schemas.microsoft.com/office/drawing/2014/main" id="{131F4450-217C-6A96-3E83-EB4B0C1750EB}"/>
+          <p:cNvPr id="6154" name="Picture 10">
+            <a:extLst>
+              <a:ext uri="{FF2B5EF4-FFF2-40B4-BE49-F238E27FC236}">
+                <a16:creationId xmlns:a16="http://schemas.microsoft.com/office/drawing/2014/main" id="{C5870422-5714-D5B2-4349-4EC73D3BAD4B}"/>
               </a:ext>
             </a:extLst>
           </p:cNvPr>
@@ -9918,8 +9766,8 @@
         </p:blipFill>
         <p:spPr bwMode="auto">
           <a:xfrm>
-            <a:off x="3411275" y="3429000"/>
-            <a:ext cx="3297985" cy="3333600"/>
+            <a:off x="3440684" y="3431172"/>
+            <a:ext cx="3340723" cy="3333600"/>
           </a:xfrm>
           <a:prstGeom prst="rect">
             <a:avLst/>
@@ -9941,7 +9789,7 @@
           <p:cNvPr id="2" name="TextBox 1">
             <a:extLst>
               <a:ext uri="{FF2B5EF4-FFF2-40B4-BE49-F238E27FC236}">
-                <a16:creationId xmlns:a16="http://schemas.microsoft.com/office/drawing/2014/main" id="{2ADF8E23-AF74-2FF9-C499-3687EDDAE83E}"/>
+                <a16:creationId xmlns:a16="http://schemas.microsoft.com/office/drawing/2014/main" id="{FE14A150-41D7-7317-2D47-2A6B0D68AFDE}"/>
               </a:ext>
             </a:extLst>
           </p:cNvPr>
@@ -9950,8 +9798,8 @@
         </p:nvSpPr>
         <p:spPr>
           <a:xfrm>
-            <a:off x="6965576" y="349624"/>
-            <a:ext cx="5011271" cy="369332"/>
+            <a:off x="6781407" y="0"/>
+            <a:ext cx="5367855" cy="3693319"/>
           </a:xfrm>
           <a:prstGeom prst="rect">
             <a:avLst/>
@@ -9966,7 +9814,7 @@
           <a:p>
             <a:r>
               <a:rPr lang="el-GR" dirty="0"/>
-              <a:t>Για το </a:t>
+              <a:t>Το ΝΟ2 θεωρείται ρύπος στην ατμόσφαιρα και σχηματίζεται κυρίως λόγω της διαδικασίας της καύσης σε υψηλές θερμοκρασίες. Τέτοιες διεργασίες τείνουν να είναι περισσότερες κατά την χειμερινή περίοδο οπότε η μικρή αύξηση που παρατηρείται στην συγκέντρωση του ΝΟ2 κοντά στην επιφάνεια της Γης (και κυρίως στα υπαρκτικά πλάτη) είναι δικαιολογημένη. Στην στρατόσφαιρα, παρατηρείται η μεγαλύτερη συγκέντρωση του αερίου και με υψηλότερες τιμές κατά την θερινή περίοδο παρότι γνωρίζουμε ότι το αέριο καταλύεται με φωτολυτική αντίδραση υπό την παρουσία της ηλιακής ακτινοβολίας.  </a:t>
             </a:r>
             <a:endParaRPr lang="en-GB" dirty="0"/>
           </a:p>
@@ -9975,7 +9823,7 @@
     </p:spTree>
     <p:extLst>
       <p:ext uri="{BB962C8B-B14F-4D97-AF65-F5344CB8AC3E}">
-        <p14:creationId xmlns:p14="http://schemas.microsoft.com/office/powerpoint/2010/main" val="3072515677"/>
+        <p14:creationId xmlns:p14="http://schemas.microsoft.com/office/powerpoint/2010/main" val="740289710"/>
       </p:ext>
     </p:extLst>
   </p:cSld>
@@ -10004,10 +9852,10 @@
       </p:grpSpPr>
       <p:pic>
         <p:nvPicPr>
-          <p:cNvPr id="6146" name="Picture 2">
-            <a:extLst>
-              <a:ext uri="{FF2B5EF4-FFF2-40B4-BE49-F238E27FC236}">
-                <a16:creationId xmlns:a16="http://schemas.microsoft.com/office/drawing/2014/main" id="{82C2731E-6BB1-DBD3-E8E9-C891EB318191}"/>
+          <p:cNvPr id="4098" name="Picture 2">
+            <a:extLst>
+              <a:ext uri="{FF2B5EF4-FFF2-40B4-BE49-F238E27FC236}">
+                <a16:creationId xmlns:a16="http://schemas.microsoft.com/office/drawing/2014/main" id="{676DAA38-1AF0-7CC8-C263-AA7F97851122}"/>
               </a:ext>
             </a:extLst>
           </p:cNvPr>
@@ -10031,7 +9879,7 @@
         </p:blipFill>
         <p:spPr bwMode="auto">
           <a:xfrm>
-            <a:off x="8032029" y="3429000"/>
+            <a:off x="7742526" y="3429000"/>
             <a:ext cx="3297985" cy="3333600"/>
           </a:xfrm>
           <a:prstGeom prst="rect">
@@ -10051,10 +9899,10 @@
       </p:pic>
       <p:pic>
         <p:nvPicPr>
-          <p:cNvPr id="6148" name="Picture 4">
-            <a:extLst>
-              <a:ext uri="{FF2B5EF4-FFF2-40B4-BE49-F238E27FC236}">
-                <a16:creationId xmlns:a16="http://schemas.microsoft.com/office/drawing/2014/main" id="{2E66AE95-9BDD-EB0F-05F8-0CA1BEC61708}"/>
+          <p:cNvPr id="4100" name="Picture 4">
+            <a:extLst>
+              <a:ext uri="{FF2B5EF4-FFF2-40B4-BE49-F238E27FC236}">
+                <a16:creationId xmlns:a16="http://schemas.microsoft.com/office/drawing/2014/main" id="{2B02908F-1FF1-BE30-02A5-DD88938DCE8D}"/>
               </a:ext>
             </a:extLst>
           </p:cNvPr>
@@ -10078,8 +9926,8 @@
         </p:blipFill>
         <p:spPr bwMode="auto">
           <a:xfrm>
-            <a:off x="107084" y="95400"/>
-            <a:ext cx="3376338" cy="3333600"/>
+            <a:off x="113290" y="95400"/>
+            <a:ext cx="3297985" cy="3333600"/>
           </a:xfrm>
           <a:prstGeom prst="rect">
             <a:avLst/>
@@ -10098,10 +9946,10 @@
       </p:pic>
       <p:pic>
         <p:nvPicPr>
-          <p:cNvPr id="6150" name="Picture 6">
-            <a:extLst>
-              <a:ext uri="{FF2B5EF4-FFF2-40B4-BE49-F238E27FC236}">
-                <a16:creationId xmlns:a16="http://schemas.microsoft.com/office/drawing/2014/main" id="{C502E058-CAE7-E2DA-0E7C-294C2BFC0A09}"/>
+          <p:cNvPr id="4102" name="Picture 6">
+            <a:extLst>
+              <a:ext uri="{FF2B5EF4-FFF2-40B4-BE49-F238E27FC236}">
+                <a16:creationId xmlns:a16="http://schemas.microsoft.com/office/drawing/2014/main" id="{14E52C0F-8A37-48C6-48E6-9CB2A11BACD4}"/>
               </a:ext>
             </a:extLst>
           </p:cNvPr>
@@ -10125,7 +9973,7 @@
         </p:blipFill>
         <p:spPr bwMode="auto">
           <a:xfrm>
-            <a:off x="3483422" y="95400"/>
+            <a:off x="3411275" y="95400"/>
             <a:ext cx="3297985" cy="3333600"/>
           </a:xfrm>
           <a:prstGeom prst="rect">
@@ -10145,10 +9993,10 @@
       </p:pic>
       <p:pic>
         <p:nvPicPr>
-          <p:cNvPr id="6152" name="Picture 8">
-            <a:extLst>
-              <a:ext uri="{FF2B5EF4-FFF2-40B4-BE49-F238E27FC236}">
-                <a16:creationId xmlns:a16="http://schemas.microsoft.com/office/drawing/2014/main" id="{DFBAA83E-A1D0-9E89-36C7-9E55F8338DAD}"/>
+          <p:cNvPr id="4104" name="Picture 8">
+            <a:extLst>
+              <a:ext uri="{FF2B5EF4-FFF2-40B4-BE49-F238E27FC236}">
+                <a16:creationId xmlns:a16="http://schemas.microsoft.com/office/drawing/2014/main" id="{E1B35C15-416A-6483-F2C6-A55A558B6136}"/>
               </a:ext>
             </a:extLst>
           </p:cNvPr>
@@ -10172,7 +10020,7 @@
         </p:blipFill>
         <p:spPr bwMode="auto">
           <a:xfrm>
-            <a:off x="0" y="3524400"/>
+            <a:off x="113289" y="3429000"/>
             <a:ext cx="3297985" cy="3333600"/>
           </a:xfrm>
           <a:prstGeom prst="rect">
@@ -10192,10 +10040,10 @@
       </p:pic>
       <p:pic>
         <p:nvPicPr>
-          <p:cNvPr id="6154" name="Picture 10">
-            <a:extLst>
-              <a:ext uri="{FF2B5EF4-FFF2-40B4-BE49-F238E27FC236}">
-                <a16:creationId xmlns:a16="http://schemas.microsoft.com/office/drawing/2014/main" id="{C5870422-5714-D5B2-4349-4EC73D3BAD4B}"/>
+          <p:cNvPr id="4106" name="Picture 10">
+            <a:extLst>
+              <a:ext uri="{FF2B5EF4-FFF2-40B4-BE49-F238E27FC236}">
+                <a16:creationId xmlns:a16="http://schemas.microsoft.com/office/drawing/2014/main" id="{92730E20-6103-B81E-3801-1C37D06B0C75}"/>
               </a:ext>
             </a:extLst>
           </p:cNvPr>
@@ -10219,8 +10067,8 @@
         </p:blipFill>
         <p:spPr bwMode="auto">
           <a:xfrm>
-            <a:off x="3483422" y="3429000"/>
-            <a:ext cx="3340723" cy="3333600"/>
+            <a:off x="3411274" y="3429000"/>
+            <a:ext cx="3297985" cy="3333600"/>
           </a:xfrm>
           <a:prstGeom prst="rect">
             <a:avLst/>
@@ -10237,10 +10085,46 @@
           </a:extLst>
         </p:spPr>
       </p:pic>
+      <p:sp>
+        <p:nvSpPr>
+          <p:cNvPr id="2" name="TextBox 1">
+            <a:extLst>
+              <a:ext uri="{FF2B5EF4-FFF2-40B4-BE49-F238E27FC236}">
+                <a16:creationId xmlns:a16="http://schemas.microsoft.com/office/drawing/2014/main" id="{A6887033-8897-EDCF-EE63-3AF841D48E57}"/>
+              </a:ext>
+            </a:extLst>
+          </p:cNvPr>
+          <p:cNvSpPr txBox="1"/>
+          <p:nvPr/>
+        </p:nvSpPr>
+        <p:spPr>
+          <a:xfrm>
+            <a:off x="6858000" y="197224"/>
+            <a:ext cx="5118847" cy="3139321"/>
+          </a:xfrm>
+          <a:prstGeom prst="rect">
+            <a:avLst/>
+          </a:prstGeom>
+          <a:noFill/>
+        </p:spPr>
+        <p:txBody>
+          <a:bodyPr wrap="square" rtlCol="0">
+            <a:spAutoFit/>
+          </a:bodyPr>
+          <a:lstStyle/>
+          <a:p>
+            <a:r>
+              <a:rPr lang="el-GR" dirty="0"/>
+              <a:t>Το οξυγόνο, ακολουθεί και αυτό την κατανομή της συγκέντρωσης του αέρα και μειώνεται εκθετικά με το ύψος για τους ίδιους λόγους που αναφέραμε και για την ατμοσφαιρική πίεση. Οι γραφικές παραστάσεις μας υποδεικνύουν ότι η συγκέντρωσή του στη ΜΣΘ είναι μεγαλύτερη κατά τους χειμερινούς μήνες όπου οι θερμοκρασίες είναι χαμηλότερες, κάτι που είναι αναμενόμενο καθώς, λόγω τη μειωμένης κινητικής ενέργειας των μορίων, αυτά τείνουν να εκτελούν μικρότερες ανοδικές κινήσεις και να μένουν κοντά στο έδαφος.</a:t>
+            </a:r>
+            <a:endParaRPr lang="en-GB" dirty="0"/>
+          </a:p>
+        </p:txBody>
+      </p:sp>
     </p:spTree>
     <p:extLst>
       <p:ext uri="{BB962C8B-B14F-4D97-AF65-F5344CB8AC3E}">
-        <p14:creationId xmlns:p14="http://schemas.microsoft.com/office/powerpoint/2010/main" val="740289710"/>
+        <p14:creationId xmlns:p14="http://schemas.microsoft.com/office/powerpoint/2010/main" val="2912900375"/>
       </p:ext>
     </p:extLst>
   </p:cSld>
@@ -10269,10 +10153,10 @@
       </p:grpSpPr>
       <p:pic>
         <p:nvPicPr>
-          <p:cNvPr id="7170" name="Picture 2">
-            <a:extLst>
-              <a:ext uri="{FF2B5EF4-FFF2-40B4-BE49-F238E27FC236}">
-                <a16:creationId xmlns:a16="http://schemas.microsoft.com/office/drawing/2014/main" id="{2A05E2E7-18DF-E73D-31B6-910F8BF92CF4}"/>
+          <p:cNvPr id="5122" name="Picture 2">
+            <a:extLst>
+              <a:ext uri="{FF2B5EF4-FFF2-40B4-BE49-F238E27FC236}">
+                <a16:creationId xmlns:a16="http://schemas.microsoft.com/office/drawing/2014/main" id="{6A9A4C80-7AD2-D8D1-CE71-25E8DA59322F}"/>
               </a:ext>
             </a:extLst>
           </p:cNvPr>
@@ -10296,7 +10180,7 @@
         </p:blipFill>
         <p:spPr bwMode="auto">
           <a:xfrm>
-            <a:off x="7918018" y="3429000"/>
+            <a:off x="8305945" y="3429000"/>
             <a:ext cx="3297985" cy="3333600"/>
           </a:xfrm>
           <a:prstGeom prst="rect">
@@ -10316,10 +10200,10 @@
       </p:pic>
       <p:pic>
         <p:nvPicPr>
-          <p:cNvPr id="7172" name="Picture 4">
-            <a:extLst>
-              <a:ext uri="{FF2B5EF4-FFF2-40B4-BE49-F238E27FC236}">
-                <a16:creationId xmlns:a16="http://schemas.microsoft.com/office/drawing/2014/main" id="{6B8A92FF-80CF-4340-049F-33D430D9E45B}"/>
+          <p:cNvPr id="5124" name="Picture 4">
+            <a:extLst>
+              <a:ext uri="{FF2B5EF4-FFF2-40B4-BE49-F238E27FC236}">
+                <a16:creationId xmlns:a16="http://schemas.microsoft.com/office/drawing/2014/main" id="{05E95809-1C69-2F62-6593-86C301BF062A}"/>
               </a:ext>
             </a:extLst>
           </p:cNvPr>
@@ -10363,10 +10247,10 @@
       </p:pic>
       <p:pic>
         <p:nvPicPr>
-          <p:cNvPr id="7174" name="Picture 6">
-            <a:extLst>
-              <a:ext uri="{FF2B5EF4-FFF2-40B4-BE49-F238E27FC236}">
-                <a16:creationId xmlns:a16="http://schemas.microsoft.com/office/drawing/2014/main" id="{0EC505DD-7EFE-A732-554C-51F04B41FAD6}"/>
+          <p:cNvPr id="5126" name="Picture 6">
+            <a:extLst>
+              <a:ext uri="{FF2B5EF4-FFF2-40B4-BE49-F238E27FC236}">
+                <a16:creationId xmlns:a16="http://schemas.microsoft.com/office/drawing/2014/main" id="{AD2F1908-81F1-1F9C-6EAC-C25F01F1BBC3}"/>
               </a:ext>
             </a:extLst>
           </p:cNvPr>
@@ -10410,10 +10294,10 @@
       </p:pic>
       <p:pic>
         <p:nvPicPr>
-          <p:cNvPr id="7176" name="Picture 8">
-            <a:extLst>
-              <a:ext uri="{FF2B5EF4-FFF2-40B4-BE49-F238E27FC236}">
-                <a16:creationId xmlns:a16="http://schemas.microsoft.com/office/drawing/2014/main" id="{C7729E31-DB05-C21C-67AA-36FCB747912A}"/>
+          <p:cNvPr id="5128" name="Picture 8">
+            <a:extLst>
+              <a:ext uri="{FF2B5EF4-FFF2-40B4-BE49-F238E27FC236}">
+                <a16:creationId xmlns:a16="http://schemas.microsoft.com/office/drawing/2014/main" id="{750D0298-829F-C352-2D3E-85830467E8FD}"/>
               </a:ext>
             </a:extLst>
           </p:cNvPr>
@@ -10457,10 +10341,10 @@
       </p:pic>
       <p:pic>
         <p:nvPicPr>
-          <p:cNvPr id="7178" name="Picture 10">
-            <a:extLst>
-              <a:ext uri="{FF2B5EF4-FFF2-40B4-BE49-F238E27FC236}">
-                <a16:creationId xmlns:a16="http://schemas.microsoft.com/office/drawing/2014/main" id="{3DB0F3DE-F4CD-F759-0367-1BC5CD3644BA}"/>
+          <p:cNvPr id="5130" name="Picture 10">
+            <a:extLst>
+              <a:ext uri="{FF2B5EF4-FFF2-40B4-BE49-F238E27FC236}">
+                <a16:creationId xmlns:a16="http://schemas.microsoft.com/office/drawing/2014/main" id="{131F4450-217C-6A96-3E83-EB4B0C1750EB}"/>
               </a:ext>
             </a:extLst>
           </p:cNvPr>
@@ -10502,10 +10386,54 @@
           </a:extLst>
         </p:spPr>
       </p:pic>
+      <p:sp>
+        <p:nvSpPr>
+          <p:cNvPr id="2" name="TextBox 1">
+            <a:extLst>
+              <a:ext uri="{FF2B5EF4-FFF2-40B4-BE49-F238E27FC236}">
+                <a16:creationId xmlns:a16="http://schemas.microsoft.com/office/drawing/2014/main" id="{2ADF8E23-AF74-2FF9-C499-3687EDDAE83E}"/>
+              </a:ext>
+            </a:extLst>
+          </p:cNvPr>
+          <p:cNvSpPr txBox="1"/>
+          <p:nvPr/>
+        </p:nvSpPr>
+        <p:spPr>
+          <a:xfrm>
+            <a:off x="6929718" y="192539"/>
+            <a:ext cx="5011271" cy="3139321"/>
+          </a:xfrm>
+          <a:prstGeom prst="rect">
+            <a:avLst/>
+          </a:prstGeom>
+          <a:noFill/>
+        </p:spPr>
+        <p:txBody>
+          <a:bodyPr wrap="square" rtlCol="0">
+            <a:spAutoFit/>
+          </a:bodyPr>
+          <a:lstStyle/>
+          <a:p>
+            <a:r>
+              <a:rPr lang="el-GR" dirty="0"/>
+              <a:t>Το </a:t>
+            </a:r>
+            <a:r>
+              <a:rPr lang="en-US" dirty="0"/>
+              <a:t>CO2 </a:t>
+            </a:r>
+            <a:r>
+              <a:rPr lang="el-GR" dirty="0"/>
+              <a:t>θεωρείται ένας από τους κύριους ρύπους της ατμόσφαιρας και ένα από τα βασικά αέρια του θερμοκηπίου το οποίο προέρχεται τόσο από ανθρωπογενείς παράγοντες (π.χ. καύση) όσο και από φυσικές διεργασίες (π.χ. έκρηξη ηφαιστείου). Ισχύουν αντίστοιχα και για το αέριο αυτό τα όσα αναφέραμε και για το οξυγόνο. Παρατηρείται και εδώ εκθετική μείωση της συγκέντρωσής του σε σχέση με το υψόμετρο καθώς και επίσης ελαφρώς μεγαλύτερες τιμές κατά τους χειμερινούς μήνες λόγω της μειωμένης θερμοκρασίας. </a:t>
+            </a:r>
+            <a:endParaRPr lang="en-GB" dirty="0"/>
+          </a:p>
+        </p:txBody>
+      </p:sp>
     </p:spTree>
     <p:extLst>
       <p:ext uri="{BB962C8B-B14F-4D97-AF65-F5344CB8AC3E}">
-        <p14:creationId xmlns:p14="http://schemas.microsoft.com/office/powerpoint/2010/main" val="862075431"/>
+        <p14:creationId xmlns:p14="http://schemas.microsoft.com/office/powerpoint/2010/main" val="3072515677"/>
       </p:ext>
     </p:extLst>
   </p:cSld>

--- a/Radiation and Atmosphere Interaction/Report 0/ΕργασίαΜηδέν.pptx
+++ b/Radiation and Atmosphere Interaction/Report 0/ΕργασίαΜηδέν.pptx
@@ -5,24 +5,30 @@
     <p:sldMasterId id="2147483757" r:id="rId1"/>
   </p:sldMasterIdLst>
   <p:notesMasterIdLst>
-    <p:notesMasterId r:id="rId17"/>
+    <p:notesMasterId r:id="rId23"/>
   </p:notesMasterIdLst>
   <p:sldIdLst>
     <p:sldId id="256" r:id="rId2"/>
     <p:sldId id="262" r:id="rId3"/>
     <p:sldId id="272" r:id="rId4"/>
-    <p:sldId id="265" r:id="rId5"/>
-    <p:sldId id="263" r:id="rId6"/>
-    <p:sldId id="270" r:id="rId7"/>
-    <p:sldId id="268" r:id="rId8"/>
-    <p:sldId id="266" r:id="rId9"/>
-    <p:sldId id="267" r:id="rId10"/>
-    <p:sldId id="257" r:id="rId11"/>
-    <p:sldId id="258" r:id="rId12"/>
-    <p:sldId id="259" r:id="rId13"/>
-    <p:sldId id="260" r:id="rId14"/>
-    <p:sldId id="261" r:id="rId15"/>
-    <p:sldId id="271" r:id="rId16"/>
+    <p:sldId id="263" r:id="rId5"/>
+    <p:sldId id="270" r:id="rId6"/>
+    <p:sldId id="273" r:id="rId7"/>
+    <p:sldId id="276" r:id="rId8"/>
+    <p:sldId id="265" r:id="rId9"/>
+    <p:sldId id="274" r:id="rId10"/>
+    <p:sldId id="268" r:id="rId11"/>
+    <p:sldId id="278" r:id="rId12"/>
+    <p:sldId id="266" r:id="rId13"/>
+    <p:sldId id="275" r:id="rId14"/>
+    <p:sldId id="267" r:id="rId15"/>
+    <p:sldId id="277" r:id="rId16"/>
+    <p:sldId id="257" r:id="rId17"/>
+    <p:sldId id="258" r:id="rId18"/>
+    <p:sldId id="259" r:id="rId19"/>
+    <p:sldId id="260" r:id="rId20"/>
+    <p:sldId id="261" r:id="rId21"/>
+    <p:sldId id="271" r:id="rId22"/>
   </p:sldIdLst>
   <p:sldSz cx="12192000" cy="6858000"/>
   <p:notesSz cx="6858000" cy="9144000"/>
@@ -211,7 +217,7 @@
           <a:p>
             <a:fld id="{5059C885-F74F-4F26-9D14-847F9B1FFD54}" type="datetimeFigureOut">
               <a:rPr lang="en-GB" smtClean="0"/>
-              <a:t>28/10/2024</a:t>
+              <a:t>01/11/2024</a:t>
             </a:fld>
             <a:endParaRPr lang="en-GB"/>
           </a:p>
@@ -632,7 +638,7 @@
           <a:p>
             <a:fld id="{79C5A860-F335-4252-AA00-24FB67ED2982}" type="datetime1">
               <a:rPr lang="en-US" smtClean="0"/>
-              <a:t>10/28/2024</a:t>
+              <a:t>11/1/2024</a:t>
             </a:fld>
             <a:endParaRPr lang="en-US"/>
           </a:p>
@@ -831,7 +837,7 @@
           <a:p>
             <a:fld id="{46AB1048-0047-48CA-88BA-D69B470942CF}" type="datetime1">
               <a:rPr lang="en-US" smtClean="0"/>
-              <a:t>10/28/2024</a:t>
+              <a:t>11/1/2024</a:t>
             </a:fld>
             <a:endParaRPr lang="en-US"/>
           </a:p>
@@ -1041,7 +1047,7 @@
           <a:p>
             <a:fld id="{5BD83879-648C-49A9-81A2-0EF5946532D0}" type="datetime1">
               <a:rPr lang="en-US" smtClean="0"/>
-              <a:t>10/28/2024</a:t>
+              <a:t>11/1/2024</a:t>
             </a:fld>
             <a:endParaRPr lang="en-US"/>
           </a:p>
@@ -1239,7 +1245,7 @@
           <a:p>
             <a:fld id="{D04BC802-30E3-4658-9CCA-F873646FEC67}" type="datetime1">
               <a:rPr lang="en-US" smtClean="0"/>
-              <a:t>10/28/2024</a:t>
+              <a:t>11/1/2024</a:t>
             </a:fld>
             <a:endParaRPr lang="en-US"/>
           </a:p>
@@ -1517,7 +1523,7 @@
           <a:p>
             <a:fld id="{0AB227A3-19CE-4153-81CE-64EB7AB094B3}" type="datetime1">
               <a:rPr lang="en-US" smtClean="0"/>
-              <a:t>10/28/2024</a:t>
+              <a:t>11/1/2024</a:t>
             </a:fld>
             <a:endParaRPr lang="en-US"/>
           </a:p>
@@ -1784,7 +1790,7 @@
           <a:p>
             <a:fld id="{B819A100-10F6-477E-8847-29D479EF1C92}" type="datetime1">
               <a:rPr lang="en-US" smtClean="0"/>
-              <a:t>10/28/2024</a:t>
+              <a:t>11/1/2024</a:t>
             </a:fld>
             <a:endParaRPr lang="en-US"/>
           </a:p>
@@ -2198,7 +2204,7 @@
           <a:p>
             <a:fld id="{5DF128AB-198A-495F-8475-FDB360C9873F}" type="datetime1">
               <a:rPr lang="en-US" smtClean="0"/>
-              <a:t>10/28/2024</a:t>
+              <a:t>11/1/2024</a:t>
             </a:fld>
             <a:endParaRPr lang="en-US"/>
           </a:p>
@@ -2339,7 +2345,7 @@
           <a:p>
             <a:fld id="{021A235E-F8FD-479F-9FC7-18BE84110877}" type="datetime1">
               <a:rPr lang="en-US" smtClean="0"/>
-              <a:t>10/28/2024</a:t>
+              <a:t>11/1/2024</a:t>
             </a:fld>
             <a:endParaRPr lang="en-US"/>
           </a:p>
@@ -2452,7 +2458,7 @@
           <a:p>
             <a:fld id="{E890F09B-68DA-462E-9DB4-4C9ADAB8CBCC}" type="datetime1">
               <a:rPr lang="en-US" smtClean="0"/>
-              <a:t>10/28/2024</a:t>
+              <a:t>11/1/2024</a:t>
             </a:fld>
             <a:endParaRPr lang="en-US"/>
           </a:p>
@@ -2771,7 +2777,7 @@
           <a:p>
             <a:fld id="{17AC4E36-FABE-47EB-AA7F-C19A93824617}" type="datetime1">
               <a:rPr lang="en-US" smtClean="0"/>
-              <a:t>10/28/2024</a:t>
+              <a:t>11/1/2024</a:t>
             </a:fld>
             <a:endParaRPr lang="en-US"/>
           </a:p>
@@ -3068,7 +3074,7 @@
           <a:p>
             <a:fld id="{F199CE6B-5DE6-4A2D-B72E-5E8969F9F56F}" type="datetime1">
               <a:rPr lang="en-US" smtClean="0"/>
-              <a:t>10/28/2024</a:t>
+              <a:t>11/1/2024</a:t>
             </a:fld>
             <a:endParaRPr lang="en-US"/>
           </a:p>
@@ -3929,7 +3935,7 @@
           <a:p>
             <a:fld id="{F481A142-DA77-4A5F-AD1F-14E6C18F0F5F}" type="datetime1">
               <a:rPr lang="en-US" smtClean="0"/>
-              <a:t>10/28/2024</a:t>
+              <a:t>11/1/2024</a:t>
             </a:fld>
             <a:endParaRPr lang="en-US" dirty="0"/>
           </a:p>
@@ -4956,255 +4962,287 @@
       </p:grpSpPr>
       <p:sp>
         <p:nvSpPr>
-          <p:cNvPr id="2" name="Τίτλος 1">
-            <a:extLst>
-              <a:ext uri="{FF2B5EF4-FFF2-40B4-BE49-F238E27FC236}">
-                <a16:creationId xmlns:a16="http://schemas.microsoft.com/office/drawing/2014/main" id="{F15DE645-1279-C54C-D4D5-5157A24214B4}"/>
-              </a:ext>
-            </a:extLst>
-          </p:cNvPr>
-          <p:cNvSpPr>
-            <a:spLocks noGrp="1"/>
-          </p:cNvSpPr>
-          <p:nvPr>
-            <p:ph type="title"/>
-          </p:nvPr>
+          <p:cNvPr id="2" name="TextBox 1">
+            <a:extLst>
+              <a:ext uri="{FF2B5EF4-FFF2-40B4-BE49-F238E27FC236}">
+                <a16:creationId xmlns:a16="http://schemas.microsoft.com/office/drawing/2014/main" id="{FE14A150-41D7-7317-2D47-2A6B0D68AFDE}"/>
+              </a:ext>
+            </a:extLst>
+          </p:cNvPr>
+          <p:cNvSpPr txBox="1"/>
+          <p:nvPr/>
         </p:nvSpPr>
         <p:spPr>
           <a:xfrm>
-            <a:off x="609600" y="270802"/>
-            <a:ext cx="10972800" cy="752495"/>
-          </a:xfrm>
+            <a:off x="6781406" y="188057"/>
+            <a:ext cx="5367855" cy="3139321"/>
+          </a:xfrm>
+          <a:prstGeom prst="rect">
+            <a:avLst/>
+          </a:prstGeom>
+          <a:noFill/>
         </p:spPr>
         <p:txBody>
-          <a:bodyPr>
-            <a:normAutofit fontScale="90000"/>
+          <a:bodyPr wrap="square" rtlCol="0">
+            <a:spAutoFit/>
           </a:bodyPr>
           <a:lstStyle/>
           <a:p>
             <a:r>
-              <a:rPr lang="el-GR" dirty="0">
-                <a:cs typeface="Posterama"/>
-              </a:rPr>
-              <a:t>Μέρος 2ο</a:t>
-            </a:r>
-            <a:endParaRPr lang="el-GR" dirty="0"/>
-          </a:p>
-        </p:txBody>
-      </p:sp>
-      <p:sp>
-        <p:nvSpPr>
-          <p:cNvPr id="3" name="Θέση περιεχομένου 2">
-            <a:extLst>
-              <a:ext uri="{FF2B5EF4-FFF2-40B4-BE49-F238E27FC236}">
-                <a16:creationId xmlns:a16="http://schemas.microsoft.com/office/drawing/2014/main" id="{2B967DD2-94EE-2762-99F8-C473DB1D6FFC}"/>
-              </a:ext>
-            </a:extLst>
-          </p:cNvPr>
-          <p:cNvSpPr>
-            <a:spLocks noGrp="1"/>
-          </p:cNvSpPr>
-          <p:nvPr>
-            <p:ph idx="1"/>
-          </p:nvPr>
-        </p:nvSpPr>
-        <p:spPr>
-          <a:xfrm>
-            <a:off x="609600" y="1103673"/>
-            <a:ext cx="10972800" cy="1860953"/>
-          </a:xfrm>
-        </p:spPr>
-        <p:txBody>
-          <a:bodyPr vert="horz" lIns="91440" tIns="45720" rIns="91440" bIns="45720" rtlCol="0" anchor="t">
-            <a:normAutofit/>
-          </a:bodyPr>
-          <a:lstStyle/>
-          <a:p>
-            <a:r>
               <a:rPr lang="el-GR" dirty="0"/>
-              <a:t>Το δεύτερο μέρος της εργασίας περιλαμβάνει δύο διαφορετικά </a:t>
+              <a:t>Το ΝΟ2 θεωρείται ρύπος στην ατμόσφαιρα και σχηματίζεται κυρίως λόγω της διαδικασίας της καύσης σε υψηλές θερμοκρασίες. Τέτοιες διεργασίες τείνουν να είναι περισσότερες κατά την χειμερινή περίοδο οπότε η μικρή αύξηση που παρατηρείται στην συγκέντρωση του ΝΟ2 κοντά στην επιφάνεια της Γης (και κυρίως στα </a:t>
             </a:r>
             <a:r>
               <a:rPr lang="el-GR" dirty="0" err="1"/>
-              <a:t>datasets</a:t>
+              <a:t>υπο</a:t>
             </a:r>
             <a:r>
               <a:rPr lang="el-GR" dirty="0"/>
-              <a:t> όπου περιέχουν φάσματα της ηλιακής ακτινοβολίας δηλαδή μετρήσεις της ροής ακτινοβολίας (</a:t>
-            </a:r>
-            <a:r>
-              <a:rPr lang="en-US" dirty="0"/>
-              <a:t>spectral </a:t>
-            </a:r>
-            <a:r>
-              <a:rPr lang="el-GR" dirty="0" err="1"/>
-              <a:t>irradiance</a:t>
-            </a:r>
-            <a:r>
-              <a:rPr lang="el-GR" dirty="0"/>
-              <a:t>) για διαφορετικά μήκη κύματος. Η διαφορά μεταξύ των δύο μετρήσεων έγκειται στην ακρίβεια καθώς το 1ο σετ που από εδώ και πέρα θα ονομάζεται </a:t>
-            </a:r>
-            <a:r>
-              <a:rPr lang="el-GR" dirty="0" err="1"/>
-              <a:t>kurudz</a:t>
-            </a:r>
-            <a:r>
-              <a:rPr lang="el-GR" dirty="0"/>
-              <a:t> έχει ακρίβεια 1nm και το 2ο σετ που ονομάζεται </a:t>
-            </a:r>
-            <a:r>
-              <a:rPr lang="el-GR" dirty="0" err="1"/>
-              <a:t>atlas_plus</a:t>
-            </a:r>
-            <a:r>
-              <a:rPr lang="el-GR" dirty="0"/>
-              <a:t> έχει ακρίβεια 0.05 nm. Παρακάτω εμφανίζονται τα δύο σετ σε αντιπαράθεση μεταξύ τους.</a:t>
-            </a:r>
+              <a:t>-αρκτικά πλάτη) είναι δικαιολογημένη. Στην στρατόσφαιρα, παρατηρείται η μεγαλύτερη συγκέντρωση του αερίου και με υψηλότερες τιμές κατά την θερινή περίοδο καθώς το αέριο είναι παράγωγο της διάσπασης του όζοντος.</a:t>
+            </a:r>
+            <a:endParaRPr lang="en-GB" dirty="0"/>
           </a:p>
         </p:txBody>
       </p:sp>
       <p:pic>
         <p:nvPicPr>
-          <p:cNvPr id="4" name="Εικόνα 3" descr="Εικόνα που περιέχει κείμενο, στιγμιότυπο οθόνης, γραμματοσειρά, αριθμός&#10;&#10;Περιγραφή που δημιουργήθηκε αυτόματα">
-            <a:extLst>
-              <a:ext uri="{FF2B5EF4-FFF2-40B4-BE49-F238E27FC236}">
-                <a16:creationId xmlns:a16="http://schemas.microsoft.com/office/drawing/2014/main" id="{D9BD9A25-FF1D-8D41-F8DE-74077A87C51F}"/>
+          <p:cNvPr id="5122" name="Picture 2">
+            <a:extLst>
+              <a:ext uri="{FF2B5EF4-FFF2-40B4-BE49-F238E27FC236}">
+                <a16:creationId xmlns:a16="http://schemas.microsoft.com/office/drawing/2014/main" id="{19A2AE54-5E67-3455-41E0-DB2D8861E44B}"/>
               </a:ext>
             </a:extLst>
           </p:cNvPr>
           <p:cNvPicPr>
-            <a:picLocks noChangeAspect="1"/>
+            <a:picLocks noChangeAspect="1" noChangeArrowheads="1"/>
           </p:cNvPicPr>
           <p:nvPr/>
         </p:nvPicPr>
         <p:blipFill>
-          <a:blip r:embed="rId2"/>
+          <a:blip r:embed="rId2">
+            <a:extLst>
+              <a:ext uri="{28A0092B-C50C-407E-A947-70E740481C1C}">
+                <a14:useLocalDpi xmlns:a14="http://schemas.microsoft.com/office/drawing/2010/main" val="0"/>
+              </a:ext>
+            </a:extLst>
+          </a:blip>
+          <a:srcRect/>
           <a:stretch>
             <a:fillRect/>
           </a:stretch>
         </p:blipFill>
-        <p:spPr>
-          <a:xfrm>
-            <a:off x="2739512" y="3062214"/>
-            <a:ext cx="3353924" cy="3522883"/>
+        <p:spPr bwMode="auto">
+          <a:xfrm>
+            <a:off x="7829983" y="3424518"/>
+            <a:ext cx="3270702" cy="3333600"/>
           </a:xfrm>
           <a:prstGeom prst="rect">
             <a:avLst/>
           </a:prstGeom>
+          <a:noFill/>
+          <a:extLst>
+            <a:ext uri="{909E8E84-426E-40DD-AFC4-6F175D3DCCD1}">
+              <a14:hiddenFill xmlns:a14="http://schemas.microsoft.com/office/drawing/2010/main">
+                <a:solidFill>
+                  <a:srgbClr val="FFFFFF"/>
+                </a:solidFill>
+              </a14:hiddenFill>
+            </a:ext>
+          </a:extLst>
         </p:spPr>
       </p:pic>
       <p:pic>
         <p:nvPicPr>
-          <p:cNvPr id="5" name="Εικόνα 4" descr="Εικόνα που περιέχει κείμενο, στιγμιότυπο οθόνης, γραμματοσειρά, αριθμός&#10;&#10;Περιγραφή που δημιουργήθηκε αυτόματα">
-            <a:extLst>
-              <a:ext uri="{FF2B5EF4-FFF2-40B4-BE49-F238E27FC236}">
-                <a16:creationId xmlns:a16="http://schemas.microsoft.com/office/drawing/2014/main" id="{E020A2B0-B1F6-CD4E-247D-A75AD2225156}"/>
+          <p:cNvPr id="5124" name="Picture 4">
+            <a:extLst>
+              <a:ext uri="{FF2B5EF4-FFF2-40B4-BE49-F238E27FC236}">
+                <a16:creationId xmlns:a16="http://schemas.microsoft.com/office/drawing/2014/main" id="{053CE411-0F16-F7B6-29DC-46CC281C520F}"/>
               </a:ext>
             </a:extLst>
           </p:cNvPr>
           <p:cNvPicPr>
-            <a:picLocks noChangeAspect="1"/>
+            <a:picLocks noChangeAspect="1" noChangeArrowheads="1"/>
           </p:cNvPicPr>
           <p:nvPr/>
         </p:nvPicPr>
         <p:blipFill>
-          <a:blip r:embed="rId3"/>
+          <a:blip r:embed="rId3">
+            <a:extLst>
+              <a:ext uri="{28A0092B-C50C-407E-A947-70E740481C1C}">
+                <a14:useLocalDpi xmlns:a14="http://schemas.microsoft.com/office/drawing/2010/main" val="0"/>
+              </a:ext>
+            </a:extLst>
+          </a:blip>
+          <a:srcRect/>
           <a:stretch>
             <a:fillRect/>
           </a:stretch>
         </p:blipFill>
-        <p:spPr>
-          <a:xfrm>
-            <a:off x="6093534" y="3058551"/>
-            <a:ext cx="3355389" cy="3528647"/>
-          </a:xfrm>
-          <a:prstGeom prst="rect">
-            <a:avLst/>
-          </a:prstGeom>
-        </p:spPr>
-      </p:pic>
-      <p:sp>
-        <p:nvSpPr>
-          <p:cNvPr id="6" name="TextBox 5">
-            <a:extLst>
-              <a:ext uri="{FF2B5EF4-FFF2-40B4-BE49-F238E27FC236}">
-                <a16:creationId xmlns:a16="http://schemas.microsoft.com/office/drawing/2014/main" id="{941BEBAF-EE0F-7D82-94AF-AD4A10CE22FA}"/>
-              </a:ext>
-            </a:extLst>
-          </p:cNvPr>
-          <p:cNvSpPr txBox="1"/>
-          <p:nvPr/>
-        </p:nvSpPr>
-        <p:spPr>
-          <a:xfrm>
-            <a:off x="1660183" y="4820138"/>
-            <a:ext cx="926123" cy="369332"/>
+        <p:spPr bwMode="auto">
+          <a:xfrm>
+            <a:off x="93913" y="90918"/>
+            <a:ext cx="3389509" cy="3333600"/>
           </a:xfrm>
           <a:prstGeom prst="rect">
             <a:avLst/>
           </a:prstGeom>
           <a:noFill/>
-        </p:spPr>
-        <p:txBody>
-          <a:bodyPr rot="0" spcFirstLastPara="0" vertOverflow="overflow" horzOverflow="overflow" vert="horz" wrap="square" lIns="91440" tIns="45720" rIns="91440" bIns="45720" numCol="1" spcCol="0" rtlCol="0" fromWordArt="0" anchor="t" anchorCtr="0" forceAA="0" compatLnSpc="1">
-            <a:prstTxWarp prst="textNoShape">
-              <a:avLst/>
-            </a:prstTxWarp>
-            <a:spAutoFit/>
-          </a:bodyPr>
-          <a:lstStyle/>
-          <a:p>
-            <a:pPr algn="l"/>
-            <a:r>
-              <a:rPr lang="el-GR" dirty="0" err="1"/>
-              <a:t>kurudz</a:t>
-            </a:r>
-          </a:p>
-        </p:txBody>
-      </p:sp>
-      <p:sp>
-        <p:nvSpPr>
-          <p:cNvPr id="7" name="TextBox 6">
-            <a:extLst>
-              <a:ext uri="{FF2B5EF4-FFF2-40B4-BE49-F238E27FC236}">
-                <a16:creationId xmlns:a16="http://schemas.microsoft.com/office/drawing/2014/main" id="{4F46A0B3-610B-75AF-25F4-971F14592E22}"/>
-              </a:ext>
-            </a:extLst>
-          </p:cNvPr>
-          <p:cNvSpPr txBox="1"/>
+          <a:extLst>
+            <a:ext uri="{909E8E84-426E-40DD-AFC4-6F175D3DCCD1}">
+              <a14:hiddenFill xmlns:a14="http://schemas.microsoft.com/office/drawing/2010/main">
+                <a:solidFill>
+                  <a:srgbClr val="FFFFFF"/>
+                </a:solidFill>
+              </a14:hiddenFill>
+            </a:ext>
+          </a:extLst>
+        </p:spPr>
+      </p:pic>
+      <p:pic>
+        <p:nvPicPr>
+          <p:cNvPr id="5126" name="Picture 6">
+            <a:extLst>
+              <a:ext uri="{FF2B5EF4-FFF2-40B4-BE49-F238E27FC236}">
+                <a16:creationId xmlns:a16="http://schemas.microsoft.com/office/drawing/2014/main" id="{02226AC0-01ED-6FFC-1A49-87776895FDC9}"/>
+              </a:ext>
+            </a:extLst>
+          </p:cNvPr>
+          <p:cNvPicPr>
+            <a:picLocks noChangeAspect="1" noChangeArrowheads="1"/>
+          </p:cNvPicPr>
           <p:nvPr/>
-        </p:nvSpPr>
-        <p:spPr>
-          <a:xfrm>
-            <a:off x="9694007" y="4823850"/>
-            <a:ext cx="1266093" cy="369332"/>
+        </p:nvPicPr>
+        <p:blipFill>
+          <a:blip r:embed="rId4">
+            <a:extLst>
+              <a:ext uri="{28A0092B-C50C-407E-A947-70E740481C1C}">
+                <a14:useLocalDpi xmlns:a14="http://schemas.microsoft.com/office/drawing/2010/main" val="0"/>
+              </a:ext>
+            </a:extLst>
+          </a:blip>
+          <a:srcRect/>
+          <a:stretch>
+            <a:fillRect/>
+          </a:stretch>
+        </p:blipFill>
+        <p:spPr bwMode="auto">
+          <a:xfrm>
+            <a:off x="3486110" y="90918"/>
+            <a:ext cx="3270702" cy="3333600"/>
           </a:xfrm>
           <a:prstGeom prst="rect">
             <a:avLst/>
           </a:prstGeom>
           <a:noFill/>
-        </p:spPr>
-        <p:txBody>
-          <a:bodyPr rot="0" spcFirstLastPara="0" vertOverflow="overflow" horzOverflow="overflow" vert="horz" wrap="square" lIns="91440" tIns="45720" rIns="91440" bIns="45720" numCol="1" spcCol="0" rtlCol="0" fromWordArt="0" anchor="t" anchorCtr="0" forceAA="0" compatLnSpc="1">
-            <a:prstTxWarp prst="textNoShape">
-              <a:avLst/>
-            </a:prstTxWarp>
-            <a:spAutoFit/>
-          </a:bodyPr>
-          <a:lstStyle/>
-          <a:p>
-            <a:pPr algn="l"/>
-            <a:r>
-              <a:rPr lang="el-GR" dirty="0" err="1"/>
-              <a:t>atlas_plus</a:t>
-            </a:r>
-          </a:p>
-        </p:txBody>
-      </p:sp>
+          <a:extLst>
+            <a:ext uri="{909E8E84-426E-40DD-AFC4-6F175D3DCCD1}">
+              <a14:hiddenFill xmlns:a14="http://schemas.microsoft.com/office/drawing/2010/main">
+                <a:solidFill>
+                  <a:srgbClr val="FFFFFF"/>
+                </a:solidFill>
+              </a14:hiddenFill>
+            </a:ext>
+          </a:extLst>
+        </p:spPr>
+      </p:pic>
+      <p:pic>
+        <p:nvPicPr>
+          <p:cNvPr id="5128" name="Picture 8">
+            <a:extLst>
+              <a:ext uri="{FF2B5EF4-FFF2-40B4-BE49-F238E27FC236}">
+                <a16:creationId xmlns:a16="http://schemas.microsoft.com/office/drawing/2014/main" id="{BF0339F6-476D-0540-B7D0-4211E6E40779}"/>
+              </a:ext>
+            </a:extLst>
+          </p:cNvPr>
+          <p:cNvPicPr>
+            <a:picLocks noChangeAspect="1" noChangeArrowheads="1"/>
+          </p:cNvPicPr>
+          <p:nvPr/>
+        </p:nvPicPr>
+        <p:blipFill>
+          <a:blip r:embed="rId5">
+            <a:extLst>
+              <a:ext uri="{28A0092B-C50C-407E-A947-70E740481C1C}">
+                <a14:useLocalDpi xmlns:a14="http://schemas.microsoft.com/office/drawing/2010/main" val="0"/>
+              </a:ext>
+            </a:extLst>
+          </a:blip>
+          <a:srcRect/>
+          <a:stretch>
+            <a:fillRect/>
+          </a:stretch>
+        </p:blipFill>
+        <p:spPr bwMode="auto">
+          <a:xfrm>
+            <a:off x="169982" y="3431172"/>
+            <a:ext cx="3270702" cy="3333600"/>
+          </a:xfrm>
+          <a:prstGeom prst="rect">
+            <a:avLst/>
+          </a:prstGeom>
+          <a:noFill/>
+          <a:extLst>
+            <a:ext uri="{909E8E84-426E-40DD-AFC4-6F175D3DCCD1}">
+              <a14:hiddenFill xmlns:a14="http://schemas.microsoft.com/office/drawing/2010/main">
+                <a:solidFill>
+                  <a:srgbClr val="FFFFFF"/>
+                </a:solidFill>
+              </a14:hiddenFill>
+            </a:ext>
+          </a:extLst>
+        </p:spPr>
+      </p:pic>
+      <p:pic>
+        <p:nvPicPr>
+          <p:cNvPr id="5130" name="Picture 10">
+            <a:extLst>
+              <a:ext uri="{FF2B5EF4-FFF2-40B4-BE49-F238E27FC236}">
+                <a16:creationId xmlns:a16="http://schemas.microsoft.com/office/drawing/2014/main" id="{AB733F7D-2FA9-4C18-80B0-EAE53A2A9C60}"/>
+              </a:ext>
+            </a:extLst>
+          </p:cNvPr>
+          <p:cNvPicPr>
+            <a:picLocks noChangeAspect="1" noChangeArrowheads="1"/>
+          </p:cNvPicPr>
+          <p:nvPr/>
+        </p:nvPicPr>
+        <p:blipFill>
+          <a:blip r:embed="rId6">
+            <a:extLst>
+              <a:ext uri="{28A0092B-C50C-407E-A947-70E740481C1C}">
+                <a14:useLocalDpi xmlns:a14="http://schemas.microsoft.com/office/drawing/2010/main" val="0"/>
+              </a:ext>
+            </a:extLst>
+          </a:blip>
+          <a:srcRect/>
+          <a:stretch>
+            <a:fillRect/>
+          </a:stretch>
+        </p:blipFill>
+        <p:spPr bwMode="auto">
+          <a:xfrm>
+            <a:off x="3395257" y="3424518"/>
+            <a:ext cx="3361555" cy="3333600"/>
+          </a:xfrm>
+          <a:prstGeom prst="rect">
+            <a:avLst/>
+          </a:prstGeom>
+          <a:noFill/>
+          <a:extLst>
+            <a:ext uri="{909E8E84-426E-40DD-AFC4-6F175D3DCCD1}">
+              <a14:hiddenFill xmlns:a14="http://schemas.microsoft.com/office/drawing/2010/main">
+                <a:solidFill>
+                  <a:srgbClr val="FFFFFF"/>
+                </a:solidFill>
+              </a14:hiddenFill>
+            </a:ext>
+          </a:extLst>
+        </p:spPr>
+      </p:pic>
     </p:spTree>
     <p:extLst>
       <p:ext uri="{BB962C8B-B14F-4D97-AF65-F5344CB8AC3E}">
-        <p14:creationId xmlns:p14="http://schemas.microsoft.com/office/powerpoint/2010/main" val="4020534852"/>
+        <p14:creationId xmlns:p14="http://schemas.microsoft.com/office/powerpoint/2010/main" val="740289710"/>
       </p:ext>
     </p:extLst>
   </p:cSld>
@@ -5233,39 +5271,66 @@
       </p:grpSpPr>
       <p:pic>
         <p:nvPicPr>
-          <p:cNvPr id="7" name="Θέση περιεχομένου 6" descr="Εικόνα που περιέχει κείμενο, διάγραμμα, στιγμιότυπο οθόνης, γράφημα&#10;&#10;Περιγραφή που δημιουργήθηκε αυτόματα">
-            <a:extLst>
-              <a:ext uri="{FF2B5EF4-FFF2-40B4-BE49-F238E27FC236}">
-                <a16:creationId xmlns:a16="http://schemas.microsoft.com/office/drawing/2014/main" id="{BADD0168-9FDC-79DF-AACE-B02B4DD2B211}"/>
+          <p:cNvPr id="14338" name="Picture 2">
+            <a:extLst>
+              <a:ext uri="{FF2B5EF4-FFF2-40B4-BE49-F238E27FC236}">
+                <a16:creationId xmlns:a16="http://schemas.microsoft.com/office/drawing/2014/main" id="{CF4C477F-43B4-54B1-BA5E-9D2D1F7286A8}"/>
               </a:ext>
             </a:extLst>
           </p:cNvPr>
           <p:cNvPicPr>
-            <a:picLocks noGrp="1" noChangeAspect="1"/>
+            <a:picLocks noChangeAspect="1" noChangeArrowheads="1"/>
           </p:cNvPicPr>
-          <p:nvPr>
-            <p:ph sz="half" idx="2"/>
-          </p:nvPr>
+          <p:nvPr/>
         </p:nvPicPr>
         <p:blipFill>
-          <a:blip r:embed="rId2"/>
+          <a:blip r:embed="rId2">
+            <a:extLst>
+              <a:ext uri="{28A0092B-C50C-407E-A947-70E740481C1C}">
+                <a14:useLocalDpi xmlns:a14="http://schemas.microsoft.com/office/drawing/2010/main" val="0"/>
+              </a:ext>
+            </a:extLst>
+          </a:blip>
+          <a:srcRect/>
           <a:stretch>
             <a:fillRect/>
           </a:stretch>
         </p:blipFill>
-        <p:spPr>
-          <a:xfrm>
-            <a:off x="6345201" y="1773383"/>
-            <a:ext cx="5199928" cy="4972383"/>
-          </a:xfrm>
+        <p:spPr bwMode="auto">
+          <a:xfrm>
+            <a:off x="377639" y="648821"/>
+            <a:ext cx="6833628" cy="5400000"/>
+          </a:xfrm>
+          <a:prstGeom prst="rect">
+            <a:avLst/>
+          </a:prstGeom>
+          <a:ln>
+            <a:noFill/>
+          </a:ln>
+          <a:effectLst>
+            <a:outerShdw blurRad="292100" dist="139700" dir="2700000" algn="tl" rotWithShape="0">
+              <a:srgbClr val="333333">
+                <a:alpha val="65000"/>
+              </a:srgbClr>
+            </a:outerShdw>
+          </a:effectLst>
+          <a:extLst>
+            <a:ext uri="{909E8E84-426E-40DD-AFC4-6F175D3DCCD1}">
+              <a14:hiddenFill xmlns:a14="http://schemas.microsoft.com/office/drawing/2010/main">
+                <a:solidFill>
+                  <a:srgbClr val="FFFFFF"/>
+                </a:solidFill>
+              </a14:hiddenFill>
+            </a:ext>
+          </a:extLst>
         </p:spPr>
       </p:pic>
       <p:sp>
         <p:nvSpPr>
-          <p:cNvPr id="5" name="TextBox 4">
-            <a:extLst>
-              <a:ext uri="{FF2B5EF4-FFF2-40B4-BE49-F238E27FC236}">
-                <a16:creationId xmlns:a16="http://schemas.microsoft.com/office/drawing/2014/main" id="{416A63A7-5335-6D49-1E5F-9C1C142222B7}"/>
+          <p:cNvPr id="2" name="TextBox 1">
+            <a:extLst>
+              <a:ext uri="{FF2B5EF4-FFF2-40B4-BE49-F238E27FC236}">
+                <a16:creationId xmlns:a16="http://schemas.microsoft.com/office/drawing/2014/main" id="{BB16F195-9E42-BE38-58E4-FB36966A71AC}"/>
               </a:ext>
             </a:extLst>
           </p:cNvPr>
@@ -5274,8 +5339,8 @@
         </p:nvSpPr>
         <p:spPr>
           <a:xfrm>
-            <a:off x="781050" y="212436"/>
-            <a:ext cx="10629900" cy="1477328"/>
+            <a:off x="7593106" y="532665"/>
+            <a:ext cx="4087905" cy="5632311"/>
           </a:xfrm>
           <a:prstGeom prst="rect">
             <a:avLst/>
@@ -5283,78 +5348,30 @@
           <a:noFill/>
         </p:spPr>
         <p:txBody>
-          <a:bodyPr rot="0" spcFirstLastPara="0" vertOverflow="overflow" horzOverflow="overflow" vert="horz" wrap="square" lIns="91440" tIns="45720" rIns="91440" bIns="45720" numCol="1" spcCol="0" rtlCol="0" fromWordArt="0" anchor="t" anchorCtr="0" forceAA="0" compatLnSpc="1">
-            <a:prstTxWarp prst="textNoShape">
-              <a:avLst/>
-            </a:prstTxWarp>
+          <a:bodyPr wrap="square" rtlCol="0">
             <a:spAutoFit/>
           </a:bodyPr>
           <a:lstStyle/>
           <a:p>
             <a:r>
               <a:rPr lang="el-GR" dirty="0"/>
-              <a:t>Αρχικά, κόψαμε τις τιμές του μήκους κύματος που ξεπερνούσαν τα 2.500nm στο 1</a:t>
-            </a:r>
-            <a:r>
-              <a:rPr lang="el-GR" baseline="30000" dirty="0"/>
-              <a:t>ο</a:t>
+              <a:t>Η συνολική συγκέντρωση του διοξειδίου του αζώτου, με βάση το διπλανό διάγραμμα, είναι λίγο μεγαλύτερη από 2.5 * 10⁻⁸%. Στον Ισημερινό καθώς και στην θερινή περίοδο στα μέσα και τα </a:t>
+            </a:r>
+            <a:r>
+              <a:rPr lang="el-GR" dirty="0" err="1"/>
+              <a:t>υπο</a:t>
             </a:r>
             <a:r>
               <a:rPr lang="el-GR" dirty="0"/>
-              <a:t> σετ μετρήσεων και κάναμε μία πρώτη γραφική παράσταση έτσι ώστε να έχουμε μία καλύτερη εικόνα των δεδομένων. Με μωβ χρώμα απεικονίζεται το σετ </a:t>
-            </a:r>
-            <a:r>
-              <a:rPr lang="el-GR" dirty="0" err="1"/>
-              <a:t>kurudz</a:t>
-            </a:r>
-            <a:r>
-              <a:rPr lang="el-GR" dirty="0"/>
-              <a:t> και με πράσινο το </a:t>
-            </a:r>
-            <a:r>
-              <a:rPr lang="el-GR" dirty="0" err="1"/>
-              <a:t>atlas_plus</a:t>
-            </a:r>
-            <a:r>
-              <a:rPr lang="el-GR" dirty="0"/>
-              <a:t>. Είναι εμφανές ότι το ένα σετ περιέχει τιμές σε μεγαλύτερο εύρος όσων αφορά το μήκος κύματος ενώ το δεύτερο έχει περισσότερες τιμές της ακτινοβολίας σε μικρότερο εύρος. </a:t>
+              <a:t>-αρκτικά πλάτη δεν παρατηρούνται μεγάλες διακυμάνσεις. Παρατηρείται όμως εποχική διακύμανση για την συγκέντρωσή του καθώς τον χειμώνα φαίνεται πως έχουμε μικρότερο ποσοστό του ρύπου στον αέρα. Αυτό συμβαίνει διότι όπως προαναφέραμε, ένας από τους βασικούς τρόπους σχηματισμού του είναι έπειτα από την διάσπαση του όζοντος. Το όζον διασπάται υπό την παρουσία ηλιακής ακτινοβολίας η οποία είναι μειωμένη κατά την χειμερινή περίοδο και συνεπώς διασπάται μικρότερη ποσότητα όζοντος για να παραχθεί εν τέλει διοξείδιο του αζώτου.</a:t>
             </a:r>
           </a:p>
         </p:txBody>
       </p:sp>
-      <p:pic>
-        <p:nvPicPr>
-          <p:cNvPr id="12" name="Θέση περιεχομένου 11">
-            <a:extLst>
-              <a:ext uri="{FF2B5EF4-FFF2-40B4-BE49-F238E27FC236}">
-                <a16:creationId xmlns:a16="http://schemas.microsoft.com/office/drawing/2014/main" id="{DBB41800-D14A-4DF9-DFD3-57D50D6010DE}"/>
-              </a:ext>
-            </a:extLst>
-          </p:cNvPr>
-          <p:cNvPicPr>
-            <a:picLocks noGrp="1" noChangeAspect="1"/>
-          </p:cNvPicPr>
-          <p:nvPr>
-            <p:ph sz="half" idx="1"/>
-          </p:nvPr>
-        </p:nvPicPr>
-        <p:blipFill>
-          <a:blip r:embed="rId3"/>
-          <a:stretch>
-            <a:fillRect/>
-          </a:stretch>
-        </p:blipFill>
-        <p:spPr>
-          <a:xfrm>
-            <a:off x="320042" y="1773383"/>
-            <a:ext cx="5526759" cy="5084618"/>
-          </a:xfrm>
-        </p:spPr>
-      </p:pic>
     </p:spTree>
     <p:extLst>
       <p:ext uri="{BB962C8B-B14F-4D97-AF65-F5344CB8AC3E}">
-        <p14:creationId xmlns:p14="http://schemas.microsoft.com/office/powerpoint/2010/main" val="1761082859"/>
+        <p14:creationId xmlns:p14="http://schemas.microsoft.com/office/powerpoint/2010/main" val="4090714108"/>
       </p:ext>
     </p:extLst>
   </p:cSld>
@@ -5381,119 +5398,281 @@
           <a:chExt cx="0" cy="0"/>
         </a:xfrm>
       </p:grpSpPr>
+      <p:sp>
+        <p:nvSpPr>
+          <p:cNvPr id="2" name="TextBox 1">
+            <a:extLst>
+              <a:ext uri="{FF2B5EF4-FFF2-40B4-BE49-F238E27FC236}">
+                <a16:creationId xmlns:a16="http://schemas.microsoft.com/office/drawing/2014/main" id="{A6887033-8897-EDCF-EE63-3AF841D48E57}"/>
+              </a:ext>
+            </a:extLst>
+          </p:cNvPr>
+          <p:cNvSpPr txBox="1"/>
+          <p:nvPr/>
+        </p:nvSpPr>
+        <p:spPr>
+          <a:xfrm>
+            <a:off x="6858000" y="197224"/>
+            <a:ext cx="5118847" cy="3139321"/>
+          </a:xfrm>
+          <a:prstGeom prst="rect">
+            <a:avLst/>
+          </a:prstGeom>
+          <a:noFill/>
+        </p:spPr>
+        <p:txBody>
+          <a:bodyPr wrap="square" rtlCol="0">
+            <a:spAutoFit/>
+          </a:bodyPr>
+          <a:lstStyle/>
+          <a:p>
+            <a:r>
+              <a:rPr lang="el-GR" dirty="0"/>
+              <a:t>Το οξυγόνο, ακολουθεί και αυτό την κατανομή της συγκέντρωσης του αέρα και μειώνεται εκθετικά με το ύψος για τους ίδιους λόγους που αναφέραμε και για την ατμοσφαιρική πίεση. Οι γραφικές παραστάσεις μας υποδεικνύουν ότι η συγκέντρωσή του στη ΜΣΘ είναι μεγαλύτερη κατά τους χειμερινούς μήνες όπου οι θερμοκρασίες είναι χαμηλότερες, κάτι που είναι αναμενόμενο καθώς, λόγω τη μειωμένης κινητικής ενέργειας των μορίων, αυτά τείνουν να εκτελούν μικρότερες ανοδικές κινήσεις και να μένουν κοντά στο έδαφος.</a:t>
+            </a:r>
+            <a:endParaRPr lang="en-GB" dirty="0"/>
+          </a:p>
+        </p:txBody>
+      </p:sp>
       <p:pic>
         <p:nvPicPr>
-          <p:cNvPr id="9" name="Θέση περιεχομένου 8" descr="Εικόνα που περιέχει κείμενο, στιγμιότυπο οθόνης, γράφημα, διάγραμμα&#10;&#10;Περιγραφή που δημιουργήθηκε αυτόματα">
-            <a:extLst>
-              <a:ext uri="{FF2B5EF4-FFF2-40B4-BE49-F238E27FC236}">
-                <a16:creationId xmlns:a16="http://schemas.microsoft.com/office/drawing/2014/main" id="{BB47D059-5FF1-2F68-1921-95631DE2D8BF}"/>
+          <p:cNvPr id="6146" name="Picture 2">
+            <a:extLst>
+              <a:ext uri="{FF2B5EF4-FFF2-40B4-BE49-F238E27FC236}">
+                <a16:creationId xmlns:a16="http://schemas.microsoft.com/office/drawing/2014/main" id="{59B1558C-C07B-09E2-34D8-E63D610DF52F}"/>
               </a:ext>
             </a:extLst>
           </p:cNvPr>
           <p:cNvPicPr>
-            <a:picLocks noGrp="1" noChangeAspect="1"/>
+            <a:picLocks noChangeAspect="1" noChangeArrowheads="1"/>
           </p:cNvPicPr>
-          <p:nvPr>
-            <p:ph sz="half" idx="1"/>
-          </p:nvPr>
+          <p:nvPr/>
         </p:nvPicPr>
         <p:blipFill>
-          <a:blip r:embed="rId2"/>
+          <a:blip r:embed="rId2">
+            <a:extLst>
+              <a:ext uri="{28A0092B-C50C-407E-A947-70E740481C1C}">
+                <a14:useLocalDpi xmlns:a14="http://schemas.microsoft.com/office/drawing/2010/main" val="0"/>
+              </a:ext>
+            </a:extLst>
+          </a:blip>
+          <a:srcRect/>
           <a:stretch>
             <a:fillRect/>
           </a:stretch>
         </p:blipFill>
-        <p:spPr>
-          <a:xfrm>
-            <a:off x="773823" y="2081369"/>
-            <a:ext cx="4867469" cy="4552793"/>
-          </a:xfrm>
+        <p:spPr bwMode="auto">
+          <a:xfrm>
+            <a:off x="7782072" y="3521456"/>
+            <a:ext cx="3270702" cy="3333600"/>
+          </a:xfrm>
+          <a:prstGeom prst="rect">
+            <a:avLst/>
+          </a:prstGeom>
+          <a:noFill/>
+          <a:extLst>
+            <a:ext uri="{909E8E84-426E-40DD-AFC4-6F175D3DCCD1}">
+              <a14:hiddenFill xmlns:a14="http://schemas.microsoft.com/office/drawing/2010/main">
+                <a:solidFill>
+                  <a:srgbClr val="FFFFFF"/>
+                </a:solidFill>
+              </a14:hiddenFill>
+            </a:ext>
+          </a:extLst>
         </p:spPr>
       </p:pic>
       <p:pic>
         <p:nvPicPr>
-          <p:cNvPr id="7" name="Θέση περιεχομένου 6" descr="Εικόνα που περιέχει κείμενο, διάγραμμα, στιγμιότυπο οθόνης, γράφημα&#10;&#10;Περιγραφή που δημιουργήθηκε αυτόματα">
-            <a:extLst>
-              <a:ext uri="{FF2B5EF4-FFF2-40B4-BE49-F238E27FC236}">
-                <a16:creationId xmlns:a16="http://schemas.microsoft.com/office/drawing/2014/main" id="{06A60417-32E9-38CF-B281-EB1D88F4AB8E}"/>
+          <p:cNvPr id="6148" name="Picture 4">
+            <a:extLst>
+              <a:ext uri="{FF2B5EF4-FFF2-40B4-BE49-F238E27FC236}">
+                <a16:creationId xmlns:a16="http://schemas.microsoft.com/office/drawing/2014/main" id="{C892F49A-BC14-0BC2-FCD1-303AFDEADF4D}"/>
               </a:ext>
             </a:extLst>
           </p:cNvPr>
           <p:cNvPicPr>
-            <a:picLocks noGrp="1" noChangeAspect="1"/>
+            <a:picLocks noChangeAspect="1" noChangeArrowheads="1"/>
           </p:cNvPicPr>
-          <p:nvPr>
-            <p:ph sz="half" idx="2"/>
-          </p:nvPr>
+          <p:nvPr/>
         </p:nvPicPr>
         <p:blipFill>
-          <a:blip r:embed="rId3"/>
+          <a:blip r:embed="rId3">
+            <a:extLst>
+              <a:ext uri="{28A0092B-C50C-407E-A947-70E740481C1C}">
+                <a14:useLocalDpi xmlns:a14="http://schemas.microsoft.com/office/drawing/2010/main" val="0"/>
+              </a:ext>
+            </a:extLst>
+          </a:blip>
+          <a:srcRect/>
           <a:stretch>
             <a:fillRect/>
           </a:stretch>
         </p:blipFill>
-        <p:spPr>
-          <a:xfrm>
-            <a:off x="6550710" y="2081368"/>
-            <a:ext cx="4867851" cy="4552793"/>
-          </a:xfrm>
-        </p:spPr>
-      </p:pic>
-      <p:sp>
-        <p:nvSpPr>
-          <p:cNvPr id="8" name="TextBox 7">
-            <a:extLst>
-              <a:ext uri="{FF2B5EF4-FFF2-40B4-BE49-F238E27FC236}">
-                <a16:creationId xmlns:a16="http://schemas.microsoft.com/office/drawing/2014/main" id="{7C1FFD2D-2B2E-D3C9-E439-97A0577194FC}"/>
-              </a:ext>
-            </a:extLst>
-          </p:cNvPr>
-          <p:cNvSpPr txBox="1"/>
-          <p:nvPr/>
-        </p:nvSpPr>
-        <p:spPr>
-          <a:xfrm>
-            <a:off x="915767" y="360484"/>
-            <a:ext cx="10360269" cy="1477328"/>
+        <p:spPr bwMode="auto">
+          <a:xfrm>
+            <a:off x="126930" y="95400"/>
+            <a:ext cx="3270702" cy="3333600"/>
           </a:xfrm>
           <a:prstGeom prst="rect">
             <a:avLst/>
           </a:prstGeom>
           <a:noFill/>
-        </p:spPr>
-        <p:txBody>
-          <a:bodyPr rot="0" spcFirstLastPara="0" vertOverflow="overflow" horzOverflow="overflow" vert="horz" wrap="square" lIns="91440" tIns="45720" rIns="91440" bIns="45720" numCol="1" spcCol="0" rtlCol="0" fromWordArt="0" anchor="t" anchorCtr="0" forceAA="0" compatLnSpc="1">
-            <a:prstTxWarp prst="textNoShape">
-              <a:avLst/>
-            </a:prstTxWarp>
-            <a:spAutoFit/>
-          </a:bodyPr>
-          <a:lstStyle/>
-          <a:p>
-            <a:r>
-              <a:rPr lang="el-GR" dirty="0"/>
-              <a:t>Για καλύτερη σύγκριση των δύο σετ, ζουμάρουμε στην 1η γραφική έτσι ώστε να μελετάμε το ίδιο κομμάτι του φάσματος και στις 2 περιπτώσεις. Με μία πρώτη ματιά παρατηρούμε σαφώς ότι η 2η γραφική είναι πιο πυκνή, κάτι που είναι αναμενόμενο καθώς είναι "φορτωμένη" με περισσότερα δεδομένα. Το σημαντικό που πρέπει να σχολιαστεί είναι το γεγονός ότι και οι δύο καμπύλες έχουν την ίδια μορφολογία και παρατηρούμε τα ίδια </a:t>
-            </a:r>
-            <a:r>
-              <a:rPr lang="el-GR" dirty="0" err="1"/>
-              <a:t>peaks</a:t>
-            </a:r>
-            <a:r>
-              <a:rPr lang="el-GR" dirty="0"/>
-              <a:t> (τόσο για τις ελάχιστες όσο και για τις μέγιστες τιμές)</a:t>
-            </a:r>
-            <a:r>
-              <a:rPr lang="en-US" dirty="0"/>
-              <a:t>.</a:t>
-            </a:r>
-            <a:endParaRPr lang="el-GR" dirty="0"/>
-          </a:p>
-        </p:txBody>
-      </p:sp>
+          <a:extLst>
+            <a:ext uri="{909E8E84-426E-40DD-AFC4-6F175D3DCCD1}">
+              <a14:hiddenFill xmlns:a14="http://schemas.microsoft.com/office/drawing/2010/main">
+                <a:solidFill>
+                  <a:srgbClr val="FFFFFF"/>
+                </a:solidFill>
+              </a14:hiddenFill>
+            </a:ext>
+          </a:extLst>
+        </p:spPr>
+      </p:pic>
+      <p:pic>
+        <p:nvPicPr>
+          <p:cNvPr id="6150" name="Picture 6">
+            <a:extLst>
+              <a:ext uri="{FF2B5EF4-FFF2-40B4-BE49-F238E27FC236}">
+                <a16:creationId xmlns:a16="http://schemas.microsoft.com/office/drawing/2014/main" id="{B0CB70F6-5651-173B-B8B6-064DFDD1D2B6}"/>
+              </a:ext>
+            </a:extLst>
+          </p:cNvPr>
+          <p:cNvPicPr>
+            <a:picLocks noChangeAspect="1" noChangeArrowheads="1"/>
+          </p:cNvPicPr>
+          <p:nvPr/>
+        </p:nvPicPr>
+        <p:blipFill>
+          <a:blip r:embed="rId4">
+            <a:extLst>
+              <a:ext uri="{28A0092B-C50C-407E-A947-70E740481C1C}">
+                <a14:useLocalDpi xmlns:a14="http://schemas.microsoft.com/office/drawing/2010/main" val="0"/>
+              </a:ext>
+            </a:extLst>
+          </a:blip>
+          <a:srcRect/>
+          <a:stretch>
+            <a:fillRect/>
+          </a:stretch>
+        </p:blipFill>
+        <p:spPr bwMode="auto">
+          <a:xfrm>
+            <a:off x="3411273" y="95400"/>
+            <a:ext cx="3270702" cy="3333600"/>
+          </a:xfrm>
+          <a:prstGeom prst="rect">
+            <a:avLst/>
+          </a:prstGeom>
+          <a:noFill/>
+          <a:extLst>
+            <a:ext uri="{909E8E84-426E-40DD-AFC4-6F175D3DCCD1}">
+              <a14:hiddenFill xmlns:a14="http://schemas.microsoft.com/office/drawing/2010/main">
+                <a:solidFill>
+                  <a:srgbClr val="FFFFFF"/>
+                </a:solidFill>
+              </a14:hiddenFill>
+            </a:ext>
+          </a:extLst>
+        </p:spPr>
+      </p:pic>
+      <p:pic>
+        <p:nvPicPr>
+          <p:cNvPr id="6152" name="Picture 8">
+            <a:extLst>
+              <a:ext uri="{FF2B5EF4-FFF2-40B4-BE49-F238E27FC236}">
+                <a16:creationId xmlns:a16="http://schemas.microsoft.com/office/drawing/2014/main" id="{CA402EBD-9B13-936F-7B71-C6373897150C}"/>
+              </a:ext>
+            </a:extLst>
+          </p:cNvPr>
+          <p:cNvPicPr>
+            <a:picLocks noChangeAspect="1" noChangeArrowheads="1"/>
+          </p:cNvPicPr>
+          <p:nvPr/>
+        </p:nvPicPr>
+        <p:blipFill>
+          <a:blip r:embed="rId5">
+            <a:extLst>
+              <a:ext uri="{28A0092B-C50C-407E-A947-70E740481C1C}">
+                <a14:useLocalDpi xmlns:a14="http://schemas.microsoft.com/office/drawing/2010/main" val="0"/>
+              </a:ext>
+            </a:extLst>
+          </a:blip>
+          <a:srcRect/>
+          <a:stretch>
+            <a:fillRect/>
+          </a:stretch>
+        </p:blipFill>
+        <p:spPr bwMode="auto">
+          <a:xfrm>
+            <a:off x="140572" y="3429000"/>
+            <a:ext cx="3270702" cy="3333600"/>
+          </a:xfrm>
+          <a:prstGeom prst="rect">
+            <a:avLst/>
+          </a:prstGeom>
+          <a:noFill/>
+          <a:extLst>
+            <a:ext uri="{909E8E84-426E-40DD-AFC4-6F175D3DCCD1}">
+              <a14:hiddenFill xmlns:a14="http://schemas.microsoft.com/office/drawing/2010/main">
+                <a:solidFill>
+                  <a:srgbClr val="FFFFFF"/>
+                </a:solidFill>
+              </a14:hiddenFill>
+            </a:ext>
+          </a:extLst>
+        </p:spPr>
+      </p:pic>
+      <p:pic>
+        <p:nvPicPr>
+          <p:cNvPr id="6154" name="Picture 10">
+            <a:extLst>
+              <a:ext uri="{FF2B5EF4-FFF2-40B4-BE49-F238E27FC236}">
+                <a16:creationId xmlns:a16="http://schemas.microsoft.com/office/drawing/2014/main" id="{D4BF71D8-FA92-C019-C6D6-A46153CB1B3A}"/>
+              </a:ext>
+            </a:extLst>
+          </p:cNvPr>
+          <p:cNvPicPr>
+            <a:picLocks noChangeAspect="1" noChangeArrowheads="1"/>
+          </p:cNvPicPr>
+          <p:nvPr/>
+        </p:nvPicPr>
+        <p:blipFill>
+          <a:blip r:embed="rId6">
+            <a:extLst>
+              <a:ext uri="{28A0092B-C50C-407E-A947-70E740481C1C}">
+                <a14:useLocalDpi xmlns:a14="http://schemas.microsoft.com/office/drawing/2010/main" val="0"/>
+              </a:ext>
+            </a:extLst>
+          </a:blip>
+          <a:srcRect/>
+          <a:stretch>
+            <a:fillRect/>
+          </a:stretch>
+        </p:blipFill>
+        <p:spPr bwMode="auto">
+          <a:xfrm>
+            <a:off x="3411273" y="3524400"/>
+            <a:ext cx="3270702" cy="3333600"/>
+          </a:xfrm>
+          <a:prstGeom prst="rect">
+            <a:avLst/>
+          </a:prstGeom>
+          <a:noFill/>
+          <a:extLst>
+            <a:ext uri="{909E8E84-426E-40DD-AFC4-6F175D3DCCD1}">
+              <a14:hiddenFill xmlns:a14="http://schemas.microsoft.com/office/drawing/2010/main">
+                <a:solidFill>
+                  <a:srgbClr val="FFFFFF"/>
+                </a:solidFill>
+              </a14:hiddenFill>
+            </a:ext>
+          </a:extLst>
+        </p:spPr>
+      </p:pic>
     </p:spTree>
     <p:extLst>
       <p:ext uri="{BB962C8B-B14F-4D97-AF65-F5344CB8AC3E}">
-        <p14:creationId xmlns:p14="http://schemas.microsoft.com/office/powerpoint/2010/main" val="4261702434"/>
+        <p14:creationId xmlns:p14="http://schemas.microsoft.com/office/powerpoint/2010/main" val="2912900375"/>
       </p:ext>
     </p:extLst>
   </p:cSld>
@@ -5520,12 +5699,68 @@
           <a:chExt cx="0" cy="0"/>
         </a:xfrm>
       </p:grpSpPr>
+      <p:pic>
+        <p:nvPicPr>
+          <p:cNvPr id="11266" name="Picture 2">
+            <a:extLst>
+              <a:ext uri="{FF2B5EF4-FFF2-40B4-BE49-F238E27FC236}">
+                <a16:creationId xmlns:a16="http://schemas.microsoft.com/office/drawing/2014/main" id="{C4DD3C0D-CA6C-CC7B-1AF7-E50A6E53BC36}"/>
+              </a:ext>
+            </a:extLst>
+          </p:cNvPr>
+          <p:cNvPicPr>
+            <a:picLocks noChangeAspect="1" noChangeArrowheads="1"/>
+          </p:cNvPicPr>
+          <p:nvPr/>
+        </p:nvPicPr>
+        <p:blipFill>
+          <a:blip r:embed="rId2">
+            <a:extLst>
+              <a:ext uri="{28A0092B-C50C-407E-A947-70E740481C1C}">
+                <a14:useLocalDpi xmlns:a14="http://schemas.microsoft.com/office/drawing/2010/main" val="0"/>
+              </a:ext>
+            </a:extLst>
+          </a:blip>
+          <a:srcRect/>
+          <a:stretch>
+            <a:fillRect/>
+          </a:stretch>
+        </p:blipFill>
+        <p:spPr bwMode="auto">
+          <a:xfrm>
+            <a:off x="254095" y="729000"/>
+            <a:ext cx="7179405" cy="5400000"/>
+          </a:xfrm>
+          <a:prstGeom prst="rect">
+            <a:avLst/>
+          </a:prstGeom>
+          <a:ln>
+            <a:noFill/>
+          </a:ln>
+          <a:effectLst>
+            <a:outerShdw blurRad="292100" dist="139700" dir="2700000" algn="tl" rotWithShape="0">
+              <a:srgbClr val="333333">
+                <a:alpha val="65000"/>
+              </a:srgbClr>
+            </a:outerShdw>
+          </a:effectLst>
+          <a:extLst>
+            <a:ext uri="{909E8E84-426E-40DD-AFC4-6F175D3DCCD1}">
+              <a14:hiddenFill xmlns:a14="http://schemas.microsoft.com/office/drawing/2010/main">
+                <a:solidFill>
+                  <a:srgbClr val="FFFFFF"/>
+                </a:solidFill>
+              </a14:hiddenFill>
+            </a:ext>
+          </a:extLst>
+        </p:spPr>
+      </p:pic>
       <p:sp>
         <p:nvSpPr>
-          <p:cNvPr id="12" name="TextBox 11">
-            <a:extLst>
-              <a:ext uri="{FF2B5EF4-FFF2-40B4-BE49-F238E27FC236}">
-                <a16:creationId xmlns:a16="http://schemas.microsoft.com/office/drawing/2014/main" id="{9D5A7CEC-D0D6-92C0-BEBA-6FAD982F56BA}"/>
+          <p:cNvPr id="2" name="TextBox 1">
+            <a:extLst>
+              <a:ext uri="{FF2B5EF4-FFF2-40B4-BE49-F238E27FC236}">
+                <a16:creationId xmlns:a16="http://schemas.microsoft.com/office/drawing/2014/main" id="{FC3D106D-A6C3-FCD5-5529-D7D9F22B66BC}"/>
               </a:ext>
             </a:extLst>
           </p:cNvPr>
@@ -5534,8 +5769,8 @@
         </p:nvSpPr>
         <p:spPr>
           <a:xfrm>
-            <a:off x="720436" y="240147"/>
-            <a:ext cx="11083636" cy="1477328"/>
+            <a:off x="7736542" y="1443841"/>
+            <a:ext cx="4034118" cy="4247317"/>
           </a:xfrm>
           <a:prstGeom prst="rect">
             <a:avLst/>
@@ -5550,150 +5785,16 @@
           <a:p>
             <a:r>
               <a:rPr lang="el-GR" dirty="0"/>
-              <a:t>Στην συνέχεια, κάνουμε μέσες τιμές για την ακτινοβολία για το </a:t>
-            </a:r>
-            <a:r>
-              <a:rPr lang="en-US" dirty="0"/>
-              <a:t>dataset </a:t>
-            </a:r>
-            <a:r>
-              <a:rPr lang="el-GR" dirty="0"/>
-              <a:t>με τις περισσότερες μετρήσεις έτσι ώστε να έχουμε μία μέτρηση ανά </a:t>
-            </a:r>
-            <a:r>
-              <a:rPr lang="en-US" dirty="0"/>
-              <a:t>1nm </a:t>
-            </a:r>
-            <a:r>
-              <a:rPr lang="el-GR" dirty="0"/>
-              <a:t>όπως ακριβώς συμβαίνει με το 1</a:t>
-            </a:r>
-            <a:r>
-              <a:rPr lang="el-GR" baseline="30000" dirty="0"/>
-              <a:t>ο</a:t>
-            </a:r>
-            <a:r>
-              <a:rPr lang="el-GR" dirty="0"/>
-              <a:t> </a:t>
-            </a:r>
-            <a:r>
-              <a:rPr lang="en-US" dirty="0"/>
-              <a:t>dataset.</a:t>
-            </a:r>
-            <a:r>
-              <a:rPr lang="el-GR" dirty="0"/>
-              <a:t> </a:t>
-            </a:r>
-            <a:r>
-              <a:rPr lang="en-US" dirty="0"/>
-              <a:t> </a:t>
-            </a:r>
-            <a:r>
-              <a:rPr lang="el-GR" dirty="0"/>
-              <a:t>Κάνοντας τις αντίστοιχες γραφικές παρατηρούμε ότι σε γενικές γραμμές οι δύο γραφικές είναι σχεδόν πανομοιότυπες με πολύ μικρές τοπικές αποκλίσεις. Συγκεκριμένα, παρατηρούμε μία απόκλιση στα χαμηλά μήκη κύματος (&lt;300</a:t>
-            </a:r>
-            <a:r>
-              <a:rPr lang="en-US" dirty="0"/>
-              <a:t>nm</a:t>
-            </a:r>
-            <a:r>
-              <a:rPr lang="en-GB" dirty="0"/>
-              <a:t>) </a:t>
-            </a:r>
-            <a:r>
-              <a:rPr lang="el-GR" dirty="0"/>
-              <a:t>καθώς και μία μικρότερη στα 500 </a:t>
-            </a:r>
-            <a:r>
-              <a:rPr lang="en-US" dirty="0"/>
-              <a:t>nm </a:t>
-            </a:r>
-            <a:r>
-              <a:rPr lang="el-GR" dirty="0"/>
-              <a:t>στο 2</a:t>
-            </a:r>
-            <a:r>
-              <a:rPr lang="el-GR" baseline="30000" dirty="0"/>
-              <a:t>ο</a:t>
-            </a:r>
-            <a:r>
-              <a:rPr lang="el-GR" dirty="0"/>
-              <a:t> </a:t>
-            </a:r>
-            <a:r>
-              <a:rPr lang="en-US" dirty="0"/>
-              <a:t>peak. </a:t>
-            </a:r>
-            <a:r>
-              <a:rPr lang="el-GR" dirty="0"/>
-              <a:t> </a:t>
+              <a:t>Το οξυγόνο γνωρίζουμε ότι αποτελεί ένα από τα βασικά συστατικά της ατμόσφαιρας και μετά το άζωτο είναι το αέριο με το μεγαλύτερο ποσοστό συγκέντρωσης στην ατμόσφαιρα. Παρατηρούμε ότι δεν υπάρχει μεταβλητότητα στην συγκέντρωσή του λόγω μεταβολής του γεωγραφικού πλάτους καθώς επίσης δεν παρατηρείται ούτε εποχική εξάρτηση. Η συγκέντρωσή του παραμένει σταθερή και για τις 5 περιπτώσεις που μελετάμε και το ποσοστό συγκέντρωσής του σε μία ατμοσφαιρική στήλη ισούται με 21.91%</a:t>
             </a:r>
             <a:endParaRPr lang="en-GB" dirty="0"/>
           </a:p>
         </p:txBody>
       </p:sp>
-      <p:pic>
-        <p:nvPicPr>
-          <p:cNvPr id="8" name="Θέση περιεχομένου 7">
-            <a:extLst>
-              <a:ext uri="{FF2B5EF4-FFF2-40B4-BE49-F238E27FC236}">
-                <a16:creationId xmlns:a16="http://schemas.microsoft.com/office/drawing/2014/main" id="{4F75940E-0ABF-4897-52D3-D77EDCF83AF1}"/>
-              </a:ext>
-            </a:extLst>
-          </p:cNvPr>
-          <p:cNvPicPr>
-            <a:picLocks noGrp="1" noChangeAspect="1"/>
-          </p:cNvPicPr>
-          <p:nvPr>
-            <p:ph sz="half" idx="1"/>
-          </p:nvPr>
-        </p:nvPicPr>
-        <p:blipFill>
-          <a:blip r:embed="rId2"/>
-          <a:stretch>
-            <a:fillRect/>
-          </a:stretch>
-        </p:blipFill>
-        <p:spPr>
-          <a:xfrm>
-            <a:off x="421746" y="1865745"/>
-            <a:ext cx="5255570" cy="4905755"/>
-          </a:xfrm>
-        </p:spPr>
-      </p:pic>
-      <p:pic>
-        <p:nvPicPr>
-          <p:cNvPr id="11" name="Θέση περιεχομένου 10">
-            <a:extLst>
-              <a:ext uri="{FF2B5EF4-FFF2-40B4-BE49-F238E27FC236}">
-                <a16:creationId xmlns:a16="http://schemas.microsoft.com/office/drawing/2014/main" id="{0ECCCFE6-9FA7-D04F-5A16-AA48D10DF304}"/>
-              </a:ext>
-            </a:extLst>
-          </p:cNvPr>
-          <p:cNvPicPr>
-            <a:picLocks noGrp="1" noChangeAspect="1"/>
-          </p:cNvPicPr>
-          <p:nvPr>
-            <p:ph sz="half" idx="2"/>
-          </p:nvPr>
-        </p:nvPicPr>
-        <p:blipFill>
-          <a:blip r:embed="rId3"/>
-          <a:stretch>
-            <a:fillRect/>
-          </a:stretch>
-        </p:blipFill>
-        <p:spPr>
-          <a:xfrm>
-            <a:off x="6514686" y="1862890"/>
-            <a:ext cx="5189369" cy="4905755"/>
-          </a:xfrm>
-        </p:spPr>
-      </p:pic>
     </p:spTree>
     <p:extLst>
       <p:ext uri="{BB962C8B-B14F-4D97-AF65-F5344CB8AC3E}">
-        <p14:creationId xmlns:p14="http://schemas.microsoft.com/office/powerpoint/2010/main" val="1739241115"/>
+        <p14:creationId xmlns:p14="http://schemas.microsoft.com/office/powerpoint/2010/main" val="387930410"/>
       </p:ext>
     </p:extLst>
   </p:cSld>
@@ -5722,7 +5823,1204 @@
       </p:grpSpPr>
       <p:sp>
         <p:nvSpPr>
-          <p:cNvPr id="100" name="Rectangle 10">
+          <p:cNvPr id="2" name="TextBox 1">
+            <a:extLst>
+              <a:ext uri="{FF2B5EF4-FFF2-40B4-BE49-F238E27FC236}">
+                <a16:creationId xmlns:a16="http://schemas.microsoft.com/office/drawing/2014/main" id="{2ADF8E23-AF74-2FF9-C499-3687EDDAE83E}"/>
+              </a:ext>
+            </a:extLst>
+          </p:cNvPr>
+          <p:cNvSpPr txBox="1"/>
+          <p:nvPr/>
+        </p:nvSpPr>
+        <p:spPr>
+          <a:xfrm>
+            <a:off x="6929718" y="192539"/>
+            <a:ext cx="5011271" cy="3139321"/>
+          </a:xfrm>
+          <a:prstGeom prst="rect">
+            <a:avLst/>
+          </a:prstGeom>
+          <a:noFill/>
+        </p:spPr>
+        <p:txBody>
+          <a:bodyPr wrap="square" rtlCol="0">
+            <a:spAutoFit/>
+          </a:bodyPr>
+          <a:lstStyle/>
+          <a:p>
+            <a:r>
+              <a:rPr lang="el-GR" dirty="0"/>
+              <a:t>Το </a:t>
+            </a:r>
+            <a:r>
+              <a:rPr lang="en-US" dirty="0"/>
+              <a:t>CO2 </a:t>
+            </a:r>
+            <a:r>
+              <a:rPr lang="el-GR" dirty="0"/>
+              <a:t>θεωρείται ένας από τους κύριους ρύπους της ατμόσφαιρας και ένα από τα βασικά αέρια του θερμοκηπίου το οποίο προέρχεται τόσο από ανθρωπογενείς παράγοντες (π.χ. καύση) όσο και από φυσικές διεργασίες (π.χ. έκρηξη ηφαιστείου). Ισχύουν αντίστοιχα και για το αέριο αυτό τα όσα αναφέραμε και για το οξυγόνο. Παρατηρείται και εδώ εκθετική μείωση της συγκέντρωσής του σε σχέση με το υψόμετρο καθώς και επίσης ελαφρώς μεγαλύτερες τιμές κατά τους χειμερινούς μήνες λόγω της μειωμένης θερμοκρασίας. </a:t>
+            </a:r>
+            <a:endParaRPr lang="en-GB" dirty="0"/>
+          </a:p>
+        </p:txBody>
+      </p:sp>
+      <p:pic>
+        <p:nvPicPr>
+          <p:cNvPr id="7170" name="Picture 2">
+            <a:extLst>
+              <a:ext uri="{FF2B5EF4-FFF2-40B4-BE49-F238E27FC236}">
+                <a16:creationId xmlns:a16="http://schemas.microsoft.com/office/drawing/2014/main" id="{0692A567-0344-D304-7950-3E36370A34E1}"/>
+              </a:ext>
+            </a:extLst>
+          </p:cNvPr>
+          <p:cNvPicPr>
+            <a:picLocks noChangeAspect="1" noChangeArrowheads="1"/>
+          </p:cNvPicPr>
+          <p:nvPr/>
+        </p:nvPicPr>
+        <p:blipFill>
+          <a:blip r:embed="rId2">
+            <a:extLst>
+              <a:ext uri="{28A0092B-C50C-407E-A947-70E740481C1C}">
+                <a14:useLocalDpi xmlns:a14="http://schemas.microsoft.com/office/drawing/2010/main" val="0"/>
+              </a:ext>
+            </a:extLst>
+          </a:blip>
+          <a:srcRect/>
+          <a:stretch>
+            <a:fillRect/>
+          </a:stretch>
+        </p:blipFill>
+        <p:spPr bwMode="auto">
+          <a:xfrm>
+            <a:off x="7800002" y="3526141"/>
+            <a:ext cx="3270702" cy="3333600"/>
+          </a:xfrm>
+          <a:prstGeom prst="rect">
+            <a:avLst/>
+          </a:prstGeom>
+          <a:noFill/>
+          <a:extLst>
+            <a:ext uri="{909E8E84-426E-40DD-AFC4-6F175D3DCCD1}">
+              <a14:hiddenFill xmlns:a14="http://schemas.microsoft.com/office/drawing/2010/main">
+                <a:solidFill>
+                  <a:srgbClr val="FFFFFF"/>
+                </a:solidFill>
+              </a14:hiddenFill>
+            </a:ext>
+          </a:extLst>
+        </p:spPr>
+      </p:pic>
+      <p:pic>
+        <p:nvPicPr>
+          <p:cNvPr id="7172" name="Picture 4">
+            <a:extLst>
+              <a:ext uri="{FF2B5EF4-FFF2-40B4-BE49-F238E27FC236}">
+                <a16:creationId xmlns:a16="http://schemas.microsoft.com/office/drawing/2014/main" id="{70054D6C-115B-980D-E253-35C25BACE169}"/>
+              </a:ext>
+            </a:extLst>
+          </p:cNvPr>
+          <p:cNvPicPr>
+            <a:picLocks noChangeAspect="1" noChangeArrowheads="1"/>
+          </p:cNvPicPr>
+          <p:nvPr/>
+        </p:nvPicPr>
+        <p:blipFill>
+          <a:blip r:embed="rId3">
+            <a:extLst>
+              <a:ext uri="{28A0092B-C50C-407E-A947-70E740481C1C}">
+                <a14:useLocalDpi xmlns:a14="http://schemas.microsoft.com/office/drawing/2010/main" val="0"/>
+              </a:ext>
+            </a:extLst>
+          </a:blip>
+          <a:srcRect/>
+          <a:stretch>
+            <a:fillRect/>
+          </a:stretch>
+        </p:blipFill>
+        <p:spPr bwMode="auto">
+          <a:xfrm>
+            <a:off x="140572" y="95400"/>
+            <a:ext cx="3270702" cy="3333600"/>
+          </a:xfrm>
+          <a:prstGeom prst="rect">
+            <a:avLst/>
+          </a:prstGeom>
+          <a:noFill/>
+          <a:extLst>
+            <a:ext uri="{909E8E84-426E-40DD-AFC4-6F175D3DCCD1}">
+              <a14:hiddenFill xmlns:a14="http://schemas.microsoft.com/office/drawing/2010/main">
+                <a:solidFill>
+                  <a:srgbClr val="FFFFFF"/>
+                </a:solidFill>
+              </a14:hiddenFill>
+            </a:ext>
+          </a:extLst>
+        </p:spPr>
+      </p:pic>
+      <p:pic>
+        <p:nvPicPr>
+          <p:cNvPr id="7174" name="Picture 6">
+            <a:extLst>
+              <a:ext uri="{FF2B5EF4-FFF2-40B4-BE49-F238E27FC236}">
+                <a16:creationId xmlns:a16="http://schemas.microsoft.com/office/drawing/2014/main" id="{C7D3685A-ABF1-6DC3-C859-2CA346564864}"/>
+              </a:ext>
+            </a:extLst>
+          </p:cNvPr>
+          <p:cNvPicPr>
+            <a:picLocks noChangeAspect="1" noChangeArrowheads="1"/>
+          </p:cNvPicPr>
+          <p:nvPr/>
+        </p:nvPicPr>
+        <p:blipFill>
+          <a:blip r:embed="rId4">
+            <a:extLst>
+              <a:ext uri="{28A0092B-C50C-407E-A947-70E740481C1C}">
+                <a14:useLocalDpi xmlns:a14="http://schemas.microsoft.com/office/drawing/2010/main" val="0"/>
+              </a:ext>
+            </a:extLst>
+          </a:blip>
+          <a:srcRect/>
+          <a:stretch>
+            <a:fillRect/>
+          </a:stretch>
+        </p:blipFill>
+        <p:spPr bwMode="auto">
+          <a:xfrm>
+            <a:off x="3397631" y="95400"/>
+            <a:ext cx="3270702" cy="3333600"/>
+          </a:xfrm>
+          <a:prstGeom prst="rect">
+            <a:avLst/>
+          </a:prstGeom>
+          <a:noFill/>
+          <a:extLst>
+            <a:ext uri="{909E8E84-426E-40DD-AFC4-6F175D3DCCD1}">
+              <a14:hiddenFill xmlns:a14="http://schemas.microsoft.com/office/drawing/2010/main">
+                <a:solidFill>
+                  <a:srgbClr val="FFFFFF"/>
+                </a:solidFill>
+              </a14:hiddenFill>
+            </a:ext>
+          </a:extLst>
+        </p:spPr>
+      </p:pic>
+      <p:pic>
+        <p:nvPicPr>
+          <p:cNvPr id="7176" name="Picture 8">
+            <a:extLst>
+              <a:ext uri="{FF2B5EF4-FFF2-40B4-BE49-F238E27FC236}">
+                <a16:creationId xmlns:a16="http://schemas.microsoft.com/office/drawing/2014/main" id="{83CF91BC-50AC-7614-E8B8-A23E9D6692D5}"/>
+              </a:ext>
+            </a:extLst>
+          </p:cNvPr>
+          <p:cNvPicPr>
+            <a:picLocks noChangeAspect="1" noChangeArrowheads="1"/>
+          </p:cNvPicPr>
+          <p:nvPr/>
+        </p:nvPicPr>
+        <p:blipFill>
+          <a:blip r:embed="rId5">
+            <a:extLst>
+              <a:ext uri="{28A0092B-C50C-407E-A947-70E740481C1C}">
+                <a14:useLocalDpi xmlns:a14="http://schemas.microsoft.com/office/drawing/2010/main" val="0"/>
+              </a:ext>
+            </a:extLst>
+          </a:blip>
+          <a:srcRect/>
+          <a:stretch>
+            <a:fillRect/>
+          </a:stretch>
+        </p:blipFill>
+        <p:spPr bwMode="auto">
+          <a:xfrm>
+            <a:off x="154215" y="3331860"/>
+            <a:ext cx="3270702" cy="3333600"/>
+          </a:xfrm>
+          <a:prstGeom prst="rect">
+            <a:avLst/>
+          </a:prstGeom>
+          <a:noFill/>
+          <a:extLst>
+            <a:ext uri="{909E8E84-426E-40DD-AFC4-6F175D3DCCD1}">
+              <a14:hiddenFill xmlns:a14="http://schemas.microsoft.com/office/drawing/2010/main">
+                <a:solidFill>
+                  <a:srgbClr val="FFFFFF"/>
+                </a:solidFill>
+              </a14:hiddenFill>
+            </a:ext>
+          </a:extLst>
+        </p:spPr>
+      </p:pic>
+      <p:pic>
+        <p:nvPicPr>
+          <p:cNvPr id="7178" name="Picture 10">
+            <a:extLst>
+              <a:ext uri="{FF2B5EF4-FFF2-40B4-BE49-F238E27FC236}">
+                <a16:creationId xmlns:a16="http://schemas.microsoft.com/office/drawing/2014/main" id="{3FB1F9C8-08D5-47C0-1C42-08BB8FB7E394}"/>
+              </a:ext>
+            </a:extLst>
+          </p:cNvPr>
+          <p:cNvPicPr>
+            <a:picLocks noChangeAspect="1" noChangeArrowheads="1"/>
+          </p:cNvPicPr>
+          <p:nvPr/>
+        </p:nvPicPr>
+        <p:blipFill>
+          <a:blip r:embed="rId6">
+            <a:extLst>
+              <a:ext uri="{28A0092B-C50C-407E-A947-70E740481C1C}">
+                <a14:useLocalDpi xmlns:a14="http://schemas.microsoft.com/office/drawing/2010/main" val="0"/>
+              </a:ext>
+            </a:extLst>
+          </a:blip>
+          <a:srcRect/>
+          <a:stretch>
+            <a:fillRect/>
+          </a:stretch>
+        </p:blipFill>
+        <p:spPr bwMode="auto">
+          <a:xfrm>
+            <a:off x="3411274" y="3428999"/>
+            <a:ext cx="3270702" cy="3333600"/>
+          </a:xfrm>
+          <a:prstGeom prst="rect">
+            <a:avLst/>
+          </a:prstGeom>
+          <a:noFill/>
+          <a:extLst>
+            <a:ext uri="{909E8E84-426E-40DD-AFC4-6F175D3DCCD1}">
+              <a14:hiddenFill xmlns:a14="http://schemas.microsoft.com/office/drawing/2010/main">
+                <a:solidFill>
+                  <a:srgbClr val="FFFFFF"/>
+                </a:solidFill>
+              </a14:hiddenFill>
+            </a:ext>
+          </a:extLst>
+        </p:spPr>
+      </p:pic>
+    </p:spTree>
+    <p:extLst>
+      <p:ext uri="{BB962C8B-B14F-4D97-AF65-F5344CB8AC3E}">
+        <p14:creationId xmlns:p14="http://schemas.microsoft.com/office/powerpoint/2010/main" val="3072515677"/>
+      </p:ext>
+    </p:extLst>
+  </p:cSld>
+  <p:clrMapOvr>
+    <a:masterClrMapping/>
+  </p:clrMapOvr>
+</p:sld>
+</file>
+
+<file path=ppt/slides/slide15.xml><?xml version="1.0" encoding="utf-8"?>
+<p:sld xmlns:a="http://schemas.openxmlformats.org/drawingml/2006/main" xmlns:r="http://schemas.openxmlformats.org/officeDocument/2006/relationships" xmlns:p="http://schemas.openxmlformats.org/presentationml/2006/main">
+  <p:cSld>
+    <p:spTree>
+      <p:nvGrpSpPr>
+        <p:cNvPr id="1" name=""/>
+        <p:cNvGrpSpPr/>
+        <p:nvPr/>
+      </p:nvGrpSpPr>
+      <p:grpSpPr>
+        <a:xfrm>
+          <a:off x="0" y="0"/>
+          <a:ext cx="0" cy="0"/>
+          <a:chOff x="0" y="0"/>
+          <a:chExt cx="0" cy="0"/>
+        </a:xfrm>
+      </p:grpSpPr>
+      <p:pic>
+        <p:nvPicPr>
+          <p:cNvPr id="13314" name="Picture 2">
+            <a:extLst>
+              <a:ext uri="{FF2B5EF4-FFF2-40B4-BE49-F238E27FC236}">
+                <a16:creationId xmlns:a16="http://schemas.microsoft.com/office/drawing/2014/main" id="{2FF70BA0-8B18-70E2-6A79-4ADDC072D4B6}"/>
+              </a:ext>
+            </a:extLst>
+          </p:cNvPr>
+          <p:cNvPicPr>
+            <a:picLocks noChangeAspect="1" noChangeArrowheads="1"/>
+          </p:cNvPicPr>
+          <p:nvPr/>
+        </p:nvPicPr>
+        <p:blipFill>
+          <a:blip r:embed="rId2">
+            <a:extLst>
+              <a:ext uri="{28A0092B-C50C-407E-A947-70E740481C1C}">
+                <a14:useLocalDpi xmlns:a14="http://schemas.microsoft.com/office/drawing/2010/main" val="0"/>
+              </a:ext>
+            </a:extLst>
+          </a:blip>
+          <a:srcRect/>
+          <a:stretch>
+            <a:fillRect/>
+          </a:stretch>
+        </p:blipFill>
+        <p:spPr bwMode="auto">
+          <a:xfrm>
+            <a:off x="166408" y="729000"/>
+            <a:ext cx="7290618" cy="5400000"/>
+          </a:xfrm>
+          <a:prstGeom prst="rect">
+            <a:avLst/>
+          </a:prstGeom>
+          <a:ln>
+            <a:noFill/>
+          </a:ln>
+          <a:effectLst>
+            <a:outerShdw blurRad="292100" dist="139700" dir="2700000" algn="tl" rotWithShape="0">
+              <a:srgbClr val="333333">
+                <a:alpha val="65000"/>
+              </a:srgbClr>
+            </a:outerShdw>
+          </a:effectLst>
+          <a:extLst>
+            <a:ext uri="{909E8E84-426E-40DD-AFC4-6F175D3DCCD1}">
+              <a14:hiddenFill xmlns:a14="http://schemas.microsoft.com/office/drawing/2010/main">
+                <a:solidFill>
+                  <a:srgbClr val="FFFFFF"/>
+                </a:solidFill>
+              </a14:hiddenFill>
+            </a:ext>
+          </a:extLst>
+        </p:spPr>
+      </p:pic>
+      <p:sp>
+        <p:nvSpPr>
+          <p:cNvPr id="2" name="TextBox 1">
+            <a:extLst>
+              <a:ext uri="{FF2B5EF4-FFF2-40B4-BE49-F238E27FC236}">
+                <a16:creationId xmlns:a16="http://schemas.microsoft.com/office/drawing/2014/main" id="{639BEB9C-D4B0-B473-0FDA-C38187E67D64}"/>
+              </a:ext>
+            </a:extLst>
+          </p:cNvPr>
+          <p:cNvSpPr txBox="1"/>
+          <p:nvPr/>
+        </p:nvSpPr>
+        <p:spPr>
+          <a:xfrm>
+            <a:off x="7853082" y="729000"/>
+            <a:ext cx="3944471" cy="923330"/>
+          </a:xfrm>
+          <a:prstGeom prst="rect">
+            <a:avLst/>
+          </a:prstGeom>
+          <a:noFill/>
+        </p:spPr>
+        <p:txBody>
+          <a:bodyPr wrap="square" rtlCol="0">
+            <a:spAutoFit/>
+          </a:bodyPr>
+          <a:lstStyle/>
+          <a:p>
+            <a:r>
+              <a:rPr lang="el-GR" dirty="0"/>
+              <a:t>Η συγκέντρωση του διοξειδίου του άνθρακα στην ατμόσφαιρα είναι λίγο μικρότερη από 0.04%.</a:t>
+            </a:r>
+            <a:endParaRPr lang="en-GB" dirty="0"/>
+          </a:p>
+        </p:txBody>
+      </p:sp>
+    </p:spTree>
+    <p:extLst>
+      <p:ext uri="{BB962C8B-B14F-4D97-AF65-F5344CB8AC3E}">
+        <p14:creationId xmlns:p14="http://schemas.microsoft.com/office/powerpoint/2010/main" val="1659475850"/>
+      </p:ext>
+    </p:extLst>
+  </p:cSld>
+  <p:clrMapOvr>
+    <a:masterClrMapping/>
+  </p:clrMapOvr>
+</p:sld>
+</file>
+
+<file path=ppt/slides/slide16.xml><?xml version="1.0" encoding="utf-8"?>
+<p:sld xmlns:a="http://schemas.openxmlformats.org/drawingml/2006/main" xmlns:r="http://schemas.openxmlformats.org/officeDocument/2006/relationships" xmlns:p="http://schemas.openxmlformats.org/presentationml/2006/main">
+  <p:cSld>
+    <p:spTree>
+      <p:nvGrpSpPr>
+        <p:cNvPr id="1" name=""/>
+        <p:cNvGrpSpPr/>
+        <p:nvPr/>
+      </p:nvGrpSpPr>
+      <p:grpSpPr>
+        <a:xfrm>
+          <a:off x="0" y="0"/>
+          <a:ext cx="0" cy="0"/>
+          <a:chOff x="0" y="0"/>
+          <a:chExt cx="0" cy="0"/>
+        </a:xfrm>
+      </p:grpSpPr>
+      <p:sp>
+        <p:nvSpPr>
+          <p:cNvPr id="2" name="Τίτλος 1">
+            <a:extLst>
+              <a:ext uri="{FF2B5EF4-FFF2-40B4-BE49-F238E27FC236}">
+                <a16:creationId xmlns:a16="http://schemas.microsoft.com/office/drawing/2014/main" id="{F15DE645-1279-C54C-D4D5-5157A24214B4}"/>
+              </a:ext>
+            </a:extLst>
+          </p:cNvPr>
+          <p:cNvSpPr>
+            <a:spLocks noGrp="1"/>
+          </p:cNvSpPr>
+          <p:nvPr>
+            <p:ph type="title"/>
+          </p:nvPr>
+        </p:nvSpPr>
+        <p:spPr>
+          <a:xfrm>
+            <a:off x="609600" y="270802"/>
+            <a:ext cx="10972800" cy="752495"/>
+          </a:xfrm>
+        </p:spPr>
+        <p:txBody>
+          <a:bodyPr>
+            <a:normAutofit fontScale="90000"/>
+          </a:bodyPr>
+          <a:lstStyle/>
+          <a:p>
+            <a:r>
+              <a:rPr lang="el-GR" dirty="0">
+                <a:cs typeface="Posterama"/>
+              </a:rPr>
+              <a:t>Μέρος 2ο</a:t>
+            </a:r>
+            <a:endParaRPr lang="el-GR" dirty="0"/>
+          </a:p>
+        </p:txBody>
+      </p:sp>
+      <p:sp>
+        <p:nvSpPr>
+          <p:cNvPr id="3" name="Θέση περιεχομένου 2">
+            <a:extLst>
+              <a:ext uri="{FF2B5EF4-FFF2-40B4-BE49-F238E27FC236}">
+                <a16:creationId xmlns:a16="http://schemas.microsoft.com/office/drawing/2014/main" id="{2B967DD2-94EE-2762-99F8-C473DB1D6FFC}"/>
+              </a:ext>
+            </a:extLst>
+          </p:cNvPr>
+          <p:cNvSpPr>
+            <a:spLocks noGrp="1"/>
+          </p:cNvSpPr>
+          <p:nvPr>
+            <p:ph idx="1"/>
+          </p:nvPr>
+        </p:nvSpPr>
+        <p:spPr>
+          <a:xfrm>
+            <a:off x="609600" y="1103673"/>
+            <a:ext cx="10972800" cy="1860953"/>
+          </a:xfrm>
+        </p:spPr>
+        <p:txBody>
+          <a:bodyPr vert="horz" lIns="91440" tIns="45720" rIns="91440" bIns="45720" rtlCol="0" anchor="t">
+            <a:normAutofit fontScale="92500"/>
+          </a:bodyPr>
+          <a:lstStyle/>
+          <a:p>
+            <a:r>
+              <a:rPr lang="el-GR" dirty="0"/>
+              <a:t>Το δεύτερο μέρος της εργασίας περιλαμβάνει δύο διαφορετικά </a:t>
+            </a:r>
+            <a:r>
+              <a:rPr lang="el-GR" dirty="0" err="1"/>
+              <a:t>datasets</a:t>
+            </a:r>
+            <a:r>
+              <a:rPr lang="el-GR" dirty="0"/>
+              <a:t> όπου περιέχουν φάσματα της ηλιακής ακτινοβολίας δηλαδή δεδομένα εισόδου για την ροή ακτινοβολίας (</a:t>
+            </a:r>
+            <a:r>
+              <a:rPr lang="en-US" dirty="0"/>
+              <a:t>spectral </a:t>
+            </a:r>
+            <a:r>
+              <a:rPr lang="el-GR" dirty="0" err="1"/>
+              <a:t>irradiance</a:t>
+            </a:r>
+            <a:r>
+              <a:rPr lang="el-GR" dirty="0"/>
+              <a:t>) για διαφορετικά μήκη κύματος. Η διαφορά μεταξύ των δύο μετρήσεων έγκειται στην ακρίβεια καθώς το 1ο σετ που από εδώ και πέρα θα ονομάζεται </a:t>
+            </a:r>
+            <a:r>
+              <a:rPr lang="el-GR" dirty="0" err="1"/>
+              <a:t>kurudz</a:t>
+            </a:r>
+            <a:r>
+              <a:rPr lang="el-GR" dirty="0"/>
+              <a:t> έχει ακρίβεια 1nm και το 2ο σετ που ονομάζεται </a:t>
+            </a:r>
+            <a:r>
+              <a:rPr lang="el-GR" dirty="0" err="1"/>
+              <a:t>atlas_plus</a:t>
+            </a:r>
+            <a:r>
+              <a:rPr lang="el-GR" dirty="0"/>
+              <a:t> έχει ακρίβεια 0.05 nm. Παρακάτω εμφανίζονται τα δύο σετ σε αντιπαράθεση μεταξύ τους.</a:t>
+            </a:r>
+          </a:p>
+        </p:txBody>
+      </p:sp>
+      <p:pic>
+        <p:nvPicPr>
+          <p:cNvPr id="4" name="Εικόνα 3" descr="Εικόνα που περιέχει κείμενο, στιγμιότυπο οθόνης, γραμματοσειρά, αριθμός&#10;&#10;Περιγραφή που δημιουργήθηκε αυτόματα">
+            <a:extLst>
+              <a:ext uri="{FF2B5EF4-FFF2-40B4-BE49-F238E27FC236}">
+                <a16:creationId xmlns:a16="http://schemas.microsoft.com/office/drawing/2014/main" id="{D9BD9A25-FF1D-8D41-F8DE-74077A87C51F}"/>
+              </a:ext>
+            </a:extLst>
+          </p:cNvPr>
+          <p:cNvPicPr>
+            <a:picLocks noChangeAspect="1"/>
+          </p:cNvPicPr>
+          <p:nvPr/>
+        </p:nvPicPr>
+        <p:blipFill>
+          <a:blip r:embed="rId2"/>
+          <a:stretch>
+            <a:fillRect/>
+          </a:stretch>
+        </p:blipFill>
+        <p:spPr>
+          <a:xfrm>
+            <a:off x="2739512" y="3062214"/>
+            <a:ext cx="3353924" cy="3522883"/>
+          </a:xfrm>
+          <a:prstGeom prst="rect">
+            <a:avLst/>
+          </a:prstGeom>
+        </p:spPr>
+      </p:pic>
+      <p:pic>
+        <p:nvPicPr>
+          <p:cNvPr id="5" name="Εικόνα 4" descr="Εικόνα που περιέχει κείμενο, στιγμιότυπο οθόνης, γραμματοσειρά, αριθμός&#10;&#10;Περιγραφή που δημιουργήθηκε αυτόματα">
+            <a:extLst>
+              <a:ext uri="{FF2B5EF4-FFF2-40B4-BE49-F238E27FC236}">
+                <a16:creationId xmlns:a16="http://schemas.microsoft.com/office/drawing/2014/main" id="{E020A2B0-B1F6-CD4E-247D-A75AD2225156}"/>
+              </a:ext>
+            </a:extLst>
+          </p:cNvPr>
+          <p:cNvPicPr>
+            <a:picLocks noChangeAspect="1"/>
+          </p:cNvPicPr>
+          <p:nvPr/>
+        </p:nvPicPr>
+        <p:blipFill>
+          <a:blip r:embed="rId3"/>
+          <a:stretch>
+            <a:fillRect/>
+          </a:stretch>
+        </p:blipFill>
+        <p:spPr>
+          <a:xfrm>
+            <a:off x="6093534" y="3058551"/>
+            <a:ext cx="3355389" cy="3528647"/>
+          </a:xfrm>
+          <a:prstGeom prst="rect">
+            <a:avLst/>
+          </a:prstGeom>
+        </p:spPr>
+      </p:pic>
+      <p:sp>
+        <p:nvSpPr>
+          <p:cNvPr id="6" name="TextBox 5">
+            <a:extLst>
+              <a:ext uri="{FF2B5EF4-FFF2-40B4-BE49-F238E27FC236}">
+                <a16:creationId xmlns:a16="http://schemas.microsoft.com/office/drawing/2014/main" id="{941BEBAF-EE0F-7D82-94AF-AD4A10CE22FA}"/>
+              </a:ext>
+            </a:extLst>
+          </p:cNvPr>
+          <p:cNvSpPr txBox="1"/>
+          <p:nvPr/>
+        </p:nvSpPr>
+        <p:spPr>
+          <a:xfrm>
+            <a:off x="1660183" y="4820138"/>
+            <a:ext cx="926123" cy="369332"/>
+          </a:xfrm>
+          <a:prstGeom prst="rect">
+            <a:avLst/>
+          </a:prstGeom>
+          <a:noFill/>
+        </p:spPr>
+        <p:txBody>
+          <a:bodyPr rot="0" spcFirstLastPara="0" vertOverflow="overflow" horzOverflow="overflow" vert="horz" wrap="square" lIns="91440" tIns="45720" rIns="91440" bIns="45720" numCol="1" spcCol="0" rtlCol="0" fromWordArt="0" anchor="t" anchorCtr="0" forceAA="0" compatLnSpc="1">
+            <a:prstTxWarp prst="textNoShape">
+              <a:avLst/>
+            </a:prstTxWarp>
+            <a:spAutoFit/>
+          </a:bodyPr>
+          <a:lstStyle/>
+          <a:p>
+            <a:pPr algn="l"/>
+            <a:r>
+              <a:rPr lang="el-GR" dirty="0" err="1"/>
+              <a:t>kurudz</a:t>
+            </a:r>
+          </a:p>
+        </p:txBody>
+      </p:sp>
+      <p:sp>
+        <p:nvSpPr>
+          <p:cNvPr id="7" name="TextBox 6">
+            <a:extLst>
+              <a:ext uri="{FF2B5EF4-FFF2-40B4-BE49-F238E27FC236}">
+                <a16:creationId xmlns:a16="http://schemas.microsoft.com/office/drawing/2014/main" id="{4F46A0B3-610B-75AF-25F4-971F14592E22}"/>
+              </a:ext>
+            </a:extLst>
+          </p:cNvPr>
+          <p:cNvSpPr txBox="1"/>
+          <p:nvPr/>
+        </p:nvSpPr>
+        <p:spPr>
+          <a:xfrm>
+            <a:off x="9694007" y="4823850"/>
+            <a:ext cx="1266093" cy="369332"/>
+          </a:xfrm>
+          <a:prstGeom prst="rect">
+            <a:avLst/>
+          </a:prstGeom>
+          <a:noFill/>
+        </p:spPr>
+        <p:txBody>
+          <a:bodyPr rot="0" spcFirstLastPara="0" vertOverflow="overflow" horzOverflow="overflow" vert="horz" wrap="square" lIns="91440" tIns="45720" rIns="91440" bIns="45720" numCol="1" spcCol="0" rtlCol="0" fromWordArt="0" anchor="t" anchorCtr="0" forceAA="0" compatLnSpc="1">
+            <a:prstTxWarp prst="textNoShape">
+              <a:avLst/>
+            </a:prstTxWarp>
+            <a:spAutoFit/>
+          </a:bodyPr>
+          <a:lstStyle/>
+          <a:p>
+            <a:pPr algn="l"/>
+            <a:r>
+              <a:rPr lang="el-GR" dirty="0" err="1"/>
+              <a:t>atlas_plus</a:t>
+            </a:r>
+          </a:p>
+        </p:txBody>
+      </p:sp>
+    </p:spTree>
+    <p:extLst>
+      <p:ext uri="{BB962C8B-B14F-4D97-AF65-F5344CB8AC3E}">
+        <p14:creationId xmlns:p14="http://schemas.microsoft.com/office/powerpoint/2010/main" val="4020534852"/>
+      </p:ext>
+    </p:extLst>
+  </p:cSld>
+  <p:clrMapOvr>
+    <a:masterClrMapping/>
+  </p:clrMapOvr>
+</p:sld>
+</file>
+
+<file path=ppt/slides/slide17.xml><?xml version="1.0" encoding="utf-8"?>
+<p:sld xmlns:a="http://schemas.openxmlformats.org/drawingml/2006/main" xmlns:r="http://schemas.openxmlformats.org/officeDocument/2006/relationships" xmlns:p="http://schemas.openxmlformats.org/presentationml/2006/main">
+  <p:cSld>
+    <p:spTree>
+      <p:nvGrpSpPr>
+        <p:cNvPr id="1" name=""/>
+        <p:cNvGrpSpPr/>
+        <p:nvPr/>
+      </p:nvGrpSpPr>
+      <p:grpSpPr>
+        <a:xfrm>
+          <a:off x="0" y="0"/>
+          <a:ext cx="0" cy="0"/>
+          <a:chOff x="0" y="0"/>
+          <a:chExt cx="0" cy="0"/>
+        </a:xfrm>
+      </p:grpSpPr>
+      <p:pic>
+        <p:nvPicPr>
+          <p:cNvPr id="7" name="Θέση περιεχομένου 6" descr="Εικόνα που περιέχει κείμενο, διάγραμμα, στιγμιότυπο οθόνης, γράφημα&#10;&#10;Περιγραφή που δημιουργήθηκε αυτόματα">
+            <a:extLst>
+              <a:ext uri="{FF2B5EF4-FFF2-40B4-BE49-F238E27FC236}">
+                <a16:creationId xmlns:a16="http://schemas.microsoft.com/office/drawing/2014/main" id="{BADD0168-9FDC-79DF-AACE-B02B4DD2B211}"/>
+              </a:ext>
+            </a:extLst>
+          </p:cNvPr>
+          <p:cNvPicPr>
+            <a:picLocks noGrp="1" noChangeAspect="1"/>
+          </p:cNvPicPr>
+          <p:nvPr>
+            <p:ph sz="half" idx="2"/>
+          </p:nvPr>
+        </p:nvPicPr>
+        <p:blipFill>
+          <a:blip r:embed="rId2"/>
+          <a:stretch>
+            <a:fillRect/>
+          </a:stretch>
+        </p:blipFill>
+        <p:spPr>
+          <a:xfrm>
+            <a:off x="6345201" y="1773383"/>
+            <a:ext cx="5199928" cy="4972383"/>
+          </a:xfrm>
+        </p:spPr>
+      </p:pic>
+      <p:sp>
+        <p:nvSpPr>
+          <p:cNvPr id="5" name="TextBox 4">
+            <a:extLst>
+              <a:ext uri="{FF2B5EF4-FFF2-40B4-BE49-F238E27FC236}">
+                <a16:creationId xmlns:a16="http://schemas.microsoft.com/office/drawing/2014/main" id="{416A63A7-5335-6D49-1E5F-9C1C142222B7}"/>
+              </a:ext>
+            </a:extLst>
+          </p:cNvPr>
+          <p:cNvSpPr txBox="1"/>
+          <p:nvPr/>
+        </p:nvSpPr>
+        <p:spPr>
+          <a:xfrm>
+            <a:off x="781050" y="212436"/>
+            <a:ext cx="10629900" cy="1477328"/>
+          </a:xfrm>
+          <a:prstGeom prst="rect">
+            <a:avLst/>
+          </a:prstGeom>
+          <a:noFill/>
+        </p:spPr>
+        <p:txBody>
+          <a:bodyPr rot="0" spcFirstLastPara="0" vertOverflow="overflow" horzOverflow="overflow" vert="horz" wrap="square" lIns="91440" tIns="45720" rIns="91440" bIns="45720" numCol="1" spcCol="0" rtlCol="0" fromWordArt="0" anchor="t" anchorCtr="0" forceAA="0" compatLnSpc="1">
+            <a:prstTxWarp prst="textNoShape">
+              <a:avLst/>
+            </a:prstTxWarp>
+            <a:spAutoFit/>
+          </a:bodyPr>
+          <a:lstStyle/>
+          <a:p>
+            <a:r>
+              <a:rPr lang="el-GR" dirty="0"/>
+              <a:t>Αρχικά, κόψαμε τις τιμές του μήκους κύματος που ξεπερνούσαν τα 2.500nm στο 1</a:t>
+            </a:r>
+            <a:r>
+              <a:rPr lang="el-GR" baseline="30000" dirty="0"/>
+              <a:t>ο</a:t>
+            </a:r>
+            <a:r>
+              <a:rPr lang="el-GR" dirty="0"/>
+              <a:t> σετ μετρήσεων και κάναμε μία πρώτη γραφική παράσταση έτσι ώστε να έχουμε μία καλύτερη εικόνα των δεδομένων. Με μωβ χρώμα απεικονίζεται το σετ </a:t>
+            </a:r>
+            <a:r>
+              <a:rPr lang="el-GR" dirty="0" err="1"/>
+              <a:t>kurudz</a:t>
+            </a:r>
+            <a:r>
+              <a:rPr lang="el-GR" dirty="0"/>
+              <a:t> και με πράσινο το </a:t>
+            </a:r>
+            <a:r>
+              <a:rPr lang="el-GR" dirty="0" err="1"/>
+              <a:t>atlas_plus</a:t>
+            </a:r>
+            <a:r>
+              <a:rPr lang="el-GR" dirty="0"/>
+              <a:t>. Είναι εμφανές ότι το ένα σετ περιέχει τιμές σε μεγαλύτερο εύρος όσων αφορά το μήκος κύματος ενώ το δεύτερο έχει περισσότερες τιμές της ακτινοβολίας σε μικρότερο εύρος. </a:t>
+            </a:r>
+          </a:p>
+        </p:txBody>
+      </p:sp>
+      <p:pic>
+        <p:nvPicPr>
+          <p:cNvPr id="12" name="Θέση περιεχομένου 11">
+            <a:extLst>
+              <a:ext uri="{FF2B5EF4-FFF2-40B4-BE49-F238E27FC236}">
+                <a16:creationId xmlns:a16="http://schemas.microsoft.com/office/drawing/2014/main" id="{DBB41800-D14A-4DF9-DFD3-57D50D6010DE}"/>
+              </a:ext>
+            </a:extLst>
+          </p:cNvPr>
+          <p:cNvPicPr>
+            <a:picLocks noGrp="1" noChangeAspect="1"/>
+          </p:cNvPicPr>
+          <p:nvPr>
+            <p:ph sz="half" idx="1"/>
+          </p:nvPr>
+        </p:nvPicPr>
+        <p:blipFill>
+          <a:blip r:embed="rId3"/>
+          <a:stretch>
+            <a:fillRect/>
+          </a:stretch>
+        </p:blipFill>
+        <p:spPr>
+          <a:xfrm>
+            <a:off x="320042" y="1773383"/>
+            <a:ext cx="5526759" cy="5084618"/>
+          </a:xfrm>
+        </p:spPr>
+      </p:pic>
+    </p:spTree>
+    <p:extLst>
+      <p:ext uri="{BB962C8B-B14F-4D97-AF65-F5344CB8AC3E}">
+        <p14:creationId xmlns:p14="http://schemas.microsoft.com/office/powerpoint/2010/main" val="1761082859"/>
+      </p:ext>
+    </p:extLst>
+  </p:cSld>
+  <p:clrMapOvr>
+    <a:masterClrMapping/>
+  </p:clrMapOvr>
+</p:sld>
+</file>
+
+<file path=ppt/slides/slide18.xml><?xml version="1.0" encoding="utf-8"?>
+<p:sld xmlns:a="http://schemas.openxmlformats.org/drawingml/2006/main" xmlns:r="http://schemas.openxmlformats.org/officeDocument/2006/relationships" xmlns:p="http://schemas.openxmlformats.org/presentationml/2006/main">
+  <p:cSld>
+    <p:spTree>
+      <p:nvGrpSpPr>
+        <p:cNvPr id="1" name=""/>
+        <p:cNvGrpSpPr/>
+        <p:nvPr/>
+      </p:nvGrpSpPr>
+      <p:grpSpPr>
+        <a:xfrm>
+          <a:off x="0" y="0"/>
+          <a:ext cx="0" cy="0"/>
+          <a:chOff x="0" y="0"/>
+          <a:chExt cx="0" cy="0"/>
+        </a:xfrm>
+      </p:grpSpPr>
+      <p:pic>
+        <p:nvPicPr>
+          <p:cNvPr id="9" name="Θέση περιεχομένου 8" descr="Εικόνα που περιέχει κείμενο, στιγμιότυπο οθόνης, γράφημα, διάγραμμα&#10;&#10;Περιγραφή που δημιουργήθηκε αυτόματα">
+            <a:extLst>
+              <a:ext uri="{FF2B5EF4-FFF2-40B4-BE49-F238E27FC236}">
+                <a16:creationId xmlns:a16="http://schemas.microsoft.com/office/drawing/2014/main" id="{BB47D059-5FF1-2F68-1921-95631DE2D8BF}"/>
+              </a:ext>
+            </a:extLst>
+          </p:cNvPr>
+          <p:cNvPicPr>
+            <a:picLocks noGrp="1" noChangeAspect="1"/>
+          </p:cNvPicPr>
+          <p:nvPr>
+            <p:ph sz="half" idx="1"/>
+          </p:nvPr>
+        </p:nvPicPr>
+        <p:blipFill>
+          <a:blip r:embed="rId2"/>
+          <a:stretch>
+            <a:fillRect/>
+          </a:stretch>
+        </p:blipFill>
+        <p:spPr>
+          <a:xfrm>
+            <a:off x="773823" y="2081369"/>
+            <a:ext cx="4867469" cy="4552793"/>
+          </a:xfrm>
+        </p:spPr>
+      </p:pic>
+      <p:pic>
+        <p:nvPicPr>
+          <p:cNvPr id="7" name="Θέση περιεχομένου 6" descr="Εικόνα που περιέχει κείμενο, διάγραμμα, στιγμιότυπο οθόνης, γράφημα&#10;&#10;Περιγραφή που δημιουργήθηκε αυτόματα">
+            <a:extLst>
+              <a:ext uri="{FF2B5EF4-FFF2-40B4-BE49-F238E27FC236}">
+                <a16:creationId xmlns:a16="http://schemas.microsoft.com/office/drawing/2014/main" id="{06A60417-32E9-38CF-B281-EB1D88F4AB8E}"/>
+              </a:ext>
+            </a:extLst>
+          </p:cNvPr>
+          <p:cNvPicPr>
+            <a:picLocks noGrp="1" noChangeAspect="1"/>
+          </p:cNvPicPr>
+          <p:nvPr>
+            <p:ph sz="half" idx="2"/>
+          </p:nvPr>
+        </p:nvPicPr>
+        <p:blipFill>
+          <a:blip r:embed="rId3"/>
+          <a:stretch>
+            <a:fillRect/>
+          </a:stretch>
+        </p:blipFill>
+        <p:spPr>
+          <a:xfrm>
+            <a:off x="6550710" y="2081368"/>
+            <a:ext cx="4867851" cy="4552793"/>
+          </a:xfrm>
+        </p:spPr>
+      </p:pic>
+      <p:sp>
+        <p:nvSpPr>
+          <p:cNvPr id="8" name="TextBox 7">
+            <a:extLst>
+              <a:ext uri="{FF2B5EF4-FFF2-40B4-BE49-F238E27FC236}">
+                <a16:creationId xmlns:a16="http://schemas.microsoft.com/office/drawing/2014/main" id="{7C1FFD2D-2B2E-D3C9-E439-97A0577194FC}"/>
+              </a:ext>
+            </a:extLst>
+          </p:cNvPr>
+          <p:cNvSpPr txBox="1"/>
+          <p:nvPr/>
+        </p:nvSpPr>
+        <p:spPr>
+          <a:xfrm>
+            <a:off x="915767" y="360484"/>
+            <a:ext cx="10360269" cy="1477328"/>
+          </a:xfrm>
+          <a:prstGeom prst="rect">
+            <a:avLst/>
+          </a:prstGeom>
+          <a:noFill/>
+        </p:spPr>
+        <p:txBody>
+          <a:bodyPr rot="0" spcFirstLastPara="0" vertOverflow="overflow" horzOverflow="overflow" vert="horz" wrap="square" lIns="91440" tIns="45720" rIns="91440" bIns="45720" numCol="1" spcCol="0" rtlCol="0" fromWordArt="0" anchor="t" anchorCtr="0" forceAA="0" compatLnSpc="1">
+            <a:prstTxWarp prst="textNoShape">
+              <a:avLst/>
+            </a:prstTxWarp>
+            <a:spAutoFit/>
+          </a:bodyPr>
+          <a:lstStyle/>
+          <a:p>
+            <a:r>
+              <a:rPr lang="el-GR" dirty="0"/>
+              <a:t>Για καλύτερη σύγκριση των δύο σετ, ζουμάρουμε στην 1η γραφική έτσι ώστε να μελετάμε το ίδιο κομμάτι του φάσματος και στις 2 περιπτώσεις. Με μία πρώτη ματιά παρατηρούμε σαφώς ότι η 2η γραφική είναι πιο πυκνή, κάτι που είναι αναμενόμενο καθώς είναι "φορτωμένη" με περισσότερα δεδομένα. Το σημαντικό που πρέπει να σχολιαστεί είναι το γεγονός ότι και οι δύο καμπύλες έχουν την ίδια μορφολογία και παρατηρούμε τα ίδια </a:t>
+            </a:r>
+            <a:r>
+              <a:rPr lang="el-GR" dirty="0" err="1"/>
+              <a:t>peaks</a:t>
+            </a:r>
+            <a:r>
+              <a:rPr lang="el-GR" dirty="0"/>
+              <a:t> (τόσο για τις ελάχιστες όσο και για τις μέγιστες τιμές)</a:t>
+            </a:r>
+            <a:r>
+              <a:rPr lang="en-US" dirty="0"/>
+              <a:t>.</a:t>
+            </a:r>
+            <a:endParaRPr lang="el-GR" dirty="0"/>
+          </a:p>
+        </p:txBody>
+      </p:sp>
+    </p:spTree>
+    <p:extLst>
+      <p:ext uri="{BB962C8B-B14F-4D97-AF65-F5344CB8AC3E}">
+        <p14:creationId xmlns:p14="http://schemas.microsoft.com/office/powerpoint/2010/main" val="4261702434"/>
+      </p:ext>
+    </p:extLst>
+  </p:cSld>
+  <p:clrMapOvr>
+    <a:masterClrMapping/>
+  </p:clrMapOvr>
+</p:sld>
+</file>
+
+<file path=ppt/slides/slide19.xml><?xml version="1.0" encoding="utf-8"?>
+<p:sld xmlns:a="http://schemas.openxmlformats.org/drawingml/2006/main" xmlns:r="http://schemas.openxmlformats.org/officeDocument/2006/relationships" xmlns:p="http://schemas.openxmlformats.org/presentationml/2006/main">
+  <p:cSld>
+    <p:spTree>
+      <p:nvGrpSpPr>
+        <p:cNvPr id="1" name=""/>
+        <p:cNvGrpSpPr/>
+        <p:nvPr/>
+      </p:nvGrpSpPr>
+      <p:grpSpPr>
+        <a:xfrm>
+          <a:off x="0" y="0"/>
+          <a:ext cx="0" cy="0"/>
+          <a:chOff x="0" y="0"/>
+          <a:chExt cx="0" cy="0"/>
+        </a:xfrm>
+      </p:grpSpPr>
+      <p:sp>
+        <p:nvSpPr>
+          <p:cNvPr id="12" name="TextBox 11">
+            <a:extLst>
+              <a:ext uri="{FF2B5EF4-FFF2-40B4-BE49-F238E27FC236}">
+                <a16:creationId xmlns:a16="http://schemas.microsoft.com/office/drawing/2014/main" id="{9D5A7CEC-D0D6-92C0-BEBA-6FAD982F56BA}"/>
+              </a:ext>
+            </a:extLst>
+          </p:cNvPr>
+          <p:cNvSpPr txBox="1"/>
+          <p:nvPr/>
+        </p:nvSpPr>
+        <p:spPr>
+          <a:xfrm>
+            <a:off x="720436" y="240147"/>
+            <a:ext cx="11083636" cy="1477328"/>
+          </a:xfrm>
+          <a:prstGeom prst="rect">
+            <a:avLst/>
+          </a:prstGeom>
+          <a:noFill/>
+        </p:spPr>
+        <p:txBody>
+          <a:bodyPr wrap="square" rtlCol="0">
+            <a:spAutoFit/>
+          </a:bodyPr>
+          <a:lstStyle/>
+          <a:p>
+            <a:r>
+              <a:rPr lang="el-GR" dirty="0"/>
+              <a:t>Στην συνέχεια, κάνουμε μέσες τιμές για την ακτινοβολία για το </a:t>
+            </a:r>
+            <a:r>
+              <a:rPr lang="en-US" dirty="0"/>
+              <a:t>dataset </a:t>
+            </a:r>
+            <a:r>
+              <a:rPr lang="el-GR" dirty="0"/>
+              <a:t>με τις περισσότερες μετρήσεις έτσι ώστε να έχουμε μία μέτρηση ανά </a:t>
+            </a:r>
+            <a:r>
+              <a:rPr lang="en-US" dirty="0"/>
+              <a:t>1nm </a:t>
+            </a:r>
+            <a:r>
+              <a:rPr lang="el-GR" dirty="0"/>
+              <a:t>όπως ακριβώς συμβαίνει με το 1</a:t>
+            </a:r>
+            <a:r>
+              <a:rPr lang="el-GR" baseline="30000" dirty="0"/>
+              <a:t>ο</a:t>
+            </a:r>
+            <a:r>
+              <a:rPr lang="el-GR" dirty="0"/>
+              <a:t> </a:t>
+            </a:r>
+            <a:r>
+              <a:rPr lang="en-US" dirty="0"/>
+              <a:t>dataset.</a:t>
+            </a:r>
+            <a:r>
+              <a:rPr lang="el-GR" dirty="0"/>
+              <a:t> </a:t>
+            </a:r>
+            <a:r>
+              <a:rPr lang="en-US" dirty="0"/>
+              <a:t> </a:t>
+            </a:r>
+            <a:r>
+              <a:rPr lang="el-GR" dirty="0"/>
+              <a:t>Κάνοντας τις αντίστοιχες γραφικές παρατηρούμε ότι σε γενικές γραμμές οι δύο γραφικές είναι σχεδόν πανομοιότυπες με πολύ μικρές τοπικές αποκλίσεις. Συγκεκριμένα, παρατηρούμε μία απόκλιση στα χαμηλά μήκη κύματος (&lt;300</a:t>
+            </a:r>
+            <a:r>
+              <a:rPr lang="en-US" dirty="0"/>
+              <a:t>nm</a:t>
+            </a:r>
+            <a:r>
+              <a:rPr lang="en-GB" dirty="0"/>
+              <a:t>) </a:t>
+            </a:r>
+            <a:r>
+              <a:rPr lang="el-GR" dirty="0"/>
+              <a:t>καθώς και μία μικρότερη στα 500 </a:t>
+            </a:r>
+            <a:r>
+              <a:rPr lang="en-US" dirty="0"/>
+              <a:t>nm </a:t>
+            </a:r>
+            <a:r>
+              <a:rPr lang="el-GR" dirty="0"/>
+              <a:t>στο 2</a:t>
+            </a:r>
+            <a:r>
+              <a:rPr lang="el-GR" baseline="30000" dirty="0"/>
+              <a:t>ο</a:t>
+            </a:r>
+            <a:r>
+              <a:rPr lang="el-GR" dirty="0"/>
+              <a:t> </a:t>
+            </a:r>
+            <a:r>
+              <a:rPr lang="en-US" dirty="0"/>
+              <a:t>peak. </a:t>
+            </a:r>
+            <a:r>
+              <a:rPr lang="el-GR" dirty="0"/>
+              <a:t> </a:t>
+            </a:r>
+            <a:endParaRPr lang="en-GB" dirty="0"/>
+          </a:p>
+        </p:txBody>
+      </p:sp>
+      <p:pic>
+        <p:nvPicPr>
+          <p:cNvPr id="8" name="Θέση περιεχομένου 7">
+            <a:extLst>
+              <a:ext uri="{FF2B5EF4-FFF2-40B4-BE49-F238E27FC236}">
+                <a16:creationId xmlns:a16="http://schemas.microsoft.com/office/drawing/2014/main" id="{4F75940E-0ABF-4897-52D3-D77EDCF83AF1}"/>
+              </a:ext>
+            </a:extLst>
+          </p:cNvPr>
+          <p:cNvPicPr>
+            <a:picLocks noGrp="1" noChangeAspect="1"/>
+          </p:cNvPicPr>
+          <p:nvPr>
+            <p:ph sz="half" idx="1"/>
+          </p:nvPr>
+        </p:nvPicPr>
+        <p:blipFill>
+          <a:blip r:embed="rId2"/>
+          <a:stretch>
+            <a:fillRect/>
+          </a:stretch>
+        </p:blipFill>
+        <p:spPr>
+          <a:xfrm>
+            <a:off x="421746" y="1865745"/>
+            <a:ext cx="5255570" cy="4905755"/>
+          </a:xfrm>
+        </p:spPr>
+      </p:pic>
+      <p:pic>
+        <p:nvPicPr>
+          <p:cNvPr id="11" name="Θέση περιεχομένου 10">
+            <a:extLst>
+              <a:ext uri="{FF2B5EF4-FFF2-40B4-BE49-F238E27FC236}">
+                <a16:creationId xmlns:a16="http://schemas.microsoft.com/office/drawing/2014/main" id="{0ECCCFE6-9FA7-D04F-5A16-AA48D10DF304}"/>
+              </a:ext>
+            </a:extLst>
+          </p:cNvPr>
+          <p:cNvPicPr>
+            <a:picLocks noGrp="1" noChangeAspect="1"/>
+          </p:cNvPicPr>
+          <p:nvPr>
+            <p:ph sz="half" idx="2"/>
+          </p:nvPr>
+        </p:nvPicPr>
+        <p:blipFill>
+          <a:blip r:embed="rId3"/>
+          <a:stretch>
+            <a:fillRect/>
+          </a:stretch>
+        </p:blipFill>
+        <p:spPr>
+          <a:xfrm>
+            <a:off x="6514686" y="1862890"/>
+            <a:ext cx="5189369" cy="4905755"/>
+          </a:xfrm>
+        </p:spPr>
+      </p:pic>
+    </p:spTree>
+    <p:extLst>
+      <p:ext uri="{BB962C8B-B14F-4D97-AF65-F5344CB8AC3E}">
+        <p14:creationId xmlns:p14="http://schemas.microsoft.com/office/powerpoint/2010/main" val="1739241115"/>
+      </p:ext>
+    </p:extLst>
+  </p:cSld>
+  <p:clrMapOvr>
+    <a:masterClrMapping/>
+  </p:clrMapOvr>
+</p:sld>
+</file>
+
+<file path=ppt/slides/slide2.xml><?xml version="1.0" encoding="utf-8"?>
+<p:sld xmlns:a="http://schemas.openxmlformats.org/drawingml/2006/main" xmlns:r="http://schemas.openxmlformats.org/officeDocument/2006/relationships" xmlns:p="http://schemas.openxmlformats.org/presentationml/2006/main">
+  <p:cSld>
+    <p:spTree>
+      <p:nvGrpSpPr>
+        <p:cNvPr id="1" name=""/>
+        <p:cNvGrpSpPr/>
+        <p:nvPr/>
+      </p:nvGrpSpPr>
+      <p:grpSpPr>
+        <a:xfrm>
+          <a:off x="0" y="0"/>
+          <a:ext cx="0" cy="0"/>
+          <a:chOff x="0" y="0"/>
+          <a:chExt cx="0" cy="0"/>
+        </a:xfrm>
+      </p:grpSpPr>
+      <p:sp>
+        <p:nvSpPr>
+          <p:cNvPr id="35" name="Rectangle 24">
             <a:extLst>
               <a:ext uri="{FF2B5EF4-FFF2-40B4-BE49-F238E27FC236}">
                 <a16:creationId xmlns:a16="http://schemas.microsoft.com/office/drawing/2014/main" id="{042E603F-28B7-4831-BF23-65FBAB13D5FB}"/>
@@ -5787,7 +7085,7 @@
       </p:sp>
       <p:sp>
         <p:nvSpPr>
-          <p:cNvPr id="101" name="Freeform: Shape 12">
+          <p:cNvPr id="36" name="Freeform: Shape 26">
             <a:extLst>
               <a:ext uri="{FF2B5EF4-FFF2-40B4-BE49-F238E27FC236}">
                 <a16:creationId xmlns:a16="http://schemas.microsoft.com/office/drawing/2014/main" id="{4D39700F-2B10-4402-A7DD-06EE2245880D}"/>
@@ -6355,7 +7653,7 @@
       </p:sp>
       <p:sp useBgFill="1">
         <p:nvSpPr>
-          <p:cNvPr id="102" name="Background Fill">
+          <p:cNvPr id="37" name="Background Fill">
             <a:extLst>
               <a:ext uri="{FF2B5EF4-FFF2-40B4-BE49-F238E27FC236}">
                 <a16:creationId xmlns:a16="http://schemas.microsoft.com/office/drawing/2014/main" id="{6DA65B90-7B06-4499-91BA-CDDD36132481}"/>
@@ -6415,10 +7713,10 @@
       </p:sp>
       <p:sp>
         <p:nvSpPr>
-          <p:cNvPr id="103" name="Rectangle 16">
-            <a:extLst>
-              <a:ext uri="{FF2B5EF4-FFF2-40B4-BE49-F238E27FC236}">
-                <a16:creationId xmlns:a16="http://schemas.microsoft.com/office/drawing/2014/main" id="{5C7BC1E0-1C8D-47CB-B48A-D3D0D2EF0E3A}"/>
+          <p:cNvPr id="38" name="Rectangle 30">
+            <a:extLst>
+              <a:ext uri="{FF2B5EF4-FFF2-40B4-BE49-F238E27FC236}">
+                <a16:creationId xmlns:a16="http://schemas.microsoft.com/office/drawing/2014/main" id="{D1FFE435-0754-492D-B815-BD114217D379}"/>
               </a:ext>
               <a:ext uri="{C183D7F6-B498-43B3-948B-1728B52AA6E4}">
                 <adec:decorative xmlns:adec="http://schemas.microsoft.com/office/drawing/2017/decorative" val="1"/>
@@ -6480,10 +7778,10 @@
       </p:sp>
       <p:sp>
         <p:nvSpPr>
-          <p:cNvPr id="19" name="Freeform: Shape 18">
-            <a:extLst>
-              <a:ext uri="{FF2B5EF4-FFF2-40B4-BE49-F238E27FC236}">
-                <a16:creationId xmlns:a16="http://schemas.microsoft.com/office/drawing/2014/main" id="{3AD1C04B-04EF-43BA-B2AB-6F52AF8B943A}"/>
+          <p:cNvPr id="39" name="Freeform: Shape 32">
+            <a:extLst>
+              <a:ext uri="{FF2B5EF4-FFF2-40B4-BE49-F238E27FC236}">
+                <a16:creationId xmlns:a16="http://schemas.microsoft.com/office/drawing/2014/main" id="{7EF79062-B5BB-45DF-810C-95A324A9D60F}"/>
               </a:ext>
               <a:ext uri="{C183D7F6-B498-43B3-948B-1728B52AA6E4}">
                 <adec:decorative xmlns:adec="http://schemas.microsoft.com/office/drawing/2017/decorative" val="1"/>
@@ -6502,55 +7800,63 @@
           </p:nvPr>
         </p:nvSpPr>
         <p:spPr>
-          <a:xfrm>
-            <a:off x="3049" y="1"/>
-            <a:ext cx="6939937" cy="6453893"/>
+          <a:xfrm flipH="1" flipV="1">
+            <a:off x="0" y="2140699"/>
+            <a:ext cx="12192000" cy="4717301"/>
           </a:xfrm>
           <a:custGeom>
             <a:avLst/>
             <a:gdLst>
-              <a:gd name="connsiteX0" fmla="*/ 111814 w 4695433"/>
-              <a:gd name="connsiteY0" fmla="*/ 3049004 h 4582435"/>
-              <a:gd name="connsiteX1" fmla="*/ 297409 w 4695433"/>
-              <a:gd name="connsiteY1" fmla="*/ 3091902 h 4582435"/>
-              <a:gd name="connsiteX2" fmla="*/ 416673 w 4695433"/>
-              <a:gd name="connsiteY2" fmla="*/ 3537003 h 4582435"/>
-              <a:gd name="connsiteX3" fmla="*/ 31751 w 4695433"/>
-              <a:gd name="connsiteY3" fmla="*/ 3683368 h 4582435"/>
-              <a:gd name="connsiteX4" fmla="*/ 0 w 4695433"/>
-              <a:gd name="connsiteY4" fmla="*/ 3669070 h 4582435"/>
-              <a:gd name="connsiteX5" fmla="*/ 0 w 4695433"/>
-              <a:gd name="connsiteY5" fmla="*/ 3079852 h 4582435"/>
-              <a:gd name="connsiteX6" fmla="*/ 35156 w 4695433"/>
-              <a:gd name="connsiteY6" fmla="*/ 3063756 h 4582435"/>
-              <a:gd name="connsiteX7" fmla="*/ 111814 w 4695433"/>
-              <a:gd name="connsiteY7" fmla="*/ 3049004 h 4582435"/>
-              <a:gd name="connsiteX8" fmla="*/ 0 w 4695433"/>
-              <a:gd name="connsiteY8" fmla="*/ 0 h 4582435"/>
-              <a:gd name="connsiteX9" fmla="*/ 4695433 w 4695433"/>
-              <a:gd name="connsiteY9" fmla="*/ 0 h 4582435"/>
-              <a:gd name="connsiteX10" fmla="*/ 4663044 w 4695433"/>
-              <a:gd name="connsiteY10" fmla="*/ 68762 h 4582435"/>
-              <a:gd name="connsiteX11" fmla="*/ 4571319 w 4695433"/>
-              <a:gd name="connsiteY11" fmla="*/ 201411 h 4582435"/>
-              <a:gd name="connsiteX12" fmla="*/ 4099777 w 4695433"/>
-              <a:gd name="connsiteY12" fmla="*/ 504347 h 4582435"/>
-              <a:gd name="connsiteX13" fmla="*/ 3811860 w 4695433"/>
-              <a:gd name="connsiteY13" fmla="*/ 1682068 h 4582435"/>
-              <a:gd name="connsiteX14" fmla="*/ 3167043 w 4695433"/>
-              <a:gd name="connsiteY14" fmla="*/ 4278500 h 4582435"/>
-              <a:gd name="connsiteX15" fmla="*/ 2640955 w 4695433"/>
-              <a:gd name="connsiteY15" fmla="*/ 4485587 h 4582435"/>
-              <a:gd name="connsiteX16" fmla="*/ 1495663 w 4695433"/>
-              <a:gd name="connsiteY16" fmla="*/ 4435228 h 4582435"/>
-              <a:gd name="connsiteX17" fmla="*/ 1020813 w 4695433"/>
-              <a:gd name="connsiteY17" fmla="*/ 3838149 h 4582435"/>
-              <a:gd name="connsiteX18" fmla="*/ 626404 w 4695433"/>
-              <a:gd name="connsiteY18" fmla="*/ 3045292 h 4582435"/>
-              <a:gd name="connsiteX19" fmla="*/ 147061 w 4695433"/>
-              <a:gd name="connsiteY19" fmla="*/ 2765401 h 4582435"/>
-              <a:gd name="connsiteX20" fmla="*/ 0 w 4695433"/>
-              <a:gd name="connsiteY20" fmla="*/ 2736690 h 4582435"/>
+              <a:gd name="connsiteX0" fmla="*/ 8930642 w 12192000"/>
+              <a:gd name="connsiteY0" fmla="*/ 4273734 h 4717301"/>
+              <a:gd name="connsiteX1" fmla="*/ 9143134 w 12192000"/>
+              <a:gd name="connsiteY1" fmla="*/ 4396362 h 4717301"/>
+              <a:gd name="connsiteX2" fmla="*/ 9043549 w 12192000"/>
+              <a:gd name="connsiteY2" fmla="*/ 4693978 h 4717301"/>
+              <a:gd name="connsiteX3" fmla="*/ 8745984 w 12192000"/>
+              <a:gd name="connsiteY3" fmla="*/ 4594249 h 4717301"/>
+              <a:gd name="connsiteX4" fmla="*/ 8845568 w 12192000"/>
+              <a:gd name="connsiteY4" fmla="*/ 4296634 h 4717301"/>
+              <a:gd name="connsiteX5" fmla="*/ 8930642 w 12192000"/>
+              <a:gd name="connsiteY5" fmla="*/ 4273734 h 4717301"/>
+              <a:gd name="connsiteX6" fmla="*/ 9842642 w 12192000"/>
+              <a:gd name="connsiteY6" fmla="*/ 3718743 h 4717301"/>
+              <a:gd name="connsiteX7" fmla="*/ 10272210 w 12192000"/>
+              <a:gd name="connsiteY7" fmla="*/ 3966645 h 4717301"/>
+              <a:gd name="connsiteX8" fmla="*/ 10070896 w 12192000"/>
+              <a:gd name="connsiteY8" fmla="*/ 4568292 h 4717301"/>
+              <a:gd name="connsiteX9" fmla="*/ 9469346 w 12192000"/>
+              <a:gd name="connsiteY9" fmla="*/ 4366686 h 4717301"/>
+              <a:gd name="connsiteX10" fmla="*/ 9670660 w 12192000"/>
+              <a:gd name="connsiteY10" fmla="*/ 3765038 h 4717301"/>
+              <a:gd name="connsiteX11" fmla="*/ 9842642 w 12192000"/>
+              <a:gd name="connsiteY11" fmla="*/ 3718743 h 4717301"/>
+              <a:gd name="connsiteX12" fmla="*/ 0 w 12192000"/>
+              <a:gd name="connsiteY12" fmla="*/ 0 h 4717301"/>
+              <a:gd name="connsiteX13" fmla="*/ 12192000 w 12192000"/>
+              <a:gd name="connsiteY13" fmla="*/ 0 h 4717301"/>
+              <a:gd name="connsiteX14" fmla="*/ 12192000 w 12192000"/>
+              <a:gd name="connsiteY14" fmla="*/ 3369891 h 4717301"/>
+              <a:gd name="connsiteX15" fmla="*/ 12124015 w 12192000"/>
+              <a:gd name="connsiteY15" fmla="*/ 3410713 h 4717301"/>
+              <a:gd name="connsiteX16" fmla="*/ 11077457 w 12192000"/>
+              <a:gd name="connsiteY16" fmla="*/ 3501725 h 4717301"/>
+              <a:gd name="connsiteX17" fmla="*/ 9867246 w 12192000"/>
+              <a:gd name="connsiteY17" fmla="*/ 3351592 h 4717301"/>
+              <a:gd name="connsiteX18" fmla="*/ 8994802 w 12192000"/>
+              <a:gd name="connsiteY18" fmla="*/ 3878378 h 4717301"/>
+              <a:gd name="connsiteX19" fmla="*/ 6994655 w 12192000"/>
+              <a:gd name="connsiteY19" fmla="*/ 4335637 h 4717301"/>
+              <a:gd name="connsiteX20" fmla="*/ 6287534 w 12192000"/>
+              <a:gd name="connsiteY20" fmla="*/ 3714199 h 4717301"/>
+              <a:gd name="connsiteX21" fmla="*/ 4392596 w 12192000"/>
+              <a:gd name="connsiteY21" fmla="*/ 3392344 h 4717301"/>
+              <a:gd name="connsiteX22" fmla="*/ 3014500 w 12192000"/>
+              <a:gd name="connsiteY22" fmla="*/ 4100222 h 4717301"/>
+              <a:gd name="connsiteX23" fmla="*/ 86414 w 12192000"/>
+              <a:gd name="connsiteY23" fmla="*/ 3903305 h 4717301"/>
+              <a:gd name="connsiteX24" fmla="*/ 0 w 12192000"/>
+              <a:gd name="connsiteY24" fmla="*/ 3840566 h 4717301"/>
             </a:gdLst>
             <a:ahLst/>
             <a:cxnLst>
@@ -6617,99 +7923,134 @@
               <a:cxn ang="0">
                 <a:pos x="connsiteX20" y="connsiteY20"/>
               </a:cxn>
+              <a:cxn ang="0">
+                <a:pos x="connsiteX21" y="connsiteY21"/>
+              </a:cxn>
+              <a:cxn ang="0">
+                <a:pos x="connsiteX22" y="connsiteY22"/>
+              </a:cxn>
+              <a:cxn ang="0">
+                <a:pos x="connsiteX23" y="connsiteY23"/>
+              </a:cxn>
+              <a:cxn ang="0">
+                <a:pos x="connsiteX24" y="connsiteY24"/>
+              </a:cxn>
             </a:cxnLst>
             <a:rect l="l" t="t" r="r" b="b"/>
             <a:pathLst>
-              <a:path w="4695433" h="4582435">
+              <a:path w="12192000" h="4717301">
                 <a:moveTo>
-                  <a:pt x="111814" y="3049004"/>
+                  <a:pt x="8930642" y="4273734"/>
                 </a:moveTo>
                 <a:cubicBezTo>
-                  <a:pt x="174417" y="3044581"/>
-                  <a:pt x="238967" y="3058160"/>
-                  <a:pt x="297409" y="3091902"/>
-                </a:cubicBezTo>
-                <a:cubicBezTo>
-                  <a:pt x="453255" y="3181878"/>
-                  <a:pt x="506651" y="3381158"/>
-                  <a:pt x="416673" y="3537003"/>
-                </a:cubicBezTo>
-                <a:cubicBezTo>
-                  <a:pt x="337943" y="3673368"/>
-                  <a:pt x="175529" y="3731295"/>
-                  <a:pt x="31751" y="3683368"/>
-                </a:cubicBezTo>
-                <a:lnTo>
-                  <a:pt x="0" y="3669070"/>
-                </a:lnTo>
-                <a:lnTo>
-                  <a:pt x="0" y="3079852"/>
-                </a:lnTo>
-                <a:lnTo>
-                  <a:pt x="35156" y="3063756"/>
-                </a:lnTo>
-                <a:cubicBezTo>
-                  <a:pt x="59982" y="3055817"/>
-                  <a:pt x="85729" y="3050848"/>
-                  <a:pt x="111814" y="3049004"/>
+                  <a:pt x="9016941" y="4268381"/>
+                  <a:pt x="9102130" y="4314070"/>
+                  <a:pt x="9143134" y="4396362"/>
+                </a:cubicBezTo>
+                <a:cubicBezTo>
+                  <a:pt x="9197806" y="4506087"/>
+                  <a:pt x="9153221" y="4639333"/>
+                  <a:pt x="9043549" y="4693978"/>
+                </a:cubicBezTo>
+                <a:cubicBezTo>
+                  <a:pt x="8933879" y="4748622"/>
+                  <a:pt x="8800655" y="4703973"/>
+                  <a:pt x="8745984" y="4594249"/>
+                </a:cubicBezTo>
+                <a:cubicBezTo>
+                  <a:pt x="8691311" y="4484525"/>
+                  <a:pt x="8735897" y="4351279"/>
+                  <a:pt x="8845568" y="4296634"/>
+                </a:cubicBezTo>
+                <a:cubicBezTo>
+                  <a:pt x="8872986" y="4282973"/>
+                  <a:pt x="8901875" y="4275517"/>
+                  <a:pt x="8930642" y="4273734"/>
+                </a:cubicBezTo>
+                <a:close/>
+                <a:moveTo>
+                  <a:pt x="9842642" y="3718743"/>
+                </a:moveTo>
+                <a:cubicBezTo>
+                  <a:pt x="10017101" y="3707923"/>
+                  <a:pt x="10189318" y="3800286"/>
+                  <a:pt x="10272210" y="3966645"/>
+                </a:cubicBezTo>
+                <a:cubicBezTo>
+                  <a:pt x="10382732" y="4188458"/>
+                  <a:pt x="10292600" y="4457825"/>
+                  <a:pt x="10070896" y="4568292"/>
+                </a:cubicBezTo>
+                <a:cubicBezTo>
+                  <a:pt x="9849191" y="4678760"/>
+                  <a:pt x="9579867" y="4588498"/>
+                  <a:pt x="9469346" y="4366686"/>
+                </a:cubicBezTo>
+                <a:cubicBezTo>
+                  <a:pt x="9358824" y="4144873"/>
+                  <a:pt x="9448956" y="3875506"/>
+                  <a:pt x="9670660" y="3765038"/>
+                </a:cubicBezTo>
+                <a:cubicBezTo>
+                  <a:pt x="9726087" y="3737421"/>
+                  <a:pt x="9784490" y="3722349"/>
+                  <a:pt x="9842642" y="3718743"/>
                 </a:cubicBezTo>
                 <a:close/>
                 <a:moveTo>
                   <a:pt x="0" y="0"/>
                 </a:moveTo>
                 <a:lnTo>
-                  <a:pt x="4695433" y="0"/>
+                  <a:pt x="12192000" y="0"/>
                 </a:lnTo>
                 <a:lnTo>
-                  <a:pt x="4663044" y="68762"/>
+                  <a:pt x="12192000" y="3369891"/>
                 </a:lnTo>
-                <a:cubicBezTo>
-                  <a:pt x="4636274" y="118744"/>
-                  <a:pt x="4605467" y="163546"/>
-                  <a:pt x="4571319" y="201411"/>
-                </a:cubicBezTo>
-                <a:cubicBezTo>
-                  <a:pt x="4449886" y="335755"/>
-                  <a:pt x="4268949" y="426743"/>
-                  <a:pt x="4099777" y="504347"/>
-                </a:cubicBezTo>
-                <a:cubicBezTo>
-                  <a:pt x="3604896" y="731933"/>
-                  <a:pt x="3591784" y="1317548"/>
-                  <a:pt x="3811860" y="1682068"/>
-                </a:cubicBezTo>
-                <a:cubicBezTo>
-                  <a:pt x="4454413" y="2741008"/>
-                  <a:pt x="4084752" y="3706193"/>
-                  <a:pt x="3167043" y="4278500"/>
-                </a:cubicBezTo>
-                <a:cubicBezTo>
-                  <a:pt x="3009772" y="4376529"/>
-                  <a:pt x="2817700" y="4417630"/>
-                  <a:pt x="2640955" y="4485587"/>
-                </a:cubicBezTo>
-                <a:cubicBezTo>
-                  <a:pt x="2250950" y="4603206"/>
-                  <a:pt x="1866703" y="4642930"/>
-                  <a:pt x="1495663" y="4435228"/>
-                </a:cubicBezTo>
-                <a:cubicBezTo>
-                  <a:pt x="1259049" y="4302759"/>
-                  <a:pt x="1121911" y="4090107"/>
-                  <a:pt x="1020813" y="3838149"/>
-                </a:cubicBezTo>
-                <a:cubicBezTo>
-                  <a:pt x="910679" y="3564211"/>
-                  <a:pt x="784571" y="3292847"/>
-                  <a:pt x="626404" y="3045292"/>
-                </a:cubicBezTo>
-                <a:cubicBezTo>
-                  <a:pt x="516355" y="2873268"/>
-                  <a:pt x="336073" y="2807363"/>
-                  <a:pt x="147061" y="2765401"/>
-                </a:cubicBezTo>
                 <a:lnTo>
-                  <a:pt x="0" y="2736690"/>
+                  <a:pt x="12124015" y="3410713"/>
+                </a:lnTo>
+                <a:cubicBezTo>
+                  <a:pt x="11792041" y="3581538"/>
+                  <a:pt x="11443617" y="3577252"/>
+                  <a:pt x="11077457" y="3501725"/>
+                </a:cubicBezTo>
+                <a:cubicBezTo>
+                  <a:pt x="10679189" y="3419860"/>
+                  <a:pt x="10271734" y="3358281"/>
+                  <a:pt x="9867246" y="3351592"/>
+                </a:cubicBezTo>
+                <a:cubicBezTo>
+                  <a:pt x="9492336" y="3345611"/>
+                  <a:pt x="9239136" y="3626329"/>
+                  <a:pt x="8994802" y="3878378"/>
+                </a:cubicBezTo>
+                <a:cubicBezTo>
+                  <a:pt x="8385954" y="4506678"/>
+                  <a:pt x="7695268" y="4690742"/>
+                  <a:pt x="6994655" y="4335637"/>
+                </a:cubicBezTo>
+                <a:cubicBezTo>
+                  <a:pt x="6722938" y="4197922"/>
+                  <a:pt x="6494843" y="3948626"/>
+                  <a:pt x="6287534" y="3714199"/>
+                </a:cubicBezTo>
+                <a:cubicBezTo>
+                  <a:pt x="5731733" y="3085491"/>
+                  <a:pt x="5043559" y="3067499"/>
+                  <a:pt x="4392596" y="3392344"/>
+                </a:cubicBezTo>
+                <a:cubicBezTo>
+                  <a:pt x="3930423" y="3623867"/>
+                  <a:pt x="3492022" y="3908604"/>
+                  <a:pt x="3014500" y="4100222"/>
+                </a:cubicBezTo>
+                <a:cubicBezTo>
+                  <a:pt x="1977820" y="4518409"/>
+                  <a:pt x="973242" y="4499486"/>
+                  <a:pt x="86414" y="3903305"/>
+                </a:cubicBezTo>
+                <a:lnTo>
+                  <a:pt x="0" y="3840566"/>
                 </a:lnTo>
                 <a:close/>
               </a:path>
@@ -6717,322 +8058,6 @@
           </a:custGeom>
           <a:solidFill>
             <a:schemeClr val="bg1"/>
-          </a:solidFill>
-          <a:ln>
-            <a:noFill/>
-          </a:ln>
-        </p:spPr>
-        <p:style>
-          <a:lnRef idx="2">
-            <a:schemeClr val="accent1">
-              <a:shade val="50000"/>
-            </a:schemeClr>
-          </a:lnRef>
-          <a:fillRef idx="1">
-            <a:schemeClr val="accent1"/>
-          </a:fillRef>
-          <a:effectRef idx="0">
-            <a:schemeClr val="accent1"/>
-          </a:effectRef>
-          <a:fontRef idx="minor">
-            <a:schemeClr val="lt1"/>
-          </a:fontRef>
-        </p:style>
-        <p:txBody>
-          <a:bodyPr wrap="square" rtlCol="0" anchor="ctr">
-            <a:noAutofit/>
-          </a:bodyPr>
-          <a:lstStyle/>
-          <a:p>
-            <a:pPr algn="ctr"/>
-            <a:endParaRPr lang="en-US"/>
-          </a:p>
-        </p:txBody>
-      </p:sp>
-      <p:pic>
-        <p:nvPicPr>
-          <p:cNvPr id="6" name="Θέση εικόνας 5" descr="Εικόνα που περιέχει γράφημα, στιγμιότυπο οθόνης, διάγραμμα, γραμμή&#10;&#10;Περιγραφή που δημιουργήθηκε αυτόματα">
-            <a:extLst>
-              <a:ext uri="{FF2B5EF4-FFF2-40B4-BE49-F238E27FC236}">
-                <a16:creationId xmlns:a16="http://schemas.microsoft.com/office/drawing/2014/main" id="{CDCE1CB7-FF82-3699-AA34-EABC515B027B}"/>
-              </a:ext>
-            </a:extLst>
-          </p:cNvPr>
-          <p:cNvPicPr>
-            <a:picLocks noGrp="1" noChangeAspect="1"/>
-          </p:cNvPicPr>
-          <p:nvPr>
-            <p:ph type="pic" idx="1"/>
-          </p:nvPr>
-        </p:nvPicPr>
-        <p:blipFill>
-          <a:blip r:embed="rId2"/>
-          <a:srcRect l="2735" r="2735"/>
-          <a:stretch/>
-        </p:blipFill>
-        <p:spPr>
-          <a:xfrm>
-            <a:off x="5546878" y="404106"/>
-            <a:ext cx="6176705" cy="6093069"/>
-          </a:xfrm>
-          <a:prstGeom prst="rect">
-            <a:avLst/>
-          </a:prstGeom>
-        </p:spPr>
-      </p:pic>
-      <p:sp>
-        <p:nvSpPr>
-          <p:cNvPr id="104" name="Θέση κειμένου 3">
-            <a:extLst>
-              <a:ext uri="{FF2B5EF4-FFF2-40B4-BE49-F238E27FC236}">
-                <a16:creationId xmlns:a16="http://schemas.microsoft.com/office/drawing/2014/main" id="{96F299D3-E75E-5D0C-EB46-DEC54EDE0797}"/>
-              </a:ext>
-            </a:extLst>
-          </p:cNvPr>
-          <p:cNvSpPr>
-            <a:spLocks noGrp="1"/>
-          </p:cNvSpPr>
-          <p:nvPr>
-            <p:ph type="body" sz="half" idx="2"/>
-          </p:nvPr>
-        </p:nvSpPr>
-        <p:spPr>
-          <a:xfrm>
-            <a:off x="612649" y="544945"/>
-            <a:ext cx="4670551" cy="5908949"/>
-          </a:xfrm>
-        </p:spPr>
-        <p:txBody>
-          <a:bodyPr>
-            <a:normAutofit/>
-          </a:bodyPr>
-          <a:lstStyle/>
-          <a:p>
-            <a:r>
-              <a:rPr lang="el-GR" dirty="0"/>
-              <a:t>Για να αντιληφθούμε καλύτερα την απόκλιση των δύο καμπυλών, τις αναπαριστούμε στο ίδιο διάγραμμα έτσι ώστε να πέσει η μία πάνω στην άλλη. Η καλύτερη εικόνα εμφανίζεται για τα μεγαλύτερα μήκη κύματος (&gt;600</a:t>
-            </a:r>
-            <a:r>
-              <a:rPr lang="en-US" dirty="0"/>
-              <a:t>nm</a:t>
-            </a:r>
-            <a:r>
-              <a:rPr lang="en-GB" dirty="0"/>
-              <a:t>)</a:t>
-            </a:r>
-            <a:r>
-              <a:rPr lang="el-GR" dirty="0"/>
-              <a:t> ενώ στα μεσαία και χαμηλότερα μήκη κύματος παρατηρούνται αποκλίσεις, οι οποίες όμως δεν είναι εξαιρετικά μεγάλες. Συμπερασματικά μπορούμε να πούμε ότι, στην συγκεκριμένη περίπτωση, το όργανο με την μικρότερη ακρίβεια πλησιάζει ικανοποιητικά το όργανο με την μεγαλύτερη ακρίβεια, το οποίο όμως μετρά σε μικρότερο εύρος του φάσματος της ηλιακής ακτινοβολίας. Σε κάθε περίπτωση, πριν από κάποια μελέτη, πρέπει να αναλογιστούμε ποιο από τα δύο θα καλύψει τις εκάστοτε ανάγκες της έρευνας, δηλαδή αν επιθυμούμε μεγαλύτερη ακρίβεια ή εύρος στο φάσμα των μετρήσεών μας.</a:t>
-            </a:r>
-            <a:endParaRPr lang="en-GB" dirty="0"/>
-          </a:p>
-        </p:txBody>
-      </p:sp>
-    </p:spTree>
-    <p:extLst>
-      <p:ext uri="{BB962C8B-B14F-4D97-AF65-F5344CB8AC3E}">
-        <p14:creationId xmlns:p14="http://schemas.microsoft.com/office/powerpoint/2010/main" val="3639020863"/>
-      </p:ext>
-    </p:extLst>
-  </p:cSld>
-  <p:clrMapOvr>
-    <a:masterClrMapping/>
-  </p:clrMapOvr>
-</p:sld>
-</file>
-
-<file path=ppt/slides/slide15.xml><?xml version="1.0" encoding="utf-8"?>
-<p:sld xmlns:a="http://schemas.openxmlformats.org/drawingml/2006/main" xmlns:r="http://schemas.openxmlformats.org/officeDocument/2006/relationships" xmlns:p="http://schemas.openxmlformats.org/presentationml/2006/main">
-  <p:cSld>
-    <p:spTree>
-      <p:nvGrpSpPr>
-        <p:cNvPr id="1" name=""/>
-        <p:cNvGrpSpPr/>
-        <p:nvPr/>
-      </p:nvGrpSpPr>
-      <p:grpSpPr>
-        <a:xfrm>
-          <a:off x="0" y="0"/>
-          <a:ext cx="0" cy="0"/>
-          <a:chOff x="0" y="0"/>
-          <a:chExt cx="0" cy="0"/>
-        </a:xfrm>
-      </p:grpSpPr>
-      <p:sp>
-        <p:nvSpPr>
-          <p:cNvPr id="3" name="TextBox 2">
-            <a:extLst>
-              <a:ext uri="{FF2B5EF4-FFF2-40B4-BE49-F238E27FC236}">
-                <a16:creationId xmlns:a16="http://schemas.microsoft.com/office/drawing/2014/main" id="{90F6385D-B3FB-451B-B424-C9F0E1C42B9C}"/>
-              </a:ext>
-            </a:extLst>
-          </p:cNvPr>
-          <p:cNvSpPr txBox="1"/>
-          <p:nvPr/>
-        </p:nvSpPr>
-        <p:spPr>
-          <a:xfrm>
-            <a:off x="1288473" y="2228671"/>
-            <a:ext cx="9615054" cy="1200329"/>
-          </a:xfrm>
-          <a:prstGeom prst="rect">
-            <a:avLst/>
-          </a:prstGeom>
-          <a:noFill/>
-        </p:spPr>
-        <p:txBody>
-          <a:bodyPr wrap="square" rtlCol="0">
-            <a:spAutoFit/>
-          </a:bodyPr>
-          <a:lstStyle/>
-          <a:p>
-            <a:pPr algn="ctr"/>
-            <a:r>
-              <a:rPr lang="el-GR" dirty="0"/>
-              <a:t>Η επεξεργασία των δεδομένων καθώς και η εξαγωγή των γραφικών παραστάσεων έγινε αποκλειστικά με την χρήση </a:t>
-            </a:r>
-            <a:r>
-              <a:rPr lang="en-US" dirty="0"/>
-              <a:t>P</a:t>
-            </a:r>
-            <a:r>
-              <a:rPr lang="en-GB" dirty="0" err="1"/>
-              <a:t>ython</a:t>
-            </a:r>
-            <a:r>
-              <a:rPr lang="en-GB" dirty="0"/>
-              <a:t> </a:t>
-            </a:r>
-            <a:r>
-              <a:rPr lang="el-GR" dirty="0"/>
-              <a:t>στο προγραμματιστικό περιβάλλον </a:t>
-            </a:r>
-            <a:r>
-              <a:rPr lang="en-US" dirty="0" err="1"/>
-              <a:t>Jupyter</a:t>
-            </a:r>
-            <a:r>
-              <a:rPr lang="en-US" dirty="0"/>
-              <a:t>. </a:t>
-            </a:r>
-            <a:r>
-              <a:rPr lang="el-GR" dirty="0"/>
-              <a:t>Ο κώδικας, καθώς και τα υπόλοιπα αρχεία που τον συνοδεύουν μπορούν να βρεθούν στον προσωπικό μου λογαριασμό στο </a:t>
-            </a:r>
-            <a:r>
-              <a:rPr lang="en-US" dirty="0" err="1"/>
-              <a:t>Github</a:t>
-            </a:r>
-            <a:r>
-              <a:rPr lang="en-US" dirty="0"/>
-              <a:t>.</a:t>
-            </a:r>
-            <a:endParaRPr lang="en-GB" dirty="0"/>
-          </a:p>
-        </p:txBody>
-      </p:sp>
-      <p:sp>
-        <p:nvSpPr>
-          <p:cNvPr id="4" name="TextBox 3">
-            <a:extLst>
-              <a:ext uri="{FF2B5EF4-FFF2-40B4-BE49-F238E27FC236}">
-                <a16:creationId xmlns:a16="http://schemas.microsoft.com/office/drawing/2014/main" id="{8C0FDA16-0369-3B5A-E76F-67F51113772E}"/>
-              </a:ext>
-            </a:extLst>
-          </p:cNvPr>
-          <p:cNvSpPr txBox="1"/>
-          <p:nvPr/>
-        </p:nvSpPr>
-        <p:spPr>
-          <a:xfrm>
-            <a:off x="1750291" y="4387213"/>
-            <a:ext cx="8243455" cy="523220"/>
-          </a:xfrm>
-          <a:prstGeom prst="rect">
-            <a:avLst/>
-          </a:prstGeom>
-          <a:noFill/>
-        </p:spPr>
-        <p:txBody>
-          <a:bodyPr wrap="square" rtlCol="0">
-            <a:spAutoFit/>
-          </a:bodyPr>
-          <a:lstStyle/>
-          <a:p>
-            <a:pPr algn="ctr"/>
-            <a:r>
-              <a:rPr lang="el-GR" sz="2800" i="1" dirty="0"/>
-              <a:t>Ευχαριστώ για την προσοχή σας.</a:t>
-            </a:r>
-            <a:endParaRPr lang="en-GB" sz="2800" i="1" dirty="0"/>
-          </a:p>
-        </p:txBody>
-      </p:sp>
-    </p:spTree>
-    <p:extLst>
-      <p:ext uri="{BB962C8B-B14F-4D97-AF65-F5344CB8AC3E}">
-        <p14:creationId xmlns:p14="http://schemas.microsoft.com/office/powerpoint/2010/main" val="1193738633"/>
-      </p:ext>
-    </p:extLst>
-  </p:cSld>
-  <p:clrMapOvr>
-    <a:masterClrMapping/>
-  </p:clrMapOvr>
-</p:sld>
-</file>
-
-<file path=ppt/slides/slide2.xml><?xml version="1.0" encoding="utf-8"?>
-<p:sld xmlns:a="http://schemas.openxmlformats.org/drawingml/2006/main" xmlns:r="http://schemas.openxmlformats.org/officeDocument/2006/relationships" xmlns:p="http://schemas.openxmlformats.org/presentationml/2006/main">
-  <p:cSld>
-    <p:spTree>
-      <p:nvGrpSpPr>
-        <p:cNvPr id="1" name=""/>
-        <p:cNvGrpSpPr/>
-        <p:nvPr/>
-      </p:nvGrpSpPr>
-      <p:grpSpPr>
-        <a:xfrm>
-          <a:off x="0" y="0"/>
-          <a:ext cx="0" cy="0"/>
-          <a:chOff x="0" y="0"/>
-          <a:chExt cx="0" cy="0"/>
-        </a:xfrm>
-      </p:grpSpPr>
-      <p:sp>
-        <p:nvSpPr>
-          <p:cNvPr id="35" name="Rectangle 24">
-            <a:extLst>
-              <a:ext uri="{FF2B5EF4-FFF2-40B4-BE49-F238E27FC236}">
-                <a16:creationId xmlns:a16="http://schemas.microsoft.com/office/drawing/2014/main" id="{042E603F-28B7-4831-BF23-65FBAB13D5FB}"/>
-              </a:ext>
-              <a:ext uri="{C183D7F6-B498-43B3-948B-1728B52AA6E4}">
-                <adec:decorative xmlns:adec="http://schemas.microsoft.com/office/drawing/2017/decorative" val="1"/>
-              </a:ext>
-            </a:extLst>
-          </p:cNvPr>
-          <p:cNvSpPr>
-            <a:spLocks noGrp="1" noRot="1" noChangeAspect="1" noMove="1" noResize="1" noEditPoints="1" noAdjustHandles="1" noChangeArrowheads="1" noChangeShapeType="1" noTextEdit="1"/>
-          </p:cNvSpPr>
-          <p:nvPr>
-            <p:extLst>
-              <p:ext uri="{386F3935-93C4-4BCD-93E2-E3B085C9AB24}">
-                <p16:designElem xmlns:p16="http://schemas.microsoft.com/office/powerpoint/2015/main" val="1"/>
-              </p:ext>
-            </p:extLst>
-          </p:nvPr>
-        </p:nvSpPr>
-        <p:spPr>
-          <a:xfrm>
-            <a:off x="0" y="0"/>
-            <a:ext cx="12192001" cy="6858000"/>
-          </a:xfrm>
-          <a:prstGeom prst="rect">
-            <a:avLst/>
-          </a:prstGeom>
-          <a:solidFill>
-            <a:srgbClr val="AEAEAE">
-              <a:alpha val="10000"/>
-            </a:srgbClr>
           </a:solidFill>
           <a:ln>
             <a:noFill/>
@@ -7059,13 +8084,242 @@
           <a:lstStyle/>
           <a:p>
             <a:pPr algn="ctr"/>
-            <a:endParaRPr lang="en-US" dirty="0"/>
+            <a:endParaRPr lang="en-US"/>
           </a:p>
         </p:txBody>
       </p:sp>
       <p:sp>
         <p:nvSpPr>
-          <p:cNvPr id="36" name="Freeform: Shape 26">
+          <p:cNvPr id="2" name="Τίτλος 1">
+            <a:extLst>
+              <a:ext uri="{FF2B5EF4-FFF2-40B4-BE49-F238E27FC236}">
+                <a16:creationId xmlns:a16="http://schemas.microsoft.com/office/drawing/2014/main" id="{F1C5BCC6-C6B3-20E3-A381-01646A09BCC8}"/>
+              </a:ext>
+            </a:extLst>
+          </p:cNvPr>
+          <p:cNvSpPr>
+            <a:spLocks noGrp="1"/>
+          </p:cNvSpPr>
+          <p:nvPr>
+            <p:ph type="title"/>
+          </p:nvPr>
+        </p:nvSpPr>
+        <p:spPr>
+          <a:xfrm>
+            <a:off x="605202" y="14208"/>
+            <a:ext cx="6658405" cy="1451174"/>
+          </a:xfrm>
+        </p:spPr>
+        <p:txBody>
+          <a:bodyPr vert="horz" lIns="91440" tIns="45720" rIns="91440" bIns="45720" rtlCol="0" anchor="ctr">
+            <a:normAutofit/>
+          </a:bodyPr>
+          <a:lstStyle/>
+          <a:p>
+            <a:r>
+              <a:rPr lang="en-US" sz="5400" dirty="0"/>
+              <a:t>Μέρος 1</a:t>
+            </a:r>
+            <a:r>
+              <a:rPr lang="en-US" sz="5400" baseline="30000" dirty="0"/>
+              <a:t>ο</a:t>
+            </a:r>
+            <a:r>
+              <a:rPr lang="en-US" sz="5400" dirty="0"/>
+              <a:t> </a:t>
+            </a:r>
+          </a:p>
+        </p:txBody>
+      </p:sp>
+      <p:sp>
+        <p:nvSpPr>
+          <p:cNvPr id="5" name="TextBox 4">
+            <a:extLst>
+              <a:ext uri="{FF2B5EF4-FFF2-40B4-BE49-F238E27FC236}">
+                <a16:creationId xmlns:a16="http://schemas.microsoft.com/office/drawing/2014/main" id="{90305336-EB42-61B7-0499-E801EB8BC7DE}"/>
+              </a:ext>
+            </a:extLst>
+          </p:cNvPr>
+          <p:cNvSpPr txBox="1"/>
+          <p:nvPr/>
+        </p:nvSpPr>
+        <p:spPr>
+          <a:xfrm>
+            <a:off x="606726" y="1181267"/>
+            <a:ext cx="10975498" cy="2685182"/>
+          </a:xfrm>
+          <a:prstGeom prst="rect">
+            <a:avLst/>
+          </a:prstGeom>
+        </p:spPr>
+        <p:txBody>
+          <a:bodyPr vert="horz" lIns="91440" tIns="45720" rIns="91440" bIns="45720" rtlCol="0" anchor="ctr">
+            <a:normAutofit lnSpcReduction="10000"/>
+          </a:bodyPr>
+          <a:lstStyle/>
+          <a:p>
+            <a:pPr>
+              <a:lnSpc>
+                <a:spcPct val="110000"/>
+              </a:lnSpc>
+              <a:spcBef>
+                <a:spcPts val="1000"/>
+              </a:spcBef>
+              <a:buClr>
+                <a:schemeClr val="accent5"/>
+              </a:buClr>
+            </a:pPr>
+            <a:r>
+              <a:rPr lang="el-GR" sz="2000" dirty="0"/>
+              <a:t>Στο 1</a:t>
+            </a:r>
+            <a:r>
+              <a:rPr lang="el-GR" sz="2000" baseline="30000" dirty="0"/>
+              <a:t>ο</a:t>
+            </a:r>
+            <a:r>
+              <a:rPr lang="el-GR" sz="2000" dirty="0"/>
+              <a:t> μέρος της εργασίας αυτής, επεξεργαζόμαστε δεδομένα από 3 διαφορετικές ως προς το γεωγραφικό πλάτος περιοχές. Οι περιοχές αυτές είναι ο Ισημερινός, τα μέσα πλάτη και τα </a:t>
+            </a:r>
+            <a:r>
+              <a:rPr lang="el-GR" sz="2000" dirty="0" err="1"/>
+              <a:t>υπο</a:t>
+            </a:r>
+            <a:r>
+              <a:rPr lang="el-GR" sz="2000" dirty="0"/>
+              <a:t>-αρκτικά πλάτη. Ο Ισημερινός, ως γνωστόν, δεν παρουσιάζει μεγάλες μεταβολές κατά την διάρκεια του χρόνου, σε αντίθεση με όλες τις υπόλοιπες περιοχές του πλανήτη. Για τον λόγο αυτό, για τον Ισημερινό μελετάμε ένα σετ δεδομένων ενώ για τις άλλες δύο περιοχές διαθέτουμε από 2 σετ δεδομένων, ένα για το καλοκαίρι και ένα για τον χειμώνα, έτσι ώστε να μπορούμε να μελετήσουμε τυχόν εποχικές μεταβολές. Τα δεδομένα που διαθέτουμε είναι συναρτήσεις του ύψους και φαίνονται, ενδεικτικά, στον παρακάτω πίνακα. </a:t>
+            </a:r>
+            <a:endParaRPr lang="en-US" sz="2000" dirty="0"/>
+          </a:p>
+        </p:txBody>
+      </p:sp>
+      <p:pic>
+        <p:nvPicPr>
+          <p:cNvPr id="10" name="Θέση περιεχομένου 9">
+            <a:extLst>
+              <a:ext uri="{FF2B5EF4-FFF2-40B4-BE49-F238E27FC236}">
+                <a16:creationId xmlns:a16="http://schemas.microsoft.com/office/drawing/2014/main" id="{CD4FF139-6B19-A5FB-26DE-3D6DE119DDB5}"/>
+              </a:ext>
+            </a:extLst>
+          </p:cNvPr>
+          <p:cNvPicPr>
+            <a:picLocks noGrp="1" noChangeAspect="1"/>
+          </p:cNvPicPr>
+          <p:nvPr>
+            <p:ph idx="1"/>
+          </p:nvPr>
+        </p:nvPicPr>
+        <p:blipFill>
+          <a:blip r:embed="rId2"/>
+          <a:stretch>
+            <a:fillRect/>
+          </a:stretch>
+        </p:blipFill>
+        <p:spPr>
+          <a:xfrm>
+            <a:off x="2207733" y="3982933"/>
+            <a:ext cx="7773485" cy="2172003"/>
+          </a:xfrm>
+        </p:spPr>
+      </p:pic>
+    </p:spTree>
+    <p:extLst>
+      <p:ext uri="{BB962C8B-B14F-4D97-AF65-F5344CB8AC3E}">
+        <p14:creationId xmlns:p14="http://schemas.microsoft.com/office/powerpoint/2010/main" val="3587230318"/>
+      </p:ext>
+    </p:extLst>
+  </p:cSld>
+  <p:clrMapOvr>
+    <a:masterClrMapping/>
+  </p:clrMapOvr>
+</p:sld>
+</file>
+
+<file path=ppt/slides/slide20.xml><?xml version="1.0" encoding="utf-8"?>
+<p:sld xmlns:a="http://schemas.openxmlformats.org/drawingml/2006/main" xmlns:r="http://schemas.openxmlformats.org/officeDocument/2006/relationships" xmlns:p="http://schemas.openxmlformats.org/presentationml/2006/main">
+  <p:cSld>
+    <p:spTree>
+      <p:nvGrpSpPr>
+        <p:cNvPr id="1" name=""/>
+        <p:cNvGrpSpPr/>
+        <p:nvPr/>
+      </p:nvGrpSpPr>
+      <p:grpSpPr>
+        <a:xfrm>
+          <a:off x="0" y="0"/>
+          <a:ext cx="0" cy="0"/>
+          <a:chOff x="0" y="0"/>
+          <a:chExt cx="0" cy="0"/>
+        </a:xfrm>
+      </p:grpSpPr>
+      <p:sp>
+        <p:nvSpPr>
+          <p:cNvPr id="100" name="Rectangle 10">
+            <a:extLst>
+              <a:ext uri="{FF2B5EF4-FFF2-40B4-BE49-F238E27FC236}">
+                <a16:creationId xmlns:a16="http://schemas.microsoft.com/office/drawing/2014/main" id="{042E603F-28B7-4831-BF23-65FBAB13D5FB}"/>
+              </a:ext>
+              <a:ext uri="{C183D7F6-B498-43B3-948B-1728B52AA6E4}">
+                <adec:decorative xmlns:adec="http://schemas.microsoft.com/office/drawing/2017/decorative" val="1"/>
+              </a:ext>
+            </a:extLst>
+          </p:cNvPr>
+          <p:cNvSpPr>
+            <a:spLocks noGrp="1" noRot="1" noChangeAspect="1" noMove="1" noResize="1" noEditPoints="1" noAdjustHandles="1" noChangeArrowheads="1" noChangeShapeType="1" noTextEdit="1"/>
+          </p:cNvSpPr>
+          <p:nvPr>
+            <p:extLst>
+              <p:ext uri="{386F3935-93C4-4BCD-93E2-E3B085C9AB24}">
+                <p16:designElem xmlns:p16="http://schemas.microsoft.com/office/powerpoint/2015/main" val="1"/>
+              </p:ext>
+            </p:extLst>
+          </p:nvPr>
+        </p:nvSpPr>
+        <p:spPr>
+          <a:xfrm>
+            <a:off x="0" y="0"/>
+            <a:ext cx="12192001" cy="6858000"/>
+          </a:xfrm>
+          <a:prstGeom prst="rect">
+            <a:avLst/>
+          </a:prstGeom>
+          <a:solidFill>
+            <a:srgbClr val="AEAEAE">
+              <a:alpha val="10000"/>
+            </a:srgbClr>
+          </a:solidFill>
+          <a:ln>
+            <a:noFill/>
+          </a:ln>
+        </p:spPr>
+        <p:style>
+          <a:lnRef idx="2">
+            <a:schemeClr val="accent1">
+              <a:shade val="50000"/>
+            </a:schemeClr>
+          </a:lnRef>
+          <a:fillRef idx="1">
+            <a:schemeClr val="accent1"/>
+          </a:fillRef>
+          <a:effectRef idx="0">
+            <a:schemeClr val="accent1"/>
+          </a:effectRef>
+          <a:fontRef idx="minor">
+            <a:schemeClr val="lt1"/>
+          </a:fontRef>
+        </p:style>
+        <p:txBody>
+          <a:bodyPr rtlCol="0" anchor="ctr"/>
+          <a:lstStyle/>
+          <a:p>
+            <a:pPr algn="ctr"/>
+            <a:endParaRPr lang="en-US" dirty="0"/>
+          </a:p>
+        </p:txBody>
+      </p:sp>
+      <p:sp>
+        <p:nvSpPr>
+          <p:cNvPr id="101" name="Freeform: Shape 12">
             <a:extLst>
               <a:ext uri="{FF2B5EF4-FFF2-40B4-BE49-F238E27FC236}">
                 <a16:creationId xmlns:a16="http://schemas.microsoft.com/office/drawing/2014/main" id="{4D39700F-2B10-4402-A7DD-06EE2245880D}"/>
@@ -7633,7 +8887,7 @@
       </p:sp>
       <p:sp useBgFill="1">
         <p:nvSpPr>
-          <p:cNvPr id="37" name="Background Fill">
+          <p:cNvPr id="102" name="Background Fill">
             <a:extLst>
               <a:ext uri="{FF2B5EF4-FFF2-40B4-BE49-F238E27FC236}">
                 <a16:creationId xmlns:a16="http://schemas.microsoft.com/office/drawing/2014/main" id="{6DA65B90-7B06-4499-91BA-CDDD36132481}"/>
@@ -7693,10 +8947,10 @@
       </p:sp>
       <p:sp>
         <p:nvSpPr>
-          <p:cNvPr id="38" name="Rectangle 30">
-            <a:extLst>
-              <a:ext uri="{FF2B5EF4-FFF2-40B4-BE49-F238E27FC236}">
-                <a16:creationId xmlns:a16="http://schemas.microsoft.com/office/drawing/2014/main" id="{D1FFE435-0754-492D-B815-BD114217D379}"/>
+          <p:cNvPr id="103" name="Rectangle 16">
+            <a:extLst>
+              <a:ext uri="{FF2B5EF4-FFF2-40B4-BE49-F238E27FC236}">
+                <a16:creationId xmlns:a16="http://schemas.microsoft.com/office/drawing/2014/main" id="{5C7BC1E0-1C8D-47CB-B48A-D3D0D2EF0E3A}"/>
               </a:ext>
               <a:ext uri="{C183D7F6-B498-43B3-948B-1728B52AA6E4}">
                 <adec:decorative xmlns:adec="http://schemas.microsoft.com/office/drawing/2017/decorative" val="1"/>
@@ -7758,10 +9012,10 @@
       </p:sp>
       <p:sp>
         <p:nvSpPr>
-          <p:cNvPr id="39" name="Freeform: Shape 32">
-            <a:extLst>
-              <a:ext uri="{FF2B5EF4-FFF2-40B4-BE49-F238E27FC236}">
-                <a16:creationId xmlns:a16="http://schemas.microsoft.com/office/drawing/2014/main" id="{7EF79062-B5BB-45DF-810C-95A324A9D60F}"/>
+          <p:cNvPr id="19" name="Freeform: Shape 18">
+            <a:extLst>
+              <a:ext uri="{FF2B5EF4-FFF2-40B4-BE49-F238E27FC236}">
+                <a16:creationId xmlns:a16="http://schemas.microsoft.com/office/drawing/2014/main" id="{3AD1C04B-04EF-43BA-B2AB-6F52AF8B943A}"/>
               </a:ext>
               <a:ext uri="{C183D7F6-B498-43B3-948B-1728B52AA6E4}">
                 <adec:decorative xmlns:adec="http://schemas.microsoft.com/office/drawing/2017/decorative" val="1"/>
@@ -7780,63 +9034,55 @@
           </p:nvPr>
         </p:nvSpPr>
         <p:spPr>
-          <a:xfrm flipH="1" flipV="1">
-            <a:off x="0" y="2140699"/>
-            <a:ext cx="12192000" cy="4717301"/>
+          <a:xfrm>
+            <a:off x="3049" y="1"/>
+            <a:ext cx="6939937" cy="6453893"/>
           </a:xfrm>
           <a:custGeom>
             <a:avLst/>
             <a:gdLst>
-              <a:gd name="connsiteX0" fmla="*/ 8930642 w 12192000"/>
-              <a:gd name="connsiteY0" fmla="*/ 4273734 h 4717301"/>
-              <a:gd name="connsiteX1" fmla="*/ 9143134 w 12192000"/>
-              <a:gd name="connsiteY1" fmla="*/ 4396362 h 4717301"/>
-              <a:gd name="connsiteX2" fmla="*/ 9043549 w 12192000"/>
-              <a:gd name="connsiteY2" fmla="*/ 4693978 h 4717301"/>
-              <a:gd name="connsiteX3" fmla="*/ 8745984 w 12192000"/>
-              <a:gd name="connsiteY3" fmla="*/ 4594249 h 4717301"/>
-              <a:gd name="connsiteX4" fmla="*/ 8845568 w 12192000"/>
-              <a:gd name="connsiteY4" fmla="*/ 4296634 h 4717301"/>
-              <a:gd name="connsiteX5" fmla="*/ 8930642 w 12192000"/>
-              <a:gd name="connsiteY5" fmla="*/ 4273734 h 4717301"/>
-              <a:gd name="connsiteX6" fmla="*/ 9842642 w 12192000"/>
-              <a:gd name="connsiteY6" fmla="*/ 3718743 h 4717301"/>
-              <a:gd name="connsiteX7" fmla="*/ 10272210 w 12192000"/>
-              <a:gd name="connsiteY7" fmla="*/ 3966645 h 4717301"/>
-              <a:gd name="connsiteX8" fmla="*/ 10070896 w 12192000"/>
-              <a:gd name="connsiteY8" fmla="*/ 4568292 h 4717301"/>
-              <a:gd name="connsiteX9" fmla="*/ 9469346 w 12192000"/>
-              <a:gd name="connsiteY9" fmla="*/ 4366686 h 4717301"/>
-              <a:gd name="connsiteX10" fmla="*/ 9670660 w 12192000"/>
-              <a:gd name="connsiteY10" fmla="*/ 3765038 h 4717301"/>
-              <a:gd name="connsiteX11" fmla="*/ 9842642 w 12192000"/>
-              <a:gd name="connsiteY11" fmla="*/ 3718743 h 4717301"/>
-              <a:gd name="connsiteX12" fmla="*/ 0 w 12192000"/>
-              <a:gd name="connsiteY12" fmla="*/ 0 h 4717301"/>
-              <a:gd name="connsiteX13" fmla="*/ 12192000 w 12192000"/>
-              <a:gd name="connsiteY13" fmla="*/ 0 h 4717301"/>
-              <a:gd name="connsiteX14" fmla="*/ 12192000 w 12192000"/>
-              <a:gd name="connsiteY14" fmla="*/ 3369891 h 4717301"/>
-              <a:gd name="connsiteX15" fmla="*/ 12124015 w 12192000"/>
-              <a:gd name="connsiteY15" fmla="*/ 3410713 h 4717301"/>
-              <a:gd name="connsiteX16" fmla="*/ 11077457 w 12192000"/>
-              <a:gd name="connsiteY16" fmla="*/ 3501725 h 4717301"/>
-              <a:gd name="connsiteX17" fmla="*/ 9867246 w 12192000"/>
-              <a:gd name="connsiteY17" fmla="*/ 3351592 h 4717301"/>
-              <a:gd name="connsiteX18" fmla="*/ 8994802 w 12192000"/>
-              <a:gd name="connsiteY18" fmla="*/ 3878378 h 4717301"/>
-              <a:gd name="connsiteX19" fmla="*/ 6994655 w 12192000"/>
-              <a:gd name="connsiteY19" fmla="*/ 4335637 h 4717301"/>
-              <a:gd name="connsiteX20" fmla="*/ 6287534 w 12192000"/>
-              <a:gd name="connsiteY20" fmla="*/ 3714199 h 4717301"/>
-              <a:gd name="connsiteX21" fmla="*/ 4392596 w 12192000"/>
-              <a:gd name="connsiteY21" fmla="*/ 3392344 h 4717301"/>
-              <a:gd name="connsiteX22" fmla="*/ 3014500 w 12192000"/>
-              <a:gd name="connsiteY22" fmla="*/ 4100222 h 4717301"/>
-              <a:gd name="connsiteX23" fmla="*/ 86414 w 12192000"/>
-              <a:gd name="connsiteY23" fmla="*/ 3903305 h 4717301"/>
-              <a:gd name="connsiteX24" fmla="*/ 0 w 12192000"/>
-              <a:gd name="connsiteY24" fmla="*/ 3840566 h 4717301"/>
+              <a:gd name="connsiteX0" fmla="*/ 111814 w 4695433"/>
+              <a:gd name="connsiteY0" fmla="*/ 3049004 h 4582435"/>
+              <a:gd name="connsiteX1" fmla="*/ 297409 w 4695433"/>
+              <a:gd name="connsiteY1" fmla="*/ 3091902 h 4582435"/>
+              <a:gd name="connsiteX2" fmla="*/ 416673 w 4695433"/>
+              <a:gd name="connsiteY2" fmla="*/ 3537003 h 4582435"/>
+              <a:gd name="connsiteX3" fmla="*/ 31751 w 4695433"/>
+              <a:gd name="connsiteY3" fmla="*/ 3683368 h 4582435"/>
+              <a:gd name="connsiteX4" fmla="*/ 0 w 4695433"/>
+              <a:gd name="connsiteY4" fmla="*/ 3669070 h 4582435"/>
+              <a:gd name="connsiteX5" fmla="*/ 0 w 4695433"/>
+              <a:gd name="connsiteY5" fmla="*/ 3079852 h 4582435"/>
+              <a:gd name="connsiteX6" fmla="*/ 35156 w 4695433"/>
+              <a:gd name="connsiteY6" fmla="*/ 3063756 h 4582435"/>
+              <a:gd name="connsiteX7" fmla="*/ 111814 w 4695433"/>
+              <a:gd name="connsiteY7" fmla="*/ 3049004 h 4582435"/>
+              <a:gd name="connsiteX8" fmla="*/ 0 w 4695433"/>
+              <a:gd name="connsiteY8" fmla="*/ 0 h 4582435"/>
+              <a:gd name="connsiteX9" fmla="*/ 4695433 w 4695433"/>
+              <a:gd name="connsiteY9" fmla="*/ 0 h 4582435"/>
+              <a:gd name="connsiteX10" fmla="*/ 4663044 w 4695433"/>
+              <a:gd name="connsiteY10" fmla="*/ 68762 h 4582435"/>
+              <a:gd name="connsiteX11" fmla="*/ 4571319 w 4695433"/>
+              <a:gd name="connsiteY11" fmla="*/ 201411 h 4582435"/>
+              <a:gd name="connsiteX12" fmla="*/ 4099777 w 4695433"/>
+              <a:gd name="connsiteY12" fmla="*/ 504347 h 4582435"/>
+              <a:gd name="connsiteX13" fmla="*/ 3811860 w 4695433"/>
+              <a:gd name="connsiteY13" fmla="*/ 1682068 h 4582435"/>
+              <a:gd name="connsiteX14" fmla="*/ 3167043 w 4695433"/>
+              <a:gd name="connsiteY14" fmla="*/ 4278500 h 4582435"/>
+              <a:gd name="connsiteX15" fmla="*/ 2640955 w 4695433"/>
+              <a:gd name="connsiteY15" fmla="*/ 4485587 h 4582435"/>
+              <a:gd name="connsiteX16" fmla="*/ 1495663 w 4695433"/>
+              <a:gd name="connsiteY16" fmla="*/ 4435228 h 4582435"/>
+              <a:gd name="connsiteX17" fmla="*/ 1020813 w 4695433"/>
+              <a:gd name="connsiteY17" fmla="*/ 3838149 h 4582435"/>
+              <a:gd name="connsiteX18" fmla="*/ 626404 w 4695433"/>
+              <a:gd name="connsiteY18" fmla="*/ 3045292 h 4582435"/>
+              <a:gd name="connsiteX19" fmla="*/ 147061 w 4695433"/>
+              <a:gd name="connsiteY19" fmla="*/ 2765401 h 4582435"/>
+              <a:gd name="connsiteX20" fmla="*/ 0 w 4695433"/>
+              <a:gd name="connsiteY20" fmla="*/ 2736690 h 4582435"/>
             </a:gdLst>
             <a:ahLst/>
             <a:cxnLst>
@@ -7903,134 +9149,99 @@
               <a:cxn ang="0">
                 <a:pos x="connsiteX20" y="connsiteY20"/>
               </a:cxn>
-              <a:cxn ang="0">
-                <a:pos x="connsiteX21" y="connsiteY21"/>
-              </a:cxn>
-              <a:cxn ang="0">
-                <a:pos x="connsiteX22" y="connsiteY22"/>
-              </a:cxn>
-              <a:cxn ang="0">
-                <a:pos x="connsiteX23" y="connsiteY23"/>
-              </a:cxn>
-              <a:cxn ang="0">
-                <a:pos x="connsiteX24" y="connsiteY24"/>
-              </a:cxn>
             </a:cxnLst>
             <a:rect l="l" t="t" r="r" b="b"/>
             <a:pathLst>
-              <a:path w="12192000" h="4717301">
+              <a:path w="4695433" h="4582435">
                 <a:moveTo>
-                  <a:pt x="8930642" y="4273734"/>
+                  <a:pt x="111814" y="3049004"/>
                 </a:moveTo>
                 <a:cubicBezTo>
-                  <a:pt x="9016941" y="4268381"/>
-                  <a:pt x="9102130" y="4314070"/>
-                  <a:pt x="9143134" y="4396362"/>
-                </a:cubicBezTo>
-                <a:cubicBezTo>
-                  <a:pt x="9197806" y="4506087"/>
-                  <a:pt x="9153221" y="4639333"/>
-                  <a:pt x="9043549" y="4693978"/>
-                </a:cubicBezTo>
-                <a:cubicBezTo>
-                  <a:pt x="8933879" y="4748622"/>
-                  <a:pt x="8800655" y="4703973"/>
-                  <a:pt x="8745984" y="4594249"/>
-                </a:cubicBezTo>
-                <a:cubicBezTo>
-                  <a:pt x="8691311" y="4484525"/>
-                  <a:pt x="8735897" y="4351279"/>
-                  <a:pt x="8845568" y="4296634"/>
-                </a:cubicBezTo>
-                <a:cubicBezTo>
-                  <a:pt x="8872986" y="4282973"/>
-                  <a:pt x="8901875" y="4275517"/>
-                  <a:pt x="8930642" y="4273734"/>
-                </a:cubicBezTo>
-                <a:close/>
-                <a:moveTo>
-                  <a:pt x="9842642" y="3718743"/>
-                </a:moveTo>
-                <a:cubicBezTo>
-                  <a:pt x="10017101" y="3707923"/>
-                  <a:pt x="10189318" y="3800286"/>
-                  <a:pt x="10272210" y="3966645"/>
-                </a:cubicBezTo>
-                <a:cubicBezTo>
-                  <a:pt x="10382732" y="4188458"/>
-                  <a:pt x="10292600" y="4457825"/>
-                  <a:pt x="10070896" y="4568292"/>
-                </a:cubicBezTo>
-                <a:cubicBezTo>
-                  <a:pt x="9849191" y="4678760"/>
-                  <a:pt x="9579867" y="4588498"/>
-                  <a:pt x="9469346" y="4366686"/>
-                </a:cubicBezTo>
-                <a:cubicBezTo>
-                  <a:pt x="9358824" y="4144873"/>
-                  <a:pt x="9448956" y="3875506"/>
-                  <a:pt x="9670660" y="3765038"/>
-                </a:cubicBezTo>
-                <a:cubicBezTo>
-                  <a:pt x="9726087" y="3737421"/>
-                  <a:pt x="9784490" y="3722349"/>
-                  <a:pt x="9842642" y="3718743"/>
+                  <a:pt x="174417" y="3044581"/>
+                  <a:pt x="238967" y="3058160"/>
+                  <a:pt x="297409" y="3091902"/>
+                </a:cubicBezTo>
+                <a:cubicBezTo>
+                  <a:pt x="453255" y="3181878"/>
+                  <a:pt x="506651" y="3381158"/>
+                  <a:pt x="416673" y="3537003"/>
+                </a:cubicBezTo>
+                <a:cubicBezTo>
+                  <a:pt x="337943" y="3673368"/>
+                  <a:pt x="175529" y="3731295"/>
+                  <a:pt x="31751" y="3683368"/>
+                </a:cubicBezTo>
+                <a:lnTo>
+                  <a:pt x="0" y="3669070"/>
+                </a:lnTo>
+                <a:lnTo>
+                  <a:pt x="0" y="3079852"/>
+                </a:lnTo>
+                <a:lnTo>
+                  <a:pt x="35156" y="3063756"/>
+                </a:lnTo>
+                <a:cubicBezTo>
+                  <a:pt x="59982" y="3055817"/>
+                  <a:pt x="85729" y="3050848"/>
+                  <a:pt x="111814" y="3049004"/>
                 </a:cubicBezTo>
                 <a:close/>
                 <a:moveTo>
                   <a:pt x="0" y="0"/>
                 </a:moveTo>
                 <a:lnTo>
-                  <a:pt x="12192000" y="0"/>
+                  <a:pt x="4695433" y="0"/>
                 </a:lnTo>
                 <a:lnTo>
-                  <a:pt x="12192000" y="3369891"/>
+                  <a:pt x="4663044" y="68762"/>
                 </a:lnTo>
+                <a:cubicBezTo>
+                  <a:pt x="4636274" y="118744"/>
+                  <a:pt x="4605467" y="163546"/>
+                  <a:pt x="4571319" y="201411"/>
+                </a:cubicBezTo>
+                <a:cubicBezTo>
+                  <a:pt x="4449886" y="335755"/>
+                  <a:pt x="4268949" y="426743"/>
+                  <a:pt x="4099777" y="504347"/>
+                </a:cubicBezTo>
+                <a:cubicBezTo>
+                  <a:pt x="3604896" y="731933"/>
+                  <a:pt x="3591784" y="1317548"/>
+                  <a:pt x="3811860" y="1682068"/>
+                </a:cubicBezTo>
+                <a:cubicBezTo>
+                  <a:pt x="4454413" y="2741008"/>
+                  <a:pt x="4084752" y="3706193"/>
+                  <a:pt x="3167043" y="4278500"/>
+                </a:cubicBezTo>
+                <a:cubicBezTo>
+                  <a:pt x="3009772" y="4376529"/>
+                  <a:pt x="2817700" y="4417630"/>
+                  <a:pt x="2640955" y="4485587"/>
+                </a:cubicBezTo>
+                <a:cubicBezTo>
+                  <a:pt x="2250950" y="4603206"/>
+                  <a:pt x="1866703" y="4642930"/>
+                  <a:pt x="1495663" y="4435228"/>
+                </a:cubicBezTo>
+                <a:cubicBezTo>
+                  <a:pt x="1259049" y="4302759"/>
+                  <a:pt x="1121911" y="4090107"/>
+                  <a:pt x="1020813" y="3838149"/>
+                </a:cubicBezTo>
+                <a:cubicBezTo>
+                  <a:pt x="910679" y="3564211"/>
+                  <a:pt x="784571" y="3292847"/>
+                  <a:pt x="626404" y="3045292"/>
+                </a:cubicBezTo>
+                <a:cubicBezTo>
+                  <a:pt x="516355" y="2873268"/>
+                  <a:pt x="336073" y="2807363"/>
+                  <a:pt x="147061" y="2765401"/>
+                </a:cubicBezTo>
                 <a:lnTo>
-                  <a:pt x="12124015" y="3410713"/>
-                </a:lnTo>
-                <a:cubicBezTo>
-                  <a:pt x="11792041" y="3581538"/>
-                  <a:pt x="11443617" y="3577252"/>
-                  <a:pt x="11077457" y="3501725"/>
-                </a:cubicBezTo>
-                <a:cubicBezTo>
-                  <a:pt x="10679189" y="3419860"/>
-                  <a:pt x="10271734" y="3358281"/>
-                  <a:pt x="9867246" y="3351592"/>
-                </a:cubicBezTo>
-                <a:cubicBezTo>
-                  <a:pt x="9492336" y="3345611"/>
-                  <a:pt x="9239136" y="3626329"/>
-                  <a:pt x="8994802" y="3878378"/>
-                </a:cubicBezTo>
-                <a:cubicBezTo>
-                  <a:pt x="8385954" y="4506678"/>
-                  <a:pt x="7695268" y="4690742"/>
-                  <a:pt x="6994655" y="4335637"/>
-                </a:cubicBezTo>
-                <a:cubicBezTo>
-                  <a:pt x="6722938" y="4197922"/>
-                  <a:pt x="6494843" y="3948626"/>
-                  <a:pt x="6287534" y="3714199"/>
-                </a:cubicBezTo>
-                <a:cubicBezTo>
-                  <a:pt x="5731733" y="3085491"/>
-                  <a:pt x="5043559" y="3067499"/>
-                  <a:pt x="4392596" y="3392344"/>
-                </a:cubicBezTo>
-                <a:cubicBezTo>
-                  <a:pt x="3930423" y="3623867"/>
-                  <a:pt x="3492022" y="3908604"/>
-                  <a:pt x="3014500" y="4100222"/>
-                </a:cubicBezTo>
-                <a:cubicBezTo>
-                  <a:pt x="1977820" y="4518409"/>
-                  <a:pt x="973242" y="4499486"/>
-                  <a:pt x="86414" y="3903305"/>
-                </a:cubicBezTo>
-                <a:lnTo>
-                  <a:pt x="0" y="3840566"/>
+                  <a:pt x="0" y="2736690"/>
                 </a:lnTo>
                 <a:close/>
               </a:path>
@@ -8060,63 +9271,204 @@
           </a:fontRef>
         </p:style>
         <p:txBody>
-          <a:bodyPr rtlCol="0" anchor="ctr"/>
+          <a:bodyPr wrap="square" rtlCol="0" anchor="ctr">
+            <a:noAutofit/>
+          </a:bodyPr>
           <a:lstStyle/>
           <a:p>
             <a:pPr algn="ctr"/>
             <a:endParaRPr lang="en-US"/>
+          </a:p>
+        </p:txBody>
+      </p:sp>
+      <p:pic>
+        <p:nvPicPr>
+          <p:cNvPr id="6" name="Θέση εικόνας 5" descr="Εικόνα που περιέχει γράφημα, στιγμιότυπο οθόνης, διάγραμμα, γραμμή&#10;&#10;Περιγραφή που δημιουργήθηκε αυτόματα">
+            <a:extLst>
+              <a:ext uri="{FF2B5EF4-FFF2-40B4-BE49-F238E27FC236}">
+                <a16:creationId xmlns:a16="http://schemas.microsoft.com/office/drawing/2014/main" id="{CDCE1CB7-FF82-3699-AA34-EABC515B027B}"/>
+              </a:ext>
+            </a:extLst>
+          </p:cNvPr>
+          <p:cNvPicPr>
+            <a:picLocks noGrp="1" noChangeAspect="1"/>
+          </p:cNvPicPr>
+          <p:nvPr>
+            <p:ph type="pic" idx="1"/>
+          </p:nvPr>
+        </p:nvPicPr>
+        <p:blipFill>
+          <a:blip r:embed="rId2"/>
+          <a:srcRect l="2735" r="2735"/>
+          <a:stretch/>
+        </p:blipFill>
+        <p:spPr>
+          <a:xfrm>
+            <a:off x="5546878" y="404106"/>
+            <a:ext cx="6176705" cy="6093069"/>
+          </a:xfrm>
+          <a:prstGeom prst="rect">
+            <a:avLst/>
+          </a:prstGeom>
+        </p:spPr>
+      </p:pic>
+      <p:sp>
+        <p:nvSpPr>
+          <p:cNvPr id="104" name="Θέση κειμένου 3">
+            <a:extLst>
+              <a:ext uri="{FF2B5EF4-FFF2-40B4-BE49-F238E27FC236}">
+                <a16:creationId xmlns:a16="http://schemas.microsoft.com/office/drawing/2014/main" id="{96F299D3-E75E-5D0C-EB46-DEC54EDE0797}"/>
+              </a:ext>
+            </a:extLst>
+          </p:cNvPr>
+          <p:cNvSpPr>
+            <a:spLocks noGrp="1"/>
+          </p:cNvSpPr>
+          <p:nvPr>
+            <p:ph type="body" sz="half" idx="2"/>
+          </p:nvPr>
+        </p:nvSpPr>
+        <p:spPr>
+          <a:xfrm>
+            <a:off x="612649" y="544945"/>
+            <a:ext cx="4670551" cy="5908949"/>
+          </a:xfrm>
+        </p:spPr>
+        <p:txBody>
+          <a:bodyPr>
+            <a:normAutofit/>
+          </a:bodyPr>
+          <a:lstStyle/>
+          <a:p>
+            <a:r>
+              <a:rPr lang="el-GR" dirty="0"/>
+              <a:t>Για να αντιληφθούμε καλύτερα την απόκλιση των δύο καμπυλών, τις αναπαριστούμε στο ίδιο διάγραμμα έτσι ώστε να πέσει η μία πάνω στην άλλη. Η καλύτερη εικόνα εμφανίζεται για τα μεγαλύτερα μήκη κύματος (&gt;600</a:t>
+            </a:r>
+            <a:r>
+              <a:rPr lang="en-US" dirty="0"/>
+              <a:t>nm</a:t>
+            </a:r>
+            <a:r>
+              <a:rPr lang="en-GB" dirty="0"/>
+              <a:t>)</a:t>
+            </a:r>
+            <a:r>
+              <a:rPr lang="el-GR" dirty="0"/>
+              <a:t> ενώ στα μεσαία και χαμηλότερα μήκη κύματος παρατηρούνται αποκλίσεις, οι οποίες όμως δεν είναι εξαιρετικά μεγάλες. Συμπερασματικά μπορούμε να πούμε ότι, στην συγκεκριμένη περίπτωση, το σετ δεδομένων με την μικρότερη ακρίβεια πλησιάζει ικανοποιητικά το σετ δεομένων με την μεγαλύτερη ακρίβεια, το οποίο όμως έχει τιμές σε μικρότερο εύρος του φάσματος της ηλιακής ακτινοβολίας. Σε κάθε περίπτωση, πριν από κάποια μελέτη, πρέπει να αναλογιστούμε ποιο από τα δύο θα καλύψει τις εκάστοτε ανάγκες της έρευνας, δηλαδή αν επιθυμούμε μεγαλύτερη ακρίβεια ή εύρος στο φάσμα των μετρήσεών μας.</a:t>
+            </a:r>
+            <a:endParaRPr lang="en-GB" dirty="0"/>
+          </a:p>
+        </p:txBody>
+      </p:sp>
+    </p:spTree>
+    <p:extLst>
+      <p:ext uri="{BB962C8B-B14F-4D97-AF65-F5344CB8AC3E}">
+        <p14:creationId xmlns:p14="http://schemas.microsoft.com/office/powerpoint/2010/main" val="3639020863"/>
+      </p:ext>
+    </p:extLst>
+  </p:cSld>
+  <p:clrMapOvr>
+    <a:masterClrMapping/>
+  </p:clrMapOvr>
+</p:sld>
+</file>
+
+<file path=ppt/slides/slide21.xml><?xml version="1.0" encoding="utf-8"?>
+<p:sld xmlns:a="http://schemas.openxmlformats.org/drawingml/2006/main" xmlns:r="http://schemas.openxmlformats.org/officeDocument/2006/relationships" xmlns:p="http://schemas.openxmlformats.org/presentationml/2006/main">
+  <p:cSld>
+    <p:spTree>
+      <p:nvGrpSpPr>
+        <p:cNvPr id="1" name=""/>
+        <p:cNvGrpSpPr/>
+        <p:nvPr/>
+      </p:nvGrpSpPr>
+      <p:grpSpPr>
+        <a:xfrm>
+          <a:off x="0" y="0"/>
+          <a:ext cx="0" cy="0"/>
+          <a:chOff x="0" y="0"/>
+          <a:chExt cx="0" cy="0"/>
+        </a:xfrm>
+      </p:grpSpPr>
+      <p:sp>
+        <p:nvSpPr>
+          <p:cNvPr id="3" name="TextBox 2">
+            <a:extLst>
+              <a:ext uri="{FF2B5EF4-FFF2-40B4-BE49-F238E27FC236}">
+                <a16:creationId xmlns:a16="http://schemas.microsoft.com/office/drawing/2014/main" id="{90F6385D-B3FB-451B-B424-C9F0E1C42B9C}"/>
+              </a:ext>
+            </a:extLst>
+          </p:cNvPr>
+          <p:cNvSpPr txBox="1"/>
+          <p:nvPr/>
+        </p:nvSpPr>
+        <p:spPr>
+          <a:xfrm>
+            <a:off x="1288473" y="2228671"/>
+            <a:ext cx="9615054" cy="1200329"/>
+          </a:xfrm>
+          <a:prstGeom prst="rect">
+            <a:avLst/>
+          </a:prstGeom>
+          <a:noFill/>
+        </p:spPr>
+        <p:txBody>
+          <a:bodyPr wrap="square" rtlCol="0">
+            <a:spAutoFit/>
+          </a:bodyPr>
+          <a:lstStyle/>
+          <a:p>
+            <a:pPr algn="ctr"/>
+            <a:r>
+              <a:rPr lang="el-GR" dirty="0"/>
+              <a:t>Η επεξεργασία των δεδομένων καθώς και η εξαγωγή των γραφικών παραστάσεων έγινε αποκλειστικά με την χρήση </a:t>
+            </a:r>
+            <a:r>
+              <a:rPr lang="en-US" dirty="0"/>
+              <a:t>P</a:t>
+            </a:r>
+            <a:r>
+              <a:rPr lang="en-GB" dirty="0" err="1"/>
+              <a:t>ython</a:t>
+            </a:r>
+            <a:r>
+              <a:rPr lang="en-GB" dirty="0"/>
+              <a:t> </a:t>
+            </a:r>
+            <a:r>
+              <a:rPr lang="el-GR" dirty="0"/>
+              <a:t>στο προγραμματιστικό περιβάλλον </a:t>
+            </a:r>
+            <a:r>
+              <a:rPr lang="en-US" dirty="0" err="1"/>
+              <a:t>Jupyter</a:t>
+            </a:r>
+            <a:r>
+              <a:rPr lang="en-US" dirty="0"/>
+              <a:t>. </a:t>
+            </a:r>
+            <a:r>
+              <a:rPr lang="el-GR" dirty="0"/>
+              <a:t>Ο κώδικας, καθώς και τα υπόλοιπα αρχεία που τον συνοδεύουν μπορούν να βρεθούν στον προσωπικό μου λογαριασμό στο </a:t>
+            </a:r>
+            <a:r>
+              <a:rPr lang="en-US" dirty="0" err="1"/>
+              <a:t>Github</a:t>
+            </a:r>
+            <a:r>
+              <a:rPr lang="en-US" dirty="0"/>
+              <a:t> (https://github.com/nadezsha).</a:t>
+            </a:r>
+            <a:endParaRPr lang="en-GB" dirty="0"/>
           </a:p>
         </p:txBody>
       </p:sp>
       <p:sp>
         <p:nvSpPr>
-          <p:cNvPr id="2" name="Τίτλος 1">
-            <a:extLst>
-              <a:ext uri="{FF2B5EF4-FFF2-40B4-BE49-F238E27FC236}">
-                <a16:creationId xmlns:a16="http://schemas.microsoft.com/office/drawing/2014/main" id="{F1C5BCC6-C6B3-20E3-A381-01646A09BCC8}"/>
-              </a:ext>
-            </a:extLst>
-          </p:cNvPr>
-          <p:cNvSpPr>
-            <a:spLocks noGrp="1"/>
-          </p:cNvSpPr>
-          <p:nvPr>
-            <p:ph type="title"/>
-          </p:nvPr>
-        </p:nvSpPr>
-        <p:spPr>
-          <a:xfrm>
-            <a:off x="605202" y="14208"/>
-            <a:ext cx="6658405" cy="1451174"/>
-          </a:xfrm>
-        </p:spPr>
-        <p:txBody>
-          <a:bodyPr vert="horz" lIns="91440" tIns="45720" rIns="91440" bIns="45720" rtlCol="0" anchor="ctr">
-            <a:normAutofit/>
-          </a:bodyPr>
-          <a:lstStyle/>
-          <a:p>
-            <a:r>
-              <a:rPr lang="en-US" sz="5400" dirty="0"/>
-              <a:t>Μέρος 1</a:t>
-            </a:r>
-            <a:r>
-              <a:rPr lang="en-US" sz="5400" baseline="30000" dirty="0"/>
-              <a:t>ο</a:t>
-            </a:r>
-            <a:r>
-              <a:rPr lang="en-US" sz="5400" dirty="0"/>
-              <a:t> </a:t>
-            </a:r>
-          </a:p>
-        </p:txBody>
-      </p:sp>
-      <p:sp>
-        <p:nvSpPr>
-          <p:cNvPr id="5" name="TextBox 4">
-            <a:extLst>
-              <a:ext uri="{FF2B5EF4-FFF2-40B4-BE49-F238E27FC236}">
-                <a16:creationId xmlns:a16="http://schemas.microsoft.com/office/drawing/2014/main" id="{90305336-EB42-61B7-0499-E801EB8BC7DE}"/>
+          <p:cNvPr id="4" name="TextBox 3">
+            <a:extLst>
+              <a:ext uri="{FF2B5EF4-FFF2-40B4-BE49-F238E27FC236}">
+                <a16:creationId xmlns:a16="http://schemas.microsoft.com/office/drawing/2014/main" id="{8C0FDA16-0369-3B5A-E76F-67F51113772E}"/>
               </a:ext>
             </a:extLst>
           </p:cNvPr>
@@ -8125,82 +9477,33 @@
         </p:nvSpPr>
         <p:spPr>
           <a:xfrm>
-            <a:off x="608251" y="1064783"/>
-            <a:ext cx="10975498" cy="2685182"/>
+            <a:off x="1750291" y="4387213"/>
+            <a:ext cx="8243455" cy="523220"/>
           </a:xfrm>
           <a:prstGeom prst="rect">
             <a:avLst/>
           </a:prstGeom>
+          <a:noFill/>
         </p:spPr>
         <p:txBody>
-          <a:bodyPr vert="horz" lIns="91440" tIns="45720" rIns="91440" bIns="45720" rtlCol="0" anchor="ctr">
-            <a:normAutofit lnSpcReduction="10000"/>
+          <a:bodyPr wrap="square" rtlCol="0">
+            <a:spAutoFit/>
           </a:bodyPr>
           <a:lstStyle/>
           <a:p>
-            <a:pPr>
-              <a:lnSpc>
-                <a:spcPct val="110000"/>
-              </a:lnSpc>
-              <a:spcBef>
-                <a:spcPts val="1000"/>
-              </a:spcBef>
-              <a:buClr>
-                <a:schemeClr val="accent5"/>
-              </a:buClr>
-            </a:pPr>
-            <a:r>
-              <a:rPr lang="el-GR" sz="2000" dirty="0"/>
-              <a:t>Στο 1</a:t>
-            </a:r>
-            <a:r>
-              <a:rPr lang="el-GR" sz="2000" baseline="30000" dirty="0"/>
-              <a:t>ο</a:t>
-            </a:r>
-            <a:r>
-              <a:rPr lang="el-GR" sz="2000" dirty="0"/>
-              <a:t> μέρος της εργασίας αυτής, επεξεργαζόμαστε δεδομένα από 3 διαφορετικές ως προς το γεωγραφικό πλάτος περιοχές. Οι περιοχές αυτές είναι ο Ισημερινός, τα μέσα πλάτη και τα υποαρκτικά πλάτη. Ο Ισημερινός, ως γνωστόν, δεν παρουσιάζει μεγάλες μεταβολές κατά την διάρκεια του χρόνου, σε αντίθεση με όλες τις υπόλοιπες περιοχές του πλανήτη. Για τον λόγο αυτό, για τον Ισημερινό μελετάμε ένα σετ δεδομένων ενώ για τις άλλες δύο περιοχές διαθέτουμε από 2 σετ δεδομένων, ένα για το καλοκαίρι και ένα για τον χειμώνα, έτσι ώστε να μπορούμε να μελετήσουμε τυχόν εποχικές μεταβολές. Τα δεδομένα που διαθέτουμε είναι συναρτήσεις του ύψους και φαίνονται, ενδεικτικά, στον παρακάτω πίνακα. </a:t>
-            </a:r>
-            <a:endParaRPr lang="en-US" sz="2000" dirty="0"/>
+            <a:pPr algn="ctr"/>
+            <a:r>
+              <a:rPr lang="el-GR" sz="2800" i="1" dirty="0"/>
+              <a:t>Ευχαριστώ για την προσοχή σας.</a:t>
+            </a:r>
+            <a:endParaRPr lang="en-GB" sz="2800" i="1" dirty="0"/>
           </a:p>
         </p:txBody>
       </p:sp>
-      <p:pic>
-        <p:nvPicPr>
-          <p:cNvPr id="7" name="Θέση περιεχομένου 6">
-            <a:extLst>
-              <a:ext uri="{FF2B5EF4-FFF2-40B4-BE49-F238E27FC236}">
-                <a16:creationId xmlns:a16="http://schemas.microsoft.com/office/drawing/2014/main" id="{352B3EDC-AD9A-7B02-CAE3-825146698993}"/>
-              </a:ext>
-            </a:extLst>
-          </p:cNvPr>
-          <p:cNvPicPr>
-            <a:picLocks noGrp="1" noChangeAspect="1"/>
-          </p:cNvPicPr>
-          <p:nvPr>
-            <p:ph idx="1"/>
-          </p:nvPr>
-        </p:nvPicPr>
-        <p:blipFill>
-          <a:blip r:embed="rId2"/>
-          <a:stretch>
-            <a:fillRect/>
-          </a:stretch>
-        </p:blipFill>
-        <p:spPr>
-          <a:xfrm>
-            <a:off x="1971399" y="4110183"/>
-            <a:ext cx="8249201" cy="1978124"/>
-          </a:xfrm>
-          <a:prstGeom prst="rect">
-            <a:avLst/>
-          </a:prstGeom>
-        </p:spPr>
-      </p:pic>
     </p:spTree>
     <p:extLst>
       <p:ext uri="{BB962C8B-B14F-4D97-AF65-F5344CB8AC3E}">
-        <p14:creationId xmlns:p14="http://schemas.microsoft.com/office/powerpoint/2010/main" val="3587230318"/>
+        <p14:creationId xmlns:p14="http://schemas.microsoft.com/office/powerpoint/2010/main" val="1193738633"/>
       </p:ext>
     </p:extLst>
   </p:cSld>
@@ -8227,194 +9530,6 @@
           <a:chExt cx="0" cy="0"/>
         </a:xfrm>
       </p:grpSpPr>
-      <p:pic>
-        <p:nvPicPr>
-          <p:cNvPr id="2" name="Picture 4">
-            <a:extLst>
-              <a:ext uri="{FF2B5EF4-FFF2-40B4-BE49-F238E27FC236}">
-                <a16:creationId xmlns:a16="http://schemas.microsoft.com/office/drawing/2014/main" id="{5FEC10A5-476D-B4D0-52CB-CA70A0C7D0D2}"/>
-              </a:ext>
-            </a:extLst>
-          </p:cNvPr>
-          <p:cNvPicPr>
-            <a:picLocks noChangeAspect="1" noChangeArrowheads="1"/>
-          </p:cNvPicPr>
-          <p:nvPr/>
-        </p:nvPicPr>
-        <p:blipFill>
-          <a:blip r:embed="rId2">
-            <a:extLst>
-              <a:ext uri="{28A0092B-C50C-407E-A947-70E740481C1C}">
-                <a14:useLocalDpi xmlns:a14="http://schemas.microsoft.com/office/drawing/2010/main" val="0"/>
-              </a:ext>
-            </a:extLst>
-          </a:blip>
-          <a:srcRect/>
-          <a:stretch>
-            <a:fillRect/>
-          </a:stretch>
-        </p:blipFill>
-        <p:spPr bwMode="auto">
-          <a:xfrm>
-            <a:off x="140999" y="95400"/>
-            <a:ext cx="3297985" cy="3333600"/>
-          </a:xfrm>
-          <a:prstGeom prst="rect">
-            <a:avLst/>
-          </a:prstGeom>
-          <a:noFill/>
-          <a:extLst>
-            <a:ext uri="{909E8E84-426E-40DD-AFC4-6F175D3DCCD1}">
-              <a14:hiddenFill xmlns:a14="http://schemas.microsoft.com/office/drawing/2010/main">
-                <a:solidFill>
-                  <a:srgbClr val="FFFFFF"/>
-                </a:solidFill>
-              </a14:hiddenFill>
-            </a:ext>
-          </a:extLst>
-        </p:spPr>
-      </p:pic>
-      <p:pic>
-        <p:nvPicPr>
-          <p:cNvPr id="3" name="Picture 6">
-            <a:extLst>
-              <a:ext uri="{FF2B5EF4-FFF2-40B4-BE49-F238E27FC236}">
-                <a16:creationId xmlns:a16="http://schemas.microsoft.com/office/drawing/2014/main" id="{56D54D7A-BF5D-EF8A-AD13-B9DCDDBC2287}"/>
-              </a:ext>
-            </a:extLst>
-          </p:cNvPr>
-          <p:cNvPicPr>
-            <a:picLocks noChangeAspect="1" noChangeArrowheads="1"/>
-          </p:cNvPicPr>
-          <p:nvPr/>
-        </p:nvPicPr>
-        <p:blipFill>
-          <a:blip r:embed="rId3">
-            <a:extLst>
-              <a:ext uri="{28A0092B-C50C-407E-A947-70E740481C1C}">
-                <a14:useLocalDpi xmlns:a14="http://schemas.microsoft.com/office/drawing/2010/main" val="0"/>
-              </a:ext>
-            </a:extLst>
-          </a:blip>
-          <a:srcRect/>
-          <a:stretch>
-            <a:fillRect/>
-          </a:stretch>
-        </p:blipFill>
-        <p:spPr bwMode="auto">
-          <a:xfrm>
-            <a:off x="3438984" y="95400"/>
-            <a:ext cx="3297985" cy="3333600"/>
-          </a:xfrm>
-          <a:prstGeom prst="rect">
-            <a:avLst/>
-          </a:prstGeom>
-          <a:noFill/>
-          <a:extLst>
-            <a:ext uri="{909E8E84-426E-40DD-AFC4-6F175D3DCCD1}">
-              <a14:hiddenFill xmlns:a14="http://schemas.microsoft.com/office/drawing/2010/main">
-                <a:solidFill>
-                  <a:srgbClr val="FFFFFF"/>
-                </a:solidFill>
-              </a14:hiddenFill>
-            </a:ext>
-          </a:extLst>
-        </p:spPr>
-      </p:pic>
-      <p:pic>
-        <p:nvPicPr>
-          <p:cNvPr id="4" name="Picture 8">
-            <a:extLst>
-              <a:ext uri="{FF2B5EF4-FFF2-40B4-BE49-F238E27FC236}">
-                <a16:creationId xmlns:a16="http://schemas.microsoft.com/office/drawing/2014/main" id="{D4ECA96C-F0CC-B8D6-C5D6-9AEFBD8A358F}"/>
-              </a:ext>
-            </a:extLst>
-          </p:cNvPr>
-          <p:cNvPicPr>
-            <a:picLocks noChangeAspect="1" noChangeArrowheads="1"/>
-          </p:cNvPicPr>
-          <p:nvPr/>
-        </p:nvPicPr>
-        <p:blipFill>
-          <a:blip r:embed="rId4">
-            <a:extLst>
-              <a:ext uri="{28A0092B-C50C-407E-A947-70E740481C1C}">
-                <a14:useLocalDpi xmlns:a14="http://schemas.microsoft.com/office/drawing/2010/main" val="0"/>
-              </a:ext>
-            </a:extLst>
-          </a:blip>
-          <a:srcRect/>
-          <a:stretch>
-            <a:fillRect/>
-          </a:stretch>
-        </p:blipFill>
-        <p:spPr bwMode="auto">
-          <a:xfrm>
-            <a:off x="140999" y="3429000"/>
-            <a:ext cx="3297985" cy="3333600"/>
-          </a:xfrm>
-          <a:prstGeom prst="rect">
-            <a:avLst/>
-          </a:prstGeom>
-          <a:noFill/>
-          <a:extLst>
-            <a:ext uri="{909E8E84-426E-40DD-AFC4-6F175D3DCCD1}">
-              <a14:hiddenFill xmlns:a14="http://schemas.microsoft.com/office/drawing/2010/main">
-                <a:solidFill>
-                  <a:srgbClr val="FFFFFF"/>
-                </a:solidFill>
-              </a14:hiddenFill>
-            </a:ext>
-          </a:extLst>
-        </p:spPr>
-      </p:pic>
-      <p:pic>
-        <p:nvPicPr>
-          <p:cNvPr id="5" name="Picture 10">
-            <a:extLst>
-              <a:ext uri="{FF2B5EF4-FFF2-40B4-BE49-F238E27FC236}">
-                <a16:creationId xmlns:a16="http://schemas.microsoft.com/office/drawing/2014/main" id="{214BD14B-41CD-D9C1-790B-484E8D69D5A4}"/>
-              </a:ext>
-            </a:extLst>
-          </p:cNvPr>
-          <p:cNvPicPr>
-            <a:picLocks noChangeAspect="1" noChangeArrowheads="1"/>
-          </p:cNvPicPr>
-          <p:nvPr/>
-        </p:nvPicPr>
-        <p:blipFill>
-          <a:blip r:embed="rId5">
-            <a:extLst>
-              <a:ext uri="{28A0092B-C50C-407E-A947-70E740481C1C}">
-                <a14:useLocalDpi xmlns:a14="http://schemas.microsoft.com/office/drawing/2010/main" val="0"/>
-              </a:ext>
-            </a:extLst>
-          </a:blip>
-          <a:srcRect/>
-          <a:stretch>
-            <a:fillRect/>
-          </a:stretch>
-        </p:blipFill>
-        <p:spPr bwMode="auto">
-          <a:xfrm>
-            <a:off x="3438983" y="3429000"/>
-            <a:ext cx="3297985" cy="3333600"/>
-          </a:xfrm>
-          <a:prstGeom prst="rect">
-            <a:avLst/>
-          </a:prstGeom>
-          <a:noFill/>
-          <a:extLst>
-            <a:ext uri="{909E8E84-426E-40DD-AFC4-6F175D3DCCD1}">
-              <a14:hiddenFill xmlns:a14="http://schemas.microsoft.com/office/drawing/2010/main">
-                <a:solidFill>
-                  <a:srgbClr val="FFFFFF"/>
-                </a:solidFill>
-              </a14:hiddenFill>
-            </a:ext>
-          </a:extLst>
-        </p:spPr>
-      </p:pic>
       <p:sp>
         <p:nvSpPr>
           <p:cNvPr id="6" name="TextBox 3">
@@ -8555,10 +9670,198 @@
       </p:sp>
       <p:pic>
         <p:nvPicPr>
-          <p:cNvPr id="7" name="Picture 2">
-            <a:extLst>
-              <a:ext uri="{FF2B5EF4-FFF2-40B4-BE49-F238E27FC236}">
-                <a16:creationId xmlns:a16="http://schemas.microsoft.com/office/drawing/2014/main" id="{49478C29-5474-09E8-17E0-0C039A55B819}"/>
+          <p:cNvPr id="1026" name="Picture 2">
+            <a:extLst>
+              <a:ext uri="{FF2B5EF4-FFF2-40B4-BE49-F238E27FC236}">
+                <a16:creationId xmlns:a16="http://schemas.microsoft.com/office/drawing/2014/main" id="{3C898D7B-BDFF-F275-EECB-F918F0504D6D}"/>
+              </a:ext>
+            </a:extLst>
+          </p:cNvPr>
+          <p:cNvPicPr>
+            <a:picLocks noChangeAspect="1" noChangeArrowheads="1"/>
+          </p:cNvPicPr>
+          <p:nvPr/>
+        </p:nvPicPr>
+        <p:blipFill>
+          <a:blip r:embed="rId2">
+            <a:extLst>
+              <a:ext uri="{28A0092B-C50C-407E-A947-70E740481C1C}">
+                <a14:useLocalDpi xmlns:a14="http://schemas.microsoft.com/office/drawing/2010/main" val="0"/>
+              </a:ext>
+            </a:extLst>
+          </a:blip>
+          <a:srcRect/>
+          <a:stretch>
+            <a:fillRect/>
+          </a:stretch>
+        </p:blipFill>
+        <p:spPr bwMode="auto">
+          <a:xfrm>
+            <a:off x="7949258" y="3524400"/>
+            <a:ext cx="3270702" cy="3333600"/>
+          </a:xfrm>
+          <a:prstGeom prst="rect">
+            <a:avLst/>
+          </a:prstGeom>
+          <a:noFill/>
+          <a:extLst>
+            <a:ext uri="{909E8E84-426E-40DD-AFC4-6F175D3DCCD1}">
+              <a14:hiddenFill xmlns:a14="http://schemas.microsoft.com/office/drawing/2010/main">
+                <a:solidFill>
+                  <a:srgbClr val="FFFFFF"/>
+                </a:solidFill>
+              </a14:hiddenFill>
+            </a:ext>
+          </a:extLst>
+        </p:spPr>
+      </p:pic>
+      <p:pic>
+        <p:nvPicPr>
+          <p:cNvPr id="1028" name="Picture 4">
+            <a:extLst>
+              <a:ext uri="{FF2B5EF4-FFF2-40B4-BE49-F238E27FC236}">
+                <a16:creationId xmlns:a16="http://schemas.microsoft.com/office/drawing/2014/main" id="{26F431AE-6FCF-E0C1-3D7F-7ACDDB77C20E}"/>
+              </a:ext>
+            </a:extLst>
+          </p:cNvPr>
+          <p:cNvPicPr>
+            <a:picLocks noChangeAspect="1" noChangeArrowheads="1"/>
+          </p:cNvPicPr>
+          <p:nvPr/>
+        </p:nvPicPr>
+        <p:blipFill>
+          <a:blip r:embed="rId3">
+            <a:extLst>
+              <a:ext uri="{28A0092B-C50C-407E-A947-70E740481C1C}">
+                <a14:useLocalDpi xmlns:a14="http://schemas.microsoft.com/office/drawing/2010/main" val="0"/>
+              </a:ext>
+            </a:extLst>
+          </a:blip>
+          <a:srcRect/>
+          <a:stretch>
+            <a:fillRect/>
+          </a:stretch>
+        </p:blipFill>
+        <p:spPr bwMode="auto">
+          <a:xfrm>
+            <a:off x="168281" y="95400"/>
+            <a:ext cx="3270702" cy="3333600"/>
+          </a:xfrm>
+          <a:prstGeom prst="rect">
+            <a:avLst/>
+          </a:prstGeom>
+          <a:noFill/>
+          <a:extLst>
+            <a:ext uri="{909E8E84-426E-40DD-AFC4-6F175D3DCCD1}">
+              <a14:hiddenFill xmlns:a14="http://schemas.microsoft.com/office/drawing/2010/main">
+                <a:solidFill>
+                  <a:srgbClr val="FFFFFF"/>
+                </a:solidFill>
+              </a14:hiddenFill>
+            </a:ext>
+          </a:extLst>
+        </p:spPr>
+      </p:pic>
+      <p:pic>
+        <p:nvPicPr>
+          <p:cNvPr id="1030" name="Picture 6">
+            <a:extLst>
+              <a:ext uri="{FF2B5EF4-FFF2-40B4-BE49-F238E27FC236}">
+                <a16:creationId xmlns:a16="http://schemas.microsoft.com/office/drawing/2014/main" id="{28DC3BDC-0549-C4AD-2996-4A93CEC9C549}"/>
+              </a:ext>
+            </a:extLst>
+          </p:cNvPr>
+          <p:cNvPicPr>
+            <a:picLocks noChangeAspect="1" noChangeArrowheads="1"/>
+          </p:cNvPicPr>
+          <p:nvPr/>
+        </p:nvPicPr>
+        <p:blipFill>
+          <a:blip r:embed="rId4">
+            <a:extLst>
+              <a:ext uri="{28A0092B-C50C-407E-A947-70E740481C1C}">
+                <a14:useLocalDpi xmlns:a14="http://schemas.microsoft.com/office/drawing/2010/main" val="0"/>
+              </a:ext>
+            </a:extLst>
+          </a:blip>
+          <a:srcRect/>
+          <a:stretch>
+            <a:fillRect/>
+          </a:stretch>
+        </p:blipFill>
+        <p:spPr bwMode="auto">
+          <a:xfrm>
+            <a:off x="3452624" y="95400"/>
+            <a:ext cx="3270702" cy="3333600"/>
+          </a:xfrm>
+          <a:prstGeom prst="rect">
+            <a:avLst/>
+          </a:prstGeom>
+          <a:noFill/>
+          <a:extLst>
+            <a:ext uri="{909E8E84-426E-40DD-AFC4-6F175D3DCCD1}">
+              <a14:hiddenFill xmlns:a14="http://schemas.microsoft.com/office/drawing/2010/main">
+                <a:solidFill>
+                  <a:srgbClr val="FFFFFF"/>
+                </a:solidFill>
+              </a14:hiddenFill>
+            </a:ext>
+          </a:extLst>
+        </p:spPr>
+      </p:pic>
+      <p:pic>
+        <p:nvPicPr>
+          <p:cNvPr id="1032" name="Picture 8">
+            <a:extLst>
+              <a:ext uri="{FF2B5EF4-FFF2-40B4-BE49-F238E27FC236}">
+                <a16:creationId xmlns:a16="http://schemas.microsoft.com/office/drawing/2014/main" id="{4BC7B6C5-A8FC-0367-F17F-BCFF40767320}"/>
+              </a:ext>
+            </a:extLst>
+          </p:cNvPr>
+          <p:cNvPicPr>
+            <a:picLocks noChangeAspect="1" noChangeArrowheads="1"/>
+          </p:cNvPicPr>
+          <p:nvPr/>
+        </p:nvPicPr>
+        <p:blipFill>
+          <a:blip r:embed="rId5">
+            <a:extLst>
+              <a:ext uri="{28A0092B-C50C-407E-A947-70E740481C1C}">
+                <a14:useLocalDpi xmlns:a14="http://schemas.microsoft.com/office/drawing/2010/main" val="0"/>
+              </a:ext>
+            </a:extLst>
+          </a:blip>
+          <a:srcRect/>
+          <a:stretch>
+            <a:fillRect/>
+          </a:stretch>
+        </p:blipFill>
+        <p:spPr bwMode="auto">
+          <a:xfrm>
+            <a:off x="163604" y="3429000"/>
+            <a:ext cx="3270702" cy="3333600"/>
+          </a:xfrm>
+          <a:prstGeom prst="rect">
+            <a:avLst/>
+          </a:prstGeom>
+          <a:noFill/>
+          <a:extLst>
+            <a:ext uri="{909E8E84-426E-40DD-AFC4-6F175D3DCCD1}">
+              <a14:hiddenFill xmlns:a14="http://schemas.microsoft.com/office/drawing/2010/main">
+                <a:solidFill>
+                  <a:srgbClr val="FFFFFF"/>
+                </a:solidFill>
+              </a14:hiddenFill>
+            </a:ext>
+          </a:extLst>
+        </p:spPr>
+      </p:pic>
+      <p:pic>
+        <p:nvPicPr>
+          <p:cNvPr id="1034" name="Picture 10">
+            <a:extLst>
+              <a:ext uri="{FF2B5EF4-FFF2-40B4-BE49-F238E27FC236}">
+                <a16:creationId xmlns:a16="http://schemas.microsoft.com/office/drawing/2014/main" id="{FD4BADD8-F8E6-2121-BB86-883AAF051FD0}"/>
               </a:ext>
             </a:extLst>
           </p:cNvPr>
@@ -8582,8 +9885,8 @@
         </p:blipFill>
         <p:spPr bwMode="auto">
           <a:xfrm>
-            <a:off x="7701196" y="3511720"/>
-            <a:ext cx="3297985" cy="3333600"/>
+            <a:off x="3452624" y="3429000"/>
+            <a:ext cx="3270702" cy="3333600"/>
           </a:xfrm>
           <a:prstGeom prst="rect">
             <a:avLst/>
@@ -8630,12 +9933,48 @@
           <a:chExt cx="0" cy="0"/>
         </a:xfrm>
       </p:grpSpPr>
+      <p:sp>
+        <p:nvSpPr>
+          <p:cNvPr id="4" name="TextBox 3">
+            <a:extLst>
+              <a:ext uri="{FF2B5EF4-FFF2-40B4-BE49-F238E27FC236}">
+                <a16:creationId xmlns:a16="http://schemas.microsoft.com/office/drawing/2014/main" id="{E01AFD62-E206-76B8-D6FC-F395A2479B87}"/>
+              </a:ext>
+            </a:extLst>
+          </p:cNvPr>
+          <p:cNvSpPr txBox="1"/>
+          <p:nvPr/>
+        </p:nvSpPr>
+        <p:spPr>
+          <a:xfrm>
+            <a:off x="6717107" y="94675"/>
+            <a:ext cx="5438319" cy="3541059"/>
+          </a:xfrm>
+          <a:prstGeom prst="rect">
+            <a:avLst/>
+          </a:prstGeom>
+          <a:noFill/>
+        </p:spPr>
+        <p:txBody>
+          <a:bodyPr wrap="square" rtlCol="0">
+            <a:spAutoFit/>
+          </a:bodyPr>
+          <a:lstStyle/>
+          <a:p>
+            <a:r>
+              <a:rPr lang="el-GR" dirty="0"/>
+              <a:t>Για την ατμοσφαιρική πίεση, γνωρίζουμε ότι μειώνεται εκθετικά με την αύξηση του ύψους. Οι παρακάτω γραφικές παραστάσεις επιβεβαιώνουν την θεωρία αυτή. Η ατμοσφαιρική πίεση εξαρτάται από την πυκνότητα του αέρα και η πυκνότητα του αέρα εξαρτάται από την θερμοκρασία. Ο θερμός αέρας είναι λιγότερο πυκνός καθώς τα μόρια στον αέρα αποκτούν μεγαλύτερη ταχύτητα λόγω των θερμικών κινήσεων. Συνεπώς, σε θερμότερες περιοχές όπως ο Ισημερινός, αναμένουμε μία συγκεκριμένη τιμή πίεσης να εντοπίζεται σε μεγαλύτερο υψόμετρο σε σχέση με μία ψυχρότερη περιοχή. </a:t>
+            </a:r>
+            <a:endParaRPr lang="en-GB" dirty="0"/>
+          </a:p>
+        </p:txBody>
+      </p:sp>
       <p:pic>
         <p:nvPicPr>
           <p:cNvPr id="3074" name="Picture 2">
             <a:extLst>
               <a:ext uri="{FF2B5EF4-FFF2-40B4-BE49-F238E27FC236}">
-                <a16:creationId xmlns:a16="http://schemas.microsoft.com/office/drawing/2014/main" id="{A1BF6825-9095-88E2-07C1-15124C2AE3DD}"/>
+                <a16:creationId xmlns:a16="http://schemas.microsoft.com/office/drawing/2014/main" id="{E1355B72-4778-5F42-0248-3FAFAB396D95}"/>
               </a:ext>
             </a:extLst>
           </p:cNvPr>
@@ -8659,8 +9998,8 @@
         </p:blipFill>
         <p:spPr bwMode="auto">
           <a:xfrm>
-            <a:off x="7825944" y="3668097"/>
-            <a:ext cx="3155822" cy="3189902"/>
+            <a:off x="7800915" y="3635734"/>
+            <a:ext cx="3270702" cy="3333600"/>
           </a:xfrm>
           <a:prstGeom prst="rect">
             <a:avLst/>
@@ -8682,7 +10021,7 @@
           <p:cNvPr id="3076" name="Picture 4">
             <a:extLst>
               <a:ext uri="{FF2B5EF4-FFF2-40B4-BE49-F238E27FC236}">
-                <a16:creationId xmlns:a16="http://schemas.microsoft.com/office/drawing/2014/main" id="{DEEBDD54-C508-991F-114C-E538F6F72509}"/>
+                <a16:creationId xmlns:a16="http://schemas.microsoft.com/office/drawing/2014/main" id="{3EC0292F-5CDB-D086-D8BB-A28817E557F5}"/>
               </a:ext>
             </a:extLst>
           </p:cNvPr>
@@ -8706,8 +10045,8 @@
         </p:blipFill>
         <p:spPr bwMode="auto">
           <a:xfrm>
-            <a:off x="0" y="54040"/>
-            <a:ext cx="3297985" cy="3333600"/>
+            <a:off x="63856" y="95037"/>
+            <a:ext cx="3270702" cy="3333600"/>
           </a:xfrm>
           <a:prstGeom prst="rect">
             <a:avLst/>
@@ -8729,7 +10068,7 @@
           <p:cNvPr id="3078" name="Picture 6">
             <a:extLst>
               <a:ext uri="{FF2B5EF4-FFF2-40B4-BE49-F238E27FC236}">
-                <a16:creationId xmlns:a16="http://schemas.microsoft.com/office/drawing/2014/main" id="{AF1224EC-5081-9D49-0E47-1C2C7DD66FEC}"/>
+                <a16:creationId xmlns:a16="http://schemas.microsoft.com/office/drawing/2014/main" id="{FAB784B2-F038-A3DF-BB6E-95E26950049F}"/>
               </a:ext>
             </a:extLst>
           </p:cNvPr>
@@ -8753,8 +10092,8 @@
         </p:blipFill>
         <p:spPr bwMode="auto">
           <a:xfrm>
-            <a:off x="3297984" y="54040"/>
-            <a:ext cx="3297985" cy="3333600"/>
+            <a:off x="3348558" y="93950"/>
+            <a:ext cx="3270702" cy="3333600"/>
           </a:xfrm>
           <a:prstGeom prst="rect">
             <a:avLst/>
@@ -8776,7 +10115,7 @@
           <p:cNvPr id="3080" name="Picture 8">
             <a:extLst>
               <a:ext uri="{FF2B5EF4-FFF2-40B4-BE49-F238E27FC236}">
-                <a16:creationId xmlns:a16="http://schemas.microsoft.com/office/drawing/2014/main" id="{3E95BB1D-0D39-B8DD-3781-014F3E84FE4A}"/>
+                <a16:creationId xmlns:a16="http://schemas.microsoft.com/office/drawing/2014/main" id="{B1D2CB1A-9F78-63A0-6254-E8AA71C8DF29}"/>
               </a:ext>
             </a:extLst>
           </p:cNvPr>
@@ -8800,8 +10139,8 @@
         </p:blipFill>
         <p:spPr bwMode="auto">
           <a:xfrm>
-            <a:off x="0" y="3429000"/>
-            <a:ext cx="3297985" cy="3333600"/>
+            <a:off x="63856" y="3428637"/>
+            <a:ext cx="3270702" cy="3333600"/>
           </a:xfrm>
           <a:prstGeom prst="rect">
             <a:avLst/>
@@ -8823,7 +10162,7 @@
           <p:cNvPr id="3082" name="Picture 10">
             <a:extLst>
               <a:ext uri="{FF2B5EF4-FFF2-40B4-BE49-F238E27FC236}">
-                <a16:creationId xmlns:a16="http://schemas.microsoft.com/office/drawing/2014/main" id="{62418567-D430-3BD1-5464-E405C133CE5B}"/>
+                <a16:creationId xmlns:a16="http://schemas.microsoft.com/office/drawing/2014/main" id="{4DA5C917-B2B9-BF10-9A62-B2BFDE5E60AB}"/>
               </a:ext>
             </a:extLst>
           </p:cNvPr>
@@ -8847,8 +10186,8 @@
         </p:blipFill>
         <p:spPr bwMode="auto">
           <a:xfrm>
-            <a:off x="3297983" y="3429000"/>
-            <a:ext cx="3297985" cy="3333600"/>
+            <a:off x="3348558" y="3427550"/>
+            <a:ext cx="3270702" cy="3333600"/>
           </a:xfrm>
           <a:prstGeom prst="rect">
             <a:avLst/>
@@ -8865,62 +10204,10 @@
           </a:extLst>
         </p:spPr>
       </p:pic>
-      <p:sp>
-        <p:nvSpPr>
-          <p:cNvPr id="2" name="TextBox 1">
-            <a:extLst>
-              <a:ext uri="{FF2B5EF4-FFF2-40B4-BE49-F238E27FC236}">
-                <a16:creationId xmlns:a16="http://schemas.microsoft.com/office/drawing/2014/main" id="{4E61B2C6-11F1-DB6A-874D-15606D3DFAC4}"/>
-              </a:ext>
-            </a:extLst>
-          </p:cNvPr>
-          <p:cNvSpPr txBox="1"/>
-          <p:nvPr/>
-        </p:nvSpPr>
-        <p:spPr>
-          <a:xfrm>
-            <a:off x="6595968" y="17929"/>
-            <a:ext cx="5596032" cy="3693319"/>
-          </a:xfrm>
-          <a:prstGeom prst="rect">
-            <a:avLst/>
-          </a:prstGeom>
-          <a:noFill/>
-        </p:spPr>
-        <p:txBody>
-          <a:bodyPr wrap="square" rtlCol="0">
-            <a:spAutoFit/>
-          </a:bodyPr>
-          <a:lstStyle/>
-          <a:p>
-            <a:r>
-              <a:rPr lang="el-GR" dirty="0"/>
-              <a:t>Γνωρίζουμε ότι το μεγαλύτερο ποσοστό του όζοντος βρίσκεται στην στρατόσφαιρα (~15-50</a:t>
-            </a:r>
-            <a:r>
-              <a:rPr lang="en-US" dirty="0"/>
-              <a:t>km</a:t>
-            </a:r>
-            <a:r>
-              <a:rPr lang="el-GR" dirty="0"/>
-              <a:t>) όπου κυριαρχεί ο ρυθμός παραγωγής του, κάτι που επιβεβαιώνεται σε όλες τις γραφικές. Πάνω από τον Ισημερινό, αναμένουμε μικρότερες τιμές λόγω της μεταφοράς αερίων μαζών προς τους πόλους. Επίσης, λόγω της μεταβολής της ηλιακής δραστηριότητας μέσα στον χρόνο, αναμένουμε μεγαλύτερες τιμές συγκέντρωσης κατά το χειμώνα, καθώς το καλοκαίρι κυριαρχεί ο ρυθμός διάσπασής του λόγω της απορρόφησης μεγαλύτερου μέρους της ακτινοβολίας κάτι που επίσης βλέπουμε στις γραφικές αν συγκρίνουμε για το ίδιο πλάτος τις τιμές στον άξονα </a:t>
-            </a:r>
-            <a:r>
-              <a:rPr lang="en-US" dirty="0"/>
-              <a:t>x </a:t>
-            </a:r>
-            <a:r>
-              <a:rPr lang="el-GR" dirty="0"/>
-              <a:t>για κάθε εποχή.</a:t>
-            </a:r>
-            <a:endParaRPr lang="en-GB" dirty="0"/>
-          </a:p>
-        </p:txBody>
-      </p:sp>
     </p:spTree>
     <p:extLst>
       <p:ext uri="{BB962C8B-B14F-4D97-AF65-F5344CB8AC3E}">
-        <p14:creationId xmlns:p14="http://schemas.microsoft.com/office/powerpoint/2010/main" val="3494796993"/>
+        <p14:creationId xmlns:p14="http://schemas.microsoft.com/office/powerpoint/2010/main" val="3897811144"/>
       </p:ext>
     </p:extLst>
   </p:cSld>
@@ -8947,12 +10234,48 @@
           <a:chExt cx="0" cy="0"/>
         </a:xfrm>
       </p:grpSpPr>
+      <p:sp>
+        <p:nvSpPr>
+          <p:cNvPr id="2" name="TextBox 1">
+            <a:extLst>
+              <a:ext uri="{FF2B5EF4-FFF2-40B4-BE49-F238E27FC236}">
+                <a16:creationId xmlns:a16="http://schemas.microsoft.com/office/drawing/2014/main" id="{5964BCE8-14F0-D017-E11B-C64B9DFA7FDE}"/>
+              </a:ext>
+            </a:extLst>
+          </p:cNvPr>
+          <p:cNvSpPr txBox="1"/>
+          <p:nvPr/>
+        </p:nvSpPr>
+        <p:spPr>
+          <a:xfrm>
+            <a:off x="6700022" y="12680"/>
+            <a:ext cx="5387925" cy="3416320"/>
+          </a:xfrm>
+          <a:prstGeom prst="rect">
+            <a:avLst/>
+          </a:prstGeom>
+          <a:noFill/>
+        </p:spPr>
+        <p:txBody>
+          <a:bodyPr wrap="square" rtlCol="0">
+            <a:spAutoFit/>
+          </a:bodyPr>
+          <a:lstStyle/>
+          <a:p>
+            <a:r>
+              <a:rPr lang="el-GR" dirty="0"/>
+              <a:t>Με βάση τα παραπάνω, είναι αναμενόμενο το ότι η μεταβολή της πυκνότητας του αέρα ακολουθεί την ίδια καμπύλη με εκείνη της πίεσης. Καθώς η πυκνότητα του αέρα εξαρτάται από τις κινήσεις των μορίων, αναμένουμε ότι το καλοκαίρι που η θερμοκρασία είναι υψηλότερη, ότι η πυκνότητα του αέρα θα είναι μικρότερη καθώς τα μόρια ταξιδεύουν σε μεγαλύτερα ύψη. Αντίστοιχα, τον χειμώνα, ή σε περιοχές όπως τα υποαρκτικά πλάτη όπου η θερμοκρασία είναι χαμηλότερη, αναμένουμε μεγαλύτερη της συγκέντρωσης του αέρα καθώς τα μόρια έχουν μικρότερη κινητική ενέργεια.</a:t>
+            </a:r>
+            <a:endParaRPr lang="en-GB" dirty="0"/>
+          </a:p>
+        </p:txBody>
+      </p:sp>
       <p:pic>
         <p:nvPicPr>
-          <p:cNvPr id="2" name="Picture 2">
-            <a:extLst>
-              <a:ext uri="{FF2B5EF4-FFF2-40B4-BE49-F238E27FC236}">
-                <a16:creationId xmlns:a16="http://schemas.microsoft.com/office/drawing/2014/main" id="{17E44B67-E115-3C98-B09A-649C2FBF1AF3}"/>
+          <p:cNvPr id="4098" name="Picture 2">
+            <a:extLst>
+              <a:ext uri="{FF2B5EF4-FFF2-40B4-BE49-F238E27FC236}">
+                <a16:creationId xmlns:a16="http://schemas.microsoft.com/office/drawing/2014/main" id="{41EF184B-8CD6-FEEF-4460-7E49762EA0E0}"/>
               </a:ext>
             </a:extLst>
           </p:cNvPr>
@@ -8976,8 +10299,8 @@
         </p:blipFill>
         <p:spPr bwMode="auto">
           <a:xfrm>
-            <a:off x="8049813" y="3624696"/>
-            <a:ext cx="3297985" cy="3333600"/>
+            <a:off x="7783211" y="3429000"/>
+            <a:ext cx="3221546" cy="3333600"/>
           </a:xfrm>
           <a:prstGeom prst="rect">
             <a:avLst/>
@@ -8996,10 +10319,10 @@
       </p:pic>
       <p:pic>
         <p:nvPicPr>
-          <p:cNvPr id="3" name="Picture 4">
-            <a:extLst>
-              <a:ext uri="{FF2B5EF4-FFF2-40B4-BE49-F238E27FC236}">
-                <a16:creationId xmlns:a16="http://schemas.microsoft.com/office/drawing/2014/main" id="{15A88BF9-8D5C-5101-16ED-9B705114694F}"/>
+          <p:cNvPr id="4100" name="Picture 4">
+            <a:extLst>
+              <a:ext uri="{FF2B5EF4-FFF2-40B4-BE49-F238E27FC236}">
+                <a16:creationId xmlns:a16="http://schemas.microsoft.com/office/drawing/2014/main" id="{109E003A-83AF-0960-C1F1-466CB753DF34}"/>
               </a:ext>
             </a:extLst>
           </p:cNvPr>
@@ -9023,8 +10346,8 @@
         </p:blipFill>
         <p:spPr bwMode="auto">
           <a:xfrm>
-            <a:off x="36574" y="94675"/>
-            <a:ext cx="3297984" cy="3333600"/>
+            <a:off x="187493" y="95400"/>
+            <a:ext cx="3214543" cy="3333600"/>
           </a:xfrm>
           <a:prstGeom prst="rect">
             <a:avLst/>
@@ -9043,10 +10366,10 @@
       </p:pic>
       <p:pic>
         <p:nvPicPr>
-          <p:cNvPr id="1030" name="Picture 6">
-            <a:extLst>
-              <a:ext uri="{FF2B5EF4-FFF2-40B4-BE49-F238E27FC236}">
-                <a16:creationId xmlns:a16="http://schemas.microsoft.com/office/drawing/2014/main" id="{18EF911D-706C-C0E3-B6B6-86C4011FC415}"/>
+          <p:cNvPr id="4102" name="Picture 6">
+            <a:extLst>
+              <a:ext uri="{FF2B5EF4-FFF2-40B4-BE49-F238E27FC236}">
+                <a16:creationId xmlns:a16="http://schemas.microsoft.com/office/drawing/2014/main" id="{DEF4E8D2-6119-0F90-DA75-E587C4D78ADF}"/>
               </a:ext>
             </a:extLst>
           </p:cNvPr>
@@ -9070,8 +10393,8 @@
         </p:blipFill>
         <p:spPr bwMode="auto">
           <a:xfrm>
-            <a:off x="3334558" y="94675"/>
-            <a:ext cx="3298702" cy="3334325"/>
+            <a:off x="3402036" y="95400"/>
+            <a:ext cx="3214543" cy="3333600"/>
           </a:xfrm>
           <a:prstGeom prst="rect">
             <a:avLst/>
@@ -9090,10 +10413,10 @@
       </p:pic>
       <p:pic>
         <p:nvPicPr>
-          <p:cNvPr id="1032" name="Picture 8">
-            <a:extLst>
-              <a:ext uri="{FF2B5EF4-FFF2-40B4-BE49-F238E27FC236}">
-                <a16:creationId xmlns:a16="http://schemas.microsoft.com/office/drawing/2014/main" id="{940C1648-994B-2E6A-8F20-D7750C455923}"/>
+          <p:cNvPr id="4104" name="Picture 8">
+            <a:extLst>
+              <a:ext uri="{FF2B5EF4-FFF2-40B4-BE49-F238E27FC236}">
+                <a16:creationId xmlns:a16="http://schemas.microsoft.com/office/drawing/2014/main" id="{8EB79AD9-246B-4D7D-D68D-C62B49BE1ECE}"/>
               </a:ext>
             </a:extLst>
           </p:cNvPr>
@@ -9117,8 +10440,8 @@
         </p:blipFill>
         <p:spPr bwMode="auto">
           <a:xfrm>
-            <a:off x="36573" y="3429000"/>
-            <a:ext cx="3298702" cy="3334325"/>
+            <a:off x="187493" y="3429000"/>
+            <a:ext cx="3214543" cy="3333600"/>
           </a:xfrm>
           <a:prstGeom prst="rect">
             <a:avLst/>
@@ -9137,10 +10460,10 @@
       </p:pic>
       <p:pic>
         <p:nvPicPr>
-          <p:cNvPr id="1034" name="Picture 10">
-            <a:extLst>
-              <a:ext uri="{FF2B5EF4-FFF2-40B4-BE49-F238E27FC236}">
-                <a16:creationId xmlns:a16="http://schemas.microsoft.com/office/drawing/2014/main" id="{F730E4B3-49BE-D42E-6F7F-D3A0CAD5A0BC}"/>
+          <p:cNvPr id="4106" name="Picture 10">
+            <a:extLst>
+              <a:ext uri="{FF2B5EF4-FFF2-40B4-BE49-F238E27FC236}">
+                <a16:creationId xmlns:a16="http://schemas.microsoft.com/office/drawing/2014/main" id="{ABD5521D-4614-1CB2-4B0D-A8741228E9C3}"/>
               </a:ext>
             </a:extLst>
           </p:cNvPr>
@@ -9164,8 +10487,8 @@
         </p:blipFill>
         <p:spPr bwMode="auto">
           <a:xfrm>
-            <a:off x="3334558" y="3428275"/>
-            <a:ext cx="3298702" cy="3334325"/>
+            <a:off x="3402035" y="3429000"/>
+            <a:ext cx="3214543" cy="3333600"/>
           </a:xfrm>
           <a:prstGeom prst="rect">
             <a:avLst/>
@@ -9182,46 +10505,10 @@
           </a:extLst>
         </p:spPr>
       </p:pic>
-      <p:sp>
-        <p:nvSpPr>
-          <p:cNvPr id="4" name="TextBox 3">
-            <a:extLst>
-              <a:ext uri="{FF2B5EF4-FFF2-40B4-BE49-F238E27FC236}">
-                <a16:creationId xmlns:a16="http://schemas.microsoft.com/office/drawing/2014/main" id="{E01AFD62-E206-76B8-D6FC-F395A2479B87}"/>
-              </a:ext>
-            </a:extLst>
-          </p:cNvPr>
-          <p:cNvSpPr txBox="1"/>
-          <p:nvPr/>
-        </p:nvSpPr>
-        <p:spPr>
-          <a:xfrm>
-            <a:off x="6717107" y="94675"/>
-            <a:ext cx="5438319" cy="3541059"/>
-          </a:xfrm>
-          <a:prstGeom prst="rect">
-            <a:avLst/>
-          </a:prstGeom>
-          <a:noFill/>
-        </p:spPr>
-        <p:txBody>
-          <a:bodyPr wrap="square" rtlCol="0">
-            <a:spAutoFit/>
-          </a:bodyPr>
-          <a:lstStyle/>
-          <a:p>
-            <a:r>
-              <a:rPr lang="el-GR" dirty="0"/>
-              <a:t>Για την ατμοσφαιρική πίεση, γνωρίζουμε ότι μειώνεται εκθετικά με την αύξηση του ύψους. Οι παρακάτω γραφικές παραστάσεις επιβεβαιώνουν την θεωρία αυτή. Η ατμοσφαιρική πίεση εξαρτάται από την πυκνότητα του αέρα και η πυκνότητα του αέρα εξαρτάται από την θερμοκρασία. Ο θερμός αέρας είναι λιγότερο πυκνός καθώς τα μόρια στον αέρα αποκτούν μεγαλύτερη ταχύτητα λόγω των θερμικών κινήσεων. Συνεπώς, σε θερμότερες περιοχές όπως ο Ισημερινός, αναμένουμε μία συγκεκριμένη τιμή πίεσης να εντοπίζεται σε μεγαλύτερο υψόμετρο σε σχέση με μία ψυχρότερη περιοχή. </a:t>
-            </a:r>
-            <a:endParaRPr lang="en-GB" dirty="0"/>
-          </a:p>
-        </p:txBody>
-      </p:sp>
     </p:spTree>
     <p:extLst>
       <p:ext uri="{BB962C8B-B14F-4D97-AF65-F5344CB8AC3E}">
-        <p14:creationId xmlns:p14="http://schemas.microsoft.com/office/powerpoint/2010/main" val="3897811144"/>
+        <p14:creationId xmlns:p14="http://schemas.microsoft.com/office/powerpoint/2010/main" val="372113343"/>
       </p:ext>
     </p:extLst>
   </p:cSld>
@@ -9253,7 +10540,7 @@
           <p:cNvPr id="8194" name="Picture 2">
             <a:extLst>
               <a:ext uri="{FF2B5EF4-FFF2-40B4-BE49-F238E27FC236}">
-                <a16:creationId xmlns:a16="http://schemas.microsoft.com/office/drawing/2014/main" id="{E158A521-F4FB-DAE2-BF48-487EF5EFADB4}"/>
+                <a16:creationId xmlns:a16="http://schemas.microsoft.com/office/drawing/2014/main" id="{5D0FD03F-BE59-66A7-0DE3-5574F50C1926}"/>
               </a:ext>
             </a:extLst>
           </p:cNvPr>
@@ -9277,8 +10564,8 @@
         </p:blipFill>
         <p:spPr bwMode="auto">
           <a:xfrm>
-            <a:off x="7682346" y="3429000"/>
-            <a:ext cx="3305108" cy="3333600"/>
+            <a:off x="7917236" y="3429000"/>
+            <a:ext cx="3214543" cy="3333600"/>
           </a:xfrm>
           <a:prstGeom prst="rect">
             <a:avLst/>
@@ -9300,7 +10587,7 @@
           <p:cNvPr id="8196" name="Picture 4">
             <a:extLst>
               <a:ext uri="{FF2B5EF4-FFF2-40B4-BE49-F238E27FC236}">
-                <a16:creationId xmlns:a16="http://schemas.microsoft.com/office/drawing/2014/main" id="{F5F28299-692D-5C70-8AE1-9040ADD42CA6}"/>
+                <a16:creationId xmlns:a16="http://schemas.microsoft.com/office/drawing/2014/main" id="{423CE67B-D7F3-AE78-EE1F-84537DB921B4}"/>
               </a:ext>
             </a:extLst>
           </p:cNvPr>
@@ -9324,8 +10611,8 @@
         </p:blipFill>
         <p:spPr bwMode="auto">
           <a:xfrm>
-            <a:off x="104053" y="95400"/>
-            <a:ext cx="3297985" cy="3333600"/>
+            <a:off x="100013" y="95400"/>
+            <a:ext cx="3214543" cy="3333600"/>
           </a:xfrm>
           <a:prstGeom prst="rect">
             <a:avLst/>
@@ -9347,7 +10634,7 @@
           <p:cNvPr id="8198" name="Picture 6">
             <a:extLst>
               <a:ext uri="{FF2B5EF4-FFF2-40B4-BE49-F238E27FC236}">
-                <a16:creationId xmlns:a16="http://schemas.microsoft.com/office/drawing/2014/main" id="{D8CAA04A-3A6A-CAC6-DC29-8FF396578700}"/>
+                <a16:creationId xmlns:a16="http://schemas.microsoft.com/office/drawing/2014/main" id="{FEC49B46-1E1D-B107-C79C-B7AE3F45FBA8}"/>
               </a:ext>
             </a:extLst>
           </p:cNvPr>
@@ -9371,8 +10658,8 @@
         </p:blipFill>
         <p:spPr bwMode="auto">
           <a:xfrm>
-            <a:off x="3402038" y="95400"/>
-            <a:ext cx="3297985" cy="3333600"/>
+            <a:off x="3314556" y="95400"/>
+            <a:ext cx="3228550" cy="3333600"/>
           </a:xfrm>
           <a:prstGeom prst="rect">
             <a:avLst/>
@@ -9394,7 +10681,7 @@
           <p:cNvPr id="8200" name="Picture 8">
             <a:extLst>
               <a:ext uri="{FF2B5EF4-FFF2-40B4-BE49-F238E27FC236}">
-                <a16:creationId xmlns:a16="http://schemas.microsoft.com/office/drawing/2014/main" id="{5C1B6DC5-A018-FD81-C854-493620EA085E}"/>
+                <a16:creationId xmlns:a16="http://schemas.microsoft.com/office/drawing/2014/main" id="{03B69E49-4E72-6E76-947D-8390B90249CF}"/>
               </a:ext>
             </a:extLst>
           </p:cNvPr>
@@ -9418,8 +10705,8 @@
         </p:blipFill>
         <p:spPr bwMode="auto">
           <a:xfrm>
-            <a:off x="104052" y="3429000"/>
-            <a:ext cx="3297985" cy="3333600"/>
+            <a:off x="100012" y="3429000"/>
+            <a:ext cx="3214543" cy="3333600"/>
           </a:xfrm>
           <a:prstGeom prst="rect">
             <a:avLst/>
@@ -9441,7 +10728,7 @@
           <p:cNvPr id="8202" name="Picture 10">
             <a:extLst>
               <a:ext uri="{FF2B5EF4-FFF2-40B4-BE49-F238E27FC236}">
-                <a16:creationId xmlns:a16="http://schemas.microsoft.com/office/drawing/2014/main" id="{B57EC1F0-0455-1502-599F-357D08FD2F65}"/>
+                <a16:creationId xmlns:a16="http://schemas.microsoft.com/office/drawing/2014/main" id="{F48394BA-C26C-561D-CBDF-B76A2143E757}"/>
               </a:ext>
             </a:extLst>
           </p:cNvPr>
@@ -9465,8 +10752,8 @@
         </p:blipFill>
         <p:spPr bwMode="auto">
           <a:xfrm>
-            <a:off x="3402037" y="3429000"/>
-            <a:ext cx="3297985" cy="3333600"/>
+            <a:off x="3328563" y="3429000"/>
+            <a:ext cx="3214543" cy="3333600"/>
           </a:xfrm>
           <a:prstGeom prst="rect">
             <a:avLst/>
@@ -9488,7 +10775,7 @@
           <p:cNvPr id="2" name="TextBox 1">
             <a:extLst>
               <a:ext uri="{FF2B5EF4-FFF2-40B4-BE49-F238E27FC236}">
-                <a16:creationId xmlns:a16="http://schemas.microsoft.com/office/drawing/2014/main" id="{5964BCE8-14F0-D017-E11B-C64B9DFA7FDE}"/>
+                <a16:creationId xmlns:a16="http://schemas.microsoft.com/office/drawing/2014/main" id="{A0322B14-AF35-CEF6-38B7-54A39C55A5D8}"/>
               </a:ext>
             </a:extLst>
           </p:cNvPr>
@@ -9497,8 +10784,8 @@
         </p:nvSpPr>
         <p:spPr>
           <a:xfrm>
-            <a:off x="6700022" y="12680"/>
-            <a:ext cx="5387925" cy="3416320"/>
+            <a:off x="6938682" y="466165"/>
+            <a:ext cx="3854824" cy="369332"/>
           </a:xfrm>
           <a:prstGeom prst="rect">
             <a:avLst/>
@@ -9512,8 +10799,32 @@
           <a:lstStyle/>
           <a:p>
             <a:r>
-              <a:rPr lang="el-GR" dirty="0"/>
-              <a:t>Με βάση τα παραπάνω, είναι αναμενόμενο το ότι η μεταβολή της πυκνότητας του αέρα ακολουθεί την ίδια καμπύλη με εκείνη της πίεσης. Καθώς η πυκνότητα του αέρα εξαρτάται από τις κινήσεις των μορίων, αναμένουμε ότι το καλοκαίρι που η θερμοκρασία είναι υψηλότερη, ότι η πυκνότητα του αέρα θα είναι μικρότερη καθώς τα μόρια ταξιδεύουν σε μεγαλύτερα ύψη. Αντίστοιχα, τον χειμώνα, ή σε περιοχές όπως τα υποαρκτικά πλάτη όπου η θερμοκρασία είναι χαμηλότερη, αναμένουμε μεγαλύτερη της συγκέντρωσης του αέρα καθώς τα μόρια έχουν μικρότερη κινητική ενέργεια.</a:t>
+              <a:rPr lang="en-US" dirty="0" err="1"/>
+              <a:t>Bluh</a:t>
+            </a:r>
+            <a:r>
+              <a:rPr lang="en-US" dirty="0"/>
+              <a:t> </a:t>
+            </a:r>
+            <a:r>
+              <a:rPr lang="en-US" dirty="0" err="1"/>
+              <a:t>bluh</a:t>
+            </a:r>
+            <a:r>
+              <a:rPr lang="en-US" dirty="0"/>
+              <a:t> water </a:t>
+            </a:r>
+            <a:r>
+              <a:rPr lang="en-US" dirty="0" err="1"/>
+              <a:t>water</a:t>
+            </a:r>
+            <a:r>
+              <a:rPr lang="en-US" dirty="0"/>
+              <a:t> </a:t>
+            </a:r>
+            <a:r>
+              <a:rPr lang="en-US" dirty="0" err="1"/>
+              <a:t>bluh</a:t>
             </a:r>
             <a:endParaRPr lang="en-GB" dirty="0"/>
           </a:p>
@@ -9522,7 +10833,7 @@
     </p:spTree>
     <p:extLst>
       <p:ext uri="{BB962C8B-B14F-4D97-AF65-F5344CB8AC3E}">
-        <p14:creationId xmlns:p14="http://schemas.microsoft.com/office/powerpoint/2010/main" val="372113343"/>
+        <p14:creationId xmlns:p14="http://schemas.microsoft.com/office/powerpoint/2010/main" val="4092294125"/>
       </p:ext>
     </p:extLst>
   </p:cSld>
@@ -9551,10 +10862,10 @@
       </p:grpSpPr>
       <p:pic>
         <p:nvPicPr>
-          <p:cNvPr id="6146" name="Picture 2">
-            <a:extLst>
-              <a:ext uri="{FF2B5EF4-FFF2-40B4-BE49-F238E27FC236}">
-                <a16:creationId xmlns:a16="http://schemas.microsoft.com/office/drawing/2014/main" id="{82C2731E-6BB1-DBD3-E8E9-C891EB318191}"/>
+          <p:cNvPr id="12290" name="Picture 2">
+            <a:extLst>
+              <a:ext uri="{FF2B5EF4-FFF2-40B4-BE49-F238E27FC236}">
+                <a16:creationId xmlns:a16="http://schemas.microsoft.com/office/drawing/2014/main" id="{39D69679-FA1E-70CF-70D6-417501109210}"/>
               </a:ext>
             </a:extLst>
           </p:cNvPr>
@@ -9578,13 +10889,22 @@
         </p:blipFill>
         <p:spPr bwMode="auto">
           <a:xfrm>
-            <a:off x="8032030" y="3626964"/>
-            <a:ext cx="3102136" cy="3135636"/>
+            <a:off x="260708" y="729000"/>
+            <a:ext cx="7068192" cy="5400000"/>
           </a:xfrm>
           <a:prstGeom prst="rect">
             <a:avLst/>
           </a:prstGeom>
-          <a:noFill/>
+          <a:ln>
+            <a:noFill/>
+          </a:ln>
+          <a:effectLst>
+            <a:outerShdw blurRad="292100" dist="139700" dir="2700000" algn="tl" rotWithShape="0">
+              <a:srgbClr val="333333">
+                <a:alpha val="65000"/>
+              </a:srgbClr>
+            </a:outerShdw>
+          </a:effectLst>
           <a:extLst>
             <a:ext uri="{909E8E84-426E-40DD-AFC4-6F175D3DCCD1}">
               <a14:hiddenFill xmlns:a14="http://schemas.microsoft.com/office/drawing/2010/main">
@@ -9596,234 +10916,10 @@
           </a:extLst>
         </p:spPr>
       </p:pic>
-      <p:pic>
-        <p:nvPicPr>
-          <p:cNvPr id="6148" name="Picture 4">
-            <a:extLst>
-              <a:ext uri="{FF2B5EF4-FFF2-40B4-BE49-F238E27FC236}">
-                <a16:creationId xmlns:a16="http://schemas.microsoft.com/office/drawing/2014/main" id="{2E66AE95-9BDD-EB0F-05F8-0CA1BEC61708}"/>
-              </a:ext>
-            </a:extLst>
-          </p:cNvPr>
-          <p:cNvPicPr>
-            <a:picLocks noChangeAspect="1" noChangeArrowheads="1"/>
-          </p:cNvPicPr>
-          <p:nvPr/>
-        </p:nvPicPr>
-        <p:blipFill>
-          <a:blip r:embed="rId3">
-            <a:extLst>
-              <a:ext uri="{28A0092B-C50C-407E-A947-70E740481C1C}">
-                <a14:useLocalDpi xmlns:a14="http://schemas.microsoft.com/office/drawing/2010/main" val="0"/>
-              </a:ext>
-            </a:extLst>
-          </a:blip>
-          <a:srcRect/>
-          <a:stretch>
-            <a:fillRect/>
-          </a:stretch>
-        </p:blipFill>
-        <p:spPr bwMode="auto">
-          <a:xfrm>
-            <a:off x="107084" y="95400"/>
-            <a:ext cx="3376338" cy="3333600"/>
-          </a:xfrm>
-          <a:prstGeom prst="rect">
-            <a:avLst/>
-          </a:prstGeom>
-          <a:noFill/>
-          <a:extLst>
-            <a:ext uri="{909E8E84-426E-40DD-AFC4-6F175D3DCCD1}">
-              <a14:hiddenFill xmlns:a14="http://schemas.microsoft.com/office/drawing/2010/main">
-                <a:solidFill>
-                  <a:srgbClr val="FFFFFF"/>
-                </a:solidFill>
-              </a14:hiddenFill>
-            </a:ext>
-          </a:extLst>
-        </p:spPr>
-      </p:pic>
-      <p:pic>
-        <p:nvPicPr>
-          <p:cNvPr id="6150" name="Picture 6">
-            <a:extLst>
-              <a:ext uri="{FF2B5EF4-FFF2-40B4-BE49-F238E27FC236}">
-                <a16:creationId xmlns:a16="http://schemas.microsoft.com/office/drawing/2014/main" id="{C502E058-CAE7-E2DA-0E7C-294C2BFC0A09}"/>
-              </a:ext>
-            </a:extLst>
-          </p:cNvPr>
-          <p:cNvPicPr>
-            <a:picLocks noChangeAspect="1" noChangeArrowheads="1"/>
-          </p:cNvPicPr>
-          <p:nvPr/>
-        </p:nvPicPr>
-        <p:blipFill>
-          <a:blip r:embed="rId4">
-            <a:extLst>
-              <a:ext uri="{28A0092B-C50C-407E-A947-70E740481C1C}">
-                <a14:useLocalDpi xmlns:a14="http://schemas.microsoft.com/office/drawing/2010/main" val="0"/>
-              </a:ext>
-            </a:extLst>
-          </a:blip>
-          <a:srcRect/>
-          <a:stretch>
-            <a:fillRect/>
-          </a:stretch>
-        </p:blipFill>
-        <p:spPr bwMode="auto">
-          <a:xfrm>
-            <a:off x="3483422" y="95400"/>
-            <a:ext cx="3297985" cy="3333600"/>
-          </a:xfrm>
-          <a:prstGeom prst="rect">
-            <a:avLst/>
-          </a:prstGeom>
-          <a:noFill/>
-          <a:extLst>
-            <a:ext uri="{909E8E84-426E-40DD-AFC4-6F175D3DCCD1}">
-              <a14:hiddenFill xmlns:a14="http://schemas.microsoft.com/office/drawing/2010/main">
-                <a:solidFill>
-                  <a:srgbClr val="FFFFFF"/>
-                </a:solidFill>
-              </a14:hiddenFill>
-            </a:ext>
-          </a:extLst>
-        </p:spPr>
-      </p:pic>
-      <p:pic>
-        <p:nvPicPr>
-          <p:cNvPr id="6152" name="Picture 8">
-            <a:extLst>
-              <a:ext uri="{FF2B5EF4-FFF2-40B4-BE49-F238E27FC236}">
-                <a16:creationId xmlns:a16="http://schemas.microsoft.com/office/drawing/2014/main" id="{DFBAA83E-A1D0-9E89-36C7-9E55F8338DAD}"/>
-              </a:ext>
-            </a:extLst>
-          </p:cNvPr>
-          <p:cNvPicPr>
-            <a:picLocks noChangeAspect="1" noChangeArrowheads="1"/>
-          </p:cNvPicPr>
-          <p:nvPr/>
-        </p:nvPicPr>
-        <p:blipFill>
-          <a:blip r:embed="rId5">
-            <a:extLst>
-              <a:ext uri="{28A0092B-C50C-407E-A947-70E740481C1C}">
-                <a14:useLocalDpi xmlns:a14="http://schemas.microsoft.com/office/drawing/2010/main" val="0"/>
-              </a:ext>
-            </a:extLst>
-          </a:blip>
-          <a:srcRect/>
-          <a:stretch>
-            <a:fillRect/>
-          </a:stretch>
-        </p:blipFill>
-        <p:spPr bwMode="auto">
-          <a:xfrm>
-            <a:off x="0" y="3524400"/>
-            <a:ext cx="3297985" cy="3333600"/>
-          </a:xfrm>
-          <a:prstGeom prst="rect">
-            <a:avLst/>
-          </a:prstGeom>
-          <a:noFill/>
-          <a:extLst>
-            <a:ext uri="{909E8E84-426E-40DD-AFC4-6F175D3DCCD1}">
-              <a14:hiddenFill xmlns:a14="http://schemas.microsoft.com/office/drawing/2010/main">
-                <a:solidFill>
-                  <a:srgbClr val="FFFFFF"/>
-                </a:solidFill>
-              </a14:hiddenFill>
-            </a:ext>
-          </a:extLst>
-        </p:spPr>
-      </p:pic>
-      <p:pic>
-        <p:nvPicPr>
-          <p:cNvPr id="6154" name="Picture 10">
-            <a:extLst>
-              <a:ext uri="{FF2B5EF4-FFF2-40B4-BE49-F238E27FC236}">
-                <a16:creationId xmlns:a16="http://schemas.microsoft.com/office/drawing/2014/main" id="{C5870422-5714-D5B2-4349-4EC73D3BAD4B}"/>
-              </a:ext>
-            </a:extLst>
-          </p:cNvPr>
-          <p:cNvPicPr>
-            <a:picLocks noChangeAspect="1" noChangeArrowheads="1"/>
-          </p:cNvPicPr>
-          <p:nvPr/>
-        </p:nvPicPr>
-        <p:blipFill>
-          <a:blip r:embed="rId6">
-            <a:extLst>
-              <a:ext uri="{28A0092B-C50C-407E-A947-70E740481C1C}">
-                <a14:useLocalDpi xmlns:a14="http://schemas.microsoft.com/office/drawing/2010/main" val="0"/>
-              </a:ext>
-            </a:extLst>
-          </a:blip>
-          <a:srcRect/>
-          <a:stretch>
-            <a:fillRect/>
-          </a:stretch>
-        </p:blipFill>
-        <p:spPr bwMode="auto">
-          <a:xfrm>
-            <a:off x="3440684" y="3431172"/>
-            <a:ext cx="3340723" cy="3333600"/>
-          </a:xfrm>
-          <a:prstGeom prst="rect">
-            <a:avLst/>
-          </a:prstGeom>
-          <a:noFill/>
-          <a:extLst>
-            <a:ext uri="{909E8E84-426E-40DD-AFC4-6F175D3DCCD1}">
-              <a14:hiddenFill xmlns:a14="http://schemas.microsoft.com/office/drawing/2010/main">
-                <a:solidFill>
-                  <a:srgbClr val="FFFFFF"/>
-                </a:solidFill>
-              </a14:hiddenFill>
-            </a:ext>
-          </a:extLst>
-        </p:spPr>
-      </p:pic>
-      <p:sp>
-        <p:nvSpPr>
-          <p:cNvPr id="2" name="TextBox 1">
-            <a:extLst>
-              <a:ext uri="{FF2B5EF4-FFF2-40B4-BE49-F238E27FC236}">
-                <a16:creationId xmlns:a16="http://schemas.microsoft.com/office/drawing/2014/main" id="{FE14A150-41D7-7317-2D47-2A6B0D68AFDE}"/>
-              </a:ext>
-            </a:extLst>
-          </p:cNvPr>
-          <p:cNvSpPr txBox="1"/>
-          <p:nvPr/>
-        </p:nvSpPr>
-        <p:spPr>
-          <a:xfrm>
-            <a:off x="6781407" y="0"/>
-            <a:ext cx="5367855" cy="3693319"/>
-          </a:xfrm>
-          <a:prstGeom prst="rect">
-            <a:avLst/>
-          </a:prstGeom>
-          <a:noFill/>
-        </p:spPr>
-        <p:txBody>
-          <a:bodyPr wrap="square" rtlCol="0">
-            <a:spAutoFit/>
-          </a:bodyPr>
-          <a:lstStyle/>
-          <a:p>
-            <a:r>
-              <a:rPr lang="el-GR" dirty="0"/>
-              <a:t>Το ΝΟ2 θεωρείται ρύπος στην ατμόσφαιρα και σχηματίζεται κυρίως λόγω της διαδικασίας της καύσης σε υψηλές θερμοκρασίες. Τέτοιες διεργασίες τείνουν να είναι περισσότερες κατά την χειμερινή περίοδο οπότε η μικρή αύξηση που παρατηρείται στην συγκέντρωση του ΝΟ2 κοντά στην επιφάνεια της Γης (και κυρίως στα υπαρκτικά πλάτη) είναι δικαιολογημένη. Στην στρατόσφαιρα, παρατηρείται η μεγαλύτερη συγκέντρωση του αερίου και με υψηλότερες τιμές κατά την θερινή περίοδο παρότι γνωρίζουμε ότι το αέριο καταλύεται με φωτολυτική αντίδραση υπό την παρουσία της ηλιακής ακτινοβολίας.  </a:t>
-            </a:r>
-            <a:endParaRPr lang="en-GB" dirty="0"/>
-          </a:p>
-        </p:txBody>
-      </p:sp>
     </p:spTree>
     <p:extLst>
       <p:ext uri="{BB962C8B-B14F-4D97-AF65-F5344CB8AC3E}">
-        <p14:creationId xmlns:p14="http://schemas.microsoft.com/office/powerpoint/2010/main" val="740289710"/>
+        <p14:creationId xmlns:p14="http://schemas.microsoft.com/office/powerpoint/2010/main" val="3802665053"/>
       </p:ext>
     </p:extLst>
   </p:cSld>
@@ -9850,12 +10946,56 @@
           <a:chExt cx="0" cy="0"/>
         </a:xfrm>
       </p:grpSpPr>
+      <p:sp>
+        <p:nvSpPr>
+          <p:cNvPr id="2" name="TextBox 1">
+            <a:extLst>
+              <a:ext uri="{FF2B5EF4-FFF2-40B4-BE49-F238E27FC236}">
+                <a16:creationId xmlns:a16="http://schemas.microsoft.com/office/drawing/2014/main" id="{4E61B2C6-11F1-DB6A-874D-15606D3DFAC4}"/>
+              </a:ext>
+            </a:extLst>
+          </p:cNvPr>
+          <p:cNvSpPr txBox="1"/>
+          <p:nvPr/>
+        </p:nvSpPr>
+        <p:spPr>
+          <a:xfrm>
+            <a:off x="6595968" y="17930"/>
+            <a:ext cx="5461561" cy="3139321"/>
+          </a:xfrm>
+          <a:prstGeom prst="rect">
+            <a:avLst/>
+          </a:prstGeom>
+          <a:noFill/>
+        </p:spPr>
+        <p:txBody>
+          <a:bodyPr wrap="square" rtlCol="0">
+            <a:spAutoFit/>
+          </a:bodyPr>
+          <a:lstStyle/>
+          <a:p>
+            <a:r>
+              <a:rPr lang="el-GR" dirty="0"/>
+              <a:t>Γνωρίζουμε ότι το μεγαλύτερο ποσοστό του όζοντος βρίσκεται στην στρατόσφαιρα όπου κυριαρχεί ο ρυθμός παραγωγής του, κάτι που επιβεβαιώνεται σε όλες τις γραφικές. Λόγω της μεταβολής της ηλιακής δραστηριότητας μέσα στον χρόνο, αναμένουμε μεγαλύτερες τιμές συγκέντρωσης κατά το χειμώνα, καθώς το καλοκαίρι κυριαρχεί ο ρυθμός διάσπασής του λόγω της απορρόφησης μεγαλύτερου μέρους της ακτινοβολίας κάτι που επίσης βλέπουμε στις γραφικές αν συγκρίνουμε για το ίδιο πλάτος τις τιμές στον άξονα </a:t>
+            </a:r>
+            <a:r>
+              <a:rPr lang="en-US" dirty="0"/>
+              <a:t>x </a:t>
+            </a:r>
+            <a:r>
+              <a:rPr lang="el-GR" dirty="0"/>
+              <a:t>για κάθε εποχή.</a:t>
+            </a:r>
+            <a:endParaRPr lang="en-GB" dirty="0"/>
+          </a:p>
+        </p:txBody>
+      </p:sp>
       <p:pic>
         <p:nvPicPr>
-          <p:cNvPr id="4098" name="Picture 2">
-            <a:extLst>
-              <a:ext uri="{FF2B5EF4-FFF2-40B4-BE49-F238E27FC236}">
-                <a16:creationId xmlns:a16="http://schemas.microsoft.com/office/drawing/2014/main" id="{676DAA38-1AF0-7CC8-C263-AA7F97851122}"/>
+          <p:cNvPr id="2050" name="Picture 2">
+            <a:extLst>
+              <a:ext uri="{FF2B5EF4-FFF2-40B4-BE49-F238E27FC236}">
+                <a16:creationId xmlns:a16="http://schemas.microsoft.com/office/drawing/2014/main" id="{8741A757-0916-57E1-FF73-7936DE03EC8D}"/>
               </a:ext>
             </a:extLst>
           </p:cNvPr>
@@ -9879,8 +11019,8 @@
         </p:blipFill>
         <p:spPr bwMode="auto">
           <a:xfrm>
-            <a:off x="7742526" y="3429000"/>
-            <a:ext cx="3297985" cy="3333600"/>
+            <a:off x="7865409" y="3506471"/>
+            <a:ext cx="3270702" cy="3333600"/>
           </a:xfrm>
           <a:prstGeom prst="rect">
             <a:avLst/>
@@ -9899,10 +11039,10 @@
       </p:pic>
       <p:pic>
         <p:nvPicPr>
-          <p:cNvPr id="4100" name="Picture 4">
-            <a:extLst>
-              <a:ext uri="{FF2B5EF4-FFF2-40B4-BE49-F238E27FC236}">
-                <a16:creationId xmlns:a16="http://schemas.microsoft.com/office/drawing/2014/main" id="{2B02908F-1FF1-BE30-02A5-DD88938DCE8D}"/>
+          <p:cNvPr id="2052" name="Picture 4">
+            <a:extLst>
+              <a:ext uri="{FF2B5EF4-FFF2-40B4-BE49-F238E27FC236}">
+                <a16:creationId xmlns:a16="http://schemas.microsoft.com/office/drawing/2014/main" id="{AC57E845-2BE5-CCCB-27A0-FF7F45F6F131}"/>
               </a:ext>
             </a:extLst>
           </p:cNvPr>
@@ -9926,8 +11066,8 @@
         </p:blipFill>
         <p:spPr bwMode="auto">
           <a:xfrm>
-            <a:off x="113290" y="95400"/>
-            <a:ext cx="3297985" cy="3333600"/>
+            <a:off x="27281" y="54040"/>
+            <a:ext cx="3270702" cy="3333600"/>
           </a:xfrm>
           <a:prstGeom prst="rect">
             <a:avLst/>
@@ -9946,10 +11086,10 @@
       </p:pic>
       <p:pic>
         <p:nvPicPr>
-          <p:cNvPr id="4102" name="Picture 6">
-            <a:extLst>
-              <a:ext uri="{FF2B5EF4-FFF2-40B4-BE49-F238E27FC236}">
-                <a16:creationId xmlns:a16="http://schemas.microsoft.com/office/drawing/2014/main" id="{14E52C0F-8A37-48C6-48E6-9CB2A11BACD4}"/>
+          <p:cNvPr id="2054" name="Picture 6">
+            <a:extLst>
+              <a:ext uri="{FF2B5EF4-FFF2-40B4-BE49-F238E27FC236}">
+                <a16:creationId xmlns:a16="http://schemas.microsoft.com/office/drawing/2014/main" id="{D97671E4-F0BC-9CAF-3A50-CA0AE5A72E26}"/>
               </a:ext>
             </a:extLst>
           </p:cNvPr>
@@ -9973,8 +11113,8 @@
         </p:blipFill>
         <p:spPr bwMode="auto">
           <a:xfrm>
-            <a:off x="3411275" y="95400"/>
-            <a:ext cx="3297985" cy="3333600"/>
+            <a:off x="3297983" y="54040"/>
+            <a:ext cx="3270702" cy="3333600"/>
           </a:xfrm>
           <a:prstGeom prst="rect">
             <a:avLst/>
@@ -9993,10 +11133,10 @@
       </p:pic>
       <p:pic>
         <p:nvPicPr>
-          <p:cNvPr id="4104" name="Picture 8">
-            <a:extLst>
-              <a:ext uri="{FF2B5EF4-FFF2-40B4-BE49-F238E27FC236}">
-                <a16:creationId xmlns:a16="http://schemas.microsoft.com/office/drawing/2014/main" id="{E1B35C15-416A-6483-F2C6-A55A558B6136}"/>
+          <p:cNvPr id="2056" name="Picture 8">
+            <a:extLst>
+              <a:ext uri="{FF2B5EF4-FFF2-40B4-BE49-F238E27FC236}">
+                <a16:creationId xmlns:a16="http://schemas.microsoft.com/office/drawing/2014/main" id="{8C02B80B-F951-5FD4-F193-0F0B83606B25}"/>
               </a:ext>
             </a:extLst>
           </p:cNvPr>
@@ -10020,8 +11160,8 @@
         </p:blipFill>
         <p:spPr bwMode="auto">
           <a:xfrm>
-            <a:off x="113289" y="3429000"/>
-            <a:ext cx="3297985" cy="3333600"/>
+            <a:off x="27281" y="3387640"/>
+            <a:ext cx="3270702" cy="3333600"/>
           </a:xfrm>
           <a:prstGeom prst="rect">
             <a:avLst/>
@@ -10040,10 +11180,10 @@
       </p:pic>
       <p:pic>
         <p:nvPicPr>
-          <p:cNvPr id="4106" name="Picture 10">
-            <a:extLst>
-              <a:ext uri="{FF2B5EF4-FFF2-40B4-BE49-F238E27FC236}">
-                <a16:creationId xmlns:a16="http://schemas.microsoft.com/office/drawing/2014/main" id="{92730E20-6103-B81E-3801-1C37D06B0C75}"/>
+          <p:cNvPr id="2058" name="Picture 10">
+            <a:extLst>
+              <a:ext uri="{FF2B5EF4-FFF2-40B4-BE49-F238E27FC236}">
+                <a16:creationId xmlns:a16="http://schemas.microsoft.com/office/drawing/2014/main" id="{CB07A313-5B58-D286-1A25-7181E05767B1}"/>
               </a:ext>
             </a:extLst>
           </p:cNvPr>
@@ -10067,8 +11207,8 @@
         </p:blipFill>
         <p:spPr bwMode="auto">
           <a:xfrm>
-            <a:off x="3411274" y="3429000"/>
-            <a:ext cx="3297985" cy="3333600"/>
+            <a:off x="3297983" y="3387640"/>
+            <a:ext cx="3270702" cy="3333600"/>
           </a:xfrm>
           <a:prstGeom prst="rect">
             <a:avLst/>
@@ -10085,46 +11225,10 @@
           </a:extLst>
         </p:spPr>
       </p:pic>
-      <p:sp>
-        <p:nvSpPr>
-          <p:cNvPr id="2" name="TextBox 1">
-            <a:extLst>
-              <a:ext uri="{FF2B5EF4-FFF2-40B4-BE49-F238E27FC236}">
-                <a16:creationId xmlns:a16="http://schemas.microsoft.com/office/drawing/2014/main" id="{A6887033-8897-EDCF-EE63-3AF841D48E57}"/>
-              </a:ext>
-            </a:extLst>
-          </p:cNvPr>
-          <p:cNvSpPr txBox="1"/>
-          <p:nvPr/>
-        </p:nvSpPr>
-        <p:spPr>
-          <a:xfrm>
-            <a:off x="6858000" y="197224"/>
-            <a:ext cx="5118847" cy="3139321"/>
-          </a:xfrm>
-          <a:prstGeom prst="rect">
-            <a:avLst/>
-          </a:prstGeom>
-          <a:noFill/>
-        </p:spPr>
-        <p:txBody>
-          <a:bodyPr wrap="square" rtlCol="0">
-            <a:spAutoFit/>
-          </a:bodyPr>
-          <a:lstStyle/>
-          <a:p>
-            <a:r>
-              <a:rPr lang="el-GR" dirty="0"/>
-              <a:t>Το οξυγόνο, ακολουθεί και αυτό την κατανομή της συγκέντρωσης του αέρα και μειώνεται εκθετικά με το ύψος για τους ίδιους λόγους που αναφέραμε και για την ατμοσφαιρική πίεση. Οι γραφικές παραστάσεις μας υποδεικνύουν ότι η συγκέντρωσή του στη ΜΣΘ είναι μεγαλύτερη κατά τους χειμερινούς μήνες όπου οι θερμοκρασίες είναι χαμηλότερες, κάτι που είναι αναμενόμενο καθώς, λόγω τη μειωμένης κινητικής ενέργειας των μορίων, αυτά τείνουν να εκτελούν μικρότερες ανοδικές κινήσεις και να μένουν κοντά στο έδαφος.</a:t>
-            </a:r>
-            <a:endParaRPr lang="en-GB" dirty="0"/>
-          </a:p>
-        </p:txBody>
-      </p:sp>
     </p:spTree>
     <p:extLst>
       <p:ext uri="{BB962C8B-B14F-4D97-AF65-F5344CB8AC3E}">
-        <p14:creationId xmlns:p14="http://schemas.microsoft.com/office/powerpoint/2010/main" val="2912900375"/>
+        <p14:creationId xmlns:p14="http://schemas.microsoft.com/office/powerpoint/2010/main" val="3494796993"/>
       </p:ext>
     </p:extLst>
   </p:cSld>
@@ -10153,10 +11257,10 @@
       </p:grpSpPr>
       <p:pic>
         <p:nvPicPr>
-          <p:cNvPr id="5122" name="Picture 2">
-            <a:extLst>
-              <a:ext uri="{FF2B5EF4-FFF2-40B4-BE49-F238E27FC236}">
-                <a16:creationId xmlns:a16="http://schemas.microsoft.com/office/drawing/2014/main" id="{6A9A4C80-7AD2-D8D1-CE71-25E8DA59322F}"/>
+          <p:cNvPr id="10242" name="Picture 2">
+            <a:extLst>
+              <a:ext uri="{FF2B5EF4-FFF2-40B4-BE49-F238E27FC236}">
+                <a16:creationId xmlns:a16="http://schemas.microsoft.com/office/drawing/2014/main" id="{CFFA0BBC-7F97-60B7-7132-0DA9E3405A6B}"/>
               </a:ext>
             </a:extLst>
           </p:cNvPr>
@@ -10180,13 +11284,22 @@
         </p:blipFill>
         <p:spPr bwMode="auto">
           <a:xfrm>
-            <a:off x="8305945" y="3429000"/>
-            <a:ext cx="3297985" cy="3333600"/>
+            <a:off x="287261" y="741104"/>
+            <a:ext cx="6678318" cy="5400000"/>
           </a:xfrm>
           <a:prstGeom prst="rect">
             <a:avLst/>
           </a:prstGeom>
-          <a:noFill/>
+          <a:ln>
+            <a:noFill/>
+          </a:ln>
+          <a:effectLst>
+            <a:outerShdw blurRad="292100" dist="139700" dir="2700000" algn="tl" rotWithShape="0">
+              <a:srgbClr val="333333">
+                <a:alpha val="65000"/>
+              </a:srgbClr>
+            </a:outerShdw>
+          </a:effectLst>
           <a:extLst>
             <a:ext uri="{909E8E84-426E-40DD-AFC4-6F175D3DCCD1}">
               <a14:hiddenFill xmlns:a14="http://schemas.microsoft.com/office/drawing/2010/main">
@@ -10198,200 +11311,12 @@
           </a:extLst>
         </p:spPr>
       </p:pic>
-      <p:pic>
-        <p:nvPicPr>
-          <p:cNvPr id="5124" name="Picture 4">
-            <a:extLst>
-              <a:ext uri="{FF2B5EF4-FFF2-40B4-BE49-F238E27FC236}">
-                <a16:creationId xmlns:a16="http://schemas.microsoft.com/office/drawing/2014/main" id="{05E95809-1C69-2F62-6593-86C301BF062A}"/>
-              </a:ext>
-            </a:extLst>
-          </p:cNvPr>
-          <p:cNvPicPr>
-            <a:picLocks noChangeAspect="1" noChangeArrowheads="1"/>
-          </p:cNvPicPr>
-          <p:nvPr/>
-        </p:nvPicPr>
-        <p:blipFill>
-          <a:blip r:embed="rId3">
-            <a:extLst>
-              <a:ext uri="{28A0092B-C50C-407E-A947-70E740481C1C}">
-                <a14:useLocalDpi xmlns:a14="http://schemas.microsoft.com/office/drawing/2010/main" val="0"/>
-              </a:ext>
-            </a:extLst>
-          </a:blip>
-          <a:srcRect/>
-          <a:stretch>
-            <a:fillRect/>
-          </a:stretch>
-        </p:blipFill>
-        <p:spPr bwMode="auto">
-          <a:xfrm>
-            <a:off x="113291" y="95400"/>
-            <a:ext cx="3297985" cy="3333600"/>
-          </a:xfrm>
-          <a:prstGeom prst="rect">
-            <a:avLst/>
-          </a:prstGeom>
-          <a:noFill/>
-          <a:extLst>
-            <a:ext uri="{909E8E84-426E-40DD-AFC4-6F175D3DCCD1}">
-              <a14:hiddenFill xmlns:a14="http://schemas.microsoft.com/office/drawing/2010/main">
-                <a:solidFill>
-                  <a:srgbClr val="FFFFFF"/>
-                </a:solidFill>
-              </a14:hiddenFill>
-            </a:ext>
-          </a:extLst>
-        </p:spPr>
-      </p:pic>
-      <p:pic>
-        <p:nvPicPr>
-          <p:cNvPr id="5126" name="Picture 6">
-            <a:extLst>
-              <a:ext uri="{FF2B5EF4-FFF2-40B4-BE49-F238E27FC236}">
-                <a16:creationId xmlns:a16="http://schemas.microsoft.com/office/drawing/2014/main" id="{AD2F1908-81F1-1F9C-6EAC-C25F01F1BBC3}"/>
-              </a:ext>
-            </a:extLst>
-          </p:cNvPr>
-          <p:cNvPicPr>
-            <a:picLocks noChangeAspect="1" noChangeArrowheads="1"/>
-          </p:cNvPicPr>
-          <p:nvPr/>
-        </p:nvPicPr>
-        <p:blipFill>
-          <a:blip r:embed="rId4">
-            <a:extLst>
-              <a:ext uri="{28A0092B-C50C-407E-A947-70E740481C1C}">
-                <a14:useLocalDpi xmlns:a14="http://schemas.microsoft.com/office/drawing/2010/main" val="0"/>
-              </a:ext>
-            </a:extLst>
-          </a:blip>
-          <a:srcRect/>
-          <a:stretch>
-            <a:fillRect/>
-          </a:stretch>
-        </p:blipFill>
-        <p:spPr bwMode="auto">
-          <a:xfrm>
-            <a:off x="3411276" y="95400"/>
-            <a:ext cx="3297985" cy="3333600"/>
-          </a:xfrm>
-          <a:prstGeom prst="rect">
-            <a:avLst/>
-          </a:prstGeom>
-          <a:noFill/>
-          <a:extLst>
-            <a:ext uri="{909E8E84-426E-40DD-AFC4-6F175D3DCCD1}">
-              <a14:hiddenFill xmlns:a14="http://schemas.microsoft.com/office/drawing/2010/main">
-                <a:solidFill>
-                  <a:srgbClr val="FFFFFF"/>
-                </a:solidFill>
-              </a14:hiddenFill>
-            </a:ext>
-          </a:extLst>
-        </p:spPr>
-      </p:pic>
-      <p:pic>
-        <p:nvPicPr>
-          <p:cNvPr id="5128" name="Picture 8">
-            <a:extLst>
-              <a:ext uri="{FF2B5EF4-FFF2-40B4-BE49-F238E27FC236}">
-                <a16:creationId xmlns:a16="http://schemas.microsoft.com/office/drawing/2014/main" id="{750D0298-829F-C352-2D3E-85830467E8FD}"/>
-              </a:ext>
-            </a:extLst>
-          </p:cNvPr>
-          <p:cNvPicPr>
-            <a:picLocks noChangeAspect="1" noChangeArrowheads="1"/>
-          </p:cNvPicPr>
-          <p:nvPr/>
-        </p:nvPicPr>
-        <p:blipFill>
-          <a:blip r:embed="rId5">
-            <a:extLst>
-              <a:ext uri="{28A0092B-C50C-407E-A947-70E740481C1C}">
-                <a14:useLocalDpi xmlns:a14="http://schemas.microsoft.com/office/drawing/2010/main" val="0"/>
-              </a:ext>
-            </a:extLst>
-          </a:blip>
-          <a:srcRect/>
-          <a:stretch>
-            <a:fillRect/>
-          </a:stretch>
-        </p:blipFill>
-        <p:spPr bwMode="auto">
-          <a:xfrm>
-            <a:off x="113291" y="3429000"/>
-            <a:ext cx="3297985" cy="3333600"/>
-          </a:xfrm>
-          <a:prstGeom prst="rect">
-            <a:avLst/>
-          </a:prstGeom>
-          <a:noFill/>
-          <a:extLst>
-            <a:ext uri="{909E8E84-426E-40DD-AFC4-6F175D3DCCD1}">
-              <a14:hiddenFill xmlns:a14="http://schemas.microsoft.com/office/drawing/2010/main">
-                <a:solidFill>
-                  <a:srgbClr val="FFFFFF"/>
-                </a:solidFill>
-              </a14:hiddenFill>
-            </a:ext>
-          </a:extLst>
-        </p:spPr>
-      </p:pic>
-      <p:pic>
-        <p:nvPicPr>
-          <p:cNvPr id="5130" name="Picture 10">
-            <a:extLst>
-              <a:ext uri="{FF2B5EF4-FFF2-40B4-BE49-F238E27FC236}">
-                <a16:creationId xmlns:a16="http://schemas.microsoft.com/office/drawing/2014/main" id="{131F4450-217C-6A96-3E83-EB4B0C1750EB}"/>
-              </a:ext>
-            </a:extLst>
-          </p:cNvPr>
-          <p:cNvPicPr>
-            <a:picLocks noChangeAspect="1" noChangeArrowheads="1"/>
-          </p:cNvPicPr>
-          <p:nvPr/>
-        </p:nvPicPr>
-        <p:blipFill>
-          <a:blip r:embed="rId6">
-            <a:extLst>
-              <a:ext uri="{28A0092B-C50C-407E-A947-70E740481C1C}">
-                <a14:useLocalDpi xmlns:a14="http://schemas.microsoft.com/office/drawing/2010/main" val="0"/>
-              </a:ext>
-            </a:extLst>
-          </a:blip>
-          <a:srcRect/>
-          <a:stretch>
-            <a:fillRect/>
-          </a:stretch>
-        </p:blipFill>
-        <p:spPr bwMode="auto">
-          <a:xfrm>
-            <a:off x="3411275" y="3429000"/>
-            <a:ext cx="3297985" cy="3333600"/>
-          </a:xfrm>
-          <a:prstGeom prst="rect">
-            <a:avLst/>
-          </a:prstGeom>
-          <a:noFill/>
-          <a:extLst>
-            <a:ext uri="{909E8E84-426E-40DD-AFC4-6F175D3DCCD1}">
-              <a14:hiddenFill xmlns:a14="http://schemas.microsoft.com/office/drawing/2010/main">
-                <a:solidFill>
-                  <a:srgbClr val="FFFFFF"/>
-                </a:solidFill>
-              </a14:hiddenFill>
-            </a:ext>
-          </a:extLst>
-        </p:spPr>
-      </p:pic>
       <p:sp>
         <p:nvSpPr>
           <p:cNvPr id="2" name="TextBox 1">
             <a:extLst>
               <a:ext uri="{FF2B5EF4-FFF2-40B4-BE49-F238E27FC236}">
-                <a16:creationId xmlns:a16="http://schemas.microsoft.com/office/drawing/2014/main" id="{2ADF8E23-AF74-2FF9-C499-3687EDDAE83E}"/>
+                <a16:creationId xmlns:a16="http://schemas.microsoft.com/office/drawing/2014/main" id="{23B3E831-1269-EDEC-B694-806C47C84421}"/>
               </a:ext>
             </a:extLst>
           </p:cNvPr>
@@ -10400,8 +11325,8 @@
         </p:nvSpPr>
         <p:spPr>
           <a:xfrm>
-            <a:off x="6929718" y="192539"/>
-            <a:ext cx="5011271" cy="3139321"/>
+            <a:off x="7351059" y="170330"/>
+            <a:ext cx="4553680" cy="6740307"/>
           </a:xfrm>
           <a:prstGeom prst="rect">
             <a:avLst/>
@@ -10416,15 +11341,23 @@
           <a:p>
             <a:r>
               <a:rPr lang="el-GR" dirty="0"/>
-              <a:t>Το </a:t>
-            </a:r>
-            <a:r>
-              <a:rPr lang="en-US" dirty="0"/>
-              <a:t>CO2 </a:t>
+              <a:t>Στο διπλανό διάγραμμα παρατηρούμε ότι το όζον αποτελεί μονάχα περίπου το 0.00004% της συνολικής μάζας της ατμόσφαιρας. Στους τροπικούς παρατηρούμε την ελάχιστη τιμή με μόλις 3.52 * 10⁻⁵ % το οποίο είναι αναμενόμενο καθώς γνωρίζουμε ότι λόγω των μηχανισμών κίνησης των αερίων μαζών στην ατμόσφαιρα, το όζον μετακινείται από τους τροπικούς προς τους πόλους. Στα υπόλοιπα γεωγραφικά πλάτη, παρατηρούμε ότι η συγκέντρωσή του είναι ελάχιστα μεγαλύτερη κατά την χειμερινή περίοδο. Αυτό συμβαίνει διότι το όζον διασπάται υπό την παρουσία ηλιακής ακτινοβολίας και κατά την θερινή περίοδο που παρατηρούνται περισσότερες ώρες ηλιοφάνειας, διασπάται μεγαλύτερη ποσότητα όζοντος σε σχέση με την χειμερινή περίοδο. Μικρή απόκλιση παρατηρούμε και αν συγκρίνουμε για την ίδια εποχή τα μέσα με τα </a:t>
+            </a:r>
+            <a:r>
+              <a:rPr lang="el-GR" dirty="0" err="1"/>
+              <a:t>υπο</a:t>
             </a:r>
             <a:r>
               <a:rPr lang="el-GR" dirty="0"/>
-              <a:t>θεωρείται ένας από τους κύριους ρύπους της ατμόσφαιρας και ένα από τα βασικά αέρια του θερμοκηπίου το οποίο προέρχεται τόσο από ανθρωπογενείς παράγοντες (π.χ. καύση) όσο και από φυσικές διεργασίες (π.χ. έκρηξη ηφαιστείου). Ισχύουν αντίστοιχα και για το αέριο αυτό τα όσα αναφέραμε και για το οξυγόνο. Παρατηρείται και εδώ εκθετική μείωση της συγκέντρωσής του σε σχέση με το υψόμετρο καθώς και επίσης ελαφρώς μεγαλύτερες τιμές κατά τους χειμερινούς μήνες λόγω της μειωμένης θερμοκρασίας. </a:t>
+              <a:t>-αρκτικά πλάτη. Λόγω της κλίσης της Γης, η ακτινοβολία που δέχονται τα </a:t>
+            </a:r>
+            <a:r>
+              <a:rPr lang="el-GR" dirty="0" err="1"/>
+              <a:t>υπο</a:t>
+            </a:r>
+            <a:r>
+              <a:rPr lang="el-GR" dirty="0"/>
+              <a:t>-αρκτικά πλάτη είναι λιγότερη και συνεπώς η συγκέντρωση του όζοντος είναι ελάχιστα μεγαλύτερη.</a:t>
             </a:r>
             <a:endParaRPr lang="en-GB" dirty="0"/>
           </a:p>
@@ -10433,7 +11366,7 @@
     </p:spTree>
     <p:extLst>
       <p:ext uri="{BB962C8B-B14F-4D97-AF65-F5344CB8AC3E}">
-        <p14:creationId xmlns:p14="http://schemas.microsoft.com/office/powerpoint/2010/main" val="3072515677"/>
+        <p14:creationId xmlns:p14="http://schemas.microsoft.com/office/powerpoint/2010/main" val="1740667269"/>
       </p:ext>
     </p:extLst>
   </p:cSld>

--- a/Radiation and Atmosphere Interaction/Report 0/ΕργασίαΜηδέν.pptx
+++ b/Radiation and Atmosphere Interaction/Report 0/ΕργασίαΜηδέν.pptx
@@ -5,30 +5,31 @@
     <p:sldMasterId id="2147483757" r:id="rId1"/>
   </p:sldMasterIdLst>
   <p:notesMasterIdLst>
-    <p:notesMasterId r:id="rId23"/>
+    <p:notesMasterId r:id="rId24"/>
   </p:notesMasterIdLst>
   <p:sldIdLst>
     <p:sldId id="256" r:id="rId2"/>
     <p:sldId id="262" r:id="rId3"/>
-    <p:sldId id="272" r:id="rId4"/>
-    <p:sldId id="263" r:id="rId5"/>
-    <p:sldId id="270" r:id="rId6"/>
-    <p:sldId id="273" r:id="rId7"/>
-    <p:sldId id="276" r:id="rId8"/>
-    <p:sldId id="265" r:id="rId9"/>
-    <p:sldId id="274" r:id="rId10"/>
-    <p:sldId id="268" r:id="rId11"/>
-    <p:sldId id="278" r:id="rId12"/>
-    <p:sldId id="266" r:id="rId13"/>
-    <p:sldId id="275" r:id="rId14"/>
-    <p:sldId id="267" r:id="rId15"/>
-    <p:sldId id="277" r:id="rId16"/>
-    <p:sldId id="257" r:id="rId17"/>
-    <p:sldId id="258" r:id="rId18"/>
-    <p:sldId id="259" r:id="rId19"/>
-    <p:sldId id="260" r:id="rId20"/>
-    <p:sldId id="261" r:id="rId21"/>
-    <p:sldId id="271" r:id="rId22"/>
+    <p:sldId id="279" r:id="rId4"/>
+    <p:sldId id="272" r:id="rId5"/>
+    <p:sldId id="263" r:id="rId6"/>
+    <p:sldId id="270" r:id="rId7"/>
+    <p:sldId id="273" r:id="rId8"/>
+    <p:sldId id="276" r:id="rId9"/>
+    <p:sldId id="265" r:id="rId10"/>
+    <p:sldId id="274" r:id="rId11"/>
+    <p:sldId id="268" r:id="rId12"/>
+    <p:sldId id="278" r:id="rId13"/>
+    <p:sldId id="266" r:id="rId14"/>
+    <p:sldId id="275" r:id="rId15"/>
+    <p:sldId id="267" r:id="rId16"/>
+    <p:sldId id="277" r:id="rId17"/>
+    <p:sldId id="257" r:id="rId18"/>
+    <p:sldId id="258" r:id="rId19"/>
+    <p:sldId id="259" r:id="rId20"/>
+    <p:sldId id="260" r:id="rId21"/>
+    <p:sldId id="261" r:id="rId22"/>
+    <p:sldId id="271" r:id="rId23"/>
   </p:sldIdLst>
   <p:sldSz cx="12192000" cy="6858000"/>
   <p:notesSz cx="6858000" cy="9144000"/>
@@ -217,7 +218,7 @@
           <a:p>
             <a:fld id="{5059C885-F74F-4F26-9D14-847F9B1FFD54}" type="datetimeFigureOut">
               <a:rPr lang="en-GB" smtClean="0"/>
-              <a:t>01/11/2024</a:t>
+              <a:t>04/11/2024</a:t>
             </a:fld>
             <a:endParaRPr lang="en-GB"/>
           </a:p>
@@ -638,7 +639,7 @@
           <a:p>
             <a:fld id="{79C5A860-F335-4252-AA00-24FB67ED2982}" type="datetime1">
               <a:rPr lang="en-US" smtClean="0"/>
-              <a:t>11/1/2024</a:t>
+              <a:t>11/4/2024</a:t>
             </a:fld>
             <a:endParaRPr lang="en-US"/>
           </a:p>
@@ -837,7 +838,7 @@
           <a:p>
             <a:fld id="{46AB1048-0047-48CA-88BA-D69B470942CF}" type="datetime1">
               <a:rPr lang="en-US" smtClean="0"/>
-              <a:t>11/1/2024</a:t>
+              <a:t>11/4/2024</a:t>
             </a:fld>
             <a:endParaRPr lang="en-US"/>
           </a:p>
@@ -1047,7 +1048,7 @@
           <a:p>
             <a:fld id="{5BD83879-648C-49A9-81A2-0EF5946532D0}" type="datetime1">
               <a:rPr lang="en-US" smtClean="0"/>
-              <a:t>11/1/2024</a:t>
+              <a:t>11/4/2024</a:t>
             </a:fld>
             <a:endParaRPr lang="en-US"/>
           </a:p>
@@ -1245,7 +1246,7 @@
           <a:p>
             <a:fld id="{D04BC802-30E3-4658-9CCA-F873646FEC67}" type="datetime1">
               <a:rPr lang="en-US" smtClean="0"/>
-              <a:t>11/1/2024</a:t>
+              <a:t>11/4/2024</a:t>
             </a:fld>
             <a:endParaRPr lang="en-US"/>
           </a:p>
@@ -1523,7 +1524,7 @@
           <a:p>
             <a:fld id="{0AB227A3-19CE-4153-81CE-64EB7AB094B3}" type="datetime1">
               <a:rPr lang="en-US" smtClean="0"/>
-              <a:t>11/1/2024</a:t>
+              <a:t>11/4/2024</a:t>
             </a:fld>
             <a:endParaRPr lang="en-US"/>
           </a:p>
@@ -1790,7 +1791,7 @@
           <a:p>
             <a:fld id="{B819A100-10F6-477E-8847-29D479EF1C92}" type="datetime1">
               <a:rPr lang="en-US" smtClean="0"/>
-              <a:t>11/1/2024</a:t>
+              <a:t>11/4/2024</a:t>
             </a:fld>
             <a:endParaRPr lang="en-US"/>
           </a:p>
@@ -2204,7 +2205,7 @@
           <a:p>
             <a:fld id="{5DF128AB-198A-495F-8475-FDB360C9873F}" type="datetime1">
               <a:rPr lang="en-US" smtClean="0"/>
-              <a:t>11/1/2024</a:t>
+              <a:t>11/4/2024</a:t>
             </a:fld>
             <a:endParaRPr lang="en-US"/>
           </a:p>
@@ -2345,7 +2346,7 @@
           <a:p>
             <a:fld id="{021A235E-F8FD-479F-9FC7-18BE84110877}" type="datetime1">
               <a:rPr lang="en-US" smtClean="0"/>
-              <a:t>11/1/2024</a:t>
+              <a:t>11/4/2024</a:t>
             </a:fld>
             <a:endParaRPr lang="en-US"/>
           </a:p>
@@ -2458,7 +2459,7 @@
           <a:p>
             <a:fld id="{E890F09B-68DA-462E-9DB4-4C9ADAB8CBCC}" type="datetime1">
               <a:rPr lang="en-US" smtClean="0"/>
-              <a:t>11/1/2024</a:t>
+              <a:t>11/4/2024</a:t>
             </a:fld>
             <a:endParaRPr lang="en-US"/>
           </a:p>
@@ -2777,7 +2778,7 @@
           <a:p>
             <a:fld id="{17AC4E36-FABE-47EB-AA7F-C19A93824617}" type="datetime1">
               <a:rPr lang="en-US" smtClean="0"/>
-              <a:t>11/1/2024</a:t>
+              <a:t>11/4/2024</a:t>
             </a:fld>
             <a:endParaRPr lang="en-US"/>
           </a:p>
@@ -3074,7 +3075,7 @@
           <a:p>
             <a:fld id="{F199CE6B-5DE6-4A2D-B72E-5E8969F9F56F}" type="datetime1">
               <a:rPr lang="en-US" smtClean="0"/>
-              <a:t>11/1/2024</a:t>
+              <a:t>11/4/2024</a:t>
             </a:fld>
             <a:endParaRPr lang="en-US"/>
           </a:p>
@@ -3935,7 +3936,7 @@
           <a:p>
             <a:fld id="{F481A142-DA77-4A5F-AD1F-14E6C18F0F5F}" type="datetime1">
               <a:rPr lang="en-US" smtClean="0"/>
-              <a:t>11/1/2024</a:t>
+              <a:t>11/4/2024</a:t>
             </a:fld>
             <a:endParaRPr lang="en-US" dirty="0"/>
           </a:p>
@@ -4960,56 +4961,12 @@
           <a:chExt cx="0" cy="0"/>
         </a:xfrm>
       </p:grpSpPr>
-      <p:sp>
-        <p:nvSpPr>
-          <p:cNvPr id="2" name="TextBox 1">
-            <a:extLst>
-              <a:ext uri="{FF2B5EF4-FFF2-40B4-BE49-F238E27FC236}">
-                <a16:creationId xmlns:a16="http://schemas.microsoft.com/office/drawing/2014/main" id="{FE14A150-41D7-7317-2D47-2A6B0D68AFDE}"/>
-              </a:ext>
-            </a:extLst>
-          </p:cNvPr>
-          <p:cNvSpPr txBox="1"/>
-          <p:nvPr/>
-        </p:nvSpPr>
-        <p:spPr>
-          <a:xfrm>
-            <a:off x="6781406" y="188057"/>
-            <a:ext cx="5367855" cy="3139321"/>
-          </a:xfrm>
-          <a:prstGeom prst="rect">
-            <a:avLst/>
-          </a:prstGeom>
-          <a:noFill/>
-        </p:spPr>
-        <p:txBody>
-          <a:bodyPr wrap="square" rtlCol="0">
-            <a:spAutoFit/>
-          </a:bodyPr>
-          <a:lstStyle/>
-          <a:p>
-            <a:r>
-              <a:rPr lang="el-GR" dirty="0"/>
-              <a:t>Το ΝΟ2 θεωρείται ρύπος στην ατμόσφαιρα και σχηματίζεται κυρίως λόγω της διαδικασίας της καύσης σε υψηλές θερμοκρασίες. Τέτοιες διεργασίες τείνουν να είναι περισσότερες κατά την χειμερινή περίοδο οπότε η μικρή αύξηση που παρατηρείται στην συγκέντρωση του ΝΟ2 κοντά στην επιφάνεια της Γης (και κυρίως στα </a:t>
-            </a:r>
-            <a:r>
-              <a:rPr lang="el-GR" dirty="0" err="1"/>
-              <a:t>υπο</a:t>
-            </a:r>
-            <a:r>
-              <a:rPr lang="el-GR" dirty="0"/>
-              <a:t>-αρκτικά πλάτη) είναι δικαιολογημένη. Στην στρατόσφαιρα, παρατηρείται η μεγαλύτερη συγκέντρωση του αερίου και με υψηλότερες τιμές κατά την θερινή περίοδο καθώς το αέριο είναι παράγωγο της διάσπασης του όζοντος.</a:t>
-            </a:r>
-            <a:endParaRPr lang="en-GB" dirty="0"/>
-          </a:p>
-        </p:txBody>
-      </p:sp>
       <p:pic>
         <p:nvPicPr>
-          <p:cNvPr id="5122" name="Picture 2">
-            <a:extLst>
-              <a:ext uri="{FF2B5EF4-FFF2-40B4-BE49-F238E27FC236}">
-                <a16:creationId xmlns:a16="http://schemas.microsoft.com/office/drawing/2014/main" id="{19A2AE54-5E67-3455-41E0-DB2D8861E44B}"/>
+          <p:cNvPr id="10242" name="Picture 2">
+            <a:extLst>
+              <a:ext uri="{FF2B5EF4-FFF2-40B4-BE49-F238E27FC236}">
+                <a16:creationId xmlns:a16="http://schemas.microsoft.com/office/drawing/2014/main" id="{CFFA0BBC-7F97-60B7-7132-0DA9E3405A6B}"/>
               </a:ext>
             </a:extLst>
           </p:cNvPr>
@@ -5033,13 +4990,22 @@
         </p:blipFill>
         <p:spPr bwMode="auto">
           <a:xfrm>
-            <a:off x="7829983" y="3424518"/>
-            <a:ext cx="3270702" cy="3333600"/>
+            <a:off x="287261" y="741104"/>
+            <a:ext cx="6678318" cy="5400000"/>
           </a:xfrm>
           <a:prstGeom prst="rect">
             <a:avLst/>
           </a:prstGeom>
-          <a:noFill/>
+          <a:ln>
+            <a:noFill/>
+          </a:ln>
+          <a:effectLst>
+            <a:outerShdw blurRad="292100" dist="139700" dir="2700000" algn="tl" rotWithShape="0">
+              <a:srgbClr val="333333">
+                <a:alpha val="65000"/>
+              </a:srgbClr>
+            </a:outerShdw>
+          </a:effectLst>
           <a:extLst>
             <a:ext uri="{909E8E84-426E-40DD-AFC4-6F175D3DCCD1}">
               <a14:hiddenFill xmlns:a14="http://schemas.microsoft.com/office/drawing/2010/main">
@@ -5051,198 +5017,62 @@
           </a:extLst>
         </p:spPr>
       </p:pic>
-      <p:pic>
-        <p:nvPicPr>
-          <p:cNvPr id="5124" name="Picture 4">
-            <a:extLst>
-              <a:ext uri="{FF2B5EF4-FFF2-40B4-BE49-F238E27FC236}">
-                <a16:creationId xmlns:a16="http://schemas.microsoft.com/office/drawing/2014/main" id="{053CE411-0F16-F7B6-29DC-46CC281C520F}"/>
-              </a:ext>
-            </a:extLst>
-          </p:cNvPr>
-          <p:cNvPicPr>
-            <a:picLocks noChangeAspect="1" noChangeArrowheads="1"/>
-          </p:cNvPicPr>
+      <p:sp>
+        <p:nvSpPr>
+          <p:cNvPr id="2" name="TextBox 1">
+            <a:extLst>
+              <a:ext uri="{FF2B5EF4-FFF2-40B4-BE49-F238E27FC236}">
+                <a16:creationId xmlns:a16="http://schemas.microsoft.com/office/drawing/2014/main" id="{23B3E831-1269-EDEC-B694-806C47C84421}"/>
+              </a:ext>
+            </a:extLst>
+          </p:cNvPr>
+          <p:cNvSpPr txBox="1"/>
           <p:nvPr/>
-        </p:nvPicPr>
-        <p:blipFill>
-          <a:blip r:embed="rId3">
-            <a:extLst>
-              <a:ext uri="{28A0092B-C50C-407E-A947-70E740481C1C}">
-                <a14:useLocalDpi xmlns:a14="http://schemas.microsoft.com/office/drawing/2010/main" val="0"/>
-              </a:ext>
-            </a:extLst>
-          </a:blip>
-          <a:srcRect/>
-          <a:stretch>
-            <a:fillRect/>
-          </a:stretch>
-        </p:blipFill>
-        <p:spPr bwMode="auto">
-          <a:xfrm>
-            <a:off x="93913" y="90918"/>
-            <a:ext cx="3389509" cy="3333600"/>
+        </p:nvSpPr>
+        <p:spPr>
+          <a:xfrm>
+            <a:off x="7351059" y="170330"/>
+            <a:ext cx="4553680" cy="6740307"/>
           </a:xfrm>
           <a:prstGeom prst="rect">
             <a:avLst/>
           </a:prstGeom>
           <a:noFill/>
-          <a:extLst>
-            <a:ext uri="{909E8E84-426E-40DD-AFC4-6F175D3DCCD1}">
-              <a14:hiddenFill xmlns:a14="http://schemas.microsoft.com/office/drawing/2010/main">
-                <a:solidFill>
-                  <a:srgbClr val="FFFFFF"/>
-                </a:solidFill>
-              </a14:hiddenFill>
-            </a:ext>
-          </a:extLst>
-        </p:spPr>
-      </p:pic>
-      <p:pic>
-        <p:nvPicPr>
-          <p:cNvPr id="5126" name="Picture 6">
-            <a:extLst>
-              <a:ext uri="{FF2B5EF4-FFF2-40B4-BE49-F238E27FC236}">
-                <a16:creationId xmlns:a16="http://schemas.microsoft.com/office/drawing/2014/main" id="{02226AC0-01ED-6FFC-1A49-87776895FDC9}"/>
-              </a:ext>
-            </a:extLst>
-          </p:cNvPr>
-          <p:cNvPicPr>
-            <a:picLocks noChangeAspect="1" noChangeArrowheads="1"/>
-          </p:cNvPicPr>
-          <p:nvPr/>
-        </p:nvPicPr>
-        <p:blipFill>
-          <a:blip r:embed="rId4">
-            <a:extLst>
-              <a:ext uri="{28A0092B-C50C-407E-A947-70E740481C1C}">
-                <a14:useLocalDpi xmlns:a14="http://schemas.microsoft.com/office/drawing/2010/main" val="0"/>
-              </a:ext>
-            </a:extLst>
-          </a:blip>
-          <a:srcRect/>
-          <a:stretch>
-            <a:fillRect/>
-          </a:stretch>
-        </p:blipFill>
-        <p:spPr bwMode="auto">
-          <a:xfrm>
-            <a:off x="3486110" y="90918"/>
-            <a:ext cx="3270702" cy="3333600"/>
-          </a:xfrm>
-          <a:prstGeom prst="rect">
-            <a:avLst/>
-          </a:prstGeom>
-          <a:noFill/>
-          <a:extLst>
-            <a:ext uri="{909E8E84-426E-40DD-AFC4-6F175D3DCCD1}">
-              <a14:hiddenFill xmlns:a14="http://schemas.microsoft.com/office/drawing/2010/main">
-                <a:solidFill>
-                  <a:srgbClr val="FFFFFF"/>
-                </a:solidFill>
-              </a14:hiddenFill>
-            </a:ext>
-          </a:extLst>
-        </p:spPr>
-      </p:pic>
-      <p:pic>
-        <p:nvPicPr>
-          <p:cNvPr id="5128" name="Picture 8">
-            <a:extLst>
-              <a:ext uri="{FF2B5EF4-FFF2-40B4-BE49-F238E27FC236}">
-                <a16:creationId xmlns:a16="http://schemas.microsoft.com/office/drawing/2014/main" id="{BF0339F6-476D-0540-B7D0-4211E6E40779}"/>
-              </a:ext>
-            </a:extLst>
-          </p:cNvPr>
-          <p:cNvPicPr>
-            <a:picLocks noChangeAspect="1" noChangeArrowheads="1"/>
-          </p:cNvPicPr>
-          <p:nvPr/>
-        </p:nvPicPr>
-        <p:blipFill>
-          <a:blip r:embed="rId5">
-            <a:extLst>
-              <a:ext uri="{28A0092B-C50C-407E-A947-70E740481C1C}">
-                <a14:useLocalDpi xmlns:a14="http://schemas.microsoft.com/office/drawing/2010/main" val="0"/>
-              </a:ext>
-            </a:extLst>
-          </a:blip>
-          <a:srcRect/>
-          <a:stretch>
-            <a:fillRect/>
-          </a:stretch>
-        </p:blipFill>
-        <p:spPr bwMode="auto">
-          <a:xfrm>
-            <a:off x="169982" y="3431172"/>
-            <a:ext cx="3270702" cy="3333600"/>
-          </a:xfrm>
-          <a:prstGeom prst="rect">
-            <a:avLst/>
-          </a:prstGeom>
-          <a:noFill/>
-          <a:extLst>
-            <a:ext uri="{909E8E84-426E-40DD-AFC4-6F175D3DCCD1}">
-              <a14:hiddenFill xmlns:a14="http://schemas.microsoft.com/office/drawing/2010/main">
-                <a:solidFill>
-                  <a:srgbClr val="FFFFFF"/>
-                </a:solidFill>
-              </a14:hiddenFill>
-            </a:ext>
-          </a:extLst>
-        </p:spPr>
-      </p:pic>
-      <p:pic>
-        <p:nvPicPr>
-          <p:cNvPr id="5130" name="Picture 10">
-            <a:extLst>
-              <a:ext uri="{FF2B5EF4-FFF2-40B4-BE49-F238E27FC236}">
-                <a16:creationId xmlns:a16="http://schemas.microsoft.com/office/drawing/2014/main" id="{AB733F7D-2FA9-4C18-80B0-EAE53A2A9C60}"/>
-              </a:ext>
-            </a:extLst>
-          </p:cNvPr>
-          <p:cNvPicPr>
-            <a:picLocks noChangeAspect="1" noChangeArrowheads="1"/>
-          </p:cNvPicPr>
-          <p:nvPr/>
-        </p:nvPicPr>
-        <p:blipFill>
-          <a:blip r:embed="rId6">
-            <a:extLst>
-              <a:ext uri="{28A0092B-C50C-407E-A947-70E740481C1C}">
-                <a14:useLocalDpi xmlns:a14="http://schemas.microsoft.com/office/drawing/2010/main" val="0"/>
-              </a:ext>
-            </a:extLst>
-          </a:blip>
-          <a:srcRect/>
-          <a:stretch>
-            <a:fillRect/>
-          </a:stretch>
-        </p:blipFill>
-        <p:spPr bwMode="auto">
-          <a:xfrm>
-            <a:off x="3395257" y="3424518"/>
-            <a:ext cx="3361555" cy="3333600"/>
-          </a:xfrm>
-          <a:prstGeom prst="rect">
-            <a:avLst/>
-          </a:prstGeom>
-          <a:noFill/>
-          <a:extLst>
-            <a:ext uri="{909E8E84-426E-40DD-AFC4-6F175D3DCCD1}">
-              <a14:hiddenFill xmlns:a14="http://schemas.microsoft.com/office/drawing/2010/main">
-                <a:solidFill>
-                  <a:srgbClr val="FFFFFF"/>
-                </a:solidFill>
-              </a14:hiddenFill>
-            </a:ext>
-          </a:extLst>
-        </p:spPr>
-      </p:pic>
+        </p:spPr>
+        <p:txBody>
+          <a:bodyPr wrap="square" rtlCol="0">
+            <a:spAutoFit/>
+          </a:bodyPr>
+          <a:lstStyle/>
+          <a:p>
+            <a:r>
+              <a:rPr lang="el-GR" dirty="0"/>
+              <a:t>Στο διπλανό διάγραμμα παρατηρούμε ότι το όζον αποτελεί μονάχα περίπου το 0.00004% της συνολικής μάζας της ατμόσφαιρας. Στους τροπικούς παρατηρούμε την ελάχιστη τιμή με μόλις 3.52 * 10⁻⁵ % το οποίο είναι αναμενόμενο καθώς γνωρίζουμε ότι λόγω των μηχανισμών κίνησης των αερίων μαζών στην ατμόσφαιρα, το όζον μετακινείται από τους τροπικούς προς τους πόλους. Στα υπόλοιπα γεωγραφικά πλάτη, παρατηρούμε ότι η συγκέντρωσή του είναι ελάχιστα μεγαλύτερη κατά την χειμερινή περίοδο. Αυτό συμβαίνει διότι το όζον διασπάται υπό την παρουσία ηλιακής ακτινοβολίας και κατά την θερινή περίοδο που παρατηρούνται περισσότερες ώρες ηλιοφάνειας, διασπάται μεγαλύτερη ποσότητα όζοντος σε σχέση με την χειμερινή περίοδο. Μικρή απόκλιση παρατηρούμε και αν συγκρίνουμε για την ίδια εποχή τα μέσα με τα </a:t>
+            </a:r>
+            <a:r>
+              <a:rPr lang="el-GR" dirty="0" err="1"/>
+              <a:t>υπο</a:t>
+            </a:r>
+            <a:r>
+              <a:rPr lang="el-GR" dirty="0"/>
+              <a:t>-αρκτικά πλάτη. Λόγω της κλίσης της Γης, η ακτινοβολία που δέχονται τα </a:t>
+            </a:r>
+            <a:r>
+              <a:rPr lang="el-GR" dirty="0" err="1"/>
+              <a:t>υπο</a:t>
+            </a:r>
+            <a:r>
+              <a:rPr lang="el-GR" dirty="0"/>
+              <a:t>-αρκτικά πλάτη είναι λιγότερη και συνεπώς η συγκέντρωση του όζοντος είναι ελάχιστα μεγαλύτερη.</a:t>
+            </a:r>
+            <a:endParaRPr lang="en-GB" dirty="0"/>
+          </a:p>
+        </p:txBody>
+      </p:sp>
     </p:spTree>
     <p:extLst>
       <p:ext uri="{BB962C8B-B14F-4D97-AF65-F5344CB8AC3E}">
-        <p14:creationId xmlns:p14="http://schemas.microsoft.com/office/powerpoint/2010/main" val="740289710"/>
+        <p14:creationId xmlns:p14="http://schemas.microsoft.com/office/powerpoint/2010/main" val="1740667269"/>
       </p:ext>
     </p:extLst>
   </p:cSld>
@@ -5269,12 +5099,56 @@
           <a:chExt cx="0" cy="0"/>
         </a:xfrm>
       </p:grpSpPr>
+      <p:sp>
+        <p:nvSpPr>
+          <p:cNvPr id="2" name="TextBox 1">
+            <a:extLst>
+              <a:ext uri="{FF2B5EF4-FFF2-40B4-BE49-F238E27FC236}">
+                <a16:creationId xmlns:a16="http://schemas.microsoft.com/office/drawing/2014/main" id="{FE14A150-41D7-7317-2D47-2A6B0D68AFDE}"/>
+              </a:ext>
+            </a:extLst>
+          </p:cNvPr>
+          <p:cNvSpPr txBox="1"/>
+          <p:nvPr/>
+        </p:nvSpPr>
+        <p:spPr>
+          <a:xfrm>
+            <a:off x="6781406" y="188057"/>
+            <a:ext cx="5367855" cy="3139321"/>
+          </a:xfrm>
+          <a:prstGeom prst="rect">
+            <a:avLst/>
+          </a:prstGeom>
+          <a:noFill/>
+        </p:spPr>
+        <p:txBody>
+          <a:bodyPr wrap="square" rtlCol="0">
+            <a:spAutoFit/>
+          </a:bodyPr>
+          <a:lstStyle/>
+          <a:p>
+            <a:r>
+              <a:rPr lang="el-GR" dirty="0"/>
+              <a:t>Το ΝΟ2 θεωρείται ρύπος στην ατμόσφαιρα και σχηματίζεται κυρίως λόγω της διαδικασίας της καύσης σε υψηλές θερμοκρασίες. Τέτοιες διεργασίες τείνουν να είναι περισσότερες κατά την χειμερινή περίοδο οπότε η μικρή αύξηση που παρατηρείται στην συγκέντρωση του ΝΟ2 κοντά στην επιφάνεια της Γης (και κυρίως στα </a:t>
+            </a:r>
+            <a:r>
+              <a:rPr lang="el-GR" dirty="0" err="1"/>
+              <a:t>υπο</a:t>
+            </a:r>
+            <a:r>
+              <a:rPr lang="el-GR" dirty="0"/>
+              <a:t>-αρκτικά πλάτη) είναι δικαιολογημένη. Στην στρατόσφαιρα, παρατηρείται η μεγαλύτερη συγκέντρωση του αερίου και με υψηλότερες τιμές κατά την θερινή περίοδο καθώς το αέριο είναι παράγωγο της διάσπασης του όζοντος.</a:t>
+            </a:r>
+            <a:endParaRPr lang="en-GB" dirty="0"/>
+          </a:p>
+        </p:txBody>
+      </p:sp>
       <p:pic>
         <p:nvPicPr>
-          <p:cNvPr id="14338" name="Picture 2">
-            <a:extLst>
-              <a:ext uri="{FF2B5EF4-FFF2-40B4-BE49-F238E27FC236}">
-                <a16:creationId xmlns:a16="http://schemas.microsoft.com/office/drawing/2014/main" id="{CF4C477F-43B4-54B1-BA5E-9D2D1F7286A8}"/>
+          <p:cNvPr id="5122" name="Picture 2">
+            <a:extLst>
+              <a:ext uri="{FF2B5EF4-FFF2-40B4-BE49-F238E27FC236}">
+                <a16:creationId xmlns:a16="http://schemas.microsoft.com/office/drawing/2014/main" id="{19A2AE54-5E67-3455-41E0-DB2D8861E44B}"/>
               </a:ext>
             </a:extLst>
           </p:cNvPr>
@@ -5298,22 +5172,13 @@
         </p:blipFill>
         <p:spPr bwMode="auto">
           <a:xfrm>
-            <a:off x="377639" y="648821"/>
-            <a:ext cx="6833628" cy="5400000"/>
+            <a:off x="7829983" y="3424518"/>
+            <a:ext cx="3270702" cy="3333600"/>
           </a:xfrm>
           <a:prstGeom prst="rect">
             <a:avLst/>
           </a:prstGeom>
-          <a:ln>
-            <a:noFill/>
-          </a:ln>
-          <a:effectLst>
-            <a:outerShdw blurRad="292100" dist="139700" dir="2700000" algn="tl" rotWithShape="0">
-              <a:srgbClr val="333333">
-                <a:alpha val="65000"/>
-              </a:srgbClr>
-            </a:outerShdw>
-          </a:effectLst>
+          <a:noFill/>
           <a:extLst>
             <a:ext uri="{909E8E84-426E-40DD-AFC4-6F175D3DCCD1}">
               <a14:hiddenFill xmlns:a14="http://schemas.microsoft.com/office/drawing/2010/main">
@@ -5325,53 +5190,198 @@
           </a:extLst>
         </p:spPr>
       </p:pic>
-      <p:sp>
-        <p:nvSpPr>
-          <p:cNvPr id="2" name="TextBox 1">
-            <a:extLst>
-              <a:ext uri="{FF2B5EF4-FFF2-40B4-BE49-F238E27FC236}">
-                <a16:creationId xmlns:a16="http://schemas.microsoft.com/office/drawing/2014/main" id="{BB16F195-9E42-BE38-58E4-FB36966A71AC}"/>
-              </a:ext>
-            </a:extLst>
-          </p:cNvPr>
-          <p:cNvSpPr txBox="1"/>
+      <p:pic>
+        <p:nvPicPr>
+          <p:cNvPr id="5124" name="Picture 4">
+            <a:extLst>
+              <a:ext uri="{FF2B5EF4-FFF2-40B4-BE49-F238E27FC236}">
+                <a16:creationId xmlns:a16="http://schemas.microsoft.com/office/drawing/2014/main" id="{053CE411-0F16-F7B6-29DC-46CC281C520F}"/>
+              </a:ext>
+            </a:extLst>
+          </p:cNvPr>
+          <p:cNvPicPr>
+            <a:picLocks noChangeAspect="1" noChangeArrowheads="1"/>
+          </p:cNvPicPr>
           <p:nvPr/>
-        </p:nvSpPr>
-        <p:spPr>
-          <a:xfrm>
-            <a:off x="7593106" y="532665"/>
-            <a:ext cx="4087905" cy="5632311"/>
+        </p:nvPicPr>
+        <p:blipFill>
+          <a:blip r:embed="rId3">
+            <a:extLst>
+              <a:ext uri="{28A0092B-C50C-407E-A947-70E740481C1C}">
+                <a14:useLocalDpi xmlns:a14="http://schemas.microsoft.com/office/drawing/2010/main" val="0"/>
+              </a:ext>
+            </a:extLst>
+          </a:blip>
+          <a:srcRect/>
+          <a:stretch>
+            <a:fillRect/>
+          </a:stretch>
+        </p:blipFill>
+        <p:spPr bwMode="auto">
+          <a:xfrm>
+            <a:off x="93913" y="90918"/>
+            <a:ext cx="3389509" cy="3333600"/>
           </a:xfrm>
           <a:prstGeom prst="rect">
             <a:avLst/>
           </a:prstGeom>
           <a:noFill/>
-        </p:spPr>
-        <p:txBody>
-          <a:bodyPr wrap="square" rtlCol="0">
-            <a:spAutoFit/>
-          </a:bodyPr>
-          <a:lstStyle/>
-          <a:p>
-            <a:r>
-              <a:rPr lang="el-GR" dirty="0"/>
-              <a:t>Η συνολική συγκέντρωση του διοξειδίου του αζώτου, με βάση το διπλανό διάγραμμα, είναι λίγο μεγαλύτερη από 2.5 * 10⁻⁸%. Στον Ισημερινό καθώς και στην θερινή περίοδο στα μέσα και τα </a:t>
-            </a:r>
-            <a:r>
-              <a:rPr lang="el-GR" dirty="0" err="1"/>
-              <a:t>υπο</a:t>
-            </a:r>
-            <a:r>
-              <a:rPr lang="el-GR" dirty="0"/>
-              <a:t>-αρκτικά πλάτη δεν παρατηρούνται μεγάλες διακυμάνσεις. Παρατηρείται όμως εποχική διακύμανση για την συγκέντρωσή του καθώς τον χειμώνα φαίνεται πως έχουμε μικρότερο ποσοστό του ρύπου στον αέρα. Αυτό συμβαίνει διότι όπως προαναφέραμε, ένας από τους βασικούς τρόπους σχηματισμού του είναι έπειτα από την διάσπαση του όζοντος. Το όζον διασπάται υπό την παρουσία ηλιακής ακτινοβολίας η οποία είναι μειωμένη κατά την χειμερινή περίοδο και συνεπώς διασπάται μικρότερη ποσότητα όζοντος για να παραχθεί εν τέλει διοξείδιο του αζώτου.</a:t>
-            </a:r>
-          </a:p>
-        </p:txBody>
-      </p:sp>
+          <a:extLst>
+            <a:ext uri="{909E8E84-426E-40DD-AFC4-6F175D3DCCD1}">
+              <a14:hiddenFill xmlns:a14="http://schemas.microsoft.com/office/drawing/2010/main">
+                <a:solidFill>
+                  <a:srgbClr val="FFFFFF"/>
+                </a:solidFill>
+              </a14:hiddenFill>
+            </a:ext>
+          </a:extLst>
+        </p:spPr>
+      </p:pic>
+      <p:pic>
+        <p:nvPicPr>
+          <p:cNvPr id="5126" name="Picture 6">
+            <a:extLst>
+              <a:ext uri="{FF2B5EF4-FFF2-40B4-BE49-F238E27FC236}">
+                <a16:creationId xmlns:a16="http://schemas.microsoft.com/office/drawing/2014/main" id="{02226AC0-01ED-6FFC-1A49-87776895FDC9}"/>
+              </a:ext>
+            </a:extLst>
+          </p:cNvPr>
+          <p:cNvPicPr>
+            <a:picLocks noChangeAspect="1" noChangeArrowheads="1"/>
+          </p:cNvPicPr>
+          <p:nvPr/>
+        </p:nvPicPr>
+        <p:blipFill>
+          <a:blip r:embed="rId4">
+            <a:extLst>
+              <a:ext uri="{28A0092B-C50C-407E-A947-70E740481C1C}">
+                <a14:useLocalDpi xmlns:a14="http://schemas.microsoft.com/office/drawing/2010/main" val="0"/>
+              </a:ext>
+            </a:extLst>
+          </a:blip>
+          <a:srcRect/>
+          <a:stretch>
+            <a:fillRect/>
+          </a:stretch>
+        </p:blipFill>
+        <p:spPr bwMode="auto">
+          <a:xfrm>
+            <a:off x="3486110" y="90918"/>
+            <a:ext cx="3270702" cy="3333600"/>
+          </a:xfrm>
+          <a:prstGeom prst="rect">
+            <a:avLst/>
+          </a:prstGeom>
+          <a:noFill/>
+          <a:extLst>
+            <a:ext uri="{909E8E84-426E-40DD-AFC4-6F175D3DCCD1}">
+              <a14:hiddenFill xmlns:a14="http://schemas.microsoft.com/office/drawing/2010/main">
+                <a:solidFill>
+                  <a:srgbClr val="FFFFFF"/>
+                </a:solidFill>
+              </a14:hiddenFill>
+            </a:ext>
+          </a:extLst>
+        </p:spPr>
+      </p:pic>
+      <p:pic>
+        <p:nvPicPr>
+          <p:cNvPr id="5128" name="Picture 8">
+            <a:extLst>
+              <a:ext uri="{FF2B5EF4-FFF2-40B4-BE49-F238E27FC236}">
+                <a16:creationId xmlns:a16="http://schemas.microsoft.com/office/drawing/2014/main" id="{BF0339F6-476D-0540-B7D0-4211E6E40779}"/>
+              </a:ext>
+            </a:extLst>
+          </p:cNvPr>
+          <p:cNvPicPr>
+            <a:picLocks noChangeAspect="1" noChangeArrowheads="1"/>
+          </p:cNvPicPr>
+          <p:nvPr/>
+        </p:nvPicPr>
+        <p:blipFill>
+          <a:blip r:embed="rId5">
+            <a:extLst>
+              <a:ext uri="{28A0092B-C50C-407E-A947-70E740481C1C}">
+                <a14:useLocalDpi xmlns:a14="http://schemas.microsoft.com/office/drawing/2010/main" val="0"/>
+              </a:ext>
+            </a:extLst>
+          </a:blip>
+          <a:srcRect/>
+          <a:stretch>
+            <a:fillRect/>
+          </a:stretch>
+        </p:blipFill>
+        <p:spPr bwMode="auto">
+          <a:xfrm>
+            <a:off x="169982" y="3431172"/>
+            <a:ext cx="3270702" cy="3333600"/>
+          </a:xfrm>
+          <a:prstGeom prst="rect">
+            <a:avLst/>
+          </a:prstGeom>
+          <a:noFill/>
+          <a:extLst>
+            <a:ext uri="{909E8E84-426E-40DD-AFC4-6F175D3DCCD1}">
+              <a14:hiddenFill xmlns:a14="http://schemas.microsoft.com/office/drawing/2010/main">
+                <a:solidFill>
+                  <a:srgbClr val="FFFFFF"/>
+                </a:solidFill>
+              </a14:hiddenFill>
+            </a:ext>
+          </a:extLst>
+        </p:spPr>
+      </p:pic>
+      <p:pic>
+        <p:nvPicPr>
+          <p:cNvPr id="5130" name="Picture 10">
+            <a:extLst>
+              <a:ext uri="{FF2B5EF4-FFF2-40B4-BE49-F238E27FC236}">
+                <a16:creationId xmlns:a16="http://schemas.microsoft.com/office/drawing/2014/main" id="{AB733F7D-2FA9-4C18-80B0-EAE53A2A9C60}"/>
+              </a:ext>
+            </a:extLst>
+          </p:cNvPr>
+          <p:cNvPicPr>
+            <a:picLocks noChangeAspect="1" noChangeArrowheads="1"/>
+          </p:cNvPicPr>
+          <p:nvPr/>
+        </p:nvPicPr>
+        <p:blipFill>
+          <a:blip r:embed="rId6">
+            <a:extLst>
+              <a:ext uri="{28A0092B-C50C-407E-A947-70E740481C1C}">
+                <a14:useLocalDpi xmlns:a14="http://schemas.microsoft.com/office/drawing/2010/main" val="0"/>
+              </a:ext>
+            </a:extLst>
+          </a:blip>
+          <a:srcRect/>
+          <a:stretch>
+            <a:fillRect/>
+          </a:stretch>
+        </p:blipFill>
+        <p:spPr bwMode="auto">
+          <a:xfrm>
+            <a:off x="3395257" y="3424518"/>
+            <a:ext cx="3361555" cy="3333600"/>
+          </a:xfrm>
+          <a:prstGeom prst="rect">
+            <a:avLst/>
+          </a:prstGeom>
+          <a:noFill/>
+          <a:extLst>
+            <a:ext uri="{909E8E84-426E-40DD-AFC4-6F175D3DCCD1}">
+              <a14:hiddenFill xmlns:a14="http://schemas.microsoft.com/office/drawing/2010/main">
+                <a:solidFill>
+                  <a:srgbClr val="FFFFFF"/>
+                </a:solidFill>
+              </a14:hiddenFill>
+            </a:ext>
+          </a:extLst>
+        </p:spPr>
+      </p:pic>
     </p:spTree>
     <p:extLst>
       <p:ext uri="{BB962C8B-B14F-4D97-AF65-F5344CB8AC3E}">
-        <p14:creationId xmlns:p14="http://schemas.microsoft.com/office/powerpoint/2010/main" val="4090714108"/>
+        <p14:creationId xmlns:p14="http://schemas.microsoft.com/office/powerpoint/2010/main" val="740289710"/>
       </p:ext>
     </p:extLst>
   </p:cSld>
@@ -5398,48 +5408,12 @@
           <a:chExt cx="0" cy="0"/>
         </a:xfrm>
       </p:grpSpPr>
-      <p:sp>
-        <p:nvSpPr>
-          <p:cNvPr id="2" name="TextBox 1">
-            <a:extLst>
-              <a:ext uri="{FF2B5EF4-FFF2-40B4-BE49-F238E27FC236}">
-                <a16:creationId xmlns:a16="http://schemas.microsoft.com/office/drawing/2014/main" id="{A6887033-8897-EDCF-EE63-3AF841D48E57}"/>
-              </a:ext>
-            </a:extLst>
-          </p:cNvPr>
-          <p:cNvSpPr txBox="1"/>
-          <p:nvPr/>
-        </p:nvSpPr>
-        <p:spPr>
-          <a:xfrm>
-            <a:off x="6858000" y="197224"/>
-            <a:ext cx="5118847" cy="3139321"/>
-          </a:xfrm>
-          <a:prstGeom prst="rect">
-            <a:avLst/>
-          </a:prstGeom>
-          <a:noFill/>
-        </p:spPr>
-        <p:txBody>
-          <a:bodyPr wrap="square" rtlCol="0">
-            <a:spAutoFit/>
-          </a:bodyPr>
-          <a:lstStyle/>
-          <a:p>
-            <a:r>
-              <a:rPr lang="el-GR" dirty="0"/>
-              <a:t>Το οξυγόνο, ακολουθεί και αυτό την κατανομή της συγκέντρωσης του αέρα και μειώνεται εκθετικά με το ύψος για τους ίδιους λόγους που αναφέραμε και για την ατμοσφαιρική πίεση. Οι γραφικές παραστάσεις μας υποδεικνύουν ότι η συγκέντρωσή του στη ΜΣΘ είναι μεγαλύτερη κατά τους χειμερινούς μήνες όπου οι θερμοκρασίες είναι χαμηλότερες, κάτι που είναι αναμενόμενο καθώς, λόγω τη μειωμένης κινητικής ενέργειας των μορίων, αυτά τείνουν να εκτελούν μικρότερες ανοδικές κινήσεις και να μένουν κοντά στο έδαφος.</a:t>
-            </a:r>
-            <a:endParaRPr lang="en-GB" dirty="0"/>
-          </a:p>
-        </p:txBody>
-      </p:sp>
       <p:pic>
         <p:nvPicPr>
-          <p:cNvPr id="6146" name="Picture 2">
-            <a:extLst>
-              <a:ext uri="{FF2B5EF4-FFF2-40B4-BE49-F238E27FC236}">
-                <a16:creationId xmlns:a16="http://schemas.microsoft.com/office/drawing/2014/main" id="{59B1558C-C07B-09E2-34D8-E63D610DF52F}"/>
+          <p:cNvPr id="14338" name="Picture 2">
+            <a:extLst>
+              <a:ext uri="{FF2B5EF4-FFF2-40B4-BE49-F238E27FC236}">
+                <a16:creationId xmlns:a16="http://schemas.microsoft.com/office/drawing/2014/main" id="{CF4C477F-43B4-54B1-BA5E-9D2D1F7286A8}"/>
               </a:ext>
             </a:extLst>
           </p:cNvPr>
@@ -5463,13 +5437,22 @@
         </p:blipFill>
         <p:spPr bwMode="auto">
           <a:xfrm>
-            <a:off x="7782072" y="3521456"/>
-            <a:ext cx="3270702" cy="3333600"/>
+            <a:off x="377639" y="648821"/>
+            <a:ext cx="6833628" cy="5400000"/>
           </a:xfrm>
           <a:prstGeom prst="rect">
             <a:avLst/>
           </a:prstGeom>
-          <a:noFill/>
+          <a:ln>
+            <a:noFill/>
+          </a:ln>
+          <a:effectLst>
+            <a:outerShdw blurRad="292100" dist="139700" dir="2700000" algn="tl" rotWithShape="0">
+              <a:srgbClr val="333333">
+                <a:alpha val="65000"/>
+              </a:srgbClr>
+            </a:outerShdw>
+          </a:effectLst>
           <a:extLst>
             <a:ext uri="{909E8E84-426E-40DD-AFC4-6F175D3DCCD1}">
               <a14:hiddenFill xmlns:a14="http://schemas.microsoft.com/office/drawing/2010/main">
@@ -5481,198 +5464,53 @@
           </a:extLst>
         </p:spPr>
       </p:pic>
-      <p:pic>
-        <p:nvPicPr>
-          <p:cNvPr id="6148" name="Picture 4">
-            <a:extLst>
-              <a:ext uri="{FF2B5EF4-FFF2-40B4-BE49-F238E27FC236}">
-                <a16:creationId xmlns:a16="http://schemas.microsoft.com/office/drawing/2014/main" id="{C892F49A-BC14-0BC2-FCD1-303AFDEADF4D}"/>
-              </a:ext>
-            </a:extLst>
-          </p:cNvPr>
-          <p:cNvPicPr>
-            <a:picLocks noChangeAspect="1" noChangeArrowheads="1"/>
-          </p:cNvPicPr>
+      <p:sp>
+        <p:nvSpPr>
+          <p:cNvPr id="2" name="TextBox 1">
+            <a:extLst>
+              <a:ext uri="{FF2B5EF4-FFF2-40B4-BE49-F238E27FC236}">
+                <a16:creationId xmlns:a16="http://schemas.microsoft.com/office/drawing/2014/main" id="{BB16F195-9E42-BE38-58E4-FB36966A71AC}"/>
+              </a:ext>
+            </a:extLst>
+          </p:cNvPr>
+          <p:cNvSpPr txBox="1"/>
           <p:nvPr/>
-        </p:nvPicPr>
-        <p:blipFill>
-          <a:blip r:embed="rId3">
-            <a:extLst>
-              <a:ext uri="{28A0092B-C50C-407E-A947-70E740481C1C}">
-                <a14:useLocalDpi xmlns:a14="http://schemas.microsoft.com/office/drawing/2010/main" val="0"/>
-              </a:ext>
-            </a:extLst>
-          </a:blip>
-          <a:srcRect/>
-          <a:stretch>
-            <a:fillRect/>
-          </a:stretch>
-        </p:blipFill>
-        <p:spPr bwMode="auto">
-          <a:xfrm>
-            <a:off x="126930" y="95400"/>
-            <a:ext cx="3270702" cy="3333600"/>
+        </p:nvSpPr>
+        <p:spPr>
+          <a:xfrm>
+            <a:off x="7593106" y="532665"/>
+            <a:ext cx="4087905" cy="5632311"/>
           </a:xfrm>
           <a:prstGeom prst="rect">
             <a:avLst/>
           </a:prstGeom>
           <a:noFill/>
-          <a:extLst>
-            <a:ext uri="{909E8E84-426E-40DD-AFC4-6F175D3DCCD1}">
-              <a14:hiddenFill xmlns:a14="http://schemas.microsoft.com/office/drawing/2010/main">
-                <a:solidFill>
-                  <a:srgbClr val="FFFFFF"/>
-                </a:solidFill>
-              </a14:hiddenFill>
-            </a:ext>
-          </a:extLst>
-        </p:spPr>
-      </p:pic>
-      <p:pic>
-        <p:nvPicPr>
-          <p:cNvPr id="6150" name="Picture 6">
-            <a:extLst>
-              <a:ext uri="{FF2B5EF4-FFF2-40B4-BE49-F238E27FC236}">
-                <a16:creationId xmlns:a16="http://schemas.microsoft.com/office/drawing/2014/main" id="{B0CB70F6-5651-173B-B8B6-064DFDD1D2B6}"/>
-              </a:ext>
-            </a:extLst>
-          </p:cNvPr>
-          <p:cNvPicPr>
-            <a:picLocks noChangeAspect="1" noChangeArrowheads="1"/>
-          </p:cNvPicPr>
-          <p:nvPr/>
-        </p:nvPicPr>
-        <p:blipFill>
-          <a:blip r:embed="rId4">
-            <a:extLst>
-              <a:ext uri="{28A0092B-C50C-407E-A947-70E740481C1C}">
-                <a14:useLocalDpi xmlns:a14="http://schemas.microsoft.com/office/drawing/2010/main" val="0"/>
-              </a:ext>
-            </a:extLst>
-          </a:blip>
-          <a:srcRect/>
-          <a:stretch>
-            <a:fillRect/>
-          </a:stretch>
-        </p:blipFill>
-        <p:spPr bwMode="auto">
-          <a:xfrm>
-            <a:off x="3411273" y="95400"/>
-            <a:ext cx="3270702" cy="3333600"/>
-          </a:xfrm>
-          <a:prstGeom prst="rect">
-            <a:avLst/>
-          </a:prstGeom>
-          <a:noFill/>
-          <a:extLst>
-            <a:ext uri="{909E8E84-426E-40DD-AFC4-6F175D3DCCD1}">
-              <a14:hiddenFill xmlns:a14="http://schemas.microsoft.com/office/drawing/2010/main">
-                <a:solidFill>
-                  <a:srgbClr val="FFFFFF"/>
-                </a:solidFill>
-              </a14:hiddenFill>
-            </a:ext>
-          </a:extLst>
-        </p:spPr>
-      </p:pic>
-      <p:pic>
-        <p:nvPicPr>
-          <p:cNvPr id="6152" name="Picture 8">
-            <a:extLst>
-              <a:ext uri="{FF2B5EF4-FFF2-40B4-BE49-F238E27FC236}">
-                <a16:creationId xmlns:a16="http://schemas.microsoft.com/office/drawing/2014/main" id="{CA402EBD-9B13-936F-7B71-C6373897150C}"/>
-              </a:ext>
-            </a:extLst>
-          </p:cNvPr>
-          <p:cNvPicPr>
-            <a:picLocks noChangeAspect="1" noChangeArrowheads="1"/>
-          </p:cNvPicPr>
-          <p:nvPr/>
-        </p:nvPicPr>
-        <p:blipFill>
-          <a:blip r:embed="rId5">
-            <a:extLst>
-              <a:ext uri="{28A0092B-C50C-407E-A947-70E740481C1C}">
-                <a14:useLocalDpi xmlns:a14="http://schemas.microsoft.com/office/drawing/2010/main" val="0"/>
-              </a:ext>
-            </a:extLst>
-          </a:blip>
-          <a:srcRect/>
-          <a:stretch>
-            <a:fillRect/>
-          </a:stretch>
-        </p:blipFill>
-        <p:spPr bwMode="auto">
-          <a:xfrm>
-            <a:off x="140572" y="3429000"/>
-            <a:ext cx="3270702" cy="3333600"/>
-          </a:xfrm>
-          <a:prstGeom prst="rect">
-            <a:avLst/>
-          </a:prstGeom>
-          <a:noFill/>
-          <a:extLst>
-            <a:ext uri="{909E8E84-426E-40DD-AFC4-6F175D3DCCD1}">
-              <a14:hiddenFill xmlns:a14="http://schemas.microsoft.com/office/drawing/2010/main">
-                <a:solidFill>
-                  <a:srgbClr val="FFFFFF"/>
-                </a:solidFill>
-              </a14:hiddenFill>
-            </a:ext>
-          </a:extLst>
-        </p:spPr>
-      </p:pic>
-      <p:pic>
-        <p:nvPicPr>
-          <p:cNvPr id="6154" name="Picture 10">
-            <a:extLst>
-              <a:ext uri="{FF2B5EF4-FFF2-40B4-BE49-F238E27FC236}">
-                <a16:creationId xmlns:a16="http://schemas.microsoft.com/office/drawing/2014/main" id="{D4BF71D8-FA92-C019-C6D6-A46153CB1B3A}"/>
-              </a:ext>
-            </a:extLst>
-          </p:cNvPr>
-          <p:cNvPicPr>
-            <a:picLocks noChangeAspect="1" noChangeArrowheads="1"/>
-          </p:cNvPicPr>
-          <p:nvPr/>
-        </p:nvPicPr>
-        <p:blipFill>
-          <a:blip r:embed="rId6">
-            <a:extLst>
-              <a:ext uri="{28A0092B-C50C-407E-A947-70E740481C1C}">
-                <a14:useLocalDpi xmlns:a14="http://schemas.microsoft.com/office/drawing/2010/main" val="0"/>
-              </a:ext>
-            </a:extLst>
-          </a:blip>
-          <a:srcRect/>
-          <a:stretch>
-            <a:fillRect/>
-          </a:stretch>
-        </p:blipFill>
-        <p:spPr bwMode="auto">
-          <a:xfrm>
-            <a:off x="3411273" y="3524400"/>
-            <a:ext cx="3270702" cy="3333600"/>
-          </a:xfrm>
-          <a:prstGeom prst="rect">
-            <a:avLst/>
-          </a:prstGeom>
-          <a:noFill/>
-          <a:extLst>
-            <a:ext uri="{909E8E84-426E-40DD-AFC4-6F175D3DCCD1}">
-              <a14:hiddenFill xmlns:a14="http://schemas.microsoft.com/office/drawing/2010/main">
-                <a:solidFill>
-                  <a:srgbClr val="FFFFFF"/>
-                </a:solidFill>
-              </a14:hiddenFill>
-            </a:ext>
-          </a:extLst>
-        </p:spPr>
-      </p:pic>
+        </p:spPr>
+        <p:txBody>
+          <a:bodyPr wrap="square" rtlCol="0">
+            <a:spAutoFit/>
+          </a:bodyPr>
+          <a:lstStyle/>
+          <a:p>
+            <a:r>
+              <a:rPr lang="el-GR" dirty="0"/>
+              <a:t>Η συνολική συγκέντρωση του διοξειδίου του αζώτου, με βάση το διπλανό διάγραμμα, είναι λίγο μεγαλύτερη από 2.5 * 10⁻⁸%. Στον Ισημερινό καθώς και στην θερινή περίοδο στα μέσα και τα </a:t>
+            </a:r>
+            <a:r>
+              <a:rPr lang="el-GR" dirty="0" err="1"/>
+              <a:t>υπο</a:t>
+            </a:r>
+            <a:r>
+              <a:rPr lang="el-GR" dirty="0"/>
+              <a:t>-αρκτικά πλάτη δεν παρατηρούνται μεγάλες διακυμάνσεις. Παρατηρείται όμως εποχική διακύμανση για την συγκέντρωσή του καθώς τον χειμώνα φαίνεται πως έχουμε μικρότερο ποσοστό του ρύπου στον αέρα. Αυτό συμβαίνει διότι όπως προαναφέραμε, ένας από τους βασικούς τρόπους σχηματισμού του είναι έπειτα από την διάσπαση του όζοντος. Το όζον διασπάται υπό την παρουσία ηλιακής ακτινοβολίας η οποία είναι μειωμένη κατά την χειμερινή περίοδο και συνεπώς διασπάται μικρότερη ποσότητα όζοντος για να παραχθεί εν τέλει διοξείδιο του αζώτου.</a:t>
+            </a:r>
+          </a:p>
+        </p:txBody>
+      </p:sp>
     </p:spTree>
     <p:extLst>
       <p:ext uri="{BB962C8B-B14F-4D97-AF65-F5344CB8AC3E}">
-        <p14:creationId xmlns:p14="http://schemas.microsoft.com/office/powerpoint/2010/main" val="2912900375"/>
+        <p14:creationId xmlns:p14="http://schemas.microsoft.com/office/powerpoint/2010/main" val="4090714108"/>
       </p:ext>
     </p:extLst>
   </p:cSld>
@@ -5699,12 +5537,48 @@
           <a:chExt cx="0" cy="0"/>
         </a:xfrm>
       </p:grpSpPr>
+      <p:sp>
+        <p:nvSpPr>
+          <p:cNvPr id="2" name="TextBox 1">
+            <a:extLst>
+              <a:ext uri="{FF2B5EF4-FFF2-40B4-BE49-F238E27FC236}">
+                <a16:creationId xmlns:a16="http://schemas.microsoft.com/office/drawing/2014/main" id="{A6887033-8897-EDCF-EE63-3AF841D48E57}"/>
+              </a:ext>
+            </a:extLst>
+          </p:cNvPr>
+          <p:cNvSpPr txBox="1"/>
+          <p:nvPr/>
+        </p:nvSpPr>
+        <p:spPr>
+          <a:xfrm>
+            <a:off x="6858000" y="197224"/>
+            <a:ext cx="5118847" cy="3139321"/>
+          </a:xfrm>
+          <a:prstGeom prst="rect">
+            <a:avLst/>
+          </a:prstGeom>
+          <a:noFill/>
+        </p:spPr>
+        <p:txBody>
+          <a:bodyPr wrap="square" rtlCol="0">
+            <a:spAutoFit/>
+          </a:bodyPr>
+          <a:lstStyle/>
+          <a:p>
+            <a:r>
+              <a:rPr lang="el-GR" dirty="0"/>
+              <a:t>Το οξυγόνο, ακολουθεί και αυτό την κατανομή της συγκέντρωσης του αέρα και μειώνεται εκθετικά με το ύψος για τους ίδιους λόγους που αναφέραμε και για την ατμοσφαιρική πίεση. Οι γραφικές παραστάσεις μας υποδεικνύουν ότι η συγκέντρωσή του στη ΜΣΘ είναι μεγαλύτερη κατά τους χειμερινούς μήνες όπου οι θερμοκρασίες είναι χαμηλότερες, κάτι που είναι αναμενόμενο καθώς, λόγω τη μειωμένης κινητικής ενέργειας των μορίων, αυτά τείνουν να εκτελούν μικρότερες ανοδικές κινήσεις και να μένουν κοντά στο έδαφος.</a:t>
+            </a:r>
+            <a:endParaRPr lang="en-GB" dirty="0"/>
+          </a:p>
+        </p:txBody>
+      </p:sp>
       <p:pic>
         <p:nvPicPr>
-          <p:cNvPr id="11266" name="Picture 2">
-            <a:extLst>
-              <a:ext uri="{FF2B5EF4-FFF2-40B4-BE49-F238E27FC236}">
-                <a16:creationId xmlns:a16="http://schemas.microsoft.com/office/drawing/2014/main" id="{C4DD3C0D-CA6C-CC7B-1AF7-E50A6E53BC36}"/>
+          <p:cNvPr id="6146" name="Picture 2">
+            <a:extLst>
+              <a:ext uri="{FF2B5EF4-FFF2-40B4-BE49-F238E27FC236}">
+                <a16:creationId xmlns:a16="http://schemas.microsoft.com/office/drawing/2014/main" id="{59B1558C-C07B-09E2-34D8-E63D610DF52F}"/>
               </a:ext>
             </a:extLst>
           </p:cNvPr>
@@ -5728,22 +5602,13 @@
         </p:blipFill>
         <p:spPr bwMode="auto">
           <a:xfrm>
-            <a:off x="254095" y="729000"/>
-            <a:ext cx="7179405" cy="5400000"/>
+            <a:off x="7782072" y="3521456"/>
+            <a:ext cx="3270702" cy="3333600"/>
           </a:xfrm>
           <a:prstGeom prst="rect">
             <a:avLst/>
           </a:prstGeom>
-          <a:ln>
-            <a:noFill/>
-          </a:ln>
-          <a:effectLst>
-            <a:outerShdw blurRad="292100" dist="139700" dir="2700000" algn="tl" rotWithShape="0">
-              <a:srgbClr val="333333">
-                <a:alpha val="65000"/>
-              </a:srgbClr>
-            </a:outerShdw>
-          </a:effectLst>
+          <a:noFill/>
           <a:extLst>
             <a:ext uri="{909E8E84-426E-40DD-AFC4-6F175D3DCCD1}">
               <a14:hiddenFill xmlns:a14="http://schemas.microsoft.com/office/drawing/2010/main">
@@ -5755,46 +5620,198 @@
           </a:extLst>
         </p:spPr>
       </p:pic>
-      <p:sp>
-        <p:nvSpPr>
-          <p:cNvPr id="2" name="TextBox 1">
-            <a:extLst>
-              <a:ext uri="{FF2B5EF4-FFF2-40B4-BE49-F238E27FC236}">
-                <a16:creationId xmlns:a16="http://schemas.microsoft.com/office/drawing/2014/main" id="{FC3D106D-A6C3-FCD5-5529-D7D9F22B66BC}"/>
-              </a:ext>
-            </a:extLst>
-          </p:cNvPr>
-          <p:cNvSpPr txBox="1"/>
+      <p:pic>
+        <p:nvPicPr>
+          <p:cNvPr id="6148" name="Picture 4">
+            <a:extLst>
+              <a:ext uri="{FF2B5EF4-FFF2-40B4-BE49-F238E27FC236}">
+                <a16:creationId xmlns:a16="http://schemas.microsoft.com/office/drawing/2014/main" id="{C892F49A-BC14-0BC2-FCD1-303AFDEADF4D}"/>
+              </a:ext>
+            </a:extLst>
+          </p:cNvPr>
+          <p:cNvPicPr>
+            <a:picLocks noChangeAspect="1" noChangeArrowheads="1"/>
+          </p:cNvPicPr>
           <p:nvPr/>
-        </p:nvSpPr>
-        <p:spPr>
-          <a:xfrm>
-            <a:off x="7736542" y="1443841"/>
-            <a:ext cx="4034118" cy="4247317"/>
+        </p:nvPicPr>
+        <p:blipFill>
+          <a:blip r:embed="rId3">
+            <a:extLst>
+              <a:ext uri="{28A0092B-C50C-407E-A947-70E740481C1C}">
+                <a14:useLocalDpi xmlns:a14="http://schemas.microsoft.com/office/drawing/2010/main" val="0"/>
+              </a:ext>
+            </a:extLst>
+          </a:blip>
+          <a:srcRect/>
+          <a:stretch>
+            <a:fillRect/>
+          </a:stretch>
+        </p:blipFill>
+        <p:spPr bwMode="auto">
+          <a:xfrm>
+            <a:off x="126930" y="95400"/>
+            <a:ext cx="3270702" cy="3333600"/>
           </a:xfrm>
           <a:prstGeom prst="rect">
             <a:avLst/>
           </a:prstGeom>
           <a:noFill/>
-        </p:spPr>
-        <p:txBody>
-          <a:bodyPr wrap="square" rtlCol="0">
-            <a:spAutoFit/>
-          </a:bodyPr>
-          <a:lstStyle/>
-          <a:p>
-            <a:r>
-              <a:rPr lang="el-GR" dirty="0"/>
-              <a:t>Το οξυγόνο γνωρίζουμε ότι αποτελεί ένα από τα βασικά συστατικά της ατμόσφαιρας και μετά το άζωτο είναι το αέριο με το μεγαλύτερο ποσοστό συγκέντρωσης στην ατμόσφαιρα. Παρατηρούμε ότι δεν υπάρχει μεταβλητότητα στην συγκέντρωσή του λόγω μεταβολής του γεωγραφικού πλάτους καθώς επίσης δεν παρατηρείται ούτε εποχική εξάρτηση. Η συγκέντρωσή του παραμένει σταθερή και για τις 5 περιπτώσεις που μελετάμε και το ποσοστό συγκέντρωσής του σε μία ατμοσφαιρική στήλη ισούται με 21.91%</a:t>
-            </a:r>
-            <a:endParaRPr lang="en-GB" dirty="0"/>
-          </a:p>
-        </p:txBody>
-      </p:sp>
+          <a:extLst>
+            <a:ext uri="{909E8E84-426E-40DD-AFC4-6F175D3DCCD1}">
+              <a14:hiddenFill xmlns:a14="http://schemas.microsoft.com/office/drawing/2010/main">
+                <a:solidFill>
+                  <a:srgbClr val="FFFFFF"/>
+                </a:solidFill>
+              </a14:hiddenFill>
+            </a:ext>
+          </a:extLst>
+        </p:spPr>
+      </p:pic>
+      <p:pic>
+        <p:nvPicPr>
+          <p:cNvPr id="6150" name="Picture 6">
+            <a:extLst>
+              <a:ext uri="{FF2B5EF4-FFF2-40B4-BE49-F238E27FC236}">
+                <a16:creationId xmlns:a16="http://schemas.microsoft.com/office/drawing/2014/main" id="{B0CB70F6-5651-173B-B8B6-064DFDD1D2B6}"/>
+              </a:ext>
+            </a:extLst>
+          </p:cNvPr>
+          <p:cNvPicPr>
+            <a:picLocks noChangeAspect="1" noChangeArrowheads="1"/>
+          </p:cNvPicPr>
+          <p:nvPr/>
+        </p:nvPicPr>
+        <p:blipFill>
+          <a:blip r:embed="rId4">
+            <a:extLst>
+              <a:ext uri="{28A0092B-C50C-407E-A947-70E740481C1C}">
+                <a14:useLocalDpi xmlns:a14="http://schemas.microsoft.com/office/drawing/2010/main" val="0"/>
+              </a:ext>
+            </a:extLst>
+          </a:blip>
+          <a:srcRect/>
+          <a:stretch>
+            <a:fillRect/>
+          </a:stretch>
+        </p:blipFill>
+        <p:spPr bwMode="auto">
+          <a:xfrm>
+            <a:off x="3411273" y="95400"/>
+            <a:ext cx="3270702" cy="3333600"/>
+          </a:xfrm>
+          <a:prstGeom prst="rect">
+            <a:avLst/>
+          </a:prstGeom>
+          <a:noFill/>
+          <a:extLst>
+            <a:ext uri="{909E8E84-426E-40DD-AFC4-6F175D3DCCD1}">
+              <a14:hiddenFill xmlns:a14="http://schemas.microsoft.com/office/drawing/2010/main">
+                <a:solidFill>
+                  <a:srgbClr val="FFFFFF"/>
+                </a:solidFill>
+              </a14:hiddenFill>
+            </a:ext>
+          </a:extLst>
+        </p:spPr>
+      </p:pic>
+      <p:pic>
+        <p:nvPicPr>
+          <p:cNvPr id="6152" name="Picture 8">
+            <a:extLst>
+              <a:ext uri="{FF2B5EF4-FFF2-40B4-BE49-F238E27FC236}">
+                <a16:creationId xmlns:a16="http://schemas.microsoft.com/office/drawing/2014/main" id="{CA402EBD-9B13-936F-7B71-C6373897150C}"/>
+              </a:ext>
+            </a:extLst>
+          </p:cNvPr>
+          <p:cNvPicPr>
+            <a:picLocks noChangeAspect="1" noChangeArrowheads="1"/>
+          </p:cNvPicPr>
+          <p:nvPr/>
+        </p:nvPicPr>
+        <p:blipFill>
+          <a:blip r:embed="rId5">
+            <a:extLst>
+              <a:ext uri="{28A0092B-C50C-407E-A947-70E740481C1C}">
+                <a14:useLocalDpi xmlns:a14="http://schemas.microsoft.com/office/drawing/2010/main" val="0"/>
+              </a:ext>
+            </a:extLst>
+          </a:blip>
+          <a:srcRect/>
+          <a:stretch>
+            <a:fillRect/>
+          </a:stretch>
+        </p:blipFill>
+        <p:spPr bwMode="auto">
+          <a:xfrm>
+            <a:off x="140572" y="3429000"/>
+            <a:ext cx="3270702" cy="3333600"/>
+          </a:xfrm>
+          <a:prstGeom prst="rect">
+            <a:avLst/>
+          </a:prstGeom>
+          <a:noFill/>
+          <a:extLst>
+            <a:ext uri="{909E8E84-426E-40DD-AFC4-6F175D3DCCD1}">
+              <a14:hiddenFill xmlns:a14="http://schemas.microsoft.com/office/drawing/2010/main">
+                <a:solidFill>
+                  <a:srgbClr val="FFFFFF"/>
+                </a:solidFill>
+              </a14:hiddenFill>
+            </a:ext>
+          </a:extLst>
+        </p:spPr>
+      </p:pic>
+      <p:pic>
+        <p:nvPicPr>
+          <p:cNvPr id="6154" name="Picture 10">
+            <a:extLst>
+              <a:ext uri="{FF2B5EF4-FFF2-40B4-BE49-F238E27FC236}">
+                <a16:creationId xmlns:a16="http://schemas.microsoft.com/office/drawing/2014/main" id="{D4BF71D8-FA92-C019-C6D6-A46153CB1B3A}"/>
+              </a:ext>
+            </a:extLst>
+          </p:cNvPr>
+          <p:cNvPicPr>
+            <a:picLocks noChangeAspect="1" noChangeArrowheads="1"/>
+          </p:cNvPicPr>
+          <p:nvPr/>
+        </p:nvPicPr>
+        <p:blipFill>
+          <a:blip r:embed="rId6">
+            <a:extLst>
+              <a:ext uri="{28A0092B-C50C-407E-A947-70E740481C1C}">
+                <a14:useLocalDpi xmlns:a14="http://schemas.microsoft.com/office/drawing/2010/main" val="0"/>
+              </a:ext>
+            </a:extLst>
+          </a:blip>
+          <a:srcRect/>
+          <a:stretch>
+            <a:fillRect/>
+          </a:stretch>
+        </p:blipFill>
+        <p:spPr bwMode="auto">
+          <a:xfrm>
+            <a:off x="3411273" y="3524400"/>
+            <a:ext cx="3270702" cy="3333600"/>
+          </a:xfrm>
+          <a:prstGeom prst="rect">
+            <a:avLst/>
+          </a:prstGeom>
+          <a:noFill/>
+          <a:extLst>
+            <a:ext uri="{909E8E84-426E-40DD-AFC4-6F175D3DCCD1}">
+              <a14:hiddenFill xmlns:a14="http://schemas.microsoft.com/office/drawing/2010/main">
+                <a:solidFill>
+                  <a:srgbClr val="FFFFFF"/>
+                </a:solidFill>
+              </a14:hiddenFill>
+            </a:ext>
+          </a:extLst>
+        </p:spPr>
+      </p:pic>
     </p:spTree>
     <p:extLst>
       <p:ext uri="{BB962C8B-B14F-4D97-AF65-F5344CB8AC3E}">
-        <p14:creationId xmlns:p14="http://schemas.microsoft.com/office/powerpoint/2010/main" val="387930410"/>
+        <p14:creationId xmlns:p14="http://schemas.microsoft.com/office/powerpoint/2010/main" val="2912900375"/>
       </p:ext>
     </p:extLst>
   </p:cSld>
@@ -5821,56 +5838,12 @@
           <a:chExt cx="0" cy="0"/>
         </a:xfrm>
       </p:grpSpPr>
-      <p:sp>
-        <p:nvSpPr>
-          <p:cNvPr id="2" name="TextBox 1">
-            <a:extLst>
-              <a:ext uri="{FF2B5EF4-FFF2-40B4-BE49-F238E27FC236}">
-                <a16:creationId xmlns:a16="http://schemas.microsoft.com/office/drawing/2014/main" id="{2ADF8E23-AF74-2FF9-C499-3687EDDAE83E}"/>
-              </a:ext>
-            </a:extLst>
-          </p:cNvPr>
-          <p:cNvSpPr txBox="1"/>
-          <p:nvPr/>
-        </p:nvSpPr>
-        <p:spPr>
-          <a:xfrm>
-            <a:off x="6929718" y="192539"/>
-            <a:ext cx="5011271" cy="3139321"/>
-          </a:xfrm>
-          <a:prstGeom prst="rect">
-            <a:avLst/>
-          </a:prstGeom>
-          <a:noFill/>
-        </p:spPr>
-        <p:txBody>
-          <a:bodyPr wrap="square" rtlCol="0">
-            <a:spAutoFit/>
-          </a:bodyPr>
-          <a:lstStyle/>
-          <a:p>
-            <a:r>
-              <a:rPr lang="el-GR" dirty="0"/>
-              <a:t>Το </a:t>
-            </a:r>
-            <a:r>
-              <a:rPr lang="en-US" dirty="0"/>
-              <a:t>CO2 </a:t>
-            </a:r>
-            <a:r>
-              <a:rPr lang="el-GR" dirty="0"/>
-              <a:t>θεωρείται ένας από τους κύριους ρύπους της ατμόσφαιρας και ένα από τα βασικά αέρια του θερμοκηπίου το οποίο προέρχεται τόσο από ανθρωπογενείς παράγοντες (π.χ. καύση) όσο και από φυσικές διεργασίες (π.χ. έκρηξη ηφαιστείου). Ισχύουν αντίστοιχα και για το αέριο αυτό τα όσα αναφέραμε και για το οξυγόνο. Παρατηρείται και εδώ εκθετική μείωση της συγκέντρωσής του σε σχέση με το υψόμετρο καθώς και επίσης ελαφρώς μεγαλύτερες τιμές κατά τους χειμερινούς μήνες λόγω της μειωμένης θερμοκρασίας. </a:t>
-            </a:r>
-            <a:endParaRPr lang="en-GB" dirty="0"/>
-          </a:p>
-        </p:txBody>
-      </p:sp>
       <p:pic>
         <p:nvPicPr>
-          <p:cNvPr id="7170" name="Picture 2">
-            <a:extLst>
-              <a:ext uri="{FF2B5EF4-FFF2-40B4-BE49-F238E27FC236}">
-                <a16:creationId xmlns:a16="http://schemas.microsoft.com/office/drawing/2014/main" id="{0692A567-0344-D304-7950-3E36370A34E1}"/>
+          <p:cNvPr id="11266" name="Picture 2">
+            <a:extLst>
+              <a:ext uri="{FF2B5EF4-FFF2-40B4-BE49-F238E27FC236}">
+                <a16:creationId xmlns:a16="http://schemas.microsoft.com/office/drawing/2014/main" id="{C4DD3C0D-CA6C-CC7B-1AF7-E50A6E53BC36}"/>
               </a:ext>
             </a:extLst>
           </p:cNvPr>
@@ -5894,13 +5867,22 @@
         </p:blipFill>
         <p:spPr bwMode="auto">
           <a:xfrm>
-            <a:off x="7800002" y="3526141"/>
-            <a:ext cx="3270702" cy="3333600"/>
+            <a:off x="254095" y="729000"/>
+            <a:ext cx="7179405" cy="5400000"/>
           </a:xfrm>
           <a:prstGeom prst="rect">
             <a:avLst/>
           </a:prstGeom>
-          <a:noFill/>
+          <a:ln>
+            <a:noFill/>
+          </a:ln>
+          <a:effectLst>
+            <a:outerShdw blurRad="292100" dist="139700" dir="2700000" algn="tl" rotWithShape="0">
+              <a:srgbClr val="333333">
+                <a:alpha val="65000"/>
+              </a:srgbClr>
+            </a:outerShdw>
+          </a:effectLst>
           <a:extLst>
             <a:ext uri="{909E8E84-426E-40DD-AFC4-6F175D3DCCD1}">
               <a14:hiddenFill xmlns:a14="http://schemas.microsoft.com/office/drawing/2010/main">
@@ -5912,198 +5894,46 @@
           </a:extLst>
         </p:spPr>
       </p:pic>
-      <p:pic>
-        <p:nvPicPr>
-          <p:cNvPr id="7172" name="Picture 4">
-            <a:extLst>
-              <a:ext uri="{FF2B5EF4-FFF2-40B4-BE49-F238E27FC236}">
-                <a16:creationId xmlns:a16="http://schemas.microsoft.com/office/drawing/2014/main" id="{70054D6C-115B-980D-E253-35C25BACE169}"/>
-              </a:ext>
-            </a:extLst>
-          </p:cNvPr>
-          <p:cNvPicPr>
-            <a:picLocks noChangeAspect="1" noChangeArrowheads="1"/>
-          </p:cNvPicPr>
+      <p:sp>
+        <p:nvSpPr>
+          <p:cNvPr id="2" name="TextBox 1">
+            <a:extLst>
+              <a:ext uri="{FF2B5EF4-FFF2-40B4-BE49-F238E27FC236}">
+                <a16:creationId xmlns:a16="http://schemas.microsoft.com/office/drawing/2014/main" id="{FC3D106D-A6C3-FCD5-5529-D7D9F22B66BC}"/>
+              </a:ext>
+            </a:extLst>
+          </p:cNvPr>
+          <p:cNvSpPr txBox="1"/>
           <p:nvPr/>
-        </p:nvPicPr>
-        <p:blipFill>
-          <a:blip r:embed="rId3">
-            <a:extLst>
-              <a:ext uri="{28A0092B-C50C-407E-A947-70E740481C1C}">
-                <a14:useLocalDpi xmlns:a14="http://schemas.microsoft.com/office/drawing/2010/main" val="0"/>
-              </a:ext>
-            </a:extLst>
-          </a:blip>
-          <a:srcRect/>
-          <a:stretch>
-            <a:fillRect/>
-          </a:stretch>
-        </p:blipFill>
-        <p:spPr bwMode="auto">
-          <a:xfrm>
-            <a:off x="140572" y="95400"/>
-            <a:ext cx="3270702" cy="3333600"/>
+        </p:nvSpPr>
+        <p:spPr>
+          <a:xfrm>
+            <a:off x="7736542" y="1443841"/>
+            <a:ext cx="4034118" cy="4247317"/>
           </a:xfrm>
           <a:prstGeom prst="rect">
             <a:avLst/>
           </a:prstGeom>
           <a:noFill/>
-          <a:extLst>
-            <a:ext uri="{909E8E84-426E-40DD-AFC4-6F175D3DCCD1}">
-              <a14:hiddenFill xmlns:a14="http://schemas.microsoft.com/office/drawing/2010/main">
-                <a:solidFill>
-                  <a:srgbClr val="FFFFFF"/>
-                </a:solidFill>
-              </a14:hiddenFill>
-            </a:ext>
-          </a:extLst>
-        </p:spPr>
-      </p:pic>
-      <p:pic>
-        <p:nvPicPr>
-          <p:cNvPr id="7174" name="Picture 6">
-            <a:extLst>
-              <a:ext uri="{FF2B5EF4-FFF2-40B4-BE49-F238E27FC236}">
-                <a16:creationId xmlns:a16="http://schemas.microsoft.com/office/drawing/2014/main" id="{C7D3685A-ABF1-6DC3-C859-2CA346564864}"/>
-              </a:ext>
-            </a:extLst>
-          </p:cNvPr>
-          <p:cNvPicPr>
-            <a:picLocks noChangeAspect="1" noChangeArrowheads="1"/>
-          </p:cNvPicPr>
-          <p:nvPr/>
-        </p:nvPicPr>
-        <p:blipFill>
-          <a:blip r:embed="rId4">
-            <a:extLst>
-              <a:ext uri="{28A0092B-C50C-407E-A947-70E740481C1C}">
-                <a14:useLocalDpi xmlns:a14="http://schemas.microsoft.com/office/drawing/2010/main" val="0"/>
-              </a:ext>
-            </a:extLst>
-          </a:blip>
-          <a:srcRect/>
-          <a:stretch>
-            <a:fillRect/>
-          </a:stretch>
-        </p:blipFill>
-        <p:spPr bwMode="auto">
-          <a:xfrm>
-            <a:off x="3397631" y="95400"/>
-            <a:ext cx="3270702" cy="3333600"/>
-          </a:xfrm>
-          <a:prstGeom prst="rect">
-            <a:avLst/>
-          </a:prstGeom>
-          <a:noFill/>
-          <a:extLst>
-            <a:ext uri="{909E8E84-426E-40DD-AFC4-6F175D3DCCD1}">
-              <a14:hiddenFill xmlns:a14="http://schemas.microsoft.com/office/drawing/2010/main">
-                <a:solidFill>
-                  <a:srgbClr val="FFFFFF"/>
-                </a:solidFill>
-              </a14:hiddenFill>
-            </a:ext>
-          </a:extLst>
-        </p:spPr>
-      </p:pic>
-      <p:pic>
-        <p:nvPicPr>
-          <p:cNvPr id="7176" name="Picture 8">
-            <a:extLst>
-              <a:ext uri="{FF2B5EF4-FFF2-40B4-BE49-F238E27FC236}">
-                <a16:creationId xmlns:a16="http://schemas.microsoft.com/office/drawing/2014/main" id="{83CF91BC-50AC-7614-E8B8-A23E9D6692D5}"/>
-              </a:ext>
-            </a:extLst>
-          </p:cNvPr>
-          <p:cNvPicPr>
-            <a:picLocks noChangeAspect="1" noChangeArrowheads="1"/>
-          </p:cNvPicPr>
-          <p:nvPr/>
-        </p:nvPicPr>
-        <p:blipFill>
-          <a:blip r:embed="rId5">
-            <a:extLst>
-              <a:ext uri="{28A0092B-C50C-407E-A947-70E740481C1C}">
-                <a14:useLocalDpi xmlns:a14="http://schemas.microsoft.com/office/drawing/2010/main" val="0"/>
-              </a:ext>
-            </a:extLst>
-          </a:blip>
-          <a:srcRect/>
-          <a:stretch>
-            <a:fillRect/>
-          </a:stretch>
-        </p:blipFill>
-        <p:spPr bwMode="auto">
-          <a:xfrm>
-            <a:off x="154215" y="3331860"/>
-            <a:ext cx="3270702" cy="3333600"/>
-          </a:xfrm>
-          <a:prstGeom prst="rect">
-            <a:avLst/>
-          </a:prstGeom>
-          <a:noFill/>
-          <a:extLst>
-            <a:ext uri="{909E8E84-426E-40DD-AFC4-6F175D3DCCD1}">
-              <a14:hiddenFill xmlns:a14="http://schemas.microsoft.com/office/drawing/2010/main">
-                <a:solidFill>
-                  <a:srgbClr val="FFFFFF"/>
-                </a:solidFill>
-              </a14:hiddenFill>
-            </a:ext>
-          </a:extLst>
-        </p:spPr>
-      </p:pic>
-      <p:pic>
-        <p:nvPicPr>
-          <p:cNvPr id="7178" name="Picture 10">
-            <a:extLst>
-              <a:ext uri="{FF2B5EF4-FFF2-40B4-BE49-F238E27FC236}">
-                <a16:creationId xmlns:a16="http://schemas.microsoft.com/office/drawing/2014/main" id="{3FB1F9C8-08D5-47C0-1C42-08BB8FB7E394}"/>
-              </a:ext>
-            </a:extLst>
-          </p:cNvPr>
-          <p:cNvPicPr>
-            <a:picLocks noChangeAspect="1" noChangeArrowheads="1"/>
-          </p:cNvPicPr>
-          <p:nvPr/>
-        </p:nvPicPr>
-        <p:blipFill>
-          <a:blip r:embed="rId6">
-            <a:extLst>
-              <a:ext uri="{28A0092B-C50C-407E-A947-70E740481C1C}">
-                <a14:useLocalDpi xmlns:a14="http://schemas.microsoft.com/office/drawing/2010/main" val="0"/>
-              </a:ext>
-            </a:extLst>
-          </a:blip>
-          <a:srcRect/>
-          <a:stretch>
-            <a:fillRect/>
-          </a:stretch>
-        </p:blipFill>
-        <p:spPr bwMode="auto">
-          <a:xfrm>
-            <a:off x="3411274" y="3428999"/>
-            <a:ext cx="3270702" cy="3333600"/>
-          </a:xfrm>
-          <a:prstGeom prst="rect">
-            <a:avLst/>
-          </a:prstGeom>
-          <a:noFill/>
-          <a:extLst>
-            <a:ext uri="{909E8E84-426E-40DD-AFC4-6F175D3DCCD1}">
-              <a14:hiddenFill xmlns:a14="http://schemas.microsoft.com/office/drawing/2010/main">
-                <a:solidFill>
-                  <a:srgbClr val="FFFFFF"/>
-                </a:solidFill>
-              </a14:hiddenFill>
-            </a:ext>
-          </a:extLst>
-        </p:spPr>
-      </p:pic>
+        </p:spPr>
+        <p:txBody>
+          <a:bodyPr wrap="square" rtlCol="0">
+            <a:spAutoFit/>
+          </a:bodyPr>
+          <a:lstStyle/>
+          <a:p>
+            <a:r>
+              <a:rPr lang="el-GR" dirty="0"/>
+              <a:t>Το οξυγόνο γνωρίζουμε ότι αποτελεί ένα από τα βασικά συστατικά της ατμόσφαιρας και μετά το άζωτο είναι το αέριο με το μεγαλύτερο ποσοστό συγκέντρωσης στην ατμόσφαιρα. Παρατηρούμε ότι δεν υπάρχει μεταβλητότητα στην συγκέντρωσή του λόγω μεταβολής του γεωγραφικού πλάτους καθώς επίσης δεν παρατηρείται ούτε εποχική εξάρτηση. Η συγκέντρωσή του παραμένει σταθερή και για τις 5 περιπτώσεις που μελετάμε και το ποσοστό συγκέντρωσής του σε μία ατμοσφαιρική στήλη ισούται με 21.91%</a:t>
+            </a:r>
+            <a:endParaRPr lang="en-GB" dirty="0"/>
+          </a:p>
+        </p:txBody>
+      </p:sp>
     </p:spTree>
     <p:extLst>
       <p:ext uri="{BB962C8B-B14F-4D97-AF65-F5344CB8AC3E}">
-        <p14:creationId xmlns:p14="http://schemas.microsoft.com/office/powerpoint/2010/main" val="3072515677"/>
+        <p14:creationId xmlns:p14="http://schemas.microsoft.com/office/powerpoint/2010/main" val="387930410"/>
       </p:ext>
     </p:extLst>
   </p:cSld>
@@ -6130,12 +5960,56 @@
           <a:chExt cx="0" cy="0"/>
         </a:xfrm>
       </p:grpSpPr>
+      <p:sp>
+        <p:nvSpPr>
+          <p:cNvPr id="2" name="TextBox 1">
+            <a:extLst>
+              <a:ext uri="{FF2B5EF4-FFF2-40B4-BE49-F238E27FC236}">
+                <a16:creationId xmlns:a16="http://schemas.microsoft.com/office/drawing/2014/main" id="{2ADF8E23-AF74-2FF9-C499-3687EDDAE83E}"/>
+              </a:ext>
+            </a:extLst>
+          </p:cNvPr>
+          <p:cNvSpPr txBox="1"/>
+          <p:nvPr/>
+        </p:nvSpPr>
+        <p:spPr>
+          <a:xfrm>
+            <a:off x="6929718" y="192539"/>
+            <a:ext cx="5011271" cy="3139321"/>
+          </a:xfrm>
+          <a:prstGeom prst="rect">
+            <a:avLst/>
+          </a:prstGeom>
+          <a:noFill/>
+        </p:spPr>
+        <p:txBody>
+          <a:bodyPr wrap="square" rtlCol="0">
+            <a:spAutoFit/>
+          </a:bodyPr>
+          <a:lstStyle/>
+          <a:p>
+            <a:r>
+              <a:rPr lang="el-GR" dirty="0"/>
+              <a:t>Το </a:t>
+            </a:r>
+            <a:r>
+              <a:rPr lang="en-US" dirty="0"/>
+              <a:t>CO2 </a:t>
+            </a:r>
+            <a:r>
+              <a:rPr lang="el-GR" dirty="0"/>
+              <a:t>θεωρείται ένας από τους κύριους ρύπους της ατμόσφαιρας και ένα από τα βασικά αέρια του θερμοκηπίου το οποίο προέρχεται τόσο από ανθρωπογενείς παράγοντες (π.χ. καύση) όσο και από φυσικές διεργασίες (π.χ. έκρηξη ηφαιστείου). Ισχύουν αντίστοιχα και για το αέριο αυτό τα όσα αναφέραμε και για το οξυγόνο. Παρατηρείται και εδώ εκθετική μείωση της συγκέντρωσής του σε σχέση με το υψόμετρο καθώς και επίσης ελαφρώς μεγαλύτερες τιμές κατά τους χειμερινούς μήνες λόγω της μειωμένης θερμοκρασίας. </a:t>
+            </a:r>
+            <a:endParaRPr lang="en-GB" dirty="0"/>
+          </a:p>
+        </p:txBody>
+      </p:sp>
       <p:pic>
         <p:nvPicPr>
-          <p:cNvPr id="13314" name="Picture 2">
-            <a:extLst>
-              <a:ext uri="{FF2B5EF4-FFF2-40B4-BE49-F238E27FC236}">
-                <a16:creationId xmlns:a16="http://schemas.microsoft.com/office/drawing/2014/main" id="{2FF70BA0-8B18-70E2-6A79-4ADDC072D4B6}"/>
+          <p:cNvPr id="7170" name="Picture 2">
+            <a:extLst>
+              <a:ext uri="{FF2B5EF4-FFF2-40B4-BE49-F238E27FC236}">
+                <a16:creationId xmlns:a16="http://schemas.microsoft.com/office/drawing/2014/main" id="{0692A567-0344-D304-7950-3E36370A34E1}"/>
               </a:ext>
             </a:extLst>
           </p:cNvPr>
@@ -6159,22 +6033,13 @@
         </p:blipFill>
         <p:spPr bwMode="auto">
           <a:xfrm>
-            <a:off x="166408" y="729000"/>
-            <a:ext cx="7290618" cy="5400000"/>
+            <a:off x="7800002" y="3526141"/>
+            <a:ext cx="3270702" cy="3333600"/>
           </a:xfrm>
           <a:prstGeom prst="rect">
             <a:avLst/>
           </a:prstGeom>
-          <a:ln>
-            <a:noFill/>
-          </a:ln>
-          <a:effectLst>
-            <a:outerShdw blurRad="292100" dist="139700" dir="2700000" algn="tl" rotWithShape="0">
-              <a:srgbClr val="333333">
-                <a:alpha val="65000"/>
-              </a:srgbClr>
-            </a:outerShdw>
-          </a:effectLst>
+          <a:noFill/>
           <a:extLst>
             <a:ext uri="{909E8E84-426E-40DD-AFC4-6F175D3DCCD1}">
               <a14:hiddenFill xmlns:a14="http://schemas.microsoft.com/office/drawing/2010/main">
@@ -6186,46 +6051,198 @@
           </a:extLst>
         </p:spPr>
       </p:pic>
-      <p:sp>
-        <p:nvSpPr>
-          <p:cNvPr id="2" name="TextBox 1">
-            <a:extLst>
-              <a:ext uri="{FF2B5EF4-FFF2-40B4-BE49-F238E27FC236}">
-                <a16:creationId xmlns:a16="http://schemas.microsoft.com/office/drawing/2014/main" id="{639BEB9C-D4B0-B473-0FDA-C38187E67D64}"/>
-              </a:ext>
-            </a:extLst>
-          </p:cNvPr>
-          <p:cNvSpPr txBox="1"/>
+      <p:pic>
+        <p:nvPicPr>
+          <p:cNvPr id="7172" name="Picture 4">
+            <a:extLst>
+              <a:ext uri="{FF2B5EF4-FFF2-40B4-BE49-F238E27FC236}">
+                <a16:creationId xmlns:a16="http://schemas.microsoft.com/office/drawing/2014/main" id="{70054D6C-115B-980D-E253-35C25BACE169}"/>
+              </a:ext>
+            </a:extLst>
+          </p:cNvPr>
+          <p:cNvPicPr>
+            <a:picLocks noChangeAspect="1" noChangeArrowheads="1"/>
+          </p:cNvPicPr>
           <p:nvPr/>
-        </p:nvSpPr>
-        <p:spPr>
-          <a:xfrm>
-            <a:off x="7853082" y="729000"/>
-            <a:ext cx="3944471" cy="923330"/>
+        </p:nvPicPr>
+        <p:blipFill>
+          <a:blip r:embed="rId3">
+            <a:extLst>
+              <a:ext uri="{28A0092B-C50C-407E-A947-70E740481C1C}">
+                <a14:useLocalDpi xmlns:a14="http://schemas.microsoft.com/office/drawing/2010/main" val="0"/>
+              </a:ext>
+            </a:extLst>
+          </a:blip>
+          <a:srcRect/>
+          <a:stretch>
+            <a:fillRect/>
+          </a:stretch>
+        </p:blipFill>
+        <p:spPr bwMode="auto">
+          <a:xfrm>
+            <a:off x="140572" y="95400"/>
+            <a:ext cx="3270702" cy="3333600"/>
           </a:xfrm>
           <a:prstGeom prst="rect">
             <a:avLst/>
           </a:prstGeom>
           <a:noFill/>
-        </p:spPr>
-        <p:txBody>
-          <a:bodyPr wrap="square" rtlCol="0">
-            <a:spAutoFit/>
-          </a:bodyPr>
-          <a:lstStyle/>
-          <a:p>
-            <a:r>
-              <a:rPr lang="el-GR" dirty="0"/>
-              <a:t>Η συγκέντρωση του διοξειδίου του άνθρακα στην ατμόσφαιρα είναι λίγο μικρότερη από 0.04%.</a:t>
-            </a:r>
-            <a:endParaRPr lang="en-GB" dirty="0"/>
-          </a:p>
-        </p:txBody>
-      </p:sp>
+          <a:extLst>
+            <a:ext uri="{909E8E84-426E-40DD-AFC4-6F175D3DCCD1}">
+              <a14:hiddenFill xmlns:a14="http://schemas.microsoft.com/office/drawing/2010/main">
+                <a:solidFill>
+                  <a:srgbClr val="FFFFFF"/>
+                </a:solidFill>
+              </a14:hiddenFill>
+            </a:ext>
+          </a:extLst>
+        </p:spPr>
+      </p:pic>
+      <p:pic>
+        <p:nvPicPr>
+          <p:cNvPr id="7174" name="Picture 6">
+            <a:extLst>
+              <a:ext uri="{FF2B5EF4-FFF2-40B4-BE49-F238E27FC236}">
+                <a16:creationId xmlns:a16="http://schemas.microsoft.com/office/drawing/2014/main" id="{C7D3685A-ABF1-6DC3-C859-2CA346564864}"/>
+              </a:ext>
+            </a:extLst>
+          </p:cNvPr>
+          <p:cNvPicPr>
+            <a:picLocks noChangeAspect="1" noChangeArrowheads="1"/>
+          </p:cNvPicPr>
+          <p:nvPr/>
+        </p:nvPicPr>
+        <p:blipFill>
+          <a:blip r:embed="rId4">
+            <a:extLst>
+              <a:ext uri="{28A0092B-C50C-407E-A947-70E740481C1C}">
+                <a14:useLocalDpi xmlns:a14="http://schemas.microsoft.com/office/drawing/2010/main" val="0"/>
+              </a:ext>
+            </a:extLst>
+          </a:blip>
+          <a:srcRect/>
+          <a:stretch>
+            <a:fillRect/>
+          </a:stretch>
+        </p:blipFill>
+        <p:spPr bwMode="auto">
+          <a:xfrm>
+            <a:off x="3397631" y="95400"/>
+            <a:ext cx="3270702" cy="3333600"/>
+          </a:xfrm>
+          <a:prstGeom prst="rect">
+            <a:avLst/>
+          </a:prstGeom>
+          <a:noFill/>
+          <a:extLst>
+            <a:ext uri="{909E8E84-426E-40DD-AFC4-6F175D3DCCD1}">
+              <a14:hiddenFill xmlns:a14="http://schemas.microsoft.com/office/drawing/2010/main">
+                <a:solidFill>
+                  <a:srgbClr val="FFFFFF"/>
+                </a:solidFill>
+              </a14:hiddenFill>
+            </a:ext>
+          </a:extLst>
+        </p:spPr>
+      </p:pic>
+      <p:pic>
+        <p:nvPicPr>
+          <p:cNvPr id="7176" name="Picture 8">
+            <a:extLst>
+              <a:ext uri="{FF2B5EF4-FFF2-40B4-BE49-F238E27FC236}">
+                <a16:creationId xmlns:a16="http://schemas.microsoft.com/office/drawing/2014/main" id="{83CF91BC-50AC-7614-E8B8-A23E9D6692D5}"/>
+              </a:ext>
+            </a:extLst>
+          </p:cNvPr>
+          <p:cNvPicPr>
+            <a:picLocks noChangeAspect="1" noChangeArrowheads="1"/>
+          </p:cNvPicPr>
+          <p:nvPr/>
+        </p:nvPicPr>
+        <p:blipFill>
+          <a:blip r:embed="rId5">
+            <a:extLst>
+              <a:ext uri="{28A0092B-C50C-407E-A947-70E740481C1C}">
+                <a14:useLocalDpi xmlns:a14="http://schemas.microsoft.com/office/drawing/2010/main" val="0"/>
+              </a:ext>
+            </a:extLst>
+          </a:blip>
+          <a:srcRect/>
+          <a:stretch>
+            <a:fillRect/>
+          </a:stretch>
+        </p:blipFill>
+        <p:spPr bwMode="auto">
+          <a:xfrm>
+            <a:off x="154215" y="3331860"/>
+            <a:ext cx="3270702" cy="3333600"/>
+          </a:xfrm>
+          <a:prstGeom prst="rect">
+            <a:avLst/>
+          </a:prstGeom>
+          <a:noFill/>
+          <a:extLst>
+            <a:ext uri="{909E8E84-426E-40DD-AFC4-6F175D3DCCD1}">
+              <a14:hiddenFill xmlns:a14="http://schemas.microsoft.com/office/drawing/2010/main">
+                <a:solidFill>
+                  <a:srgbClr val="FFFFFF"/>
+                </a:solidFill>
+              </a14:hiddenFill>
+            </a:ext>
+          </a:extLst>
+        </p:spPr>
+      </p:pic>
+      <p:pic>
+        <p:nvPicPr>
+          <p:cNvPr id="7178" name="Picture 10">
+            <a:extLst>
+              <a:ext uri="{FF2B5EF4-FFF2-40B4-BE49-F238E27FC236}">
+                <a16:creationId xmlns:a16="http://schemas.microsoft.com/office/drawing/2014/main" id="{3FB1F9C8-08D5-47C0-1C42-08BB8FB7E394}"/>
+              </a:ext>
+            </a:extLst>
+          </p:cNvPr>
+          <p:cNvPicPr>
+            <a:picLocks noChangeAspect="1" noChangeArrowheads="1"/>
+          </p:cNvPicPr>
+          <p:nvPr/>
+        </p:nvPicPr>
+        <p:blipFill>
+          <a:blip r:embed="rId6">
+            <a:extLst>
+              <a:ext uri="{28A0092B-C50C-407E-A947-70E740481C1C}">
+                <a14:useLocalDpi xmlns:a14="http://schemas.microsoft.com/office/drawing/2010/main" val="0"/>
+              </a:ext>
+            </a:extLst>
+          </a:blip>
+          <a:srcRect/>
+          <a:stretch>
+            <a:fillRect/>
+          </a:stretch>
+        </p:blipFill>
+        <p:spPr bwMode="auto">
+          <a:xfrm>
+            <a:off x="3411274" y="3428999"/>
+            <a:ext cx="3270702" cy="3333600"/>
+          </a:xfrm>
+          <a:prstGeom prst="rect">
+            <a:avLst/>
+          </a:prstGeom>
+          <a:noFill/>
+          <a:extLst>
+            <a:ext uri="{909E8E84-426E-40DD-AFC4-6F175D3DCCD1}">
+              <a14:hiddenFill xmlns:a14="http://schemas.microsoft.com/office/drawing/2010/main">
+                <a:solidFill>
+                  <a:srgbClr val="FFFFFF"/>
+                </a:solidFill>
+              </a14:hiddenFill>
+            </a:ext>
+          </a:extLst>
+        </p:spPr>
+      </p:pic>
     </p:spTree>
     <p:extLst>
       <p:ext uri="{BB962C8B-B14F-4D97-AF65-F5344CB8AC3E}">
-        <p14:creationId xmlns:p14="http://schemas.microsoft.com/office/powerpoint/2010/main" val="1659475850"/>
+        <p14:creationId xmlns:p14="http://schemas.microsoft.com/office/powerpoint/2010/main" val="3072515677"/>
       </p:ext>
     </p:extLst>
   </p:cSld>
@@ -6252,181 +6269,68 @@
           <a:chExt cx="0" cy="0"/>
         </a:xfrm>
       </p:grpSpPr>
-      <p:sp>
-        <p:nvSpPr>
-          <p:cNvPr id="2" name="Τίτλος 1">
-            <a:extLst>
-              <a:ext uri="{FF2B5EF4-FFF2-40B4-BE49-F238E27FC236}">
-                <a16:creationId xmlns:a16="http://schemas.microsoft.com/office/drawing/2014/main" id="{F15DE645-1279-C54C-D4D5-5157A24214B4}"/>
-              </a:ext>
-            </a:extLst>
-          </p:cNvPr>
-          <p:cNvSpPr>
-            <a:spLocks noGrp="1"/>
-          </p:cNvSpPr>
-          <p:nvPr>
-            <p:ph type="title"/>
-          </p:nvPr>
-        </p:nvSpPr>
-        <p:spPr>
-          <a:xfrm>
-            <a:off x="609600" y="270802"/>
-            <a:ext cx="10972800" cy="752495"/>
-          </a:xfrm>
-        </p:spPr>
-        <p:txBody>
-          <a:bodyPr>
-            <a:normAutofit fontScale="90000"/>
-          </a:bodyPr>
-          <a:lstStyle/>
-          <a:p>
-            <a:r>
-              <a:rPr lang="el-GR" dirty="0">
-                <a:cs typeface="Posterama"/>
-              </a:rPr>
-              <a:t>Μέρος 2ο</a:t>
-            </a:r>
-            <a:endParaRPr lang="el-GR" dirty="0"/>
-          </a:p>
-        </p:txBody>
-      </p:sp>
-      <p:sp>
-        <p:nvSpPr>
-          <p:cNvPr id="3" name="Θέση περιεχομένου 2">
-            <a:extLst>
-              <a:ext uri="{FF2B5EF4-FFF2-40B4-BE49-F238E27FC236}">
-                <a16:creationId xmlns:a16="http://schemas.microsoft.com/office/drawing/2014/main" id="{2B967DD2-94EE-2762-99F8-C473DB1D6FFC}"/>
-              </a:ext>
-            </a:extLst>
-          </p:cNvPr>
-          <p:cNvSpPr>
-            <a:spLocks noGrp="1"/>
-          </p:cNvSpPr>
-          <p:nvPr>
-            <p:ph idx="1"/>
-          </p:nvPr>
-        </p:nvSpPr>
-        <p:spPr>
-          <a:xfrm>
-            <a:off x="609600" y="1103673"/>
-            <a:ext cx="10972800" cy="1860953"/>
-          </a:xfrm>
-        </p:spPr>
-        <p:txBody>
-          <a:bodyPr vert="horz" lIns="91440" tIns="45720" rIns="91440" bIns="45720" rtlCol="0" anchor="t">
-            <a:normAutofit fontScale="92500"/>
-          </a:bodyPr>
-          <a:lstStyle/>
-          <a:p>
-            <a:r>
-              <a:rPr lang="el-GR" dirty="0"/>
-              <a:t>Το δεύτερο μέρος της εργασίας περιλαμβάνει δύο διαφορετικά </a:t>
-            </a:r>
-            <a:r>
-              <a:rPr lang="el-GR" dirty="0" err="1"/>
-              <a:t>datasets</a:t>
-            </a:r>
-            <a:r>
-              <a:rPr lang="el-GR" dirty="0"/>
-              <a:t> όπου περιέχουν φάσματα της ηλιακής ακτινοβολίας δηλαδή δεδομένα εισόδου για την ροή ακτινοβολίας (</a:t>
-            </a:r>
-            <a:r>
-              <a:rPr lang="en-US" dirty="0"/>
-              <a:t>spectral </a:t>
-            </a:r>
-            <a:r>
-              <a:rPr lang="el-GR" dirty="0" err="1"/>
-              <a:t>irradiance</a:t>
-            </a:r>
-            <a:r>
-              <a:rPr lang="el-GR" dirty="0"/>
-              <a:t>) για διαφορετικά μήκη κύματος. Η διαφορά μεταξύ των δύο μετρήσεων έγκειται στην ακρίβεια καθώς το 1ο σετ που από εδώ και πέρα θα ονομάζεται </a:t>
-            </a:r>
-            <a:r>
-              <a:rPr lang="el-GR" dirty="0" err="1"/>
-              <a:t>kurudz</a:t>
-            </a:r>
-            <a:r>
-              <a:rPr lang="el-GR" dirty="0"/>
-              <a:t> έχει ακρίβεια 1nm και το 2ο σετ που ονομάζεται </a:t>
-            </a:r>
-            <a:r>
-              <a:rPr lang="el-GR" dirty="0" err="1"/>
-              <a:t>atlas_plus</a:t>
-            </a:r>
-            <a:r>
-              <a:rPr lang="el-GR" dirty="0"/>
-              <a:t> έχει ακρίβεια 0.05 nm. Παρακάτω εμφανίζονται τα δύο σετ σε αντιπαράθεση μεταξύ τους.</a:t>
-            </a:r>
-          </a:p>
-        </p:txBody>
-      </p:sp>
       <p:pic>
         <p:nvPicPr>
-          <p:cNvPr id="4" name="Εικόνα 3" descr="Εικόνα που περιέχει κείμενο, στιγμιότυπο οθόνης, γραμματοσειρά, αριθμός&#10;&#10;Περιγραφή που δημιουργήθηκε αυτόματα">
-            <a:extLst>
-              <a:ext uri="{FF2B5EF4-FFF2-40B4-BE49-F238E27FC236}">
-                <a16:creationId xmlns:a16="http://schemas.microsoft.com/office/drawing/2014/main" id="{D9BD9A25-FF1D-8D41-F8DE-74077A87C51F}"/>
+          <p:cNvPr id="13314" name="Picture 2">
+            <a:extLst>
+              <a:ext uri="{FF2B5EF4-FFF2-40B4-BE49-F238E27FC236}">
+                <a16:creationId xmlns:a16="http://schemas.microsoft.com/office/drawing/2014/main" id="{2FF70BA0-8B18-70E2-6A79-4ADDC072D4B6}"/>
               </a:ext>
             </a:extLst>
           </p:cNvPr>
           <p:cNvPicPr>
-            <a:picLocks noChangeAspect="1"/>
+            <a:picLocks noChangeAspect="1" noChangeArrowheads="1"/>
           </p:cNvPicPr>
           <p:nvPr/>
         </p:nvPicPr>
         <p:blipFill>
-          <a:blip r:embed="rId2"/>
+          <a:blip r:embed="rId2">
+            <a:extLst>
+              <a:ext uri="{28A0092B-C50C-407E-A947-70E740481C1C}">
+                <a14:useLocalDpi xmlns:a14="http://schemas.microsoft.com/office/drawing/2010/main" val="0"/>
+              </a:ext>
+            </a:extLst>
+          </a:blip>
+          <a:srcRect/>
           <a:stretch>
             <a:fillRect/>
           </a:stretch>
         </p:blipFill>
-        <p:spPr>
-          <a:xfrm>
-            <a:off x="2739512" y="3062214"/>
-            <a:ext cx="3353924" cy="3522883"/>
+        <p:spPr bwMode="auto">
+          <a:xfrm>
+            <a:off x="166408" y="729000"/>
+            <a:ext cx="7290618" cy="5400000"/>
           </a:xfrm>
           <a:prstGeom prst="rect">
             <a:avLst/>
           </a:prstGeom>
-        </p:spPr>
-      </p:pic>
-      <p:pic>
-        <p:nvPicPr>
-          <p:cNvPr id="5" name="Εικόνα 4" descr="Εικόνα που περιέχει κείμενο, στιγμιότυπο οθόνης, γραμματοσειρά, αριθμός&#10;&#10;Περιγραφή που δημιουργήθηκε αυτόματα">
-            <a:extLst>
-              <a:ext uri="{FF2B5EF4-FFF2-40B4-BE49-F238E27FC236}">
-                <a16:creationId xmlns:a16="http://schemas.microsoft.com/office/drawing/2014/main" id="{E020A2B0-B1F6-CD4E-247D-A75AD2225156}"/>
-              </a:ext>
-            </a:extLst>
-          </p:cNvPr>
-          <p:cNvPicPr>
-            <a:picLocks noChangeAspect="1"/>
-          </p:cNvPicPr>
-          <p:nvPr/>
-        </p:nvPicPr>
-        <p:blipFill>
-          <a:blip r:embed="rId3"/>
-          <a:stretch>
-            <a:fillRect/>
-          </a:stretch>
-        </p:blipFill>
-        <p:spPr>
-          <a:xfrm>
-            <a:off x="6093534" y="3058551"/>
-            <a:ext cx="3355389" cy="3528647"/>
-          </a:xfrm>
-          <a:prstGeom prst="rect">
-            <a:avLst/>
-          </a:prstGeom>
+          <a:ln>
+            <a:noFill/>
+          </a:ln>
+          <a:effectLst>
+            <a:outerShdw blurRad="292100" dist="139700" dir="2700000" algn="tl" rotWithShape="0">
+              <a:srgbClr val="333333">
+                <a:alpha val="65000"/>
+              </a:srgbClr>
+            </a:outerShdw>
+          </a:effectLst>
+          <a:extLst>
+            <a:ext uri="{909E8E84-426E-40DD-AFC4-6F175D3DCCD1}">
+              <a14:hiddenFill xmlns:a14="http://schemas.microsoft.com/office/drawing/2010/main">
+                <a:solidFill>
+                  <a:srgbClr val="FFFFFF"/>
+                </a:solidFill>
+              </a14:hiddenFill>
+            </a:ext>
+          </a:extLst>
         </p:spPr>
       </p:pic>
       <p:sp>
         <p:nvSpPr>
-          <p:cNvPr id="6" name="TextBox 5">
-            <a:extLst>
-              <a:ext uri="{FF2B5EF4-FFF2-40B4-BE49-F238E27FC236}">
-                <a16:creationId xmlns:a16="http://schemas.microsoft.com/office/drawing/2014/main" id="{941BEBAF-EE0F-7D82-94AF-AD4A10CE22FA}"/>
+          <p:cNvPr id="2" name="TextBox 1">
+            <a:extLst>
+              <a:ext uri="{FF2B5EF4-FFF2-40B4-BE49-F238E27FC236}">
+                <a16:creationId xmlns:a16="http://schemas.microsoft.com/office/drawing/2014/main" id="{639BEB9C-D4B0-B473-0FDA-C38187E67D64}"/>
               </a:ext>
             </a:extLst>
           </p:cNvPr>
@@ -6435,8 +6339,8 @@
         </p:nvSpPr>
         <p:spPr>
           <a:xfrm>
-            <a:off x="1660183" y="4820138"/>
-            <a:ext cx="926123" cy="369332"/>
+            <a:off x="8081121" y="2413337"/>
+            <a:ext cx="3944471" cy="2031325"/>
           </a:xfrm>
           <a:prstGeom prst="rect">
             <a:avLst/>
@@ -6444,65 +6348,23 @@
           <a:noFill/>
         </p:spPr>
         <p:txBody>
-          <a:bodyPr rot="0" spcFirstLastPara="0" vertOverflow="overflow" horzOverflow="overflow" vert="horz" wrap="square" lIns="91440" tIns="45720" rIns="91440" bIns="45720" numCol="1" spcCol="0" rtlCol="0" fromWordArt="0" anchor="t" anchorCtr="0" forceAA="0" compatLnSpc="1">
-            <a:prstTxWarp prst="textNoShape">
-              <a:avLst/>
-            </a:prstTxWarp>
+          <a:bodyPr wrap="square" rtlCol="0">
             <a:spAutoFit/>
           </a:bodyPr>
           <a:lstStyle/>
           <a:p>
-            <a:pPr algn="l"/>
-            <a:r>
-              <a:rPr lang="el-GR" dirty="0" err="1"/>
-              <a:t>kurudz</a:t>
-            </a:r>
-          </a:p>
-        </p:txBody>
-      </p:sp>
-      <p:sp>
-        <p:nvSpPr>
-          <p:cNvPr id="7" name="TextBox 6">
-            <a:extLst>
-              <a:ext uri="{FF2B5EF4-FFF2-40B4-BE49-F238E27FC236}">
-                <a16:creationId xmlns:a16="http://schemas.microsoft.com/office/drawing/2014/main" id="{4F46A0B3-610B-75AF-25F4-971F14592E22}"/>
-              </a:ext>
-            </a:extLst>
-          </p:cNvPr>
-          <p:cNvSpPr txBox="1"/>
-          <p:nvPr/>
-        </p:nvSpPr>
-        <p:spPr>
-          <a:xfrm>
-            <a:off x="9694007" y="4823850"/>
-            <a:ext cx="1266093" cy="369332"/>
-          </a:xfrm>
-          <a:prstGeom prst="rect">
-            <a:avLst/>
-          </a:prstGeom>
-          <a:noFill/>
-        </p:spPr>
-        <p:txBody>
-          <a:bodyPr rot="0" spcFirstLastPara="0" vertOverflow="overflow" horzOverflow="overflow" vert="horz" wrap="square" lIns="91440" tIns="45720" rIns="91440" bIns="45720" numCol="1" spcCol="0" rtlCol="0" fromWordArt="0" anchor="t" anchorCtr="0" forceAA="0" compatLnSpc="1">
-            <a:prstTxWarp prst="textNoShape">
-              <a:avLst/>
-            </a:prstTxWarp>
-            <a:spAutoFit/>
-          </a:bodyPr>
-          <a:lstStyle/>
-          <a:p>
-            <a:pPr algn="l"/>
-            <a:r>
-              <a:rPr lang="el-GR" dirty="0" err="1"/>
-              <a:t>atlas_plus</a:t>
-            </a:r>
+            <a:r>
+              <a:rPr lang="el-GR" dirty="0"/>
+              <a:t>Τέλος, όσων αφορά την συγκέντρωση του διοξειδίου του άνθρακα στην ατμόσφαιρα, παρατηρούμε ότι είναι λίγο μικρότερη από 0.04% και ότι παραμένει σταθερή τόσο με την μεταβολή του γεωγραφικού πλάτους όσο και με την μεταβολή της εποχής. </a:t>
+            </a:r>
+            <a:endParaRPr lang="en-GB" dirty="0"/>
           </a:p>
         </p:txBody>
       </p:sp>
     </p:spTree>
     <p:extLst>
       <p:ext uri="{BB962C8B-B14F-4D97-AF65-F5344CB8AC3E}">
-        <p14:creationId xmlns:p14="http://schemas.microsoft.com/office/powerpoint/2010/main" val="4020534852"/>
+        <p14:creationId xmlns:p14="http://schemas.microsoft.com/office/powerpoint/2010/main" val="1659475850"/>
       </p:ext>
     </p:extLst>
   </p:cSld>
@@ -6529,21 +6391,128 @@
           <a:chExt cx="0" cy="0"/>
         </a:xfrm>
       </p:grpSpPr>
+      <p:sp>
+        <p:nvSpPr>
+          <p:cNvPr id="2" name="Τίτλος 1">
+            <a:extLst>
+              <a:ext uri="{FF2B5EF4-FFF2-40B4-BE49-F238E27FC236}">
+                <a16:creationId xmlns:a16="http://schemas.microsoft.com/office/drawing/2014/main" id="{F15DE645-1279-C54C-D4D5-5157A24214B4}"/>
+              </a:ext>
+            </a:extLst>
+          </p:cNvPr>
+          <p:cNvSpPr>
+            <a:spLocks noGrp="1"/>
+          </p:cNvSpPr>
+          <p:nvPr>
+            <p:ph type="title"/>
+          </p:nvPr>
+        </p:nvSpPr>
+        <p:spPr>
+          <a:xfrm>
+            <a:off x="609600" y="270802"/>
+            <a:ext cx="10972800" cy="752495"/>
+          </a:xfrm>
+        </p:spPr>
+        <p:txBody>
+          <a:bodyPr>
+            <a:normAutofit fontScale="90000"/>
+          </a:bodyPr>
+          <a:lstStyle/>
+          <a:p>
+            <a:r>
+              <a:rPr lang="el-GR" dirty="0">
+                <a:cs typeface="Posterama"/>
+              </a:rPr>
+              <a:t>Μέρος 2ο</a:t>
+            </a:r>
+            <a:endParaRPr lang="el-GR" dirty="0"/>
+          </a:p>
+        </p:txBody>
+      </p:sp>
+      <p:sp>
+        <p:nvSpPr>
+          <p:cNvPr id="3" name="Θέση περιεχομένου 2">
+            <a:extLst>
+              <a:ext uri="{FF2B5EF4-FFF2-40B4-BE49-F238E27FC236}">
+                <a16:creationId xmlns:a16="http://schemas.microsoft.com/office/drawing/2014/main" id="{2B967DD2-94EE-2762-99F8-C473DB1D6FFC}"/>
+              </a:ext>
+            </a:extLst>
+          </p:cNvPr>
+          <p:cNvSpPr>
+            <a:spLocks noGrp="1"/>
+          </p:cNvSpPr>
+          <p:nvPr>
+            <p:ph idx="1"/>
+          </p:nvPr>
+        </p:nvSpPr>
+        <p:spPr>
+          <a:xfrm>
+            <a:off x="609600" y="1103673"/>
+            <a:ext cx="10972800" cy="1860953"/>
+          </a:xfrm>
+        </p:spPr>
+        <p:txBody>
+          <a:bodyPr vert="horz" lIns="91440" tIns="45720" rIns="91440" bIns="45720" rtlCol="0" anchor="t">
+            <a:normAutofit fontScale="92500"/>
+          </a:bodyPr>
+          <a:lstStyle/>
+          <a:p>
+            <a:r>
+              <a:rPr lang="el-GR" dirty="0"/>
+              <a:t>Το δεύτερο μέρος της εργασίας περιλαμβάνει δύο διαφορετικά </a:t>
+            </a:r>
+            <a:r>
+              <a:rPr lang="el-GR" dirty="0" err="1"/>
+              <a:t>datasets</a:t>
+            </a:r>
+            <a:r>
+              <a:rPr lang="el-GR" dirty="0"/>
+              <a:t> όπου περιέχουν φάσματα της ηλιακής ακτινοβολίας δηλαδή δεδομένα εισόδου για την ροή ακτινοβολίας (</a:t>
+            </a:r>
+            <a:r>
+              <a:rPr lang="en-US" dirty="0"/>
+              <a:t>spectral </a:t>
+            </a:r>
+            <a:r>
+              <a:rPr lang="el-GR" dirty="0" err="1"/>
+              <a:t>irradiance</a:t>
+            </a:r>
+            <a:r>
+              <a:rPr lang="el-GR" dirty="0"/>
+              <a:t>) για διαφορετικά μήκη κύματος. Η διαφορά μεταξύ των δύο μετρήσεων έγκειται στην ακρίβεια καθώς το 1ο σετ που από εδώ και πέρα θα ονομάζεται </a:t>
+            </a:r>
+            <a:r>
+              <a:rPr lang="el-GR" dirty="0" err="1"/>
+              <a:t>kurudz</a:t>
+            </a:r>
+            <a:r>
+              <a:rPr lang="el-GR" dirty="0"/>
+              <a:t> έχει ακρίβεια 1nm και το 2ο σετ που ονομάζεται </a:t>
+            </a:r>
+            <a:r>
+              <a:rPr lang="el-GR" dirty="0" err="1"/>
+              <a:t>atlas_plus</a:t>
+            </a:r>
+            <a:r>
+              <a:rPr lang="el-GR" dirty="0"/>
+              <a:t> έχει ακρίβεια 0.05 nm. Παρακάτω εμφανίζονται τα δύο σετ σε αντιπαράθεση μεταξύ τους.</a:t>
+            </a:r>
+          </a:p>
+        </p:txBody>
+      </p:sp>
       <p:pic>
         <p:nvPicPr>
-          <p:cNvPr id="7" name="Θέση περιεχομένου 6" descr="Εικόνα που περιέχει κείμενο, διάγραμμα, στιγμιότυπο οθόνης, γράφημα&#10;&#10;Περιγραφή που δημιουργήθηκε αυτόματα">
-            <a:extLst>
-              <a:ext uri="{FF2B5EF4-FFF2-40B4-BE49-F238E27FC236}">
-                <a16:creationId xmlns:a16="http://schemas.microsoft.com/office/drawing/2014/main" id="{BADD0168-9FDC-79DF-AACE-B02B4DD2B211}"/>
+          <p:cNvPr id="4" name="Εικόνα 3" descr="Εικόνα που περιέχει κείμενο, στιγμιότυπο οθόνης, γραμματοσειρά, αριθμός&#10;&#10;Περιγραφή που δημιουργήθηκε αυτόματα">
+            <a:extLst>
+              <a:ext uri="{FF2B5EF4-FFF2-40B4-BE49-F238E27FC236}">
+                <a16:creationId xmlns:a16="http://schemas.microsoft.com/office/drawing/2014/main" id="{D9BD9A25-FF1D-8D41-F8DE-74077A87C51F}"/>
               </a:ext>
             </a:extLst>
           </p:cNvPr>
           <p:cNvPicPr>
-            <a:picLocks noGrp="1" noChangeAspect="1"/>
+            <a:picLocks noChangeAspect="1"/>
           </p:cNvPicPr>
-          <p:nvPr>
-            <p:ph sz="half" idx="2"/>
-          </p:nvPr>
+          <p:nvPr/>
         </p:nvPicPr>
         <p:blipFill>
           <a:blip r:embed="rId2"/>
@@ -6553,17 +6522,50 @@
         </p:blipFill>
         <p:spPr>
           <a:xfrm>
-            <a:off x="6345201" y="1773383"/>
-            <a:ext cx="5199928" cy="4972383"/>
-          </a:xfrm>
+            <a:off x="2739512" y="3062214"/>
+            <a:ext cx="3353924" cy="3522883"/>
+          </a:xfrm>
+          <a:prstGeom prst="rect">
+            <a:avLst/>
+          </a:prstGeom>
+        </p:spPr>
+      </p:pic>
+      <p:pic>
+        <p:nvPicPr>
+          <p:cNvPr id="5" name="Εικόνα 4" descr="Εικόνα που περιέχει κείμενο, στιγμιότυπο οθόνης, γραμματοσειρά, αριθμός&#10;&#10;Περιγραφή που δημιουργήθηκε αυτόματα">
+            <a:extLst>
+              <a:ext uri="{FF2B5EF4-FFF2-40B4-BE49-F238E27FC236}">
+                <a16:creationId xmlns:a16="http://schemas.microsoft.com/office/drawing/2014/main" id="{E020A2B0-B1F6-CD4E-247D-A75AD2225156}"/>
+              </a:ext>
+            </a:extLst>
+          </p:cNvPr>
+          <p:cNvPicPr>
+            <a:picLocks noChangeAspect="1"/>
+          </p:cNvPicPr>
+          <p:nvPr/>
+        </p:nvPicPr>
+        <p:blipFill>
+          <a:blip r:embed="rId3"/>
+          <a:stretch>
+            <a:fillRect/>
+          </a:stretch>
+        </p:blipFill>
+        <p:spPr>
+          <a:xfrm>
+            <a:off x="6093534" y="3058551"/>
+            <a:ext cx="3355389" cy="3528647"/>
+          </a:xfrm>
+          <a:prstGeom prst="rect">
+            <a:avLst/>
+          </a:prstGeom>
         </p:spPr>
       </p:pic>
       <p:sp>
         <p:nvSpPr>
-          <p:cNvPr id="5" name="TextBox 4">
-            <a:extLst>
-              <a:ext uri="{FF2B5EF4-FFF2-40B4-BE49-F238E27FC236}">
-                <a16:creationId xmlns:a16="http://schemas.microsoft.com/office/drawing/2014/main" id="{416A63A7-5335-6D49-1E5F-9C1C142222B7}"/>
+          <p:cNvPr id="6" name="TextBox 5">
+            <a:extLst>
+              <a:ext uri="{FF2B5EF4-FFF2-40B4-BE49-F238E27FC236}">
+                <a16:creationId xmlns:a16="http://schemas.microsoft.com/office/drawing/2014/main" id="{941BEBAF-EE0F-7D82-94AF-AD4A10CE22FA}"/>
               </a:ext>
             </a:extLst>
           </p:cNvPr>
@@ -6572,8 +6574,8 @@
         </p:nvSpPr>
         <p:spPr>
           <a:xfrm>
-            <a:off x="781050" y="212436"/>
-            <a:ext cx="10629900" cy="1477328"/>
+            <a:off x="1660183" y="4820138"/>
+            <a:ext cx="926123" cy="369332"/>
           </a:xfrm>
           <a:prstGeom prst="rect">
             <a:avLst/>
@@ -6589,70 +6591,57 @@
           </a:bodyPr>
           <a:lstStyle/>
           <a:p>
-            <a:r>
-              <a:rPr lang="el-GR" dirty="0"/>
-              <a:t>Αρχικά, κόψαμε τις τιμές του μήκους κύματος που ξεπερνούσαν τα 2.500nm στο 1</a:t>
-            </a:r>
-            <a:r>
-              <a:rPr lang="el-GR" baseline="30000" dirty="0"/>
-              <a:t>ο</a:t>
-            </a:r>
-            <a:r>
-              <a:rPr lang="el-GR" dirty="0"/>
-              <a:t> σετ μετρήσεων και κάναμε μία πρώτη γραφική παράσταση έτσι ώστε να έχουμε μία καλύτερη εικόνα των δεδομένων. Με μωβ χρώμα απεικονίζεται το σετ </a:t>
-            </a:r>
+            <a:pPr algn="l"/>
             <a:r>
               <a:rPr lang="el-GR" dirty="0" err="1"/>
               <a:t>kurudz</a:t>
             </a:r>
-            <a:r>
-              <a:rPr lang="el-GR" dirty="0"/>
-              <a:t> και με πράσινο το </a:t>
-            </a:r>
+          </a:p>
+        </p:txBody>
+      </p:sp>
+      <p:sp>
+        <p:nvSpPr>
+          <p:cNvPr id="7" name="TextBox 6">
+            <a:extLst>
+              <a:ext uri="{FF2B5EF4-FFF2-40B4-BE49-F238E27FC236}">
+                <a16:creationId xmlns:a16="http://schemas.microsoft.com/office/drawing/2014/main" id="{4F46A0B3-610B-75AF-25F4-971F14592E22}"/>
+              </a:ext>
+            </a:extLst>
+          </p:cNvPr>
+          <p:cNvSpPr txBox="1"/>
+          <p:nvPr/>
+        </p:nvSpPr>
+        <p:spPr>
+          <a:xfrm>
+            <a:off x="9694007" y="4823850"/>
+            <a:ext cx="1266093" cy="369332"/>
+          </a:xfrm>
+          <a:prstGeom prst="rect">
+            <a:avLst/>
+          </a:prstGeom>
+          <a:noFill/>
+        </p:spPr>
+        <p:txBody>
+          <a:bodyPr rot="0" spcFirstLastPara="0" vertOverflow="overflow" horzOverflow="overflow" vert="horz" wrap="square" lIns="91440" tIns="45720" rIns="91440" bIns="45720" numCol="1" spcCol="0" rtlCol="0" fromWordArt="0" anchor="t" anchorCtr="0" forceAA="0" compatLnSpc="1">
+            <a:prstTxWarp prst="textNoShape">
+              <a:avLst/>
+            </a:prstTxWarp>
+            <a:spAutoFit/>
+          </a:bodyPr>
+          <a:lstStyle/>
+          <a:p>
+            <a:pPr algn="l"/>
             <a:r>
               <a:rPr lang="el-GR" dirty="0" err="1"/>
               <a:t>atlas_plus</a:t>
             </a:r>
-            <a:r>
-              <a:rPr lang="el-GR" dirty="0"/>
-              <a:t>. Είναι εμφανές ότι το ένα σετ περιέχει τιμές σε μεγαλύτερο εύρος όσων αφορά το μήκος κύματος ενώ το δεύτερο έχει περισσότερες τιμές της ακτινοβολίας σε μικρότερο εύρος. </a:t>
-            </a:r>
           </a:p>
         </p:txBody>
       </p:sp>
-      <p:pic>
-        <p:nvPicPr>
-          <p:cNvPr id="12" name="Θέση περιεχομένου 11">
-            <a:extLst>
-              <a:ext uri="{FF2B5EF4-FFF2-40B4-BE49-F238E27FC236}">
-                <a16:creationId xmlns:a16="http://schemas.microsoft.com/office/drawing/2014/main" id="{DBB41800-D14A-4DF9-DFD3-57D50D6010DE}"/>
-              </a:ext>
-            </a:extLst>
-          </p:cNvPr>
-          <p:cNvPicPr>
-            <a:picLocks noGrp="1" noChangeAspect="1"/>
-          </p:cNvPicPr>
-          <p:nvPr>
-            <p:ph sz="half" idx="1"/>
-          </p:nvPr>
-        </p:nvPicPr>
-        <p:blipFill>
-          <a:blip r:embed="rId3"/>
-          <a:stretch>
-            <a:fillRect/>
-          </a:stretch>
-        </p:blipFill>
-        <p:spPr>
-          <a:xfrm>
-            <a:off x="320042" y="1773383"/>
-            <a:ext cx="5526759" cy="5084618"/>
-          </a:xfrm>
-        </p:spPr>
-      </p:pic>
     </p:spTree>
     <p:extLst>
       <p:ext uri="{BB962C8B-B14F-4D97-AF65-F5344CB8AC3E}">
-        <p14:creationId xmlns:p14="http://schemas.microsoft.com/office/powerpoint/2010/main" val="1761082859"/>
+        <p14:creationId xmlns:p14="http://schemas.microsoft.com/office/powerpoint/2010/main" val="4020534852"/>
       </p:ext>
     </p:extLst>
   </p:cSld>
@@ -6681,10 +6670,10 @@
       </p:grpSpPr>
       <p:pic>
         <p:nvPicPr>
-          <p:cNvPr id="9" name="Θέση περιεχομένου 8" descr="Εικόνα που περιέχει κείμενο, στιγμιότυπο οθόνης, γράφημα, διάγραμμα&#10;&#10;Περιγραφή που δημιουργήθηκε αυτόματα">
-            <a:extLst>
-              <a:ext uri="{FF2B5EF4-FFF2-40B4-BE49-F238E27FC236}">
-                <a16:creationId xmlns:a16="http://schemas.microsoft.com/office/drawing/2014/main" id="{BB47D059-5FF1-2F68-1921-95631DE2D8BF}"/>
+          <p:cNvPr id="7" name="Θέση περιεχομένου 6" descr="Εικόνα που περιέχει κείμενο, διάγραμμα, στιγμιότυπο οθόνης, γράφημα&#10;&#10;Περιγραφή που δημιουργήθηκε αυτόματα">
+            <a:extLst>
+              <a:ext uri="{FF2B5EF4-FFF2-40B4-BE49-F238E27FC236}">
+                <a16:creationId xmlns:a16="http://schemas.microsoft.com/office/drawing/2014/main" id="{BADD0168-9FDC-79DF-AACE-B02B4DD2B211}"/>
               </a:ext>
             </a:extLst>
           </p:cNvPr>
@@ -6692,7 +6681,7 @@
             <a:picLocks noGrp="1" noChangeAspect="1"/>
           </p:cNvPicPr>
           <p:nvPr>
-            <p:ph sz="half" idx="1"/>
+            <p:ph sz="half" idx="2"/>
           </p:nvPr>
         </p:nvPicPr>
         <p:blipFill>
@@ -6703,17 +6692,79 @@
         </p:blipFill>
         <p:spPr>
           <a:xfrm>
-            <a:off x="773823" y="2081369"/>
-            <a:ext cx="4867469" cy="4552793"/>
+            <a:off x="6345201" y="1773383"/>
+            <a:ext cx="5199928" cy="4972383"/>
           </a:xfrm>
         </p:spPr>
       </p:pic>
+      <p:sp>
+        <p:nvSpPr>
+          <p:cNvPr id="5" name="TextBox 4">
+            <a:extLst>
+              <a:ext uri="{FF2B5EF4-FFF2-40B4-BE49-F238E27FC236}">
+                <a16:creationId xmlns:a16="http://schemas.microsoft.com/office/drawing/2014/main" id="{416A63A7-5335-6D49-1E5F-9C1C142222B7}"/>
+              </a:ext>
+            </a:extLst>
+          </p:cNvPr>
+          <p:cNvSpPr txBox="1"/>
+          <p:nvPr/>
+        </p:nvSpPr>
+        <p:spPr>
+          <a:xfrm>
+            <a:off x="781050" y="212436"/>
+            <a:ext cx="10629900" cy="1477328"/>
+          </a:xfrm>
+          <a:prstGeom prst="rect">
+            <a:avLst/>
+          </a:prstGeom>
+          <a:noFill/>
+        </p:spPr>
+        <p:txBody>
+          <a:bodyPr rot="0" spcFirstLastPara="0" vertOverflow="overflow" horzOverflow="overflow" vert="horz" wrap="square" lIns="91440" tIns="45720" rIns="91440" bIns="45720" numCol="1" spcCol="0" rtlCol="0" fromWordArt="0" anchor="t" anchorCtr="0" forceAA="0" compatLnSpc="1">
+            <a:prstTxWarp prst="textNoShape">
+              <a:avLst/>
+            </a:prstTxWarp>
+            <a:spAutoFit/>
+          </a:bodyPr>
+          <a:lstStyle/>
+          <a:p>
+            <a:r>
+              <a:rPr lang="el-GR" dirty="0"/>
+              <a:t>Αρχικά, κόψαμε τις τιμές του μήκους κύματος που ξεπερνούσαν τα 2.500nm στο 1</a:t>
+            </a:r>
+            <a:r>
+              <a:rPr lang="el-GR" baseline="30000" dirty="0"/>
+              <a:t>ο</a:t>
+            </a:r>
+            <a:r>
+              <a:rPr lang="el-GR" dirty="0"/>
+              <a:t> σετ μετρήσεων και κάναμε μία πρώτη γραφική παράσταση έτσι ώστε να έχουμε μία καλύτερη εικόνα των δεδομένων. Με μωβ χρώμα απεικονίζεται το σετ </a:t>
+            </a:r>
+            <a:r>
+              <a:rPr lang="el-GR" dirty="0" err="1"/>
+              <a:t>kurudz</a:t>
+            </a:r>
+            <a:r>
+              <a:rPr lang="el-GR" dirty="0"/>
+              <a:t> και με πράσινο το </a:t>
+            </a:r>
+            <a:r>
+              <a:rPr lang="el-GR" dirty="0" err="1"/>
+              <a:t>atlas_plus</a:t>
+            </a:r>
+            <a:r>
+              <a:rPr lang="el-GR" dirty="0"/>
+              <a:t>. Είναι εμφανές ότι το ένα σετ περιέχει τιμές σε μεγαλύτερο εύρος όσων αφορά το μήκος κύματος ενώ το δεύτερο έχει περισσότερες τιμές της ακτινοβολίας σε μικρότερο εύρος. </a:t>
+            </a:r>
+          </a:p>
+        </p:txBody>
+      </p:sp>
       <p:pic>
         <p:nvPicPr>
-          <p:cNvPr id="7" name="Θέση περιεχομένου 6" descr="Εικόνα που περιέχει κείμενο, διάγραμμα, στιγμιότυπο οθόνης, γράφημα&#10;&#10;Περιγραφή που δημιουργήθηκε αυτόματα">
-            <a:extLst>
-              <a:ext uri="{FF2B5EF4-FFF2-40B4-BE49-F238E27FC236}">
-                <a16:creationId xmlns:a16="http://schemas.microsoft.com/office/drawing/2014/main" id="{06A60417-32E9-38CF-B281-EB1D88F4AB8E}"/>
+          <p:cNvPr id="12" name="Θέση περιεχομένου 11">
+            <a:extLst>
+              <a:ext uri="{FF2B5EF4-FFF2-40B4-BE49-F238E27FC236}">
+                <a16:creationId xmlns:a16="http://schemas.microsoft.com/office/drawing/2014/main" id="{DBB41800-D14A-4DF9-DFD3-57D50D6010DE}"/>
               </a:ext>
             </a:extLst>
           </p:cNvPr>
@@ -6721,7 +6772,7 @@
             <a:picLocks noGrp="1" noChangeAspect="1"/>
           </p:cNvPicPr>
           <p:nvPr>
-            <p:ph sz="half" idx="2"/>
+            <p:ph sz="half" idx="1"/>
           </p:nvPr>
         </p:nvPicPr>
         <p:blipFill>
@@ -6732,66 +6783,15 @@
         </p:blipFill>
         <p:spPr>
           <a:xfrm>
-            <a:off x="6550710" y="2081368"/>
-            <a:ext cx="4867851" cy="4552793"/>
+            <a:off x="320042" y="1773383"/>
+            <a:ext cx="5526759" cy="5084618"/>
           </a:xfrm>
         </p:spPr>
       </p:pic>
-      <p:sp>
-        <p:nvSpPr>
-          <p:cNvPr id="8" name="TextBox 7">
-            <a:extLst>
-              <a:ext uri="{FF2B5EF4-FFF2-40B4-BE49-F238E27FC236}">
-                <a16:creationId xmlns:a16="http://schemas.microsoft.com/office/drawing/2014/main" id="{7C1FFD2D-2B2E-D3C9-E439-97A0577194FC}"/>
-              </a:ext>
-            </a:extLst>
-          </p:cNvPr>
-          <p:cNvSpPr txBox="1"/>
-          <p:nvPr/>
-        </p:nvSpPr>
-        <p:spPr>
-          <a:xfrm>
-            <a:off x="915767" y="360484"/>
-            <a:ext cx="10360269" cy="1477328"/>
-          </a:xfrm>
-          <a:prstGeom prst="rect">
-            <a:avLst/>
-          </a:prstGeom>
-          <a:noFill/>
-        </p:spPr>
-        <p:txBody>
-          <a:bodyPr rot="0" spcFirstLastPara="0" vertOverflow="overflow" horzOverflow="overflow" vert="horz" wrap="square" lIns="91440" tIns="45720" rIns="91440" bIns="45720" numCol="1" spcCol="0" rtlCol="0" fromWordArt="0" anchor="t" anchorCtr="0" forceAA="0" compatLnSpc="1">
-            <a:prstTxWarp prst="textNoShape">
-              <a:avLst/>
-            </a:prstTxWarp>
-            <a:spAutoFit/>
-          </a:bodyPr>
-          <a:lstStyle/>
-          <a:p>
-            <a:r>
-              <a:rPr lang="el-GR" dirty="0"/>
-              <a:t>Για καλύτερη σύγκριση των δύο σετ, ζουμάρουμε στην 1η γραφική έτσι ώστε να μελετάμε το ίδιο κομμάτι του φάσματος και στις 2 περιπτώσεις. Με μία πρώτη ματιά παρατηρούμε σαφώς ότι η 2η γραφική είναι πιο πυκνή, κάτι που είναι αναμενόμενο καθώς είναι "φορτωμένη" με περισσότερα δεδομένα. Το σημαντικό που πρέπει να σχολιαστεί είναι το γεγονός ότι και οι δύο καμπύλες έχουν την ίδια μορφολογία και παρατηρούμε τα ίδια </a:t>
-            </a:r>
-            <a:r>
-              <a:rPr lang="el-GR" dirty="0" err="1"/>
-              <a:t>peaks</a:t>
-            </a:r>
-            <a:r>
-              <a:rPr lang="el-GR" dirty="0"/>
-              <a:t> (τόσο για τις ελάχιστες όσο και για τις μέγιστες τιμές)</a:t>
-            </a:r>
-            <a:r>
-              <a:rPr lang="en-US" dirty="0"/>
-              <a:t>.</a:t>
-            </a:r>
-            <a:endParaRPr lang="el-GR" dirty="0"/>
-          </a:p>
-        </p:txBody>
-      </p:sp>
     </p:spTree>
     <p:extLst>
       <p:ext uri="{BB962C8B-B14F-4D97-AF65-F5344CB8AC3E}">
-        <p14:creationId xmlns:p14="http://schemas.microsoft.com/office/powerpoint/2010/main" val="4261702434"/>
+        <p14:creationId xmlns:p14="http://schemas.microsoft.com/office/powerpoint/2010/main" val="1761082859"/>
       </p:ext>
     </p:extLst>
   </p:cSld>
@@ -6818,124 +6818,12 @@
           <a:chExt cx="0" cy="0"/>
         </a:xfrm>
       </p:grpSpPr>
-      <p:sp>
-        <p:nvSpPr>
-          <p:cNvPr id="12" name="TextBox 11">
-            <a:extLst>
-              <a:ext uri="{FF2B5EF4-FFF2-40B4-BE49-F238E27FC236}">
-                <a16:creationId xmlns:a16="http://schemas.microsoft.com/office/drawing/2014/main" id="{9D5A7CEC-D0D6-92C0-BEBA-6FAD982F56BA}"/>
-              </a:ext>
-            </a:extLst>
-          </p:cNvPr>
-          <p:cNvSpPr txBox="1"/>
-          <p:nvPr/>
-        </p:nvSpPr>
-        <p:spPr>
-          <a:xfrm>
-            <a:off x="720436" y="240147"/>
-            <a:ext cx="11083636" cy="1477328"/>
-          </a:xfrm>
-          <a:prstGeom prst="rect">
-            <a:avLst/>
-          </a:prstGeom>
-          <a:noFill/>
-        </p:spPr>
-        <p:txBody>
-          <a:bodyPr wrap="square" rtlCol="0">
-            <a:spAutoFit/>
-          </a:bodyPr>
-          <a:lstStyle/>
-          <a:p>
-            <a:r>
-              <a:rPr lang="el-GR" dirty="0"/>
-              <a:t>Στην συνέχεια, κάνουμε μέσες τιμές για την ακτινοβολία για το </a:t>
-            </a:r>
-            <a:r>
-              <a:rPr lang="en-US" dirty="0"/>
-              <a:t>dataset </a:t>
-            </a:r>
-            <a:r>
-              <a:rPr lang="el-GR" dirty="0"/>
-              <a:t>με τις περισσότερες μετρήσεις έτσι ώστε να έχουμε μία μέτρηση ανά </a:t>
-            </a:r>
-            <a:r>
-              <a:rPr lang="en-US" dirty="0"/>
-              <a:t>1nm </a:t>
-            </a:r>
-            <a:r>
-              <a:rPr lang="el-GR" dirty="0"/>
-              <a:t>όπως ακριβώς συμβαίνει με το 1</a:t>
-            </a:r>
-            <a:r>
-              <a:rPr lang="el-GR" baseline="30000" dirty="0"/>
-              <a:t>ο</a:t>
-            </a:r>
-            <a:r>
-              <a:rPr lang="el-GR" dirty="0"/>
-              <a:t> </a:t>
-            </a:r>
-            <a:r>
-              <a:rPr lang="en-US" dirty="0"/>
-              <a:t>dataset.</a:t>
-            </a:r>
-            <a:r>
-              <a:rPr lang="el-GR" dirty="0"/>
-              <a:t> </a:t>
-            </a:r>
-            <a:r>
-              <a:rPr lang="en-US" dirty="0"/>
-              <a:t> </a:t>
-            </a:r>
-            <a:r>
-              <a:rPr lang="el-GR" dirty="0"/>
-              <a:t>Κάνοντας τις αντίστοιχες γραφικές παρατηρούμε ότι σε γενικές γραμμές οι δύο γραφικές είναι σχεδόν πανομοιότυπες με πολύ μικρές τοπικές αποκλίσεις. Συγκεκριμένα, παρατηρούμε μία απόκλιση στα χαμηλά μήκη κύματος (&lt;300</a:t>
-            </a:r>
-            <a:r>
-              <a:rPr lang="en-US" dirty="0"/>
-              <a:t>nm</a:t>
-            </a:r>
-            <a:r>
-              <a:rPr lang="en-GB" dirty="0"/>
-              <a:t>) </a:t>
-            </a:r>
-            <a:r>
-              <a:rPr lang="el-GR" dirty="0"/>
-              <a:t>καθώς και μία μικρότερη στα 500 </a:t>
-            </a:r>
-            <a:r>
-              <a:rPr lang="en-US" dirty="0"/>
-              <a:t>nm </a:t>
-            </a:r>
-            <a:r>
-              <a:rPr lang="el-GR" dirty="0"/>
-              <a:t>στο 2</a:t>
-            </a:r>
-            <a:r>
-              <a:rPr lang="el-GR" baseline="30000" dirty="0"/>
-              <a:t>ο</a:t>
-            </a:r>
-            <a:r>
-              <a:rPr lang="el-GR" dirty="0"/>
-              <a:t> </a:t>
-            </a:r>
-            <a:r>
-              <a:rPr lang="en-US" dirty="0"/>
-              <a:t>peak. </a:t>
-            </a:r>
-            <a:r>
-              <a:rPr lang="el-GR" dirty="0"/>
-              <a:t> </a:t>
-            </a:r>
-            <a:endParaRPr lang="en-GB" dirty="0"/>
-          </a:p>
-        </p:txBody>
-      </p:sp>
       <p:pic>
         <p:nvPicPr>
-          <p:cNvPr id="8" name="Θέση περιεχομένου 7">
-            <a:extLst>
-              <a:ext uri="{FF2B5EF4-FFF2-40B4-BE49-F238E27FC236}">
-                <a16:creationId xmlns:a16="http://schemas.microsoft.com/office/drawing/2014/main" id="{4F75940E-0ABF-4897-52D3-D77EDCF83AF1}"/>
+          <p:cNvPr id="9" name="Θέση περιεχομένου 8" descr="Εικόνα που περιέχει κείμενο, στιγμιότυπο οθόνης, γράφημα, διάγραμμα&#10;&#10;Περιγραφή που δημιουργήθηκε αυτόματα">
+            <a:extLst>
+              <a:ext uri="{FF2B5EF4-FFF2-40B4-BE49-F238E27FC236}">
+                <a16:creationId xmlns:a16="http://schemas.microsoft.com/office/drawing/2014/main" id="{BB47D059-5FF1-2F68-1921-95631DE2D8BF}"/>
               </a:ext>
             </a:extLst>
           </p:cNvPr>
@@ -6954,17 +6842,17 @@
         </p:blipFill>
         <p:spPr>
           <a:xfrm>
-            <a:off x="421746" y="1865745"/>
-            <a:ext cx="5255570" cy="4905755"/>
+            <a:off x="773823" y="2081369"/>
+            <a:ext cx="4867469" cy="4552793"/>
           </a:xfrm>
         </p:spPr>
       </p:pic>
       <p:pic>
         <p:nvPicPr>
-          <p:cNvPr id="11" name="Θέση περιεχομένου 10">
-            <a:extLst>
-              <a:ext uri="{FF2B5EF4-FFF2-40B4-BE49-F238E27FC236}">
-                <a16:creationId xmlns:a16="http://schemas.microsoft.com/office/drawing/2014/main" id="{0ECCCFE6-9FA7-D04F-5A16-AA48D10DF304}"/>
+          <p:cNvPr id="7" name="Θέση περιεχομένου 6" descr="Εικόνα που περιέχει κείμενο, διάγραμμα, στιγμιότυπο οθόνης, γράφημα&#10;&#10;Περιγραφή που δημιουργήθηκε αυτόματα">
+            <a:extLst>
+              <a:ext uri="{FF2B5EF4-FFF2-40B4-BE49-F238E27FC236}">
+                <a16:creationId xmlns:a16="http://schemas.microsoft.com/office/drawing/2014/main" id="{06A60417-32E9-38CF-B281-EB1D88F4AB8E}"/>
               </a:ext>
             </a:extLst>
           </p:cNvPr>
@@ -6983,15 +6871,66 @@
         </p:blipFill>
         <p:spPr>
           <a:xfrm>
-            <a:off x="6514686" y="1862890"/>
-            <a:ext cx="5189369" cy="4905755"/>
+            <a:off x="6550710" y="2081368"/>
+            <a:ext cx="4867851" cy="4552793"/>
           </a:xfrm>
         </p:spPr>
       </p:pic>
+      <p:sp>
+        <p:nvSpPr>
+          <p:cNvPr id="8" name="TextBox 7">
+            <a:extLst>
+              <a:ext uri="{FF2B5EF4-FFF2-40B4-BE49-F238E27FC236}">
+                <a16:creationId xmlns:a16="http://schemas.microsoft.com/office/drawing/2014/main" id="{7C1FFD2D-2B2E-D3C9-E439-97A0577194FC}"/>
+              </a:ext>
+            </a:extLst>
+          </p:cNvPr>
+          <p:cNvSpPr txBox="1"/>
+          <p:nvPr/>
+        </p:nvSpPr>
+        <p:spPr>
+          <a:xfrm>
+            <a:off x="915767" y="360484"/>
+            <a:ext cx="10360269" cy="1477328"/>
+          </a:xfrm>
+          <a:prstGeom prst="rect">
+            <a:avLst/>
+          </a:prstGeom>
+          <a:noFill/>
+        </p:spPr>
+        <p:txBody>
+          <a:bodyPr rot="0" spcFirstLastPara="0" vertOverflow="overflow" horzOverflow="overflow" vert="horz" wrap="square" lIns="91440" tIns="45720" rIns="91440" bIns="45720" numCol="1" spcCol="0" rtlCol="0" fromWordArt="0" anchor="t" anchorCtr="0" forceAA="0" compatLnSpc="1">
+            <a:prstTxWarp prst="textNoShape">
+              <a:avLst/>
+            </a:prstTxWarp>
+            <a:spAutoFit/>
+          </a:bodyPr>
+          <a:lstStyle/>
+          <a:p>
+            <a:r>
+              <a:rPr lang="el-GR" dirty="0"/>
+              <a:t>Για καλύτερη σύγκριση των δύο σετ, ζουμάρουμε στην 1η γραφική έτσι ώστε να μελετάμε το ίδιο κομμάτι του φάσματος και στις 2 περιπτώσεις. Με μία πρώτη ματιά παρατηρούμε σαφώς ότι η 2η γραφική είναι πιο πυκνή, κάτι που είναι αναμενόμενο καθώς είναι "φορτωμένη" με περισσότερα δεδομένα. Το σημαντικό που πρέπει να σχολιαστεί είναι το γεγονός ότι και οι δύο καμπύλες έχουν την ίδια μορφολογία και παρατηρούμε τα ίδια </a:t>
+            </a:r>
+            <a:r>
+              <a:rPr lang="el-GR" dirty="0" err="1"/>
+              <a:t>peaks</a:t>
+            </a:r>
+            <a:r>
+              <a:rPr lang="el-GR" dirty="0"/>
+              <a:t> (τόσο για τις ελάχιστες όσο και για τις μέγιστες τιμές)</a:t>
+            </a:r>
+            <a:r>
+              <a:rPr lang="en-US" dirty="0"/>
+              <a:t>.</a:t>
+            </a:r>
+            <a:endParaRPr lang="el-GR" dirty="0"/>
+          </a:p>
+        </p:txBody>
+      </p:sp>
     </p:spTree>
     <p:extLst>
       <p:ext uri="{BB962C8B-B14F-4D97-AF65-F5344CB8AC3E}">
-        <p14:creationId xmlns:p14="http://schemas.microsoft.com/office/powerpoint/2010/main" val="1739241115"/>
+        <p14:creationId xmlns:p14="http://schemas.microsoft.com/office/powerpoint/2010/main" val="4261702434"/>
       </p:ext>
     </p:extLst>
   </p:cSld>
@@ -8254,6 +8193,206 @@
       </p:grpSpPr>
       <p:sp>
         <p:nvSpPr>
+          <p:cNvPr id="12" name="TextBox 11">
+            <a:extLst>
+              <a:ext uri="{FF2B5EF4-FFF2-40B4-BE49-F238E27FC236}">
+                <a16:creationId xmlns:a16="http://schemas.microsoft.com/office/drawing/2014/main" id="{9D5A7CEC-D0D6-92C0-BEBA-6FAD982F56BA}"/>
+              </a:ext>
+            </a:extLst>
+          </p:cNvPr>
+          <p:cNvSpPr txBox="1"/>
+          <p:nvPr/>
+        </p:nvSpPr>
+        <p:spPr>
+          <a:xfrm>
+            <a:off x="720436" y="240147"/>
+            <a:ext cx="11083636" cy="1477328"/>
+          </a:xfrm>
+          <a:prstGeom prst="rect">
+            <a:avLst/>
+          </a:prstGeom>
+          <a:noFill/>
+        </p:spPr>
+        <p:txBody>
+          <a:bodyPr wrap="square" rtlCol="0">
+            <a:spAutoFit/>
+          </a:bodyPr>
+          <a:lstStyle/>
+          <a:p>
+            <a:r>
+              <a:rPr lang="el-GR" dirty="0"/>
+              <a:t>Στην συνέχεια, κάνουμε μέσες τιμές για την ακτινοβολία για το </a:t>
+            </a:r>
+            <a:r>
+              <a:rPr lang="en-US" dirty="0"/>
+              <a:t>dataset </a:t>
+            </a:r>
+            <a:r>
+              <a:rPr lang="el-GR" dirty="0"/>
+              <a:t>με τις περισσότερες μετρήσεις έτσι ώστε να έχουμε μία μέτρηση ανά </a:t>
+            </a:r>
+            <a:r>
+              <a:rPr lang="en-US" dirty="0"/>
+              <a:t>1nm </a:t>
+            </a:r>
+            <a:r>
+              <a:rPr lang="el-GR" dirty="0"/>
+              <a:t>όπως ακριβώς συμβαίνει με το 1</a:t>
+            </a:r>
+            <a:r>
+              <a:rPr lang="el-GR" baseline="30000" dirty="0"/>
+              <a:t>ο</a:t>
+            </a:r>
+            <a:r>
+              <a:rPr lang="el-GR" dirty="0"/>
+              <a:t> </a:t>
+            </a:r>
+            <a:r>
+              <a:rPr lang="en-US" dirty="0"/>
+              <a:t>dataset.</a:t>
+            </a:r>
+            <a:r>
+              <a:rPr lang="el-GR" dirty="0"/>
+              <a:t> </a:t>
+            </a:r>
+            <a:r>
+              <a:rPr lang="en-US" dirty="0"/>
+              <a:t> </a:t>
+            </a:r>
+            <a:r>
+              <a:rPr lang="el-GR" dirty="0"/>
+              <a:t>Κάνοντας τις αντίστοιχες γραφικές παρατηρούμε ότι σε γενικές γραμμές οι δύο γραφικές είναι σχεδόν πανομοιότυπες με πολύ μικρές τοπικές αποκλίσεις. Συγκεκριμένα, παρατηρούμε μία απόκλιση στα χαμηλά μήκη κύματος (&lt;300</a:t>
+            </a:r>
+            <a:r>
+              <a:rPr lang="en-US" dirty="0"/>
+              <a:t>nm</a:t>
+            </a:r>
+            <a:r>
+              <a:rPr lang="en-GB" dirty="0"/>
+              <a:t>) </a:t>
+            </a:r>
+            <a:r>
+              <a:rPr lang="el-GR" dirty="0"/>
+              <a:t>καθώς και μία μικρότερη στα 500 </a:t>
+            </a:r>
+            <a:r>
+              <a:rPr lang="en-US" dirty="0"/>
+              <a:t>nm </a:t>
+            </a:r>
+            <a:r>
+              <a:rPr lang="el-GR" dirty="0"/>
+              <a:t>στο 2</a:t>
+            </a:r>
+            <a:r>
+              <a:rPr lang="el-GR" baseline="30000" dirty="0"/>
+              <a:t>ο</a:t>
+            </a:r>
+            <a:r>
+              <a:rPr lang="el-GR" dirty="0"/>
+              <a:t> </a:t>
+            </a:r>
+            <a:r>
+              <a:rPr lang="en-US" dirty="0"/>
+              <a:t>peak. </a:t>
+            </a:r>
+            <a:r>
+              <a:rPr lang="el-GR" dirty="0"/>
+              <a:t> </a:t>
+            </a:r>
+            <a:endParaRPr lang="en-GB" dirty="0"/>
+          </a:p>
+        </p:txBody>
+      </p:sp>
+      <p:pic>
+        <p:nvPicPr>
+          <p:cNvPr id="8" name="Θέση περιεχομένου 7">
+            <a:extLst>
+              <a:ext uri="{FF2B5EF4-FFF2-40B4-BE49-F238E27FC236}">
+                <a16:creationId xmlns:a16="http://schemas.microsoft.com/office/drawing/2014/main" id="{4F75940E-0ABF-4897-52D3-D77EDCF83AF1}"/>
+              </a:ext>
+            </a:extLst>
+          </p:cNvPr>
+          <p:cNvPicPr>
+            <a:picLocks noGrp="1" noChangeAspect="1"/>
+          </p:cNvPicPr>
+          <p:nvPr>
+            <p:ph sz="half" idx="1"/>
+          </p:nvPr>
+        </p:nvPicPr>
+        <p:blipFill>
+          <a:blip r:embed="rId2"/>
+          <a:stretch>
+            <a:fillRect/>
+          </a:stretch>
+        </p:blipFill>
+        <p:spPr>
+          <a:xfrm>
+            <a:off x="421746" y="1865745"/>
+            <a:ext cx="5255570" cy="4905755"/>
+          </a:xfrm>
+        </p:spPr>
+      </p:pic>
+      <p:pic>
+        <p:nvPicPr>
+          <p:cNvPr id="11" name="Θέση περιεχομένου 10">
+            <a:extLst>
+              <a:ext uri="{FF2B5EF4-FFF2-40B4-BE49-F238E27FC236}">
+                <a16:creationId xmlns:a16="http://schemas.microsoft.com/office/drawing/2014/main" id="{0ECCCFE6-9FA7-D04F-5A16-AA48D10DF304}"/>
+              </a:ext>
+            </a:extLst>
+          </p:cNvPr>
+          <p:cNvPicPr>
+            <a:picLocks noGrp="1" noChangeAspect="1"/>
+          </p:cNvPicPr>
+          <p:nvPr>
+            <p:ph sz="half" idx="2"/>
+          </p:nvPr>
+        </p:nvPicPr>
+        <p:blipFill>
+          <a:blip r:embed="rId3"/>
+          <a:stretch>
+            <a:fillRect/>
+          </a:stretch>
+        </p:blipFill>
+        <p:spPr>
+          <a:xfrm>
+            <a:off x="6514686" y="1862890"/>
+            <a:ext cx="5189369" cy="4905755"/>
+          </a:xfrm>
+        </p:spPr>
+      </p:pic>
+    </p:spTree>
+    <p:extLst>
+      <p:ext uri="{BB962C8B-B14F-4D97-AF65-F5344CB8AC3E}">
+        <p14:creationId xmlns:p14="http://schemas.microsoft.com/office/powerpoint/2010/main" val="1739241115"/>
+      </p:ext>
+    </p:extLst>
+  </p:cSld>
+  <p:clrMapOvr>
+    <a:masterClrMapping/>
+  </p:clrMapOvr>
+</p:sld>
+</file>
+
+<file path=ppt/slides/slide21.xml><?xml version="1.0" encoding="utf-8"?>
+<p:sld xmlns:a="http://schemas.openxmlformats.org/drawingml/2006/main" xmlns:r="http://schemas.openxmlformats.org/officeDocument/2006/relationships" xmlns:p="http://schemas.openxmlformats.org/presentationml/2006/main">
+  <p:cSld>
+    <p:spTree>
+      <p:nvGrpSpPr>
+        <p:cNvPr id="1" name=""/>
+        <p:cNvGrpSpPr/>
+        <p:nvPr/>
+      </p:nvGrpSpPr>
+      <p:grpSpPr>
+        <a:xfrm>
+          <a:off x="0" y="0"/>
+          <a:ext cx="0" cy="0"/>
+          <a:chOff x="0" y="0"/>
+          <a:chExt cx="0" cy="0"/>
+        </a:xfrm>
+      </p:grpSpPr>
+      <p:sp>
+        <p:nvSpPr>
           <p:cNvPr id="100" name="Rectangle 10">
             <a:extLst>
               <a:ext uri="{FF2B5EF4-FFF2-40B4-BE49-F238E27FC236}">
@@ -9373,7 +9512,7 @@
 </p:sld>
 </file>
 
-<file path=ppt/slides/slide21.xml><?xml version="1.0" encoding="utf-8"?>
+<file path=ppt/slides/slide22.xml><?xml version="1.0" encoding="utf-8"?>
 <p:sld xmlns:a="http://schemas.openxmlformats.org/drawingml/2006/main" xmlns:r="http://schemas.openxmlformats.org/officeDocument/2006/relationships" xmlns:p="http://schemas.openxmlformats.org/presentationml/2006/main">
   <p:cSld>
     <p:spTree>
@@ -9532,6 +9671,185 @@
       </p:grpSpPr>
       <p:sp>
         <p:nvSpPr>
+          <p:cNvPr id="4" name="Θέση κειμένου 3">
+            <a:extLst>
+              <a:ext uri="{FF2B5EF4-FFF2-40B4-BE49-F238E27FC236}">
+                <a16:creationId xmlns:a16="http://schemas.microsoft.com/office/drawing/2014/main" id="{5F0B367D-961B-4DF4-161C-7B90BB498E0D}"/>
+              </a:ext>
+            </a:extLst>
+          </p:cNvPr>
+          <p:cNvSpPr>
+            <a:spLocks noGrp="1"/>
+          </p:cNvSpPr>
+          <p:nvPr>
+            <p:ph type="body" sz="half" idx="2"/>
+          </p:nvPr>
+        </p:nvSpPr>
+        <p:spPr>
+          <a:xfrm>
+            <a:off x="612775" y="493403"/>
+            <a:ext cx="5142566" cy="5871194"/>
+          </a:xfrm>
+        </p:spPr>
+        <p:txBody>
+          <a:bodyPr>
+            <a:normAutofit fontScale="92500"/>
+          </a:bodyPr>
+          <a:lstStyle/>
+          <a:p>
+            <a:r>
+              <a:rPr lang="el-GR" dirty="0"/>
+              <a:t>Τα διαγράμματα θερμοκρασίας – ύψους μας φανερώνουν τα όρια της τροπόσφαιρας καθώς εκεί είναι που παρατηρείται θερμοκρασιακή αναστροφή.</a:t>
+            </a:r>
+            <a:r>
+              <a:rPr lang="en-US" dirty="0"/>
+              <a:t> </a:t>
+            </a:r>
+            <a:r>
+              <a:rPr lang="el-GR" dirty="0"/>
+              <a:t>Στο διπλανό διάγραμμα βλέπουμε την κατανομή της θερμοκρασίας με το ύψος για την περίπτωση των τροπικών. Με βάση τον πίνακα δεδομένων αλλά και την γραφική παράσταση, μπορούμε να προσδιορίσουμε</a:t>
+            </a:r>
+            <a:r>
+              <a:rPr lang="en-GB" dirty="0"/>
+              <a:t> </a:t>
+            </a:r>
+            <a:r>
+              <a:rPr lang="el-GR" dirty="0"/>
+              <a:t>πολύ εύκολα το ύψος της τροπόπαυσης  το οποίο εντοπίζεται στα 17 </a:t>
+            </a:r>
+            <a:r>
+              <a:rPr lang="en-US" dirty="0"/>
+              <a:t>km </a:t>
+            </a:r>
+            <a:r>
+              <a:rPr lang="el-GR" dirty="0"/>
+              <a:t>από την Μέση Στάθμη Θάλασσας (ΜΣΘ). Το ύψος τα </a:t>
+            </a:r>
+            <a:r>
+              <a:rPr lang="el-GR" dirty="0" err="1"/>
+              <a:t>στρατόπαυσης</a:t>
+            </a:r>
+            <a:r>
+              <a:rPr lang="el-GR" dirty="0"/>
+              <a:t>, αντίστοιχα, προσδιορίζεται στα 50 </a:t>
+            </a:r>
+            <a:r>
+              <a:rPr lang="en-US" dirty="0"/>
+              <a:t>km</a:t>
+            </a:r>
+            <a:r>
+              <a:rPr lang="el-GR" dirty="0"/>
+              <a:t> και με τον ίδιο τρόπο μπορούμε να προσδιορίσουμε και τα άλλα στρώματα της ατμόσφαιρας. Συγκεκριμένα η </a:t>
+            </a:r>
+            <a:r>
+              <a:rPr lang="el-GR" dirty="0" err="1"/>
+              <a:t>μεσόσφαιρα</a:t>
+            </a:r>
+            <a:r>
+              <a:rPr lang="el-GR" dirty="0"/>
+              <a:t> που φαίνεται να εκτείνεται μέχρι λίγο πάνω από τα 80 </a:t>
+            </a:r>
+            <a:r>
+              <a:rPr lang="en-US" dirty="0"/>
+              <a:t>km </a:t>
+            </a:r>
+            <a:r>
+              <a:rPr lang="el-GR" dirty="0"/>
+              <a:t>και η </a:t>
+            </a:r>
+            <a:r>
+              <a:rPr lang="el-GR" dirty="0" err="1"/>
+              <a:t>θερμόσφαιρα</a:t>
+            </a:r>
+            <a:r>
+              <a:rPr lang="el-GR" dirty="0"/>
+              <a:t> από αυτό το ύψος και έπειτα. Από την θεωρία γνωρίζουμε ότι η τροπόπαυση εντοπίζεται πιο ψηλά πάνω από τον Ισημερινό σε σχέση με τα υπόλοιπα γεωγραφικά πλάτη οπότε το επόμενο βήμα είναι να μελετήσουμε αν τα δεδομένα μας επιβεβαιώνουν τον κανόνα αυτό.</a:t>
+            </a:r>
+            <a:endParaRPr lang="en-GB" dirty="0"/>
+          </a:p>
+        </p:txBody>
+      </p:sp>
+      <p:pic>
+        <p:nvPicPr>
+          <p:cNvPr id="5" name="Picture 2">
+            <a:extLst>
+              <a:ext uri="{FF2B5EF4-FFF2-40B4-BE49-F238E27FC236}">
+                <a16:creationId xmlns:a16="http://schemas.microsoft.com/office/drawing/2014/main" id="{1747CD63-5BE0-EB57-19B7-B5EAD2C423CB}"/>
+              </a:ext>
+            </a:extLst>
+          </p:cNvPr>
+          <p:cNvPicPr>
+            <a:picLocks noGrp="1" noChangeAspect="1" noChangeArrowheads="1"/>
+          </p:cNvPicPr>
+          <p:nvPr>
+            <p:ph type="pic" idx="1"/>
+          </p:nvPr>
+        </p:nvPicPr>
+        <p:blipFill>
+          <a:blip r:embed="rId2">
+            <a:extLst>
+              <a:ext uri="{28A0092B-C50C-407E-A947-70E740481C1C}">
+                <a14:useLocalDpi xmlns:a14="http://schemas.microsoft.com/office/drawing/2010/main" val="0"/>
+              </a:ext>
+            </a:extLst>
+          </a:blip>
+          <a:srcRect t="1654" b="1654"/>
+          <a:stretch>
+            <a:fillRect/>
+          </a:stretch>
+        </p:blipFill>
+        <p:spPr bwMode="auto">
+          <a:xfrm>
+            <a:off x="6096000" y="727075"/>
+            <a:ext cx="5483225" cy="5403850"/>
+          </a:xfrm>
+          <a:prstGeom prst="rect">
+            <a:avLst/>
+          </a:prstGeom>
+          <a:noFill/>
+          <a:extLst>
+            <a:ext uri="{909E8E84-426E-40DD-AFC4-6F175D3DCCD1}">
+              <a14:hiddenFill xmlns:a14="http://schemas.microsoft.com/office/drawing/2010/main">
+                <a:solidFill>
+                  <a:srgbClr val="FFFFFF"/>
+                </a:solidFill>
+              </a14:hiddenFill>
+            </a:ext>
+          </a:extLst>
+        </p:spPr>
+      </p:pic>
+    </p:spTree>
+    <p:extLst>
+      <p:ext uri="{BB962C8B-B14F-4D97-AF65-F5344CB8AC3E}">
+        <p14:creationId xmlns:p14="http://schemas.microsoft.com/office/powerpoint/2010/main" val="2607339560"/>
+      </p:ext>
+    </p:extLst>
+  </p:cSld>
+  <p:clrMapOvr>
+    <a:masterClrMapping/>
+  </p:clrMapOvr>
+</p:sld>
+</file>
+
+<file path=ppt/slides/slide4.xml><?xml version="1.0" encoding="utf-8"?>
+<p:sld xmlns:a="http://schemas.openxmlformats.org/drawingml/2006/main" xmlns:r="http://schemas.openxmlformats.org/officeDocument/2006/relationships" xmlns:p="http://schemas.openxmlformats.org/presentationml/2006/main">
+  <p:cSld>
+    <p:spTree>
+      <p:nvGrpSpPr>
+        <p:cNvPr id="1" name=""/>
+        <p:cNvGrpSpPr/>
+        <p:nvPr/>
+      </p:nvGrpSpPr>
+      <p:grpSpPr>
+        <a:xfrm>
+          <a:off x="0" y="0"/>
+          <a:ext cx="0" cy="0"/>
+          <a:chOff x="0" y="0"/>
+          <a:chExt cx="0" cy="0"/>
+        </a:xfrm>
+      </p:grpSpPr>
+      <p:sp>
+        <p:nvSpPr>
           <p:cNvPr id="6" name="TextBox 3">
             <a:extLst>
               <a:ext uri="{FF2B5EF4-FFF2-40B4-BE49-F238E27FC236}">
@@ -9544,8 +9862,8 @@
         </p:nvSpPr>
         <p:spPr>
           <a:xfrm>
-            <a:off x="6890327" y="95400"/>
-            <a:ext cx="5160674" cy="3416320"/>
+            <a:off x="6863045" y="612844"/>
+            <a:ext cx="5160674" cy="5632311"/>
           </a:xfrm>
           <a:prstGeom prst="rect">
             <a:avLst/>
@@ -9654,7 +9972,31 @@
           <a:p>
             <a:r>
               <a:rPr lang="el-GR" dirty="0"/>
-              <a:t>Τα διαγράμματα θερμοκρασίας – ύψους μας φανερώνουν τα όρια της τροπόσφαιρας καθώς εκεί είναι που παρατηρείται θερμοκρασιακή αναστροφή. Από την θεωρία γνωρίζουμε ότι η τροπόσφαιρα εκτείνεται υψηλότερα στους τροπικούς και οι παρακάτω γραφικές μας το επιβεβαιώνουν καθώς παρατηρούμε ότι στους τροπικούς η τροπόσφαιρα εντοπίζεται λίγο χαμηλότερα από τα 20 </a:t>
+              <a:t>Στα μέσα και </a:t>
+            </a:r>
+            <a:r>
+              <a:rPr lang="el-GR" dirty="0" err="1"/>
+              <a:t>υπο</a:t>
+            </a:r>
+            <a:r>
+              <a:rPr lang="el-GR" dirty="0"/>
+              <a:t>-αρκτικά πλάτη παρατηρείται ότι κατά κανόνα, η τροπόπαυση βρίσκεται όντως σε χαμηλότερο υψόμετρο σε σχέση με τους τροπικούς στους οποίους βρήκαμε ότι η τροπόπαυση εντοπίζεται στα 17 </a:t>
+            </a:r>
+            <a:r>
+              <a:rPr lang="en-US" dirty="0"/>
+              <a:t>km</a:t>
+            </a:r>
+            <a:r>
+              <a:rPr lang="el-GR" dirty="0"/>
+              <a:t>. Συγκεκριμένα, για τα μέσα πλάτη παρατηρούμε ότι η τροπόπαυση παρατηρείται στα 14-17 </a:t>
+            </a:r>
+            <a:r>
+              <a:rPr lang="en-US" dirty="0"/>
+              <a:t>km</a:t>
+            </a:r>
+            <a:r>
+              <a:rPr lang="el-GR" dirty="0"/>
+              <a:t> για την θερινή περίοδο και στα 19-25 </a:t>
             </a:r>
             <a:r>
               <a:rPr lang="en-US" dirty="0"/>
@@ -9662,7 +10004,91 @@
             </a:r>
             <a:r>
               <a:rPr lang="el-GR" dirty="0"/>
-              <a:t>ενώ στα μέσα και υποαρκτικά πλάτη η τροπόπαυση παρατηρείται σε χαμηλότερο υψόμετρο. Από τις γραφικές είναι πολύ εύκολος και ο προσδιορισμός των υπολοίπων στρωμάτων της ατμόσφαιρας.</a:t>
+              <a:t>για την χειμερινή περίοδο ενώ για τα </a:t>
+            </a:r>
+            <a:r>
+              <a:rPr lang="el-GR" dirty="0" err="1"/>
+              <a:t>υπο</a:t>
+            </a:r>
+            <a:r>
+              <a:rPr lang="el-GR" dirty="0"/>
+              <a:t>-αρκτικά πλάτη, η τροπόπαυση εντοπίζεται στα 10-23 </a:t>
+            </a:r>
+            <a:r>
+              <a:rPr lang="en-GB" dirty="0"/>
+              <a:t>km </a:t>
+            </a:r>
+            <a:r>
+              <a:rPr lang="el-GR" dirty="0"/>
+              <a:t>για την θερινή περίοδο και στα 10- 25 </a:t>
+            </a:r>
+            <a:r>
+              <a:rPr lang="en-GB" dirty="0"/>
+              <a:t>km </a:t>
+            </a:r>
+            <a:r>
+              <a:rPr lang="el-GR" dirty="0"/>
+              <a:t>για την χειμερινή περίοδο. Εδώ αξίζει να σημειώσουμε πως κανονικά αναμένουμε η τροπόπαυση να εντοπίζεται ψηλότερα το καλοκαίρι σε σχέση με τον χειμώνα, εδώ όμως παρατηρούμε το αντίθετο. Όσων αφορά την </a:t>
+            </a:r>
+            <a:r>
+              <a:rPr lang="el-GR" dirty="0" err="1"/>
+              <a:t>στρατόπαυση</a:t>
+            </a:r>
+            <a:r>
+              <a:rPr lang="el-GR" dirty="0"/>
+              <a:t>, για τα μέσα πλάτη προσδιορίζουμε ότι εντοπίζεται στα 47.5 </a:t>
+            </a:r>
+            <a:r>
+              <a:rPr lang="en-GB" dirty="0"/>
+              <a:t>km </a:t>
+            </a:r>
+            <a:r>
+              <a:rPr lang="el-GR" dirty="0"/>
+              <a:t>για την θερινή περίοδο και στα 50 </a:t>
+            </a:r>
+            <a:r>
+              <a:rPr lang="en-US" dirty="0"/>
+              <a:t>km</a:t>
+            </a:r>
+            <a:r>
+              <a:rPr lang="el-GR" dirty="0"/>
+              <a:t> για την χειμερινή περίοδο. Για τα </a:t>
+            </a:r>
+            <a:r>
+              <a:rPr lang="el-GR" dirty="0" err="1"/>
+              <a:t>υπο</a:t>
+            </a:r>
+            <a:r>
+              <a:rPr lang="el-GR" dirty="0"/>
+              <a:t>-αρκτικά πλάτη αντίστοιχα, η </a:t>
+            </a:r>
+            <a:r>
+              <a:rPr lang="el-GR" dirty="0" err="1"/>
+              <a:t>στρατόπαυση</a:t>
+            </a:r>
+            <a:r>
+              <a:rPr lang="el-GR" dirty="0"/>
+              <a:t> εντοπίζεται στα 45 </a:t>
+            </a:r>
+            <a:r>
+              <a:rPr lang="en-GB" dirty="0"/>
+              <a:t>km </a:t>
+            </a:r>
+            <a:r>
+              <a:rPr lang="el-GR" dirty="0"/>
+              <a:t>το καλοκαίρι και στα </a:t>
+            </a:r>
+            <a:r>
+              <a:rPr lang="en-US" dirty="0"/>
+              <a:t>55 </a:t>
+            </a:r>
+            <a:r>
+              <a:rPr lang="en-GB" dirty="0"/>
+              <a:t>km </a:t>
+            </a:r>
+            <a:r>
+              <a:rPr lang="el-GR" dirty="0"/>
+              <a:t>για τον χειμώνα. </a:t>
             </a:r>
             <a:endParaRPr lang="en-GB" dirty="0"/>
           </a:p>
@@ -9670,10 +10096,10 @@
       </p:sp>
       <p:pic>
         <p:nvPicPr>
-          <p:cNvPr id="1026" name="Picture 2">
-            <a:extLst>
-              <a:ext uri="{FF2B5EF4-FFF2-40B4-BE49-F238E27FC236}">
-                <a16:creationId xmlns:a16="http://schemas.microsoft.com/office/drawing/2014/main" id="{3C898D7B-BDFF-F275-EECB-F918F0504D6D}"/>
+          <p:cNvPr id="1028" name="Picture 4">
+            <a:extLst>
+              <a:ext uri="{FF2B5EF4-FFF2-40B4-BE49-F238E27FC236}">
+                <a16:creationId xmlns:a16="http://schemas.microsoft.com/office/drawing/2014/main" id="{26F431AE-6FCF-E0C1-3D7F-7ACDDB77C20E}"/>
               </a:ext>
             </a:extLst>
           </p:cNvPr>
@@ -9697,7 +10123,7 @@
         </p:blipFill>
         <p:spPr bwMode="auto">
           <a:xfrm>
-            <a:off x="7949258" y="3524400"/>
+            <a:off x="168281" y="95400"/>
             <a:ext cx="3270702" cy="3333600"/>
           </a:xfrm>
           <a:prstGeom prst="rect">
@@ -9717,10 +10143,10 @@
       </p:pic>
       <p:pic>
         <p:nvPicPr>
-          <p:cNvPr id="1028" name="Picture 4">
-            <a:extLst>
-              <a:ext uri="{FF2B5EF4-FFF2-40B4-BE49-F238E27FC236}">
-                <a16:creationId xmlns:a16="http://schemas.microsoft.com/office/drawing/2014/main" id="{26F431AE-6FCF-E0C1-3D7F-7ACDDB77C20E}"/>
+          <p:cNvPr id="1030" name="Picture 6">
+            <a:extLst>
+              <a:ext uri="{FF2B5EF4-FFF2-40B4-BE49-F238E27FC236}">
+                <a16:creationId xmlns:a16="http://schemas.microsoft.com/office/drawing/2014/main" id="{28DC3BDC-0549-C4AD-2996-4A93CEC9C549}"/>
               </a:ext>
             </a:extLst>
           </p:cNvPr>
@@ -9744,7 +10170,7 @@
         </p:blipFill>
         <p:spPr bwMode="auto">
           <a:xfrm>
-            <a:off x="168281" y="95400"/>
+            <a:off x="3452624" y="95400"/>
             <a:ext cx="3270702" cy="3333600"/>
           </a:xfrm>
           <a:prstGeom prst="rect">
@@ -9764,10 +10190,10 @@
       </p:pic>
       <p:pic>
         <p:nvPicPr>
-          <p:cNvPr id="1030" name="Picture 6">
-            <a:extLst>
-              <a:ext uri="{FF2B5EF4-FFF2-40B4-BE49-F238E27FC236}">
-                <a16:creationId xmlns:a16="http://schemas.microsoft.com/office/drawing/2014/main" id="{28DC3BDC-0549-C4AD-2996-4A93CEC9C549}"/>
+          <p:cNvPr id="1032" name="Picture 8">
+            <a:extLst>
+              <a:ext uri="{FF2B5EF4-FFF2-40B4-BE49-F238E27FC236}">
+                <a16:creationId xmlns:a16="http://schemas.microsoft.com/office/drawing/2014/main" id="{4BC7B6C5-A8FC-0367-F17F-BCFF40767320}"/>
               </a:ext>
             </a:extLst>
           </p:cNvPr>
@@ -9791,7 +10217,7 @@
         </p:blipFill>
         <p:spPr bwMode="auto">
           <a:xfrm>
-            <a:off x="3452624" y="95400"/>
+            <a:off x="163604" y="3429000"/>
             <a:ext cx="3270702" cy="3333600"/>
           </a:xfrm>
           <a:prstGeom prst="rect">
@@ -9811,10 +10237,10 @@
       </p:pic>
       <p:pic>
         <p:nvPicPr>
-          <p:cNvPr id="1032" name="Picture 8">
-            <a:extLst>
-              <a:ext uri="{FF2B5EF4-FFF2-40B4-BE49-F238E27FC236}">
-                <a16:creationId xmlns:a16="http://schemas.microsoft.com/office/drawing/2014/main" id="{4BC7B6C5-A8FC-0367-F17F-BCFF40767320}"/>
+          <p:cNvPr id="1034" name="Picture 10">
+            <a:extLst>
+              <a:ext uri="{FF2B5EF4-FFF2-40B4-BE49-F238E27FC236}">
+                <a16:creationId xmlns:a16="http://schemas.microsoft.com/office/drawing/2014/main" id="{FD4BADD8-F8E6-2121-BB86-883AAF051FD0}"/>
               </a:ext>
             </a:extLst>
           </p:cNvPr>
@@ -9838,7 +10264,7 @@
         </p:blipFill>
         <p:spPr bwMode="auto">
           <a:xfrm>
-            <a:off x="163604" y="3429000"/>
+            <a:off x="3452624" y="3429000"/>
             <a:ext cx="3270702" cy="3333600"/>
           </a:xfrm>
           <a:prstGeom prst="rect">
@@ -9856,358 +10282,10 @@
           </a:extLst>
         </p:spPr>
       </p:pic>
-      <p:pic>
-        <p:nvPicPr>
-          <p:cNvPr id="1034" name="Picture 10">
-            <a:extLst>
-              <a:ext uri="{FF2B5EF4-FFF2-40B4-BE49-F238E27FC236}">
-                <a16:creationId xmlns:a16="http://schemas.microsoft.com/office/drawing/2014/main" id="{FD4BADD8-F8E6-2121-BB86-883AAF051FD0}"/>
-              </a:ext>
-            </a:extLst>
-          </p:cNvPr>
-          <p:cNvPicPr>
-            <a:picLocks noChangeAspect="1" noChangeArrowheads="1"/>
-          </p:cNvPicPr>
-          <p:nvPr/>
-        </p:nvPicPr>
-        <p:blipFill>
-          <a:blip r:embed="rId6">
-            <a:extLst>
-              <a:ext uri="{28A0092B-C50C-407E-A947-70E740481C1C}">
-                <a14:useLocalDpi xmlns:a14="http://schemas.microsoft.com/office/drawing/2010/main" val="0"/>
-              </a:ext>
-            </a:extLst>
-          </a:blip>
-          <a:srcRect/>
-          <a:stretch>
-            <a:fillRect/>
-          </a:stretch>
-        </p:blipFill>
-        <p:spPr bwMode="auto">
-          <a:xfrm>
-            <a:off x="3452624" y="3429000"/>
-            <a:ext cx="3270702" cy="3333600"/>
-          </a:xfrm>
-          <a:prstGeom prst="rect">
-            <a:avLst/>
-          </a:prstGeom>
-          <a:noFill/>
-          <a:extLst>
-            <a:ext uri="{909E8E84-426E-40DD-AFC4-6F175D3DCCD1}">
-              <a14:hiddenFill xmlns:a14="http://schemas.microsoft.com/office/drawing/2010/main">
-                <a:solidFill>
-                  <a:srgbClr val="FFFFFF"/>
-                </a:solidFill>
-              </a14:hiddenFill>
-            </a:ext>
-          </a:extLst>
-        </p:spPr>
-      </p:pic>
     </p:spTree>
     <p:extLst>
       <p:ext uri="{BB962C8B-B14F-4D97-AF65-F5344CB8AC3E}">
         <p14:creationId xmlns:p14="http://schemas.microsoft.com/office/powerpoint/2010/main" val="2970927362"/>
-      </p:ext>
-    </p:extLst>
-  </p:cSld>
-  <p:clrMapOvr>
-    <a:masterClrMapping/>
-  </p:clrMapOvr>
-</p:sld>
-</file>
-
-<file path=ppt/slides/slide4.xml><?xml version="1.0" encoding="utf-8"?>
-<p:sld xmlns:a="http://schemas.openxmlformats.org/drawingml/2006/main" xmlns:r="http://schemas.openxmlformats.org/officeDocument/2006/relationships" xmlns:p="http://schemas.openxmlformats.org/presentationml/2006/main">
-  <p:cSld>
-    <p:spTree>
-      <p:nvGrpSpPr>
-        <p:cNvPr id="1" name=""/>
-        <p:cNvGrpSpPr/>
-        <p:nvPr/>
-      </p:nvGrpSpPr>
-      <p:grpSpPr>
-        <a:xfrm>
-          <a:off x="0" y="0"/>
-          <a:ext cx="0" cy="0"/>
-          <a:chOff x="0" y="0"/>
-          <a:chExt cx="0" cy="0"/>
-        </a:xfrm>
-      </p:grpSpPr>
-      <p:sp>
-        <p:nvSpPr>
-          <p:cNvPr id="4" name="TextBox 3">
-            <a:extLst>
-              <a:ext uri="{FF2B5EF4-FFF2-40B4-BE49-F238E27FC236}">
-                <a16:creationId xmlns:a16="http://schemas.microsoft.com/office/drawing/2014/main" id="{E01AFD62-E206-76B8-D6FC-F395A2479B87}"/>
-              </a:ext>
-            </a:extLst>
-          </p:cNvPr>
-          <p:cNvSpPr txBox="1"/>
-          <p:nvPr/>
-        </p:nvSpPr>
-        <p:spPr>
-          <a:xfrm>
-            <a:off x="6717107" y="94675"/>
-            <a:ext cx="5438319" cy="3541059"/>
-          </a:xfrm>
-          <a:prstGeom prst="rect">
-            <a:avLst/>
-          </a:prstGeom>
-          <a:noFill/>
-        </p:spPr>
-        <p:txBody>
-          <a:bodyPr wrap="square" rtlCol="0">
-            <a:spAutoFit/>
-          </a:bodyPr>
-          <a:lstStyle/>
-          <a:p>
-            <a:r>
-              <a:rPr lang="el-GR" dirty="0"/>
-              <a:t>Για την ατμοσφαιρική πίεση, γνωρίζουμε ότι μειώνεται εκθετικά με την αύξηση του ύψους. Οι παρακάτω γραφικές παραστάσεις επιβεβαιώνουν την θεωρία αυτή. Η ατμοσφαιρική πίεση εξαρτάται από την πυκνότητα του αέρα και η πυκνότητα του αέρα εξαρτάται από την θερμοκρασία. Ο θερμός αέρας είναι λιγότερο πυκνός καθώς τα μόρια στον αέρα αποκτούν μεγαλύτερη ταχύτητα λόγω των θερμικών κινήσεων. Συνεπώς, σε θερμότερες περιοχές όπως ο Ισημερινός, αναμένουμε μία συγκεκριμένη τιμή πίεσης να εντοπίζεται σε μεγαλύτερο υψόμετρο σε σχέση με μία ψυχρότερη περιοχή. </a:t>
-            </a:r>
-            <a:endParaRPr lang="en-GB" dirty="0"/>
-          </a:p>
-        </p:txBody>
-      </p:sp>
-      <p:pic>
-        <p:nvPicPr>
-          <p:cNvPr id="3074" name="Picture 2">
-            <a:extLst>
-              <a:ext uri="{FF2B5EF4-FFF2-40B4-BE49-F238E27FC236}">
-                <a16:creationId xmlns:a16="http://schemas.microsoft.com/office/drawing/2014/main" id="{E1355B72-4778-5F42-0248-3FAFAB396D95}"/>
-              </a:ext>
-            </a:extLst>
-          </p:cNvPr>
-          <p:cNvPicPr>
-            <a:picLocks noChangeAspect="1" noChangeArrowheads="1"/>
-          </p:cNvPicPr>
-          <p:nvPr/>
-        </p:nvPicPr>
-        <p:blipFill>
-          <a:blip r:embed="rId2">
-            <a:extLst>
-              <a:ext uri="{28A0092B-C50C-407E-A947-70E740481C1C}">
-                <a14:useLocalDpi xmlns:a14="http://schemas.microsoft.com/office/drawing/2010/main" val="0"/>
-              </a:ext>
-            </a:extLst>
-          </a:blip>
-          <a:srcRect/>
-          <a:stretch>
-            <a:fillRect/>
-          </a:stretch>
-        </p:blipFill>
-        <p:spPr bwMode="auto">
-          <a:xfrm>
-            <a:off x="7800915" y="3635734"/>
-            <a:ext cx="3270702" cy="3333600"/>
-          </a:xfrm>
-          <a:prstGeom prst="rect">
-            <a:avLst/>
-          </a:prstGeom>
-          <a:noFill/>
-          <a:extLst>
-            <a:ext uri="{909E8E84-426E-40DD-AFC4-6F175D3DCCD1}">
-              <a14:hiddenFill xmlns:a14="http://schemas.microsoft.com/office/drawing/2010/main">
-                <a:solidFill>
-                  <a:srgbClr val="FFFFFF"/>
-                </a:solidFill>
-              </a14:hiddenFill>
-            </a:ext>
-          </a:extLst>
-        </p:spPr>
-      </p:pic>
-      <p:pic>
-        <p:nvPicPr>
-          <p:cNvPr id="3076" name="Picture 4">
-            <a:extLst>
-              <a:ext uri="{FF2B5EF4-FFF2-40B4-BE49-F238E27FC236}">
-                <a16:creationId xmlns:a16="http://schemas.microsoft.com/office/drawing/2014/main" id="{3EC0292F-5CDB-D086-D8BB-A28817E557F5}"/>
-              </a:ext>
-            </a:extLst>
-          </p:cNvPr>
-          <p:cNvPicPr>
-            <a:picLocks noChangeAspect="1" noChangeArrowheads="1"/>
-          </p:cNvPicPr>
-          <p:nvPr/>
-        </p:nvPicPr>
-        <p:blipFill>
-          <a:blip r:embed="rId3">
-            <a:extLst>
-              <a:ext uri="{28A0092B-C50C-407E-A947-70E740481C1C}">
-                <a14:useLocalDpi xmlns:a14="http://schemas.microsoft.com/office/drawing/2010/main" val="0"/>
-              </a:ext>
-            </a:extLst>
-          </a:blip>
-          <a:srcRect/>
-          <a:stretch>
-            <a:fillRect/>
-          </a:stretch>
-        </p:blipFill>
-        <p:spPr bwMode="auto">
-          <a:xfrm>
-            <a:off x="63856" y="95037"/>
-            <a:ext cx="3270702" cy="3333600"/>
-          </a:xfrm>
-          <a:prstGeom prst="rect">
-            <a:avLst/>
-          </a:prstGeom>
-          <a:noFill/>
-          <a:extLst>
-            <a:ext uri="{909E8E84-426E-40DD-AFC4-6F175D3DCCD1}">
-              <a14:hiddenFill xmlns:a14="http://schemas.microsoft.com/office/drawing/2010/main">
-                <a:solidFill>
-                  <a:srgbClr val="FFFFFF"/>
-                </a:solidFill>
-              </a14:hiddenFill>
-            </a:ext>
-          </a:extLst>
-        </p:spPr>
-      </p:pic>
-      <p:pic>
-        <p:nvPicPr>
-          <p:cNvPr id="3078" name="Picture 6">
-            <a:extLst>
-              <a:ext uri="{FF2B5EF4-FFF2-40B4-BE49-F238E27FC236}">
-                <a16:creationId xmlns:a16="http://schemas.microsoft.com/office/drawing/2014/main" id="{FAB784B2-F038-A3DF-BB6E-95E26950049F}"/>
-              </a:ext>
-            </a:extLst>
-          </p:cNvPr>
-          <p:cNvPicPr>
-            <a:picLocks noChangeAspect="1" noChangeArrowheads="1"/>
-          </p:cNvPicPr>
-          <p:nvPr/>
-        </p:nvPicPr>
-        <p:blipFill>
-          <a:blip r:embed="rId4">
-            <a:extLst>
-              <a:ext uri="{28A0092B-C50C-407E-A947-70E740481C1C}">
-                <a14:useLocalDpi xmlns:a14="http://schemas.microsoft.com/office/drawing/2010/main" val="0"/>
-              </a:ext>
-            </a:extLst>
-          </a:blip>
-          <a:srcRect/>
-          <a:stretch>
-            <a:fillRect/>
-          </a:stretch>
-        </p:blipFill>
-        <p:spPr bwMode="auto">
-          <a:xfrm>
-            <a:off x="3348558" y="93950"/>
-            <a:ext cx="3270702" cy="3333600"/>
-          </a:xfrm>
-          <a:prstGeom prst="rect">
-            <a:avLst/>
-          </a:prstGeom>
-          <a:noFill/>
-          <a:extLst>
-            <a:ext uri="{909E8E84-426E-40DD-AFC4-6F175D3DCCD1}">
-              <a14:hiddenFill xmlns:a14="http://schemas.microsoft.com/office/drawing/2010/main">
-                <a:solidFill>
-                  <a:srgbClr val="FFFFFF"/>
-                </a:solidFill>
-              </a14:hiddenFill>
-            </a:ext>
-          </a:extLst>
-        </p:spPr>
-      </p:pic>
-      <p:pic>
-        <p:nvPicPr>
-          <p:cNvPr id="3080" name="Picture 8">
-            <a:extLst>
-              <a:ext uri="{FF2B5EF4-FFF2-40B4-BE49-F238E27FC236}">
-                <a16:creationId xmlns:a16="http://schemas.microsoft.com/office/drawing/2014/main" id="{B1D2CB1A-9F78-63A0-6254-E8AA71C8DF29}"/>
-              </a:ext>
-            </a:extLst>
-          </p:cNvPr>
-          <p:cNvPicPr>
-            <a:picLocks noChangeAspect="1" noChangeArrowheads="1"/>
-          </p:cNvPicPr>
-          <p:nvPr/>
-        </p:nvPicPr>
-        <p:blipFill>
-          <a:blip r:embed="rId5">
-            <a:extLst>
-              <a:ext uri="{28A0092B-C50C-407E-A947-70E740481C1C}">
-                <a14:useLocalDpi xmlns:a14="http://schemas.microsoft.com/office/drawing/2010/main" val="0"/>
-              </a:ext>
-            </a:extLst>
-          </a:blip>
-          <a:srcRect/>
-          <a:stretch>
-            <a:fillRect/>
-          </a:stretch>
-        </p:blipFill>
-        <p:spPr bwMode="auto">
-          <a:xfrm>
-            <a:off x="63856" y="3428637"/>
-            <a:ext cx="3270702" cy="3333600"/>
-          </a:xfrm>
-          <a:prstGeom prst="rect">
-            <a:avLst/>
-          </a:prstGeom>
-          <a:noFill/>
-          <a:extLst>
-            <a:ext uri="{909E8E84-426E-40DD-AFC4-6F175D3DCCD1}">
-              <a14:hiddenFill xmlns:a14="http://schemas.microsoft.com/office/drawing/2010/main">
-                <a:solidFill>
-                  <a:srgbClr val="FFFFFF"/>
-                </a:solidFill>
-              </a14:hiddenFill>
-            </a:ext>
-          </a:extLst>
-        </p:spPr>
-      </p:pic>
-      <p:pic>
-        <p:nvPicPr>
-          <p:cNvPr id="3082" name="Picture 10">
-            <a:extLst>
-              <a:ext uri="{FF2B5EF4-FFF2-40B4-BE49-F238E27FC236}">
-                <a16:creationId xmlns:a16="http://schemas.microsoft.com/office/drawing/2014/main" id="{4DA5C917-B2B9-BF10-9A62-B2BFDE5E60AB}"/>
-              </a:ext>
-            </a:extLst>
-          </p:cNvPr>
-          <p:cNvPicPr>
-            <a:picLocks noChangeAspect="1" noChangeArrowheads="1"/>
-          </p:cNvPicPr>
-          <p:nvPr/>
-        </p:nvPicPr>
-        <p:blipFill>
-          <a:blip r:embed="rId6">
-            <a:extLst>
-              <a:ext uri="{28A0092B-C50C-407E-A947-70E740481C1C}">
-                <a14:useLocalDpi xmlns:a14="http://schemas.microsoft.com/office/drawing/2010/main" val="0"/>
-              </a:ext>
-            </a:extLst>
-          </a:blip>
-          <a:srcRect/>
-          <a:stretch>
-            <a:fillRect/>
-          </a:stretch>
-        </p:blipFill>
-        <p:spPr bwMode="auto">
-          <a:xfrm>
-            <a:off x="3348558" y="3427550"/>
-            <a:ext cx="3270702" cy="3333600"/>
-          </a:xfrm>
-          <a:prstGeom prst="rect">
-            <a:avLst/>
-          </a:prstGeom>
-          <a:noFill/>
-          <a:extLst>
-            <a:ext uri="{909E8E84-426E-40DD-AFC4-6F175D3DCCD1}">
-              <a14:hiddenFill xmlns:a14="http://schemas.microsoft.com/office/drawing/2010/main">
-                <a:solidFill>
-                  <a:srgbClr val="FFFFFF"/>
-                </a:solidFill>
-              </a14:hiddenFill>
-            </a:ext>
-          </a:extLst>
-        </p:spPr>
-      </p:pic>
-    </p:spTree>
-    <p:extLst>
-      <p:ext uri="{BB962C8B-B14F-4D97-AF65-F5344CB8AC3E}">
-        <p14:creationId xmlns:p14="http://schemas.microsoft.com/office/powerpoint/2010/main" val="3897811144"/>
       </p:ext>
     </p:extLst>
   </p:cSld>
@@ -10236,10 +10314,10 @@
       </p:grpSpPr>
       <p:sp>
         <p:nvSpPr>
-          <p:cNvPr id="2" name="TextBox 1">
-            <a:extLst>
-              <a:ext uri="{FF2B5EF4-FFF2-40B4-BE49-F238E27FC236}">
-                <a16:creationId xmlns:a16="http://schemas.microsoft.com/office/drawing/2014/main" id="{5964BCE8-14F0-D017-E11B-C64B9DFA7FDE}"/>
+          <p:cNvPr id="4" name="TextBox 3">
+            <a:extLst>
+              <a:ext uri="{FF2B5EF4-FFF2-40B4-BE49-F238E27FC236}">
+                <a16:creationId xmlns:a16="http://schemas.microsoft.com/office/drawing/2014/main" id="{E01AFD62-E206-76B8-D6FC-F395A2479B87}"/>
               </a:ext>
             </a:extLst>
           </p:cNvPr>
@@ -10248,8 +10326,8 @@
         </p:nvSpPr>
         <p:spPr>
           <a:xfrm>
-            <a:off x="6700022" y="12680"/>
-            <a:ext cx="5387925" cy="3416320"/>
+            <a:off x="6717107" y="94675"/>
+            <a:ext cx="5438319" cy="3541059"/>
           </a:xfrm>
           <a:prstGeom prst="rect">
             <a:avLst/>
@@ -10264,7 +10342,7 @@
           <a:p>
             <a:r>
               <a:rPr lang="el-GR" dirty="0"/>
-              <a:t>Με βάση τα παραπάνω, είναι αναμενόμενο το ότι η μεταβολή της πυκνότητας του αέρα ακολουθεί την ίδια καμπύλη με εκείνη της πίεσης. Καθώς η πυκνότητα του αέρα εξαρτάται από τις κινήσεις των μορίων, αναμένουμε ότι το καλοκαίρι που η θερμοκρασία είναι υψηλότερη, ότι η πυκνότητα του αέρα θα είναι μικρότερη καθώς τα μόρια ταξιδεύουν σε μεγαλύτερα ύψη. Αντίστοιχα, τον χειμώνα, ή σε περιοχές όπως τα υποαρκτικά πλάτη όπου η θερμοκρασία είναι χαμηλότερη, αναμένουμε μεγαλύτερη της συγκέντρωσης του αέρα καθώς τα μόρια έχουν μικρότερη κινητική ενέργεια.</a:t>
+              <a:t>Για την ατμοσφαιρική πίεση, γνωρίζουμε ότι μειώνεται εκθετικά με την αύξηση του ύψους. Οι παρακάτω γραφικές παραστάσεις επιβεβαιώνουν την θεωρία αυτή. Η ατμοσφαιρική πίεση εξαρτάται από την πυκνότητα του αέρα και η πυκνότητα του αέρα εξαρτάται από την θερμοκρασία. Ο θερμός αέρας είναι λιγότερο πυκνός καθώς τα μόρια στον αέρα αποκτούν μεγαλύτερη ταχύτητα λόγω των θερμικών κινήσεων. Συνεπώς, σε θερμότερες περιοχές όπως ο Ισημερινός, αναμένουμε μία συγκεκριμένη τιμή πίεσης να εντοπίζεται σε μεγαλύτερο υψόμετρο σε σχέση με μία ψυχρότερη περιοχή. </a:t>
             </a:r>
             <a:endParaRPr lang="en-GB" dirty="0"/>
           </a:p>
@@ -10272,10 +10350,10 @@
       </p:sp>
       <p:pic>
         <p:nvPicPr>
-          <p:cNvPr id="4098" name="Picture 2">
-            <a:extLst>
-              <a:ext uri="{FF2B5EF4-FFF2-40B4-BE49-F238E27FC236}">
-                <a16:creationId xmlns:a16="http://schemas.microsoft.com/office/drawing/2014/main" id="{41EF184B-8CD6-FEEF-4460-7E49762EA0E0}"/>
+          <p:cNvPr id="3074" name="Picture 2">
+            <a:extLst>
+              <a:ext uri="{FF2B5EF4-FFF2-40B4-BE49-F238E27FC236}">
+                <a16:creationId xmlns:a16="http://schemas.microsoft.com/office/drawing/2014/main" id="{E1355B72-4778-5F42-0248-3FAFAB396D95}"/>
               </a:ext>
             </a:extLst>
           </p:cNvPr>
@@ -10299,8 +10377,8 @@
         </p:blipFill>
         <p:spPr bwMode="auto">
           <a:xfrm>
-            <a:off x="7783211" y="3429000"/>
-            <a:ext cx="3221546" cy="3333600"/>
+            <a:off x="7800915" y="3635734"/>
+            <a:ext cx="3270702" cy="3333600"/>
           </a:xfrm>
           <a:prstGeom prst="rect">
             <a:avLst/>
@@ -10319,10 +10397,10 @@
       </p:pic>
       <p:pic>
         <p:nvPicPr>
-          <p:cNvPr id="4100" name="Picture 4">
-            <a:extLst>
-              <a:ext uri="{FF2B5EF4-FFF2-40B4-BE49-F238E27FC236}">
-                <a16:creationId xmlns:a16="http://schemas.microsoft.com/office/drawing/2014/main" id="{109E003A-83AF-0960-C1F1-466CB753DF34}"/>
+          <p:cNvPr id="3076" name="Picture 4">
+            <a:extLst>
+              <a:ext uri="{FF2B5EF4-FFF2-40B4-BE49-F238E27FC236}">
+                <a16:creationId xmlns:a16="http://schemas.microsoft.com/office/drawing/2014/main" id="{3EC0292F-5CDB-D086-D8BB-A28817E557F5}"/>
               </a:ext>
             </a:extLst>
           </p:cNvPr>
@@ -10346,8 +10424,8 @@
         </p:blipFill>
         <p:spPr bwMode="auto">
           <a:xfrm>
-            <a:off x="187493" y="95400"/>
-            <a:ext cx="3214543" cy="3333600"/>
+            <a:off x="63856" y="95037"/>
+            <a:ext cx="3270702" cy="3333600"/>
           </a:xfrm>
           <a:prstGeom prst="rect">
             <a:avLst/>
@@ -10366,10 +10444,10 @@
       </p:pic>
       <p:pic>
         <p:nvPicPr>
-          <p:cNvPr id="4102" name="Picture 6">
-            <a:extLst>
-              <a:ext uri="{FF2B5EF4-FFF2-40B4-BE49-F238E27FC236}">
-                <a16:creationId xmlns:a16="http://schemas.microsoft.com/office/drawing/2014/main" id="{DEF4E8D2-6119-0F90-DA75-E587C4D78ADF}"/>
+          <p:cNvPr id="3078" name="Picture 6">
+            <a:extLst>
+              <a:ext uri="{FF2B5EF4-FFF2-40B4-BE49-F238E27FC236}">
+                <a16:creationId xmlns:a16="http://schemas.microsoft.com/office/drawing/2014/main" id="{FAB784B2-F038-A3DF-BB6E-95E26950049F}"/>
               </a:ext>
             </a:extLst>
           </p:cNvPr>
@@ -10393,8 +10471,8 @@
         </p:blipFill>
         <p:spPr bwMode="auto">
           <a:xfrm>
-            <a:off x="3402036" y="95400"/>
-            <a:ext cx="3214543" cy="3333600"/>
+            <a:off x="3348558" y="93950"/>
+            <a:ext cx="3270702" cy="3333600"/>
           </a:xfrm>
           <a:prstGeom prst="rect">
             <a:avLst/>
@@ -10413,10 +10491,10 @@
       </p:pic>
       <p:pic>
         <p:nvPicPr>
-          <p:cNvPr id="4104" name="Picture 8">
-            <a:extLst>
-              <a:ext uri="{FF2B5EF4-FFF2-40B4-BE49-F238E27FC236}">
-                <a16:creationId xmlns:a16="http://schemas.microsoft.com/office/drawing/2014/main" id="{8EB79AD9-246B-4D7D-D68D-C62B49BE1ECE}"/>
+          <p:cNvPr id="3080" name="Picture 8">
+            <a:extLst>
+              <a:ext uri="{FF2B5EF4-FFF2-40B4-BE49-F238E27FC236}">
+                <a16:creationId xmlns:a16="http://schemas.microsoft.com/office/drawing/2014/main" id="{B1D2CB1A-9F78-63A0-6254-E8AA71C8DF29}"/>
               </a:ext>
             </a:extLst>
           </p:cNvPr>
@@ -10440,8 +10518,8 @@
         </p:blipFill>
         <p:spPr bwMode="auto">
           <a:xfrm>
-            <a:off x="187493" y="3429000"/>
-            <a:ext cx="3214543" cy="3333600"/>
+            <a:off x="63856" y="3428637"/>
+            <a:ext cx="3270702" cy="3333600"/>
           </a:xfrm>
           <a:prstGeom prst="rect">
             <a:avLst/>
@@ -10460,10 +10538,10 @@
       </p:pic>
       <p:pic>
         <p:nvPicPr>
-          <p:cNvPr id="4106" name="Picture 10">
-            <a:extLst>
-              <a:ext uri="{FF2B5EF4-FFF2-40B4-BE49-F238E27FC236}">
-                <a16:creationId xmlns:a16="http://schemas.microsoft.com/office/drawing/2014/main" id="{ABD5521D-4614-1CB2-4B0D-A8741228E9C3}"/>
+          <p:cNvPr id="3082" name="Picture 10">
+            <a:extLst>
+              <a:ext uri="{FF2B5EF4-FFF2-40B4-BE49-F238E27FC236}">
+                <a16:creationId xmlns:a16="http://schemas.microsoft.com/office/drawing/2014/main" id="{4DA5C917-B2B9-BF10-9A62-B2BFDE5E60AB}"/>
               </a:ext>
             </a:extLst>
           </p:cNvPr>
@@ -10487,8 +10565,8 @@
         </p:blipFill>
         <p:spPr bwMode="auto">
           <a:xfrm>
-            <a:off x="3402035" y="3429000"/>
-            <a:ext cx="3214543" cy="3333600"/>
+            <a:off x="3348558" y="3427550"/>
+            <a:ext cx="3270702" cy="3333600"/>
           </a:xfrm>
           <a:prstGeom prst="rect">
             <a:avLst/>
@@ -10508,7 +10586,7 @@
     </p:spTree>
     <p:extLst>
       <p:ext uri="{BB962C8B-B14F-4D97-AF65-F5344CB8AC3E}">
-        <p14:creationId xmlns:p14="http://schemas.microsoft.com/office/powerpoint/2010/main" val="372113343"/>
+        <p14:creationId xmlns:p14="http://schemas.microsoft.com/office/powerpoint/2010/main" val="3897811144"/>
       </p:ext>
     </p:extLst>
   </p:cSld>
@@ -10535,12 +10613,48 @@
           <a:chExt cx="0" cy="0"/>
         </a:xfrm>
       </p:grpSpPr>
+      <p:sp>
+        <p:nvSpPr>
+          <p:cNvPr id="2" name="TextBox 1">
+            <a:extLst>
+              <a:ext uri="{FF2B5EF4-FFF2-40B4-BE49-F238E27FC236}">
+                <a16:creationId xmlns:a16="http://schemas.microsoft.com/office/drawing/2014/main" id="{5964BCE8-14F0-D017-E11B-C64B9DFA7FDE}"/>
+              </a:ext>
+            </a:extLst>
+          </p:cNvPr>
+          <p:cNvSpPr txBox="1"/>
+          <p:nvPr/>
+        </p:nvSpPr>
+        <p:spPr>
+          <a:xfrm>
+            <a:off x="6700022" y="12680"/>
+            <a:ext cx="5387925" cy="3416320"/>
+          </a:xfrm>
+          <a:prstGeom prst="rect">
+            <a:avLst/>
+          </a:prstGeom>
+          <a:noFill/>
+        </p:spPr>
+        <p:txBody>
+          <a:bodyPr wrap="square" rtlCol="0">
+            <a:spAutoFit/>
+          </a:bodyPr>
+          <a:lstStyle/>
+          <a:p>
+            <a:r>
+              <a:rPr lang="el-GR" dirty="0"/>
+              <a:t>Με βάση τα παραπάνω, είναι αναμενόμενο το ότι η μεταβολή της πυκνότητας του αέρα ακολουθεί την ίδια καμπύλη με εκείνη της πίεσης. Καθώς η πυκνότητα του αέρα εξαρτάται από τις κινήσεις των μορίων, αναμένουμε ότι το καλοκαίρι που η θερμοκρασία είναι υψηλότερη, ότι η πυκνότητα του αέρα θα είναι μικρότερη καθώς τα μόρια ταξιδεύουν σε μεγαλύτερα ύψη. Αντίστοιχα, τον χειμώνα, ή σε περιοχές όπως τα υποαρκτικά πλάτη όπου η θερμοκρασία είναι χαμηλότερη, αναμένουμε μεγαλύτερη της συγκέντρωσης του αέρα καθώς τα μόρια έχουν μικρότερη κινητική ενέργεια.</a:t>
+            </a:r>
+            <a:endParaRPr lang="en-GB" dirty="0"/>
+          </a:p>
+        </p:txBody>
+      </p:sp>
       <p:pic>
         <p:nvPicPr>
-          <p:cNvPr id="8194" name="Picture 2">
-            <a:extLst>
-              <a:ext uri="{FF2B5EF4-FFF2-40B4-BE49-F238E27FC236}">
-                <a16:creationId xmlns:a16="http://schemas.microsoft.com/office/drawing/2014/main" id="{5D0FD03F-BE59-66A7-0DE3-5574F50C1926}"/>
+          <p:cNvPr id="4098" name="Picture 2">
+            <a:extLst>
+              <a:ext uri="{FF2B5EF4-FFF2-40B4-BE49-F238E27FC236}">
+                <a16:creationId xmlns:a16="http://schemas.microsoft.com/office/drawing/2014/main" id="{41EF184B-8CD6-FEEF-4460-7E49762EA0E0}"/>
               </a:ext>
             </a:extLst>
           </p:cNvPr>
@@ -10564,8 +10678,8 @@
         </p:blipFill>
         <p:spPr bwMode="auto">
           <a:xfrm>
-            <a:off x="7917236" y="3429000"/>
-            <a:ext cx="3214543" cy="3333600"/>
+            <a:off x="7783211" y="3429000"/>
+            <a:ext cx="3221546" cy="3333600"/>
           </a:xfrm>
           <a:prstGeom prst="rect">
             <a:avLst/>
@@ -10584,10 +10698,10 @@
       </p:pic>
       <p:pic>
         <p:nvPicPr>
-          <p:cNvPr id="8196" name="Picture 4">
-            <a:extLst>
-              <a:ext uri="{FF2B5EF4-FFF2-40B4-BE49-F238E27FC236}">
-                <a16:creationId xmlns:a16="http://schemas.microsoft.com/office/drawing/2014/main" id="{423CE67B-D7F3-AE78-EE1F-84537DB921B4}"/>
+          <p:cNvPr id="4100" name="Picture 4">
+            <a:extLst>
+              <a:ext uri="{FF2B5EF4-FFF2-40B4-BE49-F238E27FC236}">
+                <a16:creationId xmlns:a16="http://schemas.microsoft.com/office/drawing/2014/main" id="{109E003A-83AF-0960-C1F1-466CB753DF34}"/>
               </a:ext>
             </a:extLst>
           </p:cNvPr>
@@ -10611,7 +10725,7 @@
         </p:blipFill>
         <p:spPr bwMode="auto">
           <a:xfrm>
-            <a:off x="100013" y="95400"/>
+            <a:off x="187493" y="95400"/>
             <a:ext cx="3214543" cy="3333600"/>
           </a:xfrm>
           <a:prstGeom prst="rect">
@@ -10631,10 +10745,10 @@
       </p:pic>
       <p:pic>
         <p:nvPicPr>
-          <p:cNvPr id="8198" name="Picture 6">
-            <a:extLst>
-              <a:ext uri="{FF2B5EF4-FFF2-40B4-BE49-F238E27FC236}">
-                <a16:creationId xmlns:a16="http://schemas.microsoft.com/office/drawing/2014/main" id="{FEC49B46-1E1D-B107-C79C-B7AE3F45FBA8}"/>
+          <p:cNvPr id="4102" name="Picture 6">
+            <a:extLst>
+              <a:ext uri="{FF2B5EF4-FFF2-40B4-BE49-F238E27FC236}">
+                <a16:creationId xmlns:a16="http://schemas.microsoft.com/office/drawing/2014/main" id="{DEF4E8D2-6119-0F90-DA75-E587C4D78ADF}"/>
               </a:ext>
             </a:extLst>
           </p:cNvPr>
@@ -10658,8 +10772,8 @@
         </p:blipFill>
         <p:spPr bwMode="auto">
           <a:xfrm>
-            <a:off x="3314556" y="95400"/>
-            <a:ext cx="3228550" cy="3333600"/>
+            <a:off x="3402036" y="95400"/>
+            <a:ext cx="3214543" cy="3333600"/>
           </a:xfrm>
           <a:prstGeom prst="rect">
             <a:avLst/>
@@ -10678,10 +10792,10 @@
       </p:pic>
       <p:pic>
         <p:nvPicPr>
-          <p:cNvPr id="8200" name="Picture 8">
-            <a:extLst>
-              <a:ext uri="{FF2B5EF4-FFF2-40B4-BE49-F238E27FC236}">
-                <a16:creationId xmlns:a16="http://schemas.microsoft.com/office/drawing/2014/main" id="{03B69E49-4E72-6E76-947D-8390B90249CF}"/>
+          <p:cNvPr id="4104" name="Picture 8">
+            <a:extLst>
+              <a:ext uri="{FF2B5EF4-FFF2-40B4-BE49-F238E27FC236}">
+                <a16:creationId xmlns:a16="http://schemas.microsoft.com/office/drawing/2014/main" id="{8EB79AD9-246B-4D7D-D68D-C62B49BE1ECE}"/>
               </a:ext>
             </a:extLst>
           </p:cNvPr>
@@ -10705,7 +10819,7 @@
         </p:blipFill>
         <p:spPr bwMode="auto">
           <a:xfrm>
-            <a:off x="100012" y="3429000"/>
+            <a:off x="187493" y="3429000"/>
             <a:ext cx="3214543" cy="3333600"/>
           </a:xfrm>
           <a:prstGeom prst="rect">
@@ -10725,10 +10839,10 @@
       </p:pic>
       <p:pic>
         <p:nvPicPr>
-          <p:cNvPr id="8202" name="Picture 10">
-            <a:extLst>
-              <a:ext uri="{FF2B5EF4-FFF2-40B4-BE49-F238E27FC236}">
-                <a16:creationId xmlns:a16="http://schemas.microsoft.com/office/drawing/2014/main" id="{F48394BA-C26C-561D-CBDF-B76A2143E757}"/>
+          <p:cNvPr id="4106" name="Picture 10">
+            <a:extLst>
+              <a:ext uri="{FF2B5EF4-FFF2-40B4-BE49-F238E27FC236}">
+                <a16:creationId xmlns:a16="http://schemas.microsoft.com/office/drawing/2014/main" id="{ABD5521D-4614-1CB2-4B0D-A8741228E9C3}"/>
               </a:ext>
             </a:extLst>
           </p:cNvPr>
@@ -10752,7 +10866,7 @@
         </p:blipFill>
         <p:spPr bwMode="auto">
           <a:xfrm>
-            <a:off x="3328563" y="3429000"/>
+            <a:off x="3402035" y="3429000"/>
             <a:ext cx="3214543" cy="3333600"/>
           </a:xfrm>
           <a:prstGeom prst="rect">
@@ -10770,70 +10884,10 @@
           </a:extLst>
         </p:spPr>
       </p:pic>
-      <p:sp>
-        <p:nvSpPr>
-          <p:cNvPr id="2" name="TextBox 1">
-            <a:extLst>
-              <a:ext uri="{FF2B5EF4-FFF2-40B4-BE49-F238E27FC236}">
-                <a16:creationId xmlns:a16="http://schemas.microsoft.com/office/drawing/2014/main" id="{A0322B14-AF35-CEF6-38B7-54A39C55A5D8}"/>
-              </a:ext>
-            </a:extLst>
-          </p:cNvPr>
-          <p:cNvSpPr txBox="1"/>
-          <p:nvPr/>
-        </p:nvSpPr>
-        <p:spPr>
-          <a:xfrm>
-            <a:off x="6938682" y="466165"/>
-            <a:ext cx="3854824" cy="369332"/>
-          </a:xfrm>
-          <a:prstGeom prst="rect">
-            <a:avLst/>
-          </a:prstGeom>
-          <a:noFill/>
-        </p:spPr>
-        <p:txBody>
-          <a:bodyPr wrap="square" rtlCol="0">
-            <a:spAutoFit/>
-          </a:bodyPr>
-          <a:lstStyle/>
-          <a:p>
-            <a:r>
-              <a:rPr lang="en-US" dirty="0" err="1"/>
-              <a:t>Bluh</a:t>
-            </a:r>
-            <a:r>
-              <a:rPr lang="en-US" dirty="0"/>
-              <a:t> </a:t>
-            </a:r>
-            <a:r>
-              <a:rPr lang="en-US" dirty="0" err="1"/>
-              <a:t>bluh</a:t>
-            </a:r>
-            <a:r>
-              <a:rPr lang="en-US" dirty="0"/>
-              <a:t> water </a:t>
-            </a:r>
-            <a:r>
-              <a:rPr lang="en-US" dirty="0" err="1"/>
-              <a:t>water</a:t>
-            </a:r>
-            <a:r>
-              <a:rPr lang="en-US" dirty="0"/>
-              <a:t> </a:t>
-            </a:r>
-            <a:r>
-              <a:rPr lang="en-US" dirty="0" err="1"/>
-              <a:t>bluh</a:t>
-            </a:r>
-            <a:endParaRPr lang="en-GB" dirty="0"/>
-          </a:p>
-        </p:txBody>
-      </p:sp>
     </p:spTree>
     <p:extLst>
       <p:ext uri="{BB962C8B-B14F-4D97-AF65-F5344CB8AC3E}">
-        <p14:creationId xmlns:p14="http://schemas.microsoft.com/office/powerpoint/2010/main" val="4092294125"/>
+        <p14:creationId xmlns:p14="http://schemas.microsoft.com/office/powerpoint/2010/main" val="372113343"/>
       </p:ext>
     </p:extLst>
   </p:cSld>
@@ -10862,10 +10916,10 @@
       </p:grpSpPr>
       <p:pic>
         <p:nvPicPr>
-          <p:cNvPr id="12290" name="Picture 2">
-            <a:extLst>
-              <a:ext uri="{FF2B5EF4-FFF2-40B4-BE49-F238E27FC236}">
-                <a16:creationId xmlns:a16="http://schemas.microsoft.com/office/drawing/2014/main" id="{39D69679-FA1E-70CF-70D6-417501109210}"/>
+          <p:cNvPr id="8194" name="Picture 2">
+            <a:extLst>
+              <a:ext uri="{FF2B5EF4-FFF2-40B4-BE49-F238E27FC236}">
+                <a16:creationId xmlns:a16="http://schemas.microsoft.com/office/drawing/2014/main" id="{5D0FD03F-BE59-66A7-0DE3-5574F50C1926}"/>
               </a:ext>
             </a:extLst>
           </p:cNvPr>
@@ -10889,22 +10943,13 @@
         </p:blipFill>
         <p:spPr bwMode="auto">
           <a:xfrm>
-            <a:off x="260708" y="729000"/>
-            <a:ext cx="7068192" cy="5400000"/>
+            <a:off x="7917236" y="3429000"/>
+            <a:ext cx="3214543" cy="3333600"/>
           </a:xfrm>
           <a:prstGeom prst="rect">
             <a:avLst/>
           </a:prstGeom>
-          <a:ln>
-            <a:noFill/>
-          </a:ln>
-          <a:effectLst>
-            <a:outerShdw blurRad="292100" dist="139700" dir="2700000" algn="tl" rotWithShape="0">
-              <a:srgbClr val="333333">
-                <a:alpha val="65000"/>
-              </a:srgbClr>
-            </a:outerShdw>
-          </a:effectLst>
+          <a:noFill/>
           <a:extLst>
             <a:ext uri="{909E8E84-426E-40DD-AFC4-6F175D3DCCD1}">
               <a14:hiddenFill xmlns:a14="http://schemas.microsoft.com/office/drawing/2010/main">
@@ -10916,10 +10961,242 @@
           </a:extLst>
         </p:spPr>
       </p:pic>
+      <p:pic>
+        <p:nvPicPr>
+          <p:cNvPr id="8196" name="Picture 4">
+            <a:extLst>
+              <a:ext uri="{FF2B5EF4-FFF2-40B4-BE49-F238E27FC236}">
+                <a16:creationId xmlns:a16="http://schemas.microsoft.com/office/drawing/2014/main" id="{423CE67B-D7F3-AE78-EE1F-84537DB921B4}"/>
+              </a:ext>
+            </a:extLst>
+          </p:cNvPr>
+          <p:cNvPicPr>
+            <a:picLocks noChangeAspect="1" noChangeArrowheads="1"/>
+          </p:cNvPicPr>
+          <p:nvPr/>
+        </p:nvPicPr>
+        <p:blipFill>
+          <a:blip r:embed="rId3">
+            <a:extLst>
+              <a:ext uri="{28A0092B-C50C-407E-A947-70E740481C1C}">
+                <a14:useLocalDpi xmlns:a14="http://schemas.microsoft.com/office/drawing/2010/main" val="0"/>
+              </a:ext>
+            </a:extLst>
+          </a:blip>
+          <a:srcRect/>
+          <a:stretch>
+            <a:fillRect/>
+          </a:stretch>
+        </p:blipFill>
+        <p:spPr bwMode="auto">
+          <a:xfrm>
+            <a:off x="100013" y="95400"/>
+            <a:ext cx="3214543" cy="3333600"/>
+          </a:xfrm>
+          <a:prstGeom prst="rect">
+            <a:avLst/>
+          </a:prstGeom>
+          <a:noFill/>
+          <a:extLst>
+            <a:ext uri="{909E8E84-426E-40DD-AFC4-6F175D3DCCD1}">
+              <a14:hiddenFill xmlns:a14="http://schemas.microsoft.com/office/drawing/2010/main">
+                <a:solidFill>
+                  <a:srgbClr val="FFFFFF"/>
+                </a:solidFill>
+              </a14:hiddenFill>
+            </a:ext>
+          </a:extLst>
+        </p:spPr>
+      </p:pic>
+      <p:pic>
+        <p:nvPicPr>
+          <p:cNvPr id="8198" name="Picture 6">
+            <a:extLst>
+              <a:ext uri="{FF2B5EF4-FFF2-40B4-BE49-F238E27FC236}">
+                <a16:creationId xmlns:a16="http://schemas.microsoft.com/office/drawing/2014/main" id="{FEC49B46-1E1D-B107-C79C-B7AE3F45FBA8}"/>
+              </a:ext>
+            </a:extLst>
+          </p:cNvPr>
+          <p:cNvPicPr>
+            <a:picLocks noChangeAspect="1" noChangeArrowheads="1"/>
+          </p:cNvPicPr>
+          <p:nvPr/>
+        </p:nvPicPr>
+        <p:blipFill>
+          <a:blip r:embed="rId4">
+            <a:extLst>
+              <a:ext uri="{28A0092B-C50C-407E-A947-70E740481C1C}">
+                <a14:useLocalDpi xmlns:a14="http://schemas.microsoft.com/office/drawing/2010/main" val="0"/>
+              </a:ext>
+            </a:extLst>
+          </a:blip>
+          <a:srcRect/>
+          <a:stretch>
+            <a:fillRect/>
+          </a:stretch>
+        </p:blipFill>
+        <p:spPr bwMode="auto">
+          <a:xfrm>
+            <a:off x="3314556" y="95400"/>
+            <a:ext cx="3228550" cy="3333600"/>
+          </a:xfrm>
+          <a:prstGeom prst="rect">
+            <a:avLst/>
+          </a:prstGeom>
+          <a:noFill/>
+          <a:extLst>
+            <a:ext uri="{909E8E84-426E-40DD-AFC4-6F175D3DCCD1}">
+              <a14:hiddenFill xmlns:a14="http://schemas.microsoft.com/office/drawing/2010/main">
+                <a:solidFill>
+                  <a:srgbClr val="FFFFFF"/>
+                </a:solidFill>
+              </a14:hiddenFill>
+            </a:ext>
+          </a:extLst>
+        </p:spPr>
+      </p:pic>
+      <p:pic>
+        <p:nvPicPr>
+          <p:cNvPr id="8200" name="Picture 8">
+            <a:extLst>
+              <a:ext uri="{FF2B5EF4-FFF2-40B4-BE49-F238E27FC236}">
+                <a16:creationId xmlns:a16="http://schemas.microsoft.com/office/drawing/2014/main" id="{03B69E49-4E72-6E76-947D-8390B90249CF}"/>
+              </a:ext>
+            </a:extLst>
+          </p:cNvPr>
+          <p:cNvPicPr>
+            <a:picLocks noChangeAspect="1" noChangeArrowheads="1"/>
+          </p:cNvPicPr>
+          <p:nvPr/>
+        </p:nvPicPr>
+        <p:blipFill>
+          <a:blip r:embed="rId5">
+            <a:extLst>
+              <a:ext uri="{28A0092B-C50C-407E-A947-70E740481C1C}">
+                <a14:useLocalDpi xmlns:a14="http://schemas.microsoft.com/office/drawing/2010/main" val="0"/>
+              </a:ext>
+            </a:extLst>
+          </a:blip>
+          <a:srcRect/>
+          <a:stretch>
+            <a:fillRect/>
+          </a:stretch>
+        </p:blipFill>
+        <p:spPr bwMode="auto">
+          <a:xfrm>
+            <a:off x="100012" y="3429000"/>
+            <a:ext cx="3214543" cy="3333600"/>
+          </a:xfrm>
+          <a:prstGeom prst="rect">
+            <a:avLst/>
+          </a:prstGeom>
+          <a:noFill/>
+          <a:extLst>
+            <a:ext uri="{909E8E84-426E-40DD-AFC4-6F175D3DCCD1}">
+              <a14:hiddenFill xmlns:a14="http://schemas.microsoft.com/office/drawing/2010/main">
+                <a:solidFill>
+                  <a:srgbClr val="FFFFFF"/>
+                </a:solidFill>
+              </a14:hiddenFill>
+            </a:ext>
+          </a:extLst>
+        </p:spPr>
+      </p:pic>
+      <p:pic>
+        <p:nvPicPr>
+          <p:cNvPr id="8202" name="Picture 10">
+            <a:extLst>
+              <a:ext uri="{FF2B5EF4-FFF2-40B4-BE49-F238E27FC236}">
+                <a16:creationId xmlns:a16="http://schemas.microsoft.com/office/drawing/2014/main" id="{F48394BA-C26C-561D-CBDF-B76A2143E757}"/>
+              </a:ext>
+            </a:extLst>
+          </p:cNvPr>
+          <p:cNvPicPr>
+            <a:picLocks noChangeAspect="1" noChangeArrowheads="1"/>
+          </p:cNvPicPr>
+          <p:nvPr/>
+        </p:nvPicPr>
+        <p:blipFill>
+          <a:blip r:embed="rId6">
+            <a:extLst>
+              <a:ext uri="{28A0092B-C50C-407E-A947-70E740481C1C}">
+                <a14:useLocalDpi xmlns:a14="http://schemas.microsoft.com/office/drawing/2010/main" val="0"/>
+              </a:ext>
+            </a:extLst>
+          </a:blip>
+          <a:srcRect/>
+          <a:stretch>
+            <a:fillRect/>
+          </a:stretch>
+        </p:blipFill>
+        <p:spPr bwMode="auto">
+          <a:xfrm>
+            <a:off x="3328563" y="3429000"/>
+            <a:ext cx="3214543" cy="3333600"/>
+          </a:xfrm>
+          <a:prstGeom prst="rect">
+            <a:avLst/>
+          </a:prstGeom>
+          <a:noFill/>
+          <a:extLst>
+            <a:ext uri="{909E8E84-426E-40DD-AFC4-6F175D3DCCD1}">
+              <a14:hiddenFill xmlns:a14="http://schemas.microsoft.com/office/drawing/2010/main">
+                <a:solidFill>
+                  <a:srgbClr val="FFFFFF"/>
+                </a:solidFill>
+              </a14:hiddenFill>
+            </a:ext>
+          </a:extLst>
+        </p:spPr>
+      </p:pic>
+      <p:sp>
+        <p:nvSpPr>
+          <p:cNvPr id="2" name="TextBox 1">
+            <a:extLst>
+              <a:ext uri="{FF2B5EF4-FFF2-40B4-BE49-F238E27FC236}">
+                <a16:creationId xmlns:a16="http://schemas.microsoft.com/office/drawing/2014/main" id="{A0322B14-AF35-CEF6-38B7-54A39C55A5D8}"/>
+              </a:ext>
+            </a:extLst>
+          </p:cNvPr>
+          <p:cNvSpPr txBox="1"/>
+          <p:nvPr/>
+        </p:nvSpPr>
+        <p:spPr>
+          <a:xfrm>
+            <a:off x="7274365" y="370927"/>
+            <a:ext cx="4500283" cy="2585323"/>
+          </a:xfrm>
+          <a:prstGeom prst="rect">
+            <a:avLst/>
+          </a:prstGeom>
+          <a:noFill/>
+        </p:spPr>
+        <p:txBody>
+          <a:bodyPr wrap="square" rtlCol="0">
+            <a:spAutoFit/>
+          </a:bodyPr>
+          <a:lstStyle/>
+          <a:p>
+            <a:r>
+              <a:rPr lang="el-GR" dirty="0"/>
+              <a:t>Στην συνέχεια, μελετάμε την κατανομή του νερού με το ύψος και παρατηρούμε ξανά εκθετική μείωση της συγκέντρωσης με το ύψος. Οι γραφικές παραστάσεις έχουν «ζουμαριστεί» έτσι ώστε να απεικονίζονται μονάχα τα 20 πρώτα </a:t>
+            </a:r>
+            <a:r>
+              <a:rPr lang="en-US" dirty="0"/>
+              <a:t>km </a:t>
+            </a:r>
+            <a:r>
+              <a:rPr lang="el-GR" dirty="0"/>
+              <a:t>της ατμόσφαιρας. Ο λόγος για την μείωση της συγκέντρωσης είναι η μείωση της θερμοκρασίας καθώς και της ατμοσφαιρικής πίεσης.</a:t>
+            </a:r>
+            <a:endParaRPr lang="en-GB" dirty="0"/>
+          </a:p>
+        </p:txBody>
+      </p:sp>
     </p:spTree>
     <p:extLst>
       <p:ext uri="{BB962C8B-B14F-4D97-AF65-F5344CB8AC3E}">
-        <p14:creationId xmlns:p14="http://schemas.microsoft.com/office/powerpoint/2010/main" val="3802665053"/>
+        <p14:creationId xmlns:p14="http://schemas.microsoft.com/office/powerpoint/2010/main" val="4092294125"/>
       </p:ext>
     </p:extLst>
   </p:cSld>
@@ -10946,56 +11223,12 @@
           <a:chExt cx="0" cy="0"/>
         </a:xfrm>
       </p:grpSpPr>
-      <p:sp>
-        <p:nvSpPr>
-          <p:cNvPr id="2" name="TextBox 1">
-            <a:extLst>
-              <a:ext uri="{FF2B5EF4-FFF2-40B4-BE49-F238E27FC236}">
-                <a16:creationId xmlns:a16="http://schemas.microsoft.com/office/drawing/2014/main" id="{4E61B2C6-11F1-DB6A-874D-15606D3DFAC4}"/>
-              </a:ext>
-            </a:extLst>
-          </p:cNvPr>
-          <p:cNvSpPr txBox="1"/>
-          <p:nvPr/>
-        </p:nvSpPr>
-        <p:spPr>
-          <a:xfrm>
-            <a:off x="6595968" y="17930"/>
-            <a:ext cx="5461561" cy="3139321"/>
-          </a:xfrm>
-          <a:prstGeom prst="rect">
-            <a:avLst/>
-          </a:prstGeom>
-          <a:noFill/>
-        </p:spPr>
-        <p:txBody>
-          <a:bodyPr wrap="square" rtlCol="0">
-            <a:spAutoFit/>
-          </a:bodyPr>
-          <a:lstStyle/>
-          <a:p>
-            <a:r>
-              <a:rPr lang="el-GR" dirty="0"/>
-              <a:t>Γνωρίζουμε ότι το μεγαλύτερο ποσοστό του όζοντος βρίσκεται στην στρατόσφαιρα όπου κυριαρχεί ο ρυθμός παραγωγής του, κάτι που επιβεβαιώνεται σε όλες τις γραφικές. Λόγω της μεταβολής της ηλιακής δραστηριότητας μέσα στον χρόνο, αναμένουμε μεγαλύτερες τιμές συγκέντρωσης κατά το χειμώνα, καθώς το καλοκαίρι κυριαρχεί ο ρυθμός διάσπασής του λόγω της απορρόφησης μεγαλύτερου μέρους της ακτινοβολίας κάτι που επίσης βλέπουμε στις γραφικές αν συγκρίνουμε για το ίδιο πλάτος τις τιμές στον άξονα </a:t>
-            </a:r>
-            <a:r>
-              <a:rPr lang="en-US" dirty="0"/>
-              <a:t>x </a:t>
-            </a:r>
-            <a:r>
-              <a:rPr lang="el-GR" dirty="0"/>
-              <a:t>για κάθε εποχή.</a:t>
-            </a:r>
-            <a:endParaRPr lang="en-GB" dirty="0"/>
-          </a:p>
-        </p:txBody>
-      </p:sp>
       <p:pic>
         <p:nvPicPr>
-          <p:cNvPr id="2050" name="Picture 2">
-            <a:extLst>
-              <a:ext uri="{FF2B5EF4-FFF2-40B4-BE49-F238E27FC236}">
-                <a16:creationId xmlns:a16="http://schemas.microsoft.com/office/drawing/2014/main" id="{8741A757-0916-57E1-FF73-7936DE03EC8D}"/>
+          <p:cNvPr id="12290" name="Picture 2">
+            <a:extLst>
+              <a:ext uri="{FF2B5EF4-FFF2-40B4-BE49-F238E27FC236}">
+                <a16:creationId xmlns:a16="http://schemas.microsoft.com/office/drawing/2014/main" id="{39D69679-FA1E-70CF-70D6-417501109210}"/>
               </a:ext>
             </a:extLst>
           </p:cNvPr>
@@ -11019,13 +11252,22 @@
         </p:blipFill>
         <p:spPr bwMode="auto">
           <a:xfrm>
-            <a:off x="7865409" y="3506471"/>
-            <a:ext cx="3270702" cy="3333600"/>
+            <a:off x="260708" y="729000"/>
+            <a:ext cx="7068192" cy="5400000"/>
           </a:xfrm>
           <a:prstGeom prst="rect">
             <a:avLst/>
           </a:prstGeom>
-          <a:noFill/>
+          <a:ln>
+            <a:noFill/>
+          </a:ln>
+          <a:effectLst>
+            <a:outerShdw blurRad="292100" dist="139700" dir="2700000" algn="tl" rotWithShape="0">
+              <a:srgbClr val="333333">
+                <a:alpha val="65000"/>
+              </a:srgbClr>
+            </a:outerShdw>
+          </a:effectLst>
           <a:extLst>
             <a:ext uri="{909E8E84-426E-40DD-AFC4-6F175D3DCCD1}">
               <a14:hiddenFill xmlns:a14="http://schemas.microsoft.com/office/drawing/2010/main">
@@ -11037,198 +11279,53 @@
           </a:extLst>
         </p:spPr>
       </p:pic>
-      <p:pic>
-        <p:nvPicPr>
-          <p:cNvPr id="2052" name="Picture 4">
-            <a:extLst>
-              <a:ext uri="{FF2B5EF4-FFF2-40B4-BE49-F238E27FC236}">
-                <a16:creationId xmlns:a16="http://schemas.microsoft.com/office/drawing/2014/main" id="{AC57E845-2BE5-CCCB-27A0-FF7F45F6F131}"/>
-              </a:ext>
-            </a:extLst>
-          </p:cNvPr>
-          <p:cNvPicPr>
-            <a:picLocks noChangeAspect="1" noChangeArrowheads="1"/>
-          </p:cNvPicPr>
+      <p:sp>
+        <p:nvSpPr>
+          <p:cNvPr id="2" name="TextBox 1">
+            <a:extLst>
+              <a:ext uri="{FF2B5EF4-FFF2-40B4-BE49-F238E27FC236}">
+                <a16:creationId xmlns:a16="http://schemas.microsoft.com/office/drawing/2014/main" id="{DD505B58-0CF2-2D13-2B14-C775D2A1F537}"/>
+              </a:ext>
+            </a:extLst>
+          </p:cNvPr>
+          <p:cNvSpPr txBox="1"/>
           <p:nvPr/>
-        </p:nvPicPr>
-        <p:blipFill>
-          <a:blip r:embed="rId3">
-            <a:extLst>
-              <a:ext uri="{28A0092B-C50C-407E-A947-70E740481C1C}">
-                <a14:useLocalDpi xmlns:a14="http://schemas.microsoft.com/office/drawing/2010/main" val="0"/>
-              </a:ext>
-            </a:extLst>
-          </a:blip>
-          <a:srcRect/>
-          <a:stretch>
-            <a:fillRect/>
-          </a:stretch>
-        </p:blipFill>
-        <p:spPr bwMode="auto">
-          <a:xfrm>
-            <a:off x="27281" y="54040"/>
-            <a:ext cx="3270702" cy="3333600"/>
+        </p:nvSpPr>
+        <p:spPr>
+          <a:xfrm>
+            <a:off x="7520657" y="612844"/>
+            <a:ext cx="4410635" cy="5632311"/>
           </a:xfrm>
           <a:prstGeom prst="rect">
             <a:avLst/>
           </a:prstGeom>
           <a:noFill/>
-          <a:extLst>
-            <a:ext uri="{909E8E84-426E-40DD-AFC4-6F175D3DCCD1}">
-              <a14:hiddenFill xmlns:a14="http://schemas.microsoft.com/office/drawing/2010/main">
-                <a:solidFill>
-                  <a:srgbClr val="FFFFFF"/>
-                </a:solidFill>
-              </a14:hiddenFill>
-            </a:ext>
-          </a:extLst>
-        </p:spPr>
-      </p:pic>
-      <p:pic>
-        <p:nvPicPr>
-          <p:cNvPr id="2054" name="Picture 6">
-            <a:extLst>
-              <a:ext uri="{FF2B5EF4-FFF2-40B4-BE49-F238E27FC236}">
-                <a16:creationId xmlns:a16="http://schemas.microsoft.com/office/drawing/2014/main" id="{D97671E4-F0BC-9CAF-3A50-CA0AE5A72E26}"/>
-              </a:ext>
-            </a:extLst>
-          </p:cNvPr>
-          <p:cNvPicPr>
-            <a:picLocks noChangeAspect="1" noChangeArrowheads="1"/>
-          </p:cNvPicPr>
-          <p:nvPr/>
-        </p:nvPicPr>
-        <p:blipFill>
-          <a:blip r:embed="rId4">
-            <a:extLst>
-              <a:ext uri="{28A0092B-C50C-407E-A947-70E740481C1C}">
-                <a14:useLocalDpi xmlns:a14="http://schemas.microsoft.com/office/drawing/2010/main" val="0"/>
-              </a:ext>
-            </a:extLst>
-          </a:blip>
-          <a:srcRect/>
-          <a:stretch>
-            <a:fillRect/>
-          </a:stretch>
-        </p:blipFill>
-        <p:spPr bwMode="auto">
-          <a:xfrm>
-            <a:off x="3297983" y="54040"/>
-            <a:ext cx="3270702" cy="3333600"/>
-          </a:xfrm>
-          <a:prstGeom prst="rect">
-            <a:avLst/>
-          </a:prstGeom>
-          <a:noFill/>
-          <a:extLst>
-            <a:ext uri="{909E8E84-426E-40DD-AFC4-6F175D3DCCD1}">
-              <a14:hiddenFill xmlns:a14="http://schemas.microsoft.com/office/drawing/2010/main">
-                <a:solidFill>
-                  <a:srgbClr val="FFFFFF"/>
-                </a:solidFill>
-              </a14:hiddenFill>
-            </a:ext>
-          </a:extLst>
-        </p:spPr>
-      </p:pic>
-      <p:pic>
-        <p:nvPicPr>
-          <p:cNvPr id="2056" name="Picture 8">
-            <a:extLst>
-              <a:ext uri="{FF2B5EF4-FFF2-40B4-BE49-F238E27FC236}">
-                <a16:creationId xmlns:a16="http://schemas.microsoft.com/office/drawing/2014/main" id="{8C02B80B-F951-5FD4-F193-0F0B83606B25}"/>
-              </a:ext>
-            </a:extLst>
-          </p:cNvPr>
-          <p:cNvPicPr>
-            <a:picLocks noChangeAspect="1" noChangeArrowheads="1"/>
-          </p:cNvPicPr>
-          <p:nvPr/>
-        </p:nvPicPr>
-        <p:blipFill>
-          <a:blip r:embed="rId5">
-            <a:extLst>
-              <a:ext uri="{28A0092B-C50C-407E-A947-70E740481C1C}">
-                <a14:useLocalDpi xmlns:a14="http://schemas.microsoft.com/office/drawing/2010/main" val="0"/>
-              </a:ext>
-            </a:extLst>
-          </a:blip>
-          <a:srcRect/>
-          <a:stretch>
-            <a:fillRect/>
-          </a:stretch>
-        </p:blipFill>
-        <p:spPr bwMode="auto">
-          <a:xfrm>
-            <a:off x="27281" y="3387640"/>
-            <a:ext cx="3270702" cy="3333600"/>
-          </a:xfrm>
-          <a:prstGeom prst="rect">
-            <a:avLst/>
-          </a:prstGeom>
-          <a:noFill/>
-          <a:extLst>
-            <a:ext uri="{909E8E84-426E-40DD-AFC4-6F175D3DCCD1}">
-              <a14:hiddenFill xmlns:a14="http://schemas.microsoft.com/office/drawing/2010/main">
-                <a:solidFill>
-                  <a:srgbClr val="FFFFFF"/>
-                </a:solidFill>
-              </a14:hiddenFill>
-            </a:ext>
-          </a:extLst>
-        </p:spPr>
-      </p:pic>
-      <p:pic>
-        <p:nvPicPr>
-          <p:cNvPr id="2058" name="Picture 10">
-            <a:extLst>
-              <a:ext uri="{FF2B5EF4-FFF2-40B4-BE49-F238E27FC236}">
-                <a16:creationId xmlns:a16="http://schemas.microsoft.com/office/drawing/2014/main" id="{CB07A313-5B58-D286-1A25-7181E05767B1}"/>
-              </a:ext>
-            </a:extLst>
-          </p:cNvPr>
-          <p:cNvPicPr>
-            <a:picLocks noChangeAspect="1" noChangeArrowheads="1"/>
-          </p:cNvPicPr>
-          <p:nvPr/>
-        </p:nvPicPr>
-        <p:blipFill>
-          <a:blip r:embed="rId6">
-            <a:extLst>
-              <a:ext uri="{28A0092B-C50C-407E-A947-70E740481C1C}">
-                <a14:useLocalDpi xmlns:a14="http://schemas.microsoft.com/office/drawing/2010/main" val="0"/>
-              </a:ext>
-            </a:extLst>
-          </a:blip>
-          <a:srcRect/>
-          <a:stretch>
-            <a:fillRect/>
-          </a:stretch>
-        </p:blipFill>
-        <p:spPr bwMode="auto">
-          <a:xfrm>
-            <a:off x="3297983" y="3387640"/>
-            <a:ext cx="3270702" cy="3333600"/>
-          </a:xfrm>
-          <a:prstGeom prst="rect">
-            <a:avLst/>
-          </a:prstGeom>
-          <a:noFill/>
-          <a:extLst>
-            <a:ext uri="{909E8E84-426E-40DD-AFC4-6F175D3DCCD1}">
-              <a14:hiddenFill xmlns:a14="http://schemas.microsoft.com/office/drawing/2010/main">
-                <a:solidFill>
-                  <a:srgbClr val="FFFFFF"/>
-                </a:solidFill>
-              </a14:hiddenFill>
-            </a:ext>
-          </a:extLst>
-        </p:spPr>
-      </p:pic>
+        </p:spPr>
+        <p:txBody>
+          <a:bodyPr wrap="square" rtlCol="0">
+            <a:spAutoFit/>
+          </a:bodyPr>
+          <a:lstStyle/>
+          <a:p>
+            <a:r>
+              <a:rPr lang="el-GR" dirty="0"/>
+              <a:t>Στην συνέχεια μελετάμε το ποσοστό της συγκέντρωσης του νερού στην ατμόσφαιρα. Παρατηρούμε ότι πάνω από τους τροπικούς, το νερό καταλαμβάνει το 0.65% της συνολικής αέριας μάζας, κάτι που είναι αναμενόμενο καθώς η επιφάνεια των τροπικών είναι ζεστή και υγρή. Στα μέσα πλάτη, η συγκέντρωση του νερού είναι 0.46% κατά την θερινή περίοδο και 0.13% κατά την χειμερινή περίοδο ενώ στα </a:t>
+            </a:r>
+            <a:r>
+              <a:rPr lang="el-GR" dirty="0" err="1"/>
+              <a:t>υπο</a:t>
+            </a:r>
+            <a:r>
+              <a:rPr lang="el-GR" dirty="0"/>
+              <a:t>-αρκτικά πλάτη, η αντίστοιχη συγκέντρωση είναι 0.32% για το καλοκαίρι και 0.07% για τον χειμώνα. Παρατηρούμε μεγάλες αποκλίσεις μεταξύ των εποχών και για τα δύο αυτά γεωγραφικά πλάτη. Ο λόγος είναι ότι το σημείο δρόσου είναι κατά λόγο μεγαλύτερο το καλοκαίρι σε σχέση με τον χειμώνα, που σημαίνει ότι το καλοκαίρι ο αέρας είναι σε θέση να συγκρατήσει περισσότερο νερό.</a:t>
+            </a:r>
+          </a:p>
+        </p:txBody>
+      </p:sp>
     </p:spTree>
     <p:extLst>
       <p:ext uri="{BB962C8B-B14F-4D97-AF65-F5344CB8AC3E}">
-        <p14:creationId xmlns:p14="http://schemas.microsoft.com/office/powerpoint/2010/main" val="3494796993"/>
+        <p14:creationId xmlns:p14="http://schemas.microsoft.com/office/powerpoint/2010/main" val="3802665053"/>
       </p:ext>
     </p:extLst>
   </p:cSld>
@@ -11255,12 +11352,56 @@
           <a:chExt cx="0" cy="0"/>
         </a:xfrm>
       </p:grpSpPr>
+      <p:sp>
+        <p:nvSpPr>
+          <p:cNvPr id="2" name="TextBox 1">
+            <a:extLst>
+              <a:ext uri="{FF2B5EF4-FFF2-40B4-BE49-F238E27FC236}">
+                <a16:creationId xmlns:a16="http://schemas.microsoft.com/office/drawing/2014/main" id="{4E61B2C6-11F1-DB6A-874D-15606D3DFAC4}"/>
+              </a:ext>
+            </a:extLst>
+          </p:cNvPr>
+          <p:cNvSpPr txBox="1"/>
+          <p:nvPr/>
+        </p:nvSpPr>
+        <p:spPr>
+          <a:xfrm>
+            <a:off x="6595968" y="17930"/>
+            <a:ext cx="5461561" cy="3139321"/>
+          </a:xfrm>
+          <a:prstGeom prst="rect">
+            <a:avLst/>
+          </a:prstGeom>
+          <a:noFill/>
+        </p:spPr>
+        <p:txBody>
+          <a:bodyPr wrap="square" rtlCol="0">
+            <a:spAutoFit/>
+          </a:bodyPr>
+          <a:lstStyle/>
+          <a:p>
+            <a:r>
+              <a:rPr lang="el-GR" dirty="0"/>
+              <a:t>Γνωρίζουμε ότι το μεγαλύτερο ποσοστό του όζοντος βρίσκεται στην στρατόσφαιρα όπου κυριαρχεί ο ρυθμός παραγωγής του, κάτι που επιβεβαιώνεται σε όλες τις γραφικές. Λόγω της μεταβολής της ηλιακής δραστηριότητας μέσα στον χρόνο, αναμένουμε μεγαλύτερες τιμές συγκέντρωσης κατά το χειμώνα, καθώς το καλοκαίρι κυριαρχεί ο ρυθμός διάσπασής του λόγω της απορρόφησης μεγαλύτερου μέρους της ακτινοβολίας κάτι που επίσης βλέπουμε στις γραφικές αν συγκρίνουμε για το ίδιο πλάτος τις τιμές στον άξονα </a:t>
+            </a:r>
+            <a:r>
+              <a:rPr lang="en-US" dirty="0"/>
+              <a:t>x </a:t>
+            </a:r>
+            <a:r>
+              <a:rPr lang="el-GR" dirty="0"/>
+              <a:t>για κάθε εποχή.</a:t>
+            </a:r>
+            <a:endParaRPr lang="en-GB" dirty="0"/>
+          </a:p>
+        </p:txBody>
+      </p:sp>
       <p:pic>
         <p:nvPicPr>
-          <p:cNvPr id="10242" name="Picture 2">
-            <a:extLst>
-              <a:ext uri="{FF2B5EF4-FFF2-40B4-BE49-F238E27FC236}">
-                <a16:creationId xmlns:a16="http://schemas.microsoft.com/office/drawing/2014/main" id="{CFFA0BBC-7F97-60B7-7132-0DA9E3405A6B}"/>
+          <p:cNvPr id="2050" name="Picture 2">
+            <a:extLst>
+              <a:ext uri="{FF2B5EF4-FFF2-40B4-BE49-F238E27FC236}">
+                <a16:creationId xmlns:a16="http://schemas.microsoft.com/office/drawing/2014/main" id="{8741A757-0916-57E1-FF73-7936DE03EC8D}"/>
               </a:ext>
             </a:extLst>
           </p:cNvPr>
@@ -11284,22 +11425,13 @@
         </p:blipFill>
         <p:spPr bwMode="auto">
           <a:xfrm>
-            <a:off x="287261" y="741104"/>
-            <a:ext cx="6678318" cy="5400000"/>
+            <a:off x="7865409" y="3506471"/>
+            <a:ext cx="3270702" cy="3333600"/>
           </a:xfrm>
           <a:prstGeom prst="rect">
             <a:avLst/>
           </a:prstGeom>
-          <a:ln>
-            <a:noFill/>
-          </a:ln>
-          <a:effectLst>
-            <a:outerShdw blurRad="292100" dist="139700" dir="2700000" algn="tl" rotWithShape="0">
-              <a:srgbClr val="333333">
-                <a:alpha val="65000"/>
-              </a:srgbClr>
-            </a:outerShdw>
-          </a:effectLst>
+          <a:noFill/>
           <a:extLst>
             <a:ext uri="{909E8E84-426E-40DD-AFC4-6F175D3DCCD1}">
               <a14:hiddenFill xmlns:a14="http://schemas.microsoft.com/office/drawing/2010/main">
@@ -11311,62 +11443,198 @@
           </a:extLst>
         </p:spPr>
       </p:pic>
-      <p:sp>
-        <p:nvSpPr>
-          <p:cNvPr id="2" name="TextBox 1">
-            <a:extLst>
-              <a:ext uri="{FF2B5EF4-FFF2-40B4-BE49-F238E27FC236}">
-                <a16:creationId xmlns:a16="http://schemas.microsoft.com/office/drawing/2014/main" id="{23B3E831-1269-EDEC-B694-806C47C84421}"/>
-              </a:ext>
-            </a:extLst>
-          </p:cNvPr>
-          <p:cNvSpPr txBox="1"/>
+      <p:pic>
+        <p:nvPicPr>
+          <p:cNvPr id="2052" name="Picture 4">
+            <a:extLst>
+              <a:ext uri="{FF2B5EF4-FFF2-40B4-BE49-F238E27FC236}">
+                <a16:creationId xmlns:a16="http://schemas.microsoft.com/office/drawing/2014/main" id="{AC57E845-2BE5-CCCB-27A0-FF7F45F6F131}"/>
+              </a:ext>
+            </a:extLst>
+          </p:cNvPr>
+          <p:cNvPicPr>
+            <a:picLocks noChangeAspect="1" noChangeArrowheads="1"/>
+          </p:cNvPicPr>
           <p:nvPr/>
-        </p:nvSpPr>
-        <p:spPr>
-          <a:xfrm>
-            <a:off x="7351059" y="170330"/>
-            <a:ext cx="4553680" cy="6740307"/>
+        </p:nvPicPr>
+        <p:blipFill>
+          <a:blip r:embed="rId3">
+            <a:extLst>
+              <a:ext uri="{28A0092B-C50C-407E-A947-70E740481C1C}">
+                <a14:useLocalDpi xmlns:a14="http://schemas.microsoft.com/office/drawing/2010/main" val="0"/>
+              </a:ext>
+            </a:extLst>
+          </a:blip>
+          <a:srcRect/>
+          <a:stretch>
+            <a:fillRect/>
+          </a:stretch>
+        </p:blipFill>
+        <p:spPr bwMode="auto">
+          <a:xfrm>
+            <a:off x="27281" y="54040"/>
+            <a:ext cx="3270702" cy="3333600"/>
           </a:xfrm>
           <a:prstGeom prst="rect">
             <a:avLst/>
           </a:prstGeom>
           <a:noFill/>
-        </p:spPr>
-        <p:txBody>
-          <a:bodyPr wrap="square" rtlCol="0">
-            <a:spAutoFit/>
-          </a:bodyPr>
-          <a:lstStyle/>
-          <a:p>
-            <a:r>
-              <a:rPr lang="el-GR" dirty="0"/>
-              <a:t>Στο διπλανό διάγραμμα παρατηρούμε ότι το όζον αποτελεί μονάχα περίπου το 0.00004% της συνολικής μάζας της ατμόσφαιρας. Στους τροπικούς παρατηρούμε την ελάχιστη τιμή με μόλις 3.52 * 10⁻⁵ % το οποίο είναι αναμενόμενο καθώς γνωρίζουμε ότι λόγω των μηχανισμών κίνησης των αερίων μαζών στην ατμόσφαιρα, το όζον μετακινείται από τους τροπικούς προς τους πόλους. Στα υπόλοιπα γεωγραφικά πλάτη, παρατηρούμε ότι η συγκέντρωσή του είναι ελάχιστα μεγαλύτερη κατά την χειμερινή περίοδο. Αυτό συμβαίνει διότι το όζον διασπάται υπό την παρουσία ηλιακής ακτινοβολίας και κατά την θερινή περίοδο που παρατηρούνται περισσότερες ώρες ηλιοφάνειας, διασπάται μεγαλύτερη ποσότητα όζοντος σε σχέση με την χειμερινή περίοδο. Μικρή απόκλιση παρατηρούμε και αν συγκρίνουμε για την ίδια εποχή τα μέσα με τα </a:t>
-            </a:r>
-            <a:r>
-              <a:rPr lang="el-GR" dirty="0" err="1"/>
-              <a:t>υπο</a:t>
-            </a:r>
-            <a:r>
-              <a:rPr lang="el-GR" dirty="0"/>
-              <a:t>-αρκτικά πλάτη. Λόγω της κλίσης της Γης, η ακτινοβολία που δέχονται τα </a:t>
-            </a:r>
-            <a:r>
-              <a:rPr lang="el-GR" dirty="0" err="1"/>
-              <a:t>υπο</a:t>
-            </a:r>
-            <a:r>
-              <a:rPr lang="el-GR" dirty="0"/>
-              <a:t>-αρκτικά πλάτη είναι λιγότερη και συνεπώς η συγκέντρωση του όζοντος είναι ελάχιστα μεγαλύτερη.</a:t>
-            </a:r>
-            <a:endParaRPr lang="en-GB" dirty="0"/>
-          </a:p>
-        </p:txBody>
-      </p:sp>
+          <a:extLst>
+            <a:ext uri="{909E8E84-426E-40DD-AFC4-6F175D3DCCD1}">
+              <a14:hiddenFill xmlns:a14="http://schemas.microsoft.com/office/drawing/2010/main">
+                <a:solidFill>
+                  <a:srgbClr val="FFFFFF"/>
+                </a:solidFill>
+              </a14:hiddenFill>
+            </a:ext>
+          </a:extLst>
+        </p:spPr>
+      </p:pic>
+      <p:pic>
+        <p:nvPicPr>
+          <p:cNvPr id="2054" name="Picture 6">
+            <a:extLst>
+              <a:ext uri="{FF2B5EF4-FFF2-40B4-BE49-F238E27FC236}">
+                <a16:creationId xmlns:a16="http://schemas.microsoft.com/office/drawing/2014/main" id="{D97671E4-F0BC-9CAF-3A50-CA0AE5A72E26}"/>
+              </a:ext>
+            </a:extLst>
+          </p:cNvPr>
+          <p:cNvPicPr>
+            <a:picLocks noChangeAspect="1" noChangeArrowheads="1"/>
+          </p:cNvPicPr>
+          <p:nvPr/>
+        </p:nvPicPr>
+        <p:blipFill>
+          <a:blip r:embed="rId4">
+            <a:extLst>
+              <a:ext uri="{28A0092B-C50C-407E-A947-70E740481C1C}">
+                <a14:useLocalDpi xmlns:a14="http://schemas.microsoft.com/office/drawing/2010/main" val="0"/>
+              </a:ext>
+            </a:extLst>
+          </a:blip>
+          <a:srcRect/>
+          <a:stretch>
+            <a:fillRect/>
+          </a:stretch>
+        </p:blipFill>
+        <p:spPr bwMode="auto">
+          <a:xfrm>
+            <a:off x="3297983" y="54040"/>
+            <a:ext cx="3270702" cy="3333600"/>
+          </a:xfrm>
+          <a:prstGeom prst="rect">
+            <a:avLst/>
+          </a:prstGeom>
+          <a:noFill/>
+          <a:extLst>
+            <a:ext uri="{909E8E84-426E-40DD-AFC4-6F175D3DCCD1}">
+              <a14:hiddenFill xmlns:a14="http://schemas.microsoft.com/office/drawing/2010/main">
+                <a:solidFill>
+                  <a:srgbClr val="FFFFFF"/>
+                </a:solidFill>
+              </a14:hiddenFill>
+            </a:ext>
+          </a:extLst>
+        </p:spPr>
+      </p:pic>
+      <p:pic>
+        <p:nvPicPr>
+          <p:cNvPr id="2056" name="Picture 8">
+            <a:extLst>
+              <a:ext uri="{FF2B5EF4-FFF2-40B4-BE49-F238E27FC236}">
+                <a16:creationId xmlns:a16="http://schemas.microsoft.com/office/drawing/2014/main" id="{8C02B80B-F951-5FD4-F193-0F0B83606B25}"/>
+              </a:ext>
+            </a:extLst>
+          </p:cNvPr>
+          <p:cNvPicPr>
+            <a:picLocks noChangeAspect="1" noChangeArrowheads="1"/>
+          </p:cNvPicPr>
+          <p:nvPr/>
+        </p:nvPicPr>
+        <p:blipFill>
+          <a:blip r:embed="rId5">
+            <a:extLst>
+              <a:ext uri="{28A0092B-C50C-407E-A947-70E740481C1C}">
+                <a14:useLocalDpi xmlns:a14="http://schemas.microsoft.com/office/drawing/2010/main" val="0"/>
+              </a:ext>
+            </a:extLst>
+          </a:blip>
+          <a:srcRect/>
+          <a:stretch>
+            <a:fillRect/>
+          </a:stretch>
+        </p:blipFill>
+        <p:spPr bwMode="auto">
+          <a:xfrm>
+            <a:off x="27281" y="3387640"/>
+            <a:ext cx="3270702" cy="3333600"/>
+          </a:xfrm>
+          <a:prstGeom prst="rect">
+            <a:avLst/>
+          </a:prstGeom>
+          <a:noFill/>
+          <a:extLst>
+            <a:ext uri="{909E8E84-426E-40DD-AFC4-6F175D3DCCD1}">
+              <a14:hiddenFill xmlns:a14="http://schemas.microsoft.com/office/drawing/2010/main">
+                <a:solidFill>
+                  <a:srgbClr val="FFFFFF"/>
+                </a:solidFill>
+              </a14:hiddenFill>
+            </a:ext>
+          </a:extLst>
+        </p:spPr>
+      </p:pic>
+      <p:pic>
+        <p:nvPicPr>
+          <p:cNvPr id="2058" name="Picture 10">
+            <a:extLst>
+              <a:ext uri="{FF2B5EF4-FFF2-40B4-BE49-F238E27FC236}">
+                <a16:creationId xmlns:a16="http://schemas.microsoft.com/office/drawing/2014/main" id="{CB07A313-5B58-D286-1A25-7181E05767B1}"/>
+              </a:ext>
+            </a:extLst>
+          </p:cNvPr>
+          <p:cNvPicPr>
+            <a:picLocks noChangeAspect="1" noChangeArrowheads="1"/>
+          </p:cNvPicPr>
+          <p:nvPr/>
+        </p:nvPicPr>
+        <p:blipFill>
+          <a:blip r:embed="rId6">
+            <a:extLst>
+              <a:ext uri="{28A0092B-C50C-407E-A947-70E740481C1C}">
+                <a14:useLocalDpi xmlns:a14="http://schemas.microsoft.com/office/drawing/2010/main" val="0"/>
+              </a:ext>
+            </a:extLst>
+          </a:blip>
+          <a:srcRect/>
+          <a:stretch>
+            <a:fillRect/>
+          </a:stretch>
+        </p:blipFill>
+        <p:spPr bwMode="auto">
+          <a:xfrm>
+            <a:off x="3297983" y="3387640"/>
+            <a:ext cx="3270702" cy="3333600"/>
+          </a:xfrm>
+          <a:prstGeom prst="rect">
+            <a:avLst/>
+          </a:prstGeom>
+          <a:noFill/>
+          <a:extLst>
+            <a:ext uri="{909E8E84-426E-40DD-AFC4-6F175D3DCCD1}">
+              <a14:hiddenFill xmlns:a14="http://schemas.microsoft.com/office/drawing/2010/main">
+                <a:solidFill>
+                  <a:srgbClr val="FFFFFF"/>
+                </a:solidFill>
+              </a14:hiddenFill>
+            </a:ext>
+          </a:extLst>
+        </p:spPr>
+      </p:pic>
     </p:spTree>
     <p:extLst>
       <p:ext uri="{BB962C8B-B14F-4D97-AF65-F5344CB8AC3E}">
-        <p14:creationId xmlns:p14="http://schemas.microsoft.com/office/powerpoint/2010/main" val="1740667269"/>
+        <p14:creationId xmlns:p14="http://schemas.microsoft.com/office/powerpoint/2010/main" val="3494796993"/>
       </p:ext>
     </p:extLst>
   </p:cSld>

--- a/Radiation and Atmosphere Interaction/Report 0/ΕργασίαΜηδέν.pptx
+++ b/Radiation and Atmosphere Interaction/Report 0/ΕργασίαΜηδέν.pptx
@@ -5,7 +5,7 @@
     <p:sldMasterId id="2147483757" r:id="rId1"/>
   </p:sldMasterIdLst>
   <p:notesMasterIdLst>
-    <p:notesMasterId r:id="rId24"/>
+    <p:notesMasterId r:id="rId29"/>
   </p:notesMasterIdLst>
   <p:sldIdLst>
     <p:sldId id="256" r:id="rId2"/>
@@ -16,20 +16,25 @@
     <p:sldId id="270" r:id="rId7"/>
     <p:sldId id="273" r:id="rId8"/>
     <p:sldId id="276" r:id="rId9"/>
-    <p:sldId id="265" r:id="rId10"/>
-    <p:sldId id="274" r:id="rId11"/>
-    <p:sldId id="268" r:id="rId12"/>
-    <p:sldId id="278" r:id="rId13"/>
-    <p:sldId id="266" r:id="rId14"/>
-    <p:sldId id="275" r:id="rId15"/>
-    <p:sldId id="267" r:id="rId16"/>
-    <p:sldId id="277" r:id="rId17"/>
-    <p:sldId id="257" r:id="rId18"/>
-    <p:sldId id="258" r:id="rId19"/>
-    <p:sldId id="259" r:id="rId20"/>
-    <p:sldId id="260" r:id="rId21"/>
-    <p:sldId id="261" r:id="rId22"/>
-    <p:sldId id="271" r:id="rId23"/>
+    <p:sldId id="282" r:id="rId10"/>
+    <p:sldId id="265" r:id="rId11"/>
+    <p:sldId id="274" r:id="rId12"/>
+    <p:sldId id="280" r:id="rId13"/>
+    <p:sldId id="268" r:id="rId14"/>
+    <p:sldId id="278" r:id="rId15"/>
+    <p:sldId id="284" r:id="rId16"/>
+    <p:sldId id="266" r:id="rId17"/>
+    <p:sldId id="275" r:id="rId18"/>
+    <p:sldId id="281" r:id="rId19"/>
+    <p:sldId id="267" r:id="rId20"/>
+    <p:sldId id="277" r:id="rId21"/>
+    <p:sldId id="283" r:id="rId22"/>
+    <p:sldId id="257" r:id="rId23"/>
+    <p:sldId id="258" r:id="rId24"/>
+    <p:sldId id="259" r:id="rId25"/>
+    <p:sldId id="260" r:id="rId26"/>
+    <p:sldId id="261" r:id="rId27"/>
+    <p:sldId id="271" r:id="rId28"/>
   </p:sldIdLst>
   <p:sldSz cx="12192000" cy="6858000"/>
   <p:notesSz cx="6858000" cy="9144000"/>
@@ -4961,12 +4966,56 @@
           <a:chExt cx="0" cy="0"/>
         </a:xfrm>
       </p:grpSpPr>
+      <p:sp>
+        <p:nvSpPr>
+          <p:cNvPr id="2" name="TextBox 1">
+            <a:extLst>
+              <a:ext uri="{FF2B5EF4-FFF2-40B4-BE49-F238E27FC236}">
+                <a16:creationId xmlns:a16="http://schemas.microsoft.com/office/drawing/2014/main" id="{4E61B2C6-11F1-DB6A-874D-15606D3DFAC4}"/>
+              </a:ext>
+            </a:extLst>
+          </p:cNvPr>
+          <p:cNvSpPr txBox="1"/>
+          <p:nvPr/>
+        </p:nvSpPr>
+        <p:spPr>
+          <a:xfrm>
+            <a:off x="6595968" y="17930"/>
+            <a:ext cx="5461561" cy="3139321"/>
+          </a:xfrm>
+          <a:prstGeom prst="rect">
+            <a:avLst/>
+          </a:prstGeom>
+          <a:noFill/>
+        </p:spPr>
+        <p:txBody>
+          <a:bodyPr wrap="square" rtlCol="0">
+            <a:spAutoFit/>
+          </a:bodyPr>
+          <a:lstStyle/>
+          <a:p>
+            <a:r>
+              <a:rPr lang="el-GR" dirty="0"/>
+              <a:t>Γνωρίζουμε ότι το μεγαλύτερο ποσοστό του όζοντος βρίσκεται στην στρατόσφαιρα όπου κυριαρχεί ο ρυθμός παραγωγής του, κάτι που επιβεβαιώνεται σε όλες τις γραφικές. Λόγω της μεταβολής της ηλιακής δραστηριότητας μέσα στον χρόνο, αναμένουμε μεγαλύτερες τιμές συγκέντρωσης κατά το χειμώνα, καθώς το καλοκαίρι κυριαρχεί ο ρυθμός διάσπασής του λόγω της απορρόφησης μεγαλύτερου μέρους της ακτινοβολίας κάτι που επίσης βλέπουμε στις γραφικές αν συγκρίνουμε για το ίδιο πλάτος τις τιμές στον άξονα </a:t>
+            </a:r>
+            <a:r>
+              <a:rPr lang="en-US" dirty="0"/>
+              <a:t>x </a:t>
+            </a:r>
+            <a:r>
+              <a:rPr lang="el-GR" dirty="0"/>
+              <a:t>για κάθε εποχή.</a:t>
+            </a:r>
+            <a:endParaRPr lang="en-GB" dirty="0"/>
+          </a:p>
+        </p:txBody>
+      </p:sp>
       <p:pic>
         <p:nvPicPr>
-          <p:cNvPr id="10242" name="Picture 2">
-            <a:extLst>
-              <a:ext uri="{FF2B5EF4-FFF2-40B4-BE49-F238E27FC236}">
-                <a16:creationId xmlns:a16="http://schemas.microsoft.com/office/drawing/2014/main" id="{CFFA0BBC-7F97-60B7-7132-0DA9E3405A6B}"/>
+          <p:cNvPr id="2050" name="Picture 2">
+            <a:extLst>
+              <a:ext uri="{FF2B5EF4-FFF2-40B4-BE49-F238E27FC236}">
+                <a16:creationId xmlns:a16="http://schemas.microsoft.com/office/drawing/2014/main" id="{8741A757-0916-57E1-FF73-7936DE03EC8D}"/>
               </a:ext>
             </a:extLst>
           </p:cNvPr>
@@ -4990,22 +5039,13 @@
         </p:blipFill>
         <p:spPr bwMode="auto">
           <a:xfrm>
-            <a:off x="287261" y="741104"/>
-            <a:ext cx="6678318" cy="5400000"/>
+            <a:off x="7865409" y="3506471"/>
+            <a:ext cx="3270702" cy="3333600"/>
           </a:xfrm>
           <a:prstGeom prst="rect">
             <a:avLst/>
           </a:prstGeom>
-          <a:ln>
-            <a:noFill/>
-          </a:ln>
-          <a:effectLst>
-            <a:outerShdw blurRad="292100" dist="139700" dir="2700000" algn="tl" rotWithShape="0">
-              <a:srgbClr val="333333">
-                <a:alpha val="65000"/>
-              </a:srgbClr>
-            </a:outerShdw>
-          </a:effectLst>
+          <a:noFill/>
           <a:extLst>
             <a:ext uri="{909E8E84-426E-40DD-AFC4-6F175D3DCCD1}">
               <a14:hiddenFill xmlns:a14="http://schemas.microsoft.com/office/drawing/2010/main">
@@ -5017,62 +5057,198 @@
           </a:extLst>
         </p:spPr>
       </p:pic>
-      <p:sp>
-        <p:nvSpPr>
-          <p:cNvPr id="2" name="TextBox 1">
-            <a:extLst>
-              <a:ext uri="{FF2B5EF4-FFF2-40B4-BE49-F238E27FC236}">
-                <a16:creationId xmlns:a16="http://schemas.microsoft.com/office/drawing/2014/main" id="{23B3E831-1269-EDEC-B694-806C47C84421}"/>
-              </a:ext>
-            </a:extLst>
-          </p:cNvPr>
-          <p:cNvSpPr txBox="1"/>
+      <p:pic>
+        <p:nvPicPr>
+          <p:cNvPr id="2052" name="Picture 4">
+            <a:extLst>
+              <a:ext uri="{FF2B5EF4-FFF2-40B4-BE49-F238E27FC236}">
+                <a16:creationId xmlns:a16="http://schemas.microsoft.com/office/drawing/2014/main" id="{AC57E845-2BE5-CCCB-27A0-FF7F45F6F131}"/>
+              </a:ext>
+            </a:extLst>
+          </p:cNvPr>
+          <p:cNvPicPr>
+            <a:picLocks noChangeAspect="1" noChangeArrowheads="1"/>
+          </p:cNvPicPr>
           <p:nvPr/>
-        </p:nvSpPr>
-        <p:spPr>
-          <a:xfrm>
-            <a:off x="7351059" y="170330"/>
-            <a:ext cx="4553680" cy="6740307"/>
+        </p:nvPicPr>
+        <p:blipFill>
+          <a:blip r:embed="rId3">
+            <a:extLst>
+              <a:ext uri="{28A0092B-C50C-407E-A947-70E740481C1C}">
+                <a14:useLocalDpi xmlns:a14="http://schemas.microsoft.com/office/drawing/2010/main" val="0"/>
+              </a:ext>
+            </a:extLst>
+          </a:blip>
+          <a:srcRect/>
+          <a:stretch>
+            <a:fillRect/>
+          </a:stretch>
+        </p:blipFill>
+        <p:spPr bwMode="auto">
+          <a:xfrm>
+            <a:off x="27281" y="54040"/>
+            <a:ext cx="3270702" cy="3333600"/>
           </a:xfrm>
           <a:prstGeom prst="rect">
             <a:avLst/>
           </a:prstGeom>
           <a:noFill/>
-        </p:spPr>
-        <p:txBody>
-          <a:bodyPr wrap="square" rtlCol="0">
-            <a:spAutoFit/>
-          </a:bodyPr>
-          <a:lstStyle/>
-          <a:p>
-            <a:r>
-              <a:rPr lang="el-GR" dirty="0"/>
-              <a:t>Στο διπλανό διάγραμμα παρατηρούμε ότι το όζον αποτελεί μονάχα περίπου το 0.00004% της συνολικής μάζας της ατμόσφαιρας. Στους τροπικούς παρατηρούμε την ελάχιστη τιμή με μόλις 3.52 * 10⁻⁵ % το οποίο είναι αναμενόμενο καθώς γνωρίζουμε ότι λόγω των μηχανισμών κίνησης των αερίων μαζών στην ατμόσφαιρα, το όζον μετακινείται από τους τροπικούς προς τους πόλους. Στα υπόλοιπα γεωγραφικά πλάτη, παρατηρούμε ότι η συγκέντρωσή του είναι ελάχιστα μεγαλύτερη κατά την χειμερινή περίοδο. Αυτό συμβαίνει διότι το όζον διασπάται υπό την παρουσία ηλιακής ακτινοβολίας και κατά την θερινή περίοδο που παρατηρούνται περισσότερες ώρες ηλιοφάνειας, διασπάται μεγαλύτερη ποσότητα όζοντος σε σχέση με την χειμερινή περίοδο. Μικρή απόκλιση παρατηρούμε και αν συγκρίνουμε για την ίδια εποχή τα μέσα με τα </a:t>
-            </a:r>
-            <a:r>
-              <a:rPr lang="el-GR" dirty="0" err="1"/>
-              <a:t>υπο</a:t>
-            </a:r>
-            <a:r>
-              <a:rPr lang="el-GR" dirty="0"/>
-              <a:t>-αρκτικά πλάτη. Λόγω της κλίσης της Γης, η ακτινοβολία που δέχονται τα </a:t>
-            </a:r>
-            <a:r>
-              <a:rPr lang="el-GR" dirty="0" err="1"/>
-              <a:t>υπο</a:t>
-            </a:r>
-            <a:r>
-              <a:rPr lang="el-GR" dirty="0"/>
-              <a:t>-αρκτικά πλάτη είναι λιγότερη και συνεπώς η συγκέντρωση του όζοντος είναι ελάχιστα μεγαλύτερη.</a:t>
-            </a:r>
-            <a:endParaRPr lang="en-GB" dirty="0"/>
-          </a:p>
-        </p:txBody>
-      </p:sp>
+          <a:extLst>
+            <a:ext uri="{909E8E84-426E-40DD-AFC4-6F175D3DCCD1}">
+              <a14:hiddenFill xmlns:a14="http://schemas.microsoft.com/office/drawing/2010/main">
+                <a:solidFill>
+                  <a:srgbClr val="FFFFFF"/>
+                </a:solidFill>
+              </a14:hiddenFill>
+            </a:ext>
+          </a:extLst>
+        </p:spPr>
+      </p:pic>
+      <p:pic>
+        <p:nvPicPr>
+          <p:cNvPr id="2054" name="Picture 6">
+            <a:extLst>
+              <a:ext uri="{FF2B5EF4-FFF2-40B4-BE49-F238E27FC236}">
+                <a16:creationId xmlns:a16="http://schemas.microsoft.com/office/drawing/2014/main" id="{D97671E4-F0BC-9CAF-3A50-CA0AE5A72E26}"/>
+              </a:ext>
+            </a:extLst>
+          </p:cNvPr>
+          <p:cNvPicPr>
+            <a:picLocks noChangeAspect="1" noChangeArrowheads="1"/>
+          </p:cNvPicPr>
+          <p:nvPr/>
+        </p:nvPicPr>
+        <p:blipFill>
+          <a:blip r:embed="rId4">
+            <a:extLst>
+              <a:ext uri="{28A0092B-C50C-407E-A947-70E740481C1C}">
+                <a14:useLocalDpi xmlns:a14="http://schemas.microsoft.com/office/drawing/2010/main" val="0"/>
+              </a:ext>
+            </a:extLst>
+          </a:blip>
+          <a:srcRect/>
+          <a:stretch>
+            <a:fillRect/>
+          </a:stretch>
+        </p:blipFill>
+        <p:spPr bwMode="auto">
+          <a:xfrm>
+            <a:off x="3297983" y="54040"/>
+            <a:ext cx="3270702" cy="3333600"/>
+          </a:xfrm>
+          <a:prstGeom prst="rect">
+            <a:avLst/>
+          </a:prstGeom>
+          <a:noFill/>
+          <a:extLst>
+            <a:ext uri="{909E8E84-426E-40DD-AFC4-6F175D3DCCD1}">
+              <a14:hiddenFill xmlns:a14="http://schemas.microsoft.com/office/drawing/2010/main">
+                <a:solidFill>
+                  <a:srgbClr val="FFFFFF"/>
+                </a:solidFill>
+              </a14:hiddenFill>
+            </a:ext>
+          </a:extLst>
+        </p:spPr>
+      </p:pic>
+      <p:pic>
+        <p:nvPicPr>
+          <p:cNvPr id="2056" name="Picture 8">
+            <a:extLst>
+              <a:ext uri="{FF2B5EF4-FFF2-40B4-BE49-F238E27FC236}">
+                <a16:creationId xmlns:a16="http://schemas.microsoft.com/office/drawing/2014/main" id="{8C02B80B-F951-5FD4-F193-0F0B83606B25}"/>
+              </a:ext>
+            </a:extLst>
+          </p:cNvPr>
+          <p:cNvPicPr>
+            <a:picLocks noChangeAspect="1" noChangeArrowheads="1"/>
+          </p:cNvPicPr>
+          <p:nvPr/>
+        </p:nvPicPr>
+        <p:blipFill>
+          <a:blip r:embed="rId5">
+            <a:extLst>
+              <a:ext uri="{28A0092B-C50C-407E-A947-70E740481C1C}">
+                <a14:useLocalDpi xmlns:a14="http://schemas.microsoft.com/office/drawing/2010/main" val="0"/>
+              </a:ext>
+            </a:extLst>
+          </a:blip>
+          <a:srcRect/>
+          <a:stretch>
+            <a:fillRect/>
+          </a:stretch>
+        </p:blipFill>
+        <p:spPr bwMode="auto">
+          <a:xfrm>
+            <a:off x="27281" y="3387640"/>
+            <a:ext cx="3270702" cy="3333600"/>
+          </a:xfrm>
+          <a:prstGeom prst="rect">
+            <a:avLst/>
+          </a:prstGeom>
+          <a:noFill/>
+          <a:extLst>
+            <a:ext uri="{909E8E84-426E-40DD-AFC4-6F175D3DCCD1}">
+              <a14:hiddenFill xmlns:a14="http://schemas.microsoft.com/office/drawing/2010/main">
+                <a:solidFill>
+                  <a:srgbClr val="FFFFFF"/>
+                </a:solidFill>
+              </a14:hiddenFill>
+            </a:ext>
+          </a:extLst>
+        </p:spPr>
+      </p:pic>
+      <p:pic>
+        <p:nvPicPr>
+          <p:cNvPr id="2058" name="Picture 10">
+            <a:extLst>
+              <a:ext uri="{FF2B5EF4-FFF2-40B4-BE49-F238E27FC236}">
+                <a16:creationId xmlns:a16="http://schemas.microsoft.com/office/drawing/2014/main" id="{CB07A313-5B58-D286-1A25-7181E05767B1}"/>
+              </a:ext>
+            </a:extLst>
+          </p:cNvPr>
+          <p:cNvPicPr>
+            <a:picLocks noChangeAspect="1" noChangeArrowheads="1"/>
+          </p:cNvPicPr>
+          <p:nvPr/>
+        </p:nvPicPr>
+        <p:blipFill>
+          <a:blip r:embed="rId6">
+            <a:extLst>
+              <a:ext uri="{28A0092B-C50C-407E-A947-70E740481C1C}">
+                <a14:useLocalDpi xmlns:a14="http://schemas.microsoft.com/office/drawing/2010/main" val="0"/>
+              </a:ext>
+            </a:extLst>
+          </a:blip>
+          <a:srcRect/>
+          <a:stretch>
+            <a:fillRect/>
+          </a:stretch>
+        </p:blipFill>
+        <p:spPr bwMode="auto">
+          <a:xfrm>
+            <a:off x="3297983" y="3387640"/>
+            <a:ext cx="3270702" cy="3333600"/>
+          </a:xfrm>
+          <a:prstGeom prst="rect">
+            <a:avLst/>
+          </a:prstGeom>
+          <a:noFill/>
+          <a:extLst>
+            <a:ext uri="{909E8E84-426E-40DD-AFC4-6F175D3DCCD1}">
+              <a14:hiddenFill xmlns:a14="http://schemas.microsoft.com/office/drawing/2010/main">
+                <a:solidFill>
+                  <a:srgbClr val="FFFFFF"/>
+                </a:solidFill>
+              </a14:hiddenFill>
+            </a:ext>
+          </a:extLst>
+        </p:spPr>
+      </p:pic>
     </p:spTree>
     <p:extLst>
       <p:ext uri="{BB962C8B-B14F-4D97-AF65-F5344CB8AC3E}">
-        <p14:creationId xmlns:p14="http://schemas.microsoft.com/office/powerpoint/2010/main" val="1740667269"/>
+        <p14:creationId xmlns:p14="http://schemas.microsoft.com/office/powerpoint/2010/main" val="3494796993"/>
       </p:ext>
     </p:extLst>
   </p:cSld>
@@ -5099,56 +5275,12 @@
           <a:chExt cx="0" cy="0"/>
         </a:xfrm>
       </p:grpSpPr>
-      <p:sp>
-        <p:nvSpPr>
-          <p:cNvPr id="2" name="TextBox 1">
-            <a:extLst>
-              <a:ext uri="{FF2B5EF4-FFF2-40B4-BE49-F238E27FC236}">
-                <a16:creationId xmlns:a16="http://schemas.microsoft.com/office/drawing/2014/main" id="{FE14A150-41D7-7317-2D47-2A6B0D68AFDE}"/>
-              </a:ext>
-            </a:extLst>
-          </p:cNvPr>
-          <p:cNvSpPr txBox="1"/>
-          <p:nvPr/>
-        </p:nvSpPr>
-        <p:spPr>
-          <a:xfrm>
-            <a:off x="6781406" y="188057"/>
-            <a:ext cx="5367855" cy="3139321"/>
-          </a:xfrm>
-          <a:prstGeom prst="rect">
-            <a:avLst/>
-          </a:prstGeom>
-          <a:noFill/>
-        </p:spPr>
-        <p:txBody>
-          <a:bodyPr wrap="square" rtlCol="0">
-            <a:spAutoFit/>
-          </a:bodyPr>
-          <a:lstStyle/>
-          <a:p>
-            <a:r>
-              <a:rPr lang="el-GR" dirty="0"/>
-              <a:t>Το ΝΟ2 θεωρείται ρύπος στην ατμόσφαιρα και σχηματίζεται κυρίως λόγω της διαδικασίας της καύσης σε υψηλές θερμοκρασίες. Τέτοιες διεργασίες τείνουν να είναι περισσότερες κατά την χειμερινή περίοδο οπότε η μικρή αύξηση που παρατηρείται στην συγκέντρωση του ΝΟ2 κοντά στην επιφάνεια της Γης (και κυρίως στα </a:t>
-            </a:r>
-            <a:r>
-              <a:rPr lang="el-GR" dirty="0" err="1"/>
-              <a:t>υπο</a:t>
-            </a:r>
-            <a:r>
-              <a:rPr lang="el-GR" dirty="0"/>
-              <a:t>-αρκτικά πλάτη) είναι δικαιολογημένη. Στην στρατόσφαιρα, παρατηρείται η μεγαλύτερη συγκέντρωση του αερίου και με υψηλότερες τιμές κατά την θερινή περίοδο καθώς το αέριο είναι παράγωγο της διάσπασης του όζοντος.</a:t>
-            </a:r>
-            <a:endParaRPr lang="en-GB" dirty="0"/>
-          </a:p>
-        </p:txBody>
-      </p:sp>
       <p:pic>
         <p:nvPicPr>
-          <p:cNvPr id="5122" name="Picture 2">
-            <a:extLst>
-              <a:ext uri="{FF2B5EF4-FFF2-40B4-BE49-F238E27FC236}">
-                <a16:creationId xmlns:a16="http://schemas.microsoft.com/office/drawing/2014/main" id="{19A2AE54-5E67-3455-41E0-DB2D8861E44B}"/>
+          <p:cNvPr id="10242" name="Picture 2">
+            <a:extLst>
+              <a:ext uri="{FF2B5EF4-FFF2-40B4-BE49-F238E27FC236}">
+                <a16:creationId xmlns:a16="http://schemas.microsoft.com/office/drawing/2014/main" id="{CFFA0BBC-7F97-60B7-7132-0DA9E3405A6B}"/>
               </a:ext>
             </a:extLst>
           </p:cNvPr>
@@ -5172,13 +5304,22 @@
         </p:blipFill>
         <p:spPr bwMode="auto">
           <a:xfrm>
-            <a:off x="7829983" y="3424518"/>
-            <a:ext cx="3270702" cy="3333600"/>
+            <a:off x="287261" y="741104"/>
+            <a:ext cx="6678318" cy="5400000"/>
           </a:xfrm>
           <a:prstGeom prst="rect">
             <a:avLst/>
           </a:prstGeom>
-          <a:noFill/>
+          <a:ln>
+            <a:noFill/>
+          </a:ln>
+          <a:effectLst>
+            <a:outerShdw blurRad="292100" dist="139700" dir="2700000" algn="tl" rotWithShape="0">
+              <a:srgbClr val="333333">
+                <a:alpha val="65000"/>
+              </a:srgbClr>
+            </a:outerShdw>
+          </a:effectLst>
           <a:extLst>
             <a:ext uri="{909E8E84-426E-40DD-AFC4-6F175D3DCCD1}">
               <a14:hiddenFill xmlns:a14="http://schemas.microsoft.com/office/drawing/2010/main">
@@ -5190,198 +5331,62 @@
           </a:extLst>
         </p:spPr>
       </p:pic>
-      <p:pic>
-        <p:nvPicPr>
-          <p:cNvPr id="5124" name="Picture 4">
-            <a:extLst>
-              <a:ext uri="{FF2B5EF4-FFF2-40B4-BE49-F238E27FC236}">
-                <a16:creationId xmlns:a16="http://schemas.microsoft.com/office/drawing/2014/main" id="{053CE411-0F16-F7B6-29DC-46CC281C520F}"/>
-              </a:ext>
-            </a:extLst>
-          </p:cNvPr>
-          <p:cNvPicPr>
-            <a:picLocks noChangeAspect="1" noChangeArrowheads="1"/>
-          </p:cNvPicPr>
+      <p:sp>
+        <p:nvSpPr>
+          <p:cNvPr id="2" name="TextBox 1">
+            <a:extLst>
+              <a:ext uri="{FF2B5EF4-FFF2-40B4-BE49-F238E27FC236}">
+                <a16:creationId xmlns:a16="http://schemas.microsoft.com/office/drawing/2014/main" id="{23B3E831-1269-EDEC-B694-806C47C84421}"/>
+              </a:ext>
+            </a:extLst>
+          </p:cNvPr>
+          <p:cNvSpPr txBox="1"/>
           <p:nvPr/>
-        </p:nvPicPr>
-        <p:blipFill>
-          <a:blip r:embed="rId3">
-            <a:extLst>
-              <a:ext uri="{28A0092B-C50C-407E-A947-70E740481C1C}">
-                <a14:useLocalDpi xmlns:a14="http://schemas.microsoft.com/office/drawing/2010/main" val="0"/>
-              </a:ext>
-            </a:extLst>
-          </a:blip>
-          <a:srcRect/>
-          <a:stretch>
-            <a:fillRect/>
-          </a:stretch>
-        </p:blipFill>
-        <p:spPr bwMode="auto">
-          <a:xfrm>
-            <a:off x="93913" y="90918"/>
-            <a:ext cx="3389509" cy="3333600"/>
+        </p:nvSpPr>
+        <p:spPr>
+          <a:xfrm>
+            <a:off x="7351059" y="170330"/>
+            <a:ext cx="4553680" cy="6740307"/>
           </a:xfrm>
           <a:prstGeom prst="rect">
             <a:avLst/>
           </a:prstGeom>
           <a:noFill/>
-          <a:extLst>
-            <a:ext uri="{909E8E84-426E-40DD-AFC4-6F175D3DCCD1}">
-              <a14:hiddenFill xmlns:a14="http://schemas.microsoft.com/office/drawing/2010/main">
-                <a:solidFill>
-                  <a:srgbClr val="FFFFFF"/>
-                </a:solidFill>
-              </a14:hiddenFill>
-            </a:ext>
-          </a:extLst>
-        </p:spPr>
-      </p:pic>
-      <p:pic>
-        <p:nvPicPr>
-          <p:cNvPr id="5126" name="Picture 6">
-            <a:extLst>
-              <a:ext uri="{FF2B5EF4-FFF2-40B4-BE49-F238E27FC236}">
-                <a16:creationId xmlns:a16="http://schemas.microsoft.com/office/drawing/2014/main" id="{02226AC0-01ED-6FFC-1A49-87776895FDC9}"/>
-              </a:ext>
-            </a:extLst>
-          </p:cNvPr>
-          <p:cNvPicPr>
-            <a:picLocks noChangeAspect="1" noChangeArrowheads="1"/>
-          </p:cNvPicPr>
-          <p:nvPr/>
-        </p:nvPicPr>
-        <p:blipFill>
-          <a:blip r:embed="rId4">
-            <a:extLst>
-              <a:ext uri="{28A0092B-C50C-407E-A947-70E740481C1C}">
-                <a14:useLocalDpi xmlns:a14="http://schemas.microsoft.com/office/drawing/2010/main" val="0"/>
-              </a:ext>
-            </a:extLst>
-          </a:blip>
-          <a:srcRect/>
-          <a:stretch>
-            <a:fillRect/>
-          </a:stretch>
-        </p:blipFill>
-        <p:spPr bwMode="auto">
-          <a:xfrm>
-            <a:off x="3486110" y="90918"/>
-            <a:ext cx="3270702" cy="3333600"/>
-          </a:xfrm>
-          <a:prstGeom prst="rect">
-            <a:avLst/>
-          </a:prstGeom>
-          <a:noFill/>
-          <a:extLst>
-            <a:ext uri="{909E8E84-426E-40DD-AFC4-6F175D3DCCD1}">
-              <a14:hiddenFill xmlns:a14="http://schemas.microsoft.com/office/drawing/2010/main">
-                <a:solidFill>
-                  <a:srgbClr val="FFFFFF"/>
-                </a:solidFill>
-              </a14:hiddenFill>
-            </a:ext>
-          </a:extLst>
-        </p:spPr>
-      </p:pic>
-      <p:pic>
-        <p:nvPicPr>
-          <p:cNvPr id="5128" name="Picture 8">
-            <a:extLst>
-              <a:ext uri="{FF2B5EF4-FFF2-40B4-BE49-F238E27FC236}">
-                <a16:creationId xmlns:a16="http://schemas.microsoft.com/office/drawing/2014/main" id="{BF0339F6-476D-0540-B7D0-4211E6E40779}"/>
-              </a:ext>
-            </a:extLst>
-          </p:cNvPr>
-          <p:cNvPicPr>
-            <a:picLocks noChangeAspect="1" noChangeArrowheads="1"/>
-          </p:cNvPicPr>
-          <p:nvPr/>
-        </p:nvPicPr>
-        <p:blipFill>
-          <a:blip r:embed="rId5">
-            <a:extLst>
-              <a:ext uri="{28A0092B-C50C-407E-A947-70E740481C1C}">
-                <a14:useLocalDpi xmlns:a14="http://schemas.microsoft.com/office/drawing/2010/main" val="0"/>
-              </a:ext>
-            </a:extLst>
-          </a:blip>
-          <a:srcRect/>
-          <a:stretch>
-            <a:fillRect/>
-          </a:stretch>
-        </p:blipFill>
-        <p:spPr bwMode="auto">
-          <a:xfrm>
-            <a:off x="169982" y="3431172"/>
-            <a:ext cx="3270702" cy="3333600"/>
-          </a:xfrm>
-          <a:prstGeom prst="rect">
-            <a:avLst/>
-          </a:prstGeom>
-          <a:noFill/>
-          <a:extLst>
-            <a:ext uri="{909E8E84-426E-40DD-AFC4-6F175D3DCCD1}">
-              <a14:hiddenFill xmlns:a14="http://schemas.microsoft.com/office/drawing/2010/main">
-                <a:solidFill>
-                  <a:srgbClr val="FFFFFF"/>
-                </a:solidFill>
-              </a14:hiddenFill>
-            </a:ext>
-          </a:extLst>
-        </p:spPr>
-      </p:pic>
-      <p:pic>
-        <p:nvPicPr>
-          <p:cNvPr id="5130" name="Picture 10">
-            <a:extLst>
-              <a:ext uri="{FF2B5EF4-FFF2-40B4-BE49-F238E27FC236}">
-                <a16:creationId xmlns:a16="http://schemas.microsoft.com/office/drawing/2014/main" id="{AB733F7D-2FA9-4C18-80B0-EAE53A2A9C60}"/>
-              </a:ext>
-            </a:extLst>
-          </p:cNvPr>
-          <p:cNvPicPr>
-            <a:picLocks noChangeAspect="1" noChangeArrowheads="1"/>
-          </p:cNvPicPr>
-          <p:nvPr/>
-        </p:nvPicPr>
-        <p:blipFill>
-          <a:blip r:embed="rId6">
-            <a:extLst>
-              <a:ext uri="{28A0092B-C50C-407E-A947-70E740481C1C}">
-                <a14:useLocalDpi xmlns:a14="http://schemas.microsoft.com/office/drawing/2010/main" val="0"/>
-              </a:ext>
-            </a:extLst>
-          </a:blip>
-          <a:srcRect/>
-          <a:stretch>
-            <a:fillRect/>
-          </a:stretch>
-        </p:blipFill>
-        <p:spPr bwMode="auto">
-          <a:xfrm>
-            <a:off x="3395257" y="3424518"/>
-            <a:ext cx="3361555" cy="3333600"/>
-          </a:xfrm>
-          <a:prstGeom prst="rect">
-            <a:avLst/>
-          </a:prstGeom>
-          <a:noFill/>
-          <a:extLst>
-            <a:ext uri="{909E8E84-426E-40DD-AFC4-6F175D3DCCD1}">
-              <a14:hiddenFill xmlns:a14="http://schemas.microsoft.com/office/drawing/2010/main">
-                <a:solidFill>
-                  <a:srgbClr val="FFFFFF"/>
-                </a:solidFill>
-              </a14:hiddenFill>
-            </a:ext>
-          </a:extLst>
-        </p:spPr>
-      </p:pic>
+        </p:spPr>
+        <p:txBody>
+          <a:bodyPr wrap="square" rtlCol="0">
+            <a:spAutoFit/>
+          </a:bodyPr>
+          <a:lstStyle/>
+          <a:p>
+            <a:r>
+              <a:rPr lang="el-GR" dirty="0"/>
+              <a:t>Στο διπλανό διάγραμμα παρατηρούμε ότι το όζον αποτελεί μονάχα περίπου το 0.00004% της συνολικής μάζας της ατμόσφαιρας. Στους τροπικούς παρατηρούμε την ελάχιστη τιμή με μόλις 3.52 * 10⁻⁵ % το οποίο είναι αναμενόμενο καθώς γνωρίζουμε ότι λόγω των μηχανισμών κίνησης των αερίων μαζών στην ατμόσφαιρα, το όζον μετακινείται από τους τροπικούς προς τους πόλους. Στα υπόλοιπα γεωγραφικά πλάτη, παρατηρούμε ότι η συγκέντρωσή του είναι ελάχιστα μεγαλύτερη κατά την χειμερινή περίοδο. Αυτό συμβαίνει διότι το όζον διασπάται υπό την παρουσία ηλιακής ακτινοβολίας και κατά την θερινή περίοδο που παρατηρούνται περισσότερες ώρες ηλιοφάνειας, διασπάται μεγαλύτερη ποσότητα όζοντος σε σχέση με την χειμερινή περίοδο. Μικρή απόκλιση παρατηρούμε και αν συγκρίνουμε για την ίδια εποχή τα μέσα με τα </a:t>
+            </a:r>
+            <a:r>
+              <a:rPr lang="el-GR" dirty="0" err="1"/>
+              <a:t>υπο</a:t>
+            </a:r>
+            <a:r>
+              <a:rPr lang="el-GR" dirty="0"/>
+              <a:t>-αρκτικά πλάτη. Λόγω της κλίσης της Γης, η ακτινοβολία που δέχονται τα </a:t>
+            </a:r>
+            <a:r>
+              <a:rPr lang="el-GR" dirty="0" err="1"/>
+              <a:t>υπο</a:t>
+            </a:r>
+            <a:r>
+              <a:rPr lang="el-GR" dirty="0"/>
+              <a:t>-αρκτικά πλάτη είναι λιγότερη και συνεπώς η συγκέντρωση του όζοντος είναι ελάχιστα μεγαλύτερη.</a:t>
+            </a:r>
+            <a:endParaRPr lang="en-GB" dirty="0"/>
+          </a:p>
+        </p:txBody>
+      </p:sp>
     </p:spTree>
     <p:extLst>
       <p:ext uri="{BB962C8B-B14F-4D97-AF65-F5344CB8AC3E}">
-        <p14:creationId xmlns:p14="http://schemas.microsoft.com/office/powerpoint/2010/main" val="740289710"/>
+        <p14:creationId xmlns:p14="http://schemas.microsoft.com/office/powerpoint/2010/main" val="1740667269"/>
       </p:ext>
     </p:extLst>
   </p:cSld>
@@ -5410,10 +5415,10 @@
       </p:grpSpPr>
       <p:pic>
         <p:nvPicPr>
-          <p:cNvPr id="14338" name="Picture 2">
-            <a:extLst>
-              <a:ext uri="{FF2B5EF4-FFF2-40B4-BE49-F238E27FC236}">
-                <a16:creationId xmlns:a16="http://schemas.microsoft.com/office/drawing/2014/main" id="{CF4C477F-43B4-54B1-BA5E-9D2D1F7286A8}"/>
+          <p:cNvPr id="1026" name="Picture 2">
+            <a:extLst>
+              <a:ext uri="{FF2B5EF4-FFF2-40B4-BE49-F238E27FC236}">
+                <a16:creationId xmlns:a16="http://schemas.microsoft.com/office/drawing/2014/main" id="{16785F87-B7B5-D339-C476-1CAE6D6BE2FD}"/>
               </a:ext>
             </a:extLst>
           </p:cNvPr>
@@ -5437,8 +5442,8 @@
         </p:blipFill>
         <p:spPr bwMode="auto">
           <a:xfrm>
-            <a:off x="377639" y="648821"/>
-            <a:ext cx="6833628" cy="5400000"/>
+            <a:off x="483534" y="729000"/>
+            <a:ext cx="6905310" cy="5400000"/>
           </a:xfrm>
           <a:prstGeom prst="rect">
             <a:avLst/>
@@ -5469,7 +5474,7 @@
           <p:cNvPr id="2" name="TextBox 1">
             <a:extLst>
               <a:ext uri="{FF2B5EF4-FFF2-40B4-BE49-F238E27FC236}">
-                <a16:creationId xmlns:a16="http://schemas.microsoft.com/office/drawing/2014/main" id="{BB16F195-9E42-BE38-58E4-FB36966A71AC}"/>
+                <a16:creationId xmlns:a16="http://schemas.microsoft.com/office/drawing/2014/main" id="{60A51A83-EB29-4E7B-C7AA-7BB1C9A4BDC6}"/>
               </a:ext>
             </a:extLst>
           </p:cNvPr>
@@ -5478,8 +5483,8 @@
         </p:nvSpPr>
         <p:spPr>
           <a:xfrm>
-            <a:off x="7593106" y="532665"/>
-            <a:ext cx="4087905" cy="5632311"/>
+            <a:off x="7835153" y="1028343"/>
+            <a:ext cx="3980329" cy="4801314"/>
           </a:xfrm>
           <a:prstGeom prst="rect">
             <a:avLst/>
@@ -5494,23 +5499,24 @@
           <a:p>
             <a:r>
               <a:rPr lang="el-GR" dirty="0"/>
-              <a:t>Η συνολική συγκέντρωση του διοξειδίου του αζώτου, με βάση το διπλανό διάγραμμα, είναι λίγο μεγαλύτερη από 2.5 * 10⁻⁸%. Στον Ισημερινό καθώς και στην θερινή περίοδο στα μέσα και τα </a:t>
+              <a:t>Στην τροπόσφαιρα, το όζον υπάρχει σαν ρύπος και η συγκέντρωσή του είναι πολύ μικρή σε σχέση με την στρατόσφαιρα. Στο στρώμα αυτό της ατμόσφαιρας λειτουργεί ως αέριο του θερμοκηπίου και συμβάλλει στην θέρμανση του πλανήτη. Παρατηρούμε ότι η μικρότερη τιμή παρατηρείται πάνω από τους τροπικούς και οι υψηλότερες συγκεντρώσεις παρατηρούνται κατά την χειμερινή περίοδο. Αυτό είναι αναμενόμενο καθώς το όζον στην τροπόσφαιρα προέρχεται κυρίως από ανθρωπογενείς παράγοντες οι οποίοι εντείνονται κυρίως τις περιόδους που επικρατεί κρύο (εργοστάσια, μηχανές </a:t>
             </a:r>
             <a:r>
               <a:rPr lang="el-GR" dirty="0" err="1"/>
-              <a:t>υπο</a:t>
+              <a:t>κλπ</a:t>
             </a:r>
             <a:r>
               <a:rPr lang="el-GR" dirty="0"/>
-              <a:t>-αρκτικά πλάτη δεν παρατηρούνται μεγάλες διακυμάνσεις. Παρατηρείται όμως εποχική διακύμανση για την συγκέντρωσή του καθώς τον χειμώνα φαίνεται πως έχουμε μικρότερο ποσοστό του ρύπου στον αέρα. Αυτό συμβαίνει διότι όπως προαναφέραμε, ένας από τους βασικούς τρόπους σχηματισμού του είναι έπειτα από την διάσπαση του όζοντος. Το όζον διασπάται υπό την παρουσία ηλιακής ακτινοβολίας η οποία είναι μειωμένη κατά την χειμερινή περίοδο και συνεπώς διασπάται μικρότερη ποσότητα όζοντος για να παραχθεί εν τέλει διοξείδιο του αζώτου.</a:t>
-            </a:r>
+              <a:t>)</a:t>
+            </a:r>
+            <a:endParaRPr lang="en-GB" dirty="0"/>
           </a:p>
         </p:txBody>
       </p:sp>
     </p:spTree>
     <p:extLst>
       <p:ext uri="{BB962C8B-B14F-4D97-AF65-F5344CB8AC3E}">
-        <p14:creationId xmlns:p14="http://schemas.microsoft.com/office/powerpoint/2010/main" val="4090714108"/>
+        <p14:creationId xmlns:p14="http://schemas.microsoft.com/office/powerpoint/2010/main" val="3644856011"/>
       </p:ext>
     </p:extLst>
   </p:cSld>
@@ -5542,7 +5548,7 @@
           <p:cNvPr id="2" name="TextBox 1">
             <a:extLst>
               <a:ext uri="{FF2B5EF4-FFF2-40B4-BE49-F238E27FC236}">
-                <a16:creationId xmlns:a16="http://schemas.microsoft.com/office/drawing/2014/main" id="{A6887033-8897-EDCF-EE63-3AF841D48E57}"/>
+                <a16:creationId xmlns:a16="http://schemas.microsoft.com/office/drawing/2014/main" id="{FE14A150-41D7-7317-2D47-2A6B0D68AFDE}"/>
               </a:ext>
             </a:extLst>
           </p:cNvPr>
@@ -5551,8 +5557,8 @@
         </p:nvSpPr>
         <p:spPr>
           <a:xfrm>
-            <a:off x="6858000" y="197224"/>
-            <a:ext cx="5118847" cy="3139321"/>
+            <a:off x="6781406" y="188057"/>
+            <a:ext cx="5367855" cy="3139321"/>
           </a:xfrm>
           <a:prstGeom prst="rect">
             <a:avLst/>
@@ -5567,7 +5573,15 @@
           <a:p>
             <a:r>
               <a:rPr lang="el-GR" dirty="0"/>
-              <a:t>Το οξυγόνο, ακολουθεί και αυτό την κατανομή της συγκέντρωσης του αέρα και μειώνεται εκθετικά με το ύψος για τους ίδιους λόγους που αναφέραμε και για την ατμοσφαιρική πίεση. Οι γραφικές παραστάσεις μας υποδεικνύουν ότι η συγκέντρωσή του στη ΜΣΘ είναι μεγαλύτερη κατά τους χειμερινούς μήνες όπου οι θερμοκρασίες είναι χαμηλότερες, κάτι που είναι αναμενόμενο καθώς, λόγω τη μειωμένης κινητικής ενέργειας των μορίων, αυτά τείνουν να εκτελούν μικρότερες ανοδικές κινήσεις και να μένουν κοντά στο έδαφος.</a:t>
+              <a:t>Το ΝΟ2 θεωρείται ρύπος στην ατμόσφαιρα και σχηματίζεται κυρίως λόγω της διαδικασίας της καύσης σε υψηλές θερμοκρασίες. Τέτοιες διεργασίες τείνουν να είναι περισσότερες κατά την χειμερινή περίοδο οπότε η μικρή αύξηση που παρατηρείται στην συγκέντρωση του ΝΟ2 κοντά στην επιφάνεια της Γης (και κυρίως στα </a:t>
+            </a:r>
+            <a:r>
+              <a:rPr lang="el-GR" dirty="0" err="1"/>
+              <a:t>υπο</a:t>
+            </a:r>
+            <a:r>
+              <a:rPr lang="el-GR" dirty="0"/>
+              <a:t>-αρκτικά πλάτη) είναι δικαιολογημένη. Στην στρατόσφαιρα, παρατηρείται η μεγαλύτερη συγκέντρωση του αερίου και με υψηλότερες τιμές κατά την θερινή περίοδο καθώς το αέριο είναι παράγωγο της διάσπασης του όζοντος.</a:t>
             </a:r>
             <a:endParaRPr lang="en-GB" dirty="0"/>
           </a:p>
@@ -5575,10 +5589,10 @@
       </p:sp>
       <p:pic>
         <p:nvPicPr>
-          <p:cNvPr id="6146" name="Picture 2">
-            <a:extLst>
-              <a:ext uri="{FF2B5EF4-FFF2-40B4-BE49-F238E27FC236}">
-                <a16:creationId xmlns:a16="http://schemas.microsoft.com/office/drawing/2014/main" id="{59B1558C-C07B-09E2-34D8-E63D610DF52F}"/>
+          <p:cNvPr id="5122" name="Picture 2">
+            <a:extLst>
+              <a:ext uri="{FF2B5EF4-FFF2-40B4-BE49-F238E27FC236}">
+                <a16:creationId xmlns:a16="http://schemas.microsoft.com/office/drawing/2014/main" id="{19A2AE54-5E67-3455-41E0-DB2D8861E44B}"/>
               </a:ext>
             </a:extLst>
           </p:cNvPr>
@@ -5602,7 +5616,7 @@
         </p:blipFill>
         <p:spPr bwMode="auto">
           <a:xfrm>
-            <a:off x="7782072" y="3521456"/>
+            <a:off x="7829983" y="3424518"/>
             <a:ext cx="3270702" cy="3333600"/>
           </a:xfrm>
           <a:prstGeom prst="rect">
@@ -5622,10 +5636,10 @@
       </p:pic>
       <p:pic>
         <p:nvPicPr>
-          <p:cNvPr id="6148" name="Picture 4">
-            <a:extLst>
-              <a:ext uri="{FF2B5EF4-FFF2-40B4-BE49-F238E27FC236}">
-                <a16:creationId xmlns:a16="http://schemas.microsoft.com/office/drawing/2014/main" id="{C892F49A-BC14-0BC2-FCD1-303AFDEADF4D}"/>
+          <p:cNvPr id="5124" name="Picture 4">
+            <a:extLst>
+              <a:ext uri="{FF2B5EF4-FFF2-40B4-BE49-F238E27FC236}">
+                <a16:creationId xmlns:a16="http://schemas.microsoft.com/office/drawing/2014/main" id="{053CE411-0F16-F7B6-29DC-46CC281C520F}"/>
               </a:ext>
             </a:extLst>
           </p:cNvPr>
@@ -5649,8 +5663,8 @@
         </p:blipFill>
         <p:spPr bwMode="auto">
           <a:xfrm>
-            <a:off x="126930" y="95400"/>
-            <a:ext cx="3270702" cy="3333600"/>
+            <a:off x="93913" y="90918"/>
+            <a:ext cx="3389509" cy="3333600"/>
           </a:xfrm>
           <a:prstGeom prst="rect">
             <a:avLst/>
@@ -5669,10 +5683,10 @@
       </p:pic>
       <p:pic>
         <p:nvPicPr>
-          <p:cNvPr id="6150" name="Picture 6">
-            <a:extLst>
-              <a:ext uri="{FF2B5EF4-FFF2-40B4-BE49-F238E27FC236}">
-                <a16:creationId xmlns:a16="http://schemas.microsoft.com/office/drawing/2014/main" id="{B0CB70F6-5651-173B-B8B6-064DFDD1D2B6}"/>
+          <p:cNvPr id="5126" name="Picture 6">
+            <a:extLst>
+              <a:ext uri="{FF2B5EF4-FFF2-40B4-BE49-F238E27FC236}">
+                <a16:creationId xmlns:a16="http://schemas.microsoft.com/office/drawing/2014/main" id="{02226AC0-01ED-6FFC-1A49-87776895FDC9}"/>
               </a:ext>
             </a:extLst>
           </p:cNvPr>
@@ -5696,7 +5710,7 @@
         </p:blipFill>
         <p:spPr bwMode="auto">
           <a:xfrm>
-            <a:off x="3411273" y="95400"/>
+            <a:off x="3486110" y="90918"/>
             <a:ext cx="3270702" cy="3333600"/>
           </a:xfrm>
           <a:prstGeom prst="rect">
@@ -5716,10 +5730,10 @@
       </p:pic>
       <p:pic>
         <p:nvPicPr>
-          <p:cNvPr id="6152" name="Picture 8">
-            <a:extLst>
-              <a:ext uri="{FF2B5EF4-FFF2-40B4-BE49-F238E27FC236}">
-                <a16:creationId xmlns:a16="http://schemas.microsoft.com/office/drawing/2014/main" id="{CA402EBD-9B13-936F-7B71-C6373897150C}"/>
+          <p:cNvPr id="5128" name="Picture 8">
+            <a:extLst>
+              <a:ext uri="{FF2B5EF4-FFF2-40B4-BE49-F238E27FC236}">
+                <a16:creationId xmlns:a16="http://schemas.microsoft.com/office/drawing/2014/main" id="{BF0339F6-476D-0540-B7D0-4211E6E40779}"/>
               </a:ext>
             </a:extLst>
           </p:cNvPr>
@@ -5743,7 +5757,7 @@
         </p:blipFill>
         <p:spPr bwMode="auto">
           <a:xfrm>
-            <a:off x="140572" y="3429000"/>
+            <a:off x="169982" y="3431172"/>
             <a:ext cx="3270702" cy="3333600"/>
           </a:xfrm>
           <a:prstGeom prst="rect">
@@ -5763,10 +5777,10 @@
       </p:pic>
       <p:pic>
         <p:nvPicPr>
-          <p:cNvPr id="6154" name="Picture 10">
-            <a:extLst>
-              <a:ext uri="{FF2B5EF4-FFF2-40B4-BE49-F238E27FC236}">
-                <a16:creationId xmlns:a16="http://schemas.microsoft.com/office/drawing/2014/main" id="{D4BF71D8-FA92-C019-C6D6-A46153CB1B3A}"/>
+          <p:cNvPr id="5130" name="Picture 10">
+            <a:extLst>
+              <a:ext uri="{FF2B5EF4-FFF2-40B4-BE49-F238E27FC236}">
+                <a16:creationId xmlns:a16="http://schemas.microsoft.com/office/drawing/2014/main" id="{AB733F7D-2FA9-4C18-80B0-EAE53A2A9C60}"/>
               </a:ext>
             </a:extLst>
           </p:cNvPr>
@@ -5790,8 +5804,8 @@
         </p:blipFill>
         <p:spPr bwMode="auto">
           <a:xfrm>
-            <a:off x="3411273" y="3524400"/>
-            <a:ext cx="3270702" cy="3333600"/>
+            <a:off x="3395257" y="3424518"/>
+            <a:ext cx="3361555" cy="3333600"/>
           </a:xfrm>
           <a:prstGeom prst="rect">
             <a:avLst/>
@@ -5811,7 +5825,7 @@
     </p:spTree>
     <p:extLst>
       <p:ext uri="{BB962C8B-B14F-4D97-AF65-F5344CB8AC3E}">
-        <p14:creationId xmlns:p14="http://schemas.microsoft.com/office/powerpoint/2010/main" val="2912900375"/>
+        <p14:creationId xmlns:p14="http://schemas.microsoft.com/office/powerpoint/2010/main" val="740289710"/>
       </p:ext>
     </p:extLst>
   </p:cSld>
@@ -5840,10 +5854,10 @@
       </p:grpSpPr>
       <p:pic>
         <p:nvPicPr>
-          <p:cNvPr id="11266" name="Picture 2">
-            <a:extLst>
-              <a:ext uri="{FF2B5EF4-FFF2-40B4-BE49-F238E27FC236}">
-                <a16:creationId xmlns:a16="http://schemas.microsoft.com/office/drawing/2014/main" id="{C4DD3C0D-CA6C-CC7B-1AF7-E50A6E53BC36}"/>
+          <p:cNvPr id="14338" name="Picture 2">
+            <a:extLst>
+              <a:ext uri="{FF2B5EF4-FFF2-40B4-BE49-F238E27FC236}">
+                <a16:creationId xmlns:a16="http://schemas.microsoft.com/office/drawing/2014/main" id="{CF4C477F-43B4-54B1-BA5E-9D2D1F7286A8}"/>
               </a:ext>
             </a:extLst>
           </p:cNvPr>
@@ -5867,8 +5881,8 @@
         </p:blipFill>
         <p:spPr bwMode="auto">
           <a:xfrm>
-            <a:off x="254095" y="729000"/>
-            <a:ext cx="7179405" cy="5400000"/>
+            <a:off x="377639" y="648821"/>
+            <a:ext cx="6833628" cy="5400000"/>
           </a:xfrm>
           <a:prstGeom prst="rect">
             <a:avLst/>
@@ -5899,7 +5913,7 @@
           <p:cNvPr id="2" name="TextBox 1">
             <a:extLst>
               <a:ext uri="{FF2B5EF4-FFF2-40B4-BE49-F238E27FC236}">
-                <a16:creationId xmlns:a16="http://schemas.microsoft.com/office/drawing/2014/main" id="{FC3D106D-A6C3-FCD5-5529-D7D9F22B66BC}"/>
+                <a16:creationId xmlns:a16="http://schemas.microsoft.com/office/drawing/2014/main" id="{BB16F195-9E42-BE38-58E4-FB36966A71AC}"/>
               </a:ext>
             </a:extLst>
           </p:cNvPr>
@@ -5908,8 +5922,8 @@
         </p:nvSpPr>
         <p:spPr>
           <a:xfrm>
-            <a:off x="7736542" y="1443841"/>
-            <a:ext cx="4034118" cy="4247317"/>
+            <a:off x="7593106" y="532665"/>
+            <a:ext cx="4087905" cy="5632311"/>
           </a:xfrm>
           <a:prstGeom prst="rect">
             <a:avLst/>
@@ -5924,16 +5938,23 @@
           <a:p>
             <a:r>
               <a:rPr lang="el-GR" dirty="0"/>
-              <a:t>Το οξυγόνο γνωρίζουμε ότι αποτελεί ένα από τα βασικά συστατικά της ατμόσφαιρας και μετά το άζωτο είναι το αέριο με το μεγαλύτερο ποσοστό συγκέντρωσης στην ατμόσφαιρα. Παρατηρούμε ότι δεν υπάρχει μεταβλητότητα στην συγκέντρωσή του λόγω μεταβολής του γεωγραφικού πλάτους καθώς επίσης δεν παρατηρείται ούτε εποχική εξάρτηση. Η συγκέντρωσή του παραμένει σταθερή και για τις 5 περιπτώσεις που μελετάμε και το ποσοστό συγκέντρωσής του σε μία ατμοσφαιρική στήλη ισούται με 21.91%</a:t>
-            </a:r>
-            <a:endParaRPr lang="en-GB" dirty="0"/>
+              <a:t>Η συνολική συγκέντρωση του διοξειδίου του αζώτου, με βάση το διπλανό διάγραμμα, είναι λίγο μεγαλύτερη από 2.5 * 10⁻⁸%. Στον Ισημερινό καθώς και στην θερινή περίοδο στα μέσα και τα </a:t>
+            </a:r>
+            <a:r>
+              <a:rPr lang="el-GR" dirty="0" err="1"/>
+              <a:t>υπο</a:t>
+            </a:r>
+            <a:r>
+              <a:rPr lang="el-GR" dirty="0"/>
+              <a:t>-αρκτικά πλάτη δεν παρατηρούνται μεγάλες διακυμάνσεις. Παρατηρείται όμως εποχική διακύμανση για την συγκέντρωσή του καθώς τον χειμώνα φαίνεται πως έχουμε μικρότερο ποσοστό του ρύπου στον αέρα. Αυτό συμβαίνει διότι όπως προαναφέραμε, ένας από τους βασικούς τρόπους σχηματισμού του είναι έπειτα από την διάσπαση του όζοντος. Το όζον διασπάται υπό την παρουσία ηλιακής ακτινοβολίας η οποία είναι μειωμένη κατά την χειμερινή περίοδο και συνεπώς διασπάται μικρότερη ποσότητα όζοντος για να παραχθεί εν τέλει διοξείδιο του αζώτου.</a:t>
+            </a:r>
           </a:p>
         </p:txBody>
       </p:sp>
     </p:spTree>
     <p:extLst>
       <p:ext uri="{BB962C8B-B14F-4D97-AF65-F5344CB8AC3E}">
-        <p14:creationId xmlns:p14="http://schemas.microsoft.com/office/powerpoint/2010/main" val="387930410"/>
+        <p14:creationId xmlns:p14="http://schemas.microsoft.com/office/powerpoint/2010/main" val="4090714108"/>
       </p:ext>
     </p:extLst>
   </p:cSld>
@@ -5960,56 +5981,12 @@
           <a:chExt cx="0" cy="0"/>
         </a:xfrm>
       </p:grpSpPr>
-      <p:sp>
-        <p:nvSpPr>
-          <p:cNvPr id="2" name="TextBox 1">
-            <a:extLst>
-              <a:ext uri="{FF2B5EF4-FFF2-40B4-BE49-F238E27FC236}">
-                <a16:creationId xmlns:a16="http://schemas.microsoft.com/office/drawing/2014/main" id="{2ADF8E23-AF74-2FF9-C499-3687EDDAE83E}"/>
-              </a:ext>
-            </a:extLst>
-          </p:cNvPr>
-          <p:cNvSpPr txBox="1"/>
-          <p:nvPr/>
-        </p:nvSpPr>
-        <p:spPr>
-          <a:xfrm>
-            <a:off x="6929718" y="192539"/>
-            <a:ext cx="5011271" cy="3139321"/>
-          </a:xfrm>
-          <a:prstGeom prst="rect">
-            <a:avLst/>
-          </a:prstGeom>
-          <a:noFill/>
-        </p:spPr>
-        <p:txBody>
-          <a:bodyPr wrap="square" rtlCol="0">
-            <a:spAutoFit/>
-          </a:bodyPr>
-          <a:lstStyle/>
-          <a:p>
-            <a:r>
-              <a:rPr lang="el-GR" dirty="0"/>
-              <a:t>Το </a:t>
-            </a:r>
-            <a:r>
-              <a:rPr lang="en-US" dirty="0"/>
-              <a:t>CO2 </a:t>
-            </a:r>
-            <a:r>
-              <a:rPr lang="el-GR" dirty="0"/>
-              <a:t>θεωρείται ένας από τους κύριους ρύπους της ατμόσφαιρας και ένα από τα βασικά αέρια του θερμοκηπίου το οποίο προέρχεται τόσο από ανθρωπογενείς παράγοντες (π.χ. καύση) όσο και από φυσικές διεργασίες (π.χ. έκρηξη ηφαιστείου). Ισχύουν αντίστοιχα και για το αέριο αυτό τα όσα αναφέραμε και για το οξυγόνο. Παρατηρείται και εδώ εκθετική μείωση της συγκέντρωσής του σε σχέση με το υψόμετρο καθώς και επίσης ελαφρώς μεγαλύτερες τιμές κατά τους χειμερινούς μήνες λόγω της μειωμένης θερμοκρασίας. </a:t>
-            </a:r>
-            <a:endParaRPr lang="en-GB" dirty="0"/>
-          </a:p>
-        </p:txBody>
-      </p:sp>
       <p:pic>
         <p:nvPicPr>
-          <p:cNvPr id="7170" name="Picture 2">
-            <a:extLst>
-              <a:ext uri="{FF2B5EF4-FFF2-40B4-BE49-F238E27FC236}">
-                <a16:creationId xmlns:a16="http://schemas.microsoft.com/office/drawing/2014/main" id="{0692A567-0344-D304-7950-3E36370A34E1}"/>
+          <p:cNvPr id="5122" name="Picture 2">
+            <a:extLst>
+              <a:ext uri="{FF2B5EF4-FFF2-40B4-BE49-F238E27FC236}">
+                <a16:creationId xmlns:a16="http://schemas.microsoft.com/office/drawing/2014/main" id="{6EEAE4F3-4A46-8D72-D41C-D8DDB80308BE}"/>
               </a:ext>
             </a:extLst>
           </p:cNvPr>
@@ -6033,13 +6010,22 @@
         </p:blipFill>
         <p:spPr bwMode="auto">
           <a:xfrm>
-            <a:off x="7800002" y="3526141"/>
-            <a:ext cx="3270702" cy="3333600"/>
+            <a:off x="677676" y="729000"/>
+            <a:ext cx="6845575" cy="5400000"/>
           </a:xfrm>
           <a:prstGeom prst="rect">
             <a:avLst/>
           </a:prstGeom>
-          <a:noFill/>
+          <a:ln>
+            <a:noFill/>
+          </a:ln>
+          <a:effectLst>
+            <a:outerShdw blurRad="292100" dist="139700" dir="2700000" algn="tl" rotWithShape="0">
+              <a:srgbClr val="333333">
+                <a:alpha val="65000"/>
+              </a:srgbClr>
+            </a:outerShdw>
+          </a:effectLst>
           <a:extLst>
             <a:ext uri="{909E8E84-426E-40DD-AFC4-6F175D3DCCD1}">
               <a14:hiddenFill xmlns:a14="http://schemas.microsoft.com/office/drawing/2010/main">
@@ -6051,198 +6037,62 @@
           </a:extLst>
         </p:spPr>
       </p:pic>
-      <p:pic>
-        <p:nvPicPr>
-          <p:cNvPr id="7172" name="Picture 4">
-            <a:extLst>
-              <a:ext uri="{FF2B5EF4-FFF2-40B4-BE49-F238E27FC236}">
-                <a16:creationId xmlns:a16="http://schemas.microsoft.com/office/drawing/2014/main" id="{70054D6C-115B-980D-E253-35C25BACE169}"/>
-              </a:ext>
-            </a:extLst>
-          </p:cNvPr>
-          <p:cNvPicPr>
-            <a:picLocks noChangeAspect="1" noChangeArrowheads="1"/>
-          </p:cNvPicPr>
+      <p:sp>
+        <p:nvSpPr>
+          <p:cNvPr id="2" name="TextBox 1">
+            <a:extLst>
+              <a:ext uri="{FF2B5EF4-FFF2-40B4-BE49-F238E27FC236}">
+                <a16:creationId xmlns:a16="http://schemas.microsoft.com/office/drawing/2014/main" id="{44377326-6FD4-C144-DC17-39827C33FDD8}"/>
+              </a:ext>
+            </a:extLst>
+          </p:cNvPr>
+          <p:cNvSpPr txBox="1"/>
           <p:nvPr/>
-        </p:nvPicPr>
-        <p:blipFill>
-          <a:blip r:embed="rId3">
-            <a:extLst>
-              <a:ext uri="{28A0092B-C50C-407E-A947-70E740481C1C}">
-                <a14:useLocalDpi xmlns:a14="http://schemas.microsoft.com/office/drawing/2010/main" val="0"/>
-              </a:ext>
-            </a:extLst>
-          </a:blip>
-          <a:srcRect/>
-          <a:stretch>
-            <a:fillRect/>
-          </a:stretch>
-        </p:blipFill>
-        <p:spPr bwMode="auto">
-          <a:xfrm>
-            <a:off x="140572" y="95400"/>
-            <a:ext cx="3270702" cy="3333600"/>
+        </p:nvSpPr>
+        <p:spPr>
+          <a:xfrm>
+            <a:off x="7960659" y="889843"/>
+            <a:ext cx="3684494" cy="5078313"/>
           </a:xfrm>
           <a:prstGeom prst="rect">
             <a:avLst/>
           </a:prstGeom>
           <a:noFill/>
-          <a:extLst>
-            <a:ext uri="{909E8E84-426E-40DD-AFC4-6F175D3DCCD1}">
-              <a14:hiddenFill xmlns:a14="http://schemas.microsoft.com/office/drawing/2010/main">
-                <a:solidFill>
-                  <a:srgbClr val="FFFFFF"/>
-                </a:solidFill>
-              </a14:hiddenFill>
-            </a:ext>
-          </a:extLst>
-        </p:spPr>
-      </p:pic>
-      <p:pic>
-        <p:nvPicPr>
-          <p:cNvPr id="7174" name="Picture 6">
-            <a:extLst>
-              <a:ext uri="{FF2B5EF4-FFF2-40B4-BE49-F238E27FC236}">
-                <a16:creationId xmlns:a16="http://schemas.microsoft.com/office/drawing/2014/main" id="{C7D3685A-ABF1-6DC3-C859-2CA346564864}"/>
-              </a:ext>
-            </a:extLst>
-          </p:cNvPr>
-          <p:cNvPicPr>
-            <a:picLocks noChangeAspect="1" noChangeArrowheads="1"/>
-          </p:cNvPicPr>
-          <p:nvPr/>
-        </p:nvPicPr>
-        <p:blipFill>
-          <a:blip r:embed="rId4">
-            <a:extLst>
-              <a:ext uri="{28A0092B-C50C-407E-A947-70E740481C1C}">
-                <a14:useLocalDpi xmlns:a14="http://schemas.microsoft.com/office/drawing/2010/main" val="0"/>
-              </a:ext>
-            </a:extLst>
-          </a:blip>
-          <a:srcRect/>
-          <a:stretch>
-            <a:fillRect/>
-          </a:stretch>
-        </p:blipFill>
-        <p:spPr bwMode="auto">
-          <a:xfrm>
-            <a:off x="3397631" y="95400"/>
-            <a:ext cx="3270702" cy="3333600"/>
-          </a:xfrm>
-          <a:prstGeom prst="rect">
-            <a:avLst/>
-          </a:prstGeom>
-          <a:noFill/>
-          <a:extLst>
-            <a:ext uri="{909E8E84-426E-40DD-AFC4-6F175D3DCCD1}">
-              <a14:hiddenFill xmlns:a14="http://schemas.microsoft.com/office/drawing/2010/main">
-                <a:solidFill>
-                  <a:srgbClr val="FFFFFF"/>
-                </a:solidFill>
-              </a14:hiddenFill>
-            </a:ext>
-          </a:extLst>
-        </p:spPr>
-      </p:pic>
-      <p:pic>
-        <p:nvPicPr>
-          <p:cNvPr id="7176" name="Picture 8">
-            <a:extLst>
-              <a:ext uri="{FF2B5EF4-FFF2-40B4-BE49-F238E27FC236}">
-                <a16:creationId xmlns:a16="http://schemas.microsoft.com/office/drawing/2014/main" id="{83CF91BC-50AC-7614-E8B8-A23E9D6692D5}"/>
-              </a:ext>
-            </a:extLst>
-          </p:cNvPr>
-          <p:cNvPicPr>
-            <a:picLocks noChangeAspect="1" noChangeArrowheads="1"/>
-          </p:cNvPicPr>
-          <p:nvPr/>
-        </p:nvPicPr>
-        <p:blipFill>
-          <a:blip r:embed="rId5">
-            <a:extLst>
-              <a:ext uri="{28A0092B-C50C-407E-A947-70E740481C1C}">
-                <a14:useLocalDpi xmlns:a14="http://schemas.microsoft.com/office/drawing/2010/main" val="0"/>
-              </a:ext>
-            </a:extLst>
-          </a:blip>
-          <a:srcRect/>
-          <a:stretch>
-            <a:fillRect/>
-          </a:stretch>
-        </p:blipFill>
-        <p:spPr bwMode="auto">
-          <a:xfrm>
-            <a:off x="154215" y="3331860"/>
-            <a:ext cx="3270702" cy="3333600"/>
-          </a:xfrm>
-          <a:prstGeom prst="rect">
-            <a:avLst/>
-          </a:prstGeom>
-          <a:noFill/>
-          <a:extLst>
-            <a:ext uri="{909E8E84-426E-40DD-AFC4-6F175D3DCCD1}">
-              <a14:hiddenFill xmlns:a14="http://schemas.microsoft.com/office/drawing/2010/main">
-                <a:solidFill>
-                  <a:srgbClr val="FFFFFF"/>
-                </a:solidFill>
-              </a14:hiddenFill>
-            </a:ext>
-          </a:extLst>
-        </p:spPr>
-      </p:pic>
-      <p:pic>
-        <p:nvPicPr>
-          <p:cNvPr id="7178" name="Picture 10">
-            <a:extLst>
-              <a:ext uri="{FF2B5EF4-FFF2-40B4-BE49-F238E27FC236}">
-                <a16:creationId xmlns:a16="http://schemas.microsoft.com/office/drawing/2014/main" id="{3FB1F9C8-08D5-47C0-1C42-08BB8FB7E394}"/>
-              </a:ext>
-            </a:extLst>
-          </p:cNvPr>
-          <p:cNvPicPr>
-            <a:picLocks noChangeAspect="1" noChangeArrowheads="1"/>
-          </p:cNvPicPr>
-          <p:nvPr/>
-        </p:nvPicPr>
-        <p:blipFill>
-          <a:blip r:embed="rId6">
-            <a:extLst>
-              <a:ext uri="{28A0092B-C50C-407E-A947-70E740481C1C}">
-                <a14:useLocalDpi xmlns:a14="http://schemas.microsoft.com/office/drawing/2010/main" val="0"/>
-              </a:ext>
-            </a:extLst>
-          </a:blip>
-          <a:srcRect/>
-          <a:stretch>
-            <a:fillRect/>
-          </a:stretch>
-        </p:blipFill>
-        <p:spPr bwMode="auto">
-          <a:xfrm>
-            <a:off x="3411274" y="3428999"/>
-            <a:ext cx="3270702" cy="3333600"/>
-          </a:xfrm>
-          <a:prstGeom prst="rect">
-            <a:avLst/>
-          </a:prstGeom>
-          <a:noFill/>
-          <a:extLst>
-            <a:ext uri="{909E8E84-426E-40DD-AFC4-6F175D3DCCD1}">
-              <a14:hiddenFill xmlns:a14="http://schemas.microsoft.com/office/drawing/2010/main">
-                <a:solidFill>
-                  <a:srgbClr val="FFFFFF"/>
-                </a:solidFill>
-              </a14:hiddenFill>
-            </a:ext>
-          </a:extLst>
-        </p:spPr>
-      </p:pic>
+        </p:spPr>
+        <p:txBody>
+          <a:bodyPr wrap="square" rtlCol="0">
+            <a:spAutoFit/>
+          </a:bodyPr>
+          <a:lstStyle/>
+          <a:p>
+            <a:r>
+              <a:rPr lang="el-GR" dirty="0"/>
+              <a:t>Η παρουσία του διοξειδίου του αζώτου στην τροπόσφαιρα, προέρχεται από παράγοντες όπως οι αστικές εκπομπές ρύπων, οι πυρκαγιές, οι μικροβιολογικές εκπομπές, οι κεραυνοί και η δραστηριότητα των αεροσκαφών. Παρατηρούμε ότι οι μέγιστες τιμές εντοπίζονται για την περιοχή των τροπικών και με πολύ μικρή απόκλιση ακολουθούν οι θερινές περίοδοι σε μέσα και </a:t>
+            </a:r>
+            <a:r>
+              <a:rPr lang="el-GR" dirty="0" err="1"/>
+              <a:t>υπο</a:t>
+            </a:r>
+            <a:r>
+              <a:rPr lang="el-GR" dirty="0"/>
+              <a:t>-αρκτικά πλάτη. Οι τιμές στις χειμερινές περιόδους είναι λίγο χαμηλότερες, χωρίς όμως να εντοπίζεται έντονη διαφοροποίηση σε σχέση με τις υπόλοιπες περιπτώσεις που </a:t>
+            </a:r>
+            <a:r>
+              <a:rPr lang="el-GR" dirty="0" err="1"/>
+              <a:t>μελατάμε</a:t>
+            </a:r>
+            <a:r>
+              <a:rPr lang="el-GR" dirty="0"/>
+              <a:t>.</a:t>
+            </a:r>
+            <a:endParaRPr lang="en-GB" dirty="0"/>
+          </a:p>
+        </p:txBody>
+      </p:sp>
     </p:spTree>
     <p:extLst>
       <p:ext uri="{BB962C8B-B14F-4D97-AF65-F5344CB8AC3E}">
-        <p14:creationId xmlns:p14="http://schemas.microsoft.com/office/powerpoint/2010/main" val="3072515677"/>
+        <p14:creationId xmlns:p14="http://schemas.microsoft.com/office/powerpoint/2010/main" val="113412489"/>
       </p:ext>
     </p:extLst>
   </p:cSld>
@@ -6269,12 +6119,48 @@
           <a:chExt cx="0" cy="0"/>
         </a:xfrm>
       </p:grpSpPr>
+      <p:sp>
+        <p:nvSpPr>
+          <p:cNvPr id="2" name="TextBox 1">
+            <a:extLst>
+              <a:ext uri="{FF2B5EF4-FFF2-40B4-BE49-F238E27FC236}">
+                <a16:creationId xmlns:a16="http://schemas.microsoft.com/office/drawing/2014/main" id="{A6887033-8897-EDCF-EE63-3AF841D48E57}"/>
+              </a:ext>
+            </a:extLst>
+          </p:cNvPr>
+          <p:cNvSpPr txBox="1"/>
+          <p:nvPr/>
+        </p:nvSpPr>
+        <p:spPr>
+          <a:xfrm>
+            <a:off x="6858000" y="197224"/>
+            <a:ext cx="5118847" cy="3139321"/>
+          </a:xfrm>
+          <a:prstGeom prst="rect">
+            <a:avLst/>
+          </a:prstGeom>
+          <a:noFill/>
+        </p:spPr>
+        <p:txBody>
+          <a:bodyPr wrap="square" rtlCol="0">
+            <a:spAutoFit/>
+          </a:bodyPr>
+          <a:lstStyle/>
+          <a:p>
+            <a:r>
+              <a:rPr lang="el-GR" dirty="0"/>
+              <a:t>Το οξυγόνο, ακολουθεί και αυτό την κατανομή της συγκέντρωσης του αέρα και μειώνεται εκθετικά με το ύψος για τους ίδιους λόγους που αναφέραμε και για την ατμοσφαιρική πίεση. Οι γραφικές παραστάσεις μας υποδεικνύουν ότι η συγκέντρωσή του στη ΜΣΘ είναι μεγαλύτερη κατά τους χειμερινούς μήνες όπου οι θερμοκρασίες είναι χαμηλότερες, κάτι που είναι αναμενόμενο καθώς, λόγω τη μειωμένης κινητικής ενέργειας των μορίων, αυτά τείνουν να εκτελούν μικρότερες ανοδικές κινήσεις και να μένουν κοντά στο έδαφος.</a:t>
+            </a:r>
+            <a:endParaRPr lang="en-GB" dirty="0"/>
+          </a:p>
+        </p:txBody>
+      </p:sp>
       <p:pic>
         <p:nvPicPr>
-          <p:cNvPr id="13314" name="Picture 2">
-            <a:extLst>
-              <a:ext uri="{FF2B5EF4-FFF2-40B4-BE49-F238E27FC236}">
-                <a16:creationId xmlns:a16="http://schemas.microsoft.com/office/drawing/2014/main" id="{2FF70BA0-8B18-70E2-6A79-4ADDC072D4B6}"/>
+          <p:cNvPr id="6146" name="Picture 2">
+            <a:extLst>
+              <a:ext uri="{FF2B5EF4-FFF2-40B4-BE49-F238E27FC236}">
+                <a16:creationId xmlns:a16="http://schemas.microsoft.com/office/drawing/2014/main" id="{59B1558C-C07B-09E2-34D8-E63D610DF52F}"/>
               </a:ext>
             </a:extLst>
           </p:cNvPr>
@@ -6298,22 +6184,13 @@
         </p:blipFill>
         <p:spPr bwMode="auto">
           <a:xfrm>
-            <a:off x="166408" y="729000"/>
-            <a:ext cx="7290618" cy="5400000"/>
+            <a:off x="7782072" y="3521456"/>
+            <a:ext cx="3270702" cy="3333600"/>
           </a:xfrm>
           <a:prstGeom prst="rect">
             <a:avLst/>
           </a:prstGeom>
-          <a:ln>
-            <a:noFill/>
-          </a:ln>
-          <a:effectLst>
-            <a:outerShdw blurRad="292100" dist="139700" dir="2700000" algn="tl" rotWithShape="0">
-              <a:srgbClr val="333333">
-                <a:alpha val="65000"/>
-              </a:srgbClr>
-            </a:outerShdw>
-          </a:effectLst>
+          <a:noFill/>
           <a:extLst>
             <a:ext uri="{909E8E84-426E-40DD-AFC4-6F175D3DCCD1}">
               <a14:hiddenFill xmlns:a14="http://schemas.microsoft.com/office/drawing/2010/main">
@@ -6325,46 +6202,198 @@
           </a:extLst>
         </p:spPr>
       </p:pic>
-      <p:sp>
-        <p:nvSpPr>
-          <p:cNvPr id="2" name="TextBox 1">
-            <a:extLst>
-              <a:ext uri="{FF2B5EF4-FFF2-40B4-BE49-F238E27FC236}">
-                <a16:creationId xmlns:a16="http://schemas.microsoft.com/office/drawing/2014/main" id="{639BEB9C-D4B0-B473-0FDA-C38187E67D64}"/>
-              </a:ext>
-            </a:extLst>
-          </p:cNvPr>
-          <p:cNvSpPr txBox="1"/>
+      <p:pic>
+        <p:nvPicPr>
+          <p:cNvPr id="6148" name="Picture 4">
+            <a:extLst>
+              <a:ext uri="{FF2B5EF4-FFF2-40B4-BE49-F238E27FC236}">
+                <a16:creationId xmlns:a16="http://schemas.microsoft.com/office/drawing/2014/main" id="{C892F49A-BC14-0BC2-FCD1-303AFDEADF4D}"/>
+              </a:ext>
+            </a:extLst>
+          </p:cNvPr>
+          <p:cNvPicPr>
+            <a:picLocks noChangeAspect="1" noChangeArrowheads="1"/>
+          </p:cNvPicPr>
           <p:nvPr/>
-        </p:nvSpPr>
-        <p:spPr>
-          <a:xfrm>
-            <a:off x="8081121" y="2413337"/>
-            <a:ext cx="3944471" cy="2031325"/>
+        </p:nvPicPr>
+        <p:blipFill>
+          <a:blip r:embed="rId3">
+            <a:extLst>
+              <a:ext uri="{28A0092B-C50C-407E-A947-70E740481C1C}">
+                <a14:useLocalDpi xmlns:a14="http://schemas.microsoft.com/office/drawing/2010/main" val="0"/>
+              </a:ext>
+            </a:extLst>
+          </a:blip>
+          <a:srcRect/>
+          <a:stretch>
+            <a:fillRect/>
+          </a:stretch>
+        </p:blipFill>
+        <p:spPr bwMode="auto">
+          <a:xfrm>
+            <a:off x="126930" y="95400"/>
+            <a:ext cx="3270702" cy="3333600"/>
           </a:xfrm>
           <a:prstGeom prst="rect">
             <a:avLst/>
           </a:prstGeom>
           <a:noFill/>
-        </p:spPr>
-        <p:txBody>
-          <a:bodyPr wrap="square" rtlCol="0">
-            <a:spAutoFit/>
-          </a:bodyPr>
-          <a:lstStyle/>
-          <a:p>
-            <a:r>
-              <a:rPr lang="el-GR" dirty="0"/>
-              <a:t>Τέλος, όσων αφορά την συγκέντρωση του διοξειδίου του άνθρακα στην ατμόσφαιρα, παρατηρούμε ότι είναι λίγο μικρότερη από 0.04% και ότι παραμένει σταθερή τόσο με την μεταβολή του γεωγραφικού πλάτους όσο και με την μεταβολή της εποχής. </a:t>
-            </a:r>
-            <a:endParaRPr lang="en-GB" dirty="0"/>
-          </a:p>
-        </p:txBody>
-      </p:sp>
+          <a:extLst>
+            <a:ext uri="{909E8E84-426E-40DD-AFC4-6F175D3DCCD1}">
+              <a14:hiddenFill xmlns:a14="http://schemas.microsoft.com/office/drawing/2010/main">
+                <a:solidFill>
+                  <a:srgbClr val="FFFFFF"/>
+                </a:solidFill>
+              </a14:hiddenFill>
+            </a:ext>
+          </a:extLst>
+        </p:spPr>
+      </p:pic>
+      <p:pic>
+        <p:nvPicPr>
+          <p:cNvPr id="6150" name="Picture 6">
+            <a:extLst>
+              <a:ext uri="{FF2B5EF4-FFF2-40B4-BE49-F238E27FC236}">
+                <a16:creationId xmlns:a16="http://schemas.microsoft.com/office/drawing/2014/main" id="{B0CB70F6-5651-173B-B8B6-064DFDD1D2B6}"/>
+              </a:ext>
+            </a:extLst>
+          </p:cNvPr>
+          <p:cNvPicPr>
+            <a:picLocks noChangeAspect="1" noChangeArrowheads="1"/>
+          </p:cNvPicPr>
+          <p:nvPr/>
+        </p:nvPicPr>
+        <p:blipFill>
+          <a:blip r:embed="rId4">
+            <a:extLst>
+              <a:ext uri="{28A0092B-C50C-407E-A947-70E740481C1C}">
+                <a14:useLocalDpi xmlns:a14="http://schemas.microsoft.com/office/drawing/2010/main" val="0"/>
+              </a:ext>
+            </a:extLst>
+          </a:blip>
+          <a:srcRect/>
+          <a:stretch>
+            <a:fillRect/>
+          </a:stretch>
+        </p:blipFill>
+        <p:spPr bwMode="auto">
+          <a:xfrm>
+            <a:off x="3411273" y="95400"/>
+            <a:ext cx="3270702" cy="3333600"/>
+          </a:xfrm>
+          <a:prstGeom prst="rect">
+            <a:avLst/>
+          </a:prstGeom>
+          <a:noFill/>
+          <a:extLst>
+            <a:ext uri="{909E8E84-426E-40DD-AFC4-6F175D3DCCD1}">
+              <a14:hiddenFill xmlns:a14="http://schemas.microsoft.com/office/drawing/2010/main">
+                <a:solidFill>
+                  <a:srgbClr val="FFFFFF"/>
+                </a:solidFill>
+              </a14:hiddenFill>
+            </a:ext>
+          </a:extLst>
+        </p:spPr>
+      </p:pic>
+      <p:pic>
+        <p:nvPicPr>
+          <p:cNvPr id="6152" name="Picture 8">
+            <a:extLst>
+              <a:ext uri="{FF2B5EF4-FFF2-40B4-BE49-F238E27FC236}">
+                <a16:creationId xmlns:a16="http://schemas.microsoft.com/office/drawing/2014/main" id="{CA402EBD-9B13-936F-7B71-C6373897150C}"/>
+              </a:ext>
+            </a:extLst>
+          </p:cNvPr>
+          <p:cNvPicPr>
+            <a:picLocks noChangeAspect="1" noChangeArrowheads="1"/>
+          </p:cNvPicPr>
+          <p:nvPr/>
+        </p:nvPicPr>
+        <p:blipFill>
+          <a:blip r:embed="rId5">
+            <a:extLst>
+              <a:ext uri="{28A0092B-C50C-407E-A947-70E740481C1C}">
+                <a14:useLocalDpi xmlns:a14="http://schemas.microsoft.com/office/drawing/2010/main" val="0"/>
+              </a:ext>
+            </a:extLst>
+          </a:blip>
+          <a:srcRect/>
+          <a:stretch>
+            <a:fillRect/>
+          </a:stretch>
+        </p:blipFill>
+        <p:spPr bwMode="auto">
+          <a:xfrm>
+            <a:off x="140572" y="3429000"/>
+            <a:ext cx="3270702" cy="3333600"/>
+          </a:xfrm>
+          <a:prstGeom prst="rect">
+            <a:avLst/>
+          </a:prstGeom>
+          <a:noFill/>
+          <a:extLst>
+            <a:ext uri="{909E8E84-426E-40DD-AFC4-6F175D3DCCD1}">
+              <a14:hiddenFill xmlns:a14="http://schemas.microsoft.com/office/drawing/2010/main">
+                <a:solidFill>
+                  <a:srgbClr val="FFFFFF"/>
+                </a:solidFill>
+              </a14:hiddenFill>
+            </a:ext>
+          </a:extLst>
+        </p:spPr>
+      </p:pic>
+      <p:pic>
+        <p:nvPicPr>
+          <p:cNvPr id="6154" name="Picture 10">
+            <a:extLst>
+              <a:ext uri="{FF2B5EF4-FFF2-40B4-BE49-F238E27FC236}">
+                <a16:creationId xmlns:a16="http://schemas.microsoft.com/office/drawing/2014/main" id="{D4BF71D8-FA92-C019-C6D6-A46153CB1B3A}"/>
+              </a:ext>
+            </a:extLst>
+          </p:cNvPr>
+          <p:cNvPicPr>
+            <a:picLocks noChangeAspect="1" noChangeArrowheads="1"/>
+          </p:cNvPicPr>
+          <p:nvPr/>
+        </p:nvPicPr>
+        <p:blipFill>
+          <a:blip r:embed="rId6">
+            <a:extLst>
+              <a:ext uri="{28A0092B-C50C-407E-A947-70E740481C1C}">
+                <a14:useLocalDpi xmlns:a14="http://schemas.microsoft.com/office/drawing/2010/main" val="0"/>
+              </a:ext>
+            </a:extLst>
+          </a:blip>
+          <a:srcRect/>
+          <a:stretch>
+            <a:fillRect/>
+          </a:stretch>
+        </p:blipFill>
+        <p:spPr bwMode="auto">
+          <a:xfrm>
+            <a:off x="3411273" y="3524400"/>
+            <a:ext cx="3270702" cy="3333600"/>
+          </a:xfrm>
+          <a:prstGeom prst="rect">
+            <a:avLst/>
+          </a:prstGeom>
+          <a:noFill/>
+          <a:extLst>
+            <a:ext uri="{909E8E84-426E-40DD-AFC4-6F175D3DCCD1}">
+              <a14:hiddenFill xmlns:a14="http://schemas.microsoft.com/office/drawing/2010/main">
+                <a:solidFill>
+                  <a:srgbClr val="FFFFFF"/>
+                </a:solidFill>
+              </a14:hiddenFill>
+            </a:ext>
+          </a:extLst>
+        </p:spPr>
+      </p:pic>
     </p:spTree>
     <p:extLst>
       <p:ext uri="{BB962C8B-B14F-4D97-AF65-F5344CB8AC3E}">
-        <p14:creationId xmlns:p14="http://schemas.microsoft.com/office/powerpoint/2010/main" val="1659475850"/>
+        <p14:creationId xmlns:p14="http://schemas.microsoft.com/office/powerpoint/2010/main" val="2912900375"/>
       </p:ext>
     </p:extLst>
   </p:cSld>
@@ -6391,181 +6420,68 @@
           <a:chExt cx="0" cy="0"/>
         </a:xfrm>
       </p:grpSpPr>
-      <p:sp>
-        <p:nvSpPr>
-          <p:cNvPr id="2" name="Τίτλος 1">
-            <a:extLst>
-              <a:ext uri="{FF2B5EF4-FFF2-40B4-BE49-F238E27FC236}">
-                <a16:creationId xmlns:a16="http://schemas.microsoft.com/office/drawing/2014/main" id="{F15DE645-1279-C54C-D4D5-5157A24214B4}"/>
-              </a:ext>
-            </a:extLst>
-          </p:cNvPr>
-          <p:cNvSpPr>
-            <a:spLocks noGrp="1"/>
-          </p:cNvSpPr>
-          <p:nvPr>
-            <p:ph type="title"/>
-          </p:nvPr>
-        </p:nvSpPr>
-        <p:spPr>
-          <a:xfrm>
-            <a:off x="609600" y="270802"/>
-            <a:ext cx="10972800" cy="752495"/>
-          </a:xfrm>
-        </p:spPr>
-        <p:txBody>
-          <a:bodyPr>
-            <a:normAutofit fontScale="90000"/>
-          </a:bodyPr>
-          <a:lstStyle/>
-          <a:p>
-            <a:r>
-              <a:rPr lang="el-GR" dirty="0">
-                <a:cs typeface="Posterama"/>
-              </a:rPr>
-              <a:t>Μέρος 2ο</a:t>
-            </a:r>
-            <a:endParaRPr lang="el-GR" dirty="0"/>
-          </a:p>
-        </p:txBody>
-      </p:sp>
-      <p:sp>
-        <p:nvSpPr>
-          <p:cNvPr id="3" name="Θέση περιεχομένου 2">
-            <a:extLst>
-              <a:ext uri="{FF2B5EF4-FFF2-40B4-BE49-F238E27FC236}">
-                <a16:creationId xmlns:a16="http://schemas.microsoft.com/office/drawing/2014/main" id="{2B967DD2-94EE-2762-99F8-C473DB1D6FFC}"/>
-              </a:ext>
-            </a:extLst>
-          </p:cNvPr>
-          <p:cNvSpPr>
-            <a:spLocks noGrp="1"/>
-          </p:cNvSpPr>
-          <p:nvPr>
-            <p:ph idx="1"/>
-          </p:nvPr>
-        </p:nvSpPr>
-        <p:spPr>
-          <a:xfrm>
-            <a:off x="609600" y="1103673"/>
-            <a:ext cx="10972800" cy="1860953"/>
-          </a:xfrm>
-        </p:spPr>
-        <p:txBody>
-          <a:bodyPr vert="horz" lIns="91440" tIns="45720" rIns="91440" bIns="45720" rtlCol="0" anchor="t">
-            <a:normAutofit fontScale="92500"/>
-          </a:bodyPr>
-          <a:lstStyle/>
-          <a:p>
-            <a:r>
-              <a:rPr lang="el-GR" dirty="0"/>
-              <a:t>Το δεύτερο μέρος της εργασίας περιλαμβάνει δύο διαφορετικά </a:t>
-            </a:r>
-            <a:r>
-              <a:rPr lang="el-GR" dirty="0" err="1"/>
-              <a:t>datasets</a:t>
-            </a:r>
-            <a:r>
-              <a:rPr lang="el-GR" dirty="0"/>
-              <a:t> όπου περιέχουν φάσματα της ηλιακής ακτινοβολίας δηλαδή δεδομένα εισόδου για την ροή ακτινοβολίας (</a:t>
-            </a:r>
-            <a:r>
-              <a:rPr lang="en-US" dirty="0"/>
-              <a:t>spectral </a:t>
-            </a:r>
-            <a:r>
-              <a:rPr lang="el-GR" dirty="0" err="1"/>
-              <a:t>irradiance</a:t>
-            </a:r>
-            <a:r>
-              <a:rPr lang="el-GR" dirty="0"/>
-              <a:t>) για διαφορετικά μήκη κύματος. Η διαφορά μεταξύ των δύο μετρήσεων έγκειται στην ακρίβεια καθώς το 1ο σετ που από εδώ και πέρα θα ονομάζεται </a:t>
-            </a:r>
-            <a:r>
-              <a:rPr lang="el-GR" dirty="0" err="1"/>
-              <a:t>kurudz</a:t>
-            </a:r>
-            <a:r>
-              <a:rPr lang="el-GR" dirty="0"/>
-              <a:t> έχει ακρίβεια 1nm και το 2ο σετ που ονομάζεται </a:t>
-            </a:r>
-            <a:r>
-              <a:rPr lang="el-GR" dirty="0" err="1"/>
-              <a:t>atlas_plus</a:t>
-            </a:r>
-            <a:r>
-              <a:rPr lang="el-GR" dirty="0"/>
-              <a:t> έχει ακρίβεια 0.05 nm. Παρακάτω εμφανίζονται τα δύο σετ σε αντιπαράθεση μεταξύ τους.</a:t>
-            </a:r>
-          </a:p>
-        </p:txBody>
-      </p:sp>
       <p:pic>
         <p:nvPicPr>
-          <p:cNvPr id="4" name="Εικόνα 3" descr="Εικόνα που περιέχει κείμενο, στιγμιότυπο οθόνης, γραμματοσειρά, αριθμός&#10;&#10;Περιγραφή που δημιουργήθηκε αυτόματα">
-            <a:extLst>
-              <a:ext uri="{FF2B5EF4-FFF2-40B4-BE49-F238E27FC236}">
-                <a16:creationId xmlns:a16="http://schemas.microsoft.com/office/drawing/2014/main" id="{D9BD9A25-FF1D-8D41-F8DE-74077A87C51F}"/>
+          <p:cNvPr id="11266" name="Picture 2">
+            <a:extLst>
+              <a:ext uri="{FF2B5EF4-FFF2-40B4-BE49-F238E27FC236}">
+                <a16:creationId xmlns:a16="http://schemas.microsoft.com/office/drawing/2014/main" id="{C4DD3C0D-CA6C-CC7B-1AF7-E50A6E53BC36}"/>
               </a:ext>
             </a:extLst>
           </p:cNvPr>
           <p:cNvPicPr>
-            <a:picLocks noChangeAspect="1"/>
+            <a:picLocks noChangeAspect="1" noChangeArrowheads="1"/>
           </p:cNvPicPr>
           <p:nvPr/>
         </p:nvPicPr>
         <p:blipFill>
-          <a:blip r:embed="rId2"/>
+          <a:blip r:embed="rId2">
+            <a:extLst>
+              <a:ext uri="{28A0092B-C50C-407E-A947-70E740481C1C}">
+                <a14:useLocalDpi xmlns:a14="http://schemas.microsoft.com/office/drawing/2010/main" val="0"/>
+              </a:ext>
+            </a:extLst>
+          </a:blip>
+          <a:srcRect/>
           <a:stretch>
             <a:fillRect/>
           </a:stretch>
         </p:blipFill>
-        <p:spPr>
-          <a:xfrm>
-            <a:off x="2739512" y="3062214"/>
-            <a:ext cx="3353924" cy="3522883"/>
+        <p:spPr bwMode="auto">
+          <a:xfrm>
+            <a:off x="254095" y="729000"/>
+            <a:ext cx="7179405" cy="5400000"/>
           </a:xfrm>
           <a:prstGeom prst="rect">
             <a:avLst/>
           </a:prstGeom>
-        </p:spPr>
-      </p:pic>
-      <p:pic>
-        <p:nvPicPr>
-          <p:cNvPr id="5" name="Εικόνα 4" descr="Εικόνα που περιέχει κείμενο, στιγμιότυπο οθόνης, γραμματοσειρά, αριθμός&#10;&#10;Περιγραφή που δημιουργήθηκε αυτόματα">
-            <a:extLst>
-              <a:ext uri="{FF2B5EF4-FFF2-40B4-BE49-F238E27FC236}">
-                <a16:creationId xmlns:a16="http://schemas.microsoft.com/office/drawing/2014/main" id="{E020A2B0-B1F6-CD4E-247D-A75AD2225156}"/>
-              </a:ext>
-            </a:extLst>
-          </p:cNvPr>
-          <p:cNvPicPr>
-            <a:picLocks noChangeAspect="1"/>
-          </p:cNvPicPr>
-          <p:nvPr/>
-        </p:nvPicPr>
-        <p:blipFill>
-          <a:blip r:embed="rId3"/>
-          <a:stretch>
-            <a:fillRect/>
-          </a:stretch>
-        </p:blipFill>
-        <p:spPr>
-          <a:xfrm>
-            <a:off x="6093534" y="3058551"/>
-            <a:ext cx="3355389" cy="3528647"/>
-          </a:xfrm>
-          <a:prstGeom prst="rect">
-            <a:avLst/>
-          </a:prstGeom>
+          <a:ln>
+            <a:noFill/>
+          </a:ln>
+          <a:effectLst>
+            <a:outerShdw blurRad="292100" dist="139700" dir="2700000" algn="tl" rotWithShape="0">
+              <a:srgbClr val="333333">
+                <a:alpha val="65000"/>
+              </a:srgbClr>
+            </a:outerShdw>
+          </a:effectLst>
+          <a:extLst>
+            <a:ext uri="{909E8E84-426E-40DD-AFC4-6F175D3DCCD1}">
+              <a14:hiddenFill xmlns:a14="http://schemas.microsoft.com/office/drawing/2010/main">
+                <a:solidFill>
+                  <a:srgbClr val="FFFFFF"/>
+                </a:solidFill>
+              </a14:hiddenFill>
+            </a:ext>
+          </a:extLst>
         </p:spPr>
       </p:pic>
       <p:sp>
         <p:nvSpPr>
-          <p:cNvPr id="6" name="TextBox 5">
-            <a:extLst>
-              <a:ext uri="{FF2B5EF4-FFF2-40B4-BE49-F238E27FC236}">
-                <a16:creationId xmlns:a16="http://schemas.microsoft.com/office/drawing/2014/main" id="{941BEBAF-EE0F-7D82-94AF-AD4A10CE22FA}"/>
+          <p:cNvPr id="2" name="TextBox 1">
+            <a:extLst>
+              <a:ext uri="{FF2B5EF4-FFF2-40B4-BE49-F238E27FC236}">
+                <a16:creationId xmlns:a16="http://schemas.microsoft.com/office/drawing/2014/main" id="{FC3D106D-A6C3-FCD5-5529-D7D9F22B66BC}"/>
               </a:ext>
             </a:extLst>
           </p:cNvPr>
@@ -6574,8 +6490,8 @@
         </p:nvSpPr>
         <p:spPr>
           <a:xfrm>
-            <a:off x="1660183" y="4820138"/>
-            <a:ext cx="926123" cy="369332"/>
+            <a:off x="7736542" y="1443841"/>
+            <a:ext cx="4034118" cy="4247317"/>
           </a:xfrm>
           <a:prstGeom prst="rect">
             <a:avLst/>
@@ -6583,65 +6499,23 @@
           <a:noFill/>
         </p:spPr>
         <p:txBody>
-          <a:bodyPr rot="0" spcFirstLastPara="0" vertOverflow="overflow" horzOverflow="overflow" vert="horz" wrap="square" lIns="91440" tIns="45720" rIns="91440" bIns="45720" numCol="1" spcCol="0" rtlCol="0" fromWordArt="0" anchor="t" anchorCtr="0" forceAA="0" compatLnSpc="1">
-            <a:prstTxWarp prst="textNoShape">
-              <a:avLst/>
-            </a:prstTxWarp>
+          <a:bodyPr wrap="square" rtlCol="0">
             <a:spAutoFit/>
           </a:bodyPr>
           <a:lstStyle/>
           <a:p>
-            <a:pPr algn="l"/>
-            <a:r>
-              <a:rPr lang="el-GR" dirty="0" err="1"/>
-              <a:t>kurudz</a:t>
-            </a:r>
-          </a:p>
-        </p:txBody>
-      </p:sp>
-      <p:sp>
-        <p:nvSpPr>
-          <p:cNvPr id="7" name="TextBox 6">
-            <a:extLst>
-              <a:ext uri="{FF2B5EF4-FFF2-40B4-BE49-F238E27FC236}">
-                <a16:creationId xmlns:a16="http://schemas.microsoft.com/office/drawing/2014/main" id="{4F46A0B3-610B-75AF-25F4-971F14592E22}"/>
-              </a:ext>
-            </a:extLst>
-          </p:cNvPr>
-          <p:cNvSpPr txBox="1"/>
-          <p:nvPr/>
-        </p:nvSpPr>
-        <p:spPr>
-          <a:xfrm>
-            <a:off x="9694007" y="4823850"/>
-            <a:ext cx="1266093" cy="369332"/>
-          </a:xfrm>
-          <a:prstGeom prst="rect">
-            <a:avLst/>
-          </a:prstGeom>
-          <a:noFill/>
-        </p:spPr>
-        <p:txBody>
-          <a:bodyPr rot="0" spcFirstLastPara="0" vertOverflow="overflow" horzOverflow="overflow" vert="horz" wrap="square" lIns="91440" tIns="45720" rIns="91440" bIns="45720" numCol="1" spcCol="0" rtlCol="0" fromWordArt="0" anchor="t" anchorCtr="0" forceAA="0" compatLnSpc="1">
-            <a:prstTxWarp prst="textNoShape">
-              <a:avLst/>
-            </a:prstTxWarp>
-            <a:spAutoFit/>
-          </a:bodyPr>
-          <a:lstStyle/>
-          <a:p>
-            <a:pPr algn="l"/>
-            <a:r>
-              <a:rPr lang="el-GR" dirty="0" err="1"/>
-              <a:t>atlas_plus</a:t>
-            </a:r>
+            <a:r>
+              <a:rPr lang="el-GR" dirty="0"/>
+              <a:t>Το οξυγόνο γνωρίζουμε ότι αποτελεί ένα από τα βασικά συστατικά της ατμόσφαιρας και μετά το άζωτο είναι το αέριο με το μεγαλύτερο ποσοστό συγκέντρωσης στην ατμόσφαιρα. Παρατηρούμε ότι δεν υπάρχει μεταβλητότητα στην συγκέντρωσή του λόγω μεταβολής του γεωγραφικού πλάτους καθώς επίσης δεν παρατηρείται ούτε εποχική εξάρτηση. Η συγκέντρωσή του παραμένει σταθερή και για τις 5 περιπτώσεις που μελετάμε και το ποσοστό συγκέντρωσής του σε μία ατμοσφαιρική στήλη ισούται με 21.91%</a:t>
+            </a:r>
+            <a:endParaRPr lang="en-GB" dirty="0"/>
           </a:p>
         </p:txBody>
       </p:sp>
     </p:spTree>
     <p:extLst>
       <p:ext uri="{BB962C8B-B14F-4D97-AF65-F5344CB8AC3E}">
-        <p14:creationId xmlns:p14="http://schemas.microsoft.com/office/powerpoint/2010/main" val="4020534852"/>
+        <p14:creationId xmlns:p14="http://schemas.microsoft.com/office/powerpoint/2010/main" val="387930410"/>
       </p:ext>
     </p:extLst>
   </p:cSld>
@@ -6670,39 +6544,57 @@
       </p:grpSpPr>
       <p:pic>
         <p:nvPicPr>
-          <p:cNvPr id="7" name="Θέση περιεχομένου 6" descr="Εικόνα που περιέχει κείμενο, διάγραμμα, στιγμιότυπο οθόνης, γράφημα&#10;&#10;Περιγραφή που δημιουργήθηκε αυτόματα">
-            <a:extLst>
-              <a:ext uri="{FF2B5EF4-FFF2-40B4-BE49-F238E27FC236}">
-                <a16:creationId xmlns:a16="http://schemas.microsoft.com/office/drawing/2014/main" id="{BADD0168-9FDC-79DF-AACE-B02B4DD2B211}"/>
+          <p:cNvPr id="2050" name="Picture 2">
+            <a:extLst>
+              <a:ext uri="{FF2B5EF4-FFF2-40B4-BE49-F238E27FC236}">
+                <a16:creationId xmlns:a16="http://schemas.microsoft.com/office/drawing/2014/main" id="{45A31EBA-A0AA-3D25-5915-D12C657CBE6F}"/>
               </a:ext>
             </a:extLst>
           </p:cNvPr>
           <p:cNvPicPr>
-            <a:picLocks noGrp="1" noChangeAspect="1"/>
+            <a:picLocks noChangeAspect="1" noChangeArrowheads="1"/>
           </p:cNvPicPr>
-          <p:nvPr>
-            <p:ph sz="half" idx="2"/>
-          </p:nvPr>
+          <p:nvPr/>
         </p:nvPicPr>
         <p:blipFill>
-          <a:blip r:embed="rId2"/>
+          <a:blip r:embed="rId2">
+            <a:extLst>
+              <a:ext uri="{28A0092B-C50C-407E-A947-70E740481C1C}">
+                <a14:useLocalDpi xmlns:a14="http://schemas.microsoft.com/office/drawing/2010/main" val="0"/>
+              </a:ext>
+            </a:extLst>
+          </a:blip>
+          <a:srcRect/>
           <a:stretch>
             <a:fillRect/>
           </a:stretch>
         </p:blipFill>
-        <p:spPr>
-          <a:xfrm>
-            <a:off x="6345201" y="1773383"/>
-            <a:ext cx="5199928" cy="4972383"/>
-          </a:xfrm>
+        <p:spPr bwMode="auto">
+          <a:xfrm>
+            <a:off x="351025" y="729000"/>
+            <a:ext cx="7253547" cy="5400000"/>
+          </a:xfrm>
+          <a:prstGeom prst="rect">
+            <a:avLst/>
+          </a:prstGeom>
+          <a:noFill/>
+          <a:extLst>
+            <a:ext uri="{909E8E84-426E-40DD-AFC4-6F175D3DCCD1}">
+              <a14:hiddenFill xmlns:a14="http://schemas.microsoft.com/office/drawing/2010/main">
+                <a:solidFill>
+                  <a:srgbClr val="FFFFFF"/>
+                </a:solidFill>
+              </a14:hiddenFill>
+            </a:ext>
+          </a:extLst>
         </p:spPr>
       </p:pic>
       <p:sp>
         <p:nvSpPr>
-          <p:cNvPr id="5" name="TextBox 4">
-            <a:extLst>
-              <a:ext uri="{FF2B5EF4-FFF2-40B4-BE49-F238E27FC236}">
-                <a16:creationId xmlns:a16="http://schemas.microsoft.com/office/drawing/2014/main" id="{416A63A7-5335-6D49-1E5F-9C1C142222B7}"/>
+          <p:cNvPr id="2" name="TextBox 1">
+            <a:extLst>
+              <a:ext uri="{FF2B5EF4-FFF2-40B4-BE49-F238E27FC236}">
+                <a16:creationId xmlns:a16="http://schemas.microsoft.com/office/drawing/2014/main" id="{D2D8AF94-54B3-E2A0-D797-96D64EF4FBFE}"/>
               </a:ext>
             </a:extLst>
           </p:cNvPr>
@@ -6711,8 +6603,8 @@
         </p:nvSpPr>
         <p:spPr>
           <a:xfrm>
-            <a:off x="781050" y="212436"/>
-            <a:ext cx="10629900" cy="1477328"/>
+            <a:off x="8059270" y="1997839"/>
+            <a:ext cx="3854823" cy="2862322"/>
           </a:xfrm>
           <a:prstGeom prst="rect">
             <a:avLst/>
@@ -6720,78 +6612,23 @@
           <a:noFill/>
         </p:spPr>
         <p:txBody>
-          <a:bodyPr rot="0" spcFirstLastPara="0" vertOverflow="overflow" horzOverflow="overflow" vert="horz" wrap="square" lIns="91440" tIns="45720" rIns="91440" bIns="45720" numCol="1" spcCol="0" rtlCol="0" fromWordArt="0" anchor="t" anchorCtr="0" forceAA="0" compatLnSpc="1">
-            <a:prstTxWarp prst="textNoShape">
-              <a:avLst/>
-            </a:prstTxWarp>
+          <a:bodyPr wrap="square" rtlCol="0">
             <a:spAutoFit/>
           </a:bodyPr>
           <a:lstStyle/>
           <a:p>
             <a:r>
               <a:rPr lang="el-GR" dirty="0"/>
-              <a:t>Αρχικά, κόψαμε τις τιμές του μήκους κύματος που ξεπερνούσαν τα 2.500nm στο 1</a:t>
-            </a:r>
-            <a:r>
-              <a:rPr lang="el-GR" baseline="30000" dirty="0"/>
-              <a:t>ο</a:t>
-            </a:r>
-            <a:r>
-              <a:rPr lang="el-GR" dirty="0"/>
-              <a:t> σετ μετρήσεων και κάναμε μία πρώτη γραφική παράσταση έτσι ώστε να έχουμε μία καλύτερη εικόνα των δεδομένων. Με μωβ χρώμα απεικονίζεται το σετ </a:t>
-            </a:r>
-            <a:r>
-              <a:rPr lang="el-GR" dirty="0" err="1"/>
-              <a:t>kurudz</a:t>
-            </a:r>
-            <a:r>
-              <a:rPr lang="el-GR" dirty="0"/>
-              <a:t> και με πράσινο το </a:t>
-            </a:r>
-            <a:r>
-              <a:rPr lang="el-GR" dirty="0" err="1"/>
-              <a:t>atlas_plus</a:t>
-            </a:r>
-            <a:r>
-              <a:rPr lang="el-GR" dirty="0"/>
-              <a:t>. Είναι εμφανές ότι το ένα σετ περιέχει τιμές σε μεγαλύτερο εύρος όσων αφορά το μήκος κύματος ενώ το δεύτερο έχει περισσότερες τιμές της ακτινοβολίας σε μικρότερο εύρος. </a:t>
-            </a:r>
+              <a:t>Το οξυγόνο αποτελεί από τα μόνιμα αέρια της ατμόσφαιρας, δηλαδή από τα συστατικά εκείνα των οποίων η συγκέντρωση παραμένει σταθερή με την αύξηση του ύψους. Συνεπώς, δεν αποτελεί έκπληξη το γεγονός ότι δεν παρατηρούμε μεταβολές στην συγκέντρωσή του ούτε με την αλλαγή του γεωγραφικού πλάτους αλλά ούτε και με την αλλαγή της εποχής.</a:t>
+            </a:r>
+            <a:endParaRPr lang="en-GB" dirty="0"/>
           </a:p>
         </p:txBody>
       </p:sp>
-      <p:pic>
-        <p:nvPicPr>
-          <p:cNvPr id="12" name="Θέση περιεχομένου 11">
-            <a:extLst>
-              <a:ext uri="{FF2B5EF4-FFF2-40B4-BE49-F238E27FC236}">
-                <a16:creationId xmlns:a16="http://schemas.microsoft.com/office/drawing/2014/main" id="{DBB41800-D14A-4DF9-DFD3-57D50D6010DE}"/>
-              </a:ext>
-            </a:extLst>
-          </p:cNvPr>
-          <p:cNvPicPr>
-            <a:picLocks noGrp="1" noChangeAspect="1"/>
-          </p:cNvPicPr>
-          <p:nvPr>
-            <p:ph sz="half" idx="1"/>
-          </p:nvPr>
-        </p:nvPicPr>
-        <p:blipFill>
-          <a:blip r:embed="rId3"/>
-          <a:stretch>
-            <a:fillRect/>
-          </a:stretch>
-        </p:blipFill>
-        <p:spPr>
-          <a:xfrm>
-            <a:off x="320042" y="1773383"/>
-            <a:ext cx="5526759" cy="5084618"/>
-          </a:xfrm>
-        </p:spPr>
-      </p:pic>
     </p:spTree>
     <p:extLst>
       <p:ext uri="{BB962C8B-B14F-4D97-AF65-F5344CB8AC3E}">
-        <p14:creationId xmlns:p14="http://schemas.microsoft.com/office/powerpoint/2010/main" val="1761082859"/>
+        <p14:creationId xmlns:p14="http://schemas.microsoft.com/office/powerpoint/2010/main" val="1249075631"/>
       </p:ext>
     </p:extLst>
   </p:cSld>
@@ -6818,119 +6655,289 @@
           <a:chExt cx="0" cy="0"/>
         </a:xfrm>
       </p:grpSpPr>
+      <p:sp>
+        <p:nvSpPr>
+          <p:cNvPr id="2" name="TextBox 1">
+            <a:extLst>
+              <a:ext uri="{FF2B5EF4-FFF2-40B4-BE49-F238E27FC236}">
+                <a16:creationId xmlns:a16="http://schemas.microsoft.com/office/drawing/2014/main" id="{2ADF8E23-AF74-2FF9-C499-3687EDDAE83E}"/>
+              </a:ext>
+            </a:extLst>
+          </p:cNvPr>
+          <p:cNvSpPr txBox="1"/>
+          <p:nvPr/>
+        </p:nvSpPr>
+        <p:spPr>
+          <a:xfrm>
+            <a:off x="6929718" y="192539"/>
+            <a:ext cx="5011271" cy="3139321"/>
+          </a:xfrm>
+          <a:prstGeom prst="rect">
+            <a:avLst/>
+          </a:prstGeom>
+          <a:noFill/>
+        </p:spPr>
+        <p:txBody>
+          <a:bodyPr wrap="square" rtlCol="0">
+            <a:spAutoFit/>
+          </a:bodyPr>
+          <a:lstStyle/>
+          <a:p>
+            <a:r>
+              <a:rPr lang="el-GR" dirty="0"/>
+              <a:t>Το </a:t>
+            </a:r>
+            <a:r>
+              <a:rPr lang="en-US" dirty="0"/>
+              <a:t>CO2 </a:t>
+            </a:r>
+            <a:r>
+              <a:rPr lang="el-GR" dirty="0"/>
+              <a:t>θεωρείται ένας από τους κύριους ρύπους της ατμόσφαιρας και ένα από τα βασικά αέρια του θερμοκηπίου το οποίο προέρχεται τόσο από ανθρωπογενείς παράγοντες (π.χ. καύση) όσο και από φυσικές διεργασίες (π.χ. έκρηξη ηφαιστείου). Ισχύουν αντίστοιχα και για το αέριο αυτό τα όσα αναφέραμε και για το οξυγόνο. Παρατηρείται και εδώ εκθετική μείωση της συγκέντρωσής του σε σχέση με το υψόμετρο καθώς και επίσης ελαφρώς μεγαλύτερες τιμές κατά τους χειμερινούς μήνες λόγω της μειωμένης θερμοκρασίας. </a:t>
+            </a:r>
+            <a:endParaRPr lang="en-GB" dirty="0"/>
+          </a:p>
+        </p:txBody>
+      </p:sp>
       <p:pic>
         <p:nvPicPr>
-          <p:cNvPr id="9" name="Θέση περιεχομένου 8" descr="Εικόνα που περιέχει κείμενο, στιγμιότυπο οθόνης, γράφημα, διάγραμμα&#10;&#10;Περιγραφή που δημιουργήθηκε αυτόματα">
-            <a:extLst>
-              <a:ext uri="{FF2B5EF4-FFF2-40B4-BE49-F238E27FC236}">
-                <a16:creationId xmlns:a16="http://schemas.microsoft.com/office/drawing/2014/main" id="{BB47D059-5FF1-2F68-1921-95631DE2D8BF}"/>
+          <p:cNvPr id="7170" name="Picture 2">
+            <a:extLst>
+              <a:ext uri="{FF2B5EF4-FFF2-40B4-BE49-F238E27FC236}">
+                <a16:creationId xmlns:a16="http://schemas.microsoft.com/office/drawing/2014/main" id="{0692A567-0344-D304-7950-3E36370A34E1}"/>
               </a:ext>
             </a:extLst>
           </p:cNvPr>
           <p:cNvPicPr>
-            <a:picLocks noGrp="1" noChangeAspect="1"/>
+            <a:picLocks noChangeAspect="1" noChangeArrowheads="1"/>
           </p:cNvPicPr>
-          <p:nvPr>
-            <p:ph sz="half" idx="1"/>
-          </p:nvPr>
+          <p:nvPr/>
         </p:nvPicPr>
         <p:blipFill>
-          <a:blip r:embed="rId2"/>
+          <a:blip r:embed="rId2">
+            <a:extLst>
+              <a:ext uri="{28A0092B-C50C-407E-A947-70E740481C1C}">
+                <a14:useLocalDpi xmlns:a14="http://schemas.microsoft.com/office/drawing/2010/main" val="0"/>
+              </a:ext>
+            </a:extLst>
+          </a:blip>
+          <a:srcRect/>
           <a:stretch>
             <a:fillRect/>
           </a:stretch>
         </p:blipFill>
-        <p:spPr>
-          <a:xfrm>
-            <a:off x="773823" y="2081369"/>
-            <a:ext cx="4867469" cy="4552793"/>
-          </a:xfrm>
+        <p:spPr bwMode="auto">
+          <a:xfrm>
+            <a:off x="7800002" y="3526141"/>
+            <a:ext cx="3270702" cy="3333600"/>
+          </a:xfrm>
+          <a:prstGeom prst="rect">
+            <a:avLst/>
+          </a:prstGeom>
+          <a:noFill/>
+          <a:extLst>
+            <a:ext uri="{909E8E84-426E-40DD-AFC4-6F175D3DCCD1}">
+              <a14:hiddenFill xmlns:a14="http://schemas.microsoft.com/office/drawing/2010/main">
+                <a:solidFill>
+                  <a:srgbClr val="FFFFFF"/>
+                </a:solidFill>
+              </a14:hiddenFill>
+            </a:ext>
+          </a:extLst>
         </p:spPr>
       </p:pic>
       <p:pic>
         <p:nvPicPr>
-          <p:cNvPr id="7" name="Θέση περιεχομένου 6" descr="Εικόνα που περιέχει κείμενο, διάγραμμα, στιγμιότυπο οθόνης, γράφημα&#10;&#10;Περιγραφή που δημιουργήθηκε αυτόματα">
-            <a:extLst>
-              <a:ext uri="{FF2B5EF4-FFF2-40B4-BE49-F238E27FC236}">
-                <a16:creationId xmlns:a16="http://schemas.microsoft.com/office/drawing/2014/main" id="{06A60417-32E9-38CF-B281-EB1D88F4AB8E}"/>
+          <p:cNvPr id="7172" name="Picture 4">
+            <a:extLst>
+              <a:ext uri="{FF2B5EF4-FFF2-40B4-BE49-F238E27FC236}">
+                <a16:creationId xmlns:a16="http://schemas.microsoft.com/office/drawing/2014/main" id="{70054D6C-115B-980D-E253-35C25BACE169}"/>
               </a:ext>
             </a:extLst>
           </p:cNvPr>
           <p:cNvPicPr>
-            <a:picLocks noGrp="1" noChangeAspect="1"/>
+            <a:picLocks noChangeAspect="1" noChangeArrowheads="1"/>
           </p:cNvPicPr>
-          <p:nvPr>
-            <p:ph sz="half" idx="2"/>
-          </p:nvPr>
+          <p:nvPr/>
         </p:nvPicPr>
         <p:blipFill>
-          <a:blip r:embed="rId3"/>
+          <a:blip r:embed="rId3">
+            <a:extLst>
+              <a:ext uri="{28A0092B-C50C-407E-A947-70E740481C1C}">
+                <a14:useLocalDpi xmlns:a14="http://schemas.microsoft.com/office/drawing/2010/main" val="0"/>
+              </a:ext>
+            </a:extLst>
+          </a:blip>
+          <a:srcRect/>
           <a:stretch>
             <a:fillRect/>
           </a:stretch>
         </p:blipFill>
-        <p:spPr>
-          <a:xfrm>
-            <a:off x="6550710" y="2081368"/>
-            <a:ext cx="4867851" cy="4552793"/>
-          </a:xfrm>
-        </p:spPr>
-      </p:pic>
-      <p:sp>
-        <p:nvSpPr>
-          <p:cNvPr id="8" name="TextBox 7">
-            <a:extLst>
-              <a:ext uri="{FF2B5EF4-FFF2-40B4-BE49-F238E27FC236}">
-                <a16:creationId xmlns:a16="http://schemas.microsoft.com/office/drawing/2014/main" id="{7C1FFD2D-2B2E-D3C9-E439-97A0577194FC}"/>
-              </a:ext>
-            </a:extLst>
-          </p:cNvPr>
-          <p:cNvSpPr txBox="1"/>
-          <p:nvPr/>
-        </p:nvSpPr>
-        <p:spPr>
-          <a:xfrm>
-            <a:off x="915767" y="360484"/>
-            <a:ext cx="10360269" cy="1477328"/>
+        <p:spPr bwMode="auto">
+          <a:xfrm>
+            <a:off x="140572" y="95400"/>
+            <a:ext cx="3270702" cy="3333600"/>
           </a:xfrm>
           <a:prstGeom prst="rect">
             <a:avLst/>
           </a:prstGeom>
           <a:noFill/>
-        </p:spPr>
-        <p:txBody>
-          <a:bodyPr rot="0" spcFirstLastPara="0" vertOverflow="overflow" horzOverflow="overflow" vert="horz" wrap="square" lIns="91440" tIns="45720" rIns="91440" bIns="45720" numCol="1" spcCol="0" rtlCol="0" fromWordArt="0" anchor="t" anchorCtr="0" forceAA="0" compatLnSpc="1">
-            <a:prstTxWarp prst="textNoShape">
-              <a:avLst/>
-            </a:prstTxWarp>
-            <a:spAutoFit/>
-          </a:bodyPr>
-          <a:lstStyle/>
-          <a:p>
-            <a:r>
-              <a:rPr lang="el-GR" dirty="0"/>
-              <a:t>Για καλύτερη σύγκριση των δύο σετ, ζουμάρουμε στην 1η γραφική έτσι ώστε να μελετάμε το ίδιο κομμάτι του φάσματος και στις 2 περιπτώσεις. Με μία πρώτη ματιά παρατηρούμε σαφώς ότι η 2η γραφική είναι πιο πυκνή, κάτι που είναι αναμενόμενο καθώς είναι "φορτωμένη" με περισσότερα δεδομένα. Το σημαντικό που πρέπει να σχολιαστεί είναι το γεγονός ότι και οι δύο καμπύλες έχουν την ίδια μορφολογία και παρατηρούμε τα ίδια </a:t>
-            </a:r>
-            <a:r>
-              <a:rPr lang="el-GR" dirty="0" err="1"/>
-              <a:t>peaks</a:t>
-            </a:r>
-            <a:r>
-              <a:rPr lang="el-GR" dirty="0"/>
-              <a:t> (τόσο για τις ελάχιστες όσο και για τις μέγιστες τιμές)</a:t>
-            </a:r>
-            <a:r>
-              <a:rPr lang="en-US" dirty="0"/>
-              <a:t>.</a:t>
-            </a:r>
-            <a:endParaRPr lang="el-GR" dirty="0"/>
-          </a:p>
-        </p:txBody>
-      </p:sp>
+          <a:extLst>
+            <a:ext uri="{909E8E84-426E-40DD-AFC4-6F175D3DCCD1}">
+              <a14:hiddenFill xmlns:a14="http://schemas.microsoft.com/office/drawing/2010/main">
+                <a:solidFill>
+                  <a:srgbClr val="FFFFFF"/>
+                </a:solidFill>
+              </a14:hiddenFill>
+            </a:ext>
+          </a:extLst>
+        </p:spPr>
+      </p:pic>
+      <p:pic>
+        <p:nvPicPr>
+          <p:cNvPr id="7174" name="Picture 6">
+            <a:extLst>
+              <a:ext uri="{FF2B5EF4-FFF2-40B4-BE49-F238E27FC236}">
+                <a16:creationId xmlns:a16="http://schemas.microsoft.com/office/drawing/2014/main" id="{C7D3685A-ABF1-6DC3-C859-2CA346564864}"/>
+              </a:ext>
+            </a:extLst>
+          </p:cNvPr>
+          <p:cNvPicPr>
+            <a:picLocks noChangeAspect="1" noChangeArrowheads="1"/>
+          </p:cNvPicPr>
+          <p:nvPr/>
+        </p:nvPicPr>
+        <p:blipFill>
+          <a:blip r:embed="rId4">
+            <a:extLst>
+              <a:ext uri="{28A0092B-C50C-407E-A947-70E740481C1C}">
+                <a14:useLocalDpi xmlns:a14="http://schemas.microsoft.com/office/drawing/2010/main" val="0"/>
+              </a:ext>
+            </a:extLst>
+          </a:blip>
+          <a:srcRect/>
+          <a:stretch>
+            <a:fillRect/>
+          </a:stretch>
+        </p:blipFill>
+        <p:spPr bwMode="auto">
+          <a:xfrm>
+            <a:off x="3397631" y="95400"/>
+            <a:ext cx="3270702" cy="3333600"/>
+          </a:xfrm>
+          <a:prstGeom prst="rect">
+            <a:avLst/>
+          </a:prstGeom>
+          <a:noFill/>
+          <a:extLst>
+            <a:ext uri="{909E8E84-426E-40DD-AFC4-6F175D3DCCD1}">
+              <a14:hiddenFill xmlns:a14="http://schemas.microsoft.com/office/drawing/2010/main">
+                <a:solidFill>
+                  <a:srgbClr val="FFFFFF"/>
+                </a:solidFill>
+              </a14:hiddenFill>
+            </a:ext>
+          </a:extLst>
+        </p:spPr>
+      </p:pic>
+      <p:pic>
+        <p:nvPicPr>
+          <p:cNvPr id="7176" name="Picture 8">
+            <a:extLst>
+              <a:ext uri="{FF2B5EF4-FFF2-40B4-BE49-F238E27FC236}">
+                <a16:creationId xmlns:a16="http://schemas.microsoft.com/office/drawing/2014/main" id="{83CF91BC-50AC-7614-E8B8-A23E9D6692D5}"/>
+              </a:ext>
+            </a:extLst>
+          </p:cNvPr>
+          <p:cNvPicPr>
+            <a:picLocks noChangeAspect="1" noChangeArrowheads="1"/>
+          </p:cNvPicPr>
+          <p:nvPr/>
+        </p:nvPicPr>
+        <p:blipFill>
+          <a:blip r:embed="rId5">
+            <a:extLst>
+              <a:ext uri="{28A0092B-C50C-407E-A947-70E740481C1C}">
+                <a14:useLocalDpi xmlns:a14="http://schemas.microsoft.com/office/drawing/2010/main" val="0"/>
+              </a:ext>
+            </a:extLst>
+          </a:blip>
+          <a:srcRect/>
+          <a:stretch>
+            <a:fillRect/>
+          </a:stretch>
+        </p:blipFill>
+        <p:spPr bwMode="auto">
+          <a:xfrm>
+            <a:off x="154215" y="3331860"/>
+            <a:ext cx="3270702" cy="3333600"/>
+          </a:xfrm>
+          <a:prstGeom prst="rect">
+            <a:avLst/>
+          </a:prstGeom>
+          <a:noFill/>
+          <a:extLst>
+            <a:ext uri="{909E8E84-426E-40DD-AFC4-6F175D3DCCD1}">
+              <a14:hiddenFill xmlns:a14="http://schemas.microsoft.com/office/drawing/2010/main">
+                <a:solidFill>
+                  <a:srgbClr val="FFFFFF"/>
+                </a:solidFill>
+              </a14:hiddenFill>
+            </a:ext>
+          </a:extLst>
+        </p:spPr>
+      </p:pic>
+      <p:pic>
+        <p:nvPicPr>
+          <p:cNvPr id="7178" name="Picture 10">
+            <a:extLst>
+              <a:ext uri="{FF2B5EF4-FFF2-40B4-BE49-F238E27FC236}">
+                <a16:creationId xmlns:a16="http://schemas.microsoft.com/office/drawing/2014/main" id="{3FB1F9C8-08D5-47C0-1C42-08BB8FB7E394}"/>
+              </a:ext>
+            </a:extLst>
+          </p:cNvPr>
+          <p:cNvPicPr>
+            <a:picLocks noChangeAspect="1" noChangeArrowheads="1"/>
+          </p:cNvPicPr>
+          <p:nvPr/>
+        </p:nvPicPr>
+        <p:blipFill>
+          <a:blip r:embed="rId6">
+            <a:extLst>
+              <a:ext uri="{28A0092B-C50C-407E-A947-70E740481C1C}">
+                <a14:useLocalDpi xmlns:a14="http://schemas.microsoft.com/office/drawing/2010/main" val="0"/>
+              </a:ext>
+            </a:extLst>
+          </a:blip>
+          <a:srcRect/>
+          <a:stretch>
+            <a:fillRect/>
+          </a:stretch>
+        </p:blipFill>
+        <p:spPr bwMode="auto">
+          <a:xfrm>
+            <a:off x="3411274" y="3428999"/>
+            <a:ext cx="3270702" cy="3333600"/>
+          </a:xfrm>
+          <a:prstGeom prst="rect">
+            <a:avLst/>
+          </a:prstGeom>
+          <a:noFill/>
+          <a:extLst>
+            <a:ext uri="{909E8E84-426E-40DD-AFC4-6F175D3DCCD1}">
+              <a14:hiddenFill xmlns:a14="http://schemas.microsoft.com/office/drawing/2010/main">
+                <a:solidFill>
+                  <a:srgbClr val="FFFFFF"/>
+                </a:solidFill>
+              </a14:hiddenFill>
+            </a:ext>
+          </a:extLst>
+        </p:spPr>
+      </p:pic>
     </p:spTree>
     <p:extLst>
       <p:ext uri="{BB962C8B-B14F-4D97-AF65-F5344CB8AC3E}">
-        <p14:creationId xmlns:p14="http://schemas.microsoft.com/office/powerpoint/2010/main" val="4261702434"/>
+        <p14:creationId xmlns:p14="http://schemas.microsoft.com/office/powerpoint/2010/main" val="3072515677"/>
       </p:ext>
     </p:extLst>
   </p:cSld>
@@ -8191,12 +8198,68 @@
           <a:chExt cx="0" cy="0"/>
         </a:xfrm>
       </p:grpSpPr>
+      <p:pic>
+        <p:nvPicPr>
+          <p:cNvPr id="13314" name="Picture 2">
+            <a:extLst>
+              <a:ext uri="{FF2B5EF4-FFF2-40B4-BE49-F238E27FC236}">
+                <a16:creationId xmlns:a16="http://schemas.microsoft.com/office/drawing/2014/main" id="{2FF70BA0-8B18-70E2-6A79-4ADDC072D4B6}"/>
+              </a:ext>
+            </a:extLst>
+          </p:cNvPr>
+          <p:cNvPicPr>
+            <a:picLocks noChangeAspect="1" noChangeArrowheads="1"/>
+          </p:cNvPicPr>
+          <p:nvPr/>
+        </p:nvPicPr>
+        <p:blipFill>
+          <a:blip r:embed="rId2">
+            <a:extLst>
+              <a:ext uri="{28A0092B-C50C-407E-A947-70E740481C1C}">
+                <a14:useLocalDpi xmlns:a14="http://schemas.microsoft.com/office/drawing/2010/main" val="0"/>
+              </a:ext>
+            </a:extLst>
+          </a:blip>
+          <a:srcRect/>
+          <a:stretch>
+            <a:fillRect/>
+          </a:stretch>
+        </p:blipFill>
+        <p:spPr bwMode="auto">
+          <a:xfrm>
+            <a:off x="166408" y="729000"/>
+            <a:ext cx="7290618" cy="5400000"/>
+          </a:xfrm>
+          <a:prstGeom prst="rect">
+            <a:avLst/>
+          </a:prstGeom>
+          <a:ln>
+            <a:noFill/>
+          </a:ln>
+          <a:effectLst>
+            <a:outerShdw blurRad="292100" dist="139700" dir="2700000" algn="tl" rotWithShape="0">
+              <a:srgbClr val="333333">
+                <a:alpha val="65000"/>
+              </a:srgbClr>
+            </a:outerShdw>
+          </a:effectLst>
+          <a:extLst>
+            <a:ext uri="{909E8E84-426E-40DD-AFC4-6F175D3DCCD1}">
+              <a14:hiddenFill xmlns:a14="http://schemas.microsoft.com/office/drawing/2010/main">
+                <a:solidFill>
+                  <a:srgbClr val="FFFFFF"/>
+                </a:solidFill>
+              </a14:hiddenFill>
+            </a:ext>
+          </a:extLst>
+        </p:spPr>
+      </p:pic>
       <p:sp>
         <p:nvSpPr>
-          <p:cNvPr id="12" name="TextBox 11">
-            <a:extLst>
-              <a:ext uri="{FF2B5EF4-FFF2-40B4-BE49-F238E27FC236}">
-                <a16:creationId xmlns:a16="http://schemas.microsoft.com/office/drawing/2014/main" id="{9D5A7CEC-D0D6-92C0-BEBA-6FAD982F56BA}"/>
+          <p:cNvPr id="2" name="TextBox 1">
+            <a:extLst>
+              <a:ext uri="{FF2B5EF4-FFF2-40B4-BE49-F238E27FC236}">
+                <a16:creationId xmlns:a16="http://schemas.microsoft.com/office/drawing/2014/main" id="{639BEB9C-D4B0-B473-0FDA-C38187E67D64}"/>
               </a:ext>
             </a:extLst>
           </p:cNvPr>
@@ -8205,8 +8268,8 @@
         </p:nvSpPr>
         <p:spPr>
           <a:xfrm>
-            <a:off x="720436" y="240147"/>
-            <a:ext cx="11083636" cy="1477328"/>
+            <a:off x="8081121" y="2413337"/>
+            <a:ext cx="3944471" cy="2031325"/>
           </a:xfrm>
           <a:prstGeom prst="rect">
             <a:avLst/>
@@ -8221,94 +8284,597 @@
           <a:p>
             <a:r>
               <a:rPr lang="el-GR" dirty="0"/>
-              <a:t>Στην συνέχεια, κάνουμε μέσες τιμές για την ακτινοβολία για το </a:t>
+              <a:t>Τέλος, όσων αφορά την συγκέντρωση του διοξειδίου του άνθρακα στην ατμόσφαιρα, παρατηρούμε ότι είναι λίγο μικρότερη από 0.04% και ότι παραμένει σταθερή τόσο με την μεταβολή του γεωγραφικού πλάτους όσο και με την μεταβολή της εποχής. </a:t>
+            </a:r>
+            <a:endParaRPr lang="en-GB" dirty="0"/>
+          </a:p>
+        </p:txBody>
+      </p:sp>
+    </p:spTree>
+    <p:extLst>
+      <p:ext uri="{BB962C8B-B14F-4D97-AF65-F5344CB8AC3E}">
+        <p14:creationId xmlns:p14="http://schemas.microsoft.com/office/powerpoint/2010/main" val="1659475850"/>
+      </p:ext>
+    </p:extLst>
+  </p:cSld>
+  <p:clrMapOvr>
+    <a:masterClrMapping/>
+  </p:clrMapOvr>
+</p:sld>
+</file>
+
+<file path=ppt/slides/slide21.xml><?xml version="1.0" encoding="utf-8"?>
+<p:sld xmlns:a="http://schemas.openxmlformats.org/drawingml/2006/main" xmlns:r="http://schemas.openxmlformats.org/officeDocument/2006/relationships" xmlns:p="http://schemas.openxmlformats.org/presentationml/2006/main">
+  <p:cSld>
+    <p:spTree>
+      <p:nvGrpSpPr>
+        <p:cNvPr id="1" name=""/>
+        <p:cNvGrpSpPr/>
+        <p:nvPr/>
+      </p:nvGrpSpPr>
+      <p:grpSpPr>
+        <a:xfrm>
+          <a:off x="0" y="0"/>
+          <a:ext cx="0" cy="0"/>
+          <a:chOff x="0" y="0"/>
+          <a:chExt cx="0" cy="0"/>
+        </a:xfrm>
+      </p:grpSpPr>
+      <p:pic>
+        <p:nvPicPr>
+          <p:cNvPr id="4098" name="Picture 2">
+            <a:extLst>
+              <a:ext uri="{FF2B5EF4-FFF2-40B4-BE49-F238E27FC236}">
+                <a16:creationId xmlns:a16="http://schemas.microsoft.com/office/drawing/2014/main" id="{D73C7C46-D56B-3C09-E0E3-8374CADE9014}"/>
+              </a:ext>
+            </a:extLst>
+          </p:cNvPr>
+          <p:cNvPicPr>
+            <a:picLocks noChangeAspect="1" noChangeArrowheads="1"/>
+          </p:cNvPicPr>
+          <p:nvPr/>
+        </p:nvPicPr>
+        <p:blipFill>
+          <a:blip r:embed="rId2">
+            <a:extLst>
+              <a:ext uri="{28A0092B-C50C-407E-A947-70E740481C1C}">
+                <a14:useLocalDpi xmlns:a14="http://schemas.microsoft.com/office/drawing/2010/main" val="0"/>
+              </a:ext>
+            </a:extLst>
+          </a:blip>
+          <a:srcRect/>
+          <a:stretch>
+            <a:fillRect/>
+          </a:stretch>
+        </p:blipFill>
+        <p:spPr bwMode="auto">
+          <a:xfrm>
+            <a:off x="422462" y="729000"/>
+            <a:ext cx="7463616" cy="5400000"/>
+          </a:xfrm>
+          <a:prstGeom prst="rect">
+            <a:avLst/>
+          </a:prstGeom>
+          <a:ln>
+            <a:noFill/>
+          </a:ln>
+          <a:effectLst>
+            <a:outerShdw blurRad="292100" dist="139700" dir="2700000" algn="tl" rotWithShape="0">
+              <a:srgbClr val="333333">
+                <a:alpha val="65000"/>
+              </a:srgbClr>
+            </a:outerShdw>
+          </a:effectLst>
+          <a:extLst>
+            <a:ext uri="{909E8E84-426E-40DD-AFC4-6F175D3DCCD1}">
+              <a14:hiddenFill xmlns:a14="http://schemas.microsoft.com/office/drawing/2010/main">
+                <a:solidFill>
+                  <a:srgbClr val="FFFFFF"/>
+                </a:solidFill>
+              </a14:hiddenFill>
+            </a:ext>
+          </a:extLst>
+        </p:spPr>
+      </p:pic>
+      <p:sp>
+        <p:nvSpPr>
+          <p:cNvPr id="2" name="TextBox 1">
+            <a:extLst>
+              <a:ext uri="{FF2B5EF4-FFF2-40B4-BE49-F238E27FC236}">
+                <a16:creationId xmlns:a16="http://schemas.microsoft.com/office/drawing/2014/main" id="{6B6EE6D8-F24E-564F-4ACA-5A14137F0A4A}"/>
+              </a:ext>
+            </a:extLst>
+          </p:cNvPr>
+          <p:cNvSpPr txBox="1"/>
+          <p:nvPr/>
+        </p:nvSpPr>
+        <p:spPr>
+          <a:xfrm>
+            <a:off x="8292353" y="1305341"/>
+            <a:ext cx="3119718" cy="4247317"/>
+          </a:xfrm>
+          <a:prstGeom prst="rect">
+            <a:avLst/>
+          </a:prstGeom>
+          <a:noFill/>
+        </p:spPr>
+        <p:txBody>
+          <a:bodyPr wrap="square" rtlCol="0">
+            <a:spAutoFit/>
+          </a:bodyPr>
+          <a:lstStyle/>
+          <a:p>
+            <a:r>
+              <a:rPr lang="el-GR" dirty="0"/>
+              <a:t>Ομοίως, και για την περίπτωση της συγκέντρωσης του διοξειδίου του άνθρακα στην τροπόσφαιρα, παρατηρούμε ότι οι τιμές του παραμένουν σταθερές με την μεταβολή του γεωγραφικού πλάτους και της εποχής. Υπενθυμίζουμε ότι η μεγαλύτερη ποσότητα του ρύπου βρίσκεται στο στρώμα αυτό οπότε δεν αναμένουμε και σημαντικές διαφορές σε σχέση με το ποσοστό της συνολικής συγκέντρωσής του στην ατμόσφαιρα.</a:t>
+            </a:r>
+            <a:endParaRPr lang="en-GB" dirty="0"/>
+          </a:p>
+        </p:txBody>
+      </p:sp>
+    </p:spTree>
+    <p:extLst>
+      <p:ext uri="{BB962C8B-B14F-4D97-AF65-F5344CB8AC3E}">
+        <p14:creationId xmlns:p14="http://schemas.microsoft.com/office/powerpoint/2010/main" val="3698694122"/>
+      </p:ext>
+    </p:extLst>
+  </p:cSld>
+  <p:clrMapOvr>
+    <a:masterClrMapping/>
+  </p:clrMapOvr>
+</p:sld>
+</file>
+
+<file path=ppt/slides/slide22.xml><?xml version="1.0" encoding="utf-8"?>
+<p:sld xmlns:a="http://schemas.openxmlformats.org/drawingml/2006/main" xmlns:r="http://schemas.openxmlformats.org/officeDocument/2006/relationships" xmlns:p="http://schemas.openxmlformats.org/presentationml/2006/main">
+  <p:cSld>
+    <p:spTree>
+      <p:nvGrpSpPr>
+        <p:cNvPr id="1" name=""/>
+        <p:cNvGrpSpPr/>
+        <p:nvPr/>
+      </p:nvGrpSpPr>
+      <p:grpSpPr>
+        <a:xfrm>
+          <a:off x="0" y="0"/>
+          <a:ext cx="0" cy="0"/>
+          <a:chOff x="0" y="0"/>
+          <a:chExt cx="0" cy="0"/>
+        </a:xfrm>
+      </p:grpSpPr>
+      <p:sp>
+        <p:nvSpPr>
+          <p:cNvPr id="2" name="Τίτλος 1">
+            <a:extLst>
+              <a:ext uri="{FF2B5EF4-FFF2-40B4-BE49-F238E27FC236}">
+                <a16:creationId xmlns:a16="http://schemas.microsoft.com/office/drawing/2014/main" id="{F15DE645-1279-C54C-D4D5-5157A24214B4}"/>
+              </a:ext>
+            </a:extLst>
+          </p:cNvPr>
+          <p:cNvSpPr>
+            <a:spLocks noGrp="1"/>
+          </p:cNvSpPr>
+          <p:nvPr>
+            <p:ph type="title"/>
+          </p:nvPr>
+        </p:nvSpPr>
+        <p:spPr>
+          <a:xfrm>
+            <a:off x="609600" y="270802"/>
+            <a:ext cx="10972800" cy="752495"/>
+          </a:xfrm>
+        </p:spPr>
+        <p:txBody>
+          <a:bodyPr>
+            <a:normAutofit fontScale="90000"/>
+          </a:bodyPr>
+          <a:lstStyle/>
+          <a:p>
+            <a:r>
+              <a:rPr lang="el-GR" dirty="0">
+                <a:cs typeface="Posterama"/>
+              </a:rPr>
+              <a:t>Μέρος 2ο</a:t>
+            </a:r>
+            <a:endParaRPr lang="el-GR" dirty="0"/>
+          </a:p>
+        </p:txBody>
+      </p:sp>
+      <p:sp>
+        <p:nvSpPr>
+          <p:cNvPr id="3" name="Θέση περιεχομένου 2">
+            <a:extLst>
+              <a:ext uri="{FF2B5EF4-FFF2-40B4-BE49-F238E27FC236}">
+                <a16:creationId xmlns:a16="http://schemas.microsoft.com/office/drawing/2014/main" id="{2B967DD2-94EE-2762-99F8-C473DB1D6FFC}"/>
+              </a:ext>
+            </a:extLst>
+          </p:cNvPr>
+          <p:cNvSpPr>
+            <a:spLocks noGrp="1"/>
+          </p:cNvSpPr>
+          <p:nvPr>
+            <p:ph idx="1"/>
+          </p:nvPr>
+        </p:nvSpPr>
+        <p:spPr>
+          <a:xfrm>
+            <a:off x="609600" y="1103673"/>
+            <a:ext cx="10972800" cy="1860953"/>
+          </a:xfrm>
+        </p:spPr>
+        <p:txBody>
+          <a:bodyPr vert="horz" lIns="91440" tIns="45720" rIns="91440" bIns="45720" rtlCol="0" anchor="t">
+            <a:normAutofit fontScale="92500"/>
+          </a:bodyPr>
+          <a:lstStyle/>
+          <a:p>
+            <a:r>
+              <a:rPr lang="el-GR" dirty="0"/>
+              <a:t>Το δεύτερο μέρος της εργασίας περιλαμβάνει δύο διαφορετικά </a:t>
+            </a:r>
+            <a:r>
+              <a:rPr lang="el-GR" dirty="0" err="1"/>
+              <a:t>datasets</a:t>
+            </a:r>
+            <a:r>
+              <a:rPr lang="el-GR" dirty="0"/>
+              <a:t> όπου περιέχουν φάσματα της ηλιακής ακτινοβολίας δηλαδή δεδομένα εισόδου για την ροή ακτινοβολίας (</a:t>
             </a:r>
             <a:r>
               <a:rPr lang="en-US" dirty="0"/>
-              <a:t>dataset </a:t>
+              <a:t>spectral </a:t>
+            </a:r>
+            <a:r>
+              <a:rPr lang="el-GR" dirty="0" err="1"/>
+              <a:t>irradiance</a:t>
             </a:r>
             <a:r>
               <a:rPr lang="el-GR" dirty="0"/>
-              <a:t>με τις περισσότερες μετρήσεις έτσι ώστε να έχουμε μία μέτρηση ανά </a:t>
-            </a:r>
-            <a:r>
-              <a:rPr lang="en-US" dirty="0"/>
-              <a:t>1nm </a:t>
+              <a:t>) για διαφορετικά μήκη κύματος. Η διαφορά μεταξύ των δύο μετρήσεων έγκειται στην ακρίβεια καθώς το 1ο σετ που από εδώ και πέρα θα ονομάζεται </a:t>
+            </a:r>
+            <a:r>
+              <a:rPr lang="el-GR" dirty="0" err="1"/>
+              <a:t>kurudz</a:t>
             </a:r>
             <a:r>
               <a:rPr lang="el-GR" dirty="0"/>
-              <a:t>όπως ακριβώς συμβαίνει με το 1</a:t>
-            </a:r>
-            <a:r>
-              <a:rPr lang="el-GR" baseline="30000" dirty="0"/>
-              <a:t>ο</a:t>
+              <a:t> έχει ακρίβεια 1nm και το 2ο σετ που ονομάζεται </a:t>
+            </a:r>
+            <a:r>
+              <a:rPr lang="el-GR" dirty="0" err="1"/>
+              <a:t>atlas_plus</a:t>
             </a:r>
             <a:r>
               <a:rPr lang="el-GR" dirty="0"/>
-              <a:t> </a:t>
-            </a:r>
-            <a:r>
-              <a:rPr lang="en-US" dirty="0"/>
-              <a:t>dataset.</a:t>
-            </a:r>
-            <a:r>
-              <a:rPr lang="el-GR" dirty="0"/>
-              <a:t> </a:t>
-            </a:r>
-            <a:r>
-              <a:rPr lang="en-US" dirty="0"/>
-              <a:t> </a:t>
-            </a:r>
-            <a:r>
-              <a:rPr lang="el-GR" dirty="0"/>
-              <a:t>Κάνοντας τις αντίστοιχες γραφικές παρατηρούμε ότι σε γενικές γραμμές οι δύο γραφικές είναι σχεδόν πανομοιότυπες με πολύ μικρές τοπικές αποκλίσεις. Συγκεκριμένα, παρατηρούμε μία απόκλιση στα χαμηλά μήκη κύματος (&lt;300</a:t>
-            </a:r>
-            <a:r>
-              <a:rPr lang="en-US" dirty="0"/>
-              <a:t>nm</a:t>
-            </a:r>
-            <a:r>
-              <a:rPr lang="en-GB" dirty="0"/>
-              <a:t>) </a:t>
-            </a:r>
-            <a:r>
-              <a:rPr lang="el-GR" dirty="0"/>
-              <a:t>καθώς και μία μικρότερη στα 500 </a:t>
-            </a:r>
-            <a:r>
-              <a:rPr lang="en-US" dirty="0"/>
-              <a:t>nm </a:t>
-            </a:r>
-            <a:r>
-              <a:rPr lang="el-GR" dirty="0"/>
-              <a:t>στο 2</a:t>
-            </a:r>
-            <a:r>
-              <a:rPr lang="el-GR" baseline="30000" dirty="0"/>
-              <a:t>ο</a:t>
-            </a:r>
-            <a:r>
-              <a:rPr lang="el-GR" dirty="0"/>
-              <a:t> </a:t>
-            </a:r>
-            <a:r>
-              <a:rPr lang="en-US" dirty="0"/>
-              <a:t>peak. </a:t>
-            </a:r>
-            <a:r>
-              <a:rPr lang="el-GR" dirty="0"/>
-              <a:t> </a:t>
-            </a:r>
-            <a:endParaRPr lang="en-GB" dirty="0"/>
+              <a:t> έχει ακρίβεια 0.05 nm. Παρακάτω εμφανίζονται τα δύο σετ σε αντιπαράθεση μεταξύ τους.</a:t>
+            </a:r>
           </a:p>
         </p:txBody>
       </p:sp>
       <p:pic>
         <p:nvPicPr>
-          <p:cNvPr id="8" name="Θέση περιεχομένου 7">
-            <a:extLst>
-              <a:ext uri="{FF2B5EF4-FFF2-40B4-BE49-F238E27FC236}">
-                <a16:creationId xmlns:a16="http://schemas.microsoft.com/office/drawing/2014/main" id="{4F75940E-0ABF-4897-52D3-D77EDCF83AF1}"/>
+          <p:cNvPr id="4" name="Εικόνα 3" descr="Εικόνα που περιέχει κείμενο, στιγμιότυπο οθόνης, γραμματοσειρά, αριθμός&#10;&#10;Περιγραφή που δημιουργήθηκε αυτόματα">
+            <a:extLst>
+              <a:ext uri="{FF2B5EF4-FFF2-40B4-BE49-F238E27FC236}">
+                <a16:creationId xmlns:a16="http://schemas.microsoft.com/office/drawing/2014/main" id="{D9BD9A25-FF1D-8D41-F8DE-74077A87C51F}"/>
+              </a:ext>
+            </a:extLst>
+          </p:cNvPr>
+          <p:cNvPicPr>
+            <a:picLocks noChangeAspect="1"/>
+          </p:cNvPicPr>
+          <p:nvPr/>
+        </p:nvPicPr>
+        <p:blipFill>
+          <a:blip r:embed="rId2"/>
+          <a:stretch>
+            <a:fillRect/>
+          </a:stretch>
+        </p:blipFill>
+        <p:spPr>
+          <a:xfrm>
+            <a:off x="2739512" y="3062214"/>
+            <a:ext cx="3353924" cy="3522883"/>
+          </a:xfrm>
+          <a:prstGeom prst="rect">
+            <a:avLst/>
+          </a:prstGeom>
+        </p:spPr>
+      </p:pic>
+      <p:pic>
+        <p:nvPicPr>
+          <p:cNvPr id="5" name="Εικόνα 4" descr="Εικόνα που περιέχει κείμενο, στιγμιότυπο οθόνης, γραμματοσειρά, αριθμός&#10;&#10;Περιγραφή που δημιουργήθηκε αυτόματα">
+            <a:extLst>
+              <a:ext uri="{FF2B5EF4-FFF2-40B4-BE49-F238E27FC236}">
+                <a16:creationId xmlns:a16="http://schemas.microsoft.com/office/drawing/2014/main" id="{E020A2B0-B1F6-CD4E-247D-A75AD2225156}"/>
+              </a:ext>
+            </a:extLst>
+          </p:cNvPr>
+          <p:cNvPicPr>
+            <a:picLocks noChangeAspect="1"/>
+          </p:cNvPicPr>
+          <p:nvPr/>
+        </p:nvPicPr>
+        <p:blipFill>
+          <a:blip r:embed="rId3"/>
+          <a:stretch>
+            <a:fillRect/>
+          </a:stretch>
+        </p:blipFill>
+        <p:spPr>
+          <a:xfrm>
+            <a:off x="6093534" y="3058551"/>
+            <a:ext cx="3355389" cy="3528647"/>
+          </a:xfrm>
+          <a:prstGeom prst="rect">
+            <a:avLst/>
+          </a:prstGeom>
+        </p:spPr>
+      </p:pic>
+      <p:sp>
+        <p:nvSpPr>
+          <p:cNvPr id="6" name="TextBox 5">
+            <a:extLst>
+              <a:ext uri="{FF2B5EF4-FFF2-40B4-BE49-F238E27FC236}">
+                <a16:creationId xmlns:a16="http://schemas.microsoft.com/office/drawing/2014/main" id="{941BEBAF-EE0F-7D82-94AF-AD4A10CE22FA}"/>
+              </a:ext>
+            </a:extLst>
+          </p:cNvPr>
+          <p:cNvSpPr txBox="1"/>
+          <p:nvPr/>
+        </p:nvSpPr>
+        <p:spPr>
+          <a:xfrm>
+            <a:off x="1660183" y="4820138"/>
+            <a:ext cx="926123" cy="369332"/>
+          </a:xfrm>
+          <a:prstGeom prst="rect">
+            <a:avLst/>
+          </a:prstGeom>
+          <a:noFill/>
+        </p:spPr>
+        <p:txBody>
+          <a:bodyPr rot="0" spcFirstLastPara="0" vertOverflow="overflow" horzOverflow="overflow" vert="horz" wrap="square" lIns="91440" tIns="45720" rIns="91440" bIns="45720" numCol="1" spcCol="0" rtlCol="0" fromWordArt="0" anchor="t" anchorCtr="0" forceAA="0" compatLnSpc="1">
+            <a:prstTxWarp prst="textNoShape">
+              <a:avLst/>
+            </a:prstTxWarp>
+            <a:spAutoFit/>
+          </a:bodyPr>
+          <a:lstStyle/>
+          <a:p>
+            <a:pPr algn="l"/>
+            <a:r>
+              <a:rPr lang="el-GR" dirty="0" err="1"/>
+              <a:t>kurudz</a:t>
+            </a:r>
+          </a:p>
+        </p:txBody>
+      </p:sp>
+      <p:sp>
+        <p:nvSpPr>
+          <p:cNvPr id="7" name="TextBox 6">
+            <a:extLst>
+              <a:ext uri="{FF2B5EF4-FFF2-40B4-BE49-F238E27FC236}">
+                <a16:creationId xmlns:a16="http://schemas.microsoft.com/office/drawing/2014/main" id="{4F46A0B3-610B-75AF-25F4-971F14592E22}"/>
+              </a:ext>
+            </a:extLst>
+          </p:cNvPr>
+          <p:cNvSpPr txBox="1"/>
+          <p:nvPr/>
+        </p:nvSpPr>
+        <p:spPr>
+          <a:xfrm>
+            <a:off x="9694007" y="4823850"/>
+            <a:ext cx="1266093" cy="369332"/>
+          </a:xfrm>
+          <a:prstGeom prst="rect">
+            <a:avLst/>
+          </a:prstGeom>
+          <a:noFill/>
+        </p:spPr>
+        <p:txBody>
+          <a:bodyPr rot="0" spcFirstLastPara="0" vertOverflow="overflow" horzOverflow="overflow" vert="horz" wrap="square" lIns="91440" tIns="45720" rIns="91440" bIns="45720" numCol="1" spcCol="0" rtlCol="0" fromWordArt="0" anchor="t" anchorCtr="0" forceAA="0" compatLnSpc="1">
+            <a:prstTxWarp prst="textNoShape">
+              <a:avLst/>
+            </a:prstTxWarp>
+            <a:spAutoFit/>
+          </a:bodyPr>
+          <a:lstStyle/>
+          <a:p>
+            <a:pPr algn="l"/>
+            <a:r>
+              <a:rPr lang="el-GR" dirty="0" err="1"/>
+              <a:t>atlas_plus</a:t>
+            </a:r>
+          </a:p>
+        </p:txBody>
+      </p:sp>
+    </p:spTree>
+    <p:extLst>
+      <p:ext uri="{BB962C8B-B14F-4D97-AF65-F5344CB8AC3E}">
+        <p14:creationId xmlns:p14="http://schemas.microsoft.com/office/powerpoint/2010/main" val="4020534852"/>
+      </p:ext>
+    </p:extLst>
+  </p:cSld>
+  <p:clrMapOvr>
+    <a:masterClrMapping/>
+  </p:clrMapOvr>
+</p:sld>
+</file>
+
+<file path=ppt/slides/slide23.xml><?xml version="1.0" encoding="utf-8"?>
+<p:sld xmlns:a="http://schemas.openxmlformats.org/drawingml/2006/main" xmlns:r="http://schemas.openxmlformats.org/officeDocument/2006/relationships" xmlns:p="http://schemas.openxmlformats.org/presentationml/2006/main">
+  <p:cSld>
+    <p:spTree>
+      <p:nvGrpSpPr>
+        <p:cNvPr id="1" name=""/>
+        <p:cNvGrpSpPr/>
+        <p:nvPr/>
+      </p:nvGrpSpPr>
+      <p:grpSpPr>
+        <a:xfrm>
+          <a:off x="0" y="0"/>
+          <a:ext cx="0" cy="0"/>
+          <a:chOff x="0" y="0"/>
+          <a:chExt cx="0" cy="0"/>
+        </a:xfrm>
+      </p:grpSpPr>
+      <p:pic>
+        <p:nvPicPr>
+          <p:cNvPr id="7" name="Θέση περιεχομένου 6" descr="Εικόνα που περιέχει κείμενο, διάγραμμα, στιγμιότυπο οθόνης, γράφημα&#10;&#10;Περιγραφή που δημιουργήθηκε αυτόματα">
+            <a:extLst>
+              <a:ext uri="{FF2B5EF4-FFF2-40B4-BE49-F238E27FC236}">
+                <a16:creationId xmlns:a16="http://schemas.microsoft.com/office/drawing/2014/main" id="{BADD0168-9FDC-79DF-AACE-B02B4DD2B211}"/>
+              </a:ext>
+            </a:extLst>
+          </p:cNvPr>
+          <p:cNvPicPr>
+            <a:picLocks noGrp="1" noChangeAspect="1"/>
+          </p:cNvPicPr>
+          <p:nvPr>
+            <p:ph sz="half" idx="2"/>
+          </p:nvPr>
+        </p:nvPicPr>
+        <p:blipFill>
+          <a:blip r:embed="rId2"/>
+          <a:stretch>
+            <a:fillRect/>
+          </a:stretch>
+        </p:blipFill>
+        <p:spPr>
+          <a:xfrm>
+            <a:off x="6345201" y="1773383"/>
+            <a:ext cx="5199928" cy="4972383"/>
+          </a:xfrm>
+        </p:spPr>
+      </p:pic>
+      <p:sp>
+        <p:nvSpPr>
+          <p:cNvPr id="5" name="TextBox 4">
+            <a:extLst>
+              <a:ext uri="{FF2B5EF4-FFF2-40B4-BE49-F238E27FC236}">
+                <a16:creationId xmlns:a16="http://schemas.microsoft.com/office/drawing/2014/main" id="{416A63A7-5335-6D49-1E5F-9C1C142222B7}"/>
+              </a:ext>
+            </a:extLst>
+          </p:cNvPr>
+          <p:cNvSpPr txBox="1"/>
+          <p:nvPr/>
+        </p:nvSpPr>
+        <p:spPr>
+          <a:xfrm>
+            <a:off x="781050" y="212436"/>
+            <a:ext cx="10629900" cy="1477328"/>
+          </a:xfrm>
+          <a:prstGeom prst="rect">
+            <a:avLst/>
+          </a:prstGeom>
+          <a:noFill/>
+        </p:spPr>
+        <p:txBody>
+          <a:bodyPr rot="0" spcFirstLastPara="0" vertOverflow="overflow" horzOverflow="overflow" vert="horz" wrap="square" lIns="91440" tIns="45720" rIns="91440" bIns="45720" numCol="1" spcCol="0" rtlCol="0" fromWordArt="0" anchor="t" anchorCtr="0" forceAA="0" compatLnSpc="1">
+            <a:prstTxWarp prst="textNoShape">
+              <a:avLst/>
+            </a:prstTxWarp>
+            <a:spAutoFit/>
+          </a:bodyPr>
+          <a:lstStyle/>
+          <a:p>
+            <a:r>
+              <a:rPr lang="el-GR" dirty="0"/>
+              <a:t>Αρχικά, κόψαμε τις τιμές του μήκους κύματος που ξεπερνούσαν τα 2.500nm στο 1</a:t>
+            </a:r>
+            <a:r>
+              <a:rPr lang="el-GR" baseline="30000" dirty="0"/>
+              <a:t>ο</a:t>
+            </a:r>
+            <a:r>
+              <a:rPr lang="el-GR" dirty="0"/>
+              <a:t> σετ μετρήσεων και κάναμε μία πρώτη γραφική παράσταση έτσι ώστε να έχουμε μία καλύτερη εικόνα των δεδομένων. Με μωβ χρώμα απεικονίζεται το σετ </a:t>
+            </a:r>
+            <a:r>
+              <a:rPr lang="el-GR" dirty="0" err="1"/>
+              <a:t>kurudz</a:t>
+            </a:r>
+            <a:r>
+              <a:rPr lang="el-GR" dirty="0"/>
+              <a:t> και με πράσινο το </a:t>
+            </a:r>
+            <a:r>
+              <a:rPr lang="el-GR" dirty="0" err="1"/>
+              <a:t>atlas_plus</a:t>
+            </a:r>
+            <a:r>
+              <a:rPr lang="el-GR" dirty="0"/>
+              <a:t>. Είναι εμφανές ότι το ένα σετ περιέχει τιμές σε μεγαλύτερο εύρος όσων αφορά το μήκος κύματος ενώ το δεύτερο έχει περισσότερες τιμές της ακτινοβολίας σε μικρότερο εύρος. </a:t>
+            </a:r>
+          </a:p>
+        </p:txBody>
+      </p:sp>
+      <p:pic>
+        <p:nvPicPr>
+          <p:cNvPr id="12" name="Θέση περιεχομένου 11">
+            <a:extLst>
+              <a:ext uri="{FF2B5EF4-FFF2-40B4-BE49-F238E27FC236}">
+                <a16:creationId xmlns:a16="http://schemas.microsoft.com/office/drawing/2014/main" id="{DBB41800-D14A-4DF9-DFD3-57D50D6010DE}"/>
+              </a:ext>
+            </a:extLst>
+          </p:cNvPr>
+          <p:cNvPicPr>
+            <a:picLocks noGrp="1" noChangeAspect="1"/>
+          </p:cNvPicPr>
+          <p:nvPr>
+            <p:ph sz="half" idx="1"/>
+          </p:nvPr>
+        </p:nvPicPr>
+        <p:blipFill>
+          <a:blip r:embed="rId3"/>
+          <a:stretch>
+            <a:fillRect/>
+          </a:stretch>
+        </p:blipFill>
+        <p:spPr>
+          <a:xfrm>
+            <a:off x="320042" y="1773383"/>
+            <a:ext cx="5526759" cy="5084618"/>
+          </a:xfrm>
+        </p:spPr>
+      </p:pic>
+    </p:spTree>
+    <p:extLst>
+      <p:ext uri="{BB962C8B-B14F-4D97-AF65-F5344CB8AC3E}">
+        <p14:creationId xmlns:p14="http://schemas.microsoft.com/office/powerpoint/2010/main" val="1761082859"/>
+      </p:ext>
+    </p:extLst>
+  </p:cSld>
+  <p:clrMapOvr>
+    <a:masterClrMapping/>
+  </p:clrMapOvr>
+</p:sld>
+</file>
+
+<file path=ppt/slides/slide24.xml><?xml version="1.0" encoding="utf-8"?>
+<p:sld xmlns:a="http://schemas.openxmlformats.org/drawingml/2006/main" xmlns:r="http://schemas.openxmlformats.org/officeDocument/2006/relationships" xmlns:p="http://schemas.openxmlformats.org/presentationml/2006/main">
+  <p:cSld>
+    <p:spTree>
+      <p:nvGrpSpPr>
+        <p:cNvPr id="1" name=""/>
+        <p:cNvGrpSpPr/>
+        <p:nvPr/>
+      </p:nvGrpSpPr>
+      <p:grpSpPr>
+        <a:xfrm>
+          <a:off x="0" y="0"/>
+          <a:ext cx="0" cy="0"/>
+          <a:chOff x="0" y="0"/>
+          <a:chExt cx="0" cy="0"/>
+        </a:xfrm>
+      </p:grpSpPr>
+      <p:pic>
+        <p:nvPicPr>
+          <p:cNvPr id="9" name="Θέση περιεχομένου 8" descr="Εικόνα που περιέχει κείμενο, στιγμιότυπο οθόνης, γράφημα, διάγραμμα&#10;&#10;Περιγραφή που δημιουργήθηκε αυτόματα">
+            <a:extLst>
+              <a:ext uri="{FF2B5EF4-FFF2-40B4-BE49-F238E27FC236}">
+                <a16:creationId xmlns:a16="http://schemas.microsoft.com/office/drawing/2014/main" id="{BB47D059-5FF1-2F68-1921-95631DE2D8BF}"/>
               </a:ext>
             </a:extLst>
           </p:cNvPr>
@@ -8327,17 +8893,17 @@
         </p:blipFill>
         <p:spPr>
           <a:xfrm>
-            <a:off x="421746" y="1865745"/>
-            <a:ext cx="5255570" cy="4905755"/>
+            <a:off x="773823" y="2081369"/>
+            <a:ext cx="4867469" cy="4552793"/>
           </a:xfrm>
         </p:spPr>
       </p:pic>
       <p:pic>
         <p:nvPicPr>
-          <p:cNvPr id="11" name="Θέση περιεχομένου 10">
-            <a:extLst>
-              <a:ext uri="{FF2B5EF4-FFF2-40B4-BE49-F238E27FC236}">
-                <a16:creationId xmlns:a16="http://schemas.microsoft.com/office/drawing/2014/main" id="{0ECCCFE6-9FA7-D04F-5A16-AA48D10DF304}"/>
+          <p:cNvPr id="7" name="Θέση περιεχομένου 6" descr="Εικόνα που περιέχει κείμενο, διάγραμμα, στιγμιότυπο οθόνης, γράφημα&#10;&#10;Περιγραφή που δημιουργήθηκε αυτόματα">
+            <a:extLst>
+              <a:ext uri="{FF2B5EF4-FFF2-40B4-BE49-F238E27FC236}">
+                <a16:creationId xmlns:a16="http://schemas.microsoft.com/office/drawing/2014/main" id="{06A60417-32E9-38CF-B281-EB1D88F4AB8E}"/>
               </a:ext>
             </a:extLst>
           </p:cNvPr>
@@ -8356,6 +8922,257 @@
         </p:blipFill>
         <p:spPr>
           <a:xfrm>
+            <a:off x="6550710" y="2081368"/>
+            <a:ext cx="4867851" cy="4552793"/>
+          </a:xfrm>
+        </p:spPr>
+      </p:pic>
+      <p:sp>
+        <p:nvSpPr>
+          <p:cNvPr id="8" name="TextBox 7">
+            <a:extLst>
+              <a:ext uri="{FF2B5EF4-FFF2-40B4-BE49-F238E27FC236}">
+                <a16:creationId xmlns:a16="http://schemas.microsoft.com/office/drawing/2014/main" id="{7C1FFD2D-2B2E-D3C9-E439-97A0577194FC}"/>
+              </a:ext>
+            </a:extLst>
+          </p:cNvPr>
+          <p:cNvSpPr txBox="1"/>
+          <p:nvPr/>
+        </p:nvSpPr>
+        <p:spPr>
+          <a:xfrm>
+            <a:off x="915767" y="360484"/>
+            <a:ext cx="10360269" cy="1477328"/>
+          </a:xfrm>
+          <a:prstGeom prst="rect">
+            <a:avLst/>
+          </a:prstGeom>
+          <a:noFill/>
+        </p:spPr>
+        <p:txBody>
+          <a:bodyPr rot="0" spcFirstLastPara="0" vertOverflow="overflow" horzOverflow="overflow" vert="horz" wrap="square" lIns="91440" tIns="45720" rIns="91440" bIns="45720" numCol="1" spcCol="0" rtlCol="0" fromWordArt="0" anchor="t" anchorCtr="0" forceAA="0" compatLnSpc="1">
+            <a:prstTxWarp prst="textNoShape">
+              <a:avLst/>
+            </a:prstTxWarp>
+            <a:spAutoFit/>
+          </a:bodyPr>
+          <a:lstStyle/>
+          <a:p>
+            <a:r>
+              <a:rPr lang="el-GR" dirty="0"/>
+              <a:t>Για καλύτερη σύγκριση των δύο σετ, ζουμάρουμε στην 1η γραφική έτσι ώστε να μελετάμε το ίδιο κομμάτι του φάσματος και στις 2 περιπτώσεις. Με μία πρώτη ματιά παρατηρούμε σαφώς ότι η 2η γραφική είναι πιο πυκνή, κάτι που είναι αναμενόμενο καθώς είναι "φορτωμένη" με περισσότερα δεδομένα. Το σημαντικό που πρέπει να σχολιαστεί είναι το γεγονός ότι και οι δύο καμπύλες έχουν την ίδια μορφολογία και παρατηρούμε τα ίδια </a:t>
+            </a:r>
+            <a:r>
+              <a:rPr lang="el-GR" dirty="0" err="1"/>
+              <a:t>peaks</a:t>
+            </a:r>
+            <a:r>
+              <a:rPr lang="el-GR" dirty="0"/>
+              <a:t> (τόσο για τις ελάχιστες όσο και για τις μέγιστες τιμές)</a:t>
+            </a:r>
+            <a:r>
+              <a:rPr lang="en-US" dirty="0"/>
+              <a:t>.</a:t>
+            </a:r>
+            <a:endParaRPr lang="el-GR" dirty="0"/>
+          </a:p>
+        </p:txBody>
+      </p:sp>
+    </p:spTree>
+    <p:extLst>
+      <p:ext uri="{BB962C8B-B14F-4D97-AF65-F5344CB8AC3E}">
+        <p14:creationId xmlns:p14="http://schemas.microsoft.com/office/powerpoint/2010/main" val="4261702434"/>
+      </p:ext>
+    </p:extLst>
+  </p:cSld>
+  <p:clrMapOvr>
+    <a:masterClrMapping/>
+  </p:clrMapOvr>
+</p:sld>
+</file>
+
+<file path=ppt/slides/slide25.xml><?xml version="1.0" encoding="utf-8"?>
+<p:sld xmlns:a="http://schemas.openxmlformats.org/drawingml/2006/main" xmlns:r="http://schemas.openxmlformats.org/officeDocument/2006/relationships" xmlns:p="http://schemas.openxmlformats.org/presentationml/2006/main">
+  <p:cSld>
+    <p:spTree>
+      <p:nvGrpSpPr>
+        <p:cNvPr id="1" name=""/>
+        <p:cNvGrpSpPr/>
+        <p:nvPr/>
+      </p:nvGrpSpPr>
+      <p:grpSpPr>
+        <a:xfrm>
+          <a:off x="0" y="0"/>
+          <a:ext cx="0" cy="0"/>
+          <a:chOff x="0" y="0"/>
+          <a:chExt cx="0" cy="0"/>
+        </a:xfrm>
+      </p:grpSpPr>
+      <p:sp>
+        <p:nvSpPr>
+          <p:cNvPr id="12" name="TextBox 11">
+            <a:extLst>
+              <a:ext uri="{FF2B5EF4-FFF2-40B4-BE49-F238E27FC236}">
+                <a16:creationId xmlns:a16="http://schemas.microsoft.com/office/drawing/2014/main" id="{9D5A7CEC-D0D6-92C0-BEBA-6FAD982F56BA}"/>
+              </a:ext>
+            </a:extLst>
+          </p:cNvPr>
+          <p:cNvSpPr txBox="1"/>
+          <p:nvPr/>
+        </p:nvSpPr>
+        <p:spPr>
+          <a:xfrm>
+            <a:off x="720436" y="240147"/>
+            <a:ext cx="11083636" cy="1477328"/>
+          </a:xfrm>
+          <a:prstGeom prst="rect">
+            <a:avLst/>
+          </a:prstGeom>
+          <a:noFill/>
+        </p:spPr>
+        <p:txBody>
+          <a:bodyPr wrap="square" rtlCol="0">
+            <a:spAutoFit/>
+          </a:bodyPr>
+          <a:lstStyle/>
+          <a:p>
+            <a:r>
+              <a:rPr lang="el-GR" dirty="0"/>
+              <a:t>Στην συνέχεια, κάνουμε μέσες τιμές για την ακτινοβολία για το </a:t>
+            </a:r>
+            <a:r>
+              <a:rPr lang="en-US" dirty="0"/>
+              <a:t>dataset </a:t>
+            </a:r>
+            <a:r>
+              <a:rPr lang="el-GR" dirty="0"/>
+              <a:t>με τις περισσότερες μετρήσεις έτσι ώστε να έχουμε μία μέτρηση ανά </a:t>
+            </a:r>
+            <a:r>
+              <a:rPr lang="en-US" dirty="0"/>
+              <a:t>1nm </a:t>
+            </a:r>
+            <a:r>
+              <a:rPr lang="el-GR" dirty="0"/>
+              <a:t>όπως ακριβώς συμβαίνει με το 1</a:t>
+            </a:r>
+            <a:r>
+              <a:rPr lang="el-GR" baseline="30000" dirty="0"/>
+              <a:t>ο</a:t>
+            </a:r>
+            <a:r>
+              <a:rPr lang="el-GR" dirty="0"/>
+              <a:t> </a:t>
+            </a:r>
+            <a:r>
+              <a:rPr lang="en-US" dirty="0"/>
+              <a:t>dataset.</a:t>
+            </a:r>
+            <a:r>
+              <a:rPr lang="el-GR" dirty="0"/>
+              <a:t> </a:t>
+            </a:r>
+            <a:r>
+              <a:rPr lang="en-US" dirty="0"/>
+              <a:t> </a:t>
+            </a:r>
+            <a:r>
+              <a:rPr lang="el-GR" dirty="0"/>
+              <a:t>Κάνοντας τις αντίστοιχες γραφικές παρατηρούμε ότι σε γενικές γραμμές οι δύο γραφικές είναι σχεδόν πανομοιότυπες με πολύ μικρές τοπικές αποκλίσεις. Συγκεκριμένα, παρατηρούμε μία απόκλιση στα χαμηλά μήκη κύματος (&lt;300</a:t>
+            </a:r>
+            <a:r>
+              <a:rPr lang="en-US" dirty="0"/>
+              <a:t>nm</a:t>
+            </a:r>
+            <a:r>
+              <a:rPr lang="en-GB" dirty="0"/>
+              <a:t>) </a:t>
+            </a:r>
+            <a:r>
+              <a:rPr lang="el-GR" dirty="0"/>
+              <a:t>καθώς και μία μικρότερη στα 500 </a:t>
+            </a:r>
+            <a:r>
+              <a:rPr lang="en-US" dirty="0"/>
+              <a:t>nm </a:t>
+            </a:r>
+            <a:r>
+              <a:rPr lang="el-GR" dirty="0"/>
+              <a:t>στο 2</a:t>
+            </a:r>
+            <a:r>
+              <a:rPr lang="el-GR" baseline="30000" dirty="0"/>
+              <a:t>ο</a:t>
+            </a:r>
+            <a:r>
+              <a:rPr lang="el-GR" dirty="0"/>
+              <a:t> </a:t>
+            </a:r>
+            <a:r>
+              <a:rPr lang="en-US" dirty="0"/>
+              <a:t>peak. </a:t>
+            </a:r>
+            <a:r>
+              <a:rPr lang="el-GR" dirty="0"/>
+              <a:t> </a:t>
+            </a:r>
+            <a:endParaRPr lang="en-GB" dirty="0"/>
+          </a:p>
+        </p:txBody>
+      </p:sp>
+      <p:pic>
+        <p:nvPicPr>
+          <p:cNvPr id="8" name="Θέση περιεχομένου 7">
+            <a:extLst>
+              <a:ext uri="{FF2B5EF4-FFF2-40B4-BE49-F238E27FC236}">
+                <a16:creationId xmlns:a16="http://schemas.microsoft.com/office/drawing/2014/main" id="{4F75940E-0ABF-4897-52D3-D77EDCF83AF1}"/>
+              </a:ext>
+            </a:extLst>
+          </p:cNvPr>
+          <p:cNvPicPr>
+            <a:picLocks noGrp="1" noChangeAspect="1"/>
+          </p:cNvPicPr>
+          <p:nvPr>
+            <p:ph sz="half" idx="1"/>
+          </p:nvPr>
+        </p:nvPicPr>
+        <p:blipFill>
+          <a:blip r:embed="rId2"/>
+          <a:stretch>
+            <a:fillRect/>
+          </a:stretch>
+        </p:blipFill>
+        <p:spPr>
+          <a:xfrm>
+            <a:off x="421746" y="1865745"/>
+            <a:ext cx="5255570" cy="4905755"/>
+          </a:xfrm>
+        </p:spPr>
+      </p:pic>
+      <p:pic>
+        <p:nvPicPr>
+          <p:cNvPr id="11" name="Θέση περιεχομένου 10">
+            <a:extLst>
+              <a:ext uri="{FF2B5EF4-FFF2-40B4-BE49-F238E27FC236}">
+                <a16:creationId xmlns:a16="http://schemas.microsoft.com/office/drawing/2014/main" id="{0ECCCFE6-9FA7-D04F-5A16-AA48D10DF304}"/>
+              </a:ext>
+            </a:extLst>
+          </p:cNvPr>
+          <p:cNvPicPr>
+            <a:picLocks noGrp="1" noChangeAspect="1"/>
+          </p:cNvPicPr>
+          <p:nvPr>
+            <p:ph sz="half" idx="2"/>
+          </p:nvPr>
+        </p:nvPicPr>
+        <p:blipFill>
+          <a:blip r:embed="rId3"/>
+          <a:stretch>
+            <a:fillRect/>
+          </a:stretch>
+        </p:blipFill>
+        <p:spPr>
+          <a:xfrm>
             <a:off x="6514686" y="1862890"/>
             <a:ext cx="5189369" cy="4905755"/>
           </a:xfrm>
@@ -8374,7 +9191,7 @@
 </p:sld>
 </file>
 
-<file path=ppt/slides/slide21.xml><?xml version="1.0" encoding="utf-8"?>
+<file path=ppt/slides/slide26.xml><?xml version="1.0" encoding="utf-8"?>
 <p:sld xmlns:a="http://schemas.openxmlformats.org/drawingml/2006/main" xmlns:r="http://schemas.openxmlformats.org/officeDocument/2006/relationships" xmlns:p="http://schemas.openxmlformats.org/presentationml/2006/main">
   <p:cSld>
     <p:spTree>
@@ -9512,7 +10329,7 @@
 </p:sld>
 </file>
 
-<file path=ppt/slides/slide22.xml><?xml version="1.0" encoding="utf-8"?>
+<file path=ppt/slides/slide27.xml><?xml version="1.0" encoding="utf-8"?>
 <p:sld xmlns:a="http://schemas.openxmlformats.org/drawingml/2006/main" xmlns:r="http://schemas.openxmlformats.org/officeDocument/2006/relationships" xmlns:p="http://schemas.openxmlformats.org/presentationml/2006/main">
   <p:cSld>
     <p:spTree>
@@ -11352,56 +12169,12 @@
           <a:chExt cx="0" cy="0"/>
         </a:xfrm>
       </p:grpSpPr>
-      <p:sp>
-        <p:nvSpPr>
-          <p:cNvPr id="2" name="TextBox 1">
-            <a:extLst>
-              <a:ext uri="{FF2B5EF4-FFF2-40B4-BE49-F238E27FC236}">
-                <a16:creationId xmlns:a16="http://schemas.microsoft.com/office/drawing/2014/main" id="{4E61B2C6-11F1-DB6A-874D-15606D3DFAC4}"/>
-              </a:ext>
-            </a:extLst>
-          </p:cNvPr>
-          <p:cNvSpPr txBox="1"/>
-          <p:nvPr/>
-        </p:nvSpPr>
-        <p:spPr>
-          <a:xfrm>
-            <a:off x="6595968" y="17930"/>
-            <a:ext cx="5461561" cy="3139321"/>
-          </a:xfrm>
-          <a:prstGeom prst="rect">
-            <a:avLst/>
-          </a:prstGeom>
-          <a:noFill/>
-        </p:spPr>
-        <p:txBody>
-          <a:bodyPr wrap="square" rtlCol="0">
-            <a:spAutoFit/>
-          </a:bodyPr>
-          <a:lstStyle/>
-          <a:p>
-            <a:r>
-              <a:rPr lang="el-GR" dirty="0"/>
-              <a:t>Γνωρίζουμε ότι το μεγαλύτερο ποσοστό του όζοντος βρίσκεται στην στρατόσφαιρα όπου κυριαρχεί ο ρυθμός παραγωγής του, κάτι που επιβεβαιώνεται σε όλες τις γραφικές. Λόγω της μεταβολής της ηλιακής δραστηριότητας μέσα στον χρόνο, αναμένουμε μεγαλύτερες τιμές συγκέντρωσης κατά το χειμώνα, καθώς το καλοκαίρι κυριαρχεί ο ρυθμός διάσπασής του λόγω της απορρόφησης μεγαλύτερου μέρους της ακτινοβολίας κάτι που επίσης βλέπουμε στις γραφικές αν συγκρίνουμε για το ίδιο πλάτος τις τιμές στον άξονα </a:t>
-            </a:r>
-            <a:r>
-              <a:rPr lang="en-US" dirty="0"/>
-              <a:t>x </a:t>
-            </a:r>
-            <a:r>
-              <a:rPr lang="el-GR" dirty="0"/>
-              <a:t>για κάθε εποχή.</a:t>
-            </a:r>
-            <a:endParaRPr lang="en-GB" dirty="0"/>
-          </a:p>
-        </p:txBody>
-      </p:sp>
       <p:pic>
         <p:nvPicPr>
-          <p:cNvPr id="2050" name="Picture 2">
-            <a:extLst>
-              <a:ext uri="{FF2B5EF4-FFF2-40B4-BE49-F238E27FC236}">
-                <a16:creationId xmlns:a16="http://schemas.microsoft.com/office/drawing/2014/main" id="{8741A757-0916-57E1-FF73-7936DE03EC8D}"/>
+          <p:cNvPr id="3074" name="Picture 2">
+            <a:extLst>
+              <a:ext uri="{FF2B5EF4-FFF2-40B4-BE49-F238E27FC236}">
+                <a16:creationId xmlns:a16="http://schemas.microsoft.com/office/drawing/2014/main" id="{97CC15AD-6659-FB59-9F8D-B7D9702CC239}"/>
               </a:ext>
             </a:extLst>
           </p:cNvPr>
@@ -11425,13 +12198,22 @@
         </p:blipFill>
         <p:spPr bwMode="auto">
           <a:xfrm>
-            <a:off x="7865409" y="3506471"/>
-            <a:ext cx="3270702" cy="3333600"/>
+            <a:off x="553010" y="729000"/>
+            <a:ext cx="7241190" cy="5400000"/>
           </a:xfrm>
           <a:prstGeom prst="rect">
             <a:avLst/>
           </a:prstGeom>
-          <a:noFill/>
+          <a:ln>
+            <a:noFill/>
+          </a:ln>
+          <a:effectLst>
+            <a:outerShdw blurRad="292100" dist="139700" dir="2700000" algn="tl" rotWithShape="0">
+              <a:srgbClr val="333333">
+                <a:alpha val="65000"/>
+              </a:srgbClr>
+            </a:outerShdw>
+          </a:effectLst>
           <a:extLst>
             <a:ext uri="{909E8E84-426E-40DD-AFC4-6F175D3DCCD1}">
               <a14:hiddenFill xmlns:a14="http://schemas.microsoft.com/office/drawing/2010/main">
@@ -11443,198 +12225,46 @@
           </a:extLst>
         </p:spPr>
       </p:pic>
-      <p:pic>
-        <p:nvPicPr>
-          <p:cNvPr id="2052" name="Picture 4">
-            <a:extLst>
-              <a:ext uri="{FF2B5EF4-FFF2-40B4-BE49-F238E27FC236}">
-                <a16:creationId xmlns:a16="http://schemas.microsoft.com/office/drawing/2014/main" id="{AC57E845-2BE5-CCCB-27A0-FF7F45F6F131}"/>
-              </a:ext>
-            </a:extLst>
-          </p:cNvPr>
-          <p:cNvPicPr>
-            <a:picLocks noChangeAspect="1" noChangeArrowheads="1"/>
-          </p:cNvPicPr>
+      <p:sp>
+        <p:nvSpPr>
+          <p:cNvPr id="2" name="TextBox 1">
+            <a:extLst>
+              <a:ext uri="{FF2B5EF4-FFF2-40B4-BE49-F238E27FC236}">
+                <a16:creationId xmlns:a16="http://schemas.microsoft.com/office/drawing/2014/main" id="{AF36F44C-058B-1931-61BE-3CCE741D5982}"/>
+              </a:ext>
+            </a:extLst>
+          </p:cNvPr>
+          <p:cNvSpPr txBox="1"/>
           <p:nvPr/>
-        </p:nvPicPr>
-        <p:blipFill>
-          <a:blip r:embed="rId3">
-            <a:extLst>
-              <a:ext uri="{28A0092B-C50C-407E-A947-70E740481C1C}">
-                <a14:useLocalDpi xmlns:a14="http://schemas.microsoft.com/office/drawing/2010/main" val="0"/>
-              </a:ext>
-            </a:extLst>
-          </a:blip>
-          <a:srcRect/>
-          <a:stretch>
-            <a:fillRect/>
-          </a:stretch>
-        </p:blipFill>
-        <p:spPr bwMode="auto">
-          <a:xfrm>
-            <a:off x="27281" y="54040"/>
-            <a:ext cx="3270702" cy="3333600"/>
+        </p:nvSpPr>
+        <p:spPr>
+          <a:xfrm>
+            <a:off x="8166846" y="335845"/>
+            <a:ext cx="3472143" cy="6186309"/>
           </a:xfrm>
           <a:prstGeom prst="rect">
             <a:avLst/>
           </a:prstGeom>
           <a:noFill/>
-          <a:extLst>
-            <a:ext uri="{909E8E84-426E-40DD-AFC4-6F175D3DCCD1}">
-              <a14:hiddenFill xmlns:a14="http://schemas.microsoft.com/office/drawing/2010/main">
-                <a:solidFill>
-                  <a:srgbClr val="FFFFFF"/>
-                </a:solidFill>
-              </a14:hiddenFill>
-            </a:ext>
-          </a:extLst>
-        </p:spPr>
-      </p:pic>
-      <p:pic>
-        <p:nvPicPr>
-          <p:cNvPr id="2054" name="Picture 6">
-            <a:extLst>
-              <a:ext uri="{FF2B5EF4-FFF2-40B4-BE49-F238E27FC236}">
-                <a16:creationId xmlns:a16="http://schemas.microsoft.com/office/drawing/2014/main" id="{D97671E4-F0BC-9CAF-3A50-CA0AE5A72E26}"/>
-              </a:ext>
-            </a:extLst>
-          </p:cNvPr>
-          <p:cNvPicPr>
-            <a:picLocks noChangeAspect="1" noChangeArrowheads="1"/>
-          </p:cNvPicPr>
-          <p:nvPr/>
-        </p:nvPicPr>
-        <p:blipFill>
-          <a:blip r:embed="rId4">
-            <a:extLst>
-              <a:ext uri="{28A0092B-C50C-407E-A947-70E740481C1C}">
-                <a14:useLocalDpi xmlns:a14="http://schemas.microsoft.com/office/drawing/2010/main" val="0"/>
-              </a:ext>
-            </a:extLst>
-          </a:blip>
-          <a:srcRect/>
-          <a:stretch>
-            <a:fillRect/>
-          </a:stretch>
-        </p:blipFill>
-        <p:spPr bwMode="auto">
-          <a:xfrm>
-            <a:off x="3297983" y="54040"/>
-            <a:ext cx="3270702" cy="3333600"/>
-          </a:xfrm>
-          <a:prstGeom prst="rect">
-            <a:avLst/>
-          </a:prstGeom>
-          <a:noFill/>
-          <a:extLst>
-            <a:ext uri="{909E8E84-426E-40DD-AFC4-6F175D3DCCD1}">
-              <a14:hiddenFill xmlns:a14="http://schemas.microsoft.com/office/drawing/2010/main">
-                <a:solidFill>
-                  <a:srgbClr val="FFFFFF"/>
-                </a:solidFill>
-              </a14:hiddenFill>
-            </a:ext>
-          </a:extLst>
-        </p:spPr>
-      </p:pic>
-      <p:pic>
-        <p:nvPicPr>
-          <p:cNvPr id="2056" name="Picture 8">
-            <a:extLst>
-              <a:ext uri="{FF2B5EF4-FFF2-40B4-BE49-F238E27FC236}">
-                <a16:creationId xmlns:a16="http://schemas.microsoft.com/office/drawing/2014/main" id="{8C02B80B-F951-5FD4-F193-0F0B83606B25}"/>
-              </a:ext>
-            </a:extLst>
-          </p:cNvPr>
-          <p:cNvPicPr>
-            <a:picLocks noChangeAspect="1" noChangeArrowheads="1"/>
-          </p:cNvPicPr>
-          <p:nvPr/>
-        </p:nvPicPr>
-        <p:blipFill>
-          <a:blip r:embed="rId5">
-            <a:extLst>
-              <a:ext uri="{28A0092B-C50C-407E-A947-70E740481C1C}">
-                <a14:useLocalDpi xmlns:a14="http://schemas.microsoft.com/office/drawing/2010/main" val="0"/>
-              </a:ext>
-            </a:extLst>
-          </a:blip>
-          <a:srcRect/>
-          <a:stretch>
-            <a:fillRect/>
-          </a:stretch>
-        </p:blipFill>
-        <p:spPr bwMode="auto">
-          <a:xfrm>
-            <a:off x="27281" y="3387640"/>
-            <a:ext cx="3270702" cy="3333600"/>
-          </a:xfrm>
-          <a:prstGeom prst="rect">
-            <a:avLst/>
-          </a:prstGeom>
-          <a:noFill/>
-          <a:extLst>
-            <a:ext uri="{909E8E84-426E-40DD-AFC4-6F175D3DCCD1}">
-              <a14:hiddenFill xmlns:a14="http://schemas.microsoft.com/office/drawing/2010/main">
-                <a:solidFill>
-                  <a:srgbClr val="FFFFFF"/>
-                </a:solidFill>
-              </a14:hiddenFill>
-            </a:ext>
-          </a:extLst>
-        </p:spPr>
-      </p:pic>
-      <p:pic>
-        <p:nvPicPr>
-          <p:cNvPr id="2058" name="Picture 10">
-            <a:extLst>
-              <a:ext uri="{FF2B5EF4-FFF2-40B4-BE49-F238E27FC236}">
-                <a16:creationId xmlns:a16="http://schemas.microsoft.com/office/drawing/2014/main" id="{CB07A313-5B58-D286-1A25-7181E05767B1}"/>
-              </a:ext>
-            </a:extLst>
-          </p:cNvPr>
-          <p:cNvPicPr>
-            <a:picLocks noChangeAspect="1" noChangeArrowheads="1"/>
-          </p:cNvPicPr>
-          <p:nvPr/>
-        </p:nvPicPr>
-        <p:blipFill>
-          <a:blip r:embed="rId6">
-            <a:extLst>
-              <a:ext uri="{28A0092B-C50C-407E-A947-70E740481C1C}">
-                <a14:useLocalDpi xmlns:a14="http://schemas.microsoft.com/office/drawing/2010/main" val="0"/>
-              </a:ext>
-            </a:extLst>
-          </a:blip>
-          <a:srcRect/>
-          <a:stretch>
-            <a:fillRect/>
-          </a:stretch>
-        </p:blipFill>
-        <p:spPr bwMode="auto">
-          <a:xfrm>
-            <a:off x="3297983" y="3387640"/>
-            <a:ext cx="3270702" cy="3333600"/>
-          </a:xfrm>
-          <a:prstGeom prst="rect">
-            <a:avLst/>
-          </a:prstGeom>
-          <a:noFill/>
-          <a:extLst>
-            <a:ext uri="{909E8E84-426E-40DD-AFC4-6F175D3DCCD1}">
-              <a14:hiddenFill xmlns:a14="http://schemas.microsoft.com/office/drawing/2010/main">
-                <a:solidFill>
-                  <a:srgbClr val="FFFFFF"/>
-                </a:solidFill>
-              </a14:hiddenFill>
-            </a:ext>
-          </a:extLst>
-        </p:spPr>
-      </p:pic>
+        </p:spPr>
+        <p:txBody>
+          <a:bodyPr wrap="square" rtlCol="0">
+            <a:spAutoFit/>
+          </a:bodyPr>
+          <a:lstStyle/>
+          <a:p>
+            <a:r>
+              <a:rPr lang="el-GR" dirty="0"/>
+              <a:t>Όσων αφορά την κατανομή του νερού στο κατώτερο στρώμα της ατμόσφαιρας, την τροπόσφαιρα, παρατηρούμε μικρές διαφορές σε σχέση με το συνολικό ποσοστό της συγκέντρωσής του και αυτό οφείλεται στο γεγονός ότι η μεγαλύτερη ποσότητα του νερού βρίσκεται στο στρώμα αυτό. Στους Ισημερινούς, επικρατούν υψηλότερες θερμοκρασίες και ο αέρας μπορεί να «κρατήσει» περισσότερη ποσότητα νερού. Παράλληλα, το έδαφος είναι ζεστό και ευνοεί την εξάτμιση. Όσο ανεβαίνουμε σε γεωγραφικό πλάτος παρατηρούμε αλλαγές που οφείλονται στην διακύμανση της θερμοκρασίας και στην δυνατότητα του αέρα να συγκρατεί μεγάλες ποσότητες νερού.</a:t>
+            </a:r>
+            <a:endParaRPr lang="en-GB" dirty="0"/>
+          </a:p>
+        </p:txBody>
+      </p:sp>
     </p:spTree>
     <p:extLst>
       <p:ext uri="{BB962C8B-B14F-4D97-AF65-F5344CB8AC3E}">
-        <p14:creationId xmlns:p14="http://schemas.microsoft.com/office/powerpoint/2010/main" val="3494796993"/>
+        <p14:creationId xmlns:p14="http://schemas.microsoft.com/office/powerpoint/2010/main" val="130270079"/>
       </p:ext>
     </p:extLst>
   </p:cSld>

--- a/Radiation and Atmosphere Interaction/Report 0/ΕργασίαΜηδέν.pptx
+++ b/Radiation and Atmosphere Interaction/Report 0/ΕργασίαΜηδέν.pptx
@@ -5,7 +5,7 @@
     <p:sldMasterId id="2147483757" r:id="rId1"/>
   </p:sldMasterIdLst>
   <p:notesMasterIdLst>
-    <p:notesMasterId r:id="rId29"/>
+    <p:notesMasterId r:id="rId34"/>
   </p:notesMasterIdLst>
   <p:sldIdLst>
     <p:sldId id="256" r:id="rId2"/>
@@ -17,24 +17,29 @@
     <p:sldId id="273" r:id="rId8"/>
     <p:sldId id="276" r:id="rId9"/>
     <p:sldId id="282" r:id="rId10"/>
-    <p:sldId id="265" r:id="rId11"/>
-    <p:sldId id="274" r:id="rId12"/>
-    <p:sldId id="280" r:id="rId13"/>
-    <p:sldId id="268" r:id="rId14"/>
-    <p:sldId id="278" r:id="rId15"/>
-    <p:sldId id="284" r:id="rId16"/>
-    <p:sldId id="266" r:id="rId17"/>
-    <p:sldId id="275" r:id="rId18"/>
-    <p:sldId id="281" r:id="rId19"/>
-    <p:sldId id="267" r:id="rId20"/>
-    <p:sldId id="277" r:id="rId21"/>
-    <p:sldId id="283" r:id="rId22"/>
-    <p:sldId id="257" r:id="rId23"/>
-    <p:sldId id="258" r:id="rId24"/>
-    <p:sldId id="259" r:id="rId25"/>
-    <p:sldId id="260" r:id="rId26"/>
-    <p:sldId id="261" r:id="rId27"/>
-    <p:sldId id="271" r:id="rId28"/>
+    <p:sldId id="285" r:id="rId11"/>
+    <p:sldId id="265" r:id="rId12"/>
+    <p:sldId id="274" r:id="rId13"/>
+    <p:sldId id="280" r:id="rId14"/>
+    <p:sldId id="286" r:id="rId15"/>
+    <p:sldId id="268" r:id="rId16"/>
+    <p:sldId id="278" r:id="rId17"/>
+    <p:sldId id="284" r:id="rId18"/>
+    <p:sldId id="287" r:id="rId19"/>
+    <p:sldId id="266" r:id="rId20"/>
+    <p:sldId id="275" r:id="rId21"/>
+    <p:sldId id="281" r:id="rId22"/>
+    <p:sldId id="288" r:id="rId23"/>
+    <p:sldId id="267" r:id="rId24"/>
+    <p:sldId id="277" r:id="rId25"/>
+    <p:sldId id="283" r:id="rId26"/>
+    <p:sldId id="289" r:id="rId27"/>
+    <p:sldId id="257" r:id="rId28"/>
+    <p:sldId id="258" r:id="rId29"/>
+    <p:sldId id="259" r:id="rId30"/>
+    <p:sldId id="260" r:id="rId31"/>
+    <p:sldId id="261" r:id="rId32"/>
+    <p:sldId id="271" r:id="rId33"/>
   </p:sldIdLst>
   <p:sldSz cx="12192000" cy="6858000"/>
   <p:notesSz cx="6858000" cy="9144000"/>
@@ -223,7 +228,7 @@
           <a:p>
             <a:fld id="{5059C885-F74F-4F26-9D14-847F9B1FFD54}" type="datetimeFigureOut">
               <a:rPr lang="en-GB" smtClean="0"/>
-              <a:t>04/11/2024</a:t>
+              <a:t>08/11/2024</a:t>
             </a:fld>
             <a:endParaRPr lang="en-GB"/>
           </a:p>
@@ -644,7 +649,7 @@
           <a:p>
             <a:fld id="{79C5A860-F335-4252-AA00-24FB67ED2982}" type="datetime1">
               <a:rPr lang="en-US" smtClean="0"/>
-              <a:t>11/4/2024</a:t>
+              <a:t>11/8/2024</a:t>
             </a:fld>
             <a:endParaRPr lang="en-US"/>
           </a:p>
@@ -843,7 +848,7 @@
           <a:p>
             <a:fld id="{46AB1048-0047-48CA-88BA-D69B470942CF}" type="datetime1">
               <a:rPr lang="en-US" smtClean="0"/>
-              <a:t>11/4/2024</a:t>
+              <a:t>11/8/2024</a:t>
             </a:fld>
             <a:endParaRPr lang="en-US"/>
           </a:p>
@@ -1053,7 +1058,7 @@
           <a:p>
             <a:fld id="{5BD83879-648C-49A9-81A2-0EF5946532D0}" type="datetime1">
               <a:rPr lang="en-US" smtClean="0"/>
-              <a:t>11/4/2024</a:t>
+              <a:t>11/8/2024</a:t>
             </a:fld>
             <a:endParaRPr lang="en-US"/>
           </a:p>
@@ -1251,7 +1256,7 @@
           <a:p>
             <a:fld id="{D04BC802-30E3-4658-9CCA-F873646FEC67}" type="datetime1">
               <a:rPr lang="en-US" smtClean="0"/>
-              <a:t>11/4/2024</a:t>
+              <a:t>11/8/2024</a:t>
             </a:fld>
             <a:endParaRPr lang="en-US"/>
           </a:p>
@@ -1529,7 +1534,7 @@
           <a:p>
             <a:fld id="{0AB227A3-19CE-4153-81CE-64EB7AB094B3}" type="datetime1">
               <a:rPr lang="en-US" smtClean="0"/>
-              <a:t>11/4/2024</a:t>
+              <a:t>11/8/2024</a:t>
             </a:fld>
             <a:endParaRPr lang="en-US"/>
           </a:p>
@@ -1796,7 +1801,7 @@
           <a:p>
             <a:fld id="{B819A100-10F6-477E-8847-29D479EF1C92}" type="datetime1">
               <a:rPr lang="en-US" smtClean="0"/>
-              <a:t>11/4/2024</a:t>
+              <a:t>11/8/2024</a:t>
             </a:fld>
             <a:endParaRPr lang="en-US"/>
           </a:p>
@@ -2210,7 +2215,7 @@
           <a:p>
             <a:fld id="{5DF128AB-198A-495F-8475-FDB360C9873F}" type="datetime1">
               <a:rPr lang="en-US" smtClean="0"/>
-              <a:t>11/4/2024</a:t>
+              <a:t>11/8/2024</a:t>
             </a:fld>
             <a:endParaRPr lang="en-US"/>
           </a:p>
@@ -2351,7 +2356,7 @@
           <a:p>
             <a:fld id="{021A235E-F8FD-479F-9FC7-18BE84110877}" type="datetime1">
               <a:rPr lang="en-US" smtClean="0"/>
-              <a:t>11/4/2024</a:t>
+              <a:t>11/8/2024</a:t>
             </a:fld>
             <a:endParaRPr lang="en-US"/>
           </a:p>
@@ -2464,7 +2469,7 @@
           <a:p>
             <a:fld id="{E890F09B-68DA-462E-9DB4-4C9ADAB8CBCC}" type="datetime1">
               <a:rPr lang="en-US" smtClean="0"/>
-              <a:t>11/4/2024</a:t>
+              <a:t>11/8/2024</a:t>
             </a:fld>
             <a:endParaRPr lang="en-US"/>
           </a:p>
@@ -2783,7 +2788,7 @@
           <a:p>
             <a:fld id="{17AC4E36-FABE-47EB-AA7F-C19A93824617}" type="datetime1">
               <a:rPr lang="en-US" smtClean="0"/>
-              <a:t>11/4/2024</a:t>
+              <a:t>11/8/2024</a:t>
             </a:fld>
             <a:endParaRPr lang="en-US"/>
           </a:p>
@@ -3080,7 +3085,7 @@
           <a:p>
             <a:fld id="{F199CE6B-5DE6-4A2D-B72E-5E8969F9F56F}" type="datetime1">
               <a:rPr lang="en-US" smtClean="0"/>
-              <a:t>11/4/2024</a:t>
+              <a:t>11/8/2024</a:t>
             </a:fld>
             <a:endParaRPr lang="en-US"/>
           </a:p>
@@ -3941,7 +3946,7 @@
           <a:p>
             <a:fld id="{F481A142-DA77-4A5F-AD1F-14E6C18F0F5F}" type="datetime1">
               <a:rPr lang="en-US" smtClean="0"/>
-              <a:t>11/4/2024</a:t>
+              <a:t>11/8/2024</a:t>
             </a:fld>
             <a:endParaRPr lang="en-US" dirty="0"/>
           </a:p>
@@ -4966,56 +4971,12 @@
           <a:chExt cx="0" cy="0"/>
         </a:xfrm>
       </p:grpSpPr>
-      <p:sp>
-        <p:nvSpPr>
-          <p:cNvPr id="2" name="TextBox 1">
-            <a:extLst>
-              <a:ext uri="{FF2B5EF4-FFF2-40B4-BE49-F238E27FC236}">
-                <a16:creationId xmlns:a16="http://schemas.microsoft.com/office/drawing/2014/main" id="{4E61B2C6-11F1-DB6A-874D-15606D3DFAC4}"/>
-              </a:ext>
-            </a:extLst>
-          </p:cNvPr>
-          <p:cNvSpPr txBox="1"/>
-          <p:nvPr/>
-        </p:nvSpPr>
-        <p:spPr>
-          <a:xfrm>
-            <a:off x="6595968" y="17930"/>
-            <a:ext cx="5461561" cy="3139321"/>
-          </a:xfrm>
-          <a:prstGeom prst="rect">
-            <a:avLst/>
-          </a:prstGeom>
-          <a:noFill/>
-        </p:spPr>
-        <p:txBody>
-          <a:bodyPr wrap="square" rtlCol="0">
-            <a:spAutoFit/>
-          </a:bodyPr>
-          <a:lstStyle/>
-          <a:p>
-            <a:r>
-              <a:rPr lang="el-GR" dirty="0"/>
-              <a:t>Γνωρίζουμε ότι το μεγαλύτερο ποσοστό του όζοντος βρίσκεται στην στρατόσφαιρα όπου κυριαρχεί ο ρυθμός παραγωγής του, κάτι που επιβεβαιώνεται σε όλες τις γραφικές. Λόγω της μεταβολής της ηλιακής δραστηριότητας μέσα στον χρόνο, αναμένουμε μεγαλύτερες τιμές συγκέντρωσης κατά το χειμώνα, καθώς το καλοκαίρι κυριαρχεί ο ρυθμός διάσπασής του λόγω της απορρόφησης μεγαλύτερου μέρους της ακτινοβολίας κάτι που επίσης βλέπουμε στις γραφικές αν συγκρίνουμε για το ίδιο πλάτος τις τιμές στον άξονα </a:t>
-            </a:r>
-            <a:r>
-              <a:rPr lang="en-US" dirty="0"/>
-              <a:t>x </a:t>
-            </a:r>
-            <a:r>
-              <a:rPr lang="el-GR" dirty="0"/>
-              <a:t>για κάθε εποχή.</a:t>
-            </a:r>
-            <a:endParaRPr lang="en-GB" dirty="0"/>
-          </a:p>
-        </p:txBody>
-      </p:sp>
       <p:pic>
         <p:nvPicPr>
-          <p:cNvPr id="2050" name="Picture 2">
-            <a:extLst>
-              <a:ext uri="{FF2B5EF4-FFF2-40B4-BE49-F238E27FC236}">
-                <a16:creationId xmlns:a16="http://schemas.microsoft.com/office/drawing/2014/main" id="{8741A757-0916-57E1-FF73-7936DE03EC8D}"/>
+          <p:cNvPr id="1026" name="Picture 2">
+            <a:extLst>
+              <a:ext uri="{FF2B5EF4-FFF2-40B4-BE49-F238E27FC236}">
+                <a16:creationId xmlns:a16="http://schemas.microsoft.com/office/drawing/2014/main" id="{B220211B-9372-B341-7ADA-8BC6318077BB}"/>
               </a:ext>
             </a:extLst>
           </p:cNvPr>
@@ -5039,8 +5000,8 @@
         </p:blipFill>
         <p:spPr bwMode="auto">
           <a:xfrm>
-            <a:off x="7865409" y="3506471"/>
-            <a:ext cx="3270702" cy="3333600"/>
+            <a:off x="1017560" y="314326"/>
+            <a:ext cx="10156880" cy="5040000"/>
           </a:xfrm>
           <a:prstGeom prst="rect">
             <a:avLst/>
@@ -5057,198 +5018,46 @@
           </a:extLst>
         </p:spPr>
       </p:pic>
-      <p:pic>
-        <p:nvPicPr>
-          <p:cNvPr id="2052" name="Picture 4">
-            <a:extLst>
-              <a:ext uri="{FF2B5EF4-FFF2-40B4-BE49-F238E27FC236}">
-                <a16:creationId xmlns:a16="http://schemas.microsoft.com/office/drawing/2014/main" id="{AC57E845-2BE5-CCCB-27A0-FF7F45F6F131}"/>
-              </a:ext>
-            </a:extLst>
-          </p:cNvPr>
-          <p:cNvPicPr>
-            <a:picLocks noChangeAspect="1" noChangeArrowheads="1"/>
-          </p:cNvPicPr>
+      <p:sp>
+        <p:nvSpPr>
+          <p:cNvPr id="2" name="TextBox 1">
+            <a:extLst>
+              <a:ext uri="{FF2B5EF4-FFF2-40B4-BE49-F238E27FC236}">
+                <a16:creationId xmlns:a16="http://schemas.microsoft.com/office/drawing/2014/main" id="{9291E9A2-236E-D493-8C93-E45E3639B758}"/>
+              </a:ext>
+            </a:extLst>
+          </p:cNvPr>
+          <p:cNvSpPr txBox="1"/>
           <p:nvPr/>
-        </p:nvPicPr>
-        <p:blipFill>
-          <a:blip r:embed="rId3">
-            <a:extLst>
-              <a:ext uri="{28A0092B-C50C-407E-A947-70E740481C1C}">
-                <a14:useLocalDpi xmlns:a14="http://schemas.microsoft.com/office/drawing/2010/main" val="0"/>
-              </a:ext>
-            </a:extLst>
-          </a:blip>
-          <a:srcRect/>
-          <a:stretch>
-            <a:fillRect/>
-          </a:stretch>
-        </p:blipFill>
-        <p:spPr bwMode="auto">
-          <a:xfrm>
-            <a:off x="27281" y="54040"/>
-            <a:ext cx="3270702" cy="3333600"/>
+        </p:nvSpPr>
+        <p:spPr>
+          <a:xfrm>
+            <a:off x="519953" y="5647238"/>
+            <a:ext cx="11152094" cy="923330"/>
           </a:xfrm>
           <a:prstGeom prst="rect">
             <a:avLst/>
           </a:prstGeom>
           <a:noFill/>
-          <a:extLst>
-            <a:ext uri="{909E8E84-426E-40DD-AFC4-6F175D3DCCD1}">
-              <a14:hiddenFill xmlns:a14="http://schemas.microsoft.com/office/drawing/2010/main">
-                <a:solidFill>
-                  <a:srgbClr val="FFFFFF"/>
-                </a:solidFill>
-              </a14:hiddenFill>
-            </a:ext>
-          </a:extLst>
-        </p:spPr>
-      </p:pic>
-      <p:pic>
-        <p:nvPicPr>
-          <p:cNvPr id="2054" name="Picture 6">
-            <a:extLst>
-              <a:ext uri="{FF2B5EF4-FFF2-40B4-BE49-F238E27FC236}">
-                <a16:creationId xmlns:a16="http://schemas.microsoft.com/office/drawing/2014/main" id="{D97671E4-F0BC-9CAF-3A50-CA0AE5A72E26}"/>
-              </a:ext>
-            </a:extLst>
-          </p:cNvPr>
-          <p:cNvPicPr>
-            <a:picLocks noChangeAspect="1" noChangeArrowheads="1"/>
-          </p:cNvPicPr>
-          <p:nvPr/>
-        </p:nvPicPr>
-        <p:blipFill>
-          <a:blip r:embed="rId4">
-            <a:extLst>
-              <a:ext uri="{28A0092B-C50C-407E-A947-70E740481C1C}">
-                <a14:useLocalDpi xmlns:a14="http://schemas.microsoft.com/office/drawing/2010/main" val="0"/>
-              </a:ext>
-            </a:extLst>
-          </a:blip>
-          <a:srcRect/>
-          <a:stretch>
-            <a:fillRect/>
-          </a:stretch>
-        </p:blipFill>
-        <p:spPr bwMode="auto">
-          <a:xfrm>
-            <a:off x="3297983" y="54040"/>
-            <a:ext cx="3270702" cy="3333600"/>
-          </a:xfrm>
-          <a:prstGeom prst="rect">
-            <a:avLst/>
-          </a:prstGeom>
-          <a:noFill/>
-          <a:extLst>
-            <a:ext uri="{909E8E84-426E-40DD-AFC4-6F175D3DCCD1}">
-              <a14:hiddenFill xmlns:a14="http://schemas.microsoft.com/office/drawing/2010/main">
-                <a:solidFill>
-                  <a:srgbClr val="FFFFFF"/>
-                </a:solidFill>
-              </a14:hiddenFill>
-            </a:ext>
-          </a:extLst>
-        </p:spPr>
-      </p:pic>
-      <p:pic>
-        <p:nvPicPr>
-          <p:cNvPr id="2056" name="Picture 8">
-            <a:extLst>
-              <a:ext uri="{FF2B5EF4-FFF2-40B4-BE49-F238E27FC236}">
-                <a16:creationId xmlns:a16="http://schemas.microsoft.com/office/drawing/2014/main" id="{8C02B80B-F951-5FD4-F193-0F0B83606B25}"/>
-              </a:ext>
-            </a:extLst>
-          </p:cNvPr>
-          <p:cNvPicPr>
-            <a:picLocks noChangeAspect="1" noChangeArrowheads="1"/>
-          </p:cNvPicPr>
-          <p:nvPr/>
-        </p:nvPicPr>
-        <p:blipFill>
-          <a:blip r:embed="rId5">
-            <a:extLst>
-              <a:ext uri="{28A0092B-C50C-407E-A947-70E740481C1C}">
-                <a14:useLocalDpi xmlns:a14="http://schemas.microsoft.com/office/drawing/2010/main" val="0"/>
-              </a:ext>
-            </a:extLst>
-          </a:blip>
-          <a:srcRect/>
-          <a:stretch>
-            <a:fillRect/>
-          </a:stretch>
-        </p:blipFill>
-        <p:spPr bwMode="auto">
-          <a:xfrm>
-            <a:off x="27281" y="3387640"/>
-            <a:ext cx="3270702" cy="3333600"/>
-          </a:xfrm>
-          <a:prstGeom prst="rect">
-            <a:avLst/>
-          </a:prstGeom>
-          <a:noFill/>
-          <a:extLst>
-            <a:ext uri="{909E8E84-426E-40DD-AFC4-6F175D3DCCD1}">
-              <a14:hiddenFill xmlns:a14="http://schemas.microsoft.com/office/drawing/2010/main">
-                <a:solidFill>
-                  <a:srgbClr val="FFFFFF"/>
-                </a:solidFill>
-              </a14:hiddenFill>
-            </a:ext>
-          </a:extLst>
-        </p:spPr>
-      </p:pic>
-      <p:pic>
-        <p:nvPicPr>
-          <p:cNvPr id="2058" name="Picture 10">
-            <a:extLst>
-              <a:ext uri="{FF2B5EF4-FFF2-40B4-BE49-F238E27FC236}">
-                <a16:creationId xmlns:a16="http://schemas.microsoft.com/office/drawing/2014/main" id="{CB07A313-5B58-D286-1A25-7181E05767B1}"/>
-              </a:ext>
-            </a:extLst>
-          </p:cNvPr>
-          <p:cNvPicPr>
-            <a:picLocks noChangeAspect="1" noChangeArrowheads="1"/>
-          </p:cNvPicPr>
-          <p:nvPr/>
-        </p:nvPicPr>
-        <p:blipFill>
-          <a:blip r:embed="rId6">
-            <a:extLst>
-              <a:ext uri="{28A0092B-C50C-407E-A947-70E740481C1C}">
-                <a14:useLocalDpi xmlns:a14="http://schemas.microsoft.com/office/drawing/2010/main" val="0"/>
-              </a:ext>
-            </a:extLst>
-          </a:blip>
-          <a:srcRect/>
-          <a:stretch>
-            <a:fillRect/>
-          </a:stretch>
-        </p:blipFill>
-        <p:spPr bwMode="auto">
-          <a:xfrm>
-            <a:off x="3297983" y="3387640"/>
-            <a:ext cx="3270702" cy="3333600"/>
-          </a:xfrm>
-          <a:prstGeom prst="rect">
-            <a:avLst/>
-          </a:prstGeom>
-          <a:noFill/>
-          <a:extLst>
-            <a:ext uri="{909E8E84-426E-40DD-AFC4-6F175D3DCCD1}">
-              <a14:hiddenFill xmlns:a14="http://schemas.microsoft.com/office/drawing/2010/main">
-                <a:solidFill>
-                  <a:srgbClr val="FFFFFF"/>
-                </a:solidFill>
-              </a14:hiddenFill>
-            </a:ext>
-          </a:extLst>
-        </p:spPr>
-      </p:pic>
+        </p:spPr>
+        <p:txBody>
+          <a:bodyPr wrap="square" rtlCol="0">
+            <a:spAutoFit/>
+          </a:bodyPr>
+          <a:lstStyle/>
+          <a:p>
+            <a:r>
+              <a:rPr lang="el-GR" dirty="0"/>
+              <a:t>Στην στρατόσφαιρα, το ποσοστό της συγκέντρωσης του νερού είναι πολύ μικρότερο για όλες τις εποχές κα τα γεωγραφικά πλάτη. Αυτό είναι αναμενόμενο καθώς όπως είδαμε και σε προηγούμενες διαφάνειες, η συγκέντρωση του νερού μειώνεται εκθετικά με την αύξηση του ύψους.</a:t>
+            </a:r>
+            <a:endParaRPr lang="en-GB" dirty="0"/>
+          </a:p>
+        </p:txBody>
+      </p:sp>
     </p:spTree>
     <p:extLst>
       <p:ext uri="{BB962C8B-B14F-4D97-AF65-F5344CB8AC3E}">
-        <p14:creationId xmlns:p14="http://schemas.microsoft.com/office/powerpoint/2010/main" val="3494796993"/>
+        <p14:creationId xmlns:p14="http://schemas.microsoft.com/office/powerpoint/2010/main" val="503778855"/>
       </p:ext>
     </p:extLst>
   </p:cSld>
@@ -5275,12 +5084,56 @@
           <a:chExt cx="0" cy="0"/>
         </a:xfrm>
       </p:grpSpPr>
+      <p:sp>
+        <p:nvSpPr>
+          <p:cNvPr id="2" name="TextBox 1">
+            <a:extLst>
+              <a:ext uri="{FF2B5EF4-FFF2-40B4-BE49-F238E27FC236}">
+                <a16:creationId xmlns:a16="http://schemas.microsoft.com/office/drawing/2014/main" id="{4E61B2C6-11F1-DB6A-874D-15606D3DFAC4}"/>
+              </a:ext>
+            </a:extLst>
+          </p:cNvPr>
+          <p:cNvSpPr txBox="1"/>
+          <p:nvPr/>
+        </p:nvSpPr>
+        <p:spPr>
+          <a:xfrm>
+            <a:off x="6595968" y="17930"/>
+            <a:ext cx="5461561" cy="3139321"/>
+          </a:xfrm>
+          <a:prstGeom prst="rect">
+            <a:avLst/>
+          </a:prstGeom>
+          <a:noFill/>
+        </p:spPr>
+        <p:txBody>
+          <a:bodyPr wrap="square" rtlCol="0">
+            <a:spAutoFit/>
+          </a:bodyPr>
+          <a:lstStyle/>
+          <a:p>
+            <a:r>
+              <a:rPr lang="el-GR" dirty="0"/>
+              <a:t>Γνωρίζουμε ότι το μεγαλύτερο ποσοστό του όζοντος βρίσκεται στην στρατόσφαιρα όπου κυριαρχεί ο ρυθμός παραγωγής του, κάτι που επιβεβαιώνεται σε όλες τις γραφικές. Λόγω της μεταβολής της ηλιακής δραστηριότητας μέσα στον χρόνο, αναμένουμε μεγαλύτερες τιμές συγκέντρωσης κατά το χειμώνα, καθώς το καλοκαίρι κυριαρχεί ο ρυθμός διάσπασής του λόγω της απορρόφησης μεγαλύτερου μέρους της ακτινοβολίας κάτι που επίσης βλέπουμε στις γραφικές αν συγκρίνουμε για το ίδιο πλάτος τις τιμές στον άξονα </a:t>
+            </a:r>
+            <a:r>
+              <a:rPr lang="en-US" dirty="0"/>
+              <a:t>x </a:t>
+            </a:r>
+            <a:r>
+              <a:rPr lang="el-GR" dirty="0"/>
+              <a:t>για κάθε εποχή.</a:t>
+            </a:r>
+            <a:endParaRPr lang="en-GB" dirty="0"/>
+          </a:p>
+        </p:txBody>
+      </p:sp>
       <p:pic>
         <p:nvPicPr>
-          <p:cNvPr id="10242" name="Picture 2">
-            <a:extLst>
-              <a:ext uri="{FF2B5EF4-FFF2-40B4-BE49-F238E27FC236}">
-                <a16:creationId xmlns:a16="http://schemas.microsoft.com/office/drawing/2014/main" id="{CFFA0BBC-7F97-60B7-7132-0DA9E3405A6B}"/>
+          <p:cNvPr id="2050" name="Picture 2">
+            <a:extLst>
+              <a:ext uri="{FF2B5EF4-FFF2-40B4-BE49-F238E27FC236}">
+                <a16:creationId xmlns:a16="http://schemas.microsoft.com/office/drawing/2014/main" id="{8741A757-0916-57E1-FF73-7936DE03EC8D}"/>
               </a:ext>
             </a:extLst>
           </p:cNvPr>
@@ -5304,22 +5157,13 @@
         </p:blipFill>
         <p:spPr bwMode="auto">
           <a:xfrm>
-            <a:off x="287261" y="741104"/>
-            <a:ext cx="6678318" cy="5400000"/>
+            <a:off x="7865409" y="3506471"/>
+            <a:ext cx="3270702" cy="3333600"/>
           </a:xfrm>
           <a:prstGeom prst="rect">
             <a:avLst/>
           </a:prstGeom>
-          <a:ln>
-            <a:noFill/>
-          </a:ln>
-          <a:effectLst>
-            <a:outerShdw blurRad="292100" dist="139700" dir="2700000" algn="tl" rotWithShape="0">
-              <a:srgbClr val="333333">
-                <a:alpha val="65000"/>
-              </a:srgbClr>
-            </a:outerShdw>
-          </a:effectLst>
+          <a:noFill/>
           <a:extLst>
             <a:ext uri="{909E8E84-426E-40DD-AFC4-6F175D3DCCD1}">
               <a14:hiddenFill xmlns:a14="http://schemas.microsoft.com/office/drawing/2010/main">
@@ -5331,62 +5175,198 @@
           </a:extLst>
         </p:spPr>
       </p:pic>
-      <p:sp>
-        <p:nvSpPr>
-          <p:cNvPr id="2" name="TextBox 1">
-            <a:extLst>
-              <a:ext uri="{FF2B5EF4-FFF2-40B4-BE49-F238E27FC236}">
-                <a16:creationId xmlns:a16="http://schemas.microsoft.com/office/drawing/2014/main" id="{23B3E831-1269-EDEC-B694-806C47C84421}"/>
-              </a:ext>
-            </a:extLst>
-          </p:cNvPr>
-          <p:cNvSpPr txBox="1"/>
+      <p:pic>
+        <p:nvPicPr>
+          <p:cNvPr id="2052" name="Picture 4">
+            <a:extLst>
+              <a:ext uri="{FF2B5EF4-FFF2-40B4-BE49-F238E27FC236}">
+                <a16:creationId xmlns:a16="http://schemas.microsoft.com/office/drawing/2014/main" id="{AC57E845-2BE5-CCCB-27A0-FF7F45F6F131}"/>
+              </a:ext>
+            </a:extLst>
+          </p:cNvPr>
+          <p:cNvPicPr>
+            <a:picLocks noChangeAspect="1" noChangeArrowheads="1"/>
+          </p:cNvPicPr>
           <p:nvPr/>
-        </p:nvSpPr>
-        <p:spPr>
-          <a:xfrm>
-            <a:off x="7351059" y="170330"/>
-            <a:ext cx="4553680" cy="6740307"/>
+        </p:nvPicPr>
+        <p:blipFill>
+          <a:blip r:embed="rId3">
+            <a:extLst>
+              <a:ext uri="{28A0092B-C50C-407E-A947-70E740481C1C}">
+                <a14:useLocalDpi xmlns:a14="http://schemas.microsoft.com/office/drawing/2010/main" val="0"/>
+              </a:ext>
+            </a:extLst>
+          </a:blip>
+          <a:srcRect/>
+          <a:stretch>
+            <a:fillRect/>
+          </a:stretch>
+        </p:blipFill>
+        <p:spPr bwMode="auto">
+          <a:xfrm>
+            <a:off x="27281" y="54040"/>
+            <a:ext cx="3270702" cy="3333600"/>
           </a:xfrm>
           <a:prstGeom prst="rect">
             <a:avLst/>
           </a:prstGeom>
           <a:noFill/>
-        </p:spPr>
-        <p:txBody>
-          <a:bodyPr wrap="square" rtlCol="0">
-            <a:spAutoFit/>
-          </a:bodyPr>
-          <a:lstStyle/>
-          <a:p>
-            <a:r>
-              <a:rPr lang="el-GR" dirty="0"/>
-              <a:t>Στο διπλανό διάγραμμα παρατηρούμε ότι το όζον αποτελεί μονάχα περίπου το 0.00004% της συνολικής μάζας της ατμόσφαιρας. Στους τροπικούς παρατηρούμε την ελάχιστη τιμή με μόλις 3.52 * 10⁻⁵ % το οποίο είναι αναμενόμενο καθώς γνωρίζουμε ότι λόγω των μηχανισμών κίνησης των αερίων μαζών στην ατμόσφαιρα, το όζον μετακινείται από τους τροπικούς προς τους πόλους. Στα υπόλοιπα γεωγραφικά πλάτη, παρατηρούμε ότι η συγκέντρωσή του είναι ελάχιστα μεγαλύτερη κατά την χειμερινή περίοδο. Αυτό συμβαίνει διότι το όζον διασπάται υπό την παρουσία ηλιακής ακτινοβολίας και κατά την θερινή περίοδο που παρατηρούνται περισσότερες ώρες ηλιοφάνειας, διασπάται μεγαλύτερη ποσότητα όζοντος σε σχέση με την χειμερινή περίοδο. Μικρή απόκλιση παρατηρούμε και αν συγκρίνουμε για την ίδια εποχή τα μέσα με τα </a:t>
-            </a:r>
-            <a:r>
-              <a:rPr lang="el-GR" dirty="0" err="1"/>
-              <a:t>υπο</a:t>
-            </a:r>
-            <a:r>
-              <a:rPr lang="el-GR" dirty="0"/>
-              <a:t>-αρκτικά πλάτη. Λόγω της κλίσης της Γης, η ακτινοβολία που δέχονται τα </a:t>
-            </a:r>
-            <a:r>
-              <a:rPr lang="el-GR" dirty="0" err="1"/>
-              <a:t>υπο</a:t>
-            </a:r>
-            <a:r>
-              <a:rPr lang="el-GR" dirty="0"/>
-              <a:t>-αρκτικά πλάτη είναι λιγότερη και συνεπώς η συγκέντρωση του όζοντος είναι ελάχιστα μεγαλύτερη.</a:t>
-            </a:r>
-            <a:endParaRPr lang="en-GB" dirty="0"/>
-          </a:p>
-        </p:txBody>
-      </p:sp>
+          <a:extLst>
+            <a:ext uri="{909E8E84-426E-40DD-AFC4-6F175D3DCCD1}">
+              <a14:hiddenFill xmlns:a14="http://schemas.microsoft.com/office/drawing/2010/main">
+                <a:solidFill>
+                  <a:srgbClr val="FFFFFF"/>
+                </a:solidFill>
+              </a14:hiddenFill>
+            </a:ext>
+          </a:extLst>
+        </p:spPr>
+      </p:pic>
+      <p:pic>
+        <p:nvPicPr>
+          <p:cNvPr id="2054" name="Picture 6">
+            <a:extLst>
+              <a:ext uri="{FF2B5EF4-FFF2-40B4-BE49-F238E27FC236}">
+                <a16:creationId xmlns:a16="http://schemas.microsoft.com/office/drawing/2014/main" id="{D97671E4-F0BC-9CAF-3A50-CA0AE5A72E26}"/>
+              </a:ext>
+            </a:extLst>
+          </p:cNvPr>
+          <p:cNvPicPr>
+            <a:picLocks noChangeAspect="1" noChangeArrowheads="1"/>
+          </p:cNvPicPr>
+          <p:nvPr/>
+        </p:nvPicPr>
+        <p:blipFill>
+          <a:blip r:embed="rId4">
+            <a:extLst>
+              <a:ext uri="{28A0092B-C50C-407E-A947-70E740481C1C}">
+                <a14:useLocalDpi xmlns:a14="http://schemas.microsoft.com/office/drawing/2010/main" val="0"/>
+              </a:ext>
+            </a:extLst>
+          </a:blip>
+          <a:srcRect/>
+          <a:stretch>
+            <a:fillRect/>
+          </a:stretch>
+        </p:blipFill>
+        <p:spPr bwMode="auto">
+          <a:xfrm>
+            <a:off x="3297983" y="54040"/>
+            <a:ext cx="3270702" cy="3333600"/>
+          </a:xfrm>
+          <a:prstGeom prst="rect">
+            <a:avLst/>
+          </a:prstGeom>
+          <a:noFill/>
+          <a:extLst>
+            <a:ext uri="{909E8E84-426E-40DD-AFC4-6F175D3DCCD1}">
+              <a14:hiddenFill xmlns:a14="http://schemas.microsoft.com/office/drawing/2010/main">
+                <a:solidFill>
+                  <a:srgbClr val="FFFFFF"/>
+                </a:solidFill>
+              </a14:hiddenFill>
+            </a:ext>
+          </a:extLst>
+        </p:spPr>
+      </p:pic>
+      <p:pic>
+        <p:nvPicPr>
+          <p:cNvPr id="2056" name="Picture 8">
+            <a:extLst>
+              <a:ext uri="{FF2B5EF4-FFF2-40B4-BE49-F238E27FC236}">
+                <a16:creationId xmlns:a16="http://schemas.microsoft.com/office/drawing/2014/main" id="{8C02B80B-F951-5FD4-F193-0F0B83606B25}"/>
+              </a:ext>
+            </a:extLst>
+          </p:cNvPr>
+          <p:cNvPicPr>
+            <a:picLocks noChangeAspect="1" noChangeArrowheads="1"/>
+          </p:cNvPicPr>
+          <p:nvPr/>
+        </p:nvPicPr>
+        <p:blipFill>
+          <a:blip r:embed="rId5">
+            <a:extLst>
+              <a:ext uri="{28A0092B-C50C-407E-A947-70E740481C1C}">
+                <a14:useLocalDpi xmlns:a14="http://schemas.microsoft.com/office/drawing/2010/main" val="0"/>
+              </a:ext>
+            </a:extLst>
+          </a:blip>
+          <a:srcRect/>
+          <a:stretch>
+            <a:fillRect/>
+          </a:stretch>
+        </p:blipFill>
+        <p:spPr bwMode="auto">
+          <a:xfrm>
+            <a:off x="27281" y="3387640"/>
+            <a:ext cx="3270702" cy="3333600"/>
+          </a:xfrm>
+          <a:prstGeom prst="rect">
+            <a:avLst/>
+          </a:prstGeom>
+          <a:noFill/>
+          <a:extLst>
+            <a:ext uri="{909E8E84-426E-40DD-AFC4-6F175D3DCCD1}">
+              <a14:hiddenFill xmlns:a14="http://schemas.microsoft.com/office/drawing/2010/main">
+                <a:solidFill>
+                  <a:srgbClr val="FFFFFF"/>
+                </a:solidFill>
+              </a14:hiddenFill>
+            </a:ext>
+          </a:extLst>
+        </p:spPr>
+      </p:pic>
+      <p:pic>
+        <p:nvPicPr>
+          <p:cNvPr id="2058" name="Picture 10">
+            <a:extLst>
+              <a:ext uri="{FF2B5EF4-FFF2-40B4-BE49-F238E27FC236}">
+                <a16:creationId xmlns:a16="http://schemas.microsoft.com/office/drawing/2014/main" id="{CB07A313-5B58-D286-1A25-7181E05767B1}"/>
+              </a:ext>
+            </a:extLst>
+          </p:cNvPr>
+          <p:cNvPicPr>
+            <a:picLocks noChangeAspect="1" noChangeArrowheads="1"/>
+          </p:cNvPicPr>
+          <p:nvPr/>
+        </p:nvPicPr>
+        <p:blipFill>
+          <a:blip r:embed="rId6">
+            <a:extLst>
+              <a:ext uri="{28A0092B-C50C-407E-A947-70E740481C1C}">
+                <a14:useLocalDpi xmlns:a14="http://schemas.microsoft.com/office/drawing/2010/main" val="0"/>
+              </a:ext>
+            </a:extLst>
+          </a:blip>
+          <a:srcRect/>
+          <a:stretch>
+            <a:fillRect/>
+          </a:stretch>
+        </p:blipFill>
+        <p:spPr bwMode="auto">
+          <a:xfrm>
+            <a:off x="3297983" y="3387640"/>
+            <a:ext cx="3270702" cy="3333600"/>
+          </a:xfrm>
+          <a:prstGeom prst="rect">
+            <a:avLst/>
+          </a:prstGeom>
+          <a:noFill/>
+          <a:extLst>
+            <a:ext uri="{909E8E84-426E-40DD-AFC4-6F175D3DCCD1}">
+              <a14:hiddenFill xmlns:a14="http://schemas.microsoft.com/office/drawing/2010/main">
+                <a:solidFill>
+                  <a:srgbClr val="FFFFFF"/>
+                </a:solidFill>
+              </a14:hiddenFill>
+            </a:ext>
+          </a:extLst>
+        </p:spPr>
+      </p:pic>
     </p:spTree>
     <p:extLst>
       <p:ext uri="{BB962C8B-B14F-4D97-AF65-F5344CB8AC3E}">
-        <p14:creationId xmlns:p14="http://schemas.microsoft.com/office/powerpoint/2010/main" val="1740667269"/>
+        <p14:creationId xmlns:p14="http://schemas.microsoft.com/office/powerpoint/2010/main" val="3494796993"/>
       </p:ext>
     </p:extLst>
   </p:cSld>
@@ -5415,10 +5395,10 @@
       </p:grpSpPr>
       <p:pic>
         <p:nvPicPr>
-          <p:cNvPr id="1026" name="Picture 2">
-            <a:extLst>
-              <a:ext uri="{FF2B5EF4-FFF2-40B4-BE49-F238E27FC236}">
-                <a16:creationId xmlns:a16="http://schemas.microsoft.com/office/drawing/2014/main" id="{16785F87-B7B5-D339-C476-1CAE6D6BE2FD}"/>
+          <p:cNvPr id="10242" name="Picture 2">
+            <a:extLst>
+              <a:ext uri="{FF2B5EF4-FFF2-40B4-BE49-F238E27FC236}">
+                <a16:creationId xmlns:a16="http://schemas.microsoft.com/office/drawing/2014/main" id="{CFFA0BBC-7F97-60B7-7132-0DA9E3405A6B}"/>
               </a:ext>
             </a:extLst>
           </p:cNvPr>
@@ -5442,8 +5422,8 @@
         </p:blipFill>
         <p:spPr bwMode="auto">
           <a:xfrm>
-            <a:off x="483534" y="729000"/>
-            <a:ext cx="6905310" cy="5400000"/>
+            <a:off x="287261" y="741104"/>
+            <a:ext cx="6678318" cy="5400000"/>
           </a:xfrm>
           <a:prstGeom prst="rect">
             <a:avLst/>
@@ -5474,7 +5454,7 @@
           <p:cNvPr id="2" name="TextBox 1">
             <a:extLst>
               <a:ext uri="{FF2B5EF4-FFF2-40B4-BE49-F238E27FC236}">
-                <a16:creationId xmlns:a16="http://schemas.microsoft.com/office/drawing/2014/main" id="{60A51A83-EB29-4E7B-C7AA-7BB1C9A4BDC6}"/>
+                <a16:creationId xmlns:a16="http://schemas.microsoft.com/office/drawing/2014/main" id="{23B3E831-1269-EDEC-B694-806C47C84421}"/>
               </a:ext>
             </a:extLst>
           </p:cNvPr>
@@ -5483,8 +5463,8 @@
         </p:nvSpPr>
         <p:spPr>
           <a:xfrm>
-            <a:off x="7835153" y="1028343"/>
-            <a:ext cx="3980329" cy="4801314"/>
+            <a:off x="7351059" y="170330"/>
+            <a:ext cx="4553680" cy="6740307"/>
           </a:xfrm>
           <a:prstGeom prst="rect">
             <a:avLst/>
@@ -5499,15 +5479,23 @@
           <a:p>
             <a:r>
               <a:rPr lang="el-GR" dirty="0"/>
-              <a:t>Στην τροπόσφαιρα, το όζον υπάρχει σαν ρύπος και η συγκέντρωσή του είναι πολύ μικρή σε σχέση με την στρατόσφαιρα. Στο στρώμα αυτό της ατμόσφαιρας λειτουργεί ως αέριο του θερμοκηπίου και συμβάλλει στην θέρμανση του πλανήτη. Παρατηρούμε ότι η μικρότερη τιμή παρατηρείται πάνω από τους τροπικούς και οι υψηλότερες συγκεντρώσεις παρατηρούνται κατά την χειμερινή περίοδο. Αυτό είναι αναμενόμενο καθώς το όζον στην τροπόσφαιρα προέρχεται κυρίως από ανθρωπογενείς παράγοντες οι οποίοι εντείνονται κυρίως τις περιόδους που επικρατεί κρύο (εργοστάσια, μηχανές </a:t>
+              <a:t>Στο διπλανό διάγραμμα παρατηρούμε ότι το όζον αποτελεί μονάχα περίπου το 0.00004% της συνολικής μάζας της ατμόσφαιρας. Στους τροπικούς παρατηρούμε την ελάχιστη τιμή με μόλις 3.52 * 10⁻⁵ % το οποίο είναι αναμενόμενο καθώς γνωρίζουμε ότι λόγω των μηχανισμών κίνησης των αερίων μαζών στην ατμόσφαιρα, το όζον μετακινείται από τους τροπικούς προς τους πόλους. Στα υπόλοιπα γεωγραφικά πλάτη, παρατηρούμε ότι η συγκέντρωσή του είναι ελάχιστα μεγαλύτερη κατά την χειμερινή περίοδο. Αυτό συμβαίνει διότι το όζον διασπάται υπό την παρουσία ηλιακής ακτινοβολίας και κατά την θερινή περίοδο που παρατηρούνται περισσότερες ώρες ηλιοφάνειας, διασπάται μεγαλύτερη ποσότητα όζοντος σε σχέση με την χειμερινή περίοδο. Μικρή απόκλιση παρατηρούμε και αν συγκρίνουμε για την ίδια εποχή τα μέσα με τα </a:t>
             </a:r>
             <a:r>
               <a:rPr lang="el-GR" dirty="0" err="1"/>
-              <a:t>κλπ</a:t>
+              <a:t>υπο</a:t>
             </a:r>
             <a:r>
               <a:rPr lang="el-GR" dirty="0"/>
-              <a:t>)</a:t>
+              <a:t>-αρκτικά πλάτη. Λόγω της κλίσης της Γης, η ακτινοβολία που δέχονται τα </a:t>
+            </a:r>
+            <a:r>
+              <a:rPr lang="el-GR" dirty="0" err="1"/>
+              <a:t>υπο</a:t>
+            </a:r>
+            <a:r>
+              <a:rPr lang="el-GR" dirty="0"/>
+              <a:t>-αρκτικά πλάτη είναι λιγότερη και συνεπώς η συγκέντρωση του όζοντος είναι ελάχιστα μεγαλύτερη.</a:t>
             </a:r>
             <a:endParaRPr lang="en-GB" dirty="0"/>
           </a:p>
@@ -5516,7 +5504,7 @@
     </p:spTree>
     <p:extLst>
       <p:ext uri="{BB962C8B-B14F-4D97-AF65-F5344CB8AC3E}">
-        <p14:creationId xmlns:p14="http://schemas.microsoft.com/office/powerpoint/2010/main" val="3644856011"/>
+        <p14:creationId xmlns:p14="http://schemas.microsoft.com/office/powerpoint/2010/main" val="1740667269"/>
       </p:ext>
     </p:extLst>
   </p:cSld>
@@ -5543,56 +5531,12 @@
           <a:chExt cx="0" cy="0"/>
         </a:xfrm>
       </p:grpSpPr>
-      <p:sp>
-        <p:nvSpPr>
-          <p:cNvPr id="2" name="TextBox 1">
-            <a:extLst>
-              <a:ext uri="{FF2B5EF4-FFF2-40B4-BE49-F238E27FC236}">
-                <a16:creationId xmlns:a16="http://schemas.microsoft.com/office/drawing/2014/main" id="{FE14A150-41D7-7317-2D47-2A6B0D68AFDE}"/>
-              </a:ext>
-            </a:extLst>
-          </p:cNvPr>
-          <p:cNvSpPr txBox="1"/>
-          <p:nvPr/>
-        </p:nvSpPr>
-        <p:spPr>
-          <a:xfrm>
-            <a:off x="6781406" y="188057"/>
-            <a:ext cx="5367855" cy="3139321"/>
-          </a:xfrm>
-          <a:prstGeom prst="rect">
-            <a:avLst/>
-          </a:prstGeom>
-          <a:noFill/>
-        </p:spPr>
-        <p:txBody>
-          <a:bodyPr wrap="square" rtlCol="0">
-            <a:spAutoFit/>
-          </a:bodyPr>
-          <a:lstStyle/>
-          <a:p>
-            <a:r>
-              <a:rPr lang="el-GR" dirty="0"/>
-              <a:t>Το ΝΟ2 θεωρείται ρύπος στην ατμόσφαιρα και σχηματίζεται κυρίως λόγω της διαδικασίας της καύσης σε υψηλές θερμοκρασίες. Τέτοιες διεργασίες τείνουν να είναι περισσότερες κατά την χειμερινή περίοδο οπότε η μικρή αύξηση που παρατηρείται στην συγκέντρωση του ΝΟ2 κοντά στην επιφάνεια της Γης (και κυρίως στα </a:t>
-            </a:r>
-            <a:r>
-              <a:rPr lang="el-GR" dirty="0" err="1"/>
-              <a:t>υπο</a:t>
-            </a:r>
-            <a:r>
-              <a:rPr lang="el-GR" dirty="0"/>
-              <a:t>-αρκτικά πλάτη) είναι δικαιολογημένη. Στην στρατόσφαιρα, παρατηρείται η μεγαλύτερη συγκέντρωση του αερίου και με υψηλότερες τιμές κατά την θερινή περίοδο καθώς το αέριο είναι παράγωγο της διάσπασης του όζοντος.</a:t>
-            </a:r>
-            <a:endParaRPr lang="en-GB" dirty="0"/>
-          </a:p>
-        </p:txBody>
-      </p:sp>
       <p:pic>
         <p:nvPicPr>
-          <p:cNvPr id="5122" name="Picture 2">
-            <a:extLst>
-              <a:ext uri="{FF2B5EF4-FFF2-40B4-BE49-F238E27FC236}">
-                <a16:creationId xmlns:a16="http://schemas.microsoft.com/office/drawing/2014/main" id="{19A2AE54-5E67-3455-41E0-DB2D8861E44B}"/>
+          <p:cNvPr id="1026" name="Picture 2">
+            <a:extLst>
+              <a:ext uri="{FF2B5EF4-FFF2-40B4-BE49-F238E27FC236}">
+                <a16:creationId xmlns:a16="http://schemas.microsoft.com/office/drawing/2014/main" id="{16785F87-B7B5-D339-C476-1CAE6D6BE2FD}"/>
               </a:ext>
             </a:extLst>
           </p:cNvPr>
@@ -5616,13 +5560,22 @@
         </p:blipFill>
         <p:spPr bwMode="auto">
           <a:xfrm>
-            <a:off x="7829983" y="3424518"/>
-            <a:ext cx="3270702" cy="3333600"/>
+            <a:off x="483534" y="729000"/>
+            <a:ext cx="6905310" cy="5400000"/>
           </a:xfrm>
           <a:prstGeom prst="rect">
             <a:avLst/>
           </a:prstGeom>
-          <a:noFill/>
+          <a:ln>
+            <a:noFill/>
+          </a:ln>
+          <a:effectLst>
+            <a:outerShdw blurRad="292100" dist="139700" dir="2700000" algn="tl" rotWithShape="0">
+              <a:srgbClr val="333333">
+                <a:alpha val="65000"/>
+              </a:srgbClr>
+            </a:outerShdw>
+          </a:effectLst>
           <a:extLst>
             <a:ext uri="{909E8E84-426E-40DD-AFC4-6F175D3DCCD1}">
               <a14:hiddenFill xmlns:a14="http://schemas.microsoft.com/office/drawing/2010/main">
@@ -5634,198 +5587,54 @@
           </a:extLst>
         </p:spPr>
       </p:pic>
-      <p:pic>
-        <p:nvPicPr>
-          <p:cNvPr id="5124" name="Picture 4">
-            <a:extLst>
-              <a:ext uri="{FF2B5EF4-FFF2-40B4-BE49-F238E27FC236}">
-                <a16:creationId xmlns:a16="http://schemas.microsoft.com/office/drawing/2014/main" id="{053CE411-0F16-F7B6-29DC-46CC281C520F}"/>
-              </a:ext>
-            </a:extLst>
-          </p:cNvPr>
-          <p:cNvPicPr>
-            <a:picLocks noChangeAspect="1" noChangeArrowheads="1"/>
-          </p:cNvPicPr>
+      <p:sp>
+        <p:nvSpPr>
+          <p:cNvPr id="2" name="TextBox 1">
+            <a:extLst>
+              <a:ext uri="{FF2B5EF4-FFF2-40B4-BE49-F238E27FC236}">
+                <a16:creationId xmlns:a16="http://schemas.microsoft.com/office/drawing/2014/main" id="{60A51A83-EB29-4E7B-C7AA-7BB1C9A4BDC6}"/>
+              </a:ext>
+            </a:extLst>
+          </p:cNvPr>
+          <p:cNvSpPr txBox="1"/>
           <p:nvPr/>
-        </p:nvPicPr>
-        <p:blipFill>
-          <a:blip r:embed="rId3">
-            <a:extLst>
-              <a:ext uri="{28A0092B-C50C-407E-A947-70E740481C1C}">
-                <a14:useLocalDpi xmlns:a14="http://schemas.microsoft.com/office/drawing/2010/main" val="0"/>
-              </a:ext>
-            </a:extLst>
-          </a:blip>
-          <a:srcRect/>
-          <a:stretch>
-            <a:fillRect/>
-          </a:stretch>
-        </p:blipFill>
-        <p:spPr bwMode="auto">
-          <a:xfrm>
-            <a:off x="93913" y="90918"/>
-            <a:ext cx="3389509" cy="3333600"/>
+        </p:nvSpPr>
+        <p:spPr>
+          <a:xfrm>
+            <a:off x="7835153" y="1028343"/>
+            <a:ext cx="3980329" cy="4801314"/>
           </a:xfrm>
           <a:prstGeom prst="rect">
             <a:avLst/>
           </a:prstGeom>
           <a:noFill/>
-          <a:extLst>
-            <a:ext uri="{909E8E84-426E-40DD-AFC4-6F175D3DCCD1}">
-              <a14:hiddenFill xmlns:a14="http://schemas.microsoft.com/office/drawing/2010/main">
-                <a:solidFill>
-                  <a:srgbClr val="FFFFFF"/>
-                </a:solidFill>
-              </a14:hiddenFill>
-            </a:ext>
-          </a:extLst>
-        </p:spPr>
-      </p:pic>
-      <p:pic>
-        <p:nvPicPr>
-          <p:cNvPr id="5126" name="Picture 6">
-            <a:extLst>
-              <a:ext uri="{FF2B5EF4-FFF2-40B4-BE49-F238E27FC236}">
-                <a16:creationId xmlns:a16="http://schemas.microsoft.com/office/drawing/2014/main" id="{02226AC0-01ED-6FFC-1A49-87776895FDC9}"/>
-              </a:ext>
-            </a:extLst>
-          </p:cNvPr>
-          <p:cNvPicPr>
-            <a:picLocks noChangeAspect="1" noChangeArrowheads="1"/>
-          </p:cNvPicPr>
-          <p:nvPr/>
-        </p:nvPicPr>
-        <p:blipFill>
-          <a:blip r:embed="rId4">
-            <a:extLst>
-              <a:ext uri="{28A0092B-C50C-407E-A947-70E740481C1C}">
-                <a14:useLocalDpi xmlns:a14="http://schemas.microsoft.com/office/drawing/2010/main" val="0"/>
-              </a:ext>
-            </a:extLst>
-          </a:blip>
-          <a:srcRect/>
-          <a:stretch>
-            <a:fillRect/>
-          </a:stretch>
-        </p:blipFill>
-        <p:spPr bwMode="auto">
-          <a:xfrm>
-            <a:off x="3486110" y="90918"/>
-            <a:ext cx="3270702" cy="3333600"/>
-          </a:xfrm>
-          <a:prstGeom prst="rect">
-            <a:avLst/>
-          </a:prstGeom>
-          <a:noFill/>
-          <a:extLst>
-            <a:ext uri="{909E8E84-426E-40DD-AFC4-6F175D3DCCD1}">
-              <a14:hiddenFill xmlns:a14="http://schemas.microsoft.com/office/drawing/2010/main">
-                <a:solidFill>
-                  <a:srgbClr val="FFFFFF"/>
-                </a:solidFill>
-              </a14:hiddenFill>
-            </a:ext>
-          </a:extLst>
-        </p:spPr>
-      </p:pic>
-      <p:pic>
-        <p:nvPicPr>
-          <p:cNvPr id="5128" name="Picture 8">
-            <a:extLst>
-              <a:ext uri="{FF2B5EF4-FFF2-40B4-BE49-F238E27FC236}">
-                <a16:creationId xmlns:a16="http://schemas.microsoft.com/office/drawing/2014/main" id="{BF0339F6-476D-0540-B7D0-4211E6E40779}"/>
-              </a:ext>
-            </a:extLst>
-          </p:cNvPr>
-          <p:cNvPicPr>
-            <a:picLocks noChangeAspect="1" noChangeArrowheads="1"/>
-          </p:cNvPicPr>
-          <p:nvPr/>
-        </p:nvPicPr>
-        <p:blipFill>
-          <a:blip r:embed="rId5">
-            <a:extLst>
-              <a:ext uri="{28A0092B-C50C-407E-A947-70E740481C1C}">
-                <a14:useLocalDpi xmlns:a14="http://schemas.microsoft.com/office/drawing/2010/main" val="0"/>
-              </a:ext>
-            </a:extLst>
-          </a:blip>
-          <a:srcRect/>
-          <a:stretch>
-            <a:fillRect/>
-          </a:stretch>
-        </p:blipFill>
-        <p:spPr bwMode="auto">
-          <a:xfrm>
-            <a:off x="169982" y="3431172"/>
-            <a:ext cx="3270702" cy="3333600"/>
-          </a:xfrm>
-          <a:prstGeom prst="rect">
-            <a:avLst/>
-          </a:prstGeom>
-          <a:noFill/>
-          <a:extLst>
-            <a:ext uri="{909E8E84-426E-40DD-AFC4-6F175D3DCCD1}">
-              <a14:hiddenFill xmlns:a14="http://schemas.microsoft.com/office/drawing/2010/main">
-                <a:solidFill>
-                  <a:srgbClr val="FFFFFF"/>
-                </a:solidFill>
-              </a14:hiddenFill>
-            </a:ext>
-          </a:extLst>
-        </p:spPr>
-      </p:pic>
-      <p:pic>
-        <p:nvPicPr>
-          <p:cNvPr id="5130" name="Picture 10">
-            <a:extLst>
-              <a:ext uri="{FF2B5EF4-FFF2-40B4-BE49-F238E27FC236}">
-                <a16:creationId xmlns:a16="http://schemas.microsoft.com/office/drawing/2014/main" id="{AB733F7D-2FA9-4C18-80B0-EAE53A2A9C60}"/>
-              </a:ext>
-            </a:extLst>
-          </p:cNvPr>
-          <p:cNvPicPr>
-            <a:picLocks noChangeAspect="1" noChangeArrowheads="1"/>
-          </p:cNvPicPr>
-          <p:nvPr/>
-        </p:nvPicPr>
-        <p:blipFill>
-          <a:blip r:embed="rId6">
-            <a:extLst>
-              <a:ext uri="{28A0092B-C50C-407E-A947-70E740481C1C}">
-                <a14:useLocalDpi xmlns:a14="http://schemas.microsoft.com/office/drawing/2010/main" val="0"/>
-              </a:ext>
-            </a:extLst>
-          </a:blip>
-          <a:srcRect/>
-          <a:stretch>
-            <a:fillRect/>
-          </a:stretch>
-        </p:blipFill>
-        <p:spPr bwMode="auto">
-          <a:xfrm>
-            <a:off x="3395257" y="3424518"/>
-            <a:ext cx="3361555" cy="3333600"/>
-          </a:xfrm>
-          <a:prstGeom prst="rect">
-            <a:avLst/>
-          </a:prstGeom>
-          <a:noFill/>
-          <a:extLst>
-            <a:ext uri="{909E8E84-426E-40DD-AFC4-6F175D3DCCD1}">
-              <a14:hiddenFill xmlns:a14="http://schemas.microsoft.com/office/drawing/2010/main">
-                <a:solidFill>
-                  <a:srgbClr val="FFFFFF"/>
-                </a:solidFill>
-              </a14:hiddenFill>
-            </a:ext>
-          </a:extLst>
-        </p:spPr>
-      </p:pic>
+        </p:spPr>
+        <p:txBody>
+          <a:bodyPr wrap="square" rtlCol="0">
+            <a:spAutoFit/>
+          </a:bodyPr>
+          <a:lstStyle/>
+          <a:p>
+            <a:r>
+              <a:rPr lang="el-GR" dirty="0"/>
+              <a:t>Στην τροπόσφαιρα, το όζον υπάρχει σαν ρύπος και η συγκέντρωσή του είναι πολύ μικρή σε σχέση με την στρατόσφαιρα. Στο στρώμα αυτό της ατμόσφαιρας λειτουργεί ως αέριο του θερμοκηπίου και συμβάλλει στην θέρμανση του πλανήτη. Παρατηρούμε ότι η μικρότερη τιμή παρατηρείται πάνω από τους τροπικούς και οι υψηλότερες συγκεντρώσεις παρατηρούνται κατά την χειμερινή περίοδο. Αυτό είναι αναμενόμενο καθώς το όζον στην τροπόσφαιρα προέρχεται κυρίως από ανθρωπογενείς παράγοντες οι οποίοι εντείνονται κυρίως τις περιόδους που επικρατεί κρύο (εργοστάσια, μηχανές </a:t>
+            </a:r>
+            <a:r>
+              <a:rPr lang="el-GR" dirty="0" err="1"/>
+              <a:t>κλπ</a:t>
+            </a:r>
+            <a:r>
+              <a:rPr lang="el-GR" dirty="0"/>
+              <a:t>)</a:t>
+            </a:r>
+            <a:endParaRPr lang="en-GB" dirty="0"/>
+          </a:p>
+        </p:txBody>
+      </p:sp>
     </p:spTree>
     <p:extLst>
       <p:ext uri="{BB962C8B-B14F-4D97-AF65-F5344CB8AC3E}">
-        <p14:creationId xmlns:p14="http://schemas.microsoft.com/office/powerpoint/2010/main" val="740289710"/>
+        <p14:creationId xmlns:p14="http://schemas.microsoft.com/office/powerpoint/2010/main" val="3644856011"/>
       </p:ext>
     </p:extLst>
   </p:cSld>
@@ -5854,10 +5663,10 @@
       </p:grpSpPr>
       <p:pic>
         <p:nvPicPr>
-          <p:cNvPr id="14338" name="Picture 2">
-            <a:extLst>
-              <a:ext uri="{FF2B5EF4-FFF2-40B4-BE49-F238E27FC236}">
-                <a16:creationId xmlns:a16="http://schemas.microsoft.com/office/drawing/2014/main" id="{CF4C477F-43B4-54B1-BA5E-9D2D1F7286A8}"/>
+          <p:cNvPr id="2050" name="Picture 2">
+            <a:extLst>
+              <a:ext uri="{FF2B5EF4-FFF2-40B4-BE49-F238E27FC236}">
+                <a16:creationId xmlns:a16="http://schemas.microsoft.com/office/drawing/2014/main" id="{A11A9003-53DF-1C1A-6EAD-2B3FF3FC0FF1}"/>
               </a:ext>
             </a:extLst>
           </p:cNvPr>
@@ -5881,22 +5690,13 @@
         </p:blipFill>
         <p:spPr bwMode="auto">
           <a:xfrm>
-            <a:off x="377639" y="648821"/>
-            <a:ext cx="6833628" cy="5400000"/>
+            <a:off x="1017558" y="126065"/>
+            <a:ext cx="10156881" cy="5040000"/>
           </a:xfrm>
           <a:prstGeom prst="rect">
             <a:avLst/>
           </a:prstGeom>
-          <a:ln>
-            <a:noFill/>
-          </a:ln>
-          <a:effectLst>
-            <a:outerShdw blurRad="292100" dist="139700" dir="2700000" algn="tl" rotWithShape="0">
-              <a:srgbClr val="333333">
-                <a:alpha val="65000"/>
-              </a:srgbClr>
-            </a:outerShdw>
-          </a:effectLst>
+          <a:noFill/>
           <a:extLst>
             <a:ext uri="{909E8E84-426E-40DD-AFC4-6F175D3DCCD1}">
               <a14:hiddenFill xmlns:a14="http://schemas.microsoft.com/office/drawing/2010/main">
@@ -5913,7 +5713,7 @@
           <p:cNvPr id="2" name="TextBox 1">
             <a:extLst>
               <a:ext uri="{FF2B5EF4-FFF2-40B4-BE49-F238E27FC236}">
-                <a16:creationId xmlns:a16="http://schemas.microsoft.com/office/drawing/2014/main" id="{BB16F195-9E42-BE38-58E4-FB36966A71AC}"/>
+                <a16:creationId xmlns:a16="http://schemas.microsoft.com/office/drawing/2014/main" id="{29B9718F-76E6-E0BA-0446-754AC4F3455A}"/>
               </a:ext>
             </a:extLst>
           </p:cNvPr>
@@ -5922,8 +5722,8 @@
         </p:nvSpPr>
         <p:spPr>
           <a:xfrm>
-            <a:off x="7593106" y="532665"/>
-            <a:ext cx="4087905" cy="5632311"/>
+            <a:off x="385480" y="5254607"/>
+            <a:ext cx="11421036" cy="1477328"/>
           </a:xfrm>
           <a:prstGeom prst="rect">
             <a:avLst/>
@@ -5938,23 +5738,16 @@
           <a:p>
             <a:r>
               <a:rPr lang="el-GR" dirty="0"/>
-              <a:t>Η συνολική συγκέντρωση του διοξειδίου του αζώτου, με βάση το διπλανό διάγραμμα, είναι λίγο μεγαλύτερη από 2.5 * 10⁻⁸%. Στον Ισημερινό καθώς και στην θερινή περίοδο στα μέσα και τα </a:t>
-            </a:r>
-            <a:r>
-              <a:rPr lang="el-GR" dirty="0" err="1"/>
-              <a:t>υπο</a:t>
-            </a:r>
-            <a:r>
-              <a:rPr lang="el-GR" dirty="0"/>
-              <a:t>-αρκτικά πλάτη δεν παρατηρούνται μεγάλες διακυμάνσεις. Παρατηρείται όμως εποχική διακύμανση για την συγκέντρωσή του καθώς τον χειμώνα φαίνεται πως έχουμε μικρότερο ποσοστό του ρύπου στον αέρα. Αυτό συμβαίνει διότι όπως προαναφέραμε, ένας από τους βασικούς τρόπους σχηματισμού του είναι έπειτα από την διάσπαση του όζοντος. Το όζον διασπάται υπό την παρουσία ηλιακής ακτινοβολίας η οποία είναι μειωμένη κατά την χειμερινή περίοδο και συνεπώς διασπάται μικρότερη ποσότητα όζοντος για να παραχθεί εν τέλει διοξείδιο του αζώτου.</a:t>
-            </a:r>
+              <a:t>Αντίθετα με την τροπόσφαιρα, στην στρατόσφαιρα παρατηρούμε μεγάλη αύξηση στο ποσοστό της συγκέντρωσης του όζοντος. Εδώ άλλωστε, όπως είδαμε και στην γραφική παράσταση με το υψόμετρο, βρίσκεται και η μεγαλύτερη ποσότητα του αερίου, το οποίο στο στρώμα αυτό προστατεύει την Γη από την υπεριώδη ακτινοβολία. Η διαφορά ανά γεωγραφικό πλάτος και εποχή οφείλεται ξανά στην διαφορετική ηλιακή ακτινοβολία που είναι διαθέσιμη σε καθεμία από τις περιπτώσεις.</a:t>
+            </a:r>
+            <a:endParaRPr lang="en-GB" dirty="0"/>
           </a:p>
         </p:txBody>
       </p:sp>
     </p:spTree>
     <p:extLst>
       <p:ext uri="{BB962C8B-B14F-4D97-AF65-F5344CB8AC3E}">
-        <p14:creationId xmlns:p14="http://schemas.microsoft.com/office/powerpoint/2010/main" val="4090714108"/>
+        <p14:creationId xmlns:p14="http://schemas.microsoft.com/office/powerpoint/2010/main" val="745642533"/>
       </p:ext>
     </p:extLst>
   </p:cSld>
@@ -5981,12 +5774,56 @@
           <a:chExt cx="0" cy="0"/>
         </a:xfrm>
       </p:grpSpPr>
+      <p:sp>
+        <p:nvSpPr>
+          <p:cNvPr id="2" name="TextBox 1">
+            <a:extLst>
+              <a:ext uri="{FF2B5EF4-FFF2-40B4-BE49-F238E27FC236}">
+                <a16:creationId xmlns:a16="http://schemas.microsoft.com/office/drawing/2014/main" id="{FE14A150-41D7-7317-2D47-2A6B0D68AFDE}"/>
+              </a:ext>
+            </a:extLst>
+          </p:cNvPr>
+          <p:cNvSpPr txBox="1"/>
+          <p:nvPr/>
+        </p:nvSpPr>
+        <p:spPr>
+          <a:xfrm>
+            <a:off x="6781406" y="188057"/>
+            <a:ext cx="5367855" cy="3139321"/>
+          </a:xfrm>
+          <a:prstGeom prst="rect">
+            <a:avLst/>
+          </a:prstGeom>
+          <a:noFill/>
+        </p:spPr>
+        <p:txBody>
+          <a:bodyPr wrap="square" rtlCol="0">
+            <a:spAutoFit/>
+          </a:bodyPr>
+          <a:lstStyle/>
+          <a:p>
+            <a:r>
+              <a:rPr lang="el-GR" dirty="0"/>
+              <a:t>Το ΝΟ2 θεωρείται ρύπος στην ατμόσφαιρα και σχηματίζεται κυρίως λόγω της διαδικασίας της καύσης σε υψηλές θερμοκρασίες. Τέτοιες διεργασίες τείνουν να είναι περισσότερες κατά την χειμερινή περίοδο οπότε η μικρή αύξηση που παρατηρείται στην συγκέντρωση του ΝΟ2 κοντά στην επιφάνεια της Γης (και κυρίως στα </a:t>
+            </a:r>
+            <a:r>
+              <a:rPr lang="el-GR" dirty="0" err="1"/>
+              <a:t>υπο</a:t>
+            </a:r>
+            <a:r>
+              <a:rPr lang="el-GR" dirty="0"/>
+              <a:t>-αρκτικά πλάτη) είναι δικαιολογημένη. Στην στρατόσφαιρα, παρατηρείται η μεγαλύτερη συγκέντρωση του αερίου και με υψηλότερες τιμές κατά την θερινή περίοδο καθώς το αέριο είναι παράγωγο της διάσπασης του όζοντος.</a:t>
+            </a:r>
+            <a:endParaRPr lang="en-GB" dirty="0"/>
+          </a:p>
+        </p:txBody>
+      </p:sp>
       <p:pic>
         <p:nvPicPr>
           <p:cNvPr id="5122" name="Picture 2">
             <a:extLst>
               <a:ext uri="{FF2B5EF4-FFF2-40B4-BE49-F238E27FC236}">
-                <a16:creationId xmlns:a16="http://schemas.microsoft.com/office/drawing/2014/main" id="{6EEAE4F3-4A46-8D72-D41C-D8DDB80308BE}"/>
+                <a16:creationId xmlns:a16="http://schemas.microsoft.com/office/drawing/2014/main" id="{19A2AE54-5E67-3455-41E0-DB2D8861E44B}"/>
               </a:ext>
             </a:extLst>
           </p:cNvPr>
@@ -6010,22 +5847,13 @@
         </p:blipFill>
         <p:spPr bwMode="auto">
           <a:xfrm>
-            <a:off x="677676" y="729000"/>
-            <a:ext cx="6845575" cy="5400000"/>
+            <a:off x="7829983" y="3424518"/>
+            <a:ext cx="3270702" cy="3333600"/>
           </a:xfrm>
           <a:prstGeom prst="rect">
             <a:avLst/>
           </a:prstGeom>
-          <a:ln>
-            <a:noFill/>
-          </a:ln>
-          <a:effectLst>
-            <a:outerShdw blurRad="292100" dist="139700" dir="2700000" algn="tl" rotWithShape="0">
-              <a:srgbClr val="333333">
-                <a:alpha val="65000"/>
-              </a:srgbClr>
-            </a:outerShdw>
-          </a:effectLst>
+          <a:noFill/>
           <a:extLst>
             <a:ext uri="{909E8E84-426E-40DD-AFC4-6F175D3DCCD1}">
               <a14:hiddenFill xmlns:a14="http://schemas.microsoft.com/office/drawing/2010/main">
@@ -6037,62 +5865,198 @@
           </a:extLst>
         </p:spPr>
       </p:pic>
-      <p:sp>
-        <p:nvSpPr>
-          <p:cNvPr id="2" name="TextBox 1">
-            <a:extLst>
-              <a:ext uri="{FF2B5EF4-FFF2-40B4-BE49-F238E27FC236}">
-                <a16:creationId xmlns:a16="http://schemas.microsoft.com/office/drawing/2014/main" id="{44377326-6FD4-C144-DC17-39827C33FDD8}"/>
-              </a:ext>
-            </a:extLst>
-          </p:cNvPr>
-          <p:cNvSpPr txBox="1"/>
+      <p:pic>
+        <p:nvPicPr>
+          <p:cNvPr id="5124" name="Picture 4">
+            <a:extLst>
+              <a:ext uri="{FF2B5EF4-FFF2-40B4-BE49-F238E27FC236}">
+                <a16:creationId xmlns:a16="http://schemas.microsoft.com/office/drawing/2014/main" id="{053CE411-0F16-F7B6-29DC-46CC281C520F}"/>
+              </a:ext>
+            </a:extLst>
+          </p:cNvPr>
+          <p:cNvPicPr>
+            <a:picLocks noChangeAspect="1" noChangeArrowheads="1"/>
+          </p:cNvPicPr>
           <p:nvPr/>
-        </p:nvSpPr>
-        <p:spPr>
-          <a:xfrm>
-            <a:off x="7960659" y="889843"/>
-            <a:ext cx="3684494" cy="5078313"/>
+        </p:nvPicPr>
+        <p:blipFill>
+          <a:blip r:embed="rId3">
+            <a:extLst>
+              <a:ext uri="{28A0092B-C50C-407E-A947-70E740481C1C}">
+                <a14:useLocalDpi xmlns:a14="http://schemas.microsoft.com/office/drawing/2010/main" val="0"/>
+              </a:ext>
+            </a:extLst>
+          </a:blip>
+          <a:srcRect/>
+          <a:stretch>
+            <a:fillRect/>
+          </a:stretch>
+        </p:blipFill>
+        <p:spPr bwMode="auto">
+          <a:xfrm>
+            <a:off x="93913" y="90918"/>
+            <a:ext cx="3389509" cy="3333600"/>
           </a:xfrm>
           <a:prstGeom prst="rect">
             <a:avLst/>
           </a:prstGeom>
           <a:noFill/>
-        </p:spPr>
-        <p:txBody>
-          <a:bodyPr wrap="square" rtlCol="0">
-            <a:spAutoFit/>
-          </a:bodyPr>
-          <a:lstStyle/>
-          <a:p>
-            <a:r>
-              <a:rPr lang="el-GR" dirty="0"/>
-              <a:t>Η παρουσία του διοξειδίου του αζώτου στην τροπόσφαιρα, προέρχεται από παράγοντες όπως οι αστικές εκπομπές ρύπων, οι πυρκαγιές, οι μικροβιολογικές εκπομπές, οι κεραυνοί και η δραστηριότητα των αεροσκαφών. Παρατηρούμε ότι οι μέγιστες τιμές εντοπίζονται για την περιοχή των τροπικών και με πολύ μικρή απόκλιση ακολουθούν οι θερινές περίοδοι σε μέσα και </a:t>
-            </a:r>
-            <a:r>
-              <a:rPr lang="el-GR" dirty="0" err="1"/>
-              <a:t>υπο</a:t>
-            </a:r>
-            <a:r>
-              <a:rPr lang="el-GR" dirty="0"/>
-              <a:t>-αρκτικά πλάτη. Οι τιμές στις χειμερινές περιόδους είναι λίγο χαμηλότερες, χωρίς όμως να εντοπίζεται έντονη διαφοροποίηση σε σχέση με τις υπόλοιπες περιπτώσεις που </a:t>
-            </a:r>
-            <a:r>
-              <a:rPr lang="el-GR" dirty="0" err="1"/>
-              <a:t>μελατάμε</a:t>
-            </a:r>
-            <a:r>
-              <a:rPr lang="el-GR" dirty="0"/>
-              <a:t>.</a:t>
-            </a:r>
-            <a:endParaRPr lang="en-GB" dirty="0"/>
-          </a:p>
-        </p:txBody>
-      </p:sp>
+          <a:extLst>
+            <a:ext uri="{909E8E84-426E-40DD-AFC4-6F175D3DCCD1}">
+              <a14:hiddenFill xmlns:a14="http://schemas.microsoft.com/office/drawing/2010/main">
+                <a:solidFill>
+                  <a:srgbClr val="FFFFFF"/>
+                </a:solidFill>
+              </a14:hiddenFill>
+            </a:ext>
+          </a:extLst>
+        </p:spPr>
+      </p:pic>
+      <p:pic>
+        <p:nvPicPr>
+          <p:cNvPr id="5126" name="Picture 6">
+            <a:extLst>
+              <a:ext uri="{FF2B5EF4-FFF2-40B4-BE49-F238E27FC236}">
+                <a16:creationId xmlns:a16="http://schemas.microsoft.com/office/drawing/2014/main" id="{02226AC0-01ED-6FFC-1A49-87776895FDC9}"/>
+              </a:ext>
+            </a:extLst>
+          </p:cNvPr>
+          <p:cNvPicPr>
+            <a:picLocks noChangeAspect="1" noChangeArrowheads="1"/>
+          </p:cNvPicPr>
+          <p:nvPr/>
+        </p:nvPicPr>
+        <p:blipFill>
+          <a:blip r:embed="rId4">
+            <a:extLst>
+              <a:ext uri="{28A0092B-C50C-407E-A947-70E740481C1C}">
+                <a14:useLocalDpi xmlns:a14="http://schemas.microsoft.com/office/drawing/2010/main" val="0"/>
+              </a:ext>
+            </a:extLst>
+          </a:blip>
+          <a:srcRect/>
+          <a:stretch>
+            <a:fillRect/>
+          </a:stretch>
+        </p:blipFill>
+        <p:spPr bwMode="auto">
+          <a:xfrm>
+            <a:off x="3486110" y="90918"/>
+            <a:ext cx="3270702" cy="3333600"/>
+          </a:xfrm>
+          <a:prstGeom prst="rect">
+            <a:avLst/>
+          </a:prstGeom>
+          <a:noFill/>
+          <a:extLst>
+            <a:ext uri="{909E8E84-426E-40DD-AFC4-6F175D3DCCD1}">
+              <a14:hiddenFill xmlns:a14="http://schemas.microsoft.com/office/drawing/2010/main">
+                <a:solidFill>
+                  <a:srgbClr val="FFFFFF"/>
+                </a:solidFill>
+              </a14:hiddenFill>
+            </a:ext>
+          </a:extLst>
+        </p:spPr>
+      </p:pic>
+      <p:pic>
+        <p:nvPicPr>
+          <p:cNvPr id="5128" name="Picture 8">
+            <a:extLst>
+              <a:ext uri="{FF2B5EF4-FFF2-40B4-BE49-F238E27FC236}">
+                <a16:creationId xmlns:a16="http://schemas.microsoft.com/office/drawing/2014/main" id="{BF0339F6-476D-0540-B7D0-4211E6E40779}"/>
+              </a:ext>
+            </a:extLst>
+          </p:cNvPr>
+          <p:cNvPicPr>
+            <a:picLocks noChangeAspect="1" noChangeArrowheads="1"/>
+          </p:cNvPicPr>
+          <p:nvPr/>
+        </p:nvPicPr>
+        <p:blipFill>
+          <a:blip r:embed="rId5">
+            <a:extLst>
+              <a:ext uri="{28A0092B-C50C-407E-A947-70E740481C1C}">
+                <a14:useLocalDpi xmlns:a14="http://schemas.microsoft.com/office/drawing/2010/main" val="0"/>
+              </a:ext>
+            </a:extLst>
+          </a:blip>
+          <a:srcRect/>
+          <a:stretch>
+            <a:fillRect/>
+          </a:stretch>
+        </p:blipFill>
+        <p:spPr bwMode="auto">
+          <a:xfrm>
+            <a:off x="169982" y="3431172"/>
+            <a:ext cx="3270702" cy="3333600"/>
+          </a:xfrm>
+          <a:prstGeom prst="rect">
+            <a:avLst/>
+          </a:prstGeom>
+          <a:noFill/>
+          <a:extLst>
+            <a:ext uri="{909E8E84-426E-40DD-AFC4-6F175D3DCCD1}">
+              <a14:hiddenFill xmlns:a14="http://schemas.microsoft.com/office/drawing/2010/main">
+                <a:solidFill>
+                  <a:srgbClr val="FFFFFF"/>
+                </a:solidFill>
+              </a14:hiddenFill>
+            </a:ext>
+          </a:extLst>
+        </p:spPr>
+      </p:pic>
+      <p:pic>
+        <p:nvPicPr>
+          <p:cNvPr id="5130" name="Picture 10">
+            <a:extLst>
+              <a:ext uri="{FF2B5EF4-FFF2-40B4-BE49-F238E27FC236}">
+                <a16:creationId xmlns:a16="http://schemas.microsoft.com/office/drawing/2014/main" id="{AB733F7D-2FA9-4C18-80B0-EAE53A2A9C60}"/>
+              </a:ext>
+            </a:extLst>
+          </p:cNvPr>
+          <p:cNvPicPr>
+            <a:picLocks noChangeAspect="1" noChangeArrowheads="1"/>
+          </p:cNvPicPr>
+          <p:nvPr/>
+        </p:nvPicPr>
+        <p:blipFill>
+          <a:blip r:embed="rId6">
+            <a:extLst>
+              <a:ext uri="{28A0092B-C50C-407E-A947-70E740481C1C}">
+                <a14:useLocalDpi xmlns:a14="http://schemas.microsoft.com/office/drawing/2010/main" val="0"/>
+              </a:ext>
+            </a:extLst>
+          </a:blip>
+          <a:srcRect/>
+          <a:stretch>
+            <a:fillRect/>
+          </a:stretch>
+        </p:blipFill>
+        <p:spPr bwMode="auto">
+          <a:xfrm>
+            <a:off x="3395257" y="3424518"/>
+            <a:ext cx="3361555" cy="3333600"/>
+          </a:xfrm>
+          <a:prstGeom prst="rect">
+            <a:avLst/>
+          </a:prstGeom>
+          <a:noFill/>
+          <a:extLst>
+            <a:ext uri="{909E8E84-426E-40DD-AFC4-6F175D3DCCD1}">
+              <a14:hiddenFill xmlns:a14="http://schemas.microsoft.com/office/drawing/2010/main">
+                <a:solidFill>
+                  <a:srgbClr val="FFFFFF"/>
+                </a:solidFill>
+              </a14:hiddenFill>
+            </a:ext>
+          </a:extLst>
+        </p:spPr>
+      </p:pic>
     </p:spTree>
     <p:extLst>
       <p:ext uri="{BB962C8B-B14F-4D97-AF65-F5344CB8AC3E}">
-        <p14:creationId xmlns:p14="http://schemas.microsoft.com/office/powerpoint/2010/main" val="113412489"/>
+        <p14:creationId xmlns:p14="http://schemas.microsoft.com/office/powerpoint/2010/main" val="740289710"/>
       </p:ext>
     </p:extLst>
   </p:cSld>
@@ -6119,48 +6083,12 @@
           <a:chExt cx="0" cy="0"/>
         </a:xfrm>
       </p:grpSpPr>
-      <p:sp>
-        <p:nvSpPr>
-          <p:cNvPr id="2" name="TextBox 1">
-            <a:extLst>
-              <a:ext uri="{FF2B5EF4-FFF2-40B4-BE49-F238E27FC236}">
-                <a16:creationId xmlns:a16="http://schemas.microsoft.com/office/drawing/2014/main" id="{A6887033-8897-EDCF-EE63-3AF841D48E57}"/>
-              </a:ext>
-            </a:extLst>
-          </p:cNvPr>
-          <p:cNvSpPr txBox="1"/>
-          <p:nvPr/>
-        </p:nvSpPr>
-        <p:spPr>
-          <a:xfrm>
-            <a:off x="6858000" y="197224"/>
-            <a:ext cx="5118847" cy="3139321"/>
-          </a:xfrm>
-          <a:prstGeom prst="rect">
-            <a:avLst/>
-          </a:prstGeom>
-          <a:noFill/>
-        </p:spPr>
-        <p:txBody>
-          <a:bodyPr wrap="square" rtlCol="0">
-            <a:spAutoFit/>
-          </a:bodyPr>
-          <a:lstStyle/>
-          <a:p>
-            <a:r>
-              <a:rPr lang="el-GR" dirty="0"/>
-              <a:t>Το οξυγόνο, ακολουθεί και αυτό την κατανομή της συγκέντρωσης του αέρα και μειώνεται εκθετικά με το ύψος για τους ίδιους λόγους που αναφέραμε και για την ατμοσφαιρική πίεση. Οι γραφικές παραστάσεις μας υποδεικνύουν ότι η συγκέντρωσή του στη ΜΣΘ είναι μεγαλύτερη κατά τους χειμερινούς μήνες όπου οι θερμοκρασίες είναι χαμηλότερες, κάτι που είναι αναμενόμενο καθώς, λόγω τη μειωμένης κινητικής ενέργειας των μορίων, αυτά τείνουν να εκτελούν μικρότερες ανοδικές κινήσεις και να μένουν κοντά στο έδαφος.</a:t>
-            </a:r>
-            <a:endParaRPr lang="en-GB" dirty="0"/>
-          </a:p>
-        </p:txBody>
-      </p:sp>
       <p:pic>
         <p:nvPicPr>
-          <p:cNvPr id="6146" name="Picture 2">
-            <a:extLst>
-              <a:ext uri="{FF2B5EF4-FFF2-40B4-BE49-F238E27FC236}">
-                <a16:creationId xmlns:a16="http://schemas.microsoft.com/office/drawing/2014/main" id="{59B1558C-C07B-09E2-34D8-E63D610DF52F}"/>
+          <p:cNvPr id="14338" name="Picture 2">
+            <a:extLst>
+              <a:ext uri="{FF2B5EF4-FFF2-40B4-BE49-F238E27FC236}">
+                <a16:creationId xmlns:a16="http://schemas.microsoft.com/office/drawing/2014/main" id="{CF4C477F-43B4-54B1-BA5E-9D2D1F7286A8}"/>
               </a:ext>
             </a:extLst>
           </p:cNvPr>
@@ -6184,13 +6112,22 @@
         </p:blipFill>
         <p:spPr bwMode="auto">
           <a:xfrm>
-            <a:off x="7782072" y="3521456"/>
-            <a:ext cx="3270702" cy="3333600"/>
+            <a:off x="377639" y="648821"/>
+            <a:ext cx="6833628" cy="5400000"/>
           </a:xfrm>
           <a:prstGeom prst="rect">
             <a:avLst/>
           </a:prstGeom>
-          <a:noFill/>
+          <a:ln>
+            <a:noFill/>
+          </a:ln>
+          <a:effectLst>
+            <a:outerShdw blurRad="292100" dist="139700" dir="2700000" algn="tl" rotWithShape="0">
+              <a:srgbClr val="333333">
+                <a:alpha val="65000"/>
+              </a:srgbClr>
+            </a:outerShdw>
+          </a:effectLst>
           <a:extLst>
             <a:ext uri="{909E8E84-426E-40DD-AFC4-6F175D3DCCD1}">
               <a14:hiddenFill xmlns:a14="http://schemas.microsoft.com/office/drawing/2010/main">
@@ -6202,198 +6139,53 @@
           </a:extLst>
         </p:spPr>
       </p:pic>
-      <p:pic>
-        <p:nvPicPr>
-          <p:cNvPr id="6148" name="Picture 4">
-            <a:extLst>
-              <a:ext uri="{FF2B5EF4-FFF2-40B4-BE49-F238E27FC236}">
-                <a16:creationId xmlns:a16="http://schemas.microsoft.com/office/drawing/2014/main" id="{C892F49A-BC14-0BC2-FCD1-303AFDEADF4D}"/>
-              </a:ext>
-            </a:extLst>
-          </p:cNvPr>
-          <p:cNvPicPr>
-            <a:picLocks noChangeAspect="1" noChangeArrowheads="1"/>
-          </p:cNvPicPr>
+      <p:sp>
+        <p:nvSpPr>
+          <p:cNvPr id="2" name="TextBox 1">
+            <a:extLst>
+              <a:ext uri="{FF2B5EF4-FFF2-40B4-BE49-F238E27FC236}">
+                <a16:creationId xmlns:a16="http://schemas.microsoft.com/office/drawing/2014/main" id="{BB16F195-9E42-BE38-58E4-FB36966A71AC}"/>
+              </a:ext>
+            </a:extLst>
+          </p:cNvPr>
+          <p:cNvSpPr txBox="1"/>
           <p:nvPr/>
-        </p:nvPicPr>
-        <p:blipFill>
-          <a:blip r:embed="rId3">
-            <a:extLst>
-              <a:ext uri="{28A0092B-C50C-407E-A947-70E740481C1C}">
-                <a14:useLocalDpi xmlns:a14="http://schemas.microsoft.com/office/drawing/2010/main" val="0"/>
-              </a:ext>
-            </a:extLst>
-          </a:blip>
-          <a:srcRect/>
-          <a:stretch>
-            <a:fillRect/>
-          </a:stretch>
-        </p:blipFill>
-        <p:spPr bwMode="auto">
-          <a:xfrm>
-            <a:off x="126930" y="95400"/>
-            <a:ext cx="3270702" cy="3333600"/>
+        </p:nvSpPr>
+        <p:spPr>
+          <a:xfrm>
+            <a:off x="7593106" y="532665"/>
+            <a:ext cx="4087905" cy="5632311"/>
           </a:xfrm>
           <a:prstGeom prst="rect">
             <a:avLst/>
           </a:prstGeom>
           <a:noFill/>
-          <a:extLst>
-            <a:ext uri="{909E8E84-426E-40DD-AFC4-6F175D3DCCD1}">
-              <a14:hiddenFill xmlns:a14="http://schemas.microsoft.com/office/drawing/2010/main">
-                <a:solidFill>
-                  <a:srgbClr val="FFFFFF"/>
-                </a:solidFill>
-              </a14:hiddenFill>
-            </a:ext>
-          </a:extLst>
-        </p:spPr>
-      </p:pic>
-      <p:pic>
-        <p:nvPicPr>
-          <p:cNvPr id="6150" name="Picture 6">
-            <a:extLst>
-              <a:ext uri="{FF2B5EF4-FFF2-40B4-BE49-F238E27FC236}">
-                <a16:creationId xmlns:a16="http://schemas.microsoft.com/office/drawing/2014/main" id="{B0CB70F6-5651-173B-B8B6-064DFDD1D2B6}"/>
-              </a:ext>
-            </a:extLst>
-          </p:cNvPr>
-          <p:cNvPicPr>
-            <a:picLocks noChangeAspect="1" noChangeArrowheads="1"/>
-          </p:cNvPicPr>
-          <p:nvPr/>
-        </p:nvPicPr>
-        <p:blipFill>
-          <a:blip r:embed="rId4">
-            <a:extLst>
-              <a:ext uri="{28A0092B-C50C-407E-A947-70E740481C1C}">
-                <a14:useLocalDpi xmlns:a14="http://schemas.microsoft.com/office/drawing/2010/main" val="0"/>
-              </a:ext>
-            </a:extLst>
-          </a:blip>
-          <a:srcRect/>
-          <a:stretch>
-            <a:fillRect/>
-          </a:stretch>
-        </p:blipFill>
-        <p:spPr bwMode="auto">
-          <a:xfrm>
-            <a:off x="3411273" y="95400"/>
-            <a:ext cx="3270702" cy="3333600"/>
-          </a:xfrm>
-          <a:prstGeom prst="rect">
-            <a:avLst/>
-          </a:prstGeom>
-          <a:noFill/>
-          <a:extLst>
-            <a:ext uri="{909E8E84-426E-40DD-AFC4-6F175D3DCCD1}">
-              <a14:hiddenFill xmlns:a14="http://schemas.microsoft.com/office/drawing/2010/main">
-                <a:solidFill>
-                  <a:srgbClr val="FFFFFF"/>
-                </a:solidFill>
-              </a14:hiddenFill>
-            </a:ext>
-          </a:extLst>
-        </p:spPr>
-      </p:pic>
-      <p:pic>
-        <p:nvPicPr>
-          <p:cNvPr id="6152" name="Picture 8">
-            <a:extLst>
-              <a:ext uri="{FF2B5EF4-FFF2-40B4-BE49-F238E27FC236}">
-                <a16:creationId xmlns:a16="http://schemas.microsoft.com/office/drawing/2014/main" id="{CA402EBD-9B13-936F-7B71-C6373897150C}"/>
-              </a:ext>
-            </a:extLst>
-          </p:cNvPr>
-          <p:cNvPicPr>
-            <a:picLocks noChangeAspect="1" noChangeArrowheads="1"/>
-          </p:cNvPicPr>
-          <p:nvPr/>
-        </p:nvPicPr>
-        <p:blipFill>
-          <a:blip r:embed="rId5">
-            <a:extLst>
-              <a:ext uri="{28A0092B-C50C-407E-A947-70E740481C1C}">
-                <a14:useLocalDpi xmlns:a14="http://schemas.microsoft.com/office/drawing/2010/main" val="0"/>
-              </a:ext>
-            </a:extLst>
-          </a:blip>
-          <a:srcRect/>
-          <a:stretch>
-            <a:fillRect/>
-          </a:stretch>
-        </p:blipFill>
-        <p:spPr bwMode="auto">
-          <a:xfrm>
-            <a:off x="140572" y="3429000"/>
-            <a:ext cx="3270702" cy="3333600"/>
-          </a:xfrm>
-          <a:prstGeom prst="rect">
-            <a:avLst/>
-          </a:prstGeom>
-          <a:noFill/>
-          <a:extLst>
-            <a:ext uri="{909E8E84-426E-40DD-AFC4-6F175D3DCCD1}">
-              <a14:hiddenFill xmlns:a14="http://schemas.microsoft.com/office/drawing/2010/main">
-                <a:solidFill>
-                  <a:srgbClr val="FFFFFF"/>
-                </a:solidFill>
-              </a14:hiddenFill>
-            </a:ext>
-          </a:extLst>
-        </p:spPr>
-      </p:pic>
-      <p:pic>
-        <p:nvPicPr>
-          <p:cNvPr id="6154" name="Picture 10">
-            <a:extLst>
-              <a:ext uri="{FF2B5EF4-FFF2-40B4-BE49-F238E27FC236}">
-                <a16:creationId xmlns:a16="http://schemas.microsoft.com/office/drawing/2014/main" id="{D4BF71D8-FA92-C019-C6D6-A46153CB1B3A}"/>
-              </a:ext>
-            </a:extLst>
-          </p:cNvPr>
-          <p:cNvPicPr>
-            <a:picLocks noChangeAspect="1" noChangeArrowheads="1"/>
-          </p:cNvPicPr>
-          <p:nvPr/>
-        </p:nvPicPr>
-        <p:blipFill>
-          <a:blip r:embed="rId6">
-            <a:extLst>
-              <a:ext uri="{28A0092B-C50C-407E-A947-70E740481C1C}">
-                <a14:useLocalDpi xmlns:a14="http://schemas.microsoft.com/office/drawing/2010/main" val="0"/>
-              </a:ext>
-            </a:extLst>
-          </a:blip>
-          <a:srcRect/>
-          <a:stretch>
-            <a:fillRect/>
-          </a:stretch>
-        </p:blipFill>
-        <p:spPr bwMode="auto">
-          <a:xfrm>
-            <a:off x="3411273" y="3524400"/>
-            <a:ext cx="3270702" cy="3333600"/>
-          </a:xfrm>
-          <a:prstGeom prst="rect">
-            <a:avLst/>
-          </a:prstGeom>
-          <a:noFill/>
-          <a:extLst>
-            <a:ext uri="{909E8E84-426E-40DD-AFC4-6F175D3DCCD1}">
-              <a14:hiddenFill xmlns:a14="http://schemas.microsoft.com/office/drawing/2010/main">
-                <a:solidFill>
-                  <a:srgbClr val="FFFFFF"/>
-                </a:solidFill>
-              </a14:hiddenFill>
-            </a:ext>
-          </a:extLst>
-        </p:spPr>
-      </p:pic>
+        </p:spPr>
+        <p:txBody>
+          <a:bodyPr wrap="square" rtlCol="0">
+            <a:spAutoFit/>
+          </a:bodyPr>
+          <a:lstStyle/>
+          <a:p>
+            <a:r>
+              <a:rPr lang="el-GR" dirty="0"/>
+              <a:t>Η συνολική συγκέντρωση του διοξειδίου του αζώτου, με βάση το διπλανό διάγραμμα, είναι λίγο μεγαλύτερη από 2.5 * 10⁻⁸%. Στον Ισημερινό καθώς και στην θερινή περίοδο στα μέσα και τα </a:t>
+            </a:r>
+            <a:r>
+              <a:rPr lang="el-GR" dirty="0" err="1"/>
+              <a:t>υπο</a:t>
+            </a:r>
+            <a:r>
+              <a:rPr lang="el-GR" dirty="0"/>
+              <a:t>-αρκτικά πλάτη δεν παρατηρούνται μεγάλες διακυμάνσεις. Παρατηρείται όμως εποχική διακύμανση για την συγκέντρωσή του καθώς τον χειμώνα φαίνεται πως έχουμε μικρότερο ποσοστό του ρύπου στον αέρα. Αυτό συμβαίνει διότι όπως προαναφέραμε, ένας από τους βασικούς τρόπους σχηματισμού του είναι έπειτα από την διάσπαση του όζοντος. Το όζον διασπάται υπό την παρουσία ηλιακής ακτινοβολίας η οποία είναι μειωμένη κατά την χειμερινή περίοδο και συνεπώς διασπάται μικρότερη ποσότητα όζοντος για να παραχθεί εν τέλει διοξείδιο του αζώτου.</a:t>
+            </a:r>
+          </a:p>
+        </p:txBody>
+      </p:sp>
     </p:spTree>
     <p:extLst>
       <p:ext uri="{BB962C8B-B14F-4D97-AF65-F5344CB8AC3E}">
-        <p14:creationId xmlns:p14="http://schemas.microsoft.com/office/powerpoint/2010/main" val="2912900375"/>
+        <p14:creationId xmlns:p14="http://schemas.microsoft.com/office/powerpoint/2010/main" val="4090714108"/>
       </p:ext>
     </p:extLst>
   </p:cSld>
@@ -6422,10 +6214,10 @@
       </p:grpSpPr>
       <p:pic>
         <p:nvPicPr>
-          <p:cNvPr id="11266" name="Picture 2">
-            <a:extLst>
-              <a:ext uri="{FF2B5EF4-FFF2-40B4-BE49-F238E27FC236}">
-                <a16:creationId xmlns:a16="http://schemas.microsoft.com/office/drawing/2014/main" id="{C4DD3C0D-CA6C-CC7B-1AF7-E50A6E53BC36}"/>
+          <p:cNvPr id="5122" name="Picture 2">
+            <a:extLst>
+              <a:ext uri="{FF2B5EF4-FFF2-40B4-BE49-F238E27FC236}">
+                <a16:creationId xmlns:a16="http://schemas.microsoft.com/office/drawing/2014/main" id="{6EEAE4F3-4A46-8D72-D41C-D8DDB80308BE}"/>
               </a:ext>
             </a:extLst>
           </p:cNvPr>
@@ -6449,8 +6241,8 @@
         </p:blipFill>
         <p:spPr bwMode="auto">
           <a:xfrm>
-            <a:off x="254095" y="729000"/>
-            <a:ext cx="7179405" cy="5400000"/>
+            <a:off x="677676" y="729000"/>
+            <a:ext cx="6845575" cy="5400000"/>
           </a:xfrm>
           <a:prstGeom prst="rect">
             <a:avLst/>
@@ -6481,7 +6273,7 @@
           <p:cNvPr id="2" name="TextBox 1">
             <a:extLst>
               <a:ext uri="{FF2B5EF4-FFF2-40B4-BE49-F238E27FC236}">
-                <a16:creationId xmlns:a16="http://schemas.microsoft.com/office/drawing/2014/main" id="{FC3D106D-A6C3-FCD5-5529-D7D9F22B66BC}"/>
+                <a16:creationId xmlns:a16="http://schemas.microsoft.com/office/drawing/2014/main" id="{44377326-6FD4-C144-DC17-39827C33FDD8}"/>
               </a:ext>
             </a:extLst>
           </p:cNvPr>
@@ -6490,8 +6282,8 @@
         </p:nvSpPr>
         <p:spPr>
           <a:xfrm>
-            <a:off x="7736542" y="1443841"/>
-            <a:ext cx="4034118" cy="4247317"/>
+            <a:off x="7960659" y="889843"/>
+            <a:ext cx="3684494" cy="5078313"/>
           </a:xfrm>
           <a:prstGeom prst="rect">
             <a:avLst/>
@@ -6506,7 +6298,23 @@
           <a:p>
             <a:r>
               <a:rPr lang="el-GR" dirty="0"/>
-              <a:t>Το οξυγόνο γνωρίζουμε ότι αποτελεί ένα από τα βασικά συστατικά της ατμόσφαιρας και μετά το άζωτο είναι το αέριο με το μεγαλύτερο ποσοστό συγκέντρωσης στην ατμόσφαιρα. Παρατηρούμε ότι δεν υπάρχει μεταβλητότητα στην συγκέντρωσή του λόγω μεταβολής του γεωγραφικού πλάτους καθώς επίσης δεν παρατηρείται ούτε εποχική εξάρτηση. Η συγκέντρωσή του παραμένει σταθερή και για τις 5 περιπτώσεις που μελετάμε και το ποσοστό συγκέντρωσής του σε μία ατμοσφαιρική στήλη ισούται με 21.91%</a:t>
+              <a:t>Η παρουσία του διοξειδίου του αζώτου στην τροπόσφαιρα, προέρχεται από παράγοντες όπως οι αστικές εκπομπές ρύπων, οι πυρκαγιές, οι μικροβιολογικές εκπομπές, οι κεραυνοί και η δραστηριότητα των αεροσκαφών. Παρατηρούμε ότι οι μέγιστες τιμές εντοπίζονται για την περιοχή των τροπικών και με πολύ μικρή απόκλιση ακολουθούν οι θερινές περίοδοι σε μέσα και </a:t>
+            </a:r>
+            <a:r>
+              <a:rPr lang="el-GR" dirty="0" err="1"/>
+              <a:t>υπο</a:t>
+            </a:r>
+            <a:r>
+              <a:rPr lang="el-GR" dirty="0"/>
+              <a:t>-αρκτικά πλάτη. Οι τιμές στις χειμερινές περιόδους είναι λίγο χαμηλότερες, χωρίς όμως να εντοπίζεται έντονη διαφοροποίηση σε σχέση με τις υπόλοιπες περιπτώσεις που </a:t>
+            </a:r>
+            <a:r>
+              <a:rPr lang="el-GR" dirty="0" err="1"/>
+              <a:t>μελατάμε</a:t>
+            </a:r>
+            <a:r>
+              <a:rPr lang="el-GR" dirty="0"/>
+              <a:t>.</a:t>
             </a:r>
             <a:endParaRPr lang="en-GB" dirty="0"/>
           </a:p>
@@ -6515,7 +6323,7 @@
     </p:spTree>
     <p:extLst>
       <p:ext uri="{BB962C8B-B14F-4D97-AF65-F5344CB8AC3E}">
-        <p14:creationId xmlns:p14="http://schemas.microsoft.com/office/powerpoint/2010/main" val="387930410"/>
+        <p14:creationId xmlns:p14="http://schemas.microsoft.com/office/powerpoint/2010/main" val="113412489"/>
       </p:ext>
     </p:extLst>
   </p:cSld>
@@ -6544,10 +6352,10 @@
       </p:grpSpPr>
       <p:pic>
         <p:nvPicPr>
-          <p:cNvPr id="2050" name="Picture 2">
-            <a:extLst>
-              <a:ext uri="{FF2B5EF4-FFF2-40B4-BE49-F238E27FC236}">
-                <a16:creationId xmlns:a16="http://schemas.microsoft.com/office/drawing/2014/main" id="{45A31EBA-A0AA-3D25-5915-D12C657CBE6F}"/>
+          <p:cNvPr id="3074" name="Picture 2">
+            <a:extLst>
+              <a:ext uri="{FF2B5EF4-FFF2-40B4-BE49-F238E27FC236}">
+                <a16:creationId xmlns:a16="http://schemas.microsoft.com/office/drawing/2014/main" id="{03A8FC86-B2E0-2D5E-DE2C-61BC755BA339}"/>
               </a:ext>
             </a:extLst>
           </p:cNvPr>
@@ -6571,8 +6379,8 @@
         </p:blipFill>
         <p:spPr bwMode="auto">
           <a:xfrm>
-            <a:off x="351025" y="729000"/>
-            <a:ext cx="7253547" cy="5400000"/>
+            <a:off x="1017559" y="305361"/>
+            <a:ext cx="10156881" cy="5040000"/>
           </a:xfrm>
           <a:prstGeom prst="rect">
             <a:avLst/>
@@ -6594,7 +6402,7 @@
           <p:cNvPr id="2" name="TextBox 1">
             <a:extLst>
               <a:ext uri="{FF2B5EF4-FFF2-40B4-BE49-F238E27FC236}">
-                <a16:creationId xmlns:a16="http://schemas.microsoft.com/office/drawing/2014/main" id="{D2D8AF94-54B3-E2A0-D797-96D64EF4FBFE}"/>
+                <a16:creationId xmlns:a16="http://schemas.microsoft.com/office/drawing/2014/main" id="{93FE9749-8BF9-7E1E-E5B9-7BB4FD3D515E}"/>
               </a:ext>
             </a:extLst>
           </p:cNvPr>
@@ -6603,8 +6411,8 @@
         </p:nvSpPr>
         <p:spPr>
           <a:xfrm>
-            <a:off x="8059270" y="1997839"/>
-            <a:ext cx="3854823" cy="2862322"/>
+            <a:off x="636493" y="5522259"/>
+            <a:ext cx="10919012" cy="1200329"/>
           </a:xfrm>
           <a:prstGeom prst="rect">
             <a:avLst/>
@@ -6619,7 +6427,7 @@
           <a:p>
             <a:r>
               <a:rPr lang="el-GR" dirty="0"/>
-              <a:t>Το οξυγόνο αποτελεί από τα μόνιμα αέρια της ατμόσφαιρας, δηλαδή από τα συστατικά εκείνα των οποίων η συγκέντρωση παραμένει σταθερή με την αύξηση του ύψους. Συνεπώς, δεν αποτελεί έκπληξη το γεγονός ότι δεν παρατηρούμε μεταβολές στην συγκέντρωσή του ούτε με την αλλαγή του γεωγραφικού πλάτους αλλά ούτε και με την αλλαγή της εποχής.</a:t>
+              <a:t>Όπως είδαμε και με την περίπτωση του όζοντος, έτσι και εδώ παρατηρούμε σημαντική αύξηση (κατά 2 τάξεις μεγέθους) στην συγκέντρωση του διοξειδίου του αζώτου στην στρατόσφαιρα σε σχέση με την τροπόσφαιρα. Η μεγαλύτερη συγκέντρωση του αερίου βρίσκεται στο στρώμα αυτό και παρατηρούνται μεγαλύτερες τιμές τον χειμώνα λόγω της διάσπασης του αερίου με την συμβολή της ηλιακής ακτινοβολίας.</a:t>
             </a:r>
             <a:endParaRPr lang="en-GB" dirty="0"/>
           </a:p>
@@ -6628,7 +6436,7 @@
     </p:spTree>
     <p:extLst>
       <p:ext uri="{BB962C8B-B14F-4D97-AF65-F5344CB8AC3E}">
-        <p14:creationId xmlns:p14="http://schemas.microsoft.com/office/powerpoint/2010/main" val="1249075631"/>
+        <p14:creationId xmlns:p14="http://schemas.microsoft.com/office/powerpoint/2010/main" val="3074696171"/>
       </p:ext>
     </p:extLst>
   </p:cSld>
@@ -6660,7 +6468,7 @@
           <p:cNvPr id="2" name="TextBox 1">
             <a:extLst>
               <a:ext uri="{FF2B5EF4-FFF2-40B4-BE49-F238E27FC236}">
-                <a16:creationId xmlns:a16="http://schemas.microsoft.com/office/drawing/2014/main" id="{2ADF8E23-AF74-2FF9-C499-3687EDDAE83E}"/>
+                <a16:creationId xmlns:a16="http://schemas.microsoft.com/office/drawing/2014/main" id="{A6887033-8897-EDCF-EE63-3AF841D48E57}"/>
               </a:ext>
             </a:extLst>
           </p:cNvPr>
@@ -6669,8 +6477,8 @@
         </p:nvSpPr>
         <p:spPr>
           <a:xfrm>
-            <a:off x="6929718" y="192539"/>
-            <a:ext cx="5011271" cy="3139321"/>
+            <a:off x="6858000" y="197224"/>
+            <a:ext cx="5118847" cy="3139321"/>
           </a:xfrm>
           <a:prstGeom prst="rect">
             <a:avLst/>
@@ -6685,15 +6493,7 @@
           <a:p>
             <a:r>
               <a:rPr lang="el-GR" dirty="0"/>
-              <a:t>Το </a:t>
-            </a:r>
-            <a:r>
-              <a:rPr lang="en-US" dirty="0"/>
-              <a:t>CO2 </a:t>
-            </a:r>
-            <a:r>
-              <a:rPr lang="el-GR" dirty="0"/>
-              <a:t>θεωρείται ένας από τους κύριους ρύπους της ατμόσφαιρας και ένα από τα βασικά αέρια του θερμοκηπίου το οποίο προέρχεται τόσο από ανθρωπογενείς παράγοντες (π.χ. καύση) όσο και από φυσικές διεργασίες (π.χ. έκρηξη ηφαιστείου). Ισχύουν αντίστοιχα και για το αέριο αυτό τα όσα αναφέραμε και για το οξυγόνο. Παρατηρείται και εδώ εκθετική μείωση της συγκέντρωσής του σε σχέση με το υψόμετρο καθώς και επίσης ελαφρώς μεγαλύτερες τιμές κατά τους χειμερινούς μήνες λόγω της μειωμένης θερμοκρασίας. </a:t>
+              <a:t>Το οξυγόνο, ακολουθεί και αυτό την κατανομή της συγκέντρωσης του αέρα και μειώνεται εκθετικά με το ύψος για τους ίδιους λόγους που αναφέραμε και για την ατμοσφαιρική πίεση. Οι γραφικές παραστάσεις μας υποδεικνύουν ότι η συγκέντρωσή του στη ΜΣΘ είναι μεγαλύτερη κατά τους χειμερινούς μήνες όπου οι θερμοκρασίες είναι χαμηλότερες, κάτι που είναι αναμενόμενο καθώς, λόγω τη μειωμένης κινητικής ενέργειας των μορίων, αυτά τείνουν να εκτελούν μικρότερες ανοδικές κινήσεις και να μένουν κοντά στο έδαφος.</a:t>
             </a:r>
             <a:endParaRPr lang="en-GB" dirty="0"/>
           </a:p>
@@ -6701,10 +6501,10 @@
       </p:sp>
       <p:pic>
         <p:nvPicPr>
-          <p:cNvPr id="7170" name="Picture 2">
-            <a:extLst>
-              <a:ext uri="{FF2B5EF4-FFF2-40B4-BE49-F238E27FC236}">
-                <a16:creationId xmlns:a16="http://schemas.microsoft.com/office/drawing/2014/main" id="{0692A567-0344-D304-7950-3E36370A34E1}"/>
+          <p:cNvPr id="6146" name="Picture 2">
+            <a:extLst>
+              <a:ext uri="{FF2B5EF4-FFF2-40B4-BE49-F238E27FC236}">
+                <a16:creationId xmlns:a16="http://schemas.microsoft.com/office/drawing/2014/main" id="{59B1558C-C07B-09E2-34D8-E63D610DF52F}"/>
               </a:ext>
             </a:extLst>
           </p:cNvPr>
@@ -6728,7 +6528,7 @@
         </p:blipFill>
         <p:spPr bwMode="auto">
           <a:xfrm>
-            <a:off x="7800002" y="3526141"/>
+            <a:off x="7782072" y="3521456"/>
             <a:ext cx="3270702" cy="3333600"/>
           </a:xfrm>
           <a:prstGeom prst="rect">
@@ -6748,10 +6548,10 @@
       </p:pic>
       <p:pic>
         <p:nvPicPr>
-          <p:cNvPr id="7172" name="Picture 4">
-            <a:extLst>
-              <a:ext uri="{FF2B5EF4-FFF2-40B4-BE49-F238E27FC236}">
-                <a16:creationId xmlns:a16="http://schemas.microsoft.com/office/drawing/2014/main" id="{70054D6C-115B-980D-E253-35C25BACE169}"/>
+          <p:cNvPr id="6148" name="Picture 4">
+            <a:extLst>
+              <a:ext uri="{FF2B5EF4-FFF2-40B4-BE49-F238E27FC236}">
+                <a16:creationId xmlns:a16="http://schemas.microsoft.com/office/drawing/2014/main" id="{C892F49A-BC14-0BC2-FCD1-303AFDEADF4D}"/>
               </a:ext>
             </a:extLst>
           </p:cNvPr>
@@ -6775,7 +6575,7 @@
         </p:blipFill>
         <p:spPr bwMode="auto">
           <a:xfrm>
-            <a:off x="140572" y="95400"/>
+            <a:off x="126930" y="95400"/>
             <a:ext cx="3270702" cy="3333600"/>
           </a:xfrm>
           <a:prstGeom prst="rect">
@@ -6795,10 +6595,10 @@
       </p:pic>
       <p:pic>
         <p:nvPicPr>
-          <p:cNvPr id="7174" name="Picture 6">
-            <a:extLst>
-              <a:ext uri="{FF2B5EF4-FFF2-40B4-BE49-F238E27FC236}">
-                <a16:creationId xmlns:a16="http://schemas.microsoft.com/office/drawing/2014/main" id="{C7D3685A-ABF1-6DC3-C859-2CA346564864}"/>
+          <p:cNvPr id="6150" name="Picture 6">
+            <a:extLst>
+              <a:ext uri="{FF2B5EF4-FFF2-40B4-BE49-F238E27FC236}">
+                <a16:creationId xmlns:a16="http://schemas.microsoft.com/office/drawing/2014/main" id="{B0CB70F6-5651-173B-B8B6-064DFDD1D2B6}"/>
               </a:ext>
             </a:extLst>
           </p:cNvPr>
@@ -6822,7 +6622,7 @@
         </p:blipFill>
         <p:spPr bwMode="auto">
           <a:xfrm>
-            <a:off x="3397631" y="95400"/>
+            <a:off x="3411273" y="95400"/>
             <a:ext cx="3270702" cy="3333600"/>
           </a:xfrm>
           <a:prstGeom prst="rect">
@@ -6842,10 +6642,10 @@
       </p:pic>
       <p:pic>
         <p:nvPicPr>
-          <p:cNvPr id="7176" name="Picture 8">
-            <a:extLst>
-              <a:ext uri="{FF2B5EF4-FFF2-40B4-BE49-F238E27FC236}">
-                <a16:creationId xmlns:a16="http://schemas.microsoft.com/office/drawing/2014/main" id="{83CF91BC-50AC-7614-E8B8-A23E9D6692D5}"/>
+          <p:cNvPr id="6152" name="Picture 8">
+            <a:extLst>
+              <a:ext uri="{FF2B5EF4-FFF2-40B4-BE49-F238E27FC236}">
+                <a16:creationId xmlns:a16="http://schemas.microsoft.com/office/drawing/2014/main" id="{CA402EBD-9B13-936F-7B71-C6373897150C}"/>
               </a:ext>
             </a:extLst>
           </p:cNvPr>
@@ -6869,7 +6669,7 @@
         </p:blipFill>
         <p:spPr bwMode="auto">
           <a:xfrm>
-            <a:off x="154215" y="3331860"/>
+            <a:off x="140572" y="3429000"/>
             <a:ext cx="3270702" cy="3333600"/>
           </a:xfrm>
           <a:prstGeom prst="rect">
@@ -6889,10 +6689,10 @@
       </p:pic>
       <p:pic>
         <p:nvPicPr>
-          <p:cNvPr id="7178" name="Picture 10">
-            <a:extLst>
-              <a:ext uri="{FF2B5EF4-FFF2-40B4-BE49-F238E27FC236}">
-                <a16:creationId xmlns:a16="http://schemas.microsoft.com/office/drawing/2014/main" id="{3FB1F9C8-08D5-47C0-1C42-08BB8FB7E394}"/>
+          <p:cNvPr id="6154" name="Picture 10">
+            <a:extLst>
+              <a:ext uri="{FF2B5EF4-FFF2-40B4-BE49-F238E27FC236}">
+                <a16:creationId xmlns:a16="http://schemas.microsoft.com/office/drawing/2014/main" id="{D4BF71D8-FA92-C019-C6D6-A46153CB1B3A}"/>
               </a:ext>
             </a:extLst>
           </p:cNvPr>
@@ -6916,7 +6716,7 @@
         </p:blipFill>
         <p:spPr bwMode="auto">
           <a:xfrm>
-            <a:off x="3411274" y="3428999"/>
+            <a:off x="3411273" y="3524400"/>
             <a:ext cx="3270702" cy="3333600"/>
           </a:xfrm>
           <a:prstGeom prst="rect">
@@ -6937,7 +6737,7 @@
     </p:spTree>
     <p:extLst>
       <p:ext uri="{BB962C8B-B14F-4D97-AF65-F5344CB8AC3E}">
-        <p14:creationId xmlns:p14="http://schemas.microsoft.com/office/powerpoint/2010/main" val="3072515677"/>
+        <p14:creationId xmlns:p14="http://schemas.microsoft.com/office/powerpoint/2010/main" val="2912900375"/>
       </p:ext>
     </p:extLst>
   </p:cSld>
@@ -8200,10 +8000,10 @@
       </p:grpSpPr>
       <p:pic>
         <p:nvPicPr>
-          <p:cNvPr id="13314" name="Picture 2">
-            <a:extLst>
-              <a:ext uri="{FF2B5EF4-FFF2-40B4-BE49-F238E27FC236}">
-                <a16:creationId xmlns:a16="http://schemas.microsoft.com/office/drawing/2014/main" id="{2FF70BA0-8B18-70E2-6A79-4ADDC072D4B6}"/>
+          <p:cNvPr id="11266" name="Picture 2">
+            <a:extLst>
+              <a:ext uri="{FF2B5EF4-FFF2-40B4-BE49-F238E27FC236}">
+                <a16:creationId xmlns:a16="http://schemas.microsoft.com/office/drawing/2014/main" id="{C4DD3C0D-CA6C-CC7B-1AF7-E50A6E53BC36}"/>
               </a:ext>
             </a:extLst>
           </p:cNvPr>
@@ -8227,8 +8027,8 @@
         </p:blipFill>
         <p:spPr bwMode="auto">
           <a:xfrm>
-            <a:off x="166408" y="729000"/>
-            <a:ext cx="7290618" cy="5400000"/>
+            <a:off x="254095" y="729000"/>
+            <a:ext cx="7179405" cy="5400000"/>
           </a:xfrm>
           <a:prstGeom prst="rect">
             <a:avLst/>
@@ -8259,7 +8059,7 @@
           <p:cNvPr id="2" name="TextBox 1">
             <a:extLst>
               <a:ext uri="{FF2B5EF4-FFF2-40B4-BE49-F238E27FC236}">
-                <a16:creationId xmlns:a16="http://schemas.microsoft.com/office/drawing/2014/main" id="{639BEB9C-D4B0-B473-0FDA-C38187E67D64}"/>
+                <a16:creationId xmlns:a16="http://schemas.microsoft.com/office/drawing/2014/main" id="{FC3D106D-A6C3-FCD5-5529-D7D9F22B66BC}"/>
               </a:ext>
             </a:extLst>
           </p:cNvPr>
@@ -8268,8 +8068,8 @@
         </p:nvSpPr>
         <p:spPr>
           <a:xfrm>
-            <a:off x="8081121" y="2413337"/>
-            <a:ext cx="3944471" cy="2031325"/>
+            <a:off x="7736542" y="1443841"/>
+            <a:ext cx="4034118" cy="4247317"/>
           </a:xfrm>
           <a:prstGeom prst="rect">
             <a:avLst/>
@@ -8284,7 +8084,7 @@
           <a:p>
             <a:r>
               <a:rPr lang="el-GR" dirty="0"/>
-              <a:t>Τέλος, όσων αφορά την συγκέντρωση του διοξειδίου του άνθρακα στην ατμόσφαιρα, παρατηρούμε ότι είναι λίγο μικρότερη από 0.04% και ότι παραμένει σταθερή τόσο με την μεταβολή του γεωγραφικού πλάτους όσο και με την μεταβολή της εποχής. </a:t>
+              <a:t>Το οξυγόνο γνωρίζουμε ότι αποτελεί ένα από τα βασικά συστατικά της ατμόσφαιρας και μετά το άζωτο είναι το αέριο με το μεγαλύτερο ποσοστό συγκέντρωσης στην ατμόσφαιρα. Παρατηρούμε ότι δεν υπάρχει μεταβλητότητα στην συγκέντρωσή του λόγω μεταβολής του γεωγραφικού πλάτους καθώς επίσης δεν παρατηρείται ούτε εποχική εξάρτηση. Η συγκέντρωσή του παραμένει σταθερή και για τις 5 περιπτώσεις που μελετάμε και το ποσοστό συγκέντρωσής του σε μία ατμοσφαιρική στήλη ισούται με 21.91%</a:t>
             </a:r>
             <a:endParaRPr lang="en-GB" dirty="0"/>
           </a:p>
@@ -8293,7 +8093,7 @@
     </p:spTree>
     <p:extLst>
       <p:ext uri="{BB962C8B-B14F-4D97-AF65-F5344CB8AC3E}">
-        <p14:creationId xmlns:p14="http://schemas.microsoft.com/office/powerpoint/2010/main" val="1659475850"/>
+        <p14:creationId xmlns:p14="http://schemas.microsoft.com/office/powerpoint/2010/main" val="387930410"/>
       </p:ext>
     </p:extLst>
   </p:cSld>
@@ -8322,10 +8122,10 @@
       </p:grpSpPr>
       <p:pic>
         <p:nvPicPr>
-          <p:cNvPr id="4098" name="Picture 2">
-            <a:extLst>
-              <a:ext uri="{FF2B5EF4-FFF2-40B4-BE49-F238E27FC236}">
-                <a16:creationId xmlns:a16="http://schemas.microsoft.com/office/drawing/2014/main" id="{D73C7C46-D56B-3C09-E0E3-8374CADE9014}"/>
+          <p:cNvPr id="2050" name="Picture 2">
+            <a:extLst>
+              <a:ext uri="{FF2B5EF4-FFF2-40B4-BE49-F238E27FC236}">
+                <a16:creationId xmlns:a16="http://schemas.microsoft.com/office/drawing/2014/main" id="{45A31EBA-A0AA-3D25-5915-D12C657CBE6F}"/>
               </a:ext>
             </a:extLst>
           </p:cNvPr>
@@ -8349,22 +8149,13 @@
         </p:blipFill>
         <p:spPr bwMode="auto">
           <a:xfrm>
-            <a:off x="422462" y="729000"/>
-            <a:ext cx="7463616" cy="5400000"/>
+            <a:off x="351025" y="729000"/>
+            <a:ext cx="7253547" cy="5400000"/>
           </a:xfrm>
           <a:prstGeom prst="rect">
             <a:avLst/>
           </a:prstGeom>
-          <a:ln>
-            <a:noFill/>
-          </a:ln>
-          <a:effectLst>
-            <a:outerShdw blurRad="292100" dist="139700" dir="2700000" algn="tl" rotWithShape="0">
-              <a:srgbClr val="333333">
-                <a:alpha val="65000"/>
-              </a:srgbClr>
-            </a:outerShdw>
-          </a:effectLst>
+          <a:noFill/>
           <a:extLst>
             <a:ext uri="{909E8E84-426E-40DD-AFC4-6F175D3DCCD1}">
               <a14:hiddenFill xmlns:a14="http://schemas.microsoft.com/office/drawing/2010/main">
@@ -8381,7 +8172,7 @@
           <p:cNvPr id="2" name="TextBox 1">
             <a:extLst>
               <a:ext uri="{FF2B5EF4-FFF2-40B4-BE49-F238E27FC236}">
-                <a16:creationId xmlns:a16="http://schemas.microsoft.com/office/drawing/2014/main" id="{6B6EE6D8-F24E-564F-4ACA-5A14137F0A4A}"/>
+                <a16:creationId xmlns:a16="http://schemas.microsoft.com/office/drawing/2014/main" id="{D2D8AF94-54B3-E2A0-D797-96D64EF4FBFE}"/>
               </a:ext>
             </a:extLst>
           </p:cNvPr>
@@ -8390,8 +8181,8 @@
         </p:nvSpPr>
         <p:spPr>
           <a:xfrm>
-            <a:off x="8292353" y="1305341"/>
-            <a:ext cx="3119718" cy="4247317"/>
+            <a:off x="8059270" y="1997839"/>
+            <a:ext cx="3854823" cy="2862322"/>
           </a:xfrm>
           <a:prstGeom prst="rect">
             <a:avLst/>
@@ -8406,7 +8197,7 @@
           <a:p>
             <a:r>
               <a:rPr lang="el-GR" dirty="0"/>
-              <a:t>Ομοίως, και για την περίπτωση της συγκέντρωσης του διοξειδίου του άνθρακα στην τροπόσφαιρα, παρατηρούμε ότι οι τιμές του παραμένουν σταθερές με την μεταβολή του γεωγραφικού πλάτους και της εποχής. Υπενθυμίζουμε ότι η μεγαλύτερη ποσότητα του ρύπου βρίσκεται στο στρώμα αυτό οπότε δεν αναμένουμε και σημαντικές διαφορές σε σχέση με το ποσοστό της συνολικής συγκέντρωσής του στην ατμόσφαιρα.</a:t>
+              <a:t>Το οξυγόνο αποτελεί από τα μόνιμα αέρια της ατμόσφαιρας, δηλαδή από τα συστατικά εκείνα των οποίων η συγκέντρωση παραμένει σταθερή με την αύξηση του ύψους. Συνεπώς, δεν αποτελεί έκπληξη το γεγονός ότι δεν παρατηρούμε μεταβολές στην συγκέντρωσή του ούτε με την αλλαγή του γεωγραφικού πλάτους αλλά ούτε και με την αλλαγή της εποχής.</a:t>
             </a:r>
             <a:endParaRPr lang="en-GB" dirty="0"/>
           </a:p>
@@ -8415,7 +8206,7 @@
     </p:spTree>
     <p:extLst>
       <p:ext uri="{BB962C8B-B14F-4D97-AF65-F5344CB8AC3E}">
-        <p14:creationId xmlns:p14="http://schemas.microsoft.com/office/powerpoint/2010/main" val="3698694122"/>
+        <p14:creationId xmlns:p14="http://schemas.microsoft.com/office/powerpoint/2010/main" val="1249075631"/>
       </p:ext>
     </p:extLst>
   </p:cSld>
@@ -8442,181 +8233,59 @@
           <a:chExt cx="0" cy="0"/>
         </a:xfrm>
       </p:grpSpPr>
-      <p:sp>
-        <p:nvSpPr>
-          <p:cNvPr id="2" name="Τίτλος 1">
-            <a:extLst>
-              <a:ext uri="{FF2B5EF4-FFF2-40B4-BE49-F238E27FC236}">
-                <a16:creationId xmlns:a16="http://schemas.microsoft.com/office/drawing/2014/main" id="{F15DE645-1279-C54C-D4D5-5157A24214B4}"/>
-              </a:ext>
-            </a:extLst>
-          </p:cNvPr>
-          <p:cNvSpPr>
-            <a:spLocks noGrp="1"/>
-          </p:cNvSpPr>
-          <p:nvPr>
-            <p:ph type="title"/>
-          </p:nvPr>
-        </p:nvSpPr>
-        <p:spPr>
-          <a:xfrm>
-            <a:off x="609600" y="270802"/>
-            <a:ext cx="10972800" cy="752495"/>
-          </a:xfrm>
-        </p:spPr>
-        <p:txBody>
-          <a:bodyPr>
-            <a:normAutofit fontScale="90000"/>
-          </a:bodyPr>
-          <a:lstStyle/>
-          <a:p>
-            <a:r>
-              <a:rPr lang="el-GR" dirty="0">
-                <a:cs typeface="Posterama"/>
-              </a:rPr>
-              <a:t>Μέρος 2ο</a:t>
-            </a:r>
-            <a:endParaRPr lang="el-GR" dirty="0"/>
-          </a:p>
-        </p:txBody>
-      </p:sp>
-      <p:sp>
-        <p:nvSpPr>
-          <p:cNvPr id="3" name="Θέση περιεχομένου 2">
-            <a:extLst>
-              <a:ext uri="{FF2B5EF4-FFF2-40B4-BE49-F238E27FC236}">
-                <a16:creationId xmlns:a16="http://schemas.microsoft.com/office/drawing/2014/main" id="{2B967DD2-94EE-2762-99F8-C473DB1D6FFC}"/>
-              </a:ext>
-            </a:extLst>
-          </p:cNvPr>
-          <p:cNvSpPr>
-            <a:spLocks noGrp="1"/>
-          </p:cNvSpPr>
-          <p:nvPr>
-            <p:ph idx="1"/>
-          </p:nvPr>
-        </p:nvSpPr>
-        <p:spPr>
-          <a:xfrm>
-            <a:off x="609600" y="1103673"/>
-            <a:ext cx="10972800" cy="1860953"/>
-          </a:xfrm>
-        </p:spPr>
-        <p:txBody>
-          <a:bodyPr vert="horz" lIns="91440" tIns="45720" rIns="91440" bIns="45720" rtlCol="0" anchor="t">
-            <a:normAutofit fontScale="92500"/>
-          </a:bodyPr>
-          <a:lstStyle/>
-          <a:p>
-            <a:r>
-              <a:rPr lang="el-GR" dirty="0"/>
-              <a:t>Το δεύτερο μέρος της εργασίας περιλαμβάνει δύο διαφορετικά </a:t>
-            </a:r>
-            <a:r>
-              <a:rPr lang="el-GR" dirty="0" err="1"/>
-              <a:t>datasets</a:t>
-            </a:r>
-            <a:r>
-              <a:rPr lang="el-GR" dirty="0"/>
-              <a:t> όπου περιέχουν φάσματα της ηλιακής ακτινοβολίας δηλαδή δεδομένα εισόδου για την ροή ακτινοβολίας (</a:t>
-            </a:r>
-            <a:r>
-              <a:rPr lang="en-US" dirty="0"/>
-              <a:t>spectral </a:t>
-            </a:r>
-            <a:r>
-              <a:rPr lang="el-GR" dirty="0" err="1"/>
-              <a:t>irradiance</a:t>
-            </a:r>
-            <a:r>
-              <a:rPr lang="el-GR" dirty="0"/>
-              <a:t>) για διαφορετικά μήκη κύματος. Η διαφορά μεταξύ των δύο μετρήσεων έγκειται στην ακρίβεια καθώς το 1ο σετ που από εδώ και πέρα θα ονομάζεται </a:t>
-            </a:r>
-            <a:r>
-              <a:rPr lang="el-GR" dirty="0" err="1"/>
-              <a:t>kurudz</a:t>
-            </a:r>
-            <a:r>
-              <a:rPr lang="el-GR" dirty="0"/>
-              <a:t> έχει ακρίβεια 1nm και το 2ο σετ που ονομάζεται </a:t>
-            </a:r>
-            <a:r>
-              <a:rPr lang="el-GR" dirty="0" err="1"/>
-              <a:t>atlas_plus</a:t>
-            </a:r>
-            <a:r>
-              <a:rPr lang="el-GR" dirty="0"/>
-              <a:t> έχει ακρίβεια 0.05 nm. Παρακάτω εμφανίζονται τα δύο σετ σε αντιπαράθεση μεταξύ τους.</a:t>
-            </a:r>
-          </a:p>
-        </p:txBody>
-      </p:sp>
       <p:pic>
         <p:nvPicPr>
-          <p:cNvPr id="4" name="Εικόνα 3" descr="Εικόνα που περιέχει κείμενο, στιγμιότυπο οθόνης, γραμματοσειρά, αριθμός&#10;&#10;Περιγραφή που δημιουργήθηκε αυτόματα">
-            <a:extLst>
-              <a:ext uri="{FF2B5EF4-FFF2-40B4-BE49-F238E27FC236}">
-                <a16:creationId xmlns:a16="http://schemas.microsoft.com/office/drawing/2014/main" id="{D9BD9A25-FF1D-8D41-F8DE-74077A87C51F}"/>
+          <p:cNvPr id="4098" name="Picture 2">
+            <a:extLst>
+              <a:ext uri="{FF2B5EF4-FFF2-40B4-BE49-F238E27FC236}">
+                <a16:creationId xmlns:a16="http://schemas.microsoft.com/office/drawing/2014/main" id="{6FDEE063-8CAF-35D6-1EE6-776DC9B8D238}"/>
               </a:ext>
             </a:extLst>
           </p:cNvPr>
           <p:cNvPicPr>
-            <a:picLocks noChangeAspect="1"/>
+            <a:picLocks noChangeAspect="1" noChangeArrowheads="1"/>
           </p:cNvPicPr>
           <p:nvPr/>
         </p:nvPicPr>
         <p:blipFill>
-          <a:blip r:embed="rId2"/>
+          <a:blip r:embed="rId2">
+            <a:extLst>
+              <a:ext uri="{28A0092B-C50C-407E-A947-70E740481C1C}">
+                <a14:useLocalDpi xmlns:a14="http://schemas.microsoft.com/office/drawing/2010/main" val="0"/>
+              </a:ext>
+            </a:extLst>
+          </a:blip>
+          <a:srcRect/>
           <a:stretch>
             <a:fillRect/>
           </a:stretch>
         </p:blipFill>
-        <p:spPr>
-          <a:xfrm>
-            <a:off x="2739512" y="3062214"/>
-            <a:ext cx="3353924" cy="3522883"/>
+        <p:spPr bwMode="auto">
+          <a:xfrm>
+            <a:off x="952951" y="383509"/>
+            <a:ext cx="10156881" cy="5040000"/>
           </a:xfrm>
           <a:prstGeom prst="rect">
             <a:avLst/>
           </a:prstGeom>
-        </p:spPr>
-      </p:pic>
-      <p:pic>
-        <p:nvPicPr>
-          <p:cNvPr id="5" name="Εικόνα 4" descr="Εικόνα που περιέχει κείμενο, στιγμιότυπο οθόνης, γραμματοσειρά, αριθμός&#10;&#10;Περιγραφή που δημιουργήθηκε αυτόματα">
-            <a:extLst>
-              <a:ext uri="{FF2B5EF4-FFF2-40B4-BE49-F238E27FC236}">
-                <a16:creationId xmlns:a16="http://schemas.microsoft.com/office/drawing/2014/main" id="{E020A2B0-B1F6-CD4E-247D-A75AD2225156}"/>
-              </a:ext>
-            </a:extLst>
-          </p:cNvPr>
-          <p:cNvPicPr>
-            <a:picLocks noChangeAspect="1"/>
-          </p:cNvPicPr>
-          <p:nvPr/>
-        </p:nvPicPr>
-        <p:blipFill>
-          <a:blip r:embed="rId3"/>
-          <a:stretch>
-            <a:fillRect/>
-          </a:stretch>
-        </p:blipFill>
-        <p:spPr>
-          <a:xfrm>
-            <a:off x="6093534" y="3058551"/>
-            <a:ext cx="3355389" cy="3528647"/>
-          </a:xfrm>
-          <a:prstGeom prst="rect">
-            <a:avLst/>
-          </a:prstGeom>
+          <a:noFill/>
+          <a:extLst>
+            <a:ext uri="{909E8E84-426E-40DD-AFC4-6F175D3DCCD1}">
+              <a14:hiddenFill xmlns:a14="http://schemas.microsoft.com/office/drawing/2010/main">
+                <a:solidFill>
+                  <a:srgbClr val="FFFFFF"/>
+                </a:solidFill>
+              </a14:hiddenFill>
+            </a:ext>
+          </a:extLst>
         </p:spPr>
       </p:pic>
       <p:sp>
         <p:nvSpPr>
-          <p:cNvPr id="6" name="TextBox 5">
-            <a:extLst>
-              <a:ext uri="{FF2B5EF4-FFF2-40B4-BE49-F238E27FC236}">
-                <a16:creationId xmlns:a16="http://schemas.microsoft.com/office/drawing/2014/main" id="{941BEBAF-EE0F-7D82-94AF-AD4A10CE22FA}"/>
+          <p:cNvPr id="2" name="TextBox 1">
+            <a:extLst>
+              <a:ext uri="{FF2B5EF4-FFF2-40B4-BE49-F238E27FC236}">
+                <a16:creationId xmlns:a16="http://schemas.microsoft.com/office/drawing/2014/main" id="{21D98657-60B5-A680-C79C-61C178CC79F4}"/>
               </a:ext>
             </a:extLst>
           </p:cNvPr>
@@ -8625,8 +8294,8 @@
         </p:nvSpPr>
         <p:spPr>
           <a:xfrm>
-            <a:off x="1660183" y="4820138"/>
-            <a:ext cx="926123" cy="369332"/>
+            <a:off x="858755" y="5828160"/>
+            <a:ext cx="10345271" cy="646331"/>
           </a:xfrm>
           <a:prstGeom prst="rect">
             <a:avLst/>
@@ -8634,65 +8303,23 @@
           <a:noFill/>
         </p:spPr>
         <p:txBody>
-          <a:bodyPr rot="0" spcFirstLastPara="0" vertOverflow="overflow" horzOverflow="overflow" vert="horz" wrap="square" lIns="91440" tIns="45720" rIns="91440" bIns="45720" numCol="1" spcCol="0" rtlCol="0" fromWordArt="0" anchor="t" anchorCtr="0" forceAA="0" compatLnSpc="1">
-            <a:prstTxWarp prst="textNoShape">
-              <a:avLst/>
-            </a:prstTxWarp>
+          <a:bodyPr wrap="square" rtlCol="0">
             <a:spAutoFit/>
           </a:bodyPr>
           <a:lstStyle/>
           <a:p>
-            <a:pPr algn="l"/>
-            <a:r>
-              <a:rPr lang="el-GR" dirty="0" err="1"/>
-              <a:t>kurudz</a:t>
-            </a:r>
-          </a:p>
-        </p:txBody>
-      </p:sp>
-      <p:sp>
-        <p:nvSpPr>
-          <p:cNvPr id="7" name="TextBox 6">
-            <a:extLst>
-              <a:ext uri="{FF2B5EF4-FFF2-40B4-BE49-F238E27FC236}">
-                <a16:creationId xmlns:a16="http://schemas.microsoft.com/office/drawing/2014/main" id="{4F46A0B3-610B-75AF-25F4-971F14592E22}"/>
-              </a:ext>
-            </a:extLst>
-          </p:cNvPr>
-          <p:cNvSpPr txBox="1"/>
-          <p:nvPr/>
-        </p:nvSpPr>
-        <p:spPr>
-          <a:xfrm>
-            <a:off x="9694007" y="4823850"/>
-            <a:ext cx="1266093" cy="369332"/>
-          </a:xfrm>
-          <a:prstGeom prst="rect">
-            <a:avLst/>
-          </a:prstGeom>
-          <a:noFill/>
-        </p:spPr>
-        <p:txBody>
-          <a:bodyPr rot="0" spcFirstLastPara="0" vertOverflow="overflow" horzOverflow="overflow" vert="horz" wrap="square" lIns="91440" tIns="45720" rIns="91440" bIns="45720" numCol="1" spcCol="0" rtlCol="0" fromWordArt="0" anchor="t" anchorCtr="0" forceAA="0" compatLnSpc="1">
-            <a:prstTxWarp prst="textNoShape">
-              <a:avLst/>
-            </a:prstTxWarp>
-            <a:spAutoFit/>
-          </a:bodyPr>
-          <a:lstStyle/>
-          <a:p>
-            <a:pPr algn="l"/>
-            <a:r>
-              <a:rPr lang="el-GR" dirty="0" err="1"/>
-              <a:t>atlas_plus</a:t>
-            </a:r>
+            <a:r>
+              <a:rPr lang="el-GR" dirty="0"/>
+              <a:t>Όσων αφορά την περίπτωση της στρατόσφαιρας, για άλλη μία φορά παρατηρούμε ότι η συγκέντρωση του οξυγόνου παραμένει σταθερή και αμετάβλητη ανά τα διαφορετικά γεωγραφικά πλάτη και τις εποχές.</a:t>
+            </a:r>
+            <a:endParaRPr lang="en-GB" dirty="0"/>
           </a:p>
         </p:txBody>
       </p:sp>
     </p:spTree>
     <p:extLst>
       <p:ext uri="{BB962C8B-B14F-4D97-AF65-F5344CB8AC3E}">
-        <p14:creationId xmlns:p14="http://schemas.microsoft.com/office/powerpoint/2010/main" val="4020534852"/>
+        <p14:creationId xmlns:p14="http://schemas.microsoft.com/office/powerpoint/2010/main" val="1115582565"/>
       </p:ext>
     </p:extLst>
   </p:cSld>
@@ -8719,130 +8346,289 @@
           <a:chExt cx="0" cy="0"/>
         </a:xfrm>
       </p:grpSpPr>
+      <p:sp>
+        <p:nvSpPr>
+          <p:cNvPr id="2" name="TextBox 1">
+            <a:extLst>
+              <a:ext uri="{FF2B5EF4-FFF2-40B4-BE49-F238E27FC236}">
+                <a16:creationId xmlns:a16="http://schemas.microsoft.com/office/drawing/2014/main" id="{2ADF8E23-AF74-2FF9-C499-3687EDDAE83E}"/>
+              </a:ext>
+            </a:extLst>
+          </p:cNvPr>
+          <p:cNvSpPr txBox="1"/>
+          <p:nvPr/>
+        </p:nvSpPr>
+        <p:spPr>
+          <a:xfrm>
+            <a:off x="6929718" y="192539"/>
+            <a:ext cx="5011271" cy="3139321"/>
+          </a:xfrm>
+          <a:prstGeom prst="rect">
+            <a:avLst/>
+          </a:prstGeom>
+          <a:noFill/>
+        </p:spPr>
+        <p:txBody>
+          <a:bodyPr wrap="square" rtlCol="0">
+            <a:spAutoFit/>
+          </a:bodyPr>
+          <a:lstStyle/>
+          <a:p>
+            <a:r>
+              <a:rPr lang="el-GR" dirty="0"/>
+              <a:t>Το </a:t>
+            </a:r>
+            <a:r>
+              <a:rPr lang="en-US" dirty="0"/>
+              <a:t>CO2 </a:t>
+            </a:r>
+            <a:r>
+              <a:rPr lang="el-GR" dirty="0"/>
+              <a:t>θεωρείται ένας από τους κύριους ρύπους της ατμόσφαιρας και ένα από τα βασικά αέρια του θερμοκηπίου το οποίο προέρχεται τόσο από ανθρωπογενείς παράγοντες (π.χ. καύση) όσο και από φυσικές διεργασίες (π.χ. έκρηξη ηφαιστείου). Ισχύουν αντίστοιχα και για το αέριο αυτό τα όσα αναφέραμε και για το οξυγόνο. Παρατηρείται και εδώ εκθετική μείωση της συγκέντρωσής του σε σχέση με το υψόμετρο καθώς και επίσης ελαφρώς μεγαλύτερες τιμές κατά τους χειμερινούς μήνες λόγω της μειωμένης θερμοκρασίας. </a:t>
+            </a:r>
+            <a:endParaRPr lang="en-GB" dirty="0"/>
+          </a:p>
+        </p:txBody>
+      </p:sp>
       <p:pic>
         <p:nvPicPr>
-          <p:cNvPr id="7" name="Θέση περιεχομένου 6" descr="Εικόνα που περιέχει κείμενο, διάγραμμα, στιγμιότυπο οθόνης, γράφημα&#10;&#10;Περιγραφή που δημιουργήθηκε αυτόματα">
-            <a:extLst>
-              <a:ext uri="{FF2B5EF4-FFF2-40B4-BE49-F238E27FC236}">
-                <a16:creationId xmlns:a16="http://schemas.microsoft.com/office/drawing/2014/main" id="{BADD0168-9FDC-79DF-AACE-B02B4DD2B211}"/>
+          <p:cNvPr id="7170" name="Picture 2">
+            <a:extLst>
+              <a:ext uri="{FF2B5EF4-FFF2-40B4-BE49-F238E27FC236}">
+                <a16:creationId xmlns:a16="http://schemas.microsoft.com/office/drawing/2014/main" id="{0692A567-0344-D304-7950-3E36370A34E1}"/>
               </a:ext>
             </a:extLst>
           </p:cNvPr>
           <p:cNvPicPr>
-            <a:picLocks noGrp="1" noChangeAspect="1"/>
+            <a:picLocks noChangeAspect="1" noChangeArrowheads="1"/>
           </p:cNvPicPr>
-          <p:nvPr>
-            <p:ph sz="half" idx="2"/>
-          </p:nvPr>
+          <p:nvPr/>
         </p:nvPicPr>
         <p:blipFill>
-          <a:blip r:embed="rId2"/>
+          <a:blip r:embed="rId2">
+            <a:extLst>
+              <a:ext uri="{28A0092B-C50C-407E-A947-70E740481C1C}">
+                <a14:useLocalDpi xmlns:a14="http://schemas.microsoft.com/office/drawing/2010/main" val="0"/>
+              </a:ext>
+            </a:extLst>
+          </a:blip>
+          <a:srcRect/>
           <a:stretch>
             <a:fillRect/>
           </a:stretch>
         </p:blipFill>
-        <p:spPr>
-          <a:xfrm>
-            <a:off x="6345201" y="1773383"/>
-            <a:ext cx="5199928" cy="4972383"/>
-          </a:xfrm>
-        </p:spPr>
-      </p:pic>
-      <p:sp>
-        <p:nvSpPr>
-          <p:cNvPr id="5" name="TextBox 4">
-            <a:extLst>
-              <a:ext uri="{FF2B5EF4-FFF2-40B4-BE49-F238E27FC236}">
-                <a16:creationId xmlns:a16="http://schemas.microsoft.com/office/drawing/2014/main" id="{416A63A7-5335-6D49-1E5F-9C1C142222B7}"/>
-              </a:ext>
-            </a:extLst>
-          </p:cNvPr>
-          <p:cNvSpPr txBox="1"/>
-          <p:nvPr/>
-        </p:nvSpPr>
-        <p:spPr>
-          <a:xfrm>
-            <a:off x="781050" y="212436"/>
-            <a:ext cx="10629900" cy="1477328"/>
+        <p:spPr bwMode="auto">
+          <a:xfrm>
+            <a:off x="7800002" y="3526141"/>
+            <a:ext cx="3270702" cy="3333600"/>
           </a:xfrm>
           <a:prstGeom prst="rect">
             <a:avLst/>
           </a:prstGeom>
           <a:noFill/>
-        </p:spPr>
-        <p:txBody>
-          <a:bodyPr rot="0" spcFirstLastPara="0" vertOverflow="overflow" horzOverflow="overflow" vert="horz" wrap="square" lIns="91440" tIns="45720" rIns="91440" bIns="45720" numCol="1" spcCol="0" rtlCol="0" fromWordArt="0" anchor="t" anchorCtr="0" forceAA="0" compatLnSpc="1">
-            <a:prstTxWarp prst="textNoShape">
-              <a:avLst/>
-            </a:prstTxWarp>
-            <a:spAutoFit/>
-          </a:bodyPr>
-          <a:lstStyle/>
-          <a:p>
-            <a:r>
-              <a:rPr lang="el-GR" dirty="0"/>
-              <a:t>Αρχικά, κόψαμε τις τιμές του μήκους κύματος που ξεπερνούσαν τα 2.500nm στο 1</a:t>
-            </a:r>
-            <a:r>
-              <a:rPr lang="el-GR" baseline="30000" dirty="0"/>
-              <a:t>ο</a:t>
-            </a:r>
-            <a:r>
-              <a:rPr lang="el-GR" dirty="0"/>
-              <a:t> σετ μετρήσεων και κάναμε μία πρώτη γραφική παράσταση έτσι ώστε να έχουμε μία καλύτερη εικόνα των δεδομένων. Με μωβ χρώμα απεικονίζεται το σετ </a:t>
-            </a:r>
-            <a:r>
-              <a:rPr lang="el-GR" dirty="0" err="1"/>
-              <a:t>kurudz</a:t>
-            </a:r>
-            <a:r>
-              <a:rPr lang="el-GR" dirty="0"/>
-              <a:t> και με πράσινο το </a:t>
-            </a:r>
-            <a:r>
-              <a:rPr lang="el-GR" dirty="0" err="1"/>
-              <a:t>atlas_plus</a:t>
-            </a:r>
-            <a:r>
-              <a:rPr lang="el-GR" dirty="0"/>
-              <a:t>. Είναι εμφανές ότι το ένα σετ περιέχει τιμές σε μεγαλύτερο εύρος όσων αφορά το μήκος κύματος ενώ το δεύτερο έχει περισσότερες τιμές της ακτινοβολίας σε μικρότερο εύρος. </a:t>
-            </a:r>
-          </a:p>
-        </p:txBody>
-      </p:sp>
+          <a:extLst>
+            <a:ext uri="{909E8E84-426E-40DD-AFC4-6F175D3DCCD1}">
+              <a14:hiddenFill xmlns:a14="http://schemas.microsoft.com/office/drawing/2010/main">
+                <a:solidFill>
+                  <a:srgbClr val="FFFFFF"/>
+                </a:solidFill>
+              </a14:hiddenFill>
+            </a:ext>
+          </a:extLst>
+        </p:spPr>
+      </p:pic>
       <p:pic>
         <p:nvPicPr>
-          <p:cNvPr id="12" name="Θέση περιεχομένου 11">
-            <a:extLst>
-              <a:ext uri="{FF2B5EF4-FFF2-40B4-BE49-F238E27FC236}">
-                <a16:creationId xmlns:a16="http://schemas.microsoft.com/office/drawing/2014/main" id="{DBB41800-D14A-4DF9-DFD3-57D50D6010DE}"/>
+          <p:cNvPr id="7172" name="Picture 4">
+            <a:extLst>
+              <a:ext uri="{FF2B5EF4-FFF2-40B4-BE49-F238E27FC236}">
+                <a16:creationId xmlns:a16="http://schemas.microsoft.com/office/drawing/2014/main" id="{70054D6C-115B-980D-E253-35C25BACE169}"/>
               </a:ext>
             </a:extLst>
           </p:cNvPr>
           <p:cNvPicPr>
-            <a:picLocks noGrp="1" noChangeAspect="1"/>
+            <a:picLocks noChangeAspect="1" noChangeArrowheads="1"/>
           </p:cNvPicPr>
-          <p:nvPr>
-            <p:ph sz="half" idx="1"/>
-          </p:nvPr>
+          <p:nvPr/>
         </p:nvPicPr>
         <p:blipFill>
-          <a:blip r:embed="rId3"/>
+          <a:blip r:embed="rId3">
+            <a:extLst>
+              <a:ext uri="{28A0092B-C50C-407E-A947-70E740481C1C}">
+                <a14:useLocalDpi xmlns:a14="http://schemas.microsoft.com/office/drawing/2010/main" val="0"/>
+              </a:ext>
+            </a:extLst>
+          </a:blip>
+          <a:srcRect/>
           <a:stretch>
             <a:fillRect/>
           </a:stretch>
         </p:blipFill>
-        <p:spPr>
-          <a:xfrm>
-            <a:off x="320042" y="1773383"/>
-            <a:ext cx="5526759" cy="5084618"/>
-          </a:xfrm>
+        <p:spPr bwMode="auto">
+          <a:xfrm>
+            <a:off x="140572" y="95400"/>
+            <a:ext cx="3270702" cy="3333600"/>
+          </a:xfrm>
+          <a:prstGeom prst="rect">
+            <a:avLst/>
+          </a:prstGeom>
+          <a:noFill/>
+          <a:extLst>
+            <a:ext uri="{909E8E84-426E-40DD-AFC4-6F175D3DCCD1}">
+              <a14:hiddenFill xmlns:a14="http://schemas.microsoft.com/office/drawing/2010/main">
+                <a:solidFill>
+                  <a:srgbClr val="FFFFFF"/>
+                </a:solidFill>
+              </a14:hiddenFill>
+            </a:ext>
+          </a:extLst>
+        </p:spPr>
+      </p:pic>
+      <p:pic>
+        <p:nvPicPr>
+          <p:cNvPr id="7174" name="Picture 6">
+            <a:extLst>
+              <a:ext uri="{FF2B5EF4-FFF2-40B4-BE49-F238E27FC236}">
+                <a16:creationId xmlns:a16="http://schemas.microsoft.com/office/drawing/2014/main" id="{C7D3685A-ABF1-6DC3-C859-2CA346564864}"/>
+              </a:ext>
+            </a:extLst>
+          </p:cNvPr>
+          <p:cNvPicPr>
+            <a:picLocks noChangeAspect="1" noChangeArrowheads="1"/>
+          </p:cNvPicPr>
+          <p:nvPr/>
+        </p:nvPicPr>
+        <p:blipFill>
+          <a:blip r:embed="rId4">
+            <a:extLst>
+              <a:ext uri="{28A0092B-C50C-407E-A947-70E740481C1C}">
+                <a14:useLocalDpi xmlns:a14="http://schemas.microsoft.com/office/drawing/2010/main" val="0"/>
+              </a:ext>
+            </a:extLst>
+          </a:blip>
+          <a:srcRect/>
+          <a:stretch>
+            <a:fillRect/>
+          </a:stretch>
+        </p:blipFill>
+        <p:spPr bwMode="auto">
+          <a:xfrm>
+            <a:off x="3397631" y="95400"/>
+            <a:ext cx="3270702" cy="3333600"/>
+          </a:xfrm>
+          <a:prstGeom prst="rect">
+            <a:avLst/>
+          </a:prstGeom>
+          <a:noFill/>
+          <a:extLst>
+            <a:ext uri="{909E8E84-426E-40DD-AFC4-6F175D3DCCD1}">
+              <a14:hiddenFill xmlns:a14="http://schemas.microsoft.com/office/drawing/2010/main">
+                <a:solidFill>
+                  <a:srgbClr val="FFFFFF"/>
+                </a:solidFill>
+              </a14:hiddenFill>
+            </a:ext>
+          </a:extLst>
+        </p:spPr>
+      </p:pic>
+      <p:pic>
+        <p:nvPicPr>
+          <p:cNvPr id="7176" name="Picture 8">
+            <a:extLst>
+              <a:ext uri="{FF2B5EF4-FFF2-40B4-BE49-F238E27FC236}">
+                <a16:creationId xmlns:a16="http://schemas.microsoft.com/office/drawing/2014/main" id="{83CF91BC-50AC-7614-E8B8-A23E9D6692D5}"/>
+              </a:ext>
+            </a:extLst>
+          </p:cNvPr>
+          <p:cNvPicPr>
+            <a:picLocks noChangeAspect="1" noChangeArrowheads="1"/>
+          </p:cNvPicPr>
+          <p:nvPr/>
+        </p:nvPicPr>
+        <p:blipFill>
+          <a:blip r:embed="rId5">
+            <a:extLst>
+              <a:ext uri="{28A0092B-C50C-407E-A947-70E740481C1C}">
+                <a14:useLocalDpi xmlns:a14="http://schemas.microsoft.com/office/drawing/2010/main" val="0"/>
+              </a:ext>
+            </a:extLst>
+          </a:blip>
+          <a:srcRect/>
+          <a:stretch>
+            <a:fillRect/>
+          </a:stretch>
+        </p:blipFill>
+        <p:spPr bwMode="auto">
+          <a:xfrm>
+            <a:off x="154215" y="3331860"/>
+            <a:ext cx="3270702" cy="3333600"/>
+          </a:xfrm>
+          <a:prstGeom prst="rect">
+            <a:avLst/>
+          </a:prstGeom>
+          <a:noFill/>
+          <a:extLst>
+            <a:ext uri="{909E8E84-426E-40DD-AFC4-6F175D3DCCD1}">
+              <a14:hiddenFill xmlns:a14="http://schemas.microsoft.com/office/drawing/2010/main">
+                <a:solidFill>
+                  <a:srgbClr val="FFFFFF"/>
+                </a:solidFill>
+              </a14:hiddenFill>
+            </a:ext>
+          </a:extLst>
+        </p:spPr>
+      </p:pic>
+      <p:pic>
+        <p:nvPicPr>
+          <p:cNvPr id="7178" name="Picture 10">
+            <a:extLst>
+              <a:ext uri="{FF2B5EF4-FFF2-40B4-BE49-F238E27FC236}">
+                <a16:creationId xmlns:a16="http://schemas.microsoft.com/office/drawing/2014/main" id="{3FB1F9C8-08D5-47C0-1C42-08BB8FB7E394}"/>
+              </a:ext>
+            </a:extLst>
+          </p:cNvPr>
+          <p:cNvPicPr>
+            <a:picLocks noChangeAspect="1" noChangeArrowheads="1"/>
+          </p:cNvPicPr>
+          <p:nvPr/>
+        </p:nvPicPr>
+        <p:blipFill>
+          <a:blip r:embed="rId6">
+            <a:extLst>
+              <a:ext uri="{28A0092B-C50C-407E-A947-70E740481C1C}">
+                <a14:useLocalDpi xmlns:a14="http://schemas.microsoft.com/office/drawing/2010/main" val="0"/>
+              </a:ext>
+            </a:extLst>
+          </a:blip>
+          <a:srcRect/>
+          <a:stretch>
+            <a:fillRect/>
+          </a:stretch>
+        </p:blipFill>
+        <p:spPr bwMode="auto">
+          <a:xfrm>
+            <a:off x="3411274" y="3428999"/>
+            <a:ext cx="3270702" cy="3333600"/>
+          </a:xfrm>
+          <a:prstGeom prst="rect">
+            <a:avLst/>
+          </a:prstGeom>
+          <a:noFill/>
+          <a:extLst>
+            <a:ext uri="{909E8E84-426E-40DD-AFC4-6F175D3DCCD1}">
+              <a14:hiddenFill xmlns:a14="http://schemas.microsoft.com/office/drawing/2010/main">
+                <a:solidFill>
+                  <a:srgbClr val="FFFFFF"/>
+                </a:solidFill>
+              </a14:hiddenFill>
+            </a:ext>
+          </a:extLst>
         </p:spPr>
       </p:pic>
     </p:spTree>
     <p:extLst>
       <p:ext uri="{BB962C8B-B14F-4D97-AF65-F5344CB8AC3E}">
-        <p14:creationId xmlns:p14="http://schemas.microsoft.com/office/powerpoint/2010/main" val="1761082859"/>
+        <p14:creationId xmlns:p14="http://schemas.microsoft.com/office/powerpoint/2010/main" val="3072515677"/>
       </p:ext>
     </p:extLst>
   </p:cSld>
@@ -8871,68 +8657,66 @@
       </p:grpSpPr>
       <p:pic>
         <p:nvPicPr>
-          <p:cNvPr id="9" name="Θέση περιεχομένου 8" descr="Εικόνα που περιέχει κείμενο, στιγμιότυπο οθόνης, γράφημα, διάγραμμα&#10;&#10;Περιγραφή που δημιουργήθηκε αυτόματα">
-            <a:extLst>
-              <a:ext uri="{FF2B5EF4-FFF2-40B4-BE49-F238E27FC236}">
-                <a16:creationId xmlns:a16="http://schemas.microsoft.com/office/drawing/2014/main" id="{BB47D059-5FF1-2F68-1921-95631DE2D8BF}"/>
+          <p:cNvPr id="13314" name="Picture 2">
+            <a:extLst>
+              <a:ext uri="{FF2B5EF4-FFF2-40B4-BE49-F238E27FC236}">
+                <a16:creationId xmlns:a16="http://schemas.microsoft.com/office/drawing/2014/main" id="{2FF70BA0-8B18-70E2-6A79-4ADDC072D4B6}"/>
               </a:ext>
             </a:extLst>
           </p:cNvPr>
           <p:cNvPicPr>
-            <a:picLocks noGrp="1" noChangeAspect="1"/>
+            <a:picLocks noChangeAspect="1" noChangeArrowheads="1"/>
           </p:cNvPicPr>
-          <p:nvPr>
-            <p:ph sz="half" idx="1"/>
-          </p:nvPr>
+          <p:nvPr/>
         </p:nvPicPr>
         <p:blipFill>
-          <a:blip r:embed="rId2"/>
+          <a:blip r:embed="rId2">
+            <a:extLst>
+              <a:ext uri="{28A0092B-C50C-407E-A947-70E740481C1C}">
+                <a14:useLocalDpi xmlns:a14="http://schemas.microsoft.com/office/drawing/2010/main" val="0"/>
+              </a:ext>
+            </a:extLst>
+          </a:blip>
+          <a:srcRect/>
           <a:stretch>
             <a:fillRect/>
           </a:stretch>
         </p:blipFill>
-        <p:spPr>
-          <a:xfrm>
-            <a:off x="773823" y="2081369"/>
-            <a:ext cx="4867469" cy="4552793"/>
-          </a:xfrm>
-        </p:spPr>
-      </p:pic>
-      <p:pic>
-        <p:nvPicPr>
-          <p:cNvPr id="7" name="Θέση περιεχομένου 6" descr="Εικόνα που περιέχει κείμενο, διάγραμμα, στιγμιότυπο οθόνης, γράφημα&#10;&#10;Περιγραφή που δημιουργήθηκε αυτόματα">
-            <a:extLst>
-              <a:ext uri="{FF2B5EF4-FFF2-40B4-BE49-F238E27FC236}">
-                <a16:creationId xmlns:a16="http://schemas.microsoft.com/office/drawing/2014/main" id="{06A60417-32E9-38CF-B281-EB1D88F4AB8E}"/>
-              </a:ext>
-            </a:extLst>
-          </p:cNvPr>
-          <p:cNvPicPr>
-            <a:picLocks noGrp="1" noChangeAspect="1"/>
-          </p:cNvPicPr>
-          <p:nvPr>
-            <p:ph sz="half" idx="2"/>
-          </p:nvPr>
-        </p:nvPicPr>
-        <p:blipFill>
-          <a:blip r:embed="rId3"/>
-          <a:stretch>
-            <a:fillRect/>
-          </a:stretch>
-        </p:blipFill>
-        <p:spPr>
-          <a:xfrm>
-            <a:off x="6550710" y="2081368"/>
-            <a:ext cx="4867851" cy="4552793"/>
-          </a:xfrm>
+        <p:spPr bwMode="auto">
+          <a:xfrm>
+            <a:off x="166408" y="729000"/>
+            <a:ext cx="7290618" cy="5400000"/>
+          </a:xfrm>
+          <a:prstGeom prst="rect">
+            <a:avLst/>
+          </a:prstGeom>
+          <a:ln>
+            <a:noFill/>
+          </a:ln>
+          <a:effectLst>
+            <a:outerShdw blurRad="292100" dist="139700" dir="2700000" algn="tl" rotWithShape="0">
+              <a:srgbClr val="333333">
+                <a:alpha val="65000"/>
+              </a:srgbClr>
+            </a:outerShdw>
+          </a:effectLst>
+          <a:extLst>
+            <a:ext uri="{909E8E84-426E-40DD-AFC4-6F175D3DCCD1}">
+              <a14:hiddenFill xmlns:a14="http://schemas.microsoft.com/office/drawing/2010/main">
+                <a:solidFill>
+                  <a:srgbClr val="FFFFFF"/>
+                </a:solidFill>
+              </a14:hiddenFill>
+            </a:ext>
+          </a:extLst>
         </p:spPr>
       </p:pic>
       <p:sp>
         <p:nvSpPr>
-          <p:cNvPr id="8" name="TextBox 7">
-            <a:extLst>
-              <a:ext uri="{FF2B5EF4-FFF2-40B4-BE49-F238E27FC236}">
-                <a16:creationId xmlns:a16="http://schemas.microsoft.com/office/drawing/2014/main" id="{7C1FFD2D-2B2E-D3C9-E439-97A0577194FC}"/>
+          <p:cNvPr id="2" name="TextBox 1">
+            <a:extLst>
+              <a:ext uri="{FF2B5EF4-FFF2-40B4-BE49-F238E27FC236}">
+                <a16:creationId xmlns:a16="http://schemas.microsoft.com/office/drawing/2014/main" id="{639BEB9C-D4B0-B473-0FDA-C38187E67D64}"/>
               </a:ext>
             </a:extLst>
           </p:cNvPr>
@@ -8941,8 +8725,8 @@
         </p:nvSpPr>
         <p:spPr>
           <a:xfrm>
-            <a:off x="915767" y="360484"/>
-            <a:ext cx="10360269" cy="1477328"/>
+            <a:off x="8081121" y="2413337"/>
+            <a:ext cx="3944471" cy="2031325"/>
           </a:xfrm>
           <a:prstGeom prst="rect">
             <a:avLst/>
@@ -8950,38 +8734,23 @@
           <a:noFill/>
         </p:spPr>
         <p:txBody>
-          <a:bodyPr rot="0" spcFirstLastPara="0" vertOverflow="overflow" horzOverflow="overflow" vert="horz" wrap="square" lIns="91440" tIns="45720" rIns="91440" bIns="45720" numCol="1" spcCol="0" rtlCol="0" fromWordArt="0" anchor="t" anchorCtr="0" forceAA="0" compatLnSpc="1">
-            <a:prstTxWarp prst="textNoShape">
-              <a:avLst/>
-            </a:prstTxWarp>
+          <a:bodyPr wrap="square" rtlCol="0">
             <a:spAutoFit/>
           </a:bodyPr>
           <a:lstStyle/>
           <a:p>
             <a:r>
               <a:rPr lang="el-GR" dirty="0"/>
-              <a:t>Για καλύτερη σύγκριση των δύο σετ, ζουμάρουμε στην 1η γραφική έτσι ώστε να μελετάμε το ίδιο κομμάτι του φάσματος και στις 2 περιπτώσεις. Με μία πρώτη ματιά παρατηρούμε σαφώς ότι η 2η γραφική είναι πιο πυκνή, κάτι που είναι αναμενόμενο καθώς είναι "φορτωμένη" με περισσότερα δεδομένα. Το σημαντικό που πρέπει να σχολιαστεί είναι το γεγονός ότι και οι δύο καμπύλες έχουν την ίδια μορφολογία και παρατηρούμε τα ίδια </a:t>
-            </a:r>
-            <a:r>
-              <a:rPr lang="el-GR" dirty="0" err="1"/>
-              <a:t>peaks</a:t>
-            </a:r>
-            <a:r>
-              <a:rPr lang="el-GR" dirty="0"/>
-              <a:t> (τόσο για τις ελάχιστες όσο και για τις μέγιστες τιμές)</a:t>
-            </a:r>
-            <a:r>
-              <a:rPr lang="en-US" dirty="0"/>
-              <a:t>.</a:t>
-            </a:r>
-            <a:endParaRPr lang="el-GR" dirty="0"/>
+              <a:t>Τέλος, όσων αφορά την συγκέντρωση του διοξειδίου του άνθρακα στην ατμόσφαιρα, παρατηρούμε ότι είναι λίγο μικρότερη από 0.04% και ότι παραμένει σταθερή τόσο με την μεταβολή του γεωγραφικού πλάτους όσο και με την μεταβολή της εποχής. </a:t>
+            </a:r>
+            <a:endParaRPr lang="en-GB" dirty="0"/>
           </a:p>
         </p:txBody>
       </p:sp>
     </p:spTree>
     <p:extLst>
       <p:ext uri="{BB962C8B-B14F-4D97-AF65-F5344CB8AC3E}">
-        <p14:creationId xmlns:p14="http://schemas.microsoft.com/office/powerpoint/2010/main" val="4261702434"/>
+        <p14:creationId xmlns:p14="http://schemas.microsoft.com/office/powerpoint/2010/main" val="1659475850"/>
       </p:ext>
     </p:extLst>
   </p:cSld>
@@ -9008,12 +8777,68 @@
           <a:chExt cx="0" cy="0"/>
         </a:xfrm>
       </p:grpSpPr>
+      <p:pic>
+        <p:nvPicPr>
+          <p:cNvPr id="4098" name="Picture 2">
+            <a:extLst>
+              <a:ext uri="{FF2B5EF4-FFF2-40B4-BE49-F238E27FC236}">
+                <a16:creationId xmlns:a16="http://schemas.microsoft.com/office/drawing/2014/main" id="{D73C7C46-D56B-3C09-E0E3-8374CADE9014}"/>
+              </a:ext>
+            </a:extLst>
+          </p:cNvPr>
+          <p:cNvPicPr>
+            <a:picLocks noChangeAspect="1" noChangeArrowheads="1"/>
+          </p:cNvPicPr>
+          <p:nvPr/>
+        </p:nvPicPr>
+        <p:blipFill>
+          <a:blip r:embed="rId2">
+            <a:extLst>
+              <a:ext uri="{28A0092B-C50C-407E-A947-70E740481C1C}">
+                <a14:useLocalDpi xmlns:a14="http://schemas.microsoft.com/office/drawing/2010/main" val="0"/>
+              </a:ext>
+            </a:extLst>
+          </a:blip>
+          <a:srcRect/>
+          <a:stretch>
+            <a:fillRect/>
+          </a:stretch>
+        </p:blipFill>
+        <p:spPr bwMode="auto">
+          <a:xfrm>
+            <a:off x="422462" y="729000"/>
+            <a:ext cx="7463616" cy="5400000"/>
+          </a:xfrm>
+          <a:prstGeom prst="rect">
+            <a:avLst/>
+          </a:prstGeom>
+          <a:ln>
+            <a:noFill/>
+          </a:ln>
+          <a:effectLst>
+            <a:outerShdw blurRad="292100" dist="139700" dir="2700000" algn="tl" rotWithShape="0">
+              <a:srgbClr val="333333">
+                <a:alpha val="65000"/>
+              </a:srgbClr>
+            </a:outerShdw>
+          </a:effectLst>
+          <a:extLst>
+            <a:ext uri="{909E8E84-426E-40DD-AFC4-6F175D3DCCD1}">
+              <a14:hiddenFill xmlns:a14="http://schemas.microsoft.com/office/drawing/2010/main">
+                <a:solidFill>
+                  <a:srgbClr val="FFFFFF"/>
+                </a:solidFill>
+              </a14:hiddenFill>
+            </a:ext>
+          </a:extLst>
+        </p:spPr>
+      </p:pic>
       <p:sp>
         <p:nvSpPr>
-          <p:cNvPr id="12" name="TextBox 11">
-            <a:extLst>
-              <a:ext uri="{FF2B5EF4-FFF2-40B4-BE49-F238E27FC236}">
-                <a16:creationId xmlns:a16="http://schemas.microsoft.com/office/drawing/2014/main" id="{9D5A7CEC-D0D6-92C0-BEBA-6FAD982F56BA}"/>
+          <p:cNvPr id="2" name="TextBox 1">
+            <a:extLst>
+              <a:ext uri="{FF2B5EF4-FFF2-40B4-BE49-F238E27FC236}">
+                <a16:creationId xmlns:a16="http://schemas.microsoft.com/office/drawing/2014/main" id="{6B6EE6D8-F24E-564F-4ACA-5A14137F0A4A}"/>
               </a:ext>
             </a:extLst>
           </p:cNvPr>
@@ -9022,8 +8847,8 @@
         </p:nvSpPr>
         <p:spPr>
           <a:xfrm>
-            <a:off x="720436" y="240147"/>
-            <a:ext cx="11083636" cy="1477328"/>
+            <a:off x="8292353" y="1305341"/>
+            <a:ext cx="3119718" cy="4247317"/>
           </a:xfrm>
           <a:prstGeom prst="rect">
             <a:avLst/>
@@ -9038,94 +8863,588 @@
           <a:p>
             <a:r>
               <a:rPr lang="el-GR" dirty="0"/>
-              <a:t>Στην συνέχεια, κάνουμε μέσες τιμές για την ακτινοβολία για το </a:t>
+              <a:t>Ομοίως, και για την περίπτωση της συγκέντρωσης του διοξειδίου του άνθρακα στην τροπόσφαιρα, παρατηρούμε ότι οι τιμές του παραμένουν σταθερές με την μεταβολή του γεωγραφικού πλάτους και της εποχής. Υπενθυμίζουμε ότι η μεγαλύτερη ποσότητα του ρύπου βρίσκεται στο στρώμα αυτό οπότε δεν αναμένουμε και σημαντικές διαφορές σε σχέση με το ποσοστό της συνολικής συγκέντρωσής του στην ατμόσφαιρα.</a:t>
+            </a:r>
+            <a:endParaRPr lang="en-GB" dirty="0"/>
+          </a:p>
+        </p:txBody>
+      </p:sp>
+    </p:spTree>
+    <p:extLst>
+      <p:ext uri="{BB962C8B-B14F-4D97-AF65-F5344CB8AC3E}">
+        <p14:creationId xmlns:p14="http://schemas.microsoft.com/office/powerpoint/2010/main" val="3698694122"/>
+      </p:ext>
+    </p:extLst>
+  </p:cSld>
+  <p:clrMapOvr>
+    <a:masterClrMapping/>
+  </p:clrMapOvr>
+</p:sld>
+</file>
+
+<file path=ppt/slides/slide26.xml><?xml version="1.0" encoding="utf-8"?>
+<p:sld xmlns:a="http://schemas.openxmlformats.org/drawingml/2006/main" xmlns:r="http://schemas.openxmlformats.org/officeDocument/2006/relationships" xmlns:p="http://schemas.openxmlformats.org/presentationml/2006/main">
+  <p:cSld>
+    <p:spTree>
+      <p:nvGrpSpPr>
+        <p:cNvPr id="1" name=""/>
+        <p:cNvGrpSpPr/>
+        <p:nvPr/>
+      </p:nvGrpSpPr>
+      <p:grpSpPr>
+        <a:xfrm>
+          <a:off x="0" y="0"/>
+          <a:ext cx="0" cy="0"/>
+          <a:chOff x="0" y="0"/>
+          <a:chExt cx="0" cy="0"/>
+        </a:xfrm>
+      </p:grpSpPr>
+      <p:pic>
+        <p:nvPicPr>
+          <p:cNvPr id="5122" name="Picture 2">
+            <a:extLst>
+              <a:ext uri="{FF2B5EF4-FFF2-40B4-BE49-F238E27FC236}">
+                <a16:creationId xmlns:a16="http://schemas.microsoft.com/office/drawing/2014/main" id="{45A218DC-277A-C014-5911-7CC347BA2120}"/>
+              </a:ext>
+            </a:extLst>
+          </p:cNvPr>
+          <p:cNvPicPr>
+            <a:picLocks noChangeAspect="1" noChangeArrowheads="1"/>
+          </p:cNvPicPr>
+          <p:nvPr/>
+        </p:nvPicPr>
+        <p:blipFill>
+          <a:blip r:embed="rId2">
+            <a:extLst>
+              <a:ext uri="{28A0092B-C50C-407E-A947-70E740481C1C}">
+                <a14:useLocalDpi xmlns:a14="http://schemas.microsoft.com/office/drawing/2010/main" val="0"/>
+              </a:ext>
+            </a:extLst>
+          </a:blip>
+          <a:srcRect/>
+          <a:stretch>
+            <a:fillRect/>
+          </a:stretch>
+        </p:blipFill>
+        <p:spPr bwMode="auto">
+          <a:xfrm>
+            <a:off x="1017559" y="368114"/>
+            <a:ext cx="10156881" cy="5040000"/>
+          </a:xfrm>
+          <a:prstGeom prst="rect">
+            <a:avLst/>
+          </a:prstGeom>
+          <a:noFill/>
+          <a:extLst>
+            <a:ext uri="{909E8E84-426E-40DD-AFC4-6F175D3DCCD1}">
+              <a14:hiddenFill xmlns:a14="http://schemas.microsoft.com/office/drawing/2010/main">
+                <a:solidFill>
+                  <a:srgbClr val="FFFFFF"/>
+                </a:solidFill>
+              </a14:hiddenFill>
+            </a:ext>
+          </a:extLst>
+        </p:spPr>
+      </p:pic>
+      <p:sp>
+        <p:nvSpPr>
+          <p:cNvPr id="2" name="TextBox 1">
+            <a:extLst>
+              <a:ext uri="{FF2B5EF4-FFF2-40B4-BE49-F238E27FC236}">
+                <a16:creationId xmlns:a16="http://schemas.microsoft.com/office/drawing/2014/main" id="{4BC19986-9D59-01A1-9F29-9FD8BC2B407F}"/>
+              </a:ext>
+            </a:extLst>
+          </p:cNvPr>
+          <p:cNvSpPr txBox="1"/>
+          <p:nvPr/>
+        </p:nvSpPr>
+        <p:spPr>
+          <a:xfrm>
+            <a:off x="533399" y="5692587"/>
+            <a:ext cx="11125200" cy="646331"/>
+          </a:xfrm>
+          <a:prstGeom prst="rect">
+            <a:avLst/>
+          </a:prstGeom>
+          <a:noFill/>
+        </p:spPr>
+        <p:txBody>
+          <a:bodyPr wrap="square" rtlCol="0">
+            <a:spAutoFit/>
+          </a:bodyPr>
+          <a:lstStyle/>
+          <a:p>
+            <a:r>
+              <a:rPr lang="el-GR" dirty="0"/>
+              <a:t>Και στην περίπτωση της στρατόσφαιρας, παρατηρούμε ότι η συγκέντρωση του διοξειδίου του άνθρακα διατηρείται σταθερή, χωρίς εποχικές ή γεωγραφικές μεταβολές.</a:t>
+            </a:r>
+            <a:endParaRPr lang="en-GB" dirty="0"/>
+          </a:p>
+        </p:txBody>
+      </p:sp>
+    </p:spTree>
+    <p:extLst>
+      <p:ext uri="{BB962C8B-B14F-4D97-AF65-F5344CB8AC3E}">
+        <p14:creationId xmlns:p14="http://schemas.microsoft.com/office/powerpoint/2010/main" val="2713571164"/>
+      </p:ext>
+    </p:extLst>
+  </p:cSld>
+  <p:clrMapOvr>
+    <a:masterClrMapping/>
+  </p:clrMapOvr>
+</p:sld>
+</file>
+
+<file path=ppt/slides/slide27.xml><?xml version="1.0" encoding="utf-8"?>
+<p:sld xmlns:a="http://schemas.openxmlformats.org/drawingml/2006/main" xmlns:r="http://schemas.openxmlformats.org/officeDocument/2006/relationships" xmlns:p="http://schemas.openxmlformats.org/presentationml/2006/main">
+  <p:cSld>
+    <p:spTree>
+      <p:nvGrpSpPr>
+        <p:cNvPr id="1" name=""/>
+        <p:cNvGrpSpPr/>
+        <p:nvPr/>
+      </p:nvGrpSpPr>
+      <p:grpSpPr>
+        <a:xfrm>
+          <a:off x="0" y="0"/>
+          <a:ext cx="0" cy="0"/>
+          <a:chOff x="0" y="0"/>
+          <a:chExt cx="0" cy="0"/>
+        </a:xfrm>
+      </p:grpSpPr>
+      <p:sp>
+        <p:nvSpPr>
+          <p:cNvPr id="2" name="Τίτλος 1">
+            <a:extLst>
+              <a:ext uri="{FF2B5EF4-FFF2-40B4-BE49-F238E27FC236}">
+                <a16:creationId xmlns:a16="http://schemas.microsoft.com/office/drawing/2014/main" id="{F15DE645-1279-C54C-D4D5-5157A24214B4}"/>
+              </a:ext>
+            </a:extLst>
+          </p:cNvPr>
+          <p:cNvSpPr>
+            <a:spLocks noGrp="1"/>
+          </p:cNvSpPr>
+          <p:nvPr>
+            <p:ph type="title"/>
+          </p:nvPr>
+        </p:nvSpPr>
+        <p:spPr>
+          <a:xfrm>
+            <a:off x="609600" y="270802"/>
+            <a:ext cx="10972800" cy="752495"/>
+          </a:xfrm>
+        </p:spPr>
+        <p:txBody>
+          <a:bodyPr>
+            <a:normAutofit fontScale="90000"/>
+          </a:bodyPr>
+          <a:lstStyle/>
+          <a:p>
+            <a:r>
+              <a:rPr lang="el-GR" dirty="0">
+                <a:cs typeface="Posterama"/>
+              </a:rPr>
+              <a:t>Μέρος 2ο</a:t>
+            </a:r>
+            <a:endParaRPr lang="el-GR" dirty="0"/>
+          </a:p>
+        </p:txBody>
+      </p:sp>
+      <p:sp>
+        <p:nvSpPr>
+          <p:cNvPr id="3" name="Θέση περιεχομένου 2">
+            <a:extLst>
+              <a:ext uri="{FF2B5EF4-FFF2-40B4-BE49-F238E27FC236}">
+                <a16:creationId xmlns:a16="http://schemas.microsoft.com/office/drawing/2014/main" id="{2B967DD2-94EE-2762-99F8-C473DB1D6FFC}"/>
+              </a:ext>
+            </a:extLst>
+          </p:cNvPr>
+          <p:cNvSpPr>
+            <a:spLocks noGrp="1"/>
+          </p:cNvSpPr>
+          <p:nvPr>
+            <p:ph idx="1"/>
+          </p:nvPr>
+        </p:nvSpPr>
+        <p:spPr>
+          <a:xfrm>
+            <a:off x="609600" y="1103673"/>
+            <a:ext cx="10972800" cy="1860953"/>
+          </a:xfrm>
+        </p:spPr>
+        <p:txBody>
+          <a:bodyPr vert="horz" lIns="91440" tIns="45720" rIns="91440" bIns="45720" rtlCol="0" anchor="t">
+            <a:normAutofit fontScale="92500"/>
+          </a:bodyPr>
+          <a:lstStyle/>
+          <a:p>
+            <a:r>
+              <a:rPr lang="el-GR" dirty="0"/>
+              <a:t>Το δεύτερο μέρος της εργασίας περιλαμβάνει δύο διαφορετικά </a:t>
+            </a:r>
+            <a:r>
+              <a:rPr lang="el-GR" dirty="0" err="1"/>
+              <a:t>datasets</a:t>
+            </a:r>
+            <a:r>
+              <a:rPr lang="el-GR" dirty="0"/>
+              <a:t> όπου περιέχουν φάσματα της ηλιακής ακτινοβολίας δηλαδή δεδομένα εισόδου για την ροή ακτινοβολίας (</a:t>
             </a:r>
             <a:r>
               <a:rPr lang="en-US" dirty="0"/>
-              <a:t>dataset </a:t>
+              <a:t>spectral </a:t>
+            </a:r>
+            <a:r>
+              <a:rPr lang="el-GR" dirty="0" err="1"/>
+              <a:t>irradiance</a:t>
             </a:r>
             <a:r>
               <a:rPr lang="el-GR" dirty="0"/>
-              <a:t>με τις περισσότερες μετρήσεις έτσι ώστε να έχουμε μία μέτρηση ανά </a:t>
-            </a:r>
-            <a:r>
-              <a:rPr lang="en-US" dirty="0"/>
-              <a:t>1nm </a:t>
+              <a:t>) για διαφορετικά μήκη κύματος. Η διαφορά μεταξύ των δύο μετρήσεων έγκειται στην ακρίβεια καθώς το 1ο σετ που από εδώ και πέρα θα ονομάζεται </a:t>
+            </a:r>
+            <a:r>
+              <a:rPr lang="el-GR" dirty="0" err="1"/>
+              <a:t>kurudz</a:t>
             </a:r>
             <a:r>
               <a:rPr lang="el-GR" dirty="0"/>
-              <a:t>όπως ακριβώς συμβαίνει με το 1</a:t>
-            </a:r>
-            <a:r>
-              <a:rPr lang="el-GR" baseline="30000" dirty="0"/>
-              <a:t>ο</a:t>
+              <a:t> έχει ακρίβεια 1nm και το 2ο σετ που ονομάζεται </a:t>
+            </a:r>
+            <a:r>
+              <a:rPr lang="el-GR" dirty="0" err="1"/>
+              <a:t>atlas_plus</a:t>
             </a:r>
             <a:r>
               <a:rPr lang="el-GR" dirty="0"/>
-              <a:t> </a:t>
-            </a:r>
-            <a:r>
-              <a:rPr lang="en-US" dirty="0"/>
-              <a:t>dataset.</a:t>
-            </a:r>
-            <a:r>
-              <a:rPr lang="el-GR" dirty="0"/>
-              <a:t> </a:t>
-            </a:r>
-            <a:r>
-              <a:rPr lang="en-US" dirty="0"/>
-              <a:t> </a:t>
-            </a:r>
-            <a:r>
-              <a:rPr lang="el-GR" dirty="0"/>
-              <a:t>Κάνοντας τις αντίστοιχες γραφικές παρατηρούμε ότι σε γενικές γραμμές οι δύο γραφικές είναι σχεδόν πανομοιότυπες με πολύ μικρές τοπικές αποκλίσεις. Συγκεκριμένα, παρατηρούμε μία απόκλιση στα χαμηλά μήκη κύματος (&lt;300</a:t>
-            </a:r>
-            <a:r>
-              <a:rPr lang="en-US" dirty="0"/>
-              <a:t>nm</a:t>
-            </a:r>
-            <a:r>
-              <a:rPr lang="en-GB" dirty="0"/>
-              <a:t>) </a:t>
-            </a:r>
-            <a:r>
-              <a:rPr lang="el-GR" dirty="0"/>
-              <a:t>καθώς και μία μικρότερη στα 500 </a:t>
-            </a:r>
-            <a:r>
-              <a:rPr lang="en-US" dirty="0"/>
-              <a:t>nm </a:t>
-            </a:r>
-            <a:r>
-              <a:rPr lang="el-GR" dirty="0"/>
-              <a:t>στο 2</a:t>
-            </a:r>
-            <a:r>
-              <a:rPr lang="el-GR" baseline="30000" dirty="0"/>
-              <a:t>ο</a:t>
-            </a:r>
-            <a:r>
-              <a:rPr lang="el-GR" dirty="0"/>
-              <a:t> </a:t>
-            </a:r>
-            <a:r>
-              <a:rPr lang="en-US" dirty="0"/>
-              <a:t>peak. </a:t>
-            </a:r>
-            <a:r>
-              <a:rPr lang="el-GR" dirty="0"/>
-              <a:t> </a:t>
-            </a:r>
-            <a:endParaRPr lang="en-GB" dirty="0"/>
+              <a:t> έχει ακρίβεια 0.05 nm. Παρακάτω εμφανίζονται τα δύο σετ σε αντιπαράθεση μεταξύ τους.</a:t>
+            </a:r>
           </a:p>
         </p:txBody>
       </p:sp>
       <p:pic>
         <p:nvPicPr>
-          <p:cNvPr id="8" name="Θέση περιεχομένου 7">
-            <a:extLst>
-              <a:ext uri="{FF2B5EF4-FFF2-40B4-BE49-F238E27FC236}">
-                <a16:creationId xmlns:a16="http://schemas.microsoft.com/office/drawing/2014/main" id="{4F75940E-0ABF-4897-52D3-D77EDCF83AF1}"/>
+          <p:cNvPr id="4" name="Εικόνα 3" descr="Εικόνα που περιέχει κείμενο, στιγμιότυπο οθόνης, γραμματοσειρά, αριθμός&#10;&#10;Περιγραφή που δημιουργήθηκε αυτόματα">
+            <a:extLst>
+              <a:ext uri="{FF2B5EF4-FFF2-40B4-BE49-F238E27FC236}">
+                <a16:creationId xmlns:a16="http://schemas.microsoft.com/office/drawing/2014/main" id="{D9BD9A25-FF1D-8D41-F8DE-74077A87C51F}"/>
+              </a:ext>
+            </a:extLst>
+          </p:cNvPr>
+          <p:cNvPicPr>
+            <a:picLocks noChangeAspect="1"/>
+          </p:cNvPicPr>
+          <p:nvPr/>
+        </p:nvPicPr>
+        <p:blipFill>
+          <a:blip r:embed="rId2"/>
+          <a:stretch>
+            <a:fillRect/>
+          </a:stretch>
+        </p:blipFill>
+        <p:spPr>
+          <a:xfrm>
+            <a:off x="2739512" y="3062214"/>
+            <a:ext cx="3353924" cy="3522883"/>
+          </a:xfrm>
+          <a:prstGeom prst="rect">
+            <a:avLst/>
+          </a:prstGeom>
+        </p:spPr>
+      </p:pic>
+      <p:pic>
+        <p:nvPicPr>
+          <p:cNvPr id="5" name="Εικόνα 4" descr="Εικόνα που περιέχει κείμενο, στιγμιότυπο οθόνης, γραμματοσειρά, αριθμός&#10;&#10;Περιγραφή που δημιουργήθηκε αυτόματα">
+            <a:extLst>
+              <a:ext uri="{FF2B5EF4-FFF2-40B4-BE49-F238E27FC236}">
+                <a16:creationId xmlns:a16="http://schemas.microsoft.com/office/drawing/2014/main" id="{E020A2B0-B1F6-CD4E-247D-A75AD2225156}"/>
+              </a:ext>
+            </a:extLst>
+          </p:cNvPr>
+          <p:cNvPicPr>
+            <a:picLocks noChangeAspect="1"/>
+          </p:cNvPicPr>
+          <p:nvPr/>
+        </p:nvPicPr>
+        <p:blipFill>
+          <a:blip r:embed="rId3"/>
+          <a:stretch>
+            <a:fillRect/>
+          </a:stretch>
+        </p:blipFill>
+        <p:spPr>
+          <a:xfrm>
+            <a:off x="6093534" y="3058551"/>
+            <a:ext cx="3355389" cy="3528647"/>
+          </a:xfrm>
+          <a:prstGeom prst="rect">
+            <a:avLst/>
+          </a:prstGeom>
+        </p:spPr>
+      </p:pic>
+      <p:sp>
+        <p:nvSpPr>
+          <p:cNvPr id="6" name="TextBox 5">
+            <a:extLst>
+              <a:ext uri="{FF2B5EF4-FFF2-40B4-BE49-F238E27FC236}">
+                <a16:creationId xmlns:a16="http://schemas.microsoft.com/office/drawing/2014/main" id="{941BEBAF-EE0F-7D82-94AF-AD4A10CE22FA}"/>
+              </a:ext>
+            </a:extLst>
+          </p:cNvPr>
+          <p:cNvSpPr txBox="1"/>
+          <p:nvPr/>
+        </p:nvSpPr>
+        <p:spPr>
+          <a:xfrm>
+            <a:off x="1660183" y="4820138"/>
+            <a:ext cx="926123" cy="369332"/>
+          </a:xfrm>
+          <a:prstGeom prst="rect">
+            <a:avLst/>
+          </a:prstGeom>
+          <a:noFill/>
+        </p:spPr>
+        <p:txBody>
+          <a:bodyPr rot="0" spcFirstLastPara="0" vertOverflow="overflow" horzOverflow="overflow" vert="horz" wrap="square" lIns="91440" tIns="45720" rIns="91440" bIns="45720" numCol="1" spcCol="0" rtlCol="0" fromWordArt="0" anchor="t" anchorCtr="0" forceAA="0" compatLnSpc="1">
+            <a:prstTxWarp prst="textNoShape">
+              <a:avLst/>
+            </a:prstTxWarp>
+            <a:spAutoFit/>
+          </a:bodyPr>
+          <a:lstStyle/>
+          <a:p>
+            <a:pPr algn="l"/>
+            <a:r>
+              <a:rPr lang="el-GR" dirty="0" err="1"/>
+              <a:t>kurudz</a:t>
+            </a:r>
+          </a:p>
+        </p:txBody>
+      </p:sp>
+      <p:sp>
+        <p:nvSpPr>
+          <p:cNvPr id="7" name="TextBox 6">
+            <a:extLst>
+              <a:ext uri="{FF2B5EF4-FFF2-40B4-BE49-F238E27FC236}">
+                <a16:creationId xmlns:a16="http://schemas.microsoft.com/office/drawing/2014/main" id="{4F46A0B3-610B-75AF-25F4-971F14592E22}"/>
+              </a:ext>
+            </a:extLst>
+          </p:cNvPr>
+          <p:cNvSpPr txBox="1"/>
+          <p:nvPr/>
+        </p:nvSpPr>
+        <p:spPr>
+          <a:xfrm>
+            <a:off x="9694007" y="4823850"/>
+            <a:ext cx="1266093" cy="369332"/>
+          </a:xfrm>
+          <a:prstGeom prst="rect">
+            <a:avLst/>
+          </a:prstGeom>
+          <a:noFill/>
+        </p:spPr>
+        <p:txBody>
+          <a:bodyPr rot="0" spcFirstLastPara="0" vertOverflow="overflow" horzOverflow="overflow" vert="horz" wrap="square" lIns="91440" tIns="45720" rIns="91440" bIns="45720" numCol="1" spcCol="0" rtlCol="0" fromWordArt="0" anchor="t" anchorCtr="0" forceAA="0" compatLnSpc="1">
+            <a:prstTxWarp prst="textNoShape">
+              <a:avLst/>
+            </a:prstTxWarp>
+            <a:spAutoFit/>
+          </a:bodyPr>
+          <a:lstStyle/>
+          <a:p>
+            <a:pPr algn="l"/>
+            <a:r>
+              <a:rPr lang="el-GR" dirty="0" err="1"/>
+              <a:t>atlas_plus</a:t>
+            </a:r>
+          </a:p>
+        </p:txBody>
+      </p:sp>
+    </p:spTree>
+    <p:extLst>
+      <p:ext uri="{BB962C8B-B14F-4D97-AF65-F5344CB8AC3E}">
+        <p14:creationId xmlns:p14="http://schemas.microsoft.com/office/powerpoint/2010/main" val="4020534852"/>
+      </p:ext>
+    </p:extLst>
+  </p:cSld>
+  <p:clrMapOvr>
+    <a:masterClrMapping/>
+  </p:clrMapOvr>
+</p:sld>
+</file>
+
+<file path=ppt/slides/slide28.xml><?xml version="1.0" encoding="utf-8"?>
+<p:sld xmlns:a="http://schemas.openxmlformats.org/drawingml/2006/main" xmlns:r="http://schemas.openxmlformats.org/officeDocument/2006/relationships" xmlns:p="http://schemas.openxmlformats.org/presentationml/2006/main">
+  <p:cSld>
+    <p:spTree>
+      <p:nvGrpSpPr>
+        <p:cNvPr id="1" name=""/>
+        <p:cNvGrpSpPr/>
+        <p:nvPr/>
+      </p:nvGrpSpPr>
+      <p:grpSpPr>
+        <a:xfrm>
+          <a:off x="0" y="0"/>
+          <a:ext cx="0" cy="0"/>
+          <a:chOff x="0" y="0"/>
+          <a:chExt cx="0" cy="0"/>
+        </a:xfrm>
+      </p:grpSpPr>
+      <p:pic>
+        <p:nvPicPr>
+          <p:cNvPr id="7" name="Θέση περιεχομένου 6" descr="Εικόνα που περιέχει κείμενο, διάγραμμα, στιγμιότυπο οθόνης, γράφημα&#10;&#10;Περιγραφή που δημιουργήθηκε αυτόματα">
+            <a:extLst>
+              <a:ext uri="{FF2B5EF4-FFF2-40B4-BE49-F238E27FC236}">
+                <a16:creationId xmlns:a16="http://schemas.microsoft.com/office/drawing/2014/main" id="{BADD0168-9FDC-79DF-AACE-B02B4DD2B211}"/>
+              </a:ext>
+            </a:extLst>
+          </p:cNvPr>
+          <p:cNvPicPr>
+            <a:picLocks noGrp="1" noChangeAspect="1"/>
+          </p:cNvPicPr>
+          <p:nvPr>
+            <p:ph sz="half" idx="2"/>
+          </p:nvPr>
+        </p:nvPicPr>
+        <p:blipFill>
+          <a:blip r:embed="rId2"/>
+          <a:stretch>
+            <a:fillRect/>
+          </a:stretch>
+        </p:blipFill>
+        <p:spPr>
+          <a:xfrm>
+            <a:off x="6345201" y="1773383"/>
+            <a:ext cx="5199928" cy="4972383"/>
+          </a:xfrm>
+        </p:spPr>
+      </p:pic>
+      <p:sp>
+        <p:nvSpPr>
+          <p:cNvPr id="5" name="TextBox 4">
+            <a:extLst>
+              <a:ext uri="{FF2B5EF4-FFF2-40B4-BE49-F238E27FC236}">
+                <a16:creationId xmlns:a16="http://schemas.microsoft.com/office/drawing/2014/main" id="{416A63A7-5335-6D49-1E5F-9C1C142222B7}"/>
+              </a:ext>
+            </a:extLst>
+          </p:cNvPr>
+          <p:cNvSpPr txBox="1"/>
+          <p:nvPr/>
+        </p:nvSpPr>
+        <p:spPr>
+          <a:xfrm>
+            <a:off x="781050" y="212436"/>
+            <a:ext cx="10629900" cy="1477328"/>
+          </a:xfrm>
+          <a:prstGeom prst="rect">
+            <a:avLst/>
+          </a:prstGeom>
+          <a:noFill/>
+        </p:spPr>
+        <p:txBody>
+          <a:bodyPr rot="0" spcFirstLastPara="0" vertOverflow="overflow" horzOverflow="overflow" vert="horz" wrap="square" lIns="91440" tIns="45720" rIns="91440" bIns="45720" numCol="1" spcCol="0" rtlCol="0" fromWordArt="0" anchor="t" anchorCtr="0" forceAA="0" compatLnSpc="1">
+            <a:prstTxWarp prst="textNoShape">
+              <a:avLst/>
+            </a:prstTxWarp>
+            <a:spAutoFit/>
+          </a:bodyPr>
+          <a:lstStyle/>
+          <a:p>
+            <a:r>
+              <a:rPr lang="el-GR" dirty="0"/>
+              <a:t>Αρχικά, κόψαμε τις τιμές του μήκους κύματος που ξεπερνούσαν τα 2.500nm στο 1</a:t>
+            </a:r>
+            <a:r>
+              <a:rPr lang="el-GR" baseline="30000" dirty="0"/>
+              <a:t>ο</a:t>
+            </a:r>
+            <a:r>
+              <a:rPr lang="el-GR" dirty="0"/>
+              <a:t> σετ μετρήσεων και κάναμε μία πρώτη γραφική παράσταση έτσι ώστε να έχουμε μία καλύτερη εικόνα των δεδομένων. Με μωβ χρώμα απεικονίζεται το σετ </a:t>
+            </a:r>
+            <a:r>
+              <a:rPr lang="el-GR" dirty="0" err="1"/>
+              <a:t>kurudz</a:t>
+            </a:r>
+            <a:r>
+              <a:rPr lang="el-GR" dirty="0"/>
+              <a:t> και με πράσινο το </a:t>
+            </a:r>
+            <a:r>
+              <a:rPr lang="el-GR" dirty="0" err="1"/>
+              <a:t>atlas_plus</a:t>
+            </a:r>
+            <a:r>
+              <a:rPr lang="el-GR" dirty="0"/>
+              <a:t>. Είναι εμφανές ότι το ένα σετ περιέχει τιμές σε μεγαλύτερο εύρος όσων αφορά το μήκος κύματος ενώ το δεύτερο έχει περισσότερες τιμές της ακτινοβολίας σε μικρότερο εύρος. </a:t>
+            </a:r>
+          </a:p>
+        </p:txBody>
+      </p:sp>
+      <p:pic>
+        <p:nvPicPr>
+          <p:cNvPr id="12" name="Θέση περιεχομένου 11">
+            <a:extLst>
+              <a:ext uri="{FF2B5EF4-FFF2-40B4-BE49-F238E27FC236}">
+                <a16:creationId xmlns:a16="http://schemas.microsoft.com/office/drawing/2014/main" id="{DBB41800-D14A-4DF9-DFD3-57D50D6010DE}"/>
+              </a:ext>
+            </a:extLst>
+          </p:cNvPr>
+          <p:cNvPicPr>
+            <a:picLocks noGrp="1" noChangeAspect="1"/>
+          </p:cNvPicPr>
+          <p:nvPr>
+            <p:ph sz="half" idx="1"/>
+          </p:nvPr>
+        </p:nvPicPr>
+        <p:blipFill>
+          <a:blip r:embed="rId3"/>
+          <a:stretch>
+            <a:fillRect/>
+          </a:stretch>
+        </p:blipFill>
+        <p:spPr>
+          <a:xfrm>
+            <a:off x="320042" y="1773383"/>
+            <a:ext cx="5526759" cy="5084618"/>
+          </a:xfrm>
+        </p:spPr>
+      </p:pic>
+    </p:spTree>
+    <p:extLst>
+      <p:ext uri="{BB962C8B-B14F-4D97-AF65-F5344CB8AC3E}">
+        <p14:creationId xmlns:p14="http://schemas.microsoft.com/office/powerpoint/2010/main" val="1761082859"/>
+      </p:ext>
+    </p:extLst>
+  </p:cSld>
+  <p:clrMapOvr>
+    <a:masterClrMapping/>
+  </p:clrMapOvr>
+</p:sld>
+</file>
+
+<file path=ppt/slides/slide29.xml><?xml version="1.0" encoding="utf-8"?>
+<p:sld xmlns:a="http://schemas.openxmlformats.org/drawingml/2006/main" xmlns:r="http://schemas.openxmlformats.org/officeDocument/2006/relationships" xmlns:p="http://schemas.openxmlformats.org/presentationml/2006/main">
+  <p:cSld>
+    <p:spTree>
+      <p:nvGrpSpPr>
+        <p:cNvPr id="1" name=""/>
+        <p:cNvGrpSpPr/>
+        <p:nvPr/>
+      </p:nvGrpSpPr>
+      <p:grpSpPr>
+        <a:xfrm>
+          <a:off x="0" y="0"/>
+          <a:ext cx="0" cy="0"/>
+          <a:chOff x="0" y="0"/>
+          <a:chExt cx="0" cy="0"/>
+        </a:xfrm>
+      </p:grpSpPr>
+      <p:pic>
+        <p:nvPicPr>
+          <p:cNvPr id="9" name="Θέση περιεχομένου 8" descr="Εικόνα που περιέχει κείμενο, στιγμιότυπο οθόνης, γράφημα, διάγραμμα&#10;&#10;Περιγραφή που δημιουργήθηκε αυτόματα">
+            <a:extLst>
+              <a:ext uri="{FF2B5EF4-FFF2-40B4-BE49-F238E27FC236}">
+                <a16:creationId xmlns:a16="http://schemas.microsoft.com/office/drawing/2014/main" id="{BB47D059-5FF1-2F68-1921-95631DE2D8BF}"/>
               </a:ext>
             </a:extLst>
           </p:cNvPr>
@@ -9144,17 +9463,17 @@
         </p:blipFill>
         <p:spPr>
           <a:xfrm>
-            <a:off x="421746" y="1865745"/>
-            <a:ext cx="5255570" cy="4905755"/>
+            <a:off x="773823" y="2081369"/>
+            <a:ext cx="4867469" cy="4552793"/>
           </a:xfrm>
         </p:spPr>
       </p:pic>
       <p:pic>
         <p:nvPicPr>
-          <p:cNvPr id="11" name="Θέση περιεχομένου 10">
-            <a:extLst>
-              <a:ext uri="{FF2B5EF4-FFF2-40B4-BE49-F238E27FC236}">
-                <a16:creationId xmlns:a16="http://schemas.microsoft.com/office/drawing/2014/main" id="{0ECCCFE6-9FA7-D04F-5A16-AA48D10DF304}"/>
+          <p:cNvPr id="7" name="Θέση περιεχομένου 6" descr="Εικόνα που περιέχει κείμενο, διάγραμμα, στιγμιότυπο οθόνης, γράφημα&#10;&#10;Περιγραφή που δημιουργήθηκε αυτόματα">
+            <a:extLst>
+              <a:ext uri="{FF2B5EF4-FFF2-40B4-BE49-F238E27FC236}">
+                <a16:creationId xmlns:a16="http://schemas.microsoft.com/office/drawing/2014/main" id="{06A60417-32E9-38CF-B281-EB1D88F4AB8E}"/>
               </a:ext>
             </a:extLst>
           </p:cNvPr>
@@ -9173,6 +9492,436 @@
         </p:blipFill>
         <p:spPr>
           <a:xfrm>
+            <a:off x="6550710" y="2081368"/>
+            <a:ext cx="4867851" cy="4552793"/>
+          </a:xfrm>
+        </p:spPr>
+      </p:pic>
+      <p:sp>
+        <p:nvSpPr>
+          <p:cNvPr id="8" name="TextBox 7">
+            <a:extLst>
+              <a:ext uri="{FF2B5EF4-FFF2-40B4-BE49-F238E27FC236}">
+                <a16:creationId xmlns:a16="http://schemas.microsoft.com/office/drawing/2014/main" id="{7C1FFD2D-2B2E-D3C9-E439-97A0577194FC}"/>
+              </a:ext>
+            </a:extLst>
+          </p:cNvPr>
+          <p:cNvSpPr txBox="1"/>
+          <p:nvPr/>
+        </p:nvSpPr>
+        <p:spPr>
+          <a:xfrm>
+            <a:off x="915767" y="360484"/>
+            <a:ext cx="10360269" cy="1477328"/>
+          </a:xfrm>
+          <a:prstGeom prst="rect">
+            <a:avLst/>
+          </a:prstGeom>
+          <a:noFill/>
+        </p:spPr>
+        <p:txBody>
+          <a:bodyPr rot="0" spcFirstLastPara="0" vertOverflow="overflow" horzOverflow="overflow" vert="horz" wrap="square" lIns="91440" tIns="45720" rIns="91440" bIns="45720" numCol="1" spcCol="0" rtlCol="0" fromWordArt="0" anchor="t" anchorCtr="0" forceAA="0" compatLnSpc="1">
+            <a:prstTxWarp prst="textNoShape">
+              <a:avLst/>
+            </a:prstTxWarp>
+            <a:spAutoFit/>
+          </a:bodyPr>
+          <a:lstStyle/>
+          <a:p>
+            <a:r>
+              <a:rPr lang="el-GR" dirty="0"/>
+              <a:t>Για καλύτερη σύγκριση των δύο σετ, ζουμάρουμε στην 1η γραφική έτσι ώστε να μελετάμε το ίδιο κομμάτι του φάσματος και στις 2 περιπτώσεις. Με μία πρώτη ματιά παρατηρούμε σαφώς ότι η 2η γραφική είναι πιο πυκνή, κάτι που είναι αναμενόμενο καθώς είναι "φορτωμένη" με περισσότερα δεδομένα. Το σημαντικό που πρέπει να σχολιαστεί είναι το γεγονός ότι και οι δύο καμπύλες έχουν την ίδια μορφολογία και παρατηρούμε τα ίδια </a:t>
+            </a:r>
+            <a:r>
+              <a:rPr lang="el-GR" dirty="0" err="1"/>
+              <a:t>peaks</a:t>
+            </a:r>
+            <a:r>
+              <a:rPr lang="el-GR" dirty="0"/>
+              <a:t> (τόσο για τις ελάχιστες όσο και για τις μέγιστες τιμές)</a:t>
+            </a:r>
+            <a:r>
+              <a:rPr lang="en-US" dirty="0"/>
+              <a:t>.</a:t>
+            </a:r>
+            <a:endParaRPr lang="el-GR" dirty="0"/>
+          </a:p>
+        </p:txBody>
+      </p:sp>
+    </p:spTree>
+    <p:extLst>
+      <p:ext uri="{BB962C8B-B14F-4D97-AF65-F5344CB8AC3E}">
+        <p14:creationId xmlns:p14="http://schemas.microsoft.com/office/powerpoint/2010/main" val="4261702434"/>
+      </p:ext>
+    </p:extLst>
+  </p:cSld>
+  <p:clrMapOvr>
+    <a:masterClrMapping/>
+  </p:clrMapOvr>
+</p:sld>
+</file>
+
+<file path=ppt/slides/slide3.xml><?xml version="1.0" encoding="utf-8"?>
+<p:sld xmlns:a="http://schemas.openxmlformats.org/drawingml/2006/main" xmlns:r="http://schemas.openxmlformats.org/officeDocument/2006/relationships" xmlns:p="http://schemas.openxmlformats.org/presentationml/2006/main">
+  <p:cSld>
+    <p:spTree>
+      <p:nvGrpSpPr>
+        <p:cNvPr id="1" name=""/>
+        <p:cNvGrpSpPr/>
+        <p:nvPr/>
+      </p:nvGrpSpPr>
+      <p:grpSpPr>
+        <a:xfrm>
+          <a:off x="0" y="0"/>
+          <a:ext cx="0" cy="0"/>
+          <a:chOff x="0" y="0"/>
+          <a:chExt cx="0" cy="0"/>
+        </a:xfrm>
+      </p:grpSpPr>
+      <p:sp>
+        <p:nvSpPr>
+          <p:cNvPr id="4" name="Θέση κειμένου 3">
+            <a:extLst>
+              <a:ext uri="{FF2B5EF4-FFF2-40B4-BE49-F238E27FC236}">
+                <a16:creationId xmlns:a16="http://schemas.microsoft.com/office/drawing/2014/main" id="{5F0B367D-961B-4DF4-161C-7B90BB498E0D}"/>
+              </a:ext>
+            </a:extLst>
+          </p:cNvPr>
+          <p:cNvSpPr>
+            <a:spLocks noGrp="1"/>
+          </p:cNvSpPr>
+          <p:nvPr>
+            <p:ph type="body" sz="half" idx="2"/>
+          </p:nvPr>
+        </p:nvSpPr>
+        <p:spPr>
+          <a:xfrm>
+            <a:off x="612775" y="493403"/>
+            <a:ext cx="5142566" cy="5871194"/>
+          </a:xfrm>
+        </p:spPr>
+        <p:txBody>
+          <a:bodyPr>
+            <a:normAutofit fontScale="92500"/>
+          </a:bodyPr>
+          <a:lstStyle/>
+          <a:p>
+            <a:r>
+              <a:rPr lang="el-GR" dirty="0"/>
+              <a:t>Τα διαγράμματα θερμοκρασίας – ύψους μας φανερώνουν τα όρια της τροπόσφαιρας καθώς εκεί είναι που παρατηρείται θερμοκρασιακή αναστροφή.</a:t>
+            </a:r>
+            <a:r>
+              <a:rPr lang="en-US" dirty="0"/>
+              <a:t> </a:t>
+            </a:r>
+            <a:r>
+              <a:rPr lang="el-GR" dirty="0"/>
+              <a:t>Στο διπλανό διάγραμμα βλέπουμε την κατανομή της θερμοκρασίας με το ύψος για την περίπτωση των τροπικών. Με βάση τον πίνακα δεδομένων αλλά και την γραφική παράσταση, μπορούμε να προσδιορίσουμε</a:t>
+            </a:r>
+            <a:r>
+              <a:rPr lang="en-GB" dirty="0"/>
+              <a:t> </a:t>
+            </a:r>
+            <a:r>
+              <a:rPr lang="el-GR" dirty="0"/>
+              <a:t>πολύ εύκολα το ύψος της τροπόπαυσης  το οποίο εντοπίζεται στα 17 </a:t>
+            </a:r>
+            <a:r>
+              <a:rPr lang="en-US" dirty="0"/>
+              <a:t>km </a:t>
+            </a:r>
+            <a:r>
+              <a:rPr lang="el-GR" dirty="0"/>
+              <a:t>από την Μέση Στάθμη Θάλασσας (ΜΣΘ). Το ύψος τα </a:t>
+            </a:r>
+            <a:r>
+              <a:rPr lang="el-GR" dirty="0" err="1"/>
+              <a:t>στρατόπαυσης</a:t>
+            </a:r>
+            <a:r>
+              <a:rPr lang="el-GR" dirty="0"/>
+              <a:t>, αντίστοιχα, προσδιορίζεται στα 50 </a:t>
+            </a:r>
+            <a:r>
+              <a:rPr lang="en-US" dirty="0"/>
+              <a:t>km</a:t>
+            </a:r>
+            <a:r>
+              <a:rPr lang="el-GR" dirty="0"/>
+              <a:t> και με τον ίδιο τρόπο μπορούμε να προσδιορίσουμε και τα άλλα στρώματα της ατμόσφαιρας. Συγκεκριμένα η </a:t>
+            </a:r>
+            <a:r>
+              <a:rPr lang="el-GR" dirty="0" err="1"/>
+              <a:t>μεσόσφαιρα</a:t>
+            </a:r>
+            <a:r>
+              <a:rPr lang="el-GR" dirty="0"/>
+              <a:t> που φαίνεται να εκτείνεται μέχρι λίγο πάνω από τα 80 </a:t>
+            </a:r>
+            <a:r>
+              <a:rPr lang="en-US" dirty="0"/>
+              <a:t>km </a:t>
+            </a:r>
+            <a:r>
+              <a:rPr lang="el-GR" dirty="0"/>
+              <a:t>και η </a:t>
+            </a:r>
+            <a:r>
+              <a:rPr lang="el-GR" dirty="0" err="1"/>
+              <a:t>θερμόσφαιρα</a:t>
+            </a:r>
+            <a:r>
+              <a:rPr lang="el-GR" dirty="0"/>
+              <a:t> από αυτό το ύψος και έπειτα. Από την θεωρία γνωρίζουμε ότι η τροπόπαυση εντοπίζεται πιο ψηλά πάνω από τον Ισημερινό σε σχέση με τα υπόλοιπα γεωγραφικά πλάτη οπότε το επόμενο βήμα είναι να μελετήσουμε αν τα δεδομένα μας επιβεβαιώνουν τον κανόνα αυτό.</a:t>
+            </a:r>
+            <a:endParaRPr lang="en-GB" dirty="0"/>
+          </a:p>
+        </p:txBody>
+      </p:sp>
+      <p:pic>
+        <p:nvPicPr>
+          <p:cNvPr id="5" name="Picture 2">
+            <a:extLst>
+              <a:ext uri="{FF2B5EF4-FFF2-40B4-BE49-F238E27FC236}">
+                <a16:creationId xmlns:a16="http://schemas.microsoft.com/office/drawing/2014/main" id="{1747CD63-5BE0-EB57-19B7-B5EAD2C423CB}"/>
+              </a:ext>
+            </a:extLst>
+          </p:cNvPr>
+          <p:cNvPicPr>
+            <a:picLocks noGrp="1" noChangeAspect="1" noChangeArrowheads="1"/>
+          </p:cNvPicPr>
+          <p:nvPr>
+            <p:ph type="pic" idx="1"/>
+          </p:nvPr>
+        </p:nvPicPr>
+        <p:blipFill>
+          <a:blip r:embed="rId2">
+            <a:extLst>
+              <a:ext uri="{28A0092B-C50C-407E-A947-70E740481C1C}">
+                <a14:useLocalDpi xmlns:a14="http://schemas.microsoft.com/office/drawing/2010/main" val="0"/>
+              </a:ext>
+            </a:extLst>
+          </a:blip>
+          <a:srcRect t="1654" b="1654"/>
+          <a:stretch>
+            <a:fillRect/>
+          </a:stretch>
+        </p:blipFill>
+        <p:spPr bwMode="auto">
+          <a:xfrm>
+            <a:off x="6096000" y="727075"/>
+            <a:ext cx="5483225" cy="5403850"/>
+          </a:xfrm>
+          <a:prstGeom prst="rect">
+            <a:avLst/>
+          </a:prstGeom>
+          <a:noFill/>
+          <a:extLst>
+            <a:ext uri="{909E8E84-426E-40DD-AFC4-6F175D3DCCD1}">
+              <a14:hiddenFill xmlns:a14="http://schemas.microsoft.com/office/drawing/2010/main">
+                <a:solidFill>
+                  <a:srgbClr val="FFFFFF"/>
+                </a:solidFill>
+              </a14:hiddenFill>
+            </a:ext>
+          </a:extLst>
+        </p:spPr>
+      </p:pic>
+    </p:spTree>
+    <p:extLst>
+      <p:ext uri="{BB962C8B-B14F-4D97-AF65-F5344CB8AC3E}">
+        <p14:creationId xmlns:p14="http://schemas.microsoft.com/office/powerpoint/2010/main" val="2607339560"/>
+      </p:ext>
+    </p:extLst>
+  </p:cSld>
+  <p:clrMapOvr>
+    <a:masterClrMapping/>
+  </p:clrMapOvr>
+</p:sld>
+</file>
+
+<file path=ppt/slides/slide30.xml><?xml version="1.0" encoding="utf-8"?>
+<p:sld xmlns:a="http://schemas.openxmlformats.org/drawingml/2006/main" xmlns:r="http://schemas.openxmlformats.org/officeDocument/2006/relationships" xmlns:p="http://schemas.openxmlformats.org/presentationml/2006/main">
+  <p:cSld>
+    <p:spTree>
+      <p:nvGrpSpPr>
+        <p:cNvPr id="1" name=""/>
+        <p:cNvGrpSpPr/>
+        <p:nvPr/>
+      </p:nvGrpSpPr>
+      <p:grpSpPr>
+        <a:xfrm>
+          <a:off x="0" y="0"/>
+          <a:ext cx="0" cy="0"/>
+          <a:chOff x="0" y="0"/>
+          <a:chExt cx="0" cy="0"/>
+        </a:xfrm>
+      </p:grpSpPr>
+      <p:sp>
+        <p:nvSpPr>
+          <p:cNvPr id="12" name="TextBox 11">
+            <a:extLst>
+              <a:ext uri="{FF2B5EF4-FFF2-40B4-BE49-F238E27FC236}">
+                <a16:creationId xmlns:a16="http://schemas.microsoft.com/office/drawing/2014/main" id="{9D5A7CEC-D0D6-92C0-BEBA-6FAD982F56BA}"/>
+              </a:ext>
+            </a:extLst>
+          </p:cNvPr>
+          <p:cNvSpPr txBox="1"/>
+          <p:nvPr/>
+        </p:nvSpPr>
+        <p:spPr>
+          <a:xfrm>
+            <a:off x="720436" y="240147"/>
+            <a:ext cx="11083636" cy="1477328"/>
+          </a:xfrm>
+          <a:prstGeom prst="rect">
+            <a:avLst/>
+          </a:prstGeom>
+          <a:noFill/>
+        </p:spPr>
+        <p:txBody>
+          <a:bodyPr wrap="square" rtlCol="0">
+            <a:spAutoFit/>
+          </a:bodyPr>
+          <a:lstStyle/>
+          <a:p>
+            <a:r>
+              <a:rPr lang="el-GR" dirty="0"/>
+              <a:t>Στην συνέχεια, κάνουμε μέσες τιμές για την ακτινοβολία για το </a:t>
+            </a:r>
+            <a:r>
+              <a:rPr lang="en-US" dirty="0"/>
+              <a:t>dataset </a:t>
+            </a:r>
+            <a:r>
+              <a:rPr lang="el-GR" dirty="0"/>
+              <a:t>με τις περισσότερες μετρήσεις έτσι ώστε να έχουμε μία μέτρηση ανά </a:t>
+            </a:r>
+            <a:r>
+              <a:rPr lang="en-US" dirty="0"/>
+              <a:t>1nm </a:t>
+            </a:r>
+            <a:r>
+              <a:rPr lang="el-GR" dirty="0"/>
+              <a:t>όπως ακριβώς συμβαίνει με το 1</a:t>
+            </a:r>
+            <a:r>
+              <a:rPr lang="el-GR" baseline="30000" dirty="0"/>
+              <a:t>ο</a:t>
+            </a:r>
+            <a:r>
+              <a:rPr lang="el-GR" dirty="0"/>
+              <a:t> </a:t>
+            </a:r>
+            <a:r>
+              <a:rPr lang="en-US" dirty="0"/>
+              <a:t>dataset.</a:t>
+            </a:r>
+            <a:r>
+              <a:rPr lang="el-GR" dirty="0"/>
+              <a:t> </a:t>
+            </a:r>
+            <a:r>
+              <a:rPr lang="en-US" dirty="0"/>
+              <a:t> </a:t>
+            </a:r>
+            <a:r>
+              <a:rPr lang="el-GR" dirty="0"/>
+              <a:t>Κάνοντας τις αντίστοιχες γραφικές παρατηρούμε ότι σε γενικές γραμμές οι δύο γραφικές είναι σχεδόν πανομοιότυπες με πολύ μικρές τοπικές αποκλίσεις. Συγκεκριμένα, παρατηρούμε μία απόκλιση στα χαμηλά μήκη κύματος (&lt;300</a:t>
+            </a:r>
+            <a:r>
+              <a:rPr lang="en-US" dirty="0"/>
+              <a:t>nm</a:t>
+            </a:r>
+            <a:r>
+              <a:rPr lang="en-GB" dirty="0"/>
+              <a:t>) </a:t>
+            </a:r>
+            <a:r>
+              <a:rPr lang="el-GR" dirty="0"/>
+              <a:t>καθώς και μία μικρότερη στα 500 </a:t>
+            </a:r>
+            <a:r>
+              <a:rPr lang="en-US" dirty="0"/>
+              <a:t>nm </a:t>
+            </a:r>
+            <a:r>
+              <a:rPr lang="el-GR" dirty="0"/>
+              <a:t>στο 2</a:t>
+            </a:r>
+            <a:r>
+              <a:rPr lang="el-GR" baseline="30000" dirty="0"/>
+              <a:t>ο</a:t>
+            </a:r>
+            <a:r>
+              <a:rPr lang="el-GR" dirty="0"/>
+              <a:t> </a:t>
+            </a:r>
+            <a:r>
+              <a:rPr lang="en-US" dirty="0"/>
+              <a:t>peak. </a:t>
+            </a:r>
+            <a:r>
+              <a:rPr lang="el-GR" dirty="0"/>
+              <a:t> </a:t>
+            </a:r>
+            <a:endParaRPr lang="en-GB" dirty="0"/>
+          </a:p>
+        </p:txBody>
+      </p:sp>
+      <p:pic>
+        <p:nvPicPr>
+          <p:cNvPr id="8" name="Θέση περιεχομένου 7">
+            <a:extLst>
+              <a:ext uri="{FF2B5EF4-FFF2-40B4-BE49-F238E27FC236}">
+                <a16:creationId xmlns:a16="http://schemas.microsoft.com/office/drawing/2014/main" id="{4F75940E-0ABF-4897-52D3-D77EDCF83AF1}"/>
+              </a:ext>
+            </a:extLst>
+          </p:cNvPr>
+          <p:cNvPicPr>
+            <a:picLocks noGrp="1" noChangeAspect="1"/>
+          </p:cNvPicPr>
+          <p:nvPr>
+            <p:ph sz="half" idx="1"/>
+          </p:nvPr>
+        </p:nvPicPr>
+        <p:blipFill>
+          <a:blip r:embed="rId2"/>
+          <a:stretch>
+            <a:fillRect/>
+          </a:stretch>
+        </p:blipFill>
+        <p:spPr>
+          <a:xfrm>
+            <a:off x="421746" y="1865745"/>
+            <a:ext cx="5255570" cy="4905755"/>
+          </a:xfrm>
+        </p:spPr>
+      </p:pic>
+      <p:pic>
+        <p:nvPicPr>
+          <p:cNvPr id="11" name="Θέση περιεχομένου 10">
+            <a:extLst>
+              <a:ext uri="{FF2B5EF4-FFF2-40B4-BE49-F238E27FC236}">
+                <a16:creationId xmlns:a16="http://schemas.microsoft.com/office/drawing/2014/main" id="{0ECCCFE6-9FA7-D04F-5A16-AA48D10DF304}"/>
+              </a:ext>
+            </a:extLst>
+          </p:cNvPr>
+          <p:cNvPicPr>
+            <a:picLocks noGrp="1" noChangeAspect="1"/>
+          </p:cNvPicPr>
+          <p:nvPr>
+            <p:ph sz="half" idx="2"/>
+          </p:nvPr>
+        </p:nvPicPr>
+        <p:blipFill>
+          <a:blip r:embed="rId3"/>
+          <a:stretch>
+            <a:fillRect/>
+          </a:stretch>
+        </p:blipFill>
+        <p:spPr>
+          <a:xfrm>
             <a:off x="6514686" y="1862890"/>
             <a:ext cx="5189369" cy="4905755"/>
           </a:xfrm>
@@ -9191,7 +9940,7 @@
 </p:sld>
 </file>
 
-<file path=ppt/slides/slide26.xml><?xml version="1.0" encoding="utf-8"?>
+<file path=ppt/slides/slide31.xml><?xml version="1.0" encoding="utf-8"?>
 <p:sld xmlns:a="http://schemas.openxmlformats.org/drawingml/2006/main" xmlns:r="http://schemas.openxmlformats.org/officeDocument/2006/relationships" xmlns:p="http://schemas.openxmlformats.org/presentationml/2006/main">
   <p:cSld>
     <p:spTree>
@@ -10329,7 +11078,7 @@
 </p:sld>
 </file>
 
-<file path=ppt/slides/slide27.xml><?xml version="1.0" encoding="utf-8"?>
+<file path=ppt/slides/slide32.xml><?xml version="1.0" encoding="utf-8"?>
 <p:sld xmlns:a="http://schemas.openxmlformats.org/drawingml/2006/main" xmlns:r="http://schemas.openxmlformats.org/officeDocument/2006/relationships" xmlns:p="http://schemas.openxmlformats.org/presentationml/2006/main">
   <p:cSld>
     <p:spTree>
@@ -10360,7 +11109,7 @@
         </p:nvSpPr>
         <p:spPr>
           <a:xfrm>
-            <a:off x="1288473" y="2228671"/>
+            <a:off x="1288473" y="2515541"/>
             <a:ext cx="9615054" cy="1200329"/>
           </a:xfrm>
           <a:prstGeom prst="rect">
@@ -10416,43 +11165,6 @@
               <a:t> (https://github.com/nadezsha).</a:t>
             </a:r>
             <a:endParaRPr lang="en-GB" dirty="0"/>
-          </a:p>
-        </p:txBody>
-      </p:sp>
-      <p:sp>
-        <p:nvSpPr>
-          <p:cNvPr id="4" name="TextBox 3">
-            <a:extLst>
-              <a:ext uri="{FF2B5EF4-FFF2-40B4-BE49-F238E27FC236}">
-                <a16:creationId xmlns:a16="http://schemas.microsoft.com/office/drawing/2014/main" id="{8C0FDA16-0369-3B5A-E76F-67F51113772E}"/>
-              </a:ext>
-            </a:extLst>
-          </p:cNvPr>
-          <p:cNvSpPr txBox="1"/>
-          <p:nvPr/>
-        </p:nvSpPr>
-        <p:spPr>
-          <a:xfrm>
-            <a:off x="1750291" y="4387213"/>
-            <a:ext cx="8243455" cy="523220"/>
-          </a:xfrm>
-          <a:prstGeom prst="rect">
-            <a:avLst/>
-          </a:prstGeom>
-          <a:noFill/>
-        </p:spPr>
-        <p:txBody>
-          <a:bodyPr wrap="square" rtlCol="0">
-            <a:spAutoFit/>
-          </a:bodyPr>
-          <a:lstStyle/>
-          <a:p>
-            <a:pPr algn="ctr"/>
-            <a:r>
-              <a:rPr lang="el-GR" sz="2800" i="1" dirty="0"/>
-              <a:t>Ευχαριστώ για την προσοχή σας.</a:t>
-            </a:r>
-            <a:endParaRPr lang="en-GB" sz="2800" i="1" dirty="0"/>
           </a:p>
         </p:txBody>
       </p:sp>
@@ -10460,185 +11172,6 @@
     <p:extLst>
       <p:ext uri="{BB962C8B-B14F-4D97-AF65-F5344CB8AC3E}">
         <p14:creationId xmlns:p14="http://schemas.microsoft.com/office/powerpoint/2010/main" val="1193738633"/>
-      </p:ext>
-    </p:extLst>
-  </p:cSld>
-  <p:clrMapOvr>
-    <a:masterClrMapping/>
-  </p:clrMapOvr>
-</p:sld>
-</file>
-
-<file path=ppt/slides/slide3.xml><?xml version="1.0" encoding="utf-8"?>
-<p:sld xmlns:a="http://schemas.openxmlformats.org/drawingml/2006/main" xmlns:r="http://schemas.openxmlformats.org/officeDocument/2006/relationships" xmlns:p="http://schemas.openxmlformats.org/presentationml/2006/main">
-  <p:cSld>
-    <p:spTree>
-      <p:nvGrpSpPr>
-        <p:cNvPr id="1" name=""/>
-        <p:cNvGrpSpPr/>
-        <p:nvPr/>
-      </p:nvGrpSpPr>
-      <p:grpSpPr>
-        <a:xfrm>
-          <a:off x="0" y="0"/>
-          <a:ext cx="0" cy="0"/>
-          <a:chOff x="0" y="0"/>
-          <a:chExt cx="0" cy="0"/>
-        </a:xfrm>
-      </p:grpSpPr>
-      <p:sp>
-        <p:nvSpPr>
-          <p:cNvPr id="4" name="Θέση κειμένου 3">
-            <a:extLst>
-              <a:ext uri="{FF2B5EF4-FFF2-40B4-BE49-F238E27FC236}">
-                <a16:creationId xmlns:a16="http://schemas.microsoft.com/office/drawing/2014/main" id="{5F0B367D-961B-4DF4-161C-7B90BB498E0D}"/>
-              </a:ext>
-            </a:extLst>
-          </p:cNvPr>
-          <p:cNvSpPr>
-            <a:spLocks noGrp="1"/>
-          </p:cNvSpPr>
-          <p:nvPr>
-            <p:ph type="body" sz="half" idx="2"/>
-          </p:nvPr>
-        </p:nvSpPr>
-        <p:spPr>
-          <a:xfrm>
-            <a:off x="612775" y="493403"/>
-            <a:ext cx="5142566" cy="5871194"/>
-          </a:xfrm>
-        </p:spPr>
-        <p:txBody>
-          <a:bodyPr>
-            <a:normAutofit fontScale="92500"/>
-          </a:bodyPr>
-          <a:lstStyle/>
-          <a:p>
-            <a:r>
-              <a:rPr lang="el-GR" dirty="0"/>
-              <a:t>Τα διαγράμματα θερμοκρασίας – ύψους μας φανερώνουν τα όρια της τροπόσφαιρας καθώς εκεί είναι που παρατηρείται θερμοκρασιακή αναστροφή.</a:t>
-            </a:r>
-            <a:r>
-              <a:rPr lang="en-US" dirty="0"/>
-              <a:t> </a:t>
-            </a:r>
-            <a:r>
-              <a:rPr lang="el-GR" dirty="0"/>
-              <a:t>Στο διπλανό διάγραμμα βλέπουμε την κατανομή της θερμοκρασίας με το ύψος για την περίπτωση των τροπικών. Με βάση τον πίνακα δεδομένων αλλά και την γραφική παράσταση, μπορούμε να προσδιορίσουμε</a:t>
-            </a:r>
-            <a:r>
-              <a:rPr lang="en-GB" dirty="0"/>
-              <a:t> </a:t>
-            </a:r>
-            <a:r>
-              <a:rPr lang="el-GR" dirty="0"/>
-              <a:t>πολύ εύκολα το ύψος της τροπόπαυσης  το οποίο εντοπίζεται στα 17 </a:t>
-            </a:r>
-            <a:r>
-              <a:rPr lang="en-US" dirty="0"/>
-              <a:t>km </a:t>
-            </a:r>
-            <a:r>
-              <a:rPr lang="el-GR" dirty="0"/>
-              <a:t>από την Μέση Στάθμη Θάλασσας (ΜΣΘ). Το ύψος τα </a:t>
-            </a:r>
-            <a:r>
-              <a:rPr lang="el-GR" dirty="0" err="1"/>
-              <a:t>στρατόπαυσης</a:t>
-            </a:r>
-            <a:r>
-              <a:rPr lang="el-GR" dirty="0"/>
-              <a:t>, αντίστοιχα, προσδιορίζεται στα 50 </a:t>
-            </a:r>
-            <a:r>
-              <a:rPr lang="en-US" dirty="0"/>
-              <a:t>km</a:t>
-            </a:r>
-            <a:r>
-              <a:rPr lang="el-GR" dirty="0"/>
-              <a:t> και με τον ίδιο τρόπο μπορούμε να προσδιορίσουμε και τα άλλα στρώματα της ατμόσφαιρας. Συγκεκριμένα η </a:t>
-            </a:r>
-            <a:r>
-              <a:rPr lang="el-GR" dirty="0" err="1"/>
-              <a:t>μεσόσφαιρα</a:t>
-            </a:r>
-            <a:r>
-              <a:rPr lang="el-GR" dirty="0"/>
-              <a:t> που φαίνεται να εκτείνεται μέχρι λίγο πάνω από τα 80 </a:t>
-            </a:r>
-            <a:r>
-              <a:rPr lang="en-US" dirty="0"/>
-              <a:t>km </a:t>
-            </a:r>
-            <a:r>
-              <a:rPr lang="el-GR" dirty="0"/>
-              <a:t>και η </a:t>
-            </a:r>
-            <a:r>
-              <a:rPr lang="el-GR" dirty="0" err="1"/>
-              <a:t>θερμόσφαιρα</a:t>
-            </a:r>
-            <a:r>
-              <a:rPr lang="el-GR" dirty="0"/>
-              <a:t> από αυτό το ύψος και έπειτα. Από την θεωρία γνωρίζουμε ότι η τροπόπαυση εντοπίζεται πιο ψηλά πάνω από τον Ισημερινό σε σχέση με τα υπόλοιπα γεωγραφικά πλάτη οπότε το επόμενο βήμα είναι να μελετήσουμε αν τα δεδομένα μας επιβεβαιώνουν τον κανόνα αυτό.</a:t>
-            </a:r>
-            <a:endParaRPr lang="en-GB" dirty="0"/>
-          </a:p>
-        </p:txBody>
-      </p:sp>
-      <p:pic>
-        <p:nvPicPr>
-          <p:cNvPr id="5" name="Picture 2">
-            <a:extLst>
-              <a:ext uri="{FF2B5EF4-FFF2-40B4-BE49-F238E27FC236}">
-                <a16:creationId xmlns:a16="http://schemas.microsoft.com/office/drawing/2014/main" id="{1747CD63-5BE0-EB57-19B7-B5EAD2C423CB}"/>
-              </a:ext>
-            </a:extLst>
-          </p:cNvPr>
-          <p:cNvPicPr>
-            <a:picLocks noGrp="1" noChangeAspect="1" noChangeArrowheads="1"/>
-          </p:cNvPicPr>
-          <p:nvPr>
-            <p:ph type="pic" idx="1"/>
-          </p:nvPr>
-        </p:nvPicPr>
-        <p:blipFill>
-          <a:blip r:embed="rId2">
-            <a:extLst>
-              <a:ext uri="{28A0092B-C50C-407E-A947-70E740481C1C}">
-                <a14:useLocalDpi xmlns:a14="http://schemas.microsoft.com/office/drawing/2010/main" val="0"/>
-              </a:ext>
-            </a:extLst>
-          </a:blip>
-          <a:srcRect t="1654" b="1654"/>
-          <a:stretch>
-            <a:fillRect/>
-          </a:stretch>
-        </p:blipFill>
-        <p:spPr bwMode="auto">
-          <a:xfrm>
-            <a:off x="6096000" y="727075"/>
-            <a:ext cx="5483225" cy="5403850"/>
-          </a:xfrm>
-          <a:prstGeom prst="rect">
-            <a:avLst/>
-          </a:prstGeom>
-          <a:noFill/>
-          <a:extLst>
-            <a:ext uri="{909E8E84-426E-40DD-AFC4-6F175D3DCCD1}">
-              <a14:hiddenFill xmlns:a14="http://schemas.microsoft.com/office/drawing/2010/main">
-                <a:solidFill>
-                  <a:srgbClr val="FFFFFF"/>
-                </a:solidFill>
-              </a14:hiddenFill>
-            </a:ext>
-          </a:extLst>
-        </p:spPr>
-      </p:pic>
-    </p:spTree>
-    <p:extLst>
-      <p:ext uri="{BB962C8B-B14F-4D97-AF65-F5344CB8AC3E}">
-        <p14:creationId xmlns:p14="http://schemas.microsoft.com/office/powerpoint/2010/main" val="2607339560"/>
       </p:ext>
     </p:extLst>
   </p:cSld>
